--- a/Manual nao-lib.pptx
+++ b/Manual nao-lib.pptx
@@ -11,10 +11,13 @@
     <p:sldId id="258" r:id="rId5"/>
     <p:sldId id="259" r:id="rId6"/>
     <p:sldId id="260" r:id="rId7"/>
-    <p:sldId id="264" r:id="rId8"/>
-    <p:sldId id="262" r:id="rId9"/>
-    <p:sldId id="263" r:id="rId10"/>
-    <p:sldId id="261" r:id="rId11"/>
+    <p:sldId id="265" r:id="rId8"/>
+    <p:sldId id="266" r:id="rId9"/>
+    <p:sldId id="267" r:id="rId10"/>
+    <p:sldId id="264" r:id="rId11"/>
+    <p:sldId id="262" r:id="rId12"/>
+    <p:sldId id="263" r:id="rId13"/>
+    <p:sldId id="261" r:id="rId14"/>
   </p:sldIdLst>
   <p:sldSz cx="9144000" cy="6858000" type="screen4x3"/>
   <p:notesSz cx="6858000" cy="9144000"/>
@@ -297,7 +300,7 @@
           <a:p>
             <a:fld id="{16DE1CF3-1110-D54A-B496-DBD515E8BC9A}" type="datetimeFigureOut">
               <a:rPr lang="en-US" smtClean="0"/>
-              <a:t>26/04/16</a:t>
+              <a:t>08/07/16</a:t>
             </a:fld>
             <a:endParaRPr lang="en-US"/>
           </a:p>
@@ -467,7 +470,7 @@
           <a:p>
             <a:fld id="{16DE1CF3-1110-D54A-B496-DBD515E8BC9A}" type="datetimeFigureOut">
               <a:rPr lang="en-US" smtClean="0"/>
-              <a:t>26/04/16</a:t>
+              <a:t>08/07/16</a:t>
             </a:fld>
             <a:endParaRPr lang="en-US"/>
           </a:p>
@@ -647,7 +650,7 @@
           <a:p>
             <a:fld id="{16DE1CF3-1110-D54A-B496-DBD515E8BC9A}" type="datetimeFigureOut">
               <a:rPr lang="en-US" smtClean="0"/>
-              <a:t>26/04/16</a:t>
+              <a:t>08/07/16</a:t>
             </a:fld>
             <a:endParaRPr lang="en-US"/>
           </a:p>
@@ -1102,7 +1105,7 @@
                 </a:solidFill>
               </a:rPr>
               <a:pPr/>
-              <a:t>25/04/16</a:t>
+              <a:t>08/07/16</a:t>
             </a:fld>
             <a:endParaRPr lang="en-US" altLang="en-US">
               <a:solidFill>
@@ -1341,7 +1344,7 @@
                 </a:solidFill>
               </a:rPr>
               <a:pPr/>
-              <a:t>25/04/16</a:t>
+              <a:t>08/07/16</a:t>
             </a:fld>
             <a:endParaRPr lang="en-US" altLang="en-US">
               <a:solidFill>
@@ -1672,7 +1675,7 @@
                 </a:solidFill>
               </a:rPr>
               <a:pPr/>
-              <a:t>25/04/16</a:t>
+              <a:t>08/07/16</a:t>
             </a:fld>
             <a:endParaRPr lang="en-US" altLang="en-US">
               <a:solidFill>
@@ -2138,7 +2141,7 @@
                 </a:solidFill>
               </a:rPr>
               <a:pPr/>
-              <a:t>25/04/16</a:t>
+              <a:t>08/07/16</a:t>
             </a:fld>
             <a:endParaRPr lang="en-US" altLang="en-US">
               <a:solidFill>
@@ -2299,7 +2302,7 @@
                 </a:solidFill>
               </a:rPr>
               <a:pPr/>
-              <a:t>25/04/16</a:t>
+              <a:t>08/07/16</a:t>
             </a:fld>
             <a:endParaRPr lang="en-US" altLang="en-US">
               <a:solidFill>
@@ -2437,7 +2440,7 @@
                 </a:solidFill>
               </a:rPr>
               <a:pPr/>
-              <a:t>25/04/16</a:t>
+              <a:t>08/07/16</a:t>
             </a:fld>
             <a:endParaRPr lang="en-US" altLang="en-US">
               <a:solidFill>
@@ -2596,7 +2599,7 @@
                 </a:solidFill>
               </a:rPr>
               <a:pPr/>
-              <a:t>25/04/16</a:t>
+              <a:t>08/07/16</a:t>
             </a:fld>
             <a:endParaRPr lang="en-US" altLang="en-US">
               <a:solidFill>
@@ -2769,7 +2772,7 @@
           <a:p>
             <a:fld id="{16DE1CF3-1110-D54A-B496-DBD515E8BC9A}" type="datetimeFigureOut">
               <a:rPr lang="en-US" smtClean="0"/>
-              <a:t>26/04/16</a:t>
+              <a:t>08/07/16</a:t>
             </a:fld>
             <a:endParaRPr lang="en-US"/>
           </a:p>
@@ -3015,7 +3018,7 @@
           <a:p>
             <a:fld id="{16DE1CF3-1110-D54A-B496-DBD515E8BC9A}" type="datetimeFigureOut">
               <a:rPr lang="en-US" smtClean="0"/>
-              <a:t>26/04/16</a:t>
+              <a:t>08/07/16</a:t>
             </a:fld>
             <a:endParaRPr lang="en-US"/>
           </a:p>
@@ -3303,7 +3306,7 @@
           <a:p>
             <a:fld id="{16DE1CF3-1110-D54A-B496-DBD515E8BC9A}" type="datetimeFigureOut">
               <a:rPr lang="en-US" smtClean="0"/>
-              <a:t>26/04/16</a:t>
+              <a:t>08/07/16</a:t>
             </a:fld>
             <a:endParaRPr lang="en-US"/>
           </a:p>
@@ -3725,7 +3728,7 @@
           <a:p>
             <a:fld id="{16DE1CF3-1110-D54A-B496-DBD515E8BC9A}" type="datetimeFigureOut">
               <a:rPr lang="en-US" smtClean="0"/>
-              <a:t>26/04/16</a:t>
+              <a:t>08/07/16</a:t>
             </a:fld>
             <a:endParaRPr lang="en-US"/>
           </a:p>
@@ -3843,7 +3846,7 @@
           <a:p>
             <a:fld id="{16DE1CF3-1110-D54A-B496-DBD515E8BC9A}" type="datetimeFigureOut">
               <a:rPr lang="en-US" smtClean="0"/>
-              <a:t>26/04/16</a:t>
+              <a:t>08/07/16</a:t>
             </a:fld>
             <a:endParaRPr lang="en-US"/>
           </a:p>
@@ -3938,7 +3941,7 @@
           <a:p>
             <a:fld id="{16DE1CF3-1110-D54A-B496-DBD515E8BC9A}" type="datetimeFigureOut">
               <a:rPr lang="en-US" smtClean="0"/>
-              <a:t>26/04/16</a:t>
+              <a:t>08/07/16</a:t>
             </a:fld>
             <a:endParaRPr lang="en-US"/>
           </a:p>
@@ -4215,7 +4218,7 @@
           <a:p>
             <a:fld id="{16DE1CF3-1110-D54A-B496-DBD515E8BC9A}" type="datetimeFigureOut">
               <a:rPr lang="en-US" smtClean="0"/>
-              <a:t>26/04/16</a:t>
+              <a:t>08/07/16</a:t>
             </a:fld>
             <a:endParaRPr lang="en-US"/>
           </a:p>
@@ -4468,7 +4471,7 @@
           <a:p>
             <a:fld id="{16DE1CF3-1110-D54A-B496-DBD515E8BC9A}" type="datetimeFigureOut">
               <a:rPr lang="en-US" smtClean="0"/>
-              <a:t>26/04/16</a:t>
+              <a:t>08/07/16</a:t>
             </a:fld>
             <a:endParaRPr lang="en-US"/>
           </a:p>
@@ -4681,7 +4684,7 @@
           <a:p>
             <a:fld id="{16DE1CF3-1110-D54A-B496-DBD515E8BC9A}" type="datetimeFigureOut">
               <a:rPr lang="en-US" smtClean="0"/>
-              <a:t>26/04/16</a:t>
+              <a:t>08/07/16</a:t>
             </a:fld>
             <a:endParaRPr lang="en-US"/>
           </a:p>
@@ -5438,7 +5441,7 @@
                   <a:spcPct val="0"/>
                 </a:spcAft>
               </a:pPr>
-              <a:t>25/04/16</a:t>
+              <a:t>08/07/16</a:t>
             </a:fld>
             <a:endParaRPr lang="en-US" altLang="en-US">
               <a:solidFill>
@@ -6069,8 +6072,8 @@
         </p:nvSpPr>
         <p:spPr>
           <a:xfrm>
-            <a:off x="3645519" y="2102248"/>
-            <a:ext cx="3974092" cy="3970318"/>
+            <a:off x="4342419" y="2102248"/>
+            <a:ext cx="4801580" cy="4524316"/>
           </a:xfrm>
           <a:prstGeom prst="rect">
             <a:avLst/>
@@ -6083,165 +6086,272 @@
           <a:lstStyle/>
           <a:p>
             <a:r>
-              <a:rPr lang="en-US" dirty="0" smtClean="0"/>
-              <a:t>    global </a:t>
-            </a:r>
-            <a:r>
-              <a:rPr lang="en-US" dirty="0" err="1" smtClean="0"/>
+              <a:rPr lang="en-US" sz="1600" dirty="0"/>
+              <a:t> global </a:t>
+            </a:r>
+            <a:r>
+              <a:rPr lang="en-US" sz="1600" dirty="0" err="1"/>
               <a:t>audioProxy</a:t>
             </a:r>
-            <a:endParaRPr lang="en-US" dirty="0" smtClean="0"/>
-          </a:p>
-          <a:p>
-            <a:r>
-              <a:rPr lang="en-US" dirty="0" smtClean="0"/>
-              <a:t>    global </a:t>
-            </a:r>
-            <a:r>
-              <a:rPr lang="en-US" dirty="0" err="1" smtClean="0"/>
+            <a:endParaRPr lang="en-US" sz="1600" dirty="0"/>
+          </a:p>
+          <a:p>
+            <a:r>
+              <a:rPr lang="en-US" sz="1600" dirty="0"/>
+              <a:t> </a:t>
+            </a:r>
+            <a:r>
+              <a:rPr lang="en-US" sz="1600" dirty="0" smtClean="0"/>
+              <a:t>global </a:t>
+            </a:r>
+            <a:r>
+              <a:rPr lang="en-US" sz="1600" dirty="0" err="1"/>
               <a:t>motionProxy</a:t>
             </a:r>
-            <a:endParaRPr lang="en-US" dirty="0" smtClean="0"/>
-          </a:p>
-          <a:p>
-            <a:r>
-              <a:rPr lang="en-US" dirty="0" smtClean="0"/>
-              <a:t>    global </a:t>
-            </a:r>
-            <a:r>
-              <a:rPr lang="en-US" dirty="0" err="1" smtClean="0"/>
+            <a:endParaRPr lang="en-US" sz="1600" dirty="0"/>
+          </a:p>
+          <a:p>
+            <a:r>
+              <a:rPr lang="en-US" sz="1600" dirty="0"/>
+              <a:t> </a:t>
+            </a:r>
+            <a:r>
+              <a:rPr lang="en-US" sz="1600" dirty="0" smtClean="0"/>
+              <a:t>global </a:t>
+            </a:r>
+            <a:r>
+              <a:rPr lang="en-US" sz="1600" dirty="0" err="1"/>
               <a:t>memoryProxy</a:t>
             </a:r>
-            <a:endParaRPr lang="en-US" dirty="0" smtClean="0"/>
-          </a:p>
-          <a:p>
-            <a:r>
-              <a:rPr lang="en-US" dirty="0" smtClean="0"/>
-              <a:t>    global </a:t>
-            </a:r>
-            <a:r>
-              <a:rPr lang="en-US" dirty="0" err="1" smtClean="0"/>
+            <a:endParaRPr lang="en-US" sz="1600" dirty="0"/>
+          </a:p>
+          <a:p>
+            <a:r>
+              <a:rPr lang="en-US" sz="1600" dirty="0"/>
+              <a:t> </a:t>
+            </a:r>
+            <a:r>
+              <a:rPr lang="en-US" sz="1600" dirty="0" smtClean="0"/>
+              <a:t>global </a:t>
+            </a:r>
+            <a:r>
+              <a:rPr lang="en-US" sz="1600" dirty="0" err="1"/>
               <a:t>cameraProxy</a:t>
             </a:r>
-            <a:endParaRPr lang="en-US" dirty="0" smtClean="0"/>
-          </a:p>
-          <a:p>
-            <a:r>
-              <a:rPr lang="en-US" dirty="0" smtClean="0"/>
-              <a:t>    global </a:t>
-            </a:r>
-            <a:r>
-              <a:rPr lang="en-US" dirty="0" err="1" smtClean="0"/>
+            <a:endParaRPr lang="en-US" sz="1600" dirty="0"/>
+          </a:p>
+          <a:p>
+            <a:r>
+              <a:rPr lang="en-US" sz="1600" dirty="0"/>
+              <a:t> </a:t>
+            </a:r>
+            <a:r>
+              <a:rPr lang="en-US" sz="1600" dirty="0" smtClean="0"/>
+              <a:t>global </a:t>
+            </a:r>
+            <a:r>
+              <a:rPr lang="en-US" sz="1600" dirty="0" err="1"/>
               <a:t>faceProxy</a:t>
             </a:r>
-            <a:endParaRPr lang="en-US" dirty="0" smtClean="0"/>
-          </a:p>
-          <a:p>
-            <a:r>
-              <a:rPr lang="en-US" dirty="0" smtClean="0"/>
-              <a:t>    global </a:t>
-            </a:r>
-            <a:r>
-              <a:rPr lang="en-US" dirty="0" err="1" smtClean="0"/>
+            <a:endParaRPr lang="en-US" sz="1600" dirty="0"/>
+          </a:p>
+          <a:p>
+            <a:r>
+              <a:rPr lang="en-US" sz="1600" dirty="0"/>
+              <a:t> </a:t>
+            </a:r>
+            <a:r>
+              <a:rPr lang="en-US" sz="1600" dirty="0" smtClean="0"/>
+              <a:t>global </a:t>
+            </a:r>
+            <a:r>
+              <a:rPr lang="en-US" sz="1600" dirty="0" err="1"/>
               <a:t>ledProxy</a:t>
             </a:r>
-            <a:endParaRPr lang="en-US" dirty="0" smtClean="0"/>
-          </a:p>
-          <a:p>
-            <a:r>
-              <a:rPr lang="en-US" dirty="0" smtClean="0"/>
-              <a:t>    global </a:t>
-            </a:r>
-            <a:r>
-              <a:rPr lang="en-US" dirty="0" err="1" smtClean="0"/>
+            <a:endParaRPr lang="en-US" sz="1600" dirty="0"/>
+          </a:p>
+          <a:p>
+            <a:r>
+              <a:rPr lang="en-US" sz="1600" dirty="0"/>
+              <a:t> </a:t>
+            </a:r>
+            <a:r>
+              <a:rPr lang="en-US" sz="1600" dirty="0" smtClean="0"/>
+              <a:t>global </a:t>
+            </a:r>
+            <a:r>
+              <a:rPr lang="en-US" sz="1600" dirty="0" err="1"/>
               <a:t>tts</a:t>
             </a:r>
-            <a:endParaRPr lang="en-US" dirty="0" smtClean="0"/>
-          </a:p>
-          <a:p>
-            <a:r>
-              <a:rPr lang="en-US" dirty="0" smtClean="0"/>
-              <a:t>    global </a:t>
-            </a:r>
-            <a:r>
-              <a:rPr lang="en-US" dirty="0" err="1" smtClean="0"/>
+            <a:endParaRPr lang="en-US" sz="1600" dirty="0"/>
+          </a:p>
+          <a:p>
+            <a:r>
+              <a:rPr lang="en-US" sz="1600" dirty="0"/>
+              <a:t> </a:t>
+            </a:r>
+            <a:r>
+              <a:rPr lang="en-US" sz="1600" dirty="0" smtClean="0"/>
+              <a:t>global </a:t>
+            </a:r>
+            <a:r>
+              <a:rPr lang="en-US" sz="1600" dirty="0" err="1"/>
               <a:t>trackfaceProxy</a:t>
             </a:r>
-            <a:endParaRPr lang="en-US" dirty="0" smtClean="0"/>
-          </a:p>
-          <a:p>
-            <a:r>
-              <a:rPr lang="en-US" dirty="0" smtClean="0"/>
-              <a:t>    global </a:t>
-            </a:r>
-            <a:r>
-              <a:rPr lang="en-US" dirty="0" err="1" smtClean="0"/>
+            <a:endParaRPr lang="en-US" sz="1600" dirty="0"/>
+          </a:p>
+          <a:p>
+            <a:r>
+              <a:rPr lang="en-US" sz="1600" dirty="0"/>
+              <a:t> </a:t>
+            </a:r>
+            <a:r>
+              <a:rPr lang="en-US" sz="1600" dirty="0" smtClean="0"/>
+              <a:t>global </a:t>
+            </a:r>
+            <a:r>
+              <a:rPr lang="en-US" sz="1600" dirty="0" err="1"/>
               <a:t>playProxy</a:t>
             </a:r>
-            <a:endParaRPr lang="en-US" dirty="0" smtClean="0"/>
-          </a:p>
-          <a:p>
-            <a:r>
-              <a:rPr lang="en-US" dirty="0" smtClean="0"/>
-              <a:t>    global </a:t>
-            </a:r>
-            <a:r>
-              <a:rPr lang="en-US" dirty="0" err="1" smtClean="0"/>
+            <a:endParaRPr lang="en-US" sz="1600" dirty="0"/>
+          </a:p>
+          <a:p>
+            <a:r>
+              <a:rPr lang="en-US" sz="1600" dirty="0"/>
+              <a:t> </a:t>
+            </a:r>
+            <a:r>
+              <a:rPr lang="en-US" sz="1600" dirty="0" smtClean="0"/>
+              <a:t>global </a:t>
+            </a:r>
+            <a:r>
+              <a:rPr lang="en-US" sz="1600" dirty="0" err="1"/>
               <a:t>videoProxy</a:t>
             </a:r>
-            <a:endParaRPr lang="en-US" dirty="0" smtClean="0"/>
-          </a:p>
-          <a:p>
-            <a:r>
-              <a:rPr lang="en-US" dirty="0" smtClean="0"/>
-              <a:t>    global </a:t>
-            </a:r>
-            <a:r>
-              <a:rPr lang="en-US" dirty="0" err="1" smtClean="0"/>
+            <a:endParaRPr lang="en-US" sz="1600" dirty="0"/>
+          </a:p>
+          <a:p>
+            <a:r>
+              <a:rPr lang="en-US" sz="1600" dirty="0"/>
+              <a:t> </a:t>
+            </a:r>
+            <a:r>
+              <a:rPr lang="en-US" sz="1600" dirty="0" smtClean="0"/>
+              <a:t>global </a:t>
+            </a:r>
+            <a:r>
+              <a:rPr lang="en-US" sz="1600" dirty="0" err="1"/>
               <a:t>asr</a:t>
             </a:r>
-            <a:endParaRPr lang="en-US" dirty="0" smtClean="0"/>
-          </a:p>
-          <a:p>
-            <a:r>
-              <a:rPr lang="en-US" dirty="0" smtClean="0"/>
-              <a:t>    global </a:t>
-            </a:r>
-            <a:r>
-              <a:rPr lang="en-US" dirty="0" err="1" smtClean="0"/>
+            <a:endParaRPr lang="en-US" sz="1600" dirty="0"/>
+          </a:p>
+          <a:p>
+            <a:r>
+              <a:rPr lang="en-US" sz="1600" dirty="0"/>
+              <a:t> </a:t>
+            </a:r>
+            <a:r>
+              <a:rPr lang="en-US" sz="1600" dirty="0" smtClean="0"/>
+              <a:t>global </a:t>
+            </a:r>
+            <a:r>
+              <a:rPr lang="en-US" sz="1600" dirty="0" err="1"/>
               <a:t>speechProxy</a:t>
             </a:r>
             <a:r>
-              <a:rPr lang="en-US" dirty="0" smtClean="0"/>
+              <a:rPr lang="en-US" sz="1600" dirty="0"/>
               <a:t> # same as </a:t>
             </a:r>
             <a:r>
-              <a:rPr lang="en-US" dirty="0" err="1" smtClean="0"/>
+              <a:rPr lang="en-US" sz="1600" dirty="0" err="1"/>
               <a:t>asr</a:t>
             </a:r>
-            <a:endParaRPr lang="en-US" dirty="0" smtClean="0"/>
-          </a:p>
-          <a:p>
-            <a:r>
-              <a:rPr lang="en-US" dirty="0" smtClean="0"/>
-              <a:t>    global </a:t>
-            </a:r>
-            <a:r>
-              <a:rPr lang="en-US" dirty="0" err="1" smtClean="0"/>
+            <a:r>
+              <a:rPr lang="en-US" sz="1600" dirty="0"/>
+              <a:t> </a:t>
+            </a:r>
+          </a:p>
+          <a:p>
+            <a:r>
+              <a:rPr lang="en-US" sz="1600" dirty="0"/>
+              <a:t> </a:t>
+            </a:r>
+            <a:r>
+              <a:rPr lang="en-US" sz="1600" dirty="0" smtClean="0"/>
+              <a:t>global </a:t>
+            </a:r>
+            <a:r>
+              <a:rPr lang="en-US" sz="1600" dirty="0" err="1"/>
               <a:t>sonarProxy</a:t>
             </a:r>
-            <a:endParaRPr lang="en-US" dirty="0" smtClean="0"/>
-          </a:p>
-          <a:p>
-            <a:r>
-              <a:rPr lang="en-US" dirty="0" smtClean="0"/>
-              <a:t>    global </a:t>
-            </a:r>
-            <a:r>
-              <a:rPr lang="en-US" dirty="0" err="1" smtClean="0"/>
+            <a:endParaRPr lang="en-US" sz="1600" dirty="0"/>
+          </a:p>
+          <a:p>
+            <a:r>
+              <a:rPr lang="en-US" sz="1600" dirty="0"/>
+              <a:t> </a:t>
+            </a:r>
+            <a:r>
+              <a:rPr lang="en-US" sz="1600" dirty="0" smtClean="0"/>
+              <a:t>global </a:t>
+            </a:r>
+            <a:r>
+              <a:rPr lang="en-US" sz="1600" dirty="0" err="1"/>
               <a:t>postureProxy</a:t>
             </a:r>
-            <a:endParaRPr lang="en-US" dirty="0"/>
+            <a:endParaRPr lang="en-US" sz="1600" dirty="0"/>
+          </a:p>
+          <a:p>
+            <a:r>
+              <a:rPr lang="en-US" sz="1600" dirty="0"/>
+              <a:t> </a:t>
+            </a:r>
+            <a:r>
+              <a:rPr lang="en-US" sz="1600" dirty="0" smtClean="0"/>
+              <a:t>global </a:t>
+            </a:r>
+            <a:r>
+              <a:rPr lang="en-US" sz="1600" dirty="0" err="1"/>
+              <a:t>landmarkProxy</a:t>
+            </a:r>
+            <a:endParaRPr lang="en-US" sz="1600" dirty="0"/>
+          </a:p>
+          <a:p>
+            <a:r>
+              <a:rPr lang="en-US" sz="1600" dirty="0" smtClean="0"/>
+              <a:t> global </a:t>
+            </a:r>
+            <a:r>
+              <a:rPr lang="en-US" sz="1600" dirty="0" err="1"/>
+              <a:t>soundProxy</a:t>
+            </a:r>
+            <a:endParaRPr lang="en-US" sz="1600" dirty="0"/>
+          </a:p>
+          <a:p>
+            <a:r>
+              <a:rPr lang="en-US" sz="1600" dirty="0"/>
+              <a:t> </a:t>
+            </a:r>
+            <a:r>
+              <a:rPr lang="en-US" sz="1600" dirty="0" smtClean="0"/>
+              <a:t>global </a:t>
+            </a:r>
+            <a:r>
+              <a:rPr lang="en-US" sz="1600" dirty="0" err="1" smtClean="0"/>
+              <a:t>soundLocalizationProxy</a:t>
+            </a:r>
+            <a:endParaRPr lang="en-US" sz="1600" dirty="0" smtClean="0"/>
+          </a:p>
+          <a:p>
+            <a:r>
+              <a:rPr lang="en-US" sz="1600" dirty="0"/>
+              <a:t> global </a:t>
+            </a:r>
+            <a:r>
+              <a:rPr lang="en-US" sz="1600" dirty="0" err="1" smtClean="0"/>
+              <a:t>trackerProxy</a:t>
+            </a:r>
+            <a:endParaRPr lang="en-US" sz="1600" dirty="0"/>
           </a:p>
         </p:txBody>
       </p:sp>
@@ -6254,7 +6364,7 @@
         <p:spPr>
           <a:xfrm>
             <a:off x="791958" y="2102248"/>
-            <a:ext cx="3686734" cy="3970318"/>
+            <a:ext cx="3686734" cy="4524316"/>
           </a:xfrm>
           <a:prstGeom prst="rect">
             <a:avLst/>
@@ -6267,189 +6377,247 @@
           <a:lstStyle/>
           <a:p>
             <a:r>
-              <a:rPr lang="en-US" dirty="0" smtClean="0"/>
+              <a:rPr lang="en-US" sz="1600" dirty="0" smtClean="0"/>
               <a:t>"</a:t>
             </a:r>
             <a:r>
-              <a:rPr lang="en-US" dirty="0" err="1" smtClean="0"/>
+              <a:rPr lang="en-US" sz="1600" dirty="0" err="1" smtClean="0"/>
               <a:t>ALAudioDevice</a:t>
             </a:r>
             <a:r>
-              <a:rPr lang="en-US" dirty="0" smtClean="0"/>
+              <a:rPr lang="en-US" sz="1600" dirty="0" smtClean="0"/>
               <a:t>”</a:t>
             </a:r>
           </a:p>
           <a:p>
             <a:r>
-              <a:rPr lang="en-US" dirty="0" smtClean="0"/>
+              <a:rPr lang="en-US" sz="1600" dirty="0" smtClean="0"/>
               <a:t>"</a:t>
             </a:r>
             <a:r>
-              <a:rPr lang="en-US" dirty="0" err="1" smtClean="0"/>
+              <a:rPr lang="en-US" sz="1600" dirty="0" err="1" smtClean="0"/>
               <a:t>ALMotion</a:t>
             </a:r>
             <a:r>
-              <a:rPr lang="en-US" dirty="0" smtClean="0"/>
+              <a:rPr lang="en-US" sz="1600" dirty="0" smtClean="0"/>
               <a:t>”</a:t>
             </a:r>
           </a:p>
           <a:p>
             <a:r>
-              <a:rPr lang="en-US" dirty="0" smtClean="0"/>
+              <a:rPr lang="en-US" sz="1600" dirty="0" smtClean="0"/>
               <a:t>"</a:t>
             </a:r>
             <a:r>
-              <a:rPr lang="en-US" dirty="0" err="1" smtClean="0"/>
+              <a:rPr lang="en-US" sz="1600" dirty="0" err="1" smtClean="0"/>
               <a:t>ALMemory</a:t>
             </a:r>
             <a:r>
-              <a:rPr lang="en-US" dirty="0" smtClean="0"/>
+              <a:rPr lang="en-US" sz="1600" dirty="0" smtClean="0"/>
               <a:t>”</a:t>
             </a:r>
           </a:p>
           <a:p>
             <a:r>
-              <a:rPr lang="en-US" dirty="0" smtClean="0"/>
+              <a:rPr lang="en-US" sz="1600" dirty="0" smtClean="0"/>
               <a:t>"</a:t>
             </a:r>
             <a:r>
-              <a:rPr lang="en-US" dirty="0" err="1" smtClean="0"/>
+              <a:rPr lang="en-US" sz="1600" dirty="0" err="1" smtClean="0"/>
               <a:t>ALVideoDevice</a:t>
             </a:r>
             <a:r>
-              <a:rPr lang="en-US" dirty="0" smtClean="0"/>
+              <a:rPr lang="en-US" sz="1600" dirty="0" smtClean="0"/>
               <a:t>”</a:t>
             </a:r>
           </a:p>
           <a:p>
             <a:r>
-              <a:rPr lang="en-US" dirty="0" smtClean="0"/>
+              <a:rPr lang="en-US" sz="1600" dirty="0" smtClean="0"/>
               <a:t>"</a:t>
             </a:r>
             <a:r>
-              <a:rPr lang="en-US" dirty="0" err="1" smtClean="0"/>
+              <a:rPr lang="en-US" sz="1600" dirty="0" err="1" smtClean="0"/>
               <a:t>ALFaceDetection</a:t>
             </a:r>
             <a:r>
-              <a:rPr lang="en-US" dirty="0" smtClean="0"/>
+              <a:rPr lang="en-US" sz="1600" dirty="0" smtClean="0"/>
               <a:t>”</a:t>
             </a:r>
           </a:p>
           <a:p>
             <a:r>
-              <a:rPr lang="en-US" dirty="0" smtClean="0"/>
+              <a:rPr lang="en-US" sz="1600" dirty="0" smtClean="0"/>
               <a:t>"</a:t>
             </a:r>
             <a:r>
-              <a:rPr lang="en-US" dirty="0" err="1" smtClean="0"/>
+              <a:rPr lang="en-US" sz="1600" dirty="0" err="1" smtClean="0"/>
               <a:t>ALLeds</a:t>
             </a:r>
             <a:r>
-              <a:rPr lang="en-US" dirty="0" smtClean="0"/>
+              <a:rPr lang="en-US" sz="1600" dirty="0" smtClean="0"/>
               <a:t>”</a:t>
             </a:r>
           </a:p>
           <a:p>
             <a:r>
-              <a:rPr lang="en-US" dirty="0" smtClean="0"/>
+              <a:rPr lang="en-US" sz="1600" dirty="0" smtClean="0"/>
               <a:t>"</a:t>
             </a:r>
             <a:r>
-              <a:rPr lang="en-US" dirty="0" err="1" smtClean="0"/>
+              <a:rPr lang="en-US" sz="1600" dirty="0" err="1" smtClean="0"/>
               <a:t>ALTextToSpeech</a:t>
             </a:r>
             <a:r>
-              <a:rPr lang="en-US" dirty="0" smtClean="0"/>
+              <a:rPr lang="en-US" sz="1600" dirty="0" smtClean="0"/>
               <a:t>”</a:t>
             </a:r>
           </a:p>
           <a:p>
             <a:r>
-              <a:rPr lang="en-US" dirty="0" smtClean="0"/>
+              <a:rPr lang="en-US" sz="1600" dirty="0" smtClean="0"/>
               <a:t>"</a:t>
             </a:r>
             <a:r>
-              <a:rPr lang="en-US" dirty="0" err="1" smtClean="0"/>
+              <a:rPr lang="en-US" sz="1600" dirty="0" err="1" smtClean="0"/>
               <a:t>ALFaceTracker</a:t>
             </a:r>
             <a:r>
-              <a:rPr lang="en-US" dirty="0" smtClean="0"/>
+              <a:rPr lang="en-US" sz="1600" dirty="0" smtClean="0"/>
               <a:t>”</a:t>
             </a:r>
           </a:p>
           <a:p>
             <a:r>
-              <a:rPr lang="en-US" dirty="0" smtClean="0"/>
+              <a:rPr lang="en-US" sz="1600" dirty="0" smtClean="0"/>
               <a:t>"</a:t>
             </a:r>
             <a:r>
-              <a:rPr lang="en-US" dirty="0" err="1" smtClean="0"/>
+              <a:rPr lang="en-US" sz="1600" dirty="0" err="1" smtClean="0"/>
               <a:t>ALAudioPlayer</a:t>
             </a:r>
             <a:r>
-              <a:rPr lang="en-US" dirty="0" smtClean="0"/>
+              <a:rPr lang="en-US" sz="1600" dirty="0" smtClean="0"/>
               <a:t>”</a:t>
             </a:r>
           </a:p>
           <a:p>
             <a:r>
-              <a:rPr lang="en-US" dirty="0" smtClean="0"/>
+              <a:rPr lang="en-US" sz="1600" dirty="0" smtClean="0"/>
               <a:t>"</a:t>
             </a:r>
             <a:r>
-              <a:rPr lang="en-US" dirty="0" err="1" smtClean="0"/>
-              <a:t>ALVisionToolbox</a:t>
-            </a:r>
-            <a:r>
-              <a:rPr lang="en-US" dirty="0" smtClean="0"/>
+              <a:rPr lang="en-US" sz="1600" dirty="0" err="1" smtClean="0"/>
+              <a:t>ALVideoRecorder</a:t>
+            </a:r>
+            <a:r>
+              <a:rPr lang="en-US" sz="1600" dirty="0" smtClean="0"/>
               <a:t>”</a:t>
             </a:r>
-          </a:p>
-          <a:p>
-            <a:r>
-              <a:rPr lang="en-US" dirty="0" smtClean="0"/>
+            <a:endParaRPr lang="en-US" sz="1600" dirty="0" smtClean="0"/>
+          </a:p>
+          <a:p>
+            <a:r>
+              <a:rPr lang="en-US" sz="1600" dirty="0" smtClean="0"/>
               <a:t>"</a:t>
             </a:r>
             <a:r>
-              <a:rPr lang="en-US" dirty="0" err="1" smtClean="0"/>
+              <a:rPr lang="en-US" sz="1600" dirty="0" err="1" smtClean="0"/>
               <a:t>ALSpeechRecognition</a:t>
             </a:r>
             <a:r>
-              <a:rPr lang="en-US" dirty="0" smtClean="0"/>
+              <a:rPr lang="en-US" sz="1600" dirty="0" smtClean="0"/>
               <a:t>”</a:t>
             </a:r>
           </a:p>
           <a:p>
-            <a:endParaRPr lang="en-US" dirty="0" smtClean="0"/>
-          </a:p>
-          <a:p>
-            <a:r>
-              <a:rPr lang="en-US" dirty="0" smtClean="0"/>
+            <a:endParaRPr lang="en-US" sz="1600" dirty="0" smtClean="0"/>
+          </a:p>
+          <a:p>
+            <a:r>
+              <a:rPr lang="en-US" sz="1600" dirty="0" smtClean="0"/>
               <a:t>"</a:t>
             </a:r>
             <a:r>
-              <a:rPr lang="en-US" dirty="0" err="1" smtClean="0"/>
+              <a:rPr lang="en-US" sz="1600" dirty="0" err="1" smtClean="0"/>
               <a:t>ALSonar</a:t>
             </a:r>
             <a:r>
-              <a:rPr lang="en-US" dirty="0" smtClean="0"/>
+              <a:rPr lang="en-US" sz="1600" dirty="0" smtClean="0"/>
               <a:t>”</a:t>
             </a:r>
           </a:p>
           <a:p>
             <a:r>
-              <a:rPr lang="en-US" dirty="0" smtClean="0"/>
+              <a:rPr lang="en-US" sz="1600" dirty="0" smtClean="0"/>
               <a:t>"</a:t>
             </a:r>
             <a:r>
-              <a:rPr lang="en-US" dirty="0" err="1" smtClean="0"/>
+              <a:rPr lang="en-US" sz="1600" dirty="0" err="1" smtClean="0"/>
               <a:t>ALRobotPosture</a:t>
             </a:r>
             <a:r>
-              <a:rPr lang="en-US" dirty="0" smtClean="0"/>
+              <a:rPr lang="en-US" sz="1600" dirty="0" smtClean="0"/>
+              <a:t>”</a:t>
+            </a:r>
+          </a:p>
+          <a:p>
+            <a:r>
+              <a:rPr lang="en-US" sz="1600" dirty="0"/>
               <a:t>"</a:t>
             </a:r>
-            <a:endParaRPr lang="en-US" dirty="0"/>
+            <a:r>
+              <a:rPr lang="en-US" sz="1600" dirty="0" err="1"/>
+              <a:t>ALLandMarkDetection</a:t>
+            </a:r>
+            <a:r>
+              <a:rPr lang="en-US" sz="1600" dirty="0"/>
+              <a:t>"</a:t>
+            </a:r>
+            <a:endParaRPr lang="en-US" sz="1600" dirty="0" smtClean="0"/>
+          </a:p>
+          <a:p>
+            <a:r>
+              <a:rPr lang="en-US" sz="1600" dirty="0"/>
+              <a:t>"</a:t>
+            </a:r>
+            <a:r>
+              <a:rPr lang="en-US" sz="1600" dirty="0" err="1" smtClean="0"/>
+              <a:t>ALSoundDetection</a:t>
+            </a:r>
+            <a:r>
+              <a:rPr lang="en-US" sz="1600" dirty="0" smtClean="0"/>
+              <a:t>”</a:t>
+            </a:r>
+          </a:p>
+          <a:p>
+            <a:r>
+              <a:rPr lang="en-US" sz="1600" dirty="0"/>
+              <a:t>"</a:t>
+            </a:r>
+            <a:r>
+              <a:rPr lang="en-US" sz="1600" dirty="0" err="1" smtClean="0"/>
+              <a:t>ALAudioSourceLocalization</a:t>
+            </a:r>
+            <a:r>
+              <a:rPr lang="en-US" sz="1600" dirty="0" smtClean="0"/>
+              <a:t>”</a:t>
+            </a:r>
+          </a:p>
+          <a:p>
+            <a:r>
+              <a:rPr lang="en-US" sz="1600" dirty="0" smtClean="0"/>
+              <a:t>"</a:t>
+            </a:r>
+            <a:r>
+              <a:rPr lang="en-US" sz="1600" dirty="0" err="1" smtClean="0"/>
+              <a:t>ALTracker</a:t>
+            </a:r>
+            <a:r>
+              <a:rPr lang="en-US" sz="1600" dirty="0" smtClean="0"/>
+              <a:t>"</a:t>
+            </a:r>
+            <a:endParaRPr lang="en-US" sz="1600" dirty="0"/>
           </a:p>
         </p:txBody>
       </p:sp>
@@ -6457,6 +6625,741 @@
     <p:extLst>
       <p:ext uri="{BB962C8B-B14F-4D97-AF65-F5344CB8AC3E}">
         <p14:creationId xmlns:p14="http://schemas.microsoft.com/office/powerpoint/2010/main" val="848920191"/>
+      </p:ext>
+    </p:extLst>
+  </p:cSld>
+  <p:clrMapOvr>
+    <a:masterClrMapping/>
+  </p:clrMapOvr>
+</p:sld>
+</file>
+
+<file path=ppt/slides/slide10.xml><?xml version="1.0" encoding="utf-8"?>
+<p:sld xmlns:a="http://schemas.openxmlformats.org/drawingml/2006/main" xmlns:r="http://schemas.openxmlformats.org/officeDocument/2006/relationships" xmlns:p="http://schemas.openxmlformats.org/presentationml/2006/main">
+  <p:cSld>
+    <p:spTree>
+      <p:nvGrpSpPr>
+        <p:cNvPr id="1" name=""/>
+        <p:cNvGrpSpPr/>
+        <p:nvPr/>
+      </p:nvGrpSpPr>
+      <p:grpSpPr>
+        <a:xfrm>
+          <a:off x="0" y="0"/>
+          <a:ext cx="0" cy="0"/>
+          <a:chOff x="0" y="0"/>
+          <a:chExt cx="0" cy="0"/>
+        </a:xfrm>
+      </p:grpSpPr>
+      <p:sp>
+        <p:nvSpPr>
+          <p:cNvPr id="4" name="Title 3"/>
+          <p:cNvSpPr>
+            <a:spLocks noGrp="1"/>
+          </p:cNvSpPr>
+          <p:nvPr>
+            <p:ph type="title"/>
+          </p:nvPr>
+        </p:nvSpPr>
+        <p:spPr/>
+        <p:txBody>
+          <a:bodyPr/>
+          <a:lstStyle/>
+          <a:p>
+            <a:r>
+              <a:rPr lang="en-US" dirty="0" smtClean="0"/>
+              <a:t>Using </a:t>
+            </a:r>
+            <a:r>
+              <a:rPr lang="en-US" dirty="0" err="1" smtClean="0"/>
+              <a:t>nao.py</a:t>
+            </a:r>
+            <a:endParaRPr lang="en-US" dirty="0"/>
+          </a:p>
+        </p:txBody>
+      </p:sp>
+      <p:sp>
+        <p:nvSpPr>
+          <p:cNvPr id="5" name="Content Placeholder 4"/>
+          <p:cNvSpPr>
+            <a:spLocks noGrp="1"/>
+          </p:cNvSpPr>
+          <p:nvPr>
+            <p:ph idx="1"/>
+          </p:nvPr>
+        </p:nvSpPr>
+        <p:spPr/>
+        <p:txBody>
+          <a:bodyPr/>
+          <a:lstStyle/>
+          <a:p>
+            <a:r>
+              <a:rPr lang="en-US" dirty="0" smtClean="0"/>
+              <a:t>For walking there are two variants.</a:t>
+            </a:r>
+          </a:p>
+          <a:p>
+            <a:r>
+              <a:rPr lang="en-US" dirty="0" smtClean="0"/>
+              <a:t>The first variant sets the heading direction and speed (don’t forget to turn it off! (zero speed)):</a:t>
+            </a:r>
+          </a:p>
+          <a:p>
+            <a:endParaRPr lang="en-US" dirty="0"/>
+          </a:p>
+          <a:p>
+            <a:endParaRPr lang="en-US" dirty="0" smtClean="0"/>
+          </a:p>
+          <a:p>
+            <a:pPr marL="0" indent="0">
+              <a:buNone/>
+            </a:pPr>
+            <a:endParaRPr lang="en-US" dirty="0" smtClean="0"/>
+          </a:p>
+          <a:p>
+            <a:endParaRPr lang="en-US" dirty="0" smtClean="0"/>
+          </a:p>
+          <a:p>
+            <a:endParaRPr lang="en-US" dirty="0"/>
+          </a:p>
+          <a:p>
+            <a:r>
+              <a:rPr lang="en-US" dirty="0" smtClean="0"/>
+              <a:t>The second method expects a distance in m.</a:t>
+            </a:r>
+          </a:p>
+          <a:p>
+            <a:pPr marL="0" indent="0">
+              <a:buNone/>
+            </a:pPr>
+            <a:endParaRPr lang="en-US" dirty="0" smtClean="0"/>
+          </a:p>
+          <a:p>
+            <a:r>
+              <a:rPr lang="en-US" dirty="0" smtClean="0"/>
+              <a:t>Turn motors on with</a:t>
+            </a:r>
+          </a:p>
+          <a:p>
+            <a:endParaRPr lang="en-US" dirty="0"/>
+          </a:p>
+          <a:p>
+            <a:pPr marL="0" indent="0">
+              <a:buNone/>
+            </a:pPr>
+            <a:endParaRPr lang="en-US" dirty="0" smtClean="0"/>
+          </a:p>
+          <a:p>
+            <a:endParaRPr lang="en-US" dirty="0"/>
+          </a:p>
+          <a:p>
+            <a:endParaRPr lang="en-US" dirty="0"/>
+          </a:p>
+        </p:txBody>
+      </p:sp>
+      <p:sp>
+        <p:nvSpPr>
+          <p:cNvPr id="7" name="Rectangle 6"/>
+          <p:cNvSpPr/>
+          <p:nvPr/>
+        </p:nvSpPr>
+        <p:spPr>
+          <a:xfrm>
+            <a:off x="877749" y="2494402"/>
+            <a:ext cx="6741862" cy="2308324"/>
+          </a:xfrm>
+          <a:prstGeom prst="rect">
+            <a:avLst/>
+          </a:prstGeom>
+        </p:spPr>
+        <p:txBody>
+          <a:bodyPr wrap="square">
+            <a:spAutoFit/>
+          </a:bodyPr>
+          <a:lstStyle/>
+          <a:p>
+            <a:r>
+              <a:rPr lang="en-US" dirty="0" err="1" smtClean="0"/>
+              <a:t>nao.Move</a:t>
+            </a:r>
+            <a:r>
+              <a:rPr lang="en-US" dirty="0" smtClean="0"/>
+              <a:t>(dx, </a:t>
+            </a:r>
+            <a:r>
+              <a:rPr lang="en-US" dirty="0" err="1" smtClean="0"/>
+              <a:t>dy</a:t>
+            </a:r>
+            <a:r>
+              <a:rPr lang="en-US" dirty="0" smtClean="0"/>
+              <a:t>, </a:t>
+            </a:r>
+            <a:r>
+              <a:rPr lang="en-US" dirty="0" err="1" smtClean="0"/>
+              <a:t>dtheta</a:t>
+            </a:r>
+            <a:r>
+              <a:rPr lang="en-US" dirty="0" smtClean="0"/>
+              <a:t>, </a:t>
+            </a:r>
+            <a:r>
+              <a:rPr lang="en-US" dirty="0" err="1" smtClean="0"/>
+              <a:t>freq</a:t>
+            </a:r>
+            <a:r>
+              <a:rPr lang="en-US" dirty="0" smtClean="0"/>
+              <a:t>)</a:t>
+            </a:r>
+          </a:p>
+          <a:p>
+            <a:r>
+              <a:rPr lang="en-US" dirty="0" smtClean="0"/>
+              <a:t> """"</a:t>
+            </a:r>
+          </a:p>
+          <a:p>
+            <a:r>
+              <a:rPr lang="en-US" dirty="0" smtClean="0"/>
+              <a:t>    dx = forward speed, </a:t>
+            </a:r>
+            <a:r>
+              <a:rPr lang="en-US" dirty="0" err="1" smtClean="0"/>
+              <a:t>dtheta</a:t>
+            </a:r>
+            <a:r>
+              <a:rPr lang="en-US" dirty="0" smtClean="0"/>
+              <a:t> = rotational speed,</a:t>
+            </a:r>
+          </a:p>
+          <a:p>
+            <a:r>
+              <a:rPr lang="en-US" dirty="0" smtClean="0"/>
+              <a:t>    </a:t>
+            </a:r>
+            <a:r>
+              <a:rPr lang="en-US" dirty="0" err="1" smtClean="0"/>
+              <a:t>dy</a:t>
+            </a:r>
+            <a:r>
+              <a:rPr lang="en-US" dirty="0" smtClean="0"/>
+              <a:t> = </a:t>
+            </a:r>
+            <a:r>
+              <a:rPr lang="en-US" dirty="0" err="1" smtClean="0"/>
+              <a:t>sidewards</a:t>
+            </a:r>
+            <a:r>
+              <a:rPr lang="en-US" dirty="0" smtClean="0"/>
+              <a:t> speed, </a:t>
+            </a:r>
+            <a:r>
+              <a:rPr lang="en-US" dirty="0" err="1" smtClean="0"/>
+              <a:t>freq</a:t>
+            </a:r>
+            <a:r>
+              <a:rPr lang="en-US" dirty="0" smtClean="0"/>
+              <a:t> = step frequency.</a:t>
+            </a:r>
+          </a:p>
+          <a:p>
+            <a:r>
+              <a:rPr lang="en-US" dirty="0" smtClean="0"/>
+              <a:t>    Allows </a:t>
+            </a:r>
+            <a:r>
+              <a:rPr lang="en-US" dirty="0" err="1" smtClean="0"/>
+              <a:t>Nao</a:t>
+            </a:r>
+            <a:r>
+              <a:rPr lang="en-US" dirty="0" smtClean="0"/>
+              <a:t> to move in a certain direction</a:t>
+            </a:r>
+          </a:p>
+          <a:p>
+            <a:r>
+              <a:rPr lang="en-US" dirty="0" smtClean="0"/>
+              <a:t>    with a certain speed.</a:t>
+            </a:r>
+          </a:p>
+          <a:p>
+            <a:r>
+              <a:rPr lang="en-US" dirty="0" smtClean="0"/>
+              <a:t>All values should be -1 and 1 except </a:t>
+            </a:r>
+            <a:r>
+              <a:rPr lang="en-US" dirty="0" err="1" smtClean="0"/>
+              <a:t>freq</a:t>
+            </a:r>
+            <a:r>
+              <a:rPr lang="en-US" dirty="0" smtClean="0"/>
+              <a:t> between 0 and 1</a:t>
+            </a:r>
+          </a:p>
+          <a:p>
+            <a:r>
+              <a:rPr lang="en-US" dirty="0" smtClean="0"/>
+              <a:t>    """</a:t>
+            </a:r>
+            <a:endParaRPr lang="en-US" dirty="0"/>
+          </a:p>
+        </p:txBody>
+      </p:sp>
+      <p:sp>
+        <p:nvSpPr>
+          <p:cNvPr id="8" name="Rectangle 7"/>
+          <p:cNvSpPr/>
+          <p:nvPr/>
+        </p:nvSpPr>
+        <p:spPr>
+          <a:xfrm>
+            <a:off x="877749" y="5108750"/>
+            <a:ext cx="6741862" cy="369332"/>
+          </a:xfrm>
+          <a:prstGeom prst="rect">
+            <a:avLst/>
+          </a:prstGeom>
+        </p:spPr>
+        <p:txBody>
+          <a:bodyPr wrap="square">
+            <a:spAutoFit/>
+          </a:bodyPr>
+          <a:lstStyle/>
+          <a:p>
+            <a:r>
+              <a:rPr lang="en-US" dirty="0" err="1" smtClean="0"/>
+              <a:t>nao.Walk</a:t>
+            </a:r>
+            <a:r>
+              <a:rPr lang="en-US" dirty="0" smtClean="0"/>
+              <a:t>(dx, </a:t>
+            </a:r>
+            <a:r>
+              <a:rPr lang="en-US" dirty="0" err="1" smtClean="0"/>
+              <a:t>dy</a:t>
+            </a:r>
+            <a:r>
+              <a:rPr lang="en-US" dirty="0" smtClean="0"/>
+              <a:t>, </a:t>
+            </a:r>
+            <a:r>
+              <a:rPr lang="en-US" dirty="0" err="1" smtClean="0"/>
+              <a:t>dtheta</a:t>
+            </a:r>
+            <a:r>
+              <a:rPr lang="en-US" dirty="0" smtClean="0"/>
+              <a:t>)</a:t>
+            </a:r>
+            <a:endParaRPr lang="en-US" dirty="0"/>
+          </a:p>
+        </p:txBody>
+      </p:sp>
+      <p:sp>
+        <p:nvSpPr>
+          <p:cNvPr id="9" name="Rectangle 8"/>
+          <p:cNvSpPr/>
+          <p:nvPr/>
+        </p:nvSpPr>
+        <p:spPr>
+          <a:xfrm>
+            <a:off x="877749" y="5986425"/>
+            <a:ext cx="6741862" cy="646331"/>
+          </a:xfrm>
+          <a:prstGeom prst="rect">
+            <a:avLst/>
+          </a:prstGeom>
+        </p:spPr>
+        <p:txBody>
+          <a:bodyPr wrap="square">
+            <a:spAutoFit/>
+          </a:bodyPr>
+          <a:lstStyle/>
+          <a:p>
+            <a:r>
+              <a:rPr lang="en-US" dirty="0" err="1" smtClean="0"/>
+              <a:t>nao.InitPose</a:t>
+            </a:r>
+            <a:r>
+              <a:rPr lang="en-US" dirty="0" smtClean="0"/>
+              <a:t>() # stand up and turn motors on</a:t>
+            </a:r>
+          </a:p>
+          <a:p>
+            <a:r>
+              <a:rPr lang="en-US" dirty="0" err="1" smtClean="0"/>
+              <a:t>nao.Stiffen</a:t>
+            </a:r>
+            <a:r>
+              <a:rPr lang="en-US" dirty="0" smtClean="0"/>
+              <a:t>() # turns all motors on</a:t>
+            </a:r>
+            <a:endParaRPr lang="en-US" dirty="0"/>
+          </a:p>
+        </p:txBody>
+      </p:sp>
+    </p:spTree>
+    <p:extLst>
+      <p:ext uri="{BB962C8B-B14F-4D97-AF65-F5344CB8AC3E}">
+        <p14:creationId xmlns:p14="http://schemas.microsoft.com/office/powerpoint/2010/main" val="2479359306"/>
+      </p:ext>
+    </p:extLst>
+  </p:cSld>
+  <p:clrMapOvr>
+    <a:masterClrMapping/>
+  </p:clrMapOvr>
+</p:sld>
+</file>
+
+<file path=ppt/slides/slide11.xml><?xml version="1.0" encoding="utf-8"?>
+<p:sld xmlns:a="http://schemas.openxmlformats.org/drawingml/2006/main" xmlns:r="http://schemas.openxmlformats.org/officeDocument/2006/relationships" xmlns:p="http://schemas.openxmlformats.org/presentationml/2006/main">
+  <p:cSld>
+    <p:spTree>
+      <p:nvGrpSpPr>
+        <p:cNvPr id="1" name=""/>
+        <p:cNvGrpSpPr/>
+        <p:nvPr/>
+      </p:nvGrpSpPr>
+      <p:grpSpPr>
+        <a:xfrm>
+          <a:off x="0" y="0"/>
+          <a:ext cx="0" cy="0"/>
+          <a:chOff x="0" y="0"/>
+          <a:chExt cx="0" cy="0"/>
+        </a:xfrm>
+      </p:grpSpPr>
+      <p:sp>
+        <p:nvSpPr>
+          <p:cNvPr id="4" name="Title 3"/>
+          <p:cNvSpPr>
+            <a:spLocks noGrp="1"/>
+          </p:cNvSpPr>
+          <p:nvPr>
+            <p:ph type="title"/>
+          </p:nvPr>
+        </p:nvSpPr>
+        <p:spPr/>
+        <p:txBody>
+          <a:bodyPr/>
+          <a:lstStyle/>
+          <a:p>
+            <a:r>
+              <a:rPr lang="en-US" dirty="0" smtClean="0"/>
+              <a:t>Using </a:t>
+            </a:r>
+            <a:r>
+              <a:rPr lang="en-US" dirty="0" err="1" smtClean="0"/>
+              <a:t>nao.py</a:t>
+            </a:r>
+            <a:endParaRPr lang="en-US" dirty="0"/>
+          </a:p>
+        </p:txBody>
+      </p:sp>
+      <p:sp>
+        <p:nvSpPr>
+          <p:cNvPr id="5" name="Content Placeholder 4"/>
+          <p:cNvSpPr>
+            <a:spLocks noGrp="1"/>
+          </p:cNvSpPr>
+          <p:nvPr>
+            <p:ph idx="1"/>
+          </p:nvPr>
+        </p:nvSpPr>
+        <p:spPr/>
+        <p:txBody>
+          <a:bodyPr/>
+          <a:lstStyle/>
+          <a:p>
+            <a:r>
+              <a:rPr lang="en-US" dirty="0" smtClean="0"/>
+              <a:t>For moving the head</a:t>
+            </a:r>
+            <a:endParaRPr lang="en-US" dirty="0"/>
+          </a:p>
+          <a:p>
+            <a:endParaRPr lang="en-US" dirty="0" smtClean="0"/>
+          </a:p>
+          <a:p>
+            <a:endParaRPr lang="en-US" dirty="0"/>
+          </a:p>
+          <a:p>
+            <a:endParaRPr lang="en-US" dirty="0" smtClean="0"/>
+          </a:p>
+          <a:p>
+            <a:pPr marL="0" indent="0">
+              <a:buNone/>
+            </a:pPr>
+            <a:endParaRPr lang="en-US" dirty="0" smtClean="0"/>
+          </a:p>
+          <a:p>
+            <a:endParaRPr lang="en-US" dirty="0" smtClean="0"/>
+          </a:p>
+          <a:p>
+            <a:endParaRPr lang="en-US" dirty="0"/>
+          </a:p>
+          <a:p>
+            <a:r>
+              <a:rPr lang="en-US" dirty="0" smtClean="0"/>
+              <a:t>Don’t forget to turn the </a:t>
+            </a:r>
+            <a:r>
+              <a:rPr lang="en-US" dirty="0" err="1" smtClean="0"/>
+              <a:t>headmotors</a:t>
+            </a:r>
+            <a:r>
+              <a:rPr lang="en-US" dirty="0" smtClean="0"/>
+              <a:t> on/off</a:t>
+            </a:r>
+          </a:p>
+          <a:p>
+            <a:endParaRPr lang="en-US" dirty="0"/>
+          </a:p>
+          <a:p>
+            <a:pPr marL="0" indent="0">
+              <a:buNone/>
+            </a:pPr>
+            <a:endParaRPr lang="en-US" dirty="0" smtClean="0"/>
+          </a:p>
+          <a:p>
+            <a:endParaRPr lang="en-US" dirty="0"/>
+          </a:p>
+          <a:p>
+            <a:endParaRPr lang="en-US" dirty="0"/>
+          </a:p>
+        </p:txBody>
+      </p:sp>
+      <p:sp>
+        <p:nvSpPr>
+          <p:cNvPr id="7" name="Rectangle 6"/>
+          <p:cNvSpPr/>
+          <p:nvPr/>
+        </p:nvSpPr>
+        <p:spPr>
+          <a:xfrm>
+            <a:off x="877748" y="1710097"/>
+            <a:ext cx="8030473" cy="2031325"/>
+          </a:xfrm>
+          <a:prstGeom prst="rect">
+            <a:avLst/>
+          </a:prstGeom>
+        </p:spPr>
+        <p:txBody>
+          <a:bodyPr wrap="square">
+            <a:spAutoFit/>
+          </a:bodyPr>
+          <a:lstStyle/>
+          <a:p>
+            <a:r>
+              <a:rPr lang="en-US" dirty="0" err="1" smtClean="0"/>
+              <a:t>nao.MoveHead</a:t>
+            </a:r>
+            <a:r>
+              <a:rPr lang="en-US" dirty="0" smtClean="0"/>
+              <a:t>(</a:t>
+            </a:r>
+            <a:r>
+              <a:rPr lang="en-US" dirty="0" err="1" smtClean="0"/>
+              <a:t>yaw_val</a:t>
+            </a:r>
+            <a:r>
+              <a:rPr lang="en-US" dirty="0" smtClean="0"/>
+              <a:t>=0, </a:t>
+            </a:r>
+            <a:r>
+              <a:rPr lang="en-US" dirty="0" err="1" smtClean="0"/>
+              <a:t>pitch_val</a:t>
+            </a:r>
+            <a:r>
+              <a:rPr lang="en-US" dirty="0" smtClean="0"/>
+              <a:t>=0, </a:t>
+            </a:r>
+            <a:r>
+              <a:rPr lang="en-US" dirty="0" err="1" smtClean="0"/>
+              <a:t>isAbsolute</a:t>
+            </a:r>
+            <a:r>
+              <a:rPr lang="en-US" dirty="0" smtClean="0"/>
+              <a:t>=True, </a:t>
+            </a:r>
+            <a:r>
+              <a:rPr lang="en-US" dirty="0" err="1" smtClean="0"/>
+              <a:t>timeLists</a:t>
+            </a:r>
+            <a:r>
+              <a:rPr lang="en-US" dirty="0" smtClean="0"/>
+              <a:t>=[[1],[1]])</a:t>
+            </a:r>
+          </a:p>
+          <a:p>
+            <a:endParaRPr lang="en-US" dirty="0" smtClean="0"/>
+          </a:p>
+          <a:p>
+            <a:r>
+              <a:rPr lang="en-US" dirty="0" smtClean="0"/>
+              <a:t>yaw=</a:t>
+            </a:r>
+            <a:r>
+              <a:rPr lang="en-US" dirty="0" err="1" smtClean="0"/>
+              <a:t>nao.GetYaw</a:t>
+            </a:r>
+            <a:r>
+              <a:rPr lang="en-US" dirty="0" smtClean="0"/>
+              <a:t>():</a:t>
+            </a:r>
+          </a:p>
+          <a:p>
+            <a:endParaRPr lang="en-US" dirty="0" smtClean="0"/>
+          </a:p>
+          <a:p>
+            <a:r>
+              <a:rPr lang="en-US" dirty="0" smtClean="0"/>
+              <a:t>pitch = </a:t>
+            </a:r>
+            <a:r>
+              <a:rPr lang="en-US" dirty="0" err="1" smtClean="0"/>
+              <a:t>nao.GetPitch</a:t>
+            </a:r>
+            <a:r>
+              <a:rPr lang="en-US" dirty="0" smtClean="0"/>
+              <a:t>():</a:t>
+            </a:r>
+          </a:p>
+          <a:p>
+            <a:endParaRPr lang="en-US" dirty="0" smtClean="0"/>
+          </a:p>
+          <a:p>
+            <a:r>
+              <a:rPr lang="en-US" dirty="0" smtClean="0"/>
+              <a:t>yaw, pitch = </a:t>
+            </a:r>
+            <a:r>
+              <a:rPr lang="en-US" dirty="0" err="1" smtClean="0"/>
+              <a:t>nao.GetYawPitch</a:t>
+            </a:r>
+            <a:r>
+              <a:rPr lang="en-US" dirty="0" smtClean="0"/>
+              <a:t>():</a:t>
+            </a:r>
+          </a:p>
+        </p:txBody>
+      </p:sp>
+      <p:sp>
+        <p:nvSpPr>
+          <p:cNvPr id="8" name="Rectangle 7"/>
+          <p:cNvSpPr/>
+          <p:nvPr/>
+        </p:nvSpPr>
+        <p:spPr>
+          <a:xfrm>
+            <a:off x="877749" y="5108750"/>
+            <a:ext cx="6741862" cy="646331"/>
+          </a:xfrm>
+          <a:prstGeom prst="rect">
+            <a:avLst/>
+          </a:prstGeom>
+        </p:spPr>
+        <p:txBody>
+          <a:bodyPr wrap="square">
+            <a:spAutoFit/>
+          </a:bodyPr>
+          <a:lstStyle/>
+          <a:p>
+            <a:r>
+              <a:rPr lang="en-US" dirty="0" err="1" smtClean="0"/>
+              <a:t>nao.InitTrack</a:t>
+            </a:r>
+            <a:r>
+              <a:rPr lang="en-US" dirty="0" smtClean="0"/>
+              <a:t>()</a:t>
+            </a:r>
+          </a:p>
+          <a:p>
+            <a:r>
+              <a:rPr lang="en-US" dirty="0" err="1"/>
+              <a:t>n</a:t>
+            </a:r>
+            <a:r>
+              <a:rPr lang="en-US" dirty="0" err="1" smtClean="0"/>
+              <a:t>ao.EndTrack</a:t>
+            </a:r>
+            <a:r>
+              <a:rPr lang="en-US" dirty="0" smtClean="0"/>
+              <a:t>()</a:t>
+            </a:r>
+            <a:endParaRPr lang="en-US" dirty="0"/>
+          </a:p>
+        </p:txBody>
+      </p:sp>
+    </p:spTree>
+    <p:extLst>
+      <p:ext uri="{BB962C8B-B14F-4D97-AF65-F5344CB8AC3E}">
+        <p14:creationId xmlns:p14="http://schemas.microsoft.com/office/powerpoint/2010/main" val="1366090601"/>
+      </p:ext>
+    </p:extLst>
+  </p:cSld>
+  <p:clrMapOvr>
+    <a:masterClrMapping/>
+  </p:clrMapOvr>
+</p:sld>
+</file>
+
+<file path=ppt/slides/slide12.xml><?xml version="1.0" encoding="utf-8"?>
+<p:sld xmlns:a="http://schemas.openxmlformats.org/drawingml/2006/main" xmlns:r="http://schemas.openxmlformats.org/officeDocument/2006/relationships" xmlns:p="http://schemas.openxmlformats.org/presentationml/2006/main">
+  <p:cSld>
+    <p:spTree>
+      <p:nvGrpSpPr>
+        <p:cNvPr id="1" name=""/>
+        <p:cNvGrpSpPr/>
+        <p:nvPr/>
+      </p:nvGrpSpPr>
+      <p:grpSpPr>
+        <a:xfrm>
+          <a:off x="0" y="0"/>
+          <a:ext cx="0" cy="0"/>
+          <a:chOff x="0" y="0"/>
+          <a:chExt cx="0" cy="0"/>
+        </a:xfrm>
+      </p:grpSpPr>
+      <p:sp>
+        <p:nvSpPr>
+          <p:cNvPr id="2" name="Title 1"/>
+          <p:cNvSpPr>
+            <a:spLocks noGrp="1"/>
+          </p:cNvSpPr>
+          <p:nvPr>
+            <p:ph type="title"/>
+          </p:nvPr>
+        </p:nvSpPr>
+        <p:spPr/>
+        <p:txBody>
+          <a:bodyPr/>
+          <a:lstStyle/>
+          <a:p>
+            <a:endParaRPr lang="en-US"/>
+          </a:p>
+        </p:txBody>
+      </p:sp>
+      <p:sp>
+        <p:nvSpPr>
+          <p:cNvPr id="3" name="Content Placeholder 2"/>
+          <p:cNvSpPr>
+            <a:spLocks noGrp="1"/>
+          </p:cNvSpPr>
+          <p:nvPr>
+            <p:ph idx="1"/>
+          </p:nvPr>
+        </p:nvSpPr>
+        <p:spPr/>
+        <p:txBody>
+          <a:bodyPr/>
+          <a:lstStyle/>
+          <a:p>
+            <a:endParaRPr lang="en-US"/>
+          </a:p>
+        </p:txBody>
+      </p:sp>
+    </p:spTree>
+    <p:extLst>
+      <p:ext uri="{BB962C8B-B14F-4D97-AF65-F5344CB8AC3E}">
+        <p14:creationId xmlns:p14="http://schemas.microsoft.com/office/powerpoint/2010/main" val="2540422098"/>
       </p:ext>
     </p:extLst>
   </p:cSld>
@@ -6605,12 +7508,12 @@
               <a:t>mport </a:t>
             </a:r>
             <a:r>
-              <a:rPr lang="en-US" dirty="0" err="1" smtClean="0"/>
-              <a:t>nao_nocv</a:t>
-            </a:r>
-            <a:r>
-              <a:rPr lang="en-US" dirty="0" smtClean="0"/>
-              <a:t> as </a:t>
+              <a:rPr lang="en-US" dirty="0" smtClean="0"/>
+              <a:t>nao_nocv_2_0 </a:t>
+            </a:r>
+            <a:r>
+              <a:rPr lang="en-US" dirty="0" smtClean="0"/>
+              <a:t>as </a:t>
             </a:r>
             <a:r>
               <a:rPr lang="en-US" dirty="0" err="1" smtClean="0"/>
@@ -6648,7 +7551,7 @@
           <a:p>
             <a:r>
               <a:rPr lang="en-US" dirty="0" err="1" smtClean="0"/>
-              <a:t>nao.motionProxy.setTargetWalkVelocity</a:t>
+              <a:t>nao.motionProxy.setWalkTargetVelocity</a:t>
             </a:r>
             <a:r>
               <a:rPr lang="en-US" dirty="0" smtClean="0"/>
@@ -6681,7 +7584,7 @@
           <a:p>
             <a:r>
               <a:rPr lang="en-US" dirty="0" err="1" smtClean="0"/>
-              <a:t>nao.move</a:t>
+              <a:t>Nao.Move</a:t>
             </a:r>
             <a:r>
               <a:rPr lang="en-US" dirty="0" smtClean="0"/>
@@ -7009,8 +7912,21 @@
           <a:p>
             <a:r>
               <a:rPr lang="en-US" dirty="0" smtClean="0"/>
-              <a:t>To retrieve an image use</a:t>
-            </a:r>
+              <a:t>To retrieve an image </a:t>
+            </a:r>
+            <a:r>
+              <a:rPr lang="en-US" dirty="0" smtClean="0"/>
+              <a:t>use (with </a:t>
+            </a:r>
+            <a:r>
+              <a:rPr lang="en-US" dirty="0" err="1" smtClean="0"/>
+              <a:t>openCV</a:t>
+            </a:r>
+            <a:r>
+              <a:rPr lang="en-US" dirty="0" smtClean="0"/>
+              <a:t> only)</a:t>
+            </a:r>
+            <a:endParaRPr lang="en-US" dirty="0" smtClean="0"/>
           </a:p>
           <a:p>
             <a:endParaRPr lang="en-US" dirty="0"/>
@@ -7287,7 +8203,15 @@
             </a:r>
             <a:r>
               <a:rPr lang="en-US" dirty="0" smtClean="0"/>
-              <a:t>(True) # turn on motors and enable face tracking</a:t>
+              <a:t>(True) # turn on </a:t>
+            </a:r>
+            <a:r>
+              <a:rPr lang="en-US" dirty="0" smtClean="0"/>
+              <a:t>motors </a:t>
+            </a:r>
+            <a:r>
+              <a:rPr lang="en-US" dirty="0" smtClean="0"/>
+              <a:t>and enable face tracking</a:t>
             </a:r>
           </a:p>
           <a:p>
@@ -7314,7 +8238,15 @@
             </a:r>
             <a:r>
               <a:rPr lang="en-US" dirty="0" smtClean="0"/>
-              <a:t>() #turn motors off</a:t>
+              <a:t>() #turn </a:t>
+            </a:r>
+            <a:r>
+              <a:rPr lang="en-US" dirty="0" smtClean="0"/>
+              <a:t>head motors </a:t>
+            </a:r>
+            <a:r>
+              <a:rPr lang="en-US" dirty="0" smtClean="0"/>
+              <a:t>off</a:t>
             </a:r>
           </a:p>
           <a:p>
@@ -7324,7 +8256,15 @@
             </a:r>
             <a:r>
               <a:rPr lang="en-US" dirty="0" smtClean="0"/>
-              <a:t>() # turn motors on again</a:t>
+              <a:t>() # turn </a:t>
+            </a:r>
+            <a:r>
+              <a:rPr lang="en-US" dirty="0" smtClean="0"/>
+              <a:t>head motors </a:t>
+            </a:r>
+            <a:r>
+              <a:rPr lang="en-US" dirty="0" smtClean="0"/>
+              <a:t>on again</a:t>
             </a:r>
           </a:p>
         </p:txBody>
@@ -7351,8 +8291,12 @@
           <a:lstStyle/>
           <a:p>
             <a:r>
-              <a:rPr lang="en-US" dirty="0" smtClean="0"/>
-              <a:t>[</a:t>
+              <a:rPr lang="en-US" dirty="0"/>
+              <a:t>d</a:t>
+            </a:r>
+            <a:r>
+              <a:rPr lang="en-US" dirty="0" smtClean="0"/>
+              <a:t>etected, timestamp, [</a:t>
             </a:r>
             <a:r>
               <a:rPr lang="en-US" dirty="0" err="1" smtClean="0"/>
@@ -7368,15 +8312,23 @@
             </a:r>
             <a:r>
               <a:rPr lang="en-US" dirty="0" smtClean="0"/>
-              <a:t>], detected = </a:t>
+              <a:t>] </a:t>
+            </a:r>
+            <a:r>
+              <a:rPr lang="en-US" dirty="0" smtClean="0"/>
+              <a:t>= </a:t>
             </a:r>
             <a:r>
               <a:rPr lang="en-US" dirty="0" err="1" smtClean="0"/>
-              <a:t>nao.ALFacePosition</a:t>
-            </a:r>
-            <a:r>
-              <a:rPr lang="en-US" dirty="0" smtClean="0"/>
-              <a:t>()</a:t>
+              <a:t>nao.DetectFace</a:t>
+            </a:r>
+            <a:r>
+              <a:rPr lang="en-US" dirty="0" smtClean="0"/>
+              <a:t>(</a:t>
+            </a:r>
+            <a:r>
+              <a:rPr lang="en-US" dirty="0" smtClean="0"/>
+              <a:t>)</a:t>
             </a:r>
             <a:endParaRPr lang="en-US" dirty="0"/>
           </a:p>
@@ -7497,51 +8449,17 @@
           <a:lstStyle/>
           <a:p>
             <a:r>
-              <a:rPr lang="en-US" dirty="0" smtClean="0"/>
-              <a:t>There are two default postures:</a:t>
-            </a:r>
-          </a:p>
-          <a:p>
-            <a:endParaRPr lang="en-US" dirty="0" smtClean="0"/>
-          </a:p>
-          <a:p>
-            <a:r>
-              <a:rPr lang="en-US" dirty="0" smtClean="0"/>
-              <a:t> </a:t>
-            </a:r>
-          </a:p>
-          <a:p>
-            <a:r>
-              <a:rPr lang="en-US" dirty="0" smtClean="0"/>
-              <a:t>Note: Prior to version 1.40 </a:t>
-            </a:r>
-            <a:r>
               <a:rPr lang="en-US" dirty="0" err="1" smtClean="0"/>
-              <a:t>InitPose</a:t>
-            </a:r>
-            <a:r>
-              <a:rPr lang="en-US" dirty="0" smtClean="0"/>
-              <a:t> expects a crouch pose!!</a:t>
-            </a:r>
-          </a:p>
-          <a:p>
-            <a:endParaRPr lang="en-US" dirty="0" smtClean="0"/>
-          </a:p>
-          <a:p>
-            <a:r>
-              <a:rPr lang="en-US" smtClean="0"/>
-              <a:t>From version </a:t>
-            </a:r>
-            <a:r>
-              <a:rPr lang="en-US" dirty="0" smtClean="0"/>
-              <a:t>1.40</a:t>
-            </a:r>
-          </a:p>
-          <a:p>
-            <a:endParaRPr lang="en-US" dirty="0"/>
-          </a:p>
-          <a:p>
-            <a:endParaRPr lang="en-US" dirty="0" smtClean="0"/>
+              <a:t>LandMark</a:t>
+            </a:r>
+            <a:r>
+              <a:rPr lang="en-US" dirty="0" smtClean="0"/>
+              <a:t> detection </a:t>
+            </a:r>
+            <a:r>
+              <a:rPr lang="en-US" dirty="0" smtClean="0"/>
+              <a:t>needs to be initialized before it can be used</a:t>
+            </a:r>
           </a:p>
           <a:p>
             <a:pPr marL="0" indent="0">
@@ -7550,22 +8468,41 @@
             <a:endParaRPr lang="en-US" dirty="0" smtClean="0"/>
           </a:p>
           <a:p>
+            <a:endParaRPr lang="en-US" dirty="0"/>
+          </a:p>
+          <a:p>
+            <a:r>
+              <a:rPr lang="en-US" dirty="0" smtClean="0"/>
+              <a:t>After that the </a:t>
+            </a:r>
+            <a:r>
+              <a:rPr lang="en-US" dirty="0" smtClean="0"/>
+              <a:t>Landmark can be detected using:</a:t>
+            </a:r>
+            <a:endParaRPr lang="en-US" dirty="0" smtClean="0"/>
+          </a:p>
+          <a:p>
             <a:pPr marL="0" indent="0">
               <a:buNone/>
             </a:pPr>
             <a:endParaRPr lang="en-US" dirty="0" smtClean="0"/>
           </a:p>
           <a:p>
-            <a:endParaRPr lang="en-US" dirty="0"/>
-          </a:p>
-          <a:p>
             <a:pPr marL="0" indent="0">
               <a:buNone/>
             </a:pPr>
             <a:endParaRPr lang="en-US" dirty="0" smtClean="0"/>
           </a:p>
           <a:p>
-            <a:endParaRPr lang="en-US" dirty="0"/>
+            <a:r>
+              <a:rPr lang="en-US" dirty="0" smtClean="0"/>
+              <a:t>Marker Info is an array with the following fields</a:t>
+            </a:r>
+            <a:r>
+              <a:rPr lang="en-US" dirty="0" smtClean="0"/>
+              <a:t>:</a:t>
+            </a:r>
+            <a:endParaRPr lang="en-US" dirty="0" smtClean="0"/>
           </a:p>
           <a:p>
             <a:endParaRPr lang="en-US" dirty="0"/>
@@ -7580,8 +8517,8 @@
         </p:nvSpPr>
         <p:spPr>
           <a:xfrm>
-            <a:off x="877749" y="1710097"/>
-            <a:ext cx="6741862" cy="646331"/>
+            <a:off x="877749" y="2102248"/>
+            <a:ext cx="6741862" cy="369332"/>
           </a:xfrm>
           <a:prstGeom prst="rect">
             <a:avLst/>
@@ -7594,38 +8531,12 @@
           <a:lstStyle/>
           <a:p>
             <a:r>
-              <a:rPr lang="en-US" dirty="0" err="1"/>
-              <a:t>n</a:t>
-            </a:r>
-            <a:r>
               <a:rPr lang="en-US" dirty="0" err="1" smtClean="0"/>
-              <a:t>ao.InitPose</a:t>
-            </a:r>
-            <a:r>
-              <a:rPr lang="en-US" dirty="0" smtClean="0"/>
-              <a:t>() # stand up and turn motors on</a:t>
-            </a:r>
-          </a:p>
-          <a:p>
-            <a:r>
-              <a:rPr lang="en-US" dirty="0" err="1"/>
-              <a:t>n</a:t>
-            </a:r>
-            <a:r>
-              <a:rPr lang="en-US" dirty="0" err="1" smtClean="0"/>
-              <a:t>ao.Crouch</a:t>
-            </a:r>
-            <a:r>
-              <a:rPr lang="en-US" dirty="0" smtClean="0"/>
-              <a:t>() # </a:t>
-            </a:r>
-            <a:r>
-              <a:rPr lang="en-US" dirty="0" err="1" smtClean="0"/>
-              <a:t>goto</a:t>
-            </a:r>
-            <a:r>
-              <a:rPr lang="en-US" dirty="0" smtClean="0"/>
-              <a:t> crouch pose and turn motors off</a:t>
+              <a:t>nao.InitLandMark</a:t>
+            </a:r>
+            <a:r>
+              <a:rPr lang="en-US" dirty="0" smtClean="0"/>
+              <a:t>()</a:t>
             </a:r>
             <a:endParaRPr lang="en-US" dirty="0"/>
           </a:p>
@@ -7633,14 +8544,14 @@
       </p:sp>
       <p:sp>
         <p:nvSpPr>
-          <p:cNvPr id="10" name="Rectangle 9"/>
+          <p:cNvPr id="6" name="Rectangle 5"/>
           <p:cNvSpPr/>
           <p:nvPr/>
         </p:nvSpPr>
         <p:spPr>
           <a:xfrm>
-            <a:off x="877749" y="4268430"/>
-            <a:ext cx="6741862" cy="923330"/>
+            <a:off x="877749" y="3281979"/>
+            <a:ext cx="6741862" cy="369332"/>
           </a:xfrm>
           <a:prstGeom prst="rect">
             <a:avLst/>
@@ -7653,33 +8564,210 @@
           <a:lstStyle/>
           <a:p>
             <a:r>
+              <a:rPr lang="en-US" dirty="0"/>
+              <a:t>detected, timestamp, </a:t>
+            </a:r>
+            <a:r>
+              <a:rPr lang="en-US" dirty="0" err="1"/>
+              <a:t>markerInfo</a:t>
+            </a:r>
+            <a:r>
+              <a:rPr lang="en-US" dirty="0"/>
+              <a:t>=</a:t>
+            </a:r>
+            <a:r>
               <a:rPr lang="en-US" dirty="0" err="1" smtClean="0"/>
-              <a:t>nao.GoToPosture</a:t>
+              <a:t>nao.DetectLandMark</a:t>
             </a:r>
             <a:r>
               <a:rPr lang="en-US" dirty="0" smtClean="0"/>
               <a:t>(</a:t>
             </a:r>
             <a:r>
+              <a:rPr lang="en-US" dirty="0" smtClean="0"/>
+              <a:t>)</a:t>
+            </a:r>
+            <a:endParaRPr lang="en-US" dirty="0"/>
+          </a:p>
+        </p:txBody>
+      </p:sp>
+      <p:sp>
+        <p:nvSpPr>
+          <p:cNvPr id="8" name="Rectangle 7"/>
+          <p:cNvSpPr/>
+          <p:nvPr/>
+        </p:nvSpPr>
+        <p:spPr>
+          <a:xfrm>
+            <a:off x="877749" y="4656831"/>
+            <a:ext cx="6741862" cy="1754327"/>
+          </a:xfrm>
+          <a:prstGeom prst="rect">
+            <a:avLst/>
+          </a:prstGeom>
+        </p:spPr>
+        <p:txBody>
+          <a:bodyPr wrap="square">
+            <a:spAutoFit/>
+          </a:bodyPr>
+          <a:lstStyle/>
+          <a:p>
+            <a:r>
               <a:rPr lang="en-US" dirty="0" err="1" smtClean="0"/>
-              <a:t>the_pose</a:t>
-            </a:r>
-            <a:r>
-              <a:rPr lang="en-US" dirty="0" smtClean="0"/>
-              <a:t>)</a:t>
-            </a:r>
-          </a:p>
-          <a:p>
+              <a:t>markerinfo</a:t>
+            </a:r>
+            <a:r>
+              <a:rPr lang="en-US" dirty="0" smtClean="0"/>
+              <a:t>[0]		#</a:t>
+            </a:r>
+            <a:r>
+              <a:rPr lang="en-US" dirty="0" err="1"/>
+              <a:t>markerID</a:t>
+            </a:r>
             <a:endParaRPr lang="en-US" dirty="0"/>
           </a:p>
           <a:p>
             <a:r>
-              <a:rPr lang="en-US" dirty="0" smtClean="0"/>
-              <a:t>#Available postures are “Stand”, “Sit”, “Crouch”, </a:t>
-            </a:r>
-            <a:r>
-              <a:rPr lang="is-IS" dirty="0" smtClean="0"/>
-              <a:t>…</a:t>
+              <a:rPr lang="en-US" dirty="0" err="1" smtClean="0"/>
+              <a:t>markerinfo</a:t>
+            </a:r>
+            <a:r>
+              <a:rPr lang="en-US" dirty="0" smtClean="0"/>
+              <a:t>[</a:t>
+            </a:r>
+            <a:r>
+              <a:rPr lang="en-US" dirty="0"/>
+              <a:t>1</a:t>
+            </a:r>
+            <a:r>
+              <a:rPr lang="en-US" dirty="0" smtClean="0"/>
+              <a:t>]		#</a:t>
+            </a:r>
+            <a:r>
+              <a:rPr lang="en-US" dirty="0"/>
+              <a:t>alpha - x location in camera angle</a:t>
+            </a:r>
+          </a:p>
+          <a:p>
+            <a:r>
+              <a:rPr lang="en-US" dirty="0" err="1" smtClean="0"/>
+              <a:t>markerinfo</a:t>
+            </a:r>
+            <a:r>
+              <a:rPr lang="en-US" dirty="0" smtClean="0"/>
+              <a:t>[</a:t>
+            </a:r>
+            <a:r>
+              <a:rPr lang="en-US" dirty="0"/>
+              <a:t>2</a:t>
+            </a:r>
+            <a:r>
+              <a:rPr lang="en-US" dirty="0" smtClean="0"/>
+              <a:t>]</a:t>
+            </a:r>
+            <a:r>
+              <a:rPr lang="en-US" dirty="0"/>
+              <a:t>	</a:t>
+            </a:r>
+            <a:r>
+              <a:rPr lang="en-US" dirty="0" smtClean="0"/>
+              <a:t>	#</a:t>
+            </a:r>
+            <a:r>
+              <a:rPr lang="en-US" dirty="0"/>
+              <a:t>beta  - y location</a:t>
+            </a:r>
+          </a:p>
+          <a:p>
+            <a:r>
+              <a:rPr lang="en-US" dirty="0" err="1" smtClean="0"/>
+              <a:t>markerinfo</a:t>
+            </a:r>
+            <a:r>
+              <a:rPr lang="en-US" dirty="0" smtClean="0"/>
+              <a:t>[</a:t>
+            </a:r>
+            <a:r>
+              <a:rPr lang="en-US" dirty="0"/>
+              <a:t>3</a:t>
+            </a:r>
+            <a:r>
+              <a:rPr lang="en-US" dirty="0" smtClean="0"/>
+              <a:t>]</a:t>
+            </a:r>
+            <a:r>
+              <a:rPr lang="en-US" dirty="0"/>
+              <a:t>	</a:t>
+            </a:r>
+            <a:r>
+              <a:rPr lang="en-US" dirty="0" smtClean="0"/>
+              <a:t>	#</a:t>
+            </a:r>
+            <a:r>
+              <a:rPr lang="en-US" dirty="0" err="1"/>
+              <a:t>sizeX</a:t>
+            </a:r>
+            <a:endParaRPr lang="en-US" dirty="0"/>
+          </a:p>
+          <a:p>
+            <a:r>
+              <a:rPr lang="en-US" dirty="0" err="1" smtClean="0"/>
+              <a:t>markerinfo</a:t>
+            </a:r>
+            <a:r>
+              <a:rPr lang="en-US" dirty="0" smtClean="0"/>
+              <a:t>[</a:t>
+            </a:r>
+            <a:r>
+              <a:rPr lang="en-US" dirty="0"/>
+              <a:t>4</a:t>
+            </a:r>
+            <a:r>
+              <a:rPr lang="en-US" dirty="0" smtClean="0"/>
+              <a:t>]		#</a:t>
+            </a:r>
+            <a:r>
+              <a:rPr lang="en-US" dirty="0" err="1"/>
+              <a:t>sizeY</a:t>
+            </a:r>
+            <a:endParaRPr lang="en-US" dirty="0"/>
+          </a:p>
+          <a:p>
+            <a:r>
+              <a:rPr lang="en-US" dirty="0" err="1" smtClean="0"/>
+              <a:t>markerinfo</a:t>
+            </a:r>
+            <a:r>
+              <a:rPr lang="en-US" dirty="0" smtClean="0"/>
+              <a:t>[</a:t>
+            </a:r>
+            <a:r>
+              <a:rPr lang="en-US" dirty="0"/>
+              <a:t>5] </a:t>
+            </a:r>
+            <a:r>
+              <a:rPr lang="en-US" dirty="0" smtClean="0"/>
+              <a:t>	#</a:t>
+            </a:r>
+            <a:r>
+              <a:rPr lang="en-US" dirty="0"/>
+              <a:t>orientation about vertical </a:t>
+            </a:r>
+            <a:r>
+              <a:rPr lang="en-US" dirty="0" err="1"/>
+              <a:t>w.r.</a:t>
+            </a:r>
+            <a:r>
+              <a:rPr lang="en-US" dirty="0"/>
+              <a:t> </a:t>
+            </a:r>
+            <a:r>
+              <a:rPr lang="en-US" dirty="0" err="1"/>
+              <a:t>Nao's</a:t>
+            </a:r>
+            <a:r>
+              <a:rPr lang="en-US" dirty="0"/>
+              <a:t> head</a:t>
             </a:r>
             <a:endParaRPr lang="en-US" dirty="0"/>
           </a:p>
@@ -7688,7 +8776,7 @@
     </p:spTree>
     <p:extLst>
       <p:ext uri="{BB962C8B-B14F-4D97-AF65-F5344CB8AC3E}">
-        <p14:creationId xmlns:p14="http://schemas.microsoft.com/office/powerpoint/2010/main" val="1605723365"/>
+        <p14:creationId xmlns:p14="http://schemas.microsoft.com/office/powerpoint/2010/main" val="1515840063"/>
       </p:ext>
     </p:extLst>
   </p:cSld>
@@ -7759,20 +8847,12 @@
           <a:p>
             <a:r>
               <a:rPr lang="en-US" dirty="0" smtClean="0"/>
-              <a:t>For walking there are two variants.</a:t>
-            </a:r>
-          </a:p>
-          <a:p>
-            <a:r>
-              <a:rPr lang="en-US" dirty="0" smtClean="0"/>
-              <a:t>The first variant sets the heading direction and speed (don’t forget to turn it off! (zero speed)):</a:t>
-            </a:r>
-          </a:p>
-          <a:p>
-            <a:endParaRPr lang="en-US" dirty="0"/>
-          </a:p>
-          <a:p>
-            <a:endParaRPr lang="en-US" dirty="0" smtClean="0"/>
+              <a:t>Sound detection </a:t>
+            </a:r>
+            <a:r>
+              <a:rPr lang="en-US" dirty="0" smtClean="0"/>
+              <a:t>needs to be initialized before it can be used</a:t>
+            </a:r>
           </a:p>
           <a:p>
             <a:pPr marL="0" indent="0">
@@ -7781,16 +8861,18 @@
             <a:endParaRPr lang="en-US" dirty="0" smtClean="0"/>
           </a:p>
           <a:p>
+            <a:endParaRPr lang="en-US" dirty="0"/>
+          </a:p>
+          <a:p>
+            <a:r>
+              <a:rPr lang="en-US" dirty="0" smtClean="0"/>
+              <a:t>After that </a:t>
+            </a:r>
+            <a:r>
+              <a:rPr lang="en-US" dirty="0" smtClean="0"/>
+              <a:t>Sound can be detected using:</a:t>
+            </a:r>
             <a:endParaRPr lang="en-US" dirty="0" smtClean="0"/>
-          </a:p>
-          <a:p>
-            <a:endParaRPr lang="en-US" dirty="0"/>
-          </a:p>
-          <a:p>
-            <a:r>
-              <a:rPr lang="en-US" dirty="0" smtClean="0"/>
-              <a:t>The second method expects a distance in m.</a:t>
-            </a:r>
           </a:p>
           <a:p>
             <a:pPr marL="0" indent="0">
@@ -7799,22 +8881,21 @@
             <a:endParaRPr lang="en-US" dirty="0" smtClean="0"/>
           </a:p>
           <a:p>
-            <a:r>
-              <a:rPr lang="en-US" dirty="0" smtClean="0"/>
-              <a:t>Turn motors on with</a:t>
-            </a:r>
-          </a:p>
-          <a:p>
-            <a:endParaRPr lang="en-US" dirty="0"/>
-          </a:p>
-          <a:p>
             <a:pPr marL="0" indent="0">
               <a:buNone/>
             </a:pPr>
             <a:endParaRPr lang="en-US" dirty="0" smtClean="0"/>
           </a:p>
           <a:p>
-            <a:endParaRPr lang="en-US" dirty="0"/>
+            <a:r>
+              <a:rPr lang="en-US" dirty="0" smtClean="0"/>
+              <a:t>Marker Info is an array with the following fields</a:t>
+            </a:r>
+            <a:r>
+              <a:rPr lang="en-US" dirty="0" smtClean="0"/>
+              <a:t>:</a:t>
+            </a:r>
+            <a:endParaRPr lang="en-US" dirty="0" smtClean="0"/>
           </a:p>
           <a:p>
             <a:endParaRPr lang="en-US" dirty="0"/>
@@ -7829,154 +8910,7 @@
         </p:nvSpPr>
         <p:spPr>
           <a:xfrm>
-            <a:off x="877749" y="2494402"/>
-            <a:ext cx="6741862" cy="2308324"/>
-          </a:xfrm>
-          <a:prstGeom prst="rect">
-            <a:avLst/>
-          </a:prstGeom>
-        </p:spPr>
-        <p:txBody>
-          <a:bodyPr wrap="square">
-            <a:spAutoFit/>
-          </a:bodyPr>
-          <a:lstStyle/>
-          <a:p>
-            <a:r>
-              <a:rPr lang="en-US" dirty="0" err="1" smtClean="0"/>
-              <a:t>nao.Move</a:t>
-            </a:r>
-            <a:r>
-              <a:rPr lang="en-US" dirty="0" smtClean="0"/>
-              <a:t>(dx, </a:t>
-            </a:r>
-            <a:r>
-              <a:rPr lang="en-US" dirty="0" err="1" smtClean="0"/>
-              <a:t>dy</a:t>
-            </a:r>
-            <a:r>
-              <a:rPr lang="en-US" dirty="0" smtClean="0"/>
-              <a:t>, </a:t>
-            </a:r>
-            <a:r>
-              <a:rPr lang="en-US" dirty="0" err="1" smtClean="0"/>
-              <a:t>dtheta</a:t>
-            </a:r>
-            <a:r>
-              <a:rPr lang="en-US" dirty="0" smtClean="0"/>
-              <a:t>, </a:t>
-            </a:r>
-            <a:r>
-              <a:rPr lang="en-US" dirty="0" err="1" smtClean="0"/>
-              <a:t>freq</a:t>
-            </a:r>
-            <a:r>
-              <a:rPr lang="en-US" dirty="0" smtClean="0"/>
-              <a:t>)</a:t>
-            </a:r>
-          </a:p>
-          <a:p>
-            <a:r>
-              <a:rPr lang="en-US" dirty="0" smtClean="0"/>
-              <a:t> """"</a:t>
-            </a:r>
-          </a:p>
-          <a:p>
-            <a:r>
-              <a:rPr lang="en-US" dirty="0" smtClean="0"/>
-              <a:t>    dx = forward speed, </a:t>
-            </a:r>
-            <a:r>
-              <a:rPr lang="en-US" dirty="0" err="1" smtClean="0"/>
-              <a:t>dtheta</a:t>
-            </a:r>
-            <a:r>
-              <a:rPr lang="en-US" dirty="0" smtClean="0"/>
-              <a:t> = rotational speed,</a:t>
-            </a:r>
-          </a:p>
-          <a:p>
-            <a:r>
-              <a:rPr lang="en-US" dirty="0" smtClean="0"/>
-              <a:t>    </a:t>
-            </a:r>
-            <a:r>
-              <a:rPr lang="en-US" dirty="0" err="1" smtClean="0"/>
-              <a:t>dy</a:t>
-            </a:r>
-            <a:r>
-              <a:rPr lang="en-US" dirty="0" smtClean="0"/>
-              <a:t> = </a:t>
-            </a:r>
-            <a:r>
-              <a:rPr lang="en-US" dirty="0" err="1" smtClean="0"/>
-              <a:t>sidewards</a:t>
-            </a:r>
-            <a:r>
-              <a:rPr lang="en-US" dirty="0" smtClean="0"/>
-              <a:t> speed, </a:t>
-            </a:r>
-            <a:r>
-              <a:rPr lang="en-US" dirty="0" err="1" smtClean="0"/>
-              <a:t>freq</a:t>
-            </a:r>
-            <a:r>
-              <a:rPr lang="en-US" dirty="0" smtClean="0"/>
-              <a:t> = step frequency.</a:t>
-            </a:r>
-          </a:p>
-          <a:p>
-            <a:r>
-              <a:rPr lang="en-US" dirty="0" smtClean="0"/>
-              <a:t>    Allows </a:t>
-            </a:r>
-            <a:r>
-              <a:rPr lang="en-US" dirty="0" err="1" smtClean="0"/>
-              <a:t>Nao</a:t>
-            </a:r>
-            <a:r>
-              <a:rPr lang="en-US" dirty="0" smtClean="0"/>
-              <a:t> to move in a certain direction</a:t>
-            </a:r>
-          </a:p>
-          <a:p>
-            <a:r>
-              <a:rPr lang="en-US" dirty="0" smtClean="0"/>
-              <a:t>    with a certain speed.</a:t>
-            </a:r>
-          </a:p>
-          <a:p>
-            <a:r>
-              <a:rPr lang="en-US" dirty="0" smtClean="0"/>
-              <a:t>All values should be -1 and 1 except </a:t>
-            </a:r>
-            <a:r>
-              <a:rPr lang="en-US" dirty="0" err="1" smtClean="0"/>
-              <a:t>freq</a:t>
-            </a:r>
-            <a:r>
-              <a:rPr lang="en-US" dirty="0" smtClean="0"/>
-              <a:t> between 0 and 1</a:t>
-            </a:r>
-          </a:p>
-          <a:p>
-            <a:r>
-              <a:rPr lang="en-US" dirty="0" smtClean="0"/>
-              <a:t>    """</a:t>
-            </a:r>
-            <a:endParaRPr lang="en-US" dirty="0"/>
-          </a:p>
-        </p:txBody>
-      </p:sp>
-      <p:sp>
-        <p:nvSpPr>
-          <p:cNvPr id="8" name="Rectangle 7"/>
-          <p:cNvSpPr/>
-          <p:nvPr/>
-        </p:nvSpPr>
-        <p:spPr>
-          <a:xfrm>
-            <a:off x="877749" y="5108750"/>
+            <a:off x="877749" y="2102248"/>
             <a:ext cx="6741862" cy="369332"/>
           </a:xfrm>
           <a:prstGeom prst="rect">
@@ -7991,23 +8925,15 @@
           <a:p>
             <a:r>
               <a:rPr lang="en-US" dirty="0" err="1" smtClean="0"/>
-              <a:t>nao.Walk</a:t>
-            </a:r>
-            <a:r>
-              <a:rPr lang="en-US" dirty="0" smtClean="0"/>
-              <a:t>(dx, </a:t>
+              <a:t>nao.InitSound</a:t>
             </a:r>
             <a:r>
               <a:rPr lang="en-US" dirty="0" err="1" smtClean="0"/>
-              <a:t>dy</a:t>
-            </a:r>
-            <a:r>
-              <a:rPr lang="en-US" dirty="0" smtClean="0"/>
-              <a:t>, </a:t>
-            </a:r>
-            <a:r>
-              <a:rPr lang="en-US" dirty="0" err="1" smtClean="0"/>
-              <a:t>dtheta</a:t>
+              <a:t>Detection</a:t>
+            </a:r>
+            <a:r>
+              <a:rPr lang="en-US" dirty="0" smtClean="0"/>
+              <a:t>(</a:t>
             </a:r>
             <a:r>
               <a:rPr lang="en-US" dirty="0" smtClean="0"/>
@@ -8019,14 +8945,14 @@
       </p:sp>
       <p:sp>
         <p:nvSpPr>
-          <p:cNvPr id="9" name="Rectangle 8"/>
+          <p:cNvPr id="6" name="Rectangle 5"/>
           <p:cNvSpPr/>
           <p:nvPr/>
         </p:nvSpPr>
         <p:spPr>
           <a:xfrm>
-            <a:off x="877749" y="5986425"/>
-            <a:ext cx="6741862" cy="646331"/>
+            <a:off x="877749" y="3281979"/>
+            <a:ext cx="6741862" cy="369332"/>
           </a:xfrm>
           <a:prstGeom prst="rect">
             <a:avLst/>
@@ -8039,22 +8965,105 @@
           <a:lstStyle/>
           <a:p>
             <a:r>
+              <a:rPr lang="en-US" dirty="0"/>
+              <a:t>detected, timestamp, </a:t>
+            </a:r>
+            <a:r>
               <a:rPr lang="en-US" dirty="0" err="1" smtClean="0"/>
-              <a:t>nao.InitPose</a:t>
-            </a:r>
-            <a:r>
-              <a:rPr lang="en-US" dirty="0" smtClean="0"/>
-              <a:t>() # stand up and turn motors on</a:t>
-            </a:r>
-          </a:p>
-          <a:p>
+              <a:t>soundInfo</a:t>
+            </a:r>
+            <a:r>
+              <a:rPr lang="en-US" dirty="0"/>
+              <a:t>=</a:t>
+            </a:r>
             <a:r>
               <a:rPr lang="en-US" dirty="0" err="1" smtClean="0"/>
-              <a:t>nao.Stiffen</a:t>
-            </a:r>
-            <a:r>
-              <a:rPr lang="en-US" dirty="0" smtClean="0"/>
-              <a:t>() # turns all motors on</a:t>
+              <a:t>nao.DetectSound</a:t>
+            </a:r>
+            <a:r>
+              <a:rPr lang="en-US" dirty="0" smtClean="0"/>
+              <a:t>(</a:t>
+            </a:r>
+            <a:r>
+              <a:rPr lang="en-US" dirty="0" smtClean="0"/>
+              <a:t>)</a:t>
+            </a:r>
+            <a:endParaRPr lang="en-US" dirty="0"/>
+          </a:p>
+        </p:txBody>
+      </p:sp>
+      <p:sp>
+        <p:nvSpPr>
+          <p:cNvPr id="8" name="Rectangle 7"/>
+          <p:cNvSpPr/>
+          <p:nvPr/>
+        </p:nvSpPr>
+        <p:spPr>
+          <a:xfrm>
+            <a:off x="877749" y="4656831"/>
+            <a:ext cx="7397426" cy="923330"/>
+          </a:xfrm>
+          <a:prstGeom prst="rect">
+            <a:avLst/>
+          </a:prstGeom>
+        </p:spPr>
+        <p:txBody>
+          <a:bodyPr wrap="square">
+            <a:spAutoFit/>
+          </a:bodyPr>
+          <a:lstStyle/>
+          <a:p>
+            <a:r>
+              <a:rPr lang="en-US" dirty="0" err="1" smtClean="0"/>
+              <a:t>soundInfo</a:t>
+            </a:r>
+            <a:r>
+              <a:rPr lang="en-US" dirty="0" smtClean="0"/>
+              <a:t>[0]	</a:t>
+            </a:r>
+            <a:r>
+              <a:rPr lang="en-US" dirty="0"/>
+              <a:t>	#index of sound start/</a:t>
+            </a:r>
+            <a:r>
+              <a:rPr lang="en-US" dirty="0" smtClean="0"/>
+              <a:t>end</a:t>
+            </a:r>
+          </a:p>
+          <a:p>
+            <a:r>
+              <a:rPr lang="en-US" dirty="0" err="1" smtClean="0"/>
+              <a:t>soundInfo</a:t>
+            </a:r>
+            <a:r>
+              <a:rPr lang="en-US" dirty="0" smtClean="0"/>
+              <a:t>[1]		#</a:t>
+            </a:r>
+            <a:r>
+              <a:rPr lang="en-US" dirty="0"/>
+              <a:t>type: 1=start, 0=end</a:t>
+            </a:r>
+          </a:p>
+          <a:p>
+            <a:r>
+              <a:rPr lang="en-US" dirty="0" err="1" smtClean="0"/>
+              <a:t>soundInfo</a:t>
+            </a:r>
+            <a:r>
+              <a:rPr lang="en-US" dirty="0" smtClean="0"/>
+              <a:t>[</a:t>
+            </a:r>
+            <a:r>
+              <a:rPr lang="en-US" dirty="0"/>
+              <a:t>2</a:t>
+            </a:r>
+            <a:r>
+              <a:rPr lang="en-US" dirty="0" smtClean="0"/>
+              <a:t>]		#</a:t>
+            </a:r>
+            <a:r>
+              <a:rPr lang="en-US" dirty="0"/>
+              <a:t>confidence: probability that there was a sound</a:t>
             </a:r>
             <a:endParaRPr lang="en-US" dirty="0"/>
           </a:p>
@@ -8063,7 +9072,7 @@
     </p:spTree>
     <p:extLst>
       <p:ext uri="{BB962C8B-B14F-4D97-AF65-F5344CB8AC3E}">
-        <p14:creationId xmlns:p14="http://schemas.microsoft.com/office/powerpoint/2010/main" val="2479359306"/>
+        <p14:creationId xmlns:p14="http://schemas.microsoft.com/office/powerpoint/2010/main" val="2098363392"/>
       </p:ext>
     </p:extLst>
   </p:cSld>
@@ -8134,18 +9143,12 @@
           <a:p>
             <a:r>
               <a:rPr lang="en-US" dirty="0" smtClean="0"/>
-              <a:t>For moving the head</a:t>
-            </a:r>
-            <a:endParaRPr lang="en-US" dirty="0"/>
-          </a:p>
-          <a:p>
-            <a:endParaRPr lang="en-US" dirty="0" smtClean="0"/>
-          </a:p>
-          <a:p>
-            <a:endParaRPr lang="en-US" dirty="0"/>
-          </a:p>
-          <a:p>
-            <a:endParaRPr lang="en-US" dirty="0" smtClean="0"/>
+              <a:t>Sound Localization </a:t>
+            </a:r>
+            <a:r>
+              <a:rPr lang="en-US" dirty="0" smtClean="0"/>
+              <a:t>needs to be initialized before it can be used</a:t>
+            </a:r>
           </a:p>
           <a:p>
             <a:pPr marL="0" indent="0">
@@ -8154,27 +9157,18 @@
             <a:endParaRPr lang="en-US" dirty="0" smtClean="0"/>
           </a:p>
           <a:p>
+            <a:endParaRPr lang="en-US" dirty="0"/>
+          </a:p>
+          <a:p>
+            <a:r>
+              <a:rPr lang="en-US" dirty="0" smtClean="0"/>
+              <a:t>After that </a:t>
+            </a:r>
+            <a:r>
+              <a:rPr lang="en-US" dirty="0" smtClean="0"/>
+              <a:t>Sound can be detected using:</a:t>
+            </a:r>
             <a:endParaRPr lang="en-US" dirty="0" smtClean="0"/>
-          </a:p>
-          <a:p>
-            <a:endParaRPr lang="en-US" dirty="0"/>
-          </a:p>
-          <a:p>
-            <a:r>
-              <a:rPr lang="en-US" dirty="0" smtClean="0"/>
-              <a:t>Don’t forget to turn the </a:t>
-            </a:r>
-            <a:r>
-              <a:rPr lang="en-US" dirty="0" err="1" smtClean="0"/>
-              <a:t>headmotors</a:t>
-            </a:r>
-            <a:r>
-              <a:rPr lang="en-US" dirty="0" smtClean="0"/>
-              <a:t> on/off</a:t>
-            </a:r>
-          </a:p>
-          <a:p>
-            <a:endParaRPr lang="en-US" dirty="0"/>
           </a:p>
           <a:p>
             <a:pPr marL="0" indent="0">
@@ -8183,7 +9177,21 @@
             <a:endParaRPr lang="en-US" dirty="0" smtClean="0"/>
           </a:p>
           <a:p>
-            <a:endParaRPr lang="en-US" dirty="0"/>
+            <a:pPr marL="0" indent="0">
+              <a:buNone/>
+            </a:pPr>
+            <a:endParaRPr lang="en-US" dirty="0" smtClean="0"/>
+          </a:p>
+          <a:p>
+            <a:r>
+              <a:rPr lang="en-US" dirty="0" smtClean="0"/>
+              <a:t>Marker Info is an array with the following fields</a:t>
+            </a:r>
+            <a:r>
+              <a:rPr lang="en-US" dirty="0" smtClean="0"/>
+              <a:t>:</a:t>
+            </a:r>
+            <a:endParaRPr lang="en-US" dirty="0" smtClean="0"/>
           </a:p>
           <a:p>
             <a:endParaRPr lang="en-US" dirty="0"/>
@@ -8198,8 +9206,8 @@
         </p:nvSpPr>
         <p:spPr>
           <a:xfrm>
-            <a:off x="877748" y="1710097"/>
-            <a:ext cx="8030473" cy="2031325"/>
+            <a:off x="877749" y="2102248"/>
+            <a:ext cx="6741862" cy="369332"/>
           </a:xfrm>
           <a:prstGeom prst="rect">
             <a:avLst/>
@@ -8213,108 +9221,34 @@
           <a:p>
             <a:r>
               <a:rPr lang="en-US" dirty="0" err="1" smtClean="0"/>
-              <a:t>nao.MoveHead</a:t>
-            </a:r>
-            <a:r>
-              <a:rPr lang="en-US" dirty="0" smtClean="0"/>
-              <a:t>(</a:t>
+              <a:t>nao.InitSoundLocalizat</a:t>
             </a:r>
             <a:r>
               <a:rPr lang="en-US" dirty="0" err="1" smtClean="0"/>
-              <a:t>yaw_val</a:t>
-            </a:r>
-            <a:r>
-              <a:rPr lang="en-US" dirty="0" smtClean="0"/>
-              <a:t>=0, </a:t>
-            </a:r>
-            <a:r>
-              <a:rPr lang="en-US" dirty="0" err="1" smtClean="0"/>
-              <a:t>pitch_val</a:t>
-            </a:r>
-            <a:r>
-              <a:rPr lang="en-US" dirty="0" smtClean="0"/>
-              <a:t>=0, </a:t>
-            </a:r>
-            <a:r>
-              <a:rPr lang="en-US" dirty="0" err="1" smtClean="0"/>
-              <a:t>isAbsolute</a:t>
-            </a:r>
-            <a:r>
-              <a:rPr lang="en-US" dirty="0" smtClean="0"/>
-              <a:t>=True, </a:t>
-            </a:r>
-            <a:r>
-              <a:rPr lang="en-US" dirty="0" err="1" smtClean="0"/>
-              <a:t>timeLists</a:t>
-            </a:r>
-            <a:r>
-              <a:rPr lang="en-US" dirty="0" smtClean="0"/>
-              <a:t>=[[1],[1]])</a:t>
-            </a:r>
-          </a:p>
-          <a:p>
-            <a:endParaRPr lang="en-US" dirty="0" smtClean="0"/>
-          </a:p>
-          <a:p>
-            <a:r>
-              <a:rPr lang="en-US" dirty="0" smtClean="0"/>
-              <a:t>yaw=</a:t>
-            </a:r>
-            <a:r>
-              <a:rPr lang="en-US" dirty="0" err="1" smtClean="0"/>
-              <a:t>nao.GetYaw</a:t>
-            </a:r>
-            <a:r>
-              <a:rPr lang="en-US" dirty="0" smtClean="0"/>
-              <a:t>():</a:t>
-            </a:r>
-          </a:p>
-          <a:p>
-            <a:endParaRPr lang="en-US" dirty="0" smtClean="0"/>
-          </a:p>
-          <a:p>
-            <a:r>
-              <a:rPr lang="en-US" dirty="0" smtClean="0"/>
-              <a:t>pitch = </a:t>
-            </a:r>
-            <a:r>
-              <a:rPr lang="en-US" dirty="0" err="1" smtClean="0"/>
-              <a:t>nao.GetPitch</a:t>
-            </a:r>
-            <a:r>
-              <a:rPr lang="en-US" dirty="0" smtClean="0"/>
-              <a:t>():</a:t>
-            </a:r>
-          </a:p>
-          <a:p>
-            <a:endParaRPr lang="en-US" dirty="0" smtClean="0"/>
-          </a:p>
-          <a:p>
-            <a:r>
-              <a:rPr lang="en-US" dirty="0" smtClean="0"/>
-              <a:t>yaw, pitch = </a:t>
-            </a:r>
-            <a:r>
-              <a:rPr lang="en-US" dirty="0" err="1" smtClean="0"/>
-              <a:t>nao.GetYawPitch</a:t>
-            </a:r>
-            <a:r>
-              <a:rPr lang="en-US" dirty="0" smtClean="0"/>
-              <a:t>():</a:t>
-            </a:r>
-          </a:p>
-        </p:txBody>
-      </p:sp>
-      <p:sp>
-        <p:nvSpPr>
-          <p:cNvPr id="8" name="Rectangle 7"/>
+              <a:t>ion</a:t>
+            </a:r>
+            <a:r>
+              <a:rPr lang="en-US" dirty="0" smtClean="0"/>
+              <a:t>(switch=True</a:t>
+            </a:r>
+            <a:r>
+              <a:rPr lang="en-US" dirty="0" smtClean="0"/>
+              <a:t>)</a:t>
+            </a:r>
+            <a:endParaRPr lang="en-US" dirty="0"/>
+          </a:p>
+        </p:txBody>
+      </p:sp>
+      <p:sp>
+        <p:nvSpPr>
+          <p:cNvPr id="6" name="Rectangle 5"/>
           <p:cNvSpPr/>
           <p:nvPr/>
         </p:nvSpPr>
         <p:spPr>
           <a:xfrm>
-            <a:off x="877749" y="5108750"/>
-            <a:ext cx="6741862" cy="646331"/>
+            <a:off x="877749" y="3281979"/>
+            <a:ext cx="6741862" cy="369332"/>
           </a:xfrm>
           <a:prstGeom prst="rect">
             <a:avLst/>
@@ -8327,26 +9261,135 @@
           <a:lstStyle/>
           <a:p>
             <a:r>
+              <a:rPr lang="en-US" dirty="0"/>
+              <a:t>detected, timestamp, </a:t>
+            </a:r>
+            <a:r>
               <a:rPr lang="en-US" dirty="0" err="1" smtClean="0"/>
-              <a:t>nao.InitTrack</a:t>
-            </a:r>
-            <a:r>
-              <a:rPr lang="en-US" dirty="0" smtClean="0"/>
-              <a:t>()</a:t>
+              <a:t>soundInfo</a:t>
+            </a:r>
+            <a:r>
+              <a:rPr lang="en-US" dirty="0"/>
+              <a:t>=</a:t>
+            </a:r>
+            <a:r>
+              <a:rPr lang="en-US" dirty="0" err="1" smtClean="0"/>
+              <a:t>nao.DetectSoundLocation</a:t>
+            </a:r>
+            <a:r>
+              <a:rPr lang="en-US" dirty="0" smtClean="0"/>
+              <a:t>(</a:t>
+            </a:r>
+            <a:r>
+              <a:rPr lang="en-US" dirty="0" smtClean="0"/>
+              <a:t>)</a:t>
+            </a:r>
+            <a:endParaRPr lang="en-US" dirty="0"/>
+          </a:p>
+        </p:txBody>
+      </p:sp>
+      <p:sp>
+        <p:nvSpPr>
+          <p:cNvPr id="8" name="Rectangle 7"/>
+          <p:cNvSpPr/>
+          <p:nvPr/>
+        </p:nvSpPr>
+        <p:spPr>
+          <a:xfrm>
+            <a:off x="877749" y="4656831"/>
+            <a:ext cx="7397426" cy="1200329"/>
+          </a:xfrm>
+          <a:prstGeom prst="rect">
+            <a:avLst/>
+          </a:prstGeom>
+        </p:spPr>
+        <p:txBody>
+          <a:bodyPr wrap="square">
+            <a:spAutoFit/>
+          </a:bodyPr>
+          <a:lstStyle/>
+          <a:p>
+            <a:r>
+              <a:rPr lang="en-US" dirty="0" err="1" smtClean="0"/>
+              <a:t>soundInfo</a:t>
+            </a:r>
+            <a:r>
+              <a:rPr lang="en-US" dirty="0" smtClean="0"/>
+              <a:t>[0]	</a:t>
+            </a:r>
+            <a:r>
+              <a:rPr lang="en-US" dirty="0"/>
+              <a:t>	#azimuth angle</a:t>
             </a:r>
           </a:p>
           <a:p>
             <a:r>
               <a:rPr lang="en-US" dirty="0" err="1"/>
-              <a:t>n</a:t>
+              <a:t>soundInfo</a:t>
+            </a:r>
+            <a:r>
+              <a:rPr lang="en-US" dirty="0" smtClean="0"/>
+              <a:t>[1]</a:t>
+            </a:r>
+            <a:r>
+              <a:rPr lang="en-US" dirty="0"/>
+              <a:t>		</a:t>
+            </a:r>
+            <a:r>
+              <a:rPr lang="en-US" dirty="0" smtClean="0"/>
+              <a:t>#elevation </a:t>
+            </a:r>
+            <a:r>
+              <a:rPr lang="en-US" dirty="0"/>
+              <a:t>angle</a:t>
+            </a:r>
+          </a:p>
+          <a:p>
+            <a:r>
+              <a:rPr lang="en-US" dirty="0" err="1"/>
+              <a:t>soundInfo</a:t>
+            </a:r>
+            <a:r>
+              <a:rPr lang="en-US" dirty="0" smtClean="0"/>
+              <a:t>[2]</a:t>
+            </a:r>
+            <a:r>
+              <a:rPr lang="en-US" dirty="0"/>
+              <a:t>		</a:t>
+            </a:r>
+            <a:r>
+              <a:rPr lang="en-US" dirty="0" smtClean="0"/>
+              <a:t>#</a:t>
+            </a:r>
+            <a:r>
+              <a:rPr lang="en-US" dirty="0"/>
+              <a:t>confidence: probability that there was a sound</a:t>
+            </a:r>
+          </a:p>
+          <a:p>
+            <a:r>
+              <a:rPr lang="en-US" dirty="0" err="1"/>
+              <a:t>soundInfo</a:t>
+            </a:r>
+            <a:r>
+              <a:rPr lang="en-US" dirty="0" smtClean="0"/>
+              <a:t>[3]</a:t>
+            </a:r>
+            <a:r>
+              <a:rPr lang="en-US" dirty="0"/>
+              <a:t>		</a:t>
+            </a:r>
+            <a:r>
+              <a:rPr lang="en-US" dirty="0" smtClean="0"/>
+              <a:t>#</a:t>
             </a:r>
             <a:r>
               <a:rPr lang="en-US" dirty="0" err="1" smtClean="0"/>
-              <a:t>ao.EndTrack</a:t>
-            </a:r>
-            <a:r>
-              <a:rPr lang="en-US" dirty="0" smtClean="0"/>
-              <a:t>()</a:t>
+              <a:t>Headposition</a:t>
+            </a:r>
+            <a:r>
+              <a:rPr lang="en-US" dirty="0" smtClean="0"/>
+              <a:t> 6D</a:t>
             </a:r>
             <a:endParaRPr lang="en-US" dirty="0"/>
           </a:p>
@@ -8355,7 +9398,7 @@
     </p:spTree>
     <p:extLst>
       <p:ext uri="{BB962C8B-B14F-4D97-AF65-F5344CB8AC3E}">
-        <p14:creationId xmlns:p14="http://schemas.microsoft.com/office/powerpoint/2010/main" val="1366090601"/>
+        <p14:creationId xmlns:p14="http://schemas.microsoft.com/office/powerpoint/2010/main" val="592584348"/>
       </p:ext>
     </p:extLst>
   </p:cSld>
@@ -8384,7 +9427,7 @@
       </p:grpSpPr>
       <p:sp>
         <p:nvSpPr>
-          <p:cNvPr id="2" name="Title 1"/>
+          <p:cNvPr id="4" name="Title 3"/>
           <p:cNvSpPr>
             <a:spLocks noGrp="1"/>
           </p:cNvSpPr>
@@ -8397,13 +9440,21 @@
           <a:bodyPr/>
           <a:lstStyle/>
           <a:p>
-            <a:endParaRPr lang="en-US"/>
-          </a:p>
-        </p:txBody>
-      </p:sp>
-      <p:sp>
-        <p:nvSpPr>
-          <p:cNvPr id="3" name="Content Placeholder 2"/>
+            <a:r>
+              <a:rPr lang="en-US" dirty="0" smtClean="0"/>
+              <a:t>Using </a:t>
+            </a:r>
+            <a:r>
+              <a:rPr lang="en-US" dirty="0" err="1" smtClean="0"/>
+              <a:t>nao.py</a:t>
+            </a:r>
+            <a:endParaRPr lang="en-US" dirty="0"/>
+          </a:p>
+        </p:txBody>
+      </p:sp>
+      <p:sp>
+        <p:nvSpPr>
+          <p:cNvPr id="5" name="Content Placeholder 4"/>
           <p:cNvSpPr>
             <a:spLocks noGrp="1"/>
           </p:cNvSpPr>
@@ -8416,14 +9467,199 @@
           <a:bodyPr/>
           <a:lstStyle/>
           <a:p>
-            <a:endParaRPr lang="en-US"/>
+            <a:r>
+              <a:rPr lang="en-US" dirty="0" smtClean="0"/>
+              <a:t>There are two default postures:</a:t>
+            </a:r>
+          </a:p>
+          <a:p>
+            <a:endParaRPr lang="en-US" dirty="0" smtClean="0"/>
+          </a:p>
+          <a:p>
+            <a:r>
+              <a:rPr lang="en-US" dirty="0" smtClean="0"/>
+              <a:t> </a:t>
+            </a:r>
+          </a:p>
+          <a:p>
+            <a:r>
+              <a:rPr lang="en-US" dirty="0" smtClean="0"/>
+              <a:t>Note: Prior to version 1.40 </a:t>
+            </a:r>
+            <a:r>
+              <a:rPr lang="en-US" dirty="0" err="1" smtClean="0"/>
+              <a:t>InitPose</a:t>
+            </a:r>
+            <a:r>
+              <a:rPr lang="en-US" dirty="0" smtClean="0"/>
+              <a:t> expects a crouch pose!!</a:t>
+            </a:r>
+          </a:p>
+          <a:p>
+            <a:endParaRPr lang="en-US" dirty="0" smtClean="0"/>
+          </a:p>
+          <a:p>
+            <a:r>
+              <a:rPr lang="en-US" smtClean="0"/>
+              <a:t>From version </a:t>
+            </a:r>
+            <a:r>
+              <a:rPr lang="en-US" dirty="0" smtClean="0"/>
+              <a:t>1.40</a:t>
+            </a:r>
+          </a:p>
+          <a:p>
+            <a:endParaRPr lang="en-US" dirty="0"/>
+          </a:p>
+          <a:p>
+            <a:endParaRPr lang="en-US" dirty="0" smtClean="0"/>
+          </a:p>
+          <a:p>
+            <a:pPr marL="0" indent="0">
+              <a:buNone/>
+            </a:pPr>
+            <a:endParaRPr lang="en-US" dirty="0" smtClean="0"/>
+          </a:p>
+          <a:p>
+            <a:pPr marL="0" indent="0">
+              <a:buNone/>
+            </a:pPr>
+            <a:endParaRPr lang="en-US" dirty="0" smtClean="0"/>
+          </a:p>
+          <a:p>
+            <a:endParaRPr lang="en-US" dirty="0"/>
+          </a:p>
+          <a:p>
+            <a:pPr marL="0" indent="0">
+              <a:buNone/>
+            </a:pPr>
+            <a:endParaRPr lang="en-US" dirty="0" smtClean="0"/>
+          </a:p>
+          <a:p>
+            <a:endParaRPr lang="en-US" dirty="0"/>
+          </a:p>
+          <a:p>
+            <a:endParaRPr lang="en-US" dirty="0"/>
+          </a:p>
+        </p:txBody>
+      </p:sp>
+      <p:sp>
+        <p:nvSpPr>
+          <p:cNvPr id="7" name="Rectangle 6"/>
+          <p:cNvSpPr/>
+          <p:nvPr/>
+        </p:nvSpPr>
+        <p:spPr>
+          <a:xfrm>
+            <a:off x="877749" y="1710097"/>
+            <a:ext cx="6741862" cy="646331"/>
+          </a:xfrm>
+          <a:prstGeom prst="rect">
+            <a:avLst/>
+          </a:prstGeom>
+        </p:spPr>
+        <p:txBody>
+          <a:bodyPr wrap="square">
+            <a:spAutoFit/>
+          </a:bodyPr>
+          <a:lstStyle/>
+          <a:p>
+            <a:r>
+              <a:rPr lang="en-US" dirty="0" err="1"/>
+              <a:t>n</a:t>
+            </a:r>
+            <a:r>
+              <a:rPr lang="en-US" dirty="0" err="1" smtClean="0"/>
+              <a:t>ao.InitPose</a:t>
+            </a:r>
+            <a:r>
+              <a:rPr lang="en-US" dirty="0" smtClean="0"/>
+              <a:t>() # stand up and turn motors on</a:t>
+            </a:r>
+          </a:p>
+          <a:p>
+            <a:r>
+              <a:rPr lang="en-US" dirty="0" err="1"/>
+              <a:t>n</a:t>
+            </a:r>
+            <a:r>
+              <a:rPr lang="en-US" dirty="0" err="1" smtClean="0"/>
+              <a:t>ao.Crouch</a:t>
+            </a:r>
+            <a:r>
+              <a:rPr lang="en-US" dirty="0" smtClean="0"/>
+              <a:t>() # </a:t>
+            </a:r>
+            <a:r>
+              <a:rPr lang="en-US" dirty="0" err="1" smtClean="0"/>
+              <a:t>goto</a:t>
+            </a:r>
+            <a:r>
+              <a:rPr lang="en-US" dirty="0" smtClean="0"/>
+              <a:t> crouch pose and turn motors off</a:t>
+            </a:r>
+            <a:endParaRPr lang="en-US" dirty="0"/>
+          </a:p>
+        </p:txBody>
+      </p:sp>
+      <p:sp>
+        <p:nvSpPr>
+          <p:cNvPr id="10" name="Rectangle 9"/>
+          <p:cNvSpPr/>
+          <p:nvPr/>
+        </p:nvSpPr>
+        <p:spPr>
+          <a:xfrm>
+            <a:off x="877749" y="4268430"/>
+            <a:ext cx="6741862" cy="923330"/>
+          </a:xfrm>
+          <a:prstGeom prst="rect">
+            <a:avLst/>
+          </a:prstGeom>
+        </p:spPr>
+        <p:txBody>
+          <a:bodyPr wrap="square">
+            <a:spAutoFit/>
+          </a:bodyPr>
+          <a:lstStyle/>
+          <a:p>
+            <a:r>
+              <a:rPr lang="en-US" dirty="0" err="1" smtClean="0"/>
+              <a:t>nao.GoToPosture</a:t>
+            </a:r>
+            <a:r>
+              <a:rPr lang="en-US" dirty="0" smtClean="0"/>
+              <a:t>(</a:t>
+            </a:r>
+            <a:r>
+              <a:rPr lang="en-US" dirty="0" err="1" smtClean="0"/>
+              <a:t>the_pose</a:t>
+            </a:r>
+            <a:r>
+              <a:rPr lang="en-US" dirty="0" smtClean="0"/>
+              <a:t>)</a:t>
+            </a:r>
+          </a:p>
+          <a:p>
+            <a:endParaRPr lang="en-US" dirty="0"/>
+          </a:p>
+          <a:p>
+            <a:r>
+              <a:rPr lang="en-US" dirty="0" smtClean="0"/>
+              <a:t>#Available postures are “Stand”, “Sit”, “Crouch”, </a:t>
+            </a:r>
+            <a:r>
+              <a:rPr lang="is-IS" dirty="0" smtClean="0"/>
+              <a:t>…</a:t>
+            </a:r>
+            <a:endParaRPr lang="en-US" dirty="0"/>
           </a:p>
         </p:txBody>
       </p:sp>
     </p:spTree>
     <p:extLst>
       <p:ext uri="{BB962C8B-B14F-4D97-AF65-F5344CB8AC3E}">
-        <p14:creationId xmlns:p14="http://schemas.microsoft.com/office/powerpoint/2010/main" val="2540422098"/>
+        <p14:creationId xmlns:p14="http://schemas.microsoft.com/office/powerpoint/2010/main" val="1605723365"/>
       </p:ext>
     </p:extLst>
   </p:cSld>

--- a/Manual nao-lib.pptx
+++ b/Manual nao-lib.pptx
@@ -116,6 +116,22 @@
       </a:defRPr>
     </a:lvl9pPr>
   </p:defaultTextStyle>
+  <p:extLst>
+    <p:ext uri="{EFAFB233-063F-42B5-8137-9DF3F51BA10A}">
+      <p15:sldGuideLst xmlns:p15="http://schemas.microsoft.com/office/powerpoint/2012/main">
+        <p15:guide id="1" orient="horz" pos="2160">
+          <p15:clr>
+            <a:srgbClr val="A4A3A4"/>
+          </p15:clr>
+        </p15:guide>
+        <p15:guide id="2" pos="2880">
+          <p15:clr>
+            <a:srgbClr val="A4A3A4"/>
+          </p15:clr>
+        </p15:guide>
+      </p15:sldGuideLst>
+    </p:ext>
+  </p:extLst>
 </p:presentation>
 </file>
 
@@ -300,7 +316,7 @@
           <a:p>
             <a:fld id="{16DE1CF3-1110-D54A-B496-DBD515E8BC9A}" type="datetimeFigureOut">
               <a:rPr lang="en-US" smtClean="0"/>
-              <a:t>08/07/16</a:t>
+              <a:t>5/2/2017</a:t>
             </a:fld>
             <a:endParaRPr lang="en-US"/>
           </a:p>
@@ -470,7 +486,7 @@
           <a:p>
             <a:fld id="{16DE1CF3-1110-D54A-B496-DBD515E8BC9A}" type="datetimeFigureOut">
               <a:rPr lang="en-US" smtClean="0"/>
-              <a:t>08/07/16</a:t>
+              <a:t>5/2/2017</a:t>
             </a:fld>
             <a:endParaRPr lang="en-US"/>
           </a:p>
@@ -650,7 +666,7 @@
           <a:p>
             <a:fld id="{16DE1CF3-1110-D54A-B496-DBD515E8BC9A}" type="datetimeFigureOut">
               <a:rPr lang="en-US" smtClean="0"/>
-              <a:t>08/07/16</a:t>
+              <a:t>5/2/2017</a:t>
             </a:fld>
             <a:endParaRPr lang="en-US"/>
           </a:p>
@@ -763,14 +779,14 @@
           </a:ln>
           <a:extLst>
             <a:ext uri="{909E8E84-426E-40dd-AFC4-6F175D3DCCD1}">
-              <a14:hiddenFill xmlns:a14="http://schemas.microsoft.com/office/drawing/2010/main">
+              <a14:hiddenFill xmlns:a14="http://schemas.microsoft.com/office/drawing/2010/main" xmlns="">
                 <a:solidFill>
                   <a:srgbClr val="FFFFFF"/>
                 </a:solidFill>
               </a14:hiddenFill>
             </a:ext>
             <a:ext uri="{91240B29-F687-4f45-9708-019B960494DF}">
-              <a14:hiddenLine xmlns:a14="http://schemas.microsoft.com/office/drawing/2010/main" w="9525">
+              <a14:hiddenLine xmlns:a14="http://schemas.microsoft.com/office/drawing/2010/main" xmlns="" w="9525">
                 <a:solidFill>
                   <a:srgbClr val="000000"/>
                 </a:solidFill>
@@ -817,14 +833,14 @@
           </a:ln>
           <a:extLst>
             <a:ext uri="{909E8E84-426E-40dd-AFC4-6F175D3DCCD1}">
-              <a14:hiddenFill xmlns:a14="http://schemas.microsoft.com/office/drawing/2010/main">
+              <a14:hiddenFill xmlns:a14="http://schemas.microsoft.com/office/drawing/2010/main" xmlns="">
                 <a:solidFill>
                   <a:srgbClr val="FFFFFF"/>
                 </a:solidFill>
               </a14:hiddenFill>
             </a:ext>
             <a:ext uri="{91240B29-F687-4f45-9708-019B960494DF}">
-              <a14:hiddenLine xmlns:a14="http://schemas.microsoft.com/office/drawing/2010/main" w="9525">
+              <a14:hiddenLine xmlns:a14="http://schemas.microsoft.com/office/drawing/2010/main" xmlns="" w="9525">
                 <a:solidFill>
                   <a:srgbClr val="000000"/>
                 </a:solidFill>
@@ -1105,7 +1121,7 @@
                 </a:solidFill>
               </a:rPr>
               <a:pPr/>
-              <a:t>08/07/16</a:t>
+              <a:t>5/2/2017</a:t>
             </a:fld>
             <a:endParaRPr lang="en-US" altLang="en-US">
               <a:solidFill>
@@ -1344,7 +1360,7 @@
                 </a:solidFill>
               </a:rPr>
               <a:pPr/>
-              <a:t>08/07/16</a:t>
+              <a:t>5/2/2017</a:t>
             </a:fld>
             <a:endParaRPr lang="en-US" altLang="en-US">
               <a:solidFill>
@@ -1675,7 +1691,7 @@
                 </a:solidFill>
               </a:rPr>
               <a:pPr/>
-              <a:t>08/07/16</a:t>
+              <a:t>5/2/2017</a:t>
             </a:fld>
             <a:endParaRPr lang="en-US" altLang="en-US">
               <a:solidFill>
@@ -2141,7 +2157,7 @@
                 </a:solidFill>
               </a:rPr>
               <a:pPr/>
-              <a:t>08/07/16</a:t>
+              <a:t>5/2/2017</a:t>
             </a:fld>
             <a:endParaRPr lang="en-US" altLang="en-US">
               <a:solidFill>
@@ -2302,7 +2318,7 @@
                 </a:solidFill>
               </a:rPr>
               <a:pPr/>
-              <a:t>08/07/16</a:t>
+              <a:t>5/2/2017</a:t>
             </a:fld>
             <a:endParaRPr lang="en-US" altLang="en-US">
               <a:solidFill>
@@ -2440,7 +2456,7 @@
                 </a:solidFill>
               </a:rPr>
               <a:pPr/>
-              <a:t>08/07/16</a:t>
+              <a:t>5/2/2017</a:t>
             </a:fld>
             <a:endParaRPr lang="en-US" altLang="en-US">
               <a:solidFill>
@@ -2599,7 +2615,7 @@
                 </a:solidFill>
               </a:rPr>
               <a:pPr/>
-              <a:t>08/07/16</a:t>
+              <a:t>5/2/2017</a:t>
             </a:fld>
             <a:endParaRPr lang="en-US" altLang="en-US">
               <a:solidFill>
@@ -2772,7 +2788,7 @@
           <a:p>
             <a:fld id="{16DE1CF3-1110-D54A-B496-DBD515E8BC9A}" type="datetimeFigureOut">
               <a:rPr lang="en-US" smtClean="0"/>
-              <a:t>08/07/16</a:t>
+              <a:t>5/2/2017</a:t>
             </a:fld>
             <a:endParaRPr lang="en-US"/>
           </a:p>
@@ -3018,7 +3034,7 @@
           <a:p>
             <a:fld id="{16DE1CF3-1110-D54A-B496-DBD515E8BC9A}" type="datetimeFigureOut">
               <a:rPr lang="en-US" smtClean="0"/>
-              <a:t>08/07/16</a:t>
+              <a:t>5/2/2017</a:t>
             </a:fld>
             <a:endParaRPr lang="en-US"/>
           </a:p>
@@ -3306,7 +3322,7 @@
           <a:p>
             <a:fld id="{16DE1CF3-1110-D54A-B496-DBD515E8BC9A}" type="datetimeFigureOut">
               <a:rPr lang="en-US" smtClean="0"/>
-              <a:t>08/07/16</a:t>
+              <a:t>5/2/2017</a:t>
             </a:fld>
             <a:endParaRPr lang="en-US"/>
           </a:p>
@@ -3728,7 +3744,7 @@
           <a:p>
             <a:fld id="{16DE1CF3-1110-D54A-B496-DBD515E8BC9A}" type="datetimeFigureOut">
               <a:rPr lang="en-US" smtClean="0"/>
-              <a:t>08/07/16</a:t>
+              <a:t>5/2/2017</a:t>
             </a:fld>
             <a:endParaRPr lang="en-US"/>
           </a:p>
@@ -3846,7 +3862,7 @@
           <a:p>
             <a:fld id="{16DE1CF3-1110-D54A-B496-DBD515E8BC9A}" type="datetimeFigureOut">
               <a:rPr lang="en-US" smtClean="0"/>
-              <a:t>08/07/16</a:t>
+              <a:t>5/2/2017</a:t>
             </a:fld>
             <a:endParaRPr lang="en-US"/>
           </a:p>
@@ -3941,7 +3957,7 @@
           <a:p>
             <a:fld id="{16DE1CF3-1110-D54A-B496-DBD515E8BC9A}" type="datetimeFigureOut">
               <a:rPr lang="en-US" smtClean="0"/>
-              <a:t>08/07/16</a:t>
+              <a:t>5/2/2017</a:t>
             </a:fld>
             <a:endParaRPr lang="en-US"/>
           </a:p>
@@ -4218,7 +4234,7 @@
           <a:p>
             <a:fld id="{16DE1CF3-1110-D54A-B496-DBD515E8BC9A}" type="datetimeFigureOut">
               <a:rPr lang="en-US" smtClean="0"/>
-              <a:t>08/07/16</a:t>
+              <a:t>5/2/2017</a:t>
             </a:fld>
             <a:endParaRPr lang="en-US"/>
           </a:p>
@@ -4471,7 +4487,7 @@
           <a:p>
             <a:fld id="{16DE1CF3-1110-D54A-B496-DBD515E8BC9A}" type="datetimeFigureOut">
               <a:rPr lang="en-US" smtClean="0"/>
-              <a:t>08/07/16</a:t>
+              <a:t>5/2/2017</a:t>
             </a:fld>
             <a:endParaRPr lang="en-US"/>
           </a:p>
@@ -4684,7 +4700,7 @@
           <a:p>
             <a:fld id="{16DE1CF3-1110-D54A-B496-DBD515E8BC9A}" type="datetimeFigureOut">
               <a:rPr lang="en-US" smtClean="0"/>
-              <a:t>08/07/16</a:t>
+              <a:t>5/2/2017</a:t>
             </a:fld>
             <a:endParaRPr lang="en-US"/>
           </a:p>
@@ -5102,14 +5118,14 @@
           </a:ln>
           <a:extLst>
             <a:ext uri="{909E8E84-426E-40dd-AFC4-6F175D3DCCD1}">
-              <a14:hiddenFill xmlns:a14="http://schemas.microsoft.com/office/drawing/2010/main">
+              <a14:hiddenFill xmlns:a14="http://schemas.microsoft.com/office/drawing/2010/main" xmlns="">
                 <a:solidFill>
                   <a:srgbClr val="FFFFFF"/>
                 </a:solidFill>
               </a14:hiddenFill>
             </a:ext>
             <a:ext uri="{91240B29-F687-4f45-9708-019B960494DF}">
-              <a14:hiddenLine xmlns:a14="http://schemas.microsoft.com/office/drawing/2010/main" w="9525">
+              <a14:hiddenLine xmlns:a14="http://schemas.microsoft.com/office/drawing/2010/main" xmlns="" w="9525">
                 <a:solidFill>
                   <a:srgbClr val="000000"/>
                 </a:solidFill>
@@ -5145,14 +5161,14 @@
           </a:ln>
           <a:extLst>
             <a:ext uri="{909E8E84-426E-40dd-AFC4-6F175D3DCCD1}">
-              <a14:hiddenFill xmlns:a14="http://schemas.microsoft.com/office/drawing/2010/main">
+              <a14:hiddenFill xmlns:a14="http://schemas.microsoft.com/office/drawing/2010/main" xmlns="">
                 <a:solidFill>
                   <a:srgbClr val="FFFFFF"/>
                 </a:solidFill>
               </a14:hiddenFill>
             </a:ext>
             <a:ext uri="{91240B29-F687-4f45-9708-019B960494DF}">
-              <a14:hiddenLine xmlns:a14="http://schemas.microsoft.com/office/drawing/2010/main" w="9525">
+              <a14:hiddenLine xmlns:a14="http://schemas.microsoft.com/office/drawing/2010/main" xmlns="" w="9525">
                 <a:solidFill>
                   <a:srgbClr val="000000"/>
                 </a:solidFill>
@@ -5354,14 +5370,14 @@
           </a:ln>
           <a:extLst>
             <a:ext uri="{909E8E84-426E-40dd-AFC4-6F175D3DCCD1}">
-              <a14:hiddenFill xmlns:a14="http://schemas.microsoft.com/office/drawing/2010/main">
+              <a14:hiddenFill xmlns:a14="http://schemas.microsoft.com/office/drawing/2010/main" xmlns="">
                 <a:solidFill>
                   <a:srgbClr val="FFFFFF"/>
                 </a:solidFill>
               </a14:hiddenFill>
             </a:ext>
             <a:ext uri="{91240B29-F687-4f45-9708-019B960494DF}">
-              <a14:hiddenLine xmlns:a14="http://schemas.microsoft.com/office/drawing/2010/main" w="9525">
+              <a14:hiddenLine xmlns:a14="http://schemas.microsoft.com/office/drawing/2010/main" xmlns="" w="9525">
                 <a:solidFill>
                   <a:srgbClr val="000000"/>
                 </a:solidFill>
@@ -5441,7 +5457,7 @@
                   <a:spcPct val="0"/>
                 </a:spcAft>
               </a:pPr>
-              <a:t>08/07/16</a:t>
+              <a:t>5/2/2017</a:t>
             </a:fld>
             <a:endParaRPr lang="en-US" altLang="en-US">
               <a:solidFill>
@@ -5477,14 +5493,14 @@
           </a:ln>
           <a:extLst>
             <a:ext uri="{909E8E84-426E-40dd-AFC4-6F175D3DCCD1}">
-              <a14:hiddenFill xmlns:a14="http://schemas.microsoft.com/office/drawing/2010/main">
+              <a14:hiddenFill xmlns:a14="http://schemas.microsoft.com/office/drawing/2010/main" xmlns="">
                 <a:solidFill>
                   <a:srgbClr val="FFFFFF"/>
                 </a:solidFill>
               </a14:hiddenFill>
             </a:ext>
             <a:ext uri="{91240B29-F687-4f45-9708-019B960494DF}">
-              <a14:hiddenLine xmlns:a14="http://schemas.microsoft.com/office/drawing/2010/main" w="9525">
+              <a14:hiddenLine xmlns:a14="http://schemas.microsoft.com/office/drawing/2010/main" xmlns="" w="9525">
                 <a:solidFill>
                   <a:srgbClr val="000000"/>
                 </a:solidFill>
@@ -6514,7 +6530,6 @@
               <a:rPr lang="en-US" sz="1600" dirty="0" smtClean="0"/>
               <a:t>”</a:t>
             </a:r>
-            <a:endParaRPr lang="en-US" sz="1600" dirty="0" smtClean="0"/>
           </a:p>
           <a:p>
             <a:r>
@@ -6631,6 +6646,13 @@
   <p:clrMapOvr>
     <a:masterClrMapping/>
   </p:clrMapOvr>
+  <p:timing>
+    <p:tnLst>
+      <p:par>
+        <p:cTn id="1" dur="indefinite" restart="never" nodeType="tmRoot"/>
+      </p:par>
+    </p:tnLst>
+  </p:timing>
 </p:sld>
 </file>
 
@@ -7006,6 +7028,13 @@
   <p:clrMapOvr>
     <a:masterClrMapping/>
   </p:clrMapOvr>
+  <p:timing>
+    <p:tnLst>
+      <p:par>
+        <p:cTn id="1" dur="indefinite" restart="never" nodeType="tmRoot"/>
+      </p:par>
+    </p:tnLst>
+  </p:timing>
 </p:sld>
 </file>
 
@@ -7298,6 +7327,13 @@
   <p:clrMapOvr>
     <a:masterClrMapping/>
   </p:clrMapOvr>
+  <p:timing>
+    <p:tnLst>
+      <p:par>
+        <p:cTn id="1" dur="indefinite" restart="never" nodeType="tmRoot"/>
+      </p:par>
+    </p:tnLst>
+  </p:timing>
 </p:sld>
 </file>
 
@@ -7366,6 +7402,13 @@
   <p:clrMapOvr>
     <a:masterClrMapping/>
   </p:clrMapOvr>
+  <p:timing>
+    <p:tnLst>
+      <p:par>
+        <p:cTn id="1" dur="indefinite" restart="never" nodeType="tmRoot"/>
+      </p:par>
+    </p:tnLst>
+  </p:timing>
 </p:sld>
 </file>
 
@@ -7505,15 +7548,7 @@
             </a:r>
             <a:r>
               <a:rPr lang="en-US" dirty="0" smtClean="0"/>
-              <a:t>mport </a:t>
-            </a:r>
-            <a:r>
-              <a:rPr lang="en-US" dirty="0" smtClean="0"/>
-              <a:t>nao_nocv_2_0 </a:t>
-            </a:r>
-            <a:r>
-              <a:rPr lang="en-US" dirty="0" smtClean="0"/>
-              <a:t>as </a:t>
+              <a:t>mport nao_nocv_2_0 as </a:t>
             </a:r>
             <a:r>
               <a:rPr lang="en-US" dirty="0" err="1" smtClean="0"/>
@@ -7583,12 +7618,20 @@
           <a:lstStyle/>
           <a:p>
             <a:r>
+              <a:rPr lang="en-US" dirty="0" err="1"/>
+              <a:t>n</a:t>
+            </a:r>
+            <a:r>
               <a:rPr lang="en-US" dirty="0" err="1" smtClean="0"/>
-              <a:t>Nao.Move</a:t>
-            </a:r>
-            <a:r>
-              <a:rPr lang="en-US" dirty="0" smtClean="0"/>
-              <a:t>(1.0,0.0.0.0.1.0)</a:t>
+              <a:t>ao.Move</a:t>
+            </a:r>
+            <a:r>
+              <a:rPr lang="en-US" dirty="0" smtClean="0"/>
+              <a:t>(1.0,0.0.0.0.1.0</a:t>
+            </a:r>
+            <a:r>
+              <a:rPr lang="en-US" dirty="0" smtClean="0"/>
+              <a:t>)</a:t>
             </a:r>
             <a:endParaRPr lang="en-US" dirty="0"/>
           </a:p>
@@ -7604,6 +7647,13 @@
   <p:clrMapOvr>
     <a:masterClrMapping/>
   </p:clrMapOvr>
+  <p:timing>
+    <p:tnLst>
+      <p:par>
+        <p:cTn id="1" dur="indefinite" restart="never" nodeType="tmRoot"/>
+      </p:par>
+    </p:tnLst>
+  </p:timing>
 </p:sld>
 </file>
 
@@ -7819,6 +7869,13 @@
   <p:clrMapOvr>
     <a:masterClrMapping/>
   </p:clrMapOvr>
+  <p:timing>
+    <p:tnLst>
+      <p:par>
+        <p:cTn id="1" dur="indefinite" restart="never" nodeType="tmRoot"/>
+      </p:par>
+    </p:tnLst>
+  </p:timing>
 </p:sld>
 </file>
 
@@ -7912,11 +7969,7 @@
           <a:p>
             <a:r>
               <a:rPr lang="en-US" dirty="0" smtClean="0"/>
-              <a:t>To retrieve an image </a:t>
-            </a:r>
-            <a:r>
-              <a:rPr lang="en-US" dirty="0" smtClean="0"/>
-              <a:t>use (with </a:t>
+              <a:t>To retrieve an image use (with </a:t>
             </a:r>
             <a:r>
               <a:rPr lang="en-US" dirty="0" err="1" smtClean="0"/>
@@ -7926,7 +7979,6 @@
               <a:rPr lang="en-US" dirty="0" smtClean="0"/>
               <a:t> only)</a:t>
             </a:r>
-            <a:endParaRPr lang="en-US" dirty="0" smtClean="0"/>
           </a:p>
           <a:p>
             <a:endParaRPr lang="en-US" dirty="0"/>
@@ -8072,6 +8124,13 @@
   <p:clrMapOvr>
     <a:masterClrMapping/>
   </p:clrMapOvr>
+  <p:timing>
+    <p:tnLst>
+      <p:par>
+        <p:cTn id="1" dur="indefinite" restart="never" nodeType="tmRoot"/>
+      </p:par>
+    </p:tnLst>
+  </p:timing>
 </p:sld>
 </file>
 
@@ -8203,15 +8262,7 @@
             </a:r>
             <a:r>
               <a:rPr lang="en-US" dirty="0" smtClean="0"/>
-              <a:t>(True) # turn on </a:t>
-            </a:r>
-            <a:r>
-              <a:rPr lang="en-US" dirty="0" smtClean="0"/>
-              <a:t>motors </a:t>
-            </a:r>
-            <a:r>
-              <a:rPr lang="en-US" dirty="0" smtClean="0"/>
-              <a:t>and enable face tracking</a:t>
+              <a:t>(True) # turn on motors and enable face tracking</a:t>
             </a:r>
           </a:p>
           <a:p>
@@ -8238,15 +8289,7 @@
             </a:r>
             <a:r>
               <a:rPr lang="en-US" dirty="0" smtClean="0"/>
-              <a:t>() #turn </a:t>
-            </a:r>
-            <a:r>
-              <a:rPr lang="en-US" dirty="0" smtClean="0"/>
-              <a:t>head motors </a:t>
-            </a:r>
-            <a:r>
-              <a:rPr lang="en-US" dirty="0" smtClean="0"/>
-              <a:t>off</a:t>
+              <a:t>() #turn head motors off</a:t>
             </a:r>
           </a:p>
           <a:p>
@@ -8256,15 +8299,7 @@
             </a:r>
             <a:r>
               <a:rPr lang="en-US" dirty="0" smtClean="0"/>
-              <a:t>() # turn </a:t>
-            </a:r>
-            <a:r>
-              <a:rPr lang="en-US" dirty="0" smtClean="0"/>
-              <a:t>head motors </a:t>
-            </a:r>
-            <a:r>
-              <a:rPr lang="en-US" dirty="0" smtClean="0"/>
-              <a:t>on again</a:t>
+              <a:t>() # turn head motors on again</a:t>
             </a:r>
           </a:p>
         </p:txBody>
@@ -8312,11 +8347,7 @@
             </a:r>
             <a:r>
               <a:rPr lang="en-US" dirty="0" smtClean="0"/>
-              <a:t>] </a:t>
-            </a:r>
-            <a:r>
-              <a:rPr lang="en-US" dirty="0" smtClean="0"/>
-              <a:t>= </a:t>
+              <a:t>] = </a:t>
             </a:r>
             <a:r>
               <a:rPr lang="en-US" dirty="0" err="1" smtClean="0"/>
@@ -8324,11 +8355,7 @@
             </a:r>
             <a:r>
               <a:rPr lang="en-US" dirty="0" smtClean="0"/>
-              <a:t>(</a:t>
-            </a:r>
-            <a:r>
-              <a:rPr lang="en-US" dirty="0" smtClean="0"/>
-              <a:t>)</a:t>
+              <a:t>()</a:t>
             </a:r>
             <a:endParaRPr lang="en-US" dirty="0"/>
           </a:p>
@@ -8386,6 +8413,13 @@
   <p:clrMapOvr>
     <a:masterClrMapping/>
   </p:clrMapOvr>
+  <p:timing>
+    <p:tnLst>
+      <p:par>
+        <p:cTn id="1" dur="indefinite" restart="never" nodeType="tmRoot"/>
+      </p:par>
+    </p:tnLst>
+  </p:timing>
 </p:sld>
 </file>
 
@@ -8454,11 +8488,7 @@
             </a:r>
             <a:r>
               <a:rPr lang="en-US" dirty="0" smtClean="0"/>
-              <a:t> detection </a:t>
-            </a:r>
-            <a:r>
-              <a:rPr lang="en-US" dirty="0" smtClean="0"/>
-              <a:t>needs to be initialized before it can be used</a:t>
+              <a:t> detection needs to be initialized before it can be used</a:t>
             </a:r>
           </a:p>
           <a:p>
@@ -8473,13 +8503,8 @@
           <a:p>
             <a:r>
               <a:rPr lang="en-US" dirty="0" smtClean="0"/>
-              <a:t>After that the </a:t>
-            </a:r>
-            <a:r>
-              <a:rPr lang="en-US" dirty="0" smtClean="0"/>
-              <a:t>Landmark can be detected using:</a:t>
-            </a:r>
-            <a:endParaRPr lang="en-US" dirty="0" smtClean="0"/>
+              <a:t>After that the Landmark can be detected using:</a:t>
+            </a:r>
           </a:p>
           <a:p>
             <a:pPr marL="0" indent="0">
@@ -8496,13 +8521,8 @@
           <a:p>
             <a:r>
               <a:rPr lang="en-US" dirty="0" smtClean="0"/>
-              <a:t>Marker Info is an array with the following fields</a:t>
-            </a:r>
-            <a:r>
-              <a:rPr lang="en-US" dirty="0" smtClean="0"/>
-              <a:t>:</a:t>
-            </a:r>
-            <a:endParaRPr lang="en-US" dirty="0" smtClean="0"/>
+              <a:t>Marker Info is an array with the following fields:</a:t>
+            </a:r>
           </a:p>
           <a:p>
             <a:endParaRPr lang="en-US" dirty="0"/>
@@ -8581,11 +8601,7 @@
             </a:r>
             <a:r>
               <a:rPr lang="en-US" dirty="0" smtClean="0"/>
-              <a:t>(</a:t>
-            </a:r>
-            <a:r>
-              <a:rPr lang="en-US" dirty="0" smtClean="0"/>
-              <a:t>)</a:t>
+              <a:t>()</a:t>
             </a:r>
             <a:endParaRPr lang="en-US" dirty="0"/>
           </a:p>
@@ -8769,7 +8785,6 @@
               <a:rPr lang="en-US" dirty="0"/>
               <a:t> head</a:t>
             </a:r>
-            <a:endParaRPr lang="en-US" dirty="0"/>
           </a:p>
         </p:txBody>
       </p:sp>
@@ -8783,6 +8798,13 @@
   <p:clrMapOvr>
     <a:masterClrMapping/>
   </p:clrMapOvr>
+  <p:timing>
+    <p:tnLst>
+      <p:par>
+        <p:cTn id="1" dur="indefinite" restart="never" nodeType="tmRoot"/>
+      </p:par>
+    </p:tnLst>
+  </p:timing>
 </p:sld>
 </file>
 
@@ -8847,11 +8869,7 @@
           <a:p>
             <a:r>
               <a:rPr lang="en-US" dirty="0" smtClean="0"/>
-              <a:t>Sound detection </a:t>
-            </a:r>
-            <a:r>
-              <a:rPr lang="en-US" dirty="0" smtClean="0"/>
-              <a:t>needs to be initialized before it can be used</a:t>
+              <a:t>Sound detection needs to be initialized before it can be used</a:t>
             </a:r>
           </a:p>
           <a:p>
@@ -8866,13 +8884,8 @@
           <a:p>
             <a:r>
               <a:rPr lang="en-US" dirty="0" smtClean="0"/>
-              <a:t>After that </a:t>
-            </a:r>
-            <a:r>
-              <a:rPr lang="en-US" dirty="0" smtClean="0"/>
-              <a:t>Sound can be detected using:</a:t>
-            </a:r>
-            <a:endParaRPr lang="en-US" dirty="0" smtClean="0"/>
+              <a:t>After that Sound can be detected using:</a:t>
+            </a:r>
           </a:p>
           <a:p>
             <a:pPr marL="0" indent="0">
@@ -8889,13 +8902,8 @@
           <a:p>
             <a:r>
               <a:rPr lang="en-US" dirty="0" smtClean="0"/>
-              <a:t>Marker Info is an array with the following fields</a:t>
-            </a:r>
-            <a:r>
-              <a:rPr lang="en-US" dirty="0" smtClean="0"/>
-              <a:t>:</a:t>
-            </a:r>
-            <a:endParaRPr lang="en-US" dirty="0" smtClean="0"/>
+              <a:t>Marker Info is an array with the following fields:</a:t>
+            </a:r>
           </a:p>
           <a:p>
             <a:endParaRPr lang="en-US" dirty="0"/>
@@ -8925,19 +8933,11 @@
           <a:p>
             <a:r>
               <a:rPr lang="en-US" dirty="0" err="1" smtClean="0"/>
-              <a:t>nao.InitSound</a:t>
-            </a:r>
-            <a:r>
-              <a:rPr lang="en-US" dirty="0" err="1" smtClean="0"/>
-              <a:t>Detection</a:t>
-            </a:r>
-            <a:r>
-              <a:rPr lang="en-US" dirty="0" smtClean="0"/>
-              <a:t>(</a:t>
-            </a:r>
-            <a:r>
-              <a:rPr lang="en-US" dirty="0" smtClean="0"/>
-              <a:t>)</a:t>
+              <a:t>nao.InitSoundDetection</a:t>
+            </a:r>
+            <a:r>
+              <a:rPr lang="en-US" dirty="0" smtClean="0"/>
+              <a:t>()</a:t>
             </a:r>
             <a:endParaRPr lang="en-US" dirty="0"/>
           </a:p>
@@ -8982,11 +8982,7 @@
             </a:r>
             <a:r>
               <a:rPr lang="en-US" dirty="0" smtClean="0"/>
-              <a:t>(</a:t>
-            </a:r>
-            <a:r>
-              <a:rPr lang="en-US" dirty="0" smtClean="0"/>
-              <a:t>)</a:t>
+              <a:t>()</a:t>
             </a:r>
             <a:endParaRPr lang="en-US" dirty="0"/>
           </a:p>
@@ -9065,7 +9061,6 @@
               <a:rPr lang="en-US" dirty="0"/>
               <a:t>confidence: probability that there was a sound</a:t>
             </a:r>
-            <a:endParaRPr lang="en-US" dirty="0"/>
           </a:p>
         </p:txBody>
       </p:sp>
@@ -9079,6 +9074,13 @@
   <p:clrMapOvr>
     <a:masterClrMapping/>
   </p:clrMapOvr>
+  <p:timing>
+    <p:tnLst>
+      <p:par>
+        <p:cTn id="1" dur="indefinite" restart="never" nodeType="tmRoot"/>
+      </p:par>
+    </p:tnLst>
+  </p:timing>
 </p:sld>
 </file>
 
@@ -9143,11 +9145,7 @@
           <a:p>
             <a:r>
               <a:rPr lang="en-US" dirty="0" smtClean="0"/>
-              <a:t>Sound Localization </a:t>
-            </a:r>
-            <a:r>
-              <a:rPr lang="en-US" dirty="0" smtClean="0"/>
-              <a:t>needs to be initialized before it can be used</a:t>
+              <a:t>Sound Localization needs to be initialized before it can be used</a:t>
             </a:r>
           </a:p>
           <a:p>
@@ -9162,13 +9160,8 @@
           <a:p>
             <a:r>
               <a:rPr lang="en-US" dirty="0" smtClean="0"/>
-              <a:t>After that </a:t>
-            </a:r>
-            <a:r>
-              <a:rPr lang="en-US" dirty="0" smtClean="0"/>
-              <a:t>Sound can be detected using:</a:t>
-            </a:r>
-            <a:endParaRPr lang="en-US" dirty="0" smtClean="0"/>
+              <a:t>After that Sound can be detected using:</a:t>
+            </a:r>
           </a:p>
           <a:p>
             <a:pPr marL="0" indent="0">
@@ -9185,13 +9178,8 @@
           <a:p>
             <a:r>
               <a:rPr lang="en-US" dirty="0" smtClean="0"/>
-              <a:t>Marker Info is an array with the following fields</a:t>
-            </a:r>
-            <a:r>
-              <a:rPr lang="en-US" dirty="0" smtClean="0"/>
-              <a:t>:</a:t>
-            </a:r>
-            <a:endParaRPr lang="en-US" dirty="0" smtClean="0"/>
+              <a:t>Marker Info is an array with the following fields:</a:t>
+            </a:r>
           </a:p>
           <a:p>
             <a:endParaRPr lang="en-US" dirty="0"/>
@@ -9221,19 +9209,11 @@
           <a:p>
             <a:r>
               <a:rPr lang="en-US" dirty="0" err="1" smtClean="0"/>
-              <a:t>nao.InitSoundLocalizat</a:t>
-            </a:r>
-            <a:r>
-              <a:rPr lang="en-US" dirty="0" err="1" smtClean="0"/>
-              <a:t>ion</a:t>
-            </a:r>
-            <a:r>
-              <a:rPr lang="en-US" dirty="0" smtClean="0"/>
-              <a:t>(switch=True</a:t>
-            </a:r>
-            <a:r>
-              <a:rPr lang="en-US" dirty="0" smtClean="0"/>
-              <a:t>)</a:t>
+              <a:t>nao.InitSoundLocalization</a:t>
+            </a:r>
+            <a:r>
+              <a:rPr lang="en-US" dirty="0" smtClean="0"/>
+              <a:t>(switch=True)</a:t>
             </a:r>
             <a:endParaRPr lang="en-US" dirty="0"/>
           </a:p>
@@ -9278,11 +9258,7 @@
             </a:r>
             <a:r>
               <a:rPr lang="en-US" dirty="0" smtClean="0"/>
-              <a:t>(</a:t>
-            </a:r>
-            <a:r>
-              <a:rPr lang="en-US" dirty="0" smtClean="0"/>
-              <a:t>)</a:t>
+              <a:t>()</a:t>
             </a:r>
             <a:endParaRPr lang="en-US" dirty="0"/>
           </a:p>
@@ -9405,6 +9381,13 @@
   <p:clrMapOvr>
     <a:masterClrMapping/>
   </p:clrMapOvr>
+  <p:timing>
+    <p:tnLst>
+      <p:par>
+        <p:cTn id="1" dur="indefinite" restart="never" nodeType="tmRoot"/>
+      </p:par>
+    </p:tnLst>
+  </p:timing>
 </p:sld>
 </file>
 
@@ -9666,6 +9649,13 @@
   <p:clrMapOvr>
     <a:masterClrMapping/>
   </p:clrMapOvr>
+  <p:timing>
+    <p:tnLst>
+      <p:par>
+        <p:cTn id="1" dur="indefinite" restart="never" nodeType="tmRoot"/>
+      </p:par>
+    </p:tnLst>
+  </p:timing>
 </p:sld>
 </file>
 

--- a/Manual nao-lib.pptx
+++ b/Manual nao-lib.pptx
@@ -2,22 +2,28 @@
 <file path=ppt/presentation.xml><?xml version="1.0" encoding="utf-8"?>
 <p:presentation xmlns:a="http://schemas.openxmlformats.org/drawingml/2006/main" xmlns:r="http://schemas.openxmlformats.org/officeDocument/2006/relationships" xmlns:p="http://schemas.openxmlformats.org/presentationml/2006/main" saveSubsetFonts="1" autoCompressPictures="0">
   <p:sldMasterIdLst>
-    <p:sldMasterId id="2147483648" r:id="rId1"/>
-    <p:sldMasterId id="2147483660" r:id="rId2"/>
+    <p:sldMasterId id="2147483660" r:id="rId1"/>
   </p:sldMasterIdLst>
   <p:sldIdLst>
-    <p:sldId id="256" r:id="rId3"/>
-    <p:sldId id="257" r:id="rId4"/>
-    <p:sldId id="258" r:id="rId5"/>
-    <p:sldId id="259" r:id="rId6"/>
-    <p:sldId id="260" r:id="rId7"/>
-    <p:sldId id="265" r:id="rId8"/>
-    <p:sldId id="266" r:id="rId9"/>
-    <p:sldId id="267" r:id="rId10"/>
-    <p:sldId id="264" r:id="rId11"/>
-    <p:sldId id="262" r:id="rId12"/>
-    <p:sldId id="263" r:id="rId13"/>
-    <p:sldId id="261" r:id="rId14"/>
+    <p:sldId id="256" r:id="rId2"/>
+    <p:sldId id="257" r:id="rId3"/>
+    <p:sldId id="258" r:id="rId4"/>
+    <p:sldId id="259" r:id="rId5"/>
+    <p:sldId id="260" r:id="rId6"/>
+    <p:sldId id="265" r:id="rId7"/>
+    <p:sldId id="266" r:id="rId8"/>
+    <p:sldId id="267" r:id="rId9"/>
+    <p:sldId id="264" r:id="rId10"/>
+    <p:sldId id="262" r:id="rId11"/>
+    <p:sldId id="263" r:id="rId12"/>
+    <p:sldId id="261" r:id="rId13"/>
+    <p:sldId id="269" r:id="rId14"/>
+    <p:sldId id="268" r:id="rId15"/>
+    <p:sldId id="270" r:id="rId16"/>
+    <p:sldId id="271" r:id="rId17"/>
+    <p:sldId id="273" r:id="rId18"/>
+    <p:sldId id="274" r:id="rId19"/>
+    <p:sldId id="272" r:id="rId20"/>
   </p:sldIdLst>
   <p:sldSz cx="9144000" cy="6858000" type="screen4x3"/>
   <p:notesSz cx="6858000" cy="9144000"/>
@@ -136,598 +142,6 @@
 </file>
 
 <file path=ppt/slideLayouts/slideLayout1.xml><?xml version="1.0" encoding="utf-8"?>
-<p:sldLayout xmlns:a="http://schemas.openxmlformats.org/drawingml/2006/main" xmlns:r="http://schemas.openxmlformats.org/officeDocument/2006/relationships" xmlns:p="http://schemas.openxmlformats.org/presentationml/2006/main" type="title" preserve="1">
-  <p:cSld name="Title Slide">
-    <p:spTree>
-      <p:nvGrpSpPr>
-        <p:cNvPr id="1" name=""/>
-        <p:cNvGrpSpPr/>
-        <p:nvPr/>
-      </p:nvGrpSpPr>
-      <p:grpSpPr>
-        <a:xfrm>
-          <a:off x="0" y="0"/>
-          <a:ext cx="0" cy="0"/>
-          <a:chOff x="0" y="0"/>
-          <a:chExt cx="0" cy="0"/>
-        </a:xfrm>
-      </p:grpSpPr>
-      <p:sp>
-        <p:nvSpPr>
-          <p:cNvPr id="2" name="Title 1"/>
-          <p:cNvSpPr>
-            <a:spLocks noGrp="1"/>
-          </p:cNvSpPr>
-          <p:nvPr>
-            <p:ph type="ctrTitle"/>
-          </p:nvPr>
-        </p:nvSpPr>
-        <p:spPr>
-          <a:xfrm>
-            <a:off x="685800" y="2130425"/>
-            <a:ext cx="7772400" cy="1470025"/>
-          </a:xfrm>
-        </p:spPr>
-        <p:txBody>
-          <a:bodyPr/>
-          <a:lstStyle/>
-          <a:p>
-            <a:r>
-              <a:rPr lang="x-none" smtClean="0"/>
-              <a:t>Click to edit Master title style</a:t>
-            </a:r>
-            <a:endParaRPr lang="en-US"/>
-          </a:p>
-        </p:txBody>
-      </p:sp>
-      <p:sp>
-        <p:nvSpPr>
-          <p:cNvPr id="3" name="Subtitle 2"/>
-          <p:cNvSpPr>
-            <a:spLocks noGrp="1"/>
-          </p:cNvSpPr>
-          <p:nvPr>
-            <p:ph type="subTitle" idx="1"/>
-          </p:nvPr>
-        </p:nvSpPr>
-        <p:spPr>
-          <a:xfrm>
-            <a:off x="1371600" y="3886200"/>
-            <a:ext cx="6400800" cy="1752600"/>
-          </a:xfrm>
-        </p:spPr>
-        <p:txBody>
-          <a:bodyPr/>
-          <a:lstStyle>
-            <a:lvl1pPr marL="0" indent="0" algn="ctr">
-              <a:buNone/>
-              <a:defRPr>
-                <a:solidFill>
-                  <a:schemeClr val="tx1">
-                    <a:tint val="75000"/>
-                  </a:schemeClr>
-                </a:solidFill>
-              </a:defRPr>
-            </a:lvl1pPr>
-            <a:lvl2pPr marL="457200" indent="0" algn="ctr">
-              <a:buNone/>
-              <a:defRPr>
-                <a:solidFill>
-                  <a:schemeClr val="tx1">
-                    <a:tint val="75000"/>
-                  </a:schemeClr>
-                </a:solidFill>
-              </a:defRPr>
-            </a:lvl2pPr>
-            <a:lvl3pPr marL="914400" indent="0" algn="ctr">
-              <a:buNone/>
-              <a:defRPr>
-                <a:solidFill>
-                  <a:schemeClr val="tx1">
-                    <a:tint val="75000"/>
-                  </a:schemeClr>
-                </a:solidFill>
-              </a:defRPr>
-            </a:lvl3pPr>
-            <a:lvl4pPr marL="1371600" indent="0" algn="ctr">
-              <a:buNone/>
-              <a:defRPr>
-                <a:solidFill>
-                  <a:schemeClr val="tx1">
-                    <a:tint val="75000"/>
-                  </a:schemeClr>
-                </a:solidFill>
-              </a:defRPr>
-            </a:lvl4pPr>
-            <a:lvl5pPr marL="1828800" indent="0" algn="ctr">
-              <a:buNone/>
-              <a:defRPr>
-                <a:solidFill>
-                  <a:schemeClr val="tx1">
-                    <a:tint val="75000"/>
-                  </a:schemeClr>
-                </a:solidFill>
-              </a:defRPr>
-            </a:lvl5pPr>
-            <a:lvl6pPr marL="2286000" indent="0" algn="ctr">
-              <a:buNone/>
-              <a:defRPr>
-                <a:solidFill>
-                  <a:schemeClr val="tx1">
-                    <a:tint val="75000"/>
-                  </a:schemeClr>
-                </a:solidFill>
-              </a:defRPr>
-            </a:lvl6pPr>
-            <a:lvl7pPr marL="2743200" indent="0" algn="ctr">
-              <a:buNone/>
-              <a:defRPr>
-                <a:solidFill>
-                  <a:schemeClr val="tx1">
-                    <a:tint val="75000"/>
-                  </a:schemeClr>
-                </a:solidFill>
-              </a:defRPr>
-            </a:lvl7pPr>
-            <a:lvl8pPr marL="3200400" indent="0" algn="ctr">
-              <a:buNone/>
-              <a:defRPr>
-                <a:solidFill>
-                  <a:schemeClr val="tx1">
-                    <a:tint val="75000"/>
-                  </a:schemeClr>
-                </a:solidFill>
-              </a:defRPr>
-            </a:lvl8pPr>
-            <a:lvl9pPr marL="3657600" indent="0" algn="ctr">
-              <a:buNone/>
-              <a:defRPr>
-                <a:solidFill>
-                  <a:schemeClr val="tx1">
-                    <a:tint val="75000"/>
-                  </a:schemeClr>
-                </a:solidFill>
-              </a:defRPr>
-            </a:lvl9pPr>
-          </a:lstStyle>
-          <a:p>
-            <a:r>
-              <a:rPr lang="x-none" smtClean="0"/>
-              <a:t>Click to edit Master subtitle style</a:t>
-            </a:r>
-            <a:endParaRPr lang="en-US"/>
-          </a:p>
-        </p:txBody>
-      </p:sp>
-      <p:sp>
-        <p:nvSpPr>
-          <p:cNvPr id="4" name="Date Placeholder 3"/>
-          <p:cNvSpPr>
-            <a:spLocks noGrp="1"/>
-          </p:cNvSpPr>
-          <p:nvPr>
-            <p:ph type="dt" sz="half" idx="10"/>
-          </p:nvPr>
-        </p:nvSpPr>
-        <p:spPr/>
-        <p:txBody>
-          <a:bodyPr/>
-          <a:lstStyle/>
-          <a:p>
-            <a:fld id="{16DE1CF3-1110-D54A-B496-DBD515E8BC9A}" type="datetimeFigureOut">
-              <a:rPr lang="en-US" smtClean="0"/>
-              <a:t>5/2/2017</a:t>
-            </a:fld>
-            <a:endParaRPr lang="en-US"/>
-          </a:p>
-        </p:txBody>
-      </p:sp>
-      <p:sp>
-        <p:nvSpPr>
-          <p:cNvPr id="5" name="Footer Placeholder 4"/>
-          <p:cNvSpPr>
-            <a:spLocks noGrp="1"/>
-          </p:cNvSpPr>
-          <p:nvPr>
-            <p:ph type="ftr" sz="quarter" idx="11"/>
-          </p:nvPr>
-        </p:nvSpPr>
-        <p:spPr/>
-        <p:txBody>
-          <a:bodyPr/>
-          <a:lstStyle/>
-          <a:p>
-            <a:endParaRPr lang="en-US"/>
-          </a:p>
-        </p:txBody>
-      </p:sp>
-      <p:sp>
-        <p:nvSpPr>
-          <p:cNvPr id="6" name="Slide Number Placeholder 5"/>
-          <p:cNvSpPr>
-            <a:spLocks noGrp="1"/>
-          </p:cNvSpPr>
-          <p:nvPr>
-            <p:ph type="sldNum" sz="quarter" idx="12"/>
-          </p:nvPr>
-        </p:nvSpPr>
-        <p:spPr/>
-        <p:txBody>
-          <a:bodyPr/>
-          <a:lstStyle/>
-          <a:p>
-            <a:fld id="{954523AE-48BF-CF44-937E-54C851136229}" type="slidenum">
-              <a:rPr lang="en-US" smtClean="0"/>
-              <a:t>‹#›</a:t>
-            </a:fld>
-            <a:endParaRPr lang="en-US"/>
-          </a:p>
-        </p:txBody>
-      </p:sp>
-    </p:spTree>
-    <p:extLst>
-      <p:ext uri="{BB962C8B-B14F-4D97-AF65-F5344CB8AC3E}">
-        <p14:creationId xmlns:p14="http://schemas.microsoft.com/office/powerpoint/2010/main" val="2712285764"/>
-      </p:ext>
-    </p:extLst>
-  </p:cSld>
-  <p:clrMapOvr>
-    <a:masterClrMapping/>
-  </p:clrMapOvr>
-</p:sldLayout>
-</file>
-
-<file path=ppt/slideLayouts/slideLayout10.xml><?xml version="1.0" encoding="utf-8"?>
-<p:sldLayout xmlns:a="http://schemas.openxmlformats.org/drawingml/2006/main" xmlns:r="http://schemas.openxmlformats.org/officeDocument/2006/relationships" xmlns:p="http://schemas.openxmlformats.org/presentationml/2006/main" type="vertTx" preserve="1">
-  <p:cSld name="Title and Vertical Text">
-    <p:spTree>
-      <p:nvGrpSpPr>
-        <p:cNvPr id="1" name=""/>
-        <p:cNvGrpSpPr/>
-        <p:nvPr/>
-      </p:nvGrpSpPr>
-      <p:grpSpPr>
-        <a:xfrm>
-          <a:off x="0" y="0"/>
-          <a:ext cx="0" cy="0"/>
-          <a:chOff x="0" y="0"/>
-          <a:chExt cx="0" cy="0"/>
-        </a:xfrm>
-      </p:grpSpPr>
-      <p:sp>
-        <p:nvSpPr>
-          <p:cNvPr id="2" name="Title 1"/>
-          <p:cNvSpPr>
-            <a:spLocks noGrp="1"/>
-          </p:cNvSpPr>
-          <p:nvPr>
-            <p:ph type="title"/>
-          </p:nvPr>
-        </p:nvSpPr>
-        <p:spPr/>
-        <p:txBody>
-          <a:bodyPr/>
-          <a:lstStyle/>
-          <a:p>
-            <a:r>
-              <a:rPr lang="x-none" smtClean="0"/>
-              <a:t>Click to edit Master title style</a:t>
-            </a:r>
-            <a:endParaRPr lang="en-US"/>
-          </a:p>
-        </p:txBody>
-      </p:sp>
-      <p:sp>
-        <p:nvSpPr>
-          <p:cNvPr id="3" name="Vertical Text Placeholder 2"/>
-          <p:cNvSpPr>
-            <a:spLocks noGrp="1"/>
-          </p:cNvSpPr>
-          <p:nvPr>
-            <p:ph type="body" orient="vert" idx="1"/>
-          </p:nvPr>
-        </p:nvSpPr>
-        <p:spPr/>
-        <p:txBody>
-          <a:bodyPr vert="eaVert"/>
-          <a:lstStyle/>
-          <a:p>
-            <a:pPr lvl="0"/>
-            <a:r>
-              <a:rPr lang="x-none" smtClean="0"/>
-              <a:t>Click to edit Master text styles</a:t>
-            </a:r>
-          </a:p>
-          <a:p>
-            <a:pPr lvl="1"/>
-            <a:r>
-              <a:rPr lang="x-none" smtClean="0"/>
-              <a:t>Second level</a:t>
-            </a:r>
-          </a:p>
-          <a:p>
-            <a:pPr lvl="2"/>
-            <a:r>
-              <a:rPr lang="x-none" smtClean="0"/>
-              <a:t>Third level</a:t>
-            </a:r>
-          </a:p>
-          <a:p>
-            <a:pPr lvl="3"/>
-            <a:r>
-              <a:rPr lang="x-none" smtClean="0"/>
-              <a:t>Fourth level</a:t>
-            </a:r>
-          </a:p>
-          <a:p>
-            <a:pPr lvl="4"/>
-            <a:r>
-              <a:rPr lang="x-none" smtClean="0"/>
-              <a:t>Fifth level</a:t>
-            </a:r>
-            <a:endParaRPr lang="en-US"/>
-          </a:p>
-        </p:txBody>
-      </p:sp>
-      <p:sp>
-        <p:nvSpPr>
-          <p:cNvPr id="4" name="Date Placeholder 3"/>
-          <p:cNvSpPr>
-            <a:spLocks noGrp="1"/>
-          </p:cNvSpPr>
-          <p:nvPr>
-            <p:ph type="dt" sz="half" idx="10"/>
-          </p:nvPr>
-        </p:nvSpPr>
-        <p:spPr/>
-        <p:txBody>
-          <a:bodyPr/>
-          <a:lstStyle/>
-          <a:p>
-            <a:fld id="{16DE1CF3-1110-D54A-B496-DBD515E8BC9A}" type="datetimeFigureOut">
-              <a:rPr lang="en-US" smtClean="0"/>
-              <a:t>5/2/2017</a:t>
-            </a:fld>
-            <a:endParaRPr lang="en-US"/>
-          </a:p>
-        </p:txBody>
-      </p:sp>
-      <p:sp>
-        <p:nvSpPr>
-          <p:cNvPr id="5" name="Footer Placeholder 4"/>
-          <p:cNvSpPr>
-            <a:spLocks noGrp="1"/>
-          </p:cNvSpPr>
-          <p:nvPr>
-            <p:ph type="ftr" sz="quarter" idx="11"/>
-          </p:nvPr>
-        </p:nvSpPr>
-        <p:spPr/>
-        <p:txBody>
-          <a:bodyPr/>
-          <a:lstStyle/>
-          <a:p>
-            <a:endParaRPr lang="en-US"/>
-          </a:p>
-        </p:txBody>
-      </p:sp>
-      <p:sp>
-        <p:nvSpPr>
-          <p:cNvPr id="6" name="Slide Number Placeholder 5"/>
-          <p:cNvSpPr>
-            <a:spLocks noGrp="1"/>
-          </p:cNvSpPr>
-          <p:nvPr>
-            <p:ph type="sldNum" sz="quarter" idx="12"/>
-          </p:nvPr>
-        </p:nvSpPr>
-        <p:spPr/>
-        <p:txBody>
-          <a:bodyPr/>
-          <a:lstStyle/>
-          <a:p>
-            <a:fld id="{954523AE-48BF-CF44-937E-54C851136229}" type="slidenum">
-              <a:rPr lang="en-US" smtClean="0"/>
-              <a:t>‹#›</a:t>
-            </a:fld>
-            <a:endParaRPr lang="en-US"/>
-          </a:p>
-        </p:txBody>
-      </p:sp>
-    </p:spTree>
-    <p:extLst>
-      <p:ext uri="{BB962C8B-B14F-4D97-AF65-F5344CB8AC3E}">
-        <p14:creationId xmlns:p14="http://schemas.microsoft.com/office/powerpoint/2010/main" val="742434816"/>
-      </p:ext>
-    </p:extLst>
-  </p:cSld>
-  <p:clrMapOvr>
-    <a:masterClrMapping/>
-  </p:clrMapOvr>
-</p:sldLayout>
-</file>
-
-<file path=ppt/slideLayouts/slideLayout11.xml><?xml version="1.0" encoding="utf-8"?>
-<p:sldLayout xmlns:a="http://schemas.openxmlformats.org/drawingml/2006/main" xmlns:r="http://schemas.openxmlformats.org/officeDocument/2006/relationships" xmlns:p="http://schemas.openxmlformats.org/presentationml/2006/main" type="vertTitleAndTx" preserve="1">
-  <p:cSld name="Vertical Title and Text">
-    <p:spTree>
-      <p:nvGrpSpPr>
-        <p:cNvPr id="1" name=""/>
-        <p:cNvGrpSpPr/>
-        <p:nvPr/>
-      </p:nvGrpSpPr>
-      <p:grpSpPr>
-        <a:xfrm>
-          <a:off x="0" y="0"/>
-          <a:ext cx="0" cy="0"/>
-          <a:chOff x="0" y="0"/>
-          <a:chExt cx="0" cy="0"/>
-        </a:xfrm>
-      </p:grpSpPr>
-      <p:sp>
-        <p:nvSpPr>
-          <p:cNvPr id="2" name="Vertical Title 1"/>
-          <p:cNvSpPr>
-            <a:spLocks noGrp="1"/>
-          </p:cNvSpPr>
-          <p:nvPr>
-            <p:ph type="title" orient="vert"/>
-          </p:nvPr>
-        </p:nvSpPr>
-        <p:spPr>
-          <a:xfrm>
-            <a:off x="6629400" y="274638"/>
-            <a:ext cx="2057400" cy="5851525"/>
-          </a:xfrm>
-        </p:spPr>
-        <p:txBody>
-          <a:bodyPr vert="eaVert"/>
-          <a:lstStyle/>
-          <a:p>
-            <a:r>
-              <a:rPr lang="x-none" smtClean="0"/>
-              <a:t>Click to edit Master title style</a:t>
-            </a:r>
-            <a:endParaRPr lang="en-US"/>
-          </a:p>
-        </p:txBody>
-      </p:sp>
-      <p:sp>
-        <p:nvSpPr>
-          <p:cNvPr id="3" name="Vertical Text Placeholder 2"/>
-          <p:cNvSpPr>
-            <a:spLocks noGrp="1"/>
-          </p:cNvSpPr>
-          <p:nvPr>
-            <p:ph type="body" orient="vert" idx="1"/>
-          </p:nvPr>
-        </p:nvSpPr>
-        <p:spPr>
-          <a:xfrm>
-            <a:off x="457200" y="274638"/>
-            <a:ext cx="6019800" cy="5851525"/>
-          </a:xfrm>
-        </p:spPr>
-        <p:txBody>
-          <a:bodyPr vert="eaVert"/>
-          <a:lstStyle/>
-          <a:p>
-            <a:pPr lvl="0"/>
-            <a:r>
-              <a:rPr lang="x-none" smtClean="0"/>
-              <a:t>Click to edit Master text styles</a:t>
-            </a:r>
-          </a:p>
-          <a:p>
-            <a:pPr lvl="1"/>
-            <a:r>
-              <a:rPr lang="x-none" smtClean="0"/>
-              <a:t>Second level</a:t>
-            </a:r>
-          </a:p>
-          <a:p>
-            <a:pPr lvl="2"/>
-            <a:r>
-              <a:rPr lang="x-none" smtClean="0"/>
-              <a:t>Third level</a:t>
-            </a:r>
-          </a:p>
-          <a:p>
-            <a:pPr lvl="3"/>
-            <a:r>
-              <a:rPr lang="x-none" smtClean="0"/>
-              <a:t>Fourth level</a:t>
-            </a:r>
-          </a:p>
-          <a:p>
-            <a:pPr lvl="4"/>
-            <a:r>
-              <a:rPr lang="x-none" smtClean="0"/>
-              <a:t>Fifth level</a:t>
-            </a:r>
-            <a:endParaRPr lang="en-US"/>
-          </a:p>
-        </p:txBody>
-      </p:sp>
-      <p:sp>
-        <p:nvSpPr>
-          <p:cNvPr id="4" name="Date Placeholder 3"/>
-          <p:cNvSpPr>
-            <a:spLocks noGrp="1"/>
-          </p:cNvSpPr>
-          <p:nvPr>
-            <p:ph type="dt" sz="half" idx="10"/>
-          </p:nvPr>
-        </p:nvSpPr>
-        <p:spPr/>
-        <p:txBody>
-          <a:bodyPr/>
-          <a:lstStyle/>
-          <a:p>
-            <a:fld id="{16DE1CF3-1110-D54A-B496-DBD515E8BC9A}" type="datetimeFigureOut">
-              <a:rPr lang="en-US" smtClean="0"/>
-              <a:t>5/2/2017</a:t>
-            </a:fld>
-            <a:endParaRPr lang="en-US"/>
-          </a:p>
-        </p:txBody>
-      </p:sp>
-      <p:sp>
-        <p:nvSpPr>
-          <p:cNvPr id="5" name="Footer Placeholder 4"/>
-          <p:cNvSpPr>
-            <a:spLocks noGrp="1"/>
-          </p:cNvSpPr>
-          <p:nvPr>
-            <p:ph type="ftr" sz="quarter" idx="11"/>
-          </p:nvPr>
-        </p:nvSpPr>
-        <p:spPr/>
-        <p:txBody>
-          <a:bodyPr/>
-          <a:lstStyle/>
-          <a:p>
-            <a:endParaRPr lang="en-US"/>
-          </a:p>
-        </p:txBody>
-      </p:sp>
-      <p:sp>
-        <p:nvSpPr>
-          <p:cNvPr id="6" name="Slide Number Placeholder 5"/>
-          <p:cNvSpPr>
-            <a:spLocks noGrp="1"/>
-          </p:cNvSpPr>
-          <p:nvPr>
-            <p:ph type="sldNum" sz="quarter" idx="12"/>
-          </p:nvPr>
-        </p:nvSpPr>
-        <p:spPr/>
-        <p:txBody>
-          <a:bodyPr/>
-          <a:lstStyle/>
-          <a:p>
-            <a:fld id="{954523AE-48BF-CF44-937E-54C851136229}" type="slidenum">
-              <a:rPr lang="en-US" smtClean="0"/>
-              <a:t>‹#›</a:t>
-            </a:fld>
-            <a:endParaRPr lang="en-US"/>
-          </a:p>
-        </p:txBody>
-      </p:sp>
-    </p:spTree>
-    <p:extLst>
-      <p:ext uri="{BB962C8B-B14F-4D97-AF65-F5344CB8AC3E}">
-        <p14:creationId xmlns:p14="http://schemas.microsoft.com/office/powerpoint/2010/main" val="3038893708"/>
-      </p:ext>
-    </p:extLst>
-  </p:cSld>
-  <p:clrMapOvr>
-    <a:masterClrMapping/>
-  </p:clrMapOvr>
-</p:sldLayout>
-</file>
-
-<file path=ppt/slideLayouts/slideLayout12.xml><?xml version="1.0" encoding="utf-8"?>
 <p:sldLayout xmlns:a="http://schemas.openxmlformats.org/drawingml/2006/main" xmlns:r="http://schemas.openxmlformats.org/officeDocument/2006/relationships" xmlns:p="http://schemas.openxmlformats.org/presentationml/2006/main" showMasterSp="0" type="title" preserve="1">
   <p:cSld name="Title Slide">
     <p:spTree>
@@ -931,7 +345,7 @@
 </p:sldLayout>
 </file>
 
-<file path=ppt/slideLayouts/slideLayout13.xml><?xml version="1.0" encoding="utf-8"?>
+<file path=ppt/slideLayouts/slideLayout2.xml><?xml version="1.0" encoding="utf-8"?>
 <p:sldLayout xmlns:a="http://schemas.openxmlformats.org/drawingml/2006/main" xmlns:r="http://schemas.openxmlformats.org/officeDocument/2006/relationships" xmlns:p="http://schemas.openxmlformats.org/presentationml/2006/main" type="obj" preserve="1">
   <p:cSld name="Title and Content">
     <p:spTree>
@@ -1121,7 +535,7 @@
                 </a:solidFill>
               </a:rPr>
               <a:pPr/>
-              <a:t>5/2/2017</a:t>
+              <a:t>6/2/2017</a:t>
             </a:fld>
             <a:endParaRPr lang="en-US" altLang="en-US">
               <a:solidFill>
@@ -1144,7 +558,7 @@
 </p:sldLayout>
 </file>
 
-<file path=ppt/slideLayouts/slideLayout14.xml><?xml version="1.0" encoding="utf-8"?>
+<file path=ppt/slideLayouts/slideLayout3.xml><?xml version="1.0" encoding="utf-8"?>
 <p:sldLayout xmlns:a="http://schemas.openxmlformats.org/drawingml/2006/main" xmlns:r="http://schemas.openxmlformats.org/officeDocument/2006/relationships" xmlns:p="http://schemas.openxmlformats.org/presentationml/2006/main" type="secHead" preserve="1">
   <p:cSld name="Section Header">
     <p:spTree>
@@ -1360,7 +774,7 @@
                 </a:solidFill>
               </a:rPr>
               <a:pPr/>
-              <a:t>5/2/2017</a:t>
+              <a:t>6/2/2017</a:t>
             </a:fld>
             <a:endParaRPr lang="en-US" altLang="en-US">
               <a:solidFill>
@@ -1383,7 +797,7 @@
 </p:sldLayout>
 </file>
 
-<file path=ppt/slideLayouts/slideLayout15.xml><?xml version="1.0" encoding="utf-8"?>
+<file path=ppt/slideLayouts/slideLayout4.xml><?xml version="1.0" encoding="utf-8"?>
 <p:sldLayout xmlns:a="http://schemas.openxmlformats.org/drawingml/2006/main" xmlns:r="http://schemas.openxmlformats.org/officeDocument/2006/relationships" xmlns:p="http://schemas.openxmlformats.org/presentationml/2006/main" type="twoObj" preserve="1">
   <p:cSld name="Two Content">
     <p:spTree>
@@ -1691,7 +1105,7 @@
                 </a:solidFill>
               </a:rPr>
               <a:pPr/>
-              <a:t>5/2/2017</a:t>
+              <a:t>6/2/2017</a:t>
             </a:fld>
             <a:endParaRPr lang="en-US" altLang="en-US">
               <a:solidFill>
@@ -1714,7 +1128,7 @@
 </p:sldLayout>
 </file>
 
-<file path=ppt/slideLayouts/slideLayout16.xml><?xml version="1.0" encoding="utf-8"?>
+<file path=ppt/slideLayouts/slideLayout5.xml><?xml version="1.0" encoding="utf-8"?>
 <p:sldLayout xmlns:a="http://schemas.openxmlformats.org/drawingml/2006/main" xmlns:r="http://schemas.openxmlformats.org/officeDocument/2006/relationships" xmlns:p="http://schemas.openxmlformats.org/presentationml/2006/main" preserve="1" userDrawn="1">
   <p:cSld name="Comparison">
     <p:spTree>
@@ -2157,7 +1571,7 @@
                 </a:solidFill>
               </a:rPr>
               <a:pPr/>
-              <a:t>5/2/2017</a:t>
+              <a:t>6/2/2017</a:t>
             </a:fld>
             <a:endParaRPr lang="en-US" altLang="en-US">
               <a:solidFill>
@@ -2171,1631 +1585,6 @@
     <p:extLst>
       <p:ext uri="{BB962C8B-B14F-4D97-AF65-F5344CB8AC3E}">
         <p14:creationId xmlns:p14="http://schemas.microsoft.com/office/powerpoint/2010/main" val="977385297"/>
-      </p:ext>
-    </p:extLst>
-  </p:cSld>
-  <p:clrMapOvr>
-    <a:masterClrMapping/>
-  </p:clrMapOvr>
-</p:sldLayout>
-</file>
-
-<file path=ppt/slideLayouts/slideLayout17.xml><?xml version="1.0" encoding="utf-8"?>
-<p:sldLayout xmlns:a="http://schemas.openxmlformats.org/drawingml/2006/main" xmlns:r="http://schemas.openxmlformats.org/officeDocument/2006/relationships" xmlns:p="http://schemas.openxmlformats.org/presentationml/2006/main" type="titleOnly" preserve="1">
-  <p:cSld name="Title Only">
-    <p:spTree>
-      <p:nvGrpSpPr>
-        <p:cNvPr id="1" name=""/>
-        <p:cNvGrpSpPr/>
-        <p:nvPr/>
-      </p:nvGrpSpPr>
-      <p:grpSpPr>
-        <a:xfrm>
-          <a:off x="0" y="0"/>
-          <a:ext cx="0" cy="0"/>
-          <a:chOff x="0" y="0"/>
-          <a:chExt cx="0" cy="0"/>
-        </a:xfrm>
-      </p:grpSpPr>
-      <p:sp>
-        <p:nvSpPr>
-          <p:cNvPr id="2" name="Title 1"/>
-          <p:cNvSpPr>
-            <a:spLocks noGrp="1"/>
-          </p:cNvSpPr>
-          <p:nvPr>
-            <p:ph type="title"/>
-          </p:nvPr>
-        </p:nvSpPr>
-        <p:spPr/>
-        <p:txBody>
-          <a:bodyPr/>
-          <a:lstStyle/>
-          <a:p>
-            <a:r>
-              <a:rPr lang="en-US" smtClean="0"/>
-              <a:t>Click to edit Master title style</a:t>
-            </a:r>
-            <a:endParaRPr lang="en-US"/>
-          </a:p>
-        </p:txBody>
-      </p:sp>
-      <p:sp>
-        <p:nvSpPr>
-          <p:cNvPr id="3" name="Rectangle 6"/>
-          <p:cNvSpPr>
-            <a:spLocks noGrp="1" noChangeArrowheads="1"/>
-          </p:cNvSpPr>
-          <p:nvPr>
-            <p:ph type="ftr" sz="quarter" idx="10"/>
-          </p:nvPr>
-        </p:nvSpPr>
-        <p:spPr>
-          <a:ln/>
-        </p:spPr>
-        <p:txBody>
-          <a:bodyPr/>
-          <a:lstStyle>
-            <a:lvl1pPr>
-              <a:defRPr/>
-            </a:lvl1pPr>
-          </a:lstStyle>
-          <a:p>
-            <a:pPr>
-              <a:defRPr/>
-            </a:pPr>
-            <a:endParaRPr lang="en-US">
-              <a:solidFill>
-                <a:srgbClr val="101073"/>
-              </a:solidFill>
-            </a:endParaRPr>
-          </a:p>
-        </p:txBody>
-      </p:sp>
-      <p:sp>
-        <p:nvSpPr>
-          <p:cNvPr id="4" name="Rectangle 7"/>
-          <p:cNvSpPr>
-            <a:spLocks noGrp="1" noChangeArrowheads="1"/>
-          </p:cNvSpPr>
-          <p:nvPr>
-            <p:ph type="sldNum" sz="quarter" idx="11"/>
-          </p:nvPr>
-        </p:nvSpPr>
-        <p:spPr>
-          <a:ln/>
-        </p:spPr>
-        <p:txBody>
-          <a:bodyPr/>
-          <a:lstStyle>
-            <a:lvl1pPr>
-              <a:defRPr/>
-            </a:lvl1pPr>
-          </a:lstStyle>
-          <a:p>
-            <a:fld id="{9CC4C680-0440-4148-BB30-B74FB9BD0592}" type="slidenum">
-              <a:rPr lang="en-US" altLang="en-US">
-                <a:solidFill>
-                  <a:srgbClr val="D6004A"/>
-                </a:solidFill>
-              </a:rPr>
-              <a:pPr/>
-              <a:t>‹#›</a:t>
-            </a:fld>
-            <a:endParaRPr lang="en-US" altLang="en-US">
-              <a:solidFill>
-                <a:srgbClr val="D6004A"/>
-              </a:solidFill>
-            </a:endParaRPr>
-          </a:p>
-        </p:txBody>
-      </p:sp>
-      <p:sp>
-        <p:nvSpPr>
-          <p:cNvPr id="5" name="Rectangle 13"/>
-          <p:cNvSpPr>
-            <a:spLocks noGrp="1" noChangeArrowheads="1"/>
-          </p:cNvSpPr>
-          <p:nvPr>
-            <p:ph type="dt" sz="half" idx="12"/>
-          </p:nvPr>
-        </p:nvSpPr>
-        <p:spPr>
-          <a:ln/>
-        </p:spPr>
-        <p:txBody>
-          <a:bodyPr/>
-          <a:lstStyle>
-            <a:lvl1pPr>
-              <a:defRPr/>
-            </a:lvl1pPr>
-          </a:lstStyle>
-          <a:p>
-            <a:fld id="{F4598FC0-D0A3-4F6B-B4AC-AC1E52587FFA}" type="datetimeFigureOut">
-              <a:rPr lang="en-US" altLang="en-US">
-                <a:solidFill>
-                  <a:srgbClr val="D6004A"/>
-                </a:solidFill>
-              </a:rPr>
-              <a:pPr/>
-              <a:t>5/2/2017</a:t>
-            </a:fld>
-            <a:endParaRPr lang="en-US" altLang="en-US">
-              <a:solidFill>
-                <a:srgbClr val="D6004A"/>
-              </a:solidFill>
-            </a:endParaRPr>
-          </a:p>
-        </p:txBody>
-      </p:sp>
-    </p:spTree>
-    <p:extLst>
-      <p:ext uri="{BB962C8B-B14F-4D97-AF65-F5344CB8AC3E}">
-        <p14:creationId xmlns:p14="http://schemas.microsoft.com/office/powerpoint/2010/main" val="1315578207"/>
-      </p:ext>
-    </p:extLst>
-  </p:cSld>
-  <p:clrMapOvr>
-    <a:masterClrMapping/>
-  </p:clrMapOvr>
-</p:sldLayout>
-</file>
-
-<file path=ppt/slideLayouts/slideLayout18.xml><?xml version="1.0" encoding="utf-8"?>
-<p:sldLayout xmlns:a="http://schemas.openxmlformats.org/drawingml/2006/main" xmlns:r="http://schemas.openxmlformats.org/officeDocument/2006/relationships" xmlns:p="http://schemas.openxmlformats.org/presentationml/2006/main" type="blank" preserve="1">
-  <p:cSld name="Blank">
-    <p:spTree>
-      <p:nvGrpSpPr>
-        <p:cNvPr id="1" name=""/>
-        <p:cNvGrpSpPr/>
-        <p:nvPr/>
-      </p:nvGrpSpPr>
-      <p:grpSpPr>
-        <a:xfrm>
-          <a:off x="0" y="0"/>
-          <a:ext cx="0" cy="0"/>
-          <a:chOff x="0" y="0"/>
-          <a:chExt cx="0" cy="0"/>
-        </a:xfrm>
-      </p:grpSpPr>
-      <p:sp>
-        <p:nvSpPr>
-          <p:cNvPr id="2" name="Rectangle 6"/>
-          <p:cNvSpPr>
-            <a:spLocks noGrp="1" noChangeArrowheads="1"/>
-          </p:cNvSpPr>
-          <p:nvPr>
-            <p:ph type="ftr" sz="quarter" idx="10"/>
-          </p:nvPr>
-        </p:nvSpPr>
-        <p:spPr>
-          <a:ln/>
-        </p:spPr>
-        <p:txBody>
-          <a:bodyPr/>
-          <a:lstStyle>
-            <a:lvl1pPr>
-              <a:defRPr/>
-            </a:lvl1pPr>
-          </a:lstStyle>
-          <a:p>
-            <a:pPr>
-              <a:defRPr/>
-            </a:pPr>
-            <a:endParaRPr lang="en-US">
-              <a:solidFill>
-                <a:srgbClr val="101073"/>
-              </a:solidFill>
-            </a:endParaRPr>
-          </a:p>
-        </p:txBody>
-      </p:sp>
-      <p:sp>
-        <p:nvSpPr>
-          <p:cNvPr id="3" name="Rectangle 7"/>
-          <p:cNvSpPr>
-            <a:spLocks noGrp="1" noChangeArrowheads="1"/>
-          </p:cNvSpPr>
-          <p:nvPr>
-            <p:ph type="sldNum" sz="quarter" idx="11"/>
-          </p:nvPr>
-        </p:nvSpPr>
-        <p:spPr>
-          <a:ln/>
-        </p:spPr>
-        <p:txBody>
-          <a:bodyPr/>
-          <a:lstStyle>
-            <a:lvl1pPr>
-              <a:defRPr/>
-            </a:lvl1pPr>
-          </a:lstStyle>
-          <a:p>
-            <a:fld id="{16B960EB-B150-4181-A538-00895C7ABDAD}" type="slidenum">
-              <a:rPr lang="en-US" altLang="en-US">
-                <a:solidFill>
-                  <a:srgbClr val="D6004A"/>
-                </a:solidFill>
-              </a:rPr>
-              <a:pPr/>
-              <a:t>‹#›</a:t>
-            </a:fld>
-            <a:endParaRPr lang="en-US" altLang="en-US">
-              <a:solidFill>
-                <a:srgbClr val="D6004A"/>
-              </a:solidFill>
-            </a:endParaRPr>
-          </a:p>
-        </p:txBody>
-      </p:sp>
-      <p:sp>
-        <p:nvSpPr>
-          <p:cNvPr id="4" name="Rectangle 13"/>
-          <p:cNvSpPr>
-            <a:spLocks noGrp="1" noChangeArrowheads="1"/>
-          </p:cNvSpPr>
-          <p:nvPr>
-            <p:ph type="dt" sz="half" idx="12"/>
-          </p:nvPr>
-        </p:nvSpPr>
-        <p:spPr>
-          <a:ln/>
-        </p:spPr>
-        <p:txBody>
-          <a:bodyPr/>
-          <a:lstStyle>
-            <a:lvl1pPr>
-              <a:defRPr/>
-            </a:lvl1pPr>
-          </a:lstStyle>
-          <a:p>
-            <a:fld id="{5D61F29C-5060-4E24-9DE2-CD67277C3F50}" type="datetimeFigureOut">
-              <a:rPr lang="en-US" altLang="en-US">
-                <a:solidFill>
-                  <a:srgbClr val="D6004A"/>
-                </a:solidFill>
-              </a:rPr>
-              <a:pPr/>
-              <a:t>5/2/2017</a:t>
-            </a:fld>
-            <a:endParaRPr lang="en-US" altLang="en-US">
-              <a:solidFill>
-                <a:srgbClr val="D6004A"/>
-              </a:solidFill>
-            </a:endParaRPr>
-          </a:p>
-        </p:txBody>
-      </p:sp>
-    </p:spTree>
-    <p:extLst>
-      <p:ext uri="{BB962C8B-B14F-4D97-AF65-F5344CB8AC3E}">
-        <p14:creationId xmlns:p14="http://schemas.microsoft.com/office/powerpoint/2010/main" val="3742011368"/>
-      </p:ext>
-    </p:extLst>
-  </p:cSld>
-  <p:clrMapOvr>
-    <a:masterClrMapping/>
-  </p:clrMapOvr>
-</p:sldLayout>
-</file>
-
-<file path=ppt/slideLayouts/slideLayout19.xml><?xml version="1.0" encoding="utf-8"?>
-<p:sldLayout xmlns:a="http://schemas.openxmlformats.org/drawingml/2006/main" xmlns:r="http://schemas.openxmlformats.org/officeDocument/2006/relationships" xmlns:p="http://schemas.openxmlformats.org/presentationml/2006/main" type="dgm">
-  <p:cSld name="Title and Diagram or Organization Chart">
-    <p:spTree>
-      <p:nvGrpSpPr>
-        <p:cNvPr id="1" name=""/>
-        <p:cNvGrpSpPr/>
-        <p:nvPr/>
-      </p:nvGrpSpPr>
-      <p:grpSpPr>
-        <a:xfrm>
-          <a:off x="0" y="0"/>
-          <a:ext cx="0" cy="0"/>
-          <a:chOff x="0" y="0"/>
-          <a:chExt cx="0" cy="0"/>
-        </a:xfrm>
-      </p:grpSpPr>
-      <p:sp>
-        <p:nvSpPr>
-          <p:cNvPr id="2" name="Title 1"/>
-          <p:cNvSpPr>
-            <a:spLocks noGrp="1"/>
-          </p:cNvSpPr>
-          <p:nvPr>
-            <p:ph type="title"/>
-          </p:nvPr>
-        </p:nvSpPr>
-        <p:spPr>
-          <a:xfrm>
-            <a:off x="609600" y="381000"/>
-            <a:ext cx="8424863" cy="641350"/>
-          </a:xfrm>
-        </p:spPr>
-        <p:txBody>
-          <a:bodyPr/>
-          <a:lstStyle/>
-          <a:p>
-            <a:r>
-              <a:rPr lang="en-US" smtClean="0"/>
-              <a:t>Click to edit Master title style</a:t>
-            </a:r>
-            <a:endParaRPr lang="en-US"/>
-          </a:p>
-        </p:txBody>
-      </p:sp>
-      <p:sp>
-        <p:nvSpPr>
-          <p:cNvPr id="3" name="SmartArt Placeholder 2"/>
-          <p:cNvSpPr>
-            <a:spLocks noGrp="1"/>
-          </p:cNvSpPr>
-          <p:nvPr>
-            <p:ph type="dgm" idx="1"/>
-          </p:nvPr>
-        </p:nvSpPr>
-        <p:spPr>
-          <a:xfrm>
-            <a:off x="611188" y="1306513"/>
-            <a:ext cx="8410575" cy="4799012"/>
-          </a:xfrm>
-        </p:spPr>
-        <p:txBody>
-          <a:bodyPr/>
-          <a:lstStyle/>
-          <a:p>
-            <a:pPr lvl="0"/>
-            <a:endParaRPr lang="en-US" noProof="0"/>
-          </a:p>
-        </p:txBody>
-      </p:sp>
-      <p:sp>
-        <p:nvSpPr>
-          <p:cNvPr id="4" name="Footer Placeholder 3"/>
-          <p:cNvSpPr>
-            <a:spLocks noGrp="1"/>
-          </p:cNvSpPr>
-          <p:nvPr>
-            <p:ph type="ftr" sz="quarter" idx="10"/>
-          </p:nvPr>
-        </p:nvSpPr>
-        <p:spPr>
-          <a:xfrm>
-            <a:off x="2244725" y="6276975"/>
-            <a:ext cx="4913313" cy="457200"/>
-          </a:xfrm>
-        </p:spPr>
-        <p:txBody>
-          <a:bodyPr/>
-          <a:lstStyle>
-            <a:lvl1pPr>
-              <a:defRPr/>
-            </a:lvl1pPr>
-          </a:lstStyle>
-          <a:p>
-            <a:pPr>
-              <a:defRPr/>
-            </a:pPr>
-            <a:endParaRPr lang="en-US">
-              <a:solidFill>
-                <a:srgbClr val="101073"/>
-              </a:solidFill>
-            </a:endParaRPr>
-          </a:p>
-        </p:txBody>
-      </p:sp>
-      <p:sp>
-        <p:nvSpPr>
-          <p:cNvPr id="5" name="Date Placeholder 4"/>
-          <p:cNvSpPr>
-            <a:spLocks noGrp="1"/>
-          </p:cNvSpPr>
-          <p:nvPr>
-            <p:ph type="dt" sz="half" idx="11"/>
-          </p:nvPr>
-        </p:nvSpPr>
-        <p:spPr>
-          <a:xfrm>
-            <a:off x="195263" y="6286500"/>
-            <a:ext cx="1254125" cy="457200"/>
-          </a:xfrm>
-        </p:spPr>
-        <p:txBody>
-          <a:bodyPr/>
-          <a:lstStyle>
-            <a:lvl1pPr>
-              <a:defRPr/>
-            </a:lvl1pPr>
-          </a:lstStyle>
-          <a:p>
-            <a:fld id="{47ED61AC-859B-4724-A3FF-E6637FEAF6AE}" type="datetime1">
-              <a:rPr lang="en-US" altLang="en-US">
-                <a:solidFill>
-                  <a:srgbClr val="D6004A"/>
-                </a:solidFill>
-              </a:rPr>
-              <a:pPr/>
-              <a:t>5/2/2017</a:t>
-            </a:fld>
-            <a:endParaRPr lang="en-US" altLang="en-US">
-              <a:solidFill>
-                <a:srgbClr val="D6004A"/>
-              </a:solidFill>
-            </a:endParaRPr>
-          </a:p>
-        </p:txBody>
-      </p:sp>
-      <p:sp>
-        <p:nvSpPr>
-          <p:cNvPr id="6" name="Slide Number Placeholder 5"/>
-          <p:cNvSpPr>
-            <a:spLocks noGrp="1"/>
-          </p:cNvSpPr>
-          <p:nvPr>
-            <p:ph type="sldNum" sz="quarter" idx="12"/>
-          </p:nvPr>
-        </p:nvSpPr>
-        <p:spPr>
-          <a:xfrm>
-            <a:off x="8385175" y="6286500"/>
-            <a:ext cx="611188" cy="457200"/>
-          </a:xfrm>
-        </p:spPr>
-        <p:txBody>
-          <a:bodyPr/>
-          <a:lstStyle>
-            <a:lvl1pPr>
-              <a:defRPr/>
-            </a:lvl1pPr>
-          </a:lstStyle>
-          <a:p>
-            <a:fld id="{F9405728-62B4-48C9-8D01-B0796C8616EB}" type="slidenum">
-              <a:rPr lang="en-US" altLang="en-US">
-                <a:solidFill>
-                  <a:srgbClr val="D6004A"/>
-                </a:solidFill>
-              </a:rPr>
-              <a:pPr/>
-              <a:t>‹#›</a:t>
-            </a:fld>
-            <a:endParaRPr lang="en-US" altLang="en-US">
-              <a:solidFill>
-                <a:srgbClr val="D6004A"/>
-              </a:solidFill>
-            </a:endParaRPr>
-          </a:p>
-        </p:txBody>
-      </p:sp>
-    </p:spTree>
-    <p:extLst>
-      <p:ext uri="{BB962C8B-B14F-4D97-AF65-F5344CB8AC3E}">
-        <p14:creationId xmlns:p14="http://schemas.microsoft.com/office/powerpoint/2010/main" val="3240982411"/>
-      </p:ext>
-    </p:extLst>
-  </p:cSld>
-  <p:clrMapOvr>
-    <a:masterClrMapping/>
-  </p:clrMapOvr>
-</p:sldLayout>
-</file>
-
-<file path=ppt/slideLayouts/slideLayout2.xml><?xml version="1.0" encoding="utf-8"?>
-<p:sldLayout xmlns:a="http://schemas.openxmlformats.org/drawingml/2006/main" xmlns:r="http://schemas.openxmlformats.org/officeDocument/2006/relationships" xmlns:p="http://schemas.openxmlformats.org/presentationml/2006/main" type="obj" preserve="1">
-  <p:cSld name="Title and Content">
-    <p:spTree>
-      <p:nvGrpSpPr>
-        <p:cNvPr id="1" name=""/>
-        <p:cNvGrpSpPr/>
-        <p:nvPr/>
-      </p:nvGrpSpPr>
-      <p:grpSpPr>
-        <a:xfrm>
-          <a:off x="0" y="0"/>
-          <a:ext cx="0" cy="0"/>
-          <a:chOff x="0" y="0"/>
-          <a:chExt cx="0" cy="0"/>
-        </a:xfrm>
-      </p:grpSpPr>
-      <p:sp>
-        <p:nvSpPr>
-          <p:cNvPr id="2" name="Title 1"/>
-          <p:cNvSpPr>
-            <a:spLocks noGrp="1"/>
-          </p:cNvSpPr>
-          <p:nvPr>
-            <p:ph type="title"/>
-          </p:nvPr>
-        </p:nvSpPr>
-        <p:spPr/>
-        <p:txBody>
-          <a:bodyPr/>
-          <a:lstStyle/>
-          <a:p>
-            <a:r>
-              <a:rPr lang="x-none" smtClean="0"/>
-              <a:t>Click to edit Master title style</a:t>
-            </a:r>
-            <a:endParaRPr lang="en-US"/>
-          </a:p>
-        </p:txBody>
-      </p:sp>
-      <p:sp>
-        <p:nvSpPr>
-          <p:cNvPr id="3" name="Content Placeholder 2"/>
-          <p:cNvSpPr>
-            <a:spLocks noGrp="1"/>
-          </p:cNvSpPr>
-          <p:nvPr>
-            <p:ph idx="1"/>
-          </p:nvPr>
-        </p:nvSpPr>
-        <p:spPr/>
-        <p:txBody>
-          <a:bodyPr/>
-          <a:lstStyle/>
-          <a:p>
-            <a:pPr lvl="0"/>
-            <a:r>
-              <a:rPr lang="x-none" smtClean="0"/>
-              <a:t>Click to edit Master text styles</a:t>
-            </a:r>
-          </a:p>
-          <a:p>
-            <a:pPr lvl="1"/>
-            <a:r>
-              <a:rPr lang="x-none" smtClean="0"/>
-              <a:t>Second level</a:t>
-            </a:r>
-          </a:p>
-          <a:p>
-            <a:pPr lvl="2"/>
-            <a:r>
-              <a:rPr lang="x-none" smtClean="0"/>
-              <a:t>Third level</a:t>
-            </a:r>
-          </a:p>
-          <a:p>
-            <a:pPr lvl="3"/>
-            <a:r>
-              <a:rPr lang="x-none" smtClean="0"/>
-              <a:t>Fourth level</a:t>
-            </a:r>
-          </a:p>
-          <a:p>
-            <a:pPr lvl="4"/>
-            <a:r>
-              <a:rPr lang="x-none" smtClean="0"/>
-              <a:t>Fifth level</a:t>
-            </a:r>
-            <a:endParaRPr lang="en-US"/>
-          </a:p>
-        </p:txBody>
-      </p:sp>
-      <p:sp>
-        <p:nvSpPr>
-          <p:cNvPr id="4" name="Date Placeholder 3"/>
-          <p:cNvSpPr>
-            <a:spLocks noGrp="1"/>
-          </p:cNvSpPr>
-          <p:nvPr>
-            <p:ph type="dt" sz="half" idx="10"/>
-          </p:nvPr>
-        </p:nvSpPr>
-        <p:spPr/>
-        <p:txBody>
-          <a:bodyPr/>
-          <a:lstStyle/>
-          <a:p>
-            <a:fld id="{16DE1CF3-1110-D54A-B496-DBD515E8BC9A}" type="datetimeFigureOut">
-              <a:rPr lang="en-US" smtClean="0"/>
-              <a:t>5/2/2017</a:t>
-            </a:fld>
-            <a:endParaRPr lang="en-US"/>
-          </a:p>
-        </p:txBody>
-      </p:sp>
-      <p:sp>
-        <p:nvSpPr>
-          <p:cNvPr id="5" name="Footer Placeholder 4"/>
-          <p:cNvSpPr>
-            <a:spLocks noGrp="1"/>
-          </p:cNvSpPr>
-          <p:nvPr>
-            <p:ph type="ftr" sz="quarter" idx="11"/>
-          </p:nvPr>
-        </p:nvSpPr>
-        <p:spPr/>
-        <p:txBody>
-          <a:bodyPr/>
-          <a:lstStyle/>
-          <a:p>
-            <a:endParaRPr lang="en-US"/>
-          </a:p>
-        </p:txBody>
-      </p:sp>
-      <p:sp>
-        <p:nvSpPr>
-          <p:cNvPr id="6" name="Slide Number Placeholder 5"/>
-          <p:cNvSpPr>
-            <a:spLocks noGrp="1"/>
-          </p:cNvSpPr>
-          <p:nvPr>
-            <p:ph type="sldNum" sz="quarter" idx="12"/>
-          </p:nvPr>
-        </p:nvSpPr>
-        <p:spPr/>
-        <p:txBody>
-          <a:bodyPr/>
-          <a:lstStyle/>
-          <a:p>
-            <a:fld id="{954523AE-48BF-CF44-937E-54C851136229}" type="slidenum">
-              <a:rPr lang="en-US" smtClean="0"/>
-              <a:t>‹#›</a:t>
-            </a:fld>
-            <a:endParaRPr lang="en-US"/>
-          </a:p>
-        </p:txBody>
-      </p:sp>
-    </p:spTree>
-    <p:extLst>
-      <p:ext uri="{BB962C8B-B14F-4D97-AF65-F5344CB8AC3E}">
-        <p14:creationId xmlns:p14="http://schemas.microsoft.com/office/powerpoint/2010/main" val="1760651449"/>
-      </p:ext>
-    </p:extLst>
-  </p:cSld>
-  <p:clrMapOvr>
-    <a:masterClrMapping/>
-  </p:clrMapOvr>
-</p:sldLayout>
-</file>
-
-<file path=ppt/slideLayouts/slideLayout3.xml><?xml version="1.0" encoding="utf-8"?>
-<p:sldLayout xmlns:a="http://schemas.openxmlformats.org/drawingml/2006/main" xmlns:r="http://schemas.openxmlformats.org/officeDocument/2006/relationships" xmlns:p="http://schemas.openxmlformats.org/presentationml/2006/main" type="secHead" preserve="1">
-  <p:cSld name="Section Header">
-    <p:spTree>
-      <p:nvGrpSpPr>
-        <p:cNvPr id="1" name=""/>
-        <p:cNvGrpSpPr/>
-        <p:nvPr/>
-      </p:nvGrpSpPr>
-      <p:grpSpPr>
-        <a:xfrm>
-          <a:off x="0" y="0"/>
-          <a:ext cx="0" cy="0"/>
-          <a:chOff x="0" y="0"/>
-          <a:chExt cx="0" cy="0"/>
-        </a:xfrm>
-      </p:grpSpPr>
-      <p:sp>
-        <p:nvSpPr>
-          <p:cNvPr id="2" name="Title 1"/>
-          <p:cNvSpPr>
-            <a:spLocks noGrp="1"/>
-          </p:cNvSpPr>
-          <p:nvPr>
-            <p:ph type="title"/>
-          </p:nvPr>
-        </p:nvSpPr>
-        <p:spPr>
-          <a:xfrm>
-            <a:off x="722313" y="4406900"/>
-            <a:ext cx="7772400" cy="1362075"/>
-          </a:xfrm>
-        </p:spPr>
-        <p:txBody>
-          <a:bodyPr anchor="t"/>
-          <a:lstStyle>
-            <a:lvl1pPr algn="l">
-              <a:defRPr sz="4000" b="1" cap="all"/>
-            </a:lvl1pPr>
-          </a:lstStyle>
-          <a:p>
-            <a:r>
-              <a:rPr lang="x-none" smtClean="0"/>
-              <a:t>Click to edit Master title style</a:t>
-            </a:r>
-            <a:endParaRPr lang="en-US"/>
-          </a:p>
-        </p:txBody>
-      </p:sp>
-      <p:sp>
-        <p:nvSpPr>
-          <p:cNvPr id="3" name="Text Placeholder 2"/>
-          <p:cNvSpPr>
-            <a:spLocks noGrp="1"/>
-          </p:cNvSpPr>
-          <p:nvPr>
-            <p:ph type="body" idx="1"/>
-          </p:nvPr>
-        </p:nvSpPr>
-        <p:spPr>
-          <a:xfrm>
-            <a:off x="722313" y="2906713"/>
-            <a:ext cx="7772400" cy="1500187"/>
-          </a:xfrm>
-        </p:spPr>
-        <p:txBody>
-          <a:bodyPr anchor="b"/>
-          <a:lstStyle>
-            <a:lvl1pPr marL="0" indent="0">
-              <a:buNone/>
-              <a:defRPr sz="2000">
-                <a:solidFill>
-                  <a:schemeClr val="tx1">
-                    <a:tint val="75000"/>
-                  </a:schemeClr>
-                </a:solidFill>
-              </a:defRPr>
-            </a:lvl1pPr>
-            <a:lvl2pPr marL="457200" indent="0">
-              <a:buNone/>
-              <a:defRPr sz="1800">
-                <a:solidFill>
-                  <a:schemeClr val="tx1">
-                    <a:tint val="75000"/>
-                  </a:schemeClr>
-                </a:solidFill>
-              </a:defRPr>
-            </a:lvl2pPr>
-            <a:lvl3pPr marL="914400" indent="0">
-              <a:buNone/>
-              <a:defRPr sz="1600">
-                <a:solidFill>
-                  <a:schemeClr val="tx1">
-                    <a:tint val="75000"/>
-                  </a:schemeClr>
-                </a:solidFill>
-              </a:defRPr>
-            </a:lvl3pPr>
-            <a:lvl4pPr marL="1371600" indent="0">
-              <a:buNone/>
-              <a:defRPr sz="1400">
-                <a:solidFill>
-                  <a:schemeClr val="tx1">
-                    <a:tint val="75000"/>
-                  </a:schemeClr>
-                </a:solidFill>
-              </a:defRPr>
-            </a:lvl4pPr>
-            <a:lvl5pPr marL="1828800" indent="0">
-              <a:buNone/>
-              <a:defRPr sz="1400">
-                <a:solidFill>
-                  <a:schemeClr val="tx1">
-                    <a:tint val="75000"/>
-                  </a:schemeClr>
-                </a:solidFill>
-              </a:defRPr>
-            </a:lvl5pPr>
-            <a:lvl6pPr marL="2286000" indent="0">
-              <a:buNone/>
-              <a:defRPr sz="1400">
-                <a:solidFill>
-                  <a:schemeClr val="tx1">
-                    <a:tint val="75000"/>
-                  </a:schemeClr>
-                </a:solidFill>
-              </a:defRPr>
-            </a:lvl6pPr>
-            <a:lvl7pPr marL="2743200" indent="0">
-              <a:buNone/>
-              <a:defRPr sz="1400">
-                <a:solidFill>
-                  <a:schemeClr val="tx1">
-                    <a:tint val="75000"/>
-                  </a:schemeClr>
-                </a:solidFill>
-              </a:defRPr>
-            </a:lvl7pPr>
-            <a:lvl8pPr marL="3200400" indent="0">
-              <a:buNone/>
-              <a:defRPr sz="1400">
-                <a:solidFill>
-                  <a:schemeClr val="tx1">
-                    <a:tint val="75000"/>
-                  </a:schemeClr>
-                </a:solidFill>
-              </a:defRPr>
-            </a:lvl8pPr>
-            <a:lvl9pPr marL="3657600" indent="0">
-              <a:buNone/>
-              <a:defRPr sz="1400">
-                <a:solidFill>
-                  <a:schemeClr val="tx1">
-                    <a:tint val="75000"/>
-                  </a:schemeClr>
-                </a:solidFill>
-              </a:defRPr>
-            </a:lvl9pPr>
-          </a:lstStyle>
-          <a:p>
-            <a:pPr lvl="0"/>
-            <a:r>
-              <a:rPr lang="x-none" smtClean="0"/>
-              <a:t>Click to edit Master text styles</a:t>
-            </a:r>
-          </a:p>
-        </p:txBody>
-      </p:sp>
-      <p:sp>
-        <p:nvSpPr>
-          <p:cNvPr id="4" name="Date Placeholder 3"/>
-          <p:cNvSpPr>
-            <a:spLocks noGrp="1"/>
-          </p:cNvSpPr>
-          <p:nvPr>
-            <p:ph type="dt" sz="half" idx="10"/>
-          </p:nvPr>
-        </p:nvSpPr>
-        <p:spPr/>
-        <p:txBody>
-          <a:bodyPr/>
-          <a:lstStyle/>
-          <a:p>
-            <a:fld id="{16DE1CF3-1110-D54A-B496-DBD515E8BC9A}" type="datetimeFigureOut">
-              <a:rPr lang="en-US" smtClean="0"/>
-              <a:t>5/2/2017</a:t>
-            </a:fld>
-            <a:endParaRPr lang="en-US"/>
-          </a:p>
-        </p:txBody>
-      </p:sp>
-      <p:sp>
-        <p:nvSpPr>
-          <p:cNvPr id="5" name="Footer Placeholder 4"/>
-          <p:cNvSpPr>
-            <a:spLocks noGrp="1"/>
-          </p:cNvSpPr>
-          <p:nvPr>
-            <p:ph type="ftr" sz="quarter" idx="11"/>
-          </p:nvPr>
-        </p:nvSpPr>
-        <p:spPr/>
-        <p:txBody>
-          <a:bodyPr/>
-          <a:lstStyle/>
-          <a:p>
-            <a:endParaRPr lang="en-US"/>
-          </a:p>
-        </p:txBody>
-      </p:sp>
-      <p:sp>
-        <p:nvSpPr>
-          <p:cNvPr id="6" name="Slide Number Placeholder 5"/>
-          <p:cNvSpPr>
-            <a:spLocks noGrp="1"/>
-          </p:cNvSpPr>
-          <p:nvPr>
-            <p:ph type="sldNum" sz="quarter" idx="12"/>
-          </p:nvPr>
-        </p:nvSpPr>
-        <p:spPr/>
-        <p:txBody>
-          <a:bodyPr/>
-          <a:lstStyle/>
-          <a:p>
-            <a:fld id="{954523AE-48BF-CF44-937E-54C851136229}" type="slidenum">
-              <a:rPr lang="en-US" smtClean="0"/>
-              <a:t>‹#›</a:t>
-            </a:fld>
-            <a:endParaRPr lang="en-US"/>
-          </a:p>
-        </p:txBody>
-      </p:sp>
-    </p:spTree>
-    <p:extLst>
-      <p:ext uri="{BB962C8B-B14F-4D97-AF65-F5344CB8AC3E}">
-        <p14:creationId xmlns:p14="http://schemas.microsoft.com/office/powerpoint/2010/main" val="655160089"/>
-      </p:ext>
-    </p:extLst>
-  </p:cSld>
-  <p:clrMapOvr>
-    <a:masterClrMapping/>
-  </p:clrMapOvr>
-</p:sldLayout>
-</file>
-
-<file path=ppt/slideLayouts/slideLayout4.xml><?xml version="1.0" encoding="utf-8"?>
-<p:sldLayout xmlns:a="http://schemas.openxmlformats.org/drawingml/2006/main" xmlns:r="http://schemas.openxmlformats.org/officeDocument/2006/relationships" xmlns:p="http://schemas.openxmlformats.org/presentationml/2006/main" type="twoObj" preserve="1">
-  <p:cSld name="Two Content">
-    <p:spTree>
-      <p:nvGrpSpPr>
-        <p:cNvPr id="1" name=""/>
-        <p:cNvGrpSpPr/>
-        <p:nvPr/>
-      </p:nvGrpSpPr>
-      <p:grpSpPr>
-        <a:xfrm>
-          <a:off x="0" y="0"/>
-          <a:ext cx="0" cy="0"/>
-          <a:chOff x="0" y="0"/>
-          <a:chExt cx="0" cy="0"/>
-        </a:xfrm>
-      </p:grpSpPr>
-      <p:sp>
-        <p:nvSpPr>
-          <p:cNvPr id="2" name="Title 1"/>
-          <p:cNvSpPr>
-            <a:spLocks noGrp="1"/>
-          </p:cNvSpPr>
-          <p:nvPr>
-            <p:ph type="title"/>
-          </p:nvPr>
-        </p:nvSpPr>
-        <p:spPr/>
-        <p:txBody>
-          <a:bodyPr/>
-          <a:lstStyle/>
-          <a:p>
-            <a:r>
-              <a:rPr lang="x-none" smtClean="0"/>
-              <a:t>Click to edit Master title style</a:t>
-            </a:r>
-            <a:endParaRPr lang="en-US"/>
-          </a:p>
-        </p:txBody>
-      </p:sp>
-      <p:sp>
-        <p:nvSpPr>
-          <p:cNvPr id="3" name="Content Placeholder 2"/>
-          <p:cNvSpPr>
-            <a:spLocks noGrp="1"/>
-          </p:cNvSpPr>
-          <p:nvPr>
-            <p:ph sz="half" idx="1"/>
-          </p:nvPr>
-        </p:nvSpPr>
-        <p:spPr>
-          <a:xfrm>
-            <a:off x="457200" y="1600200"/>
-            <a:ext cx="4038600" cy="4525963"/>
-          </a:xfrm>
-        </p:spPr>
-        <p:txBody>
-          <a:bodyPr/>
-          <a:lstStyle>
-            <a:lvl1pPr>
-              <a:defRPr sz="2800"/>
-            </a:lvl1pPr>
-            <a:lvl2pPr>
-              <a:defRPr sz="2400"/>
-            </a:lvl2pPr>
-            <a:lvl3pPr>
-              <a:defRPr sz="2000"/>
-            </a:lvl3pPr>
-            <a:lvl4pPr>
-              <a:defRPr sz="1800"/>
-            </a:lvl4pPr>
-            <a:lvl5pPr>
-              <a:defRPr sz="1800"/>
-            </a:lvl5pPr>
-            <a:lvl6pPr>
-              <a:defRPr sz="1800"/>
-            </a:lvl6pPr>
-            <a:lvl7pPr>
-              <a:defRPr sz="1800"/>
-            </a:lvl7pPr>
-            <a:lvl8pPr>
-              <a:defRPr sz="1800"/>
-            </a:lvl8pPr>
-            <a:lvl9pPr>
-              <a:defRPr sz="1800"/>
-            </a:lvl9pPr>
-          </a:lstStyle>
-          <a:p>
-            <a:pPr lvl="0"/>
-            <a:r>
-              <a:rPr lang="x-none" smtClean="0"/>
-              <a:t>Click to edit Master text styles</a:t>
-            </a:r>
-          </a:p>
-          <a:p>
-            <a:pPr lvl="1"/>
-            <a:r>
-              <a:rPr lang="x-none" smtClean="0"/>
-              <a:t>Second level</a:t>
-            </a:r>
-          </a:p>
-          <a:p>
-            <a:pPr lvl="2"/>
-            <a:r>
-              <a:rPr lang="x-none" smtClean="0"/>
-              <a:t>Third level</a:t>
-            </a:r>
-          </a:p>
-          <a:p>
-            <a:pPr lvl="3"/>
-            <a:r>
-              <a:rPr lang="x-none" smtClean="0"/>
-              <a:t>Fourth level</a:t>
-            </a:r>
-          </a:p>
-          <a:p>
-            <a:pPr lvl="4"/>
-            <a:r>
-              <a:rPr lang="x-none" smtClean="0"/>
-              <a:t>Fifth level</a:t>
-            </a:r>
-            <a:endParaRPr lang="en-US"/>
-          </a:p>
-        </p:txBody>
-      </p:sp>
-      <p:sp>
-        <p:nvSpPr>
-          <p:cNvPr id="4" name="Content Placeholder 3"/>
-          <p:cNvSpPr>
-            <a:spLocks noGrp="1"/>
-          </p:cNvSpPr>
-          <p:nvPr>
-            <p:ph sz="half" idx="2"/>
-          </p:nvPr>
-        </p:nvSpPr>
-        <p:spPr>
-          <a:xfrm>
-            <a:off x="4648200" y="1600200"/>
-            <a:ext cx="4038600" cy="4525963"/>
-          </a:xfrm>
-        </p:spPr>
-        <p:txBody>
-          <a:bodyPr/>
-          <a:lstStyle>
-            <a:lvl1pPr>
-              <a:defRPr sz="2800"/>
-            </a:lvl1pPr>
-            <a:lvl2pPr>
-              <a:defRPr sz="2400"/>
-            </a:lvl2pPr>
-            <a:lvl3pPr>
-              <a:defRPr sz="2000"/>
-            </a:lvl3pPr>
-            <a:lvl4pPr>
-              <a:defRPr sz="1800"/>
-            </a:lvl4pPr>
-            <a:lvl5pPr>
-              <a:defRPr sz="1800"/>
-            </a:lvl5pPr>
-            <a:lvl6pPr>
-              <a:defRPr sz="1800"/>
-            </a:lvl6pPr>
-            <a:lvl7pPr>
-              <a:defRPr sz="1800"/>
-            </a:lvl7pPr>
-            <a:lvl8pPr>
-              <a:defRPr sz="1800"/>
-            </a:lvl8pPr>
-            <a:lvl9pPr>
-              <a:defRPr sz="1800"/>
-            </a:lvl9pPr>
-          </a:lstStyle>
-          <a:p>
-            <a:pPr lvl="0"/>
-            <a:r>
-              <a:rPr lang="x-none" smtClean="0"/>
-              <a:t>Click to edit Master text styles</a:t>
-            </a:r>
-          </a:p>
-          <a:p>
-            <a:pPr lvl="1"/>
-            <a:r>
-              <a:rPr lang="x-none" smtClean="0"/>
-              <a:t>Second level</a:t>
-            </a:r>
-          </a:p>
-          <a:p>
-            <a:pPr lvl="2"/>
-            <a:r>
-              <a:rPr lang="x-none" smtClean="0"/>
-              <a:t>Third level</a:t>
-            </a:r>
-          </a:p>
-          <a:p>
-            <a:pPr lvl="3"/>
-            <a:r>
-              <a:rPr lang="x-none" smtClean="0"/>
-              <a:t>Fourth level</a:t>
-            </a:r>
-          </a:p>
-          <a:p>
-            <a:pPr lvl="4"/>
-            <a:r>
-              <a:rPr lang="x-none" smtClean="0"/>
-              <a:t>Fifth level</a:t>
-            </a:r>
-            <a:endParaRPr lang="en-US"/>
-          </a:p>
-        </p:txBody>
-      </p:sp>
-      <p:sp>
-        <p:nvSpPr>
-          <p:cNvPr id="5" name="Date Placeholder 4"/>
-          <p:cNvSpPr>
-            <a:spLocks noGrp="1"/>
-          </p:cNvSpPr>
-          <p:nvPr>
-            <p:ph type="dt" sz="half" idx="10"/>
-          </p:nvPr>
-        </p:nvSpPr>
-        <p:spPr/>
-        <p:txBody>
-          <a:bodyPr/>
-          <a:lstStyle/>
-          <a:p>
-            <a:fld id="{16DE1CF3-1110-D54A-B496-DBD515E8BC9A}" type="datetimeFigureOut">
-              <a:rPr lang="en-US" smtClean="0"/>
-              <a:t>5/2/2017</a:t>
-            </a:fld>
-            <a:endParaRPr lang="en-US"/>
-          </a:p>
-        </p:txBody>
-      </p:sp>
-      <p:sp>
-        <p:nvSpPr>
-          <p:cNvPr id="6" name="Footer Placeholder 5"/>
-          <p:cNvSpPr>
-            <a:spLocks noGrp="1"/>
-          </p:cNvSpPr>
-          <p:nvPr>
-            <p:ph type="ftr" sz="quarter" idx="11"/>
-          </p:nvPr>
-        </p:nvSpPr>
-        <p:spPr/>
-        <p:txBody>
-          <a:bodyPr/>
-          <a:lstStyle/>
-          <a:p>
-            <a:endParaRPr lang="en-US"/>
-          </a:p>
-        </p:txBody>
-      </p:sp>
-      <p:sp>
-        <p:nvSpPr>
-          <p:cNvPr id="7" name="Slide Number Placeholder 6"/>
-          <p:cNvSpPr>
-            <a:spLocks noGrp="1"/>
-          </p:cNvSpPr>
-          <p:nvPr>
-            <p:ph type="sldNum" sz="quarter" idx="12"/>
-          </p:nvPr>
-        </p:nvSpPr>
-        <p:spPr/>
-        <p:txBody>
-          <a:bodyPr/>
-          <a:lstStyle/>
-          <a:p>
-            <a:fld id="{954523AE-48BF-CF44-937E-54C851136229}" type="slidenum">
-              <a:rPr lang="en-US" smtClean="0"/>
-              <a:t>‹#›</a:t>
-            </a:fld>
-            <a:endParaRPr lang="en-US"/>
-          </a:p>
-        </p:txBody>
-      </p:sp>
-    </p:spTree>
-    <p:extLst>
-      <p:ext uri="{BB962C8B-B14F-4D97-AF65-F5344CB8AC3E}">
-        <p14:creationId xmlns:p14="http://schemas.microsoft.com/office/powerpoint/2010/main" val="2697028761"/>
-      </p:ext>
-    </p:extLst>
-  </p:cSld>
-  <p:clrMapOvr>
-    <a:masterClrMapping/>
-  </p:clrMapOvr>
-</p:sldLayout>
-</file>
-
-<file path=ppt/slideLayouts/slideLayout5.xml><?xml version="1.0" encoding="utf-8"?>
-<p:sldLayout xmlns:a="http://schemas.openxmlformats.org/drawingml/2006/main" xmlns:r="http://schemas.openxmlformats.org/officeDocument/2006/relationships" xmlns:p="http://schemas.openxmlformats.org/presentationml/2006/main" type="twoTxTwoObj" preserve="1">
-  <p:cSld name="Comparison">
-    <p:spTree>
-      <p:nvGrpSpPr>
-        <p:cNvPr id="1" name=""/>
-        <p:cNvGrpSpPr/>
-        <p:nvPr/>
-      </p:nvGrpSpPr>
-      <p:grpSpPr>
-        <a:xfrm>
-          <a:off x="0" y="0"/>
-          <a:ext cx="0" cy="0"/>
-          <a:chOff x="0" y="0"/>
-          <a:chExt cx="0" cy="0"/>
-        </a:xfrm>
-      </p:grpSpPr>
-      <p:sp>
-        <p:nvSpPr>
-          <p:cNvPr id="2" name="Title 1"/>
-          <p:cNvSpPr>
-            <a:spLocks noGrp="1"/>
-          </p:cNvSpPr>
-          <p:nvPr>
-            <p:ph type="title"/>
-          </p:nvPr>
-        </p:nvSpPr>
-        <p:spPr/>
-        <p:txBody>
-          <a:bodyPr/>
-          <a:lstStyle>
-            <a:lvl1pPr>
-              <a:defRPr/>
-            </a:lvl1pPr>
-          </a:lstStyle>
-          <a:p>
-            <a:r>
-              <a:rPr lang="x-none" smtClean="0"/>
-              <a:t>Click to edit Master title style</a:t>
-            </a:r>
-            <a:endParaRPr lang="en-US"/>
-          </a:p>
-        </p:txBody>
-      </p:sp>
-      <p:sp>
-        <p:nvSpPr>
-          <p:cNvPr id="3" name="Text Placeholder 2"/>
-          <p:cNvSpPr>
-            <a:spLocks noGrp="1"/>
-          </p:cNvSpPr>
-          <p:nvPr>
-            <p:ph type="body" idx="1"/>
-          </p:nvPr>
-        </p:nvSpPr>
-        <p:spPr>
-          <a:xfrm>
-            <a:off x="457200" y="1535113"/>
-            <a:ext cx="4040188" cy="639762"/>
-          </a:xfrm>
-        </p:spPr>
-        <p:txBody>
-          <a:bodyPr anchor="b"/>
-          <a:lstStyle>
-            <a:lvl1pPr marL="0" indent="0">
-              <a:buNone/>
-              <a:defRPr sz="2400" b="1"/>
-            </a:lvl1pPr>
-            <a:lvl2pPr marL="457200" indent="0">
-              <a:buNone/>
-              <a:defRPr sz="2000" b="1"/>
-            </a:lvl2pPr>
-            <a:lvl3pPr marL="914400" indent="0">
-              <a:buNone/>
-              <a:defRPr sz="1800" b="1"/>
-            </a:lvl3pPr>
-            <a:lvl4pPr marL="1371600" indent="0">
-              <a:buNone/>
-              <a:defRPr sz="1600" b="1"/>
-            </a:lvl4pPr>
-            <a:lvl5pPr marL="1828800" indent="0">
-              <a:buNone/>
-              <a:defRPr sz="1600" b="1"/>
-            </a:lvl5pPr>
-            <a:lvl6pPr marL="2286000" indent="0">
-              <a:buNone/>
-              <a:defRPr sz="1600" b="1"/>
-            </a:lvl6pPr>
-            <a:lvl7pPr marL="2743200" indent="0">
-              <a:buNone/>
-              <a:defRPr sz="1600" b="1"/>
-            </a:lvl7pPr>
-            <a:lvl8pPr marL="3200400" indent="0">
-              <a:buNone/>
-              <a:defRPr sz="1600" b="1"/>
-            </a:lvl8pPr>
-            <a:lvl9pPr marL="3657600" indent="0">
-              <a:buNone/>
-              <a:defRPr sz="1600" b="1"/>
-            </a:lvl9pPr>
-          </a:lstStyle>
-          <a:p>
-            <a:pPr lvl="0"/>
-            <a:r>
-              <a:rPr lang="x-none" smtClean="0"/>
-              <a:t>Click to edit Master text styles</a:t>
-            </a:r>
-          </a:p>
-        </p:txBody>
-      </p:sp>
-      <p:sp>
-        <p:nvSpPr>
-          <p:cNvPr id="4" name="Content Placeholder 3"/>
-          <p:cNvSpPr>
-            <a:spLocks noGrp="1"/>
-          </p:cNvSpPr>
-          <p:nvPr>
-            <p:ph sz="half" idx="2"/>
-          </p:nvPr>
-        </p:nvSpPr>
-        <p:spPr>
-          <a:xfrm>
-            <a:off x="457200" y="2174875"/>
-            <a:ext cx="4040188" cy="3951288"/>
-          </a:xfrm>
-        </p:spPr>
-        <p:txBody>
-          <a:bodyPr/>
-          <a:lstStyle>
-            <a:lvl1pPr>
-              <a:defRPr sz="2400"/>
-            </a:lvl1pPr>
-            <a:lvl2pPr>
-              <a:defRPr sz="2000"/>
-            </a:lvl2pPr>
-            <a:lvl3pPr>
-              <a:defRPr sz="1800"/>
-            </a:lvl3pPr>
-            <a:lvl4pPr>
-              <a:defRPr sz="1600"/>
-            </a:lvl4pPr>
-            <a:lvl5pPr>
-              <a:defRPr sz="1600"/>
-            </a:lvl5pPr>
-            <a:lvl6pPr>
-              <a:defRPr sz="1600"/>
-            </a:lvl6pPr>
-            <a:lvl7pPr>
-              <a:defRPr sz="1600"/>
-            </a:lvl7pPr>
-            <a:lvl8pPr>
-              <a:defRPr sz="1600"/>
-            </a:lvl8pPr>
-            <a:lvl9pPr>
-              <a:defRPr sz="1600"/>
-            </a:lvl9pPr>
-          </a:lstStyle>
-          <a:p>
-            <a:pPr lvl="0"/>
-            <a:r>
-              <a:rPr lang="x-none" smtClean="0"/>
-              <a:t>Click to edit Master text styles</a:t>
-            </a:r>
-          </a:p>
-          <a:p>
-            <a:pPr lvl="1"/>
-            <a:r>
-              <a:rPr lang="x-none" smtClean="0"/>
-              <a:t>Second level</a:t>
-            </a:r>
-          </a:p>
-          <a:p>
-            <a:pPr lvl="2"/>
-            <a:r>
-              <a:rPr lang="x-none" smtClean="0"/>
-              <a:t>Third level</a:t>
-            </a:r>
-          </a:p>
-          <a:p>
-            <a:pPr lvl="3"/>
-            <a:r>
-              <a:rPr lang="x-none" smtClean="0"/>
-              <a:t>Fourth level</a:t>
-            </a:r>
-          </a:p>
-          <a:p>
-            <a:pPr lvl="4"/>
-            <a:r>
-              <a:rPr lang="x-none" smtClean="0"/>
-              <a:t>Fifth level</a:t>
-            </a:r>
-            <a:endParaRPr lang="en-US"/>
-          </a:p>
-        </p:txBody>
-      </p:sp>
-      <p:sp>
-        <p:nvSpPr>
-          <p:cNvPr id="5" name="Text Placeholder 4"/>
-          <p:cNvSpPr>
-            <a:spLocks noGrp="1"/>
-          </p:cNvSpPr>
-          <p:nvPr>
-            <p:ph type="body" sz="quarter" idx="3"/>
-          </p:nvPr>
-        </p:nvSpPr>
-        <p:spPr>
-          <a:xfrm>
-            <a:off x="4645025" y="1535113"/>
-            <a:ext cx="4041775" cy="639762"/>
-          </a:xfrm>
-        </p:spPr>
-        <p:txBody>
-          <a:bodyPr anchor="b"/>
-          <a:lstStyle>
-            <a:lvl1pPr marL="0" indent="0">
-              <a:buNone/>
-              <a:defRPr sz="2400" b="1"/>
-            </a:lvl1pPr>
-            <a:lvl2pPr marL="457200" indent="0">
-              <a:buNone/>
-              <a:defRPr sz="2000" b="1"/>
-            </a:lvl2pPr>
-            <a:lvl3pPr marL="914400" indent="0">
-              <a:buNone/>
-              <a:defRPr sz="1800" b="1"/>
-            </a:lvl3pPr>
-            <a:lvl4pPr marL="1371600" indent="0">
-              <a:buNone/>
-              <a:defRPr sz="1600" b="1"/>
-            </a:lvl4pPr>
-            <a:lvl5pPr marL="1828800" indent="0">
-              <a:buNone/>
-              <a:defRPr sz="1600" b="1"/>
-            </a:lvl5pPr>
-            <a:lvl6pPr marL="2286000" indent="0">
-              <a:buNone/>
-              <a:defRPr sz="1600" b="1"/>
-            </a:lvl6pPr>
-            <a:lvl7pPr marL="2743200" indent="0">
-              <a:buNone/>
-              <a:defRPr sz="1600" b="1"/>
-            </a:lvl7pPr>
-            <a:lvl8pPr marL="3200400" indent="0">
-              <a:buNone/>
-              <a:defRPr sz="1600" b="1"/>
-            </a:lvl8pPr>
-            <a:lvl9pPr marL="3657600" indent="0">
-              <a:buNone/>
-              <a:defRPr sz="1600" b="1"/>
-            </a:lvl9pPr>
-          </a:lstStyle>
-          <a:p>
-            <a:pPr lvl="0"/>
-            <a:r>
-              <a:rPr lang="x-none" smtClean="0"/>
-              <a:t>Click to edit Master text styles</a:t>
-            </a:r>
-          </a:p>
-        </p:txBody>
-      </p:sp>
-      <p:sp>
-        <p:nvSpPr>
-          <p:cNvPr id="6" name="Content Placeholder 5"/>
-          <p:cNvSpPr>
-            <a:spLocks noGrp="1"/>
-          </p:cNvSpPr>
-          <p:nvPr>
-            <p:ph sz="quarter" idx="4"/>
-          </p:nvPr>
-        </p:nvSpPr>
-        <p:spPr>
-          <a:xfrm>
-            <a:off x="4645025" y="2174875"/>
-            <a:ext cx="4041775" cy="3951288"/>
-          </a:xfrm>
-        </p:spPr>
-        <p:txBody>
-          <a:bodyPr/>
-          <a:lstStyle>
-            <a:lvl1pPr>
-              <a:defRPr sz="2400"/>
-            </a:lvl1pPr>
-            <a:lvl2pPr>
-              <a:defRPr sz="2000"/>
-            </a:lvl2pPr>
-            <a:lvl3pPr>
-              <a:defRPr sz="1800"/>
-            </a:lvl3pPr>
-            <a:lvl4pPr>
-              <a:defRPr sz="1600"/>
-            </a:lvl4pPr>
-            <a:lvl5pPr>
-              <a:defRPr sz="1600"/>
-            </a:lvl5pPr>
-            <a:lvl6pPr>
-              <a:defRPr sz="1600"/>
-            </a:lvl6pPr>
-            <a:lvl7pPr>
-              <a:defRPr sz="1600"/>
-            </a:lvl7pPr>
-            <a:lvl8pPr>
-              <a:defRPr sz="1600"/>
-            </a:lvl8pPr>
-            <a:lvl9pPr>
-              <a:defRPr sz="1600"/>
-            </a:lvl9pPr>
-          </a:lstStyle>
-          <a:p>
-            <a:pPr lvl="0"/>
-            <a:r>
-              <a:rPr lang="x-none" smtClean="0"/>
-              <a:t>Click to edit Master text styles</a:t>
-            </a:r>
-          </a:p>
-          <a:p>
-            <a:pPr lvl="1"/>
-            <a:r>
-              <a:rPr lang="x-none" smtClean="0"/>
-              <a:t>Second level</a:t>
-            </a:r>
-          </a:p>
-          <a:p>
-            <a:pPr lvl="2"/>
-            <a:r>
-              <a:rPr lang="x-none" smtClean="0"/>
-              <a:t>Third level</a:t>
-            </a:r>
-          </a:p>
-          <a:p>
-            <a:pPr lvl="3"/>
-            <a:r>
-              <a:rPr lang="x-none" smtClean="0"/>
-              <a:t>Fourth level</a:t>
-            </a:r>
-          </a:p>
-          <a:p>
-            <a:pPr lvl="4"/>
-            <a:r>
-              <a:rPr lang="x-none" smtClean="0"/>
-              <a:t>Fifth level</a:t>
-            </a:r>
-            <a:endParaRPr lang="en-US"/>
-          </a:p>
-        </p:txBody>
-      </p:sp>
-      <p:sp>
-        <p:nvSpPr>
-          <p:cNvPr id="7" name="Date Placeholder 6"/>
-          <p:cNvSpPr>
-            <a:spLocks noGrp="1"/>
-          </p:cNvSpPr>
-          <p:nvPr>
-            <p:ph type="dt" sz="half" idx="10"/>
-          </p:nvPr>
-        </p:nvSpPr>
-        <p:spPr/>
-        <p:txBody>
-          <a:bodyPr/>
-          <a:lstStyle/>
-          <a:p>
-            <a:fld id="{16DE1CF3-1110-D54A-B496-DBD515E8BC9A}" type="datetimeFigureOut">
-              <a:rPr lang="en-US" smtClean="0"/>
-              <a:t>5/2/2017</a:t>
-            </a:fld>
-            <a:endParaRPr lang="en-US"/>
-          </a:p>
-        </p:txBody>
-      </p:sp>
-      <p:sp>
-        <p:nvSpPr>
-          <p:cNvPr id="8" name="Footer Placeholder 7"/>
-          <p:cNvSpPr>
-            <a:spLocks noGrp="1"/>
-          </p:cNvSpPr>
-          <p:nvPr>
-            <p:ph type="ftr" sz="quarter" idx="11"/>
-          </p:nvPr>
-        </p:nvSpPr>
-        <p:spPr/>
-        <p:txBody>
-          <a:bodyPr/>
-          <a:lstStyle/>
-          <a:p>
-            <a:endParaRPr lang="en-US"/>
-          </a:p>
-        </p:txBody>
-      </p:sp>
-      <p:sp>
-        <p:nvSpPr>
-          <p:cNvPr id="9" name="Slide Number Placeholder 8"/>
-          <p:cNvSpPr>
-            <a:spLocks noGrp="1"/>
-          </p:cNvSpPr>
-          <p:nvPr>
-            <p:ph type="sldNum" sz="quarter" idx="12"/>
-          </p:nvPr>
-        </p:nvSpPr>
-        <p:spPr/>
-        <p:txBody>
-          <a:bodyPr/>
-          <a:lstStyle/>
-          <a:p>
-            <a:fld id="{954523AE-48BF-CF44-937E-54C851136229}" type="slidenum">
-              <a:rPr lang="en-US" smtClean="0"/>
-              <a:t>‹#›</a:t>
-            </a:fld>
-            <a:endParaRPr lang="en-US"/>
-          </a:p>
-        </p:txBody>
-      </p:sp>
-    </p:spTree>
-    <p:extLst>
-      <p:ext uri="{BB962C8B-B14F-4D97-AF65-F5344CB8AC3E}">
-        <p14:creationId xmlns:p14="http://schemas.microsoft.com/office/powerpoint/2010/main" val="1770074525"/>
       </p:ext>
     </p:extLst>
   </p:cSld>
@@ -3838,7 +1627,7 @@
           <a:lstStyle/>
           <a:p>
             <a:r>
-              <a:rPr lang="x-none" smtClean="0"/>
+              <a:rPr lang="en-US" smtClean="0"/>
               <a:t>Click to edit Master title style</a:t>
             </a:r>
             <a:endParaRPr lang="en-US"/>
@@ -3847,73 +1636,116 @@
       </p:sp>
       <p:sp>
         <p:nvSpPr>
-          <p:cNvPr id="3" name="Date Placeholder 2"/>
+          <p:cNvPr id="3" name="Rectangle 6"/>
           <p:cNvSpPr>
-            <a:spLocks noGrp="1"/>
+            <a:spLocks noGrp="1" noChangeArrowheads="1"/>
           </p:cNvSpPr>
           <p:nvPr>
-            <p:ph type="dt" sz="half" idx="10"/>
+            <p:ph type="ftr" sz="quarter" idx="10"/>
           </p:nvPr>
         </p:nvSpPr>
-        <p:spPr/>
+        <p:spPr>
+          <a:ln/>
+        </p:spPr>
         <p:txBody>
           <a:bodyPr/>
-          <a:lstStyle/>
-          <a:p>
-            <a:fld id="{16DE1CF3-1110-D54A-B496-DBD515E8BC9A}" type="datetimeFigureOut">
-              <a:rPr lang="en-US" smtClean="0"/>
-              <a:t>5/2/2017</a:t>
-            </a:fld>
-            <a:endParaRPr lang="en-US"/>
-          </a:p>
-        </p:txBody>
-      </p:sp>
-      <p:sp>
-        <p:nvSpPr>
-          <p:cNvPr id="4" name="Footer Placeholder 3"/>
+          <a:lstStyle>
+            <a:lvl1pPr>
+              <a:defRPr/>
+            </a:lvl1pPr>
+          </a:lstStyle>
+          <a:p>
+            <a:pPr>
+              <a:defRPr/>
+            </a:pPr>
+            <a:endParaRPr lang="en-US">
+              <a:solidFill>
+                <a:srgbClr val="101073"/>
+              </a:solidFill>
+            </a:endParaRPr>
+          </a:p>
+        </p:txBody>
+      </p:sp>
+      <p:sp>
+        <p:nvSpPr>
+          <p:cNvPr id="4" name="Rectangle 7"/>
           <p:cNvSpPr>
-            <a:spLocks noGrp="1"/>
+            <a:spLocks noGrp="1" noChangeArrowheads="1"/>
           </p:cNvSpPr>
           <p:nvPr>
-            <p:ph type="ftr" sz="quarter" idx="11"/>
+            <p:ph type="sldNum" sz="quarter" idx="11"/>
           </p:nvPr>
         </p:nvSpPr>
-        <p:spPr/>
+        <p:spPr>
+          <a:ln/>
+        </p:spPr>
         <p:txBody>
           <a:bodyPr/>
-          <a:lstStyle/>
-          <a:p>
-            <a:endParaRPr lang="en-US"/>
-          </a:p>
-        </p:txBody>
-      </p:sp>
-      <p:sp>
-        <p:nvSpPr>
-          <p:cNvPr id="5" name="Slide Number Placeholder 4"/>
+          <a:lstStyle>
+            <a:lvl1pPr>
+              <a:defRPr/>
+            </a:lvl1pPr>
+          </a:lstStyle>
+          <a:p>
+            <a:fld id="{9CC4C680-0440-4148-BB30-B74FB9BD0592}" type="slidenum">
+              <a:rPr lang="en-US" altLang="en-US">
+                <a:solidFill>
+                  <a:srgbClr val="D6004A"/>
+                </a:solidFill>
+              </a:rPr>
+              <a:pPr/>
+              <a:t>‹#›</a:t>
+            </a:fld>
+            <a:endParaRPr lang="en-US" altLang="en-US">
+              <a:solidFill>
+                <a:srgbClr val="D6004A"/>
+              </a:solidFill>
+            </a:endParaRPr>
+          </a:p>
+        </p:txBody>
+      </p:sp>
+      <p:sp>
+        <p:nvSpPr>
+          <p:cNvPr id="5" name="Rectangle 13"/>
           <p:cNvSpPr>
-            <a:spLocks noGrp="1"/>
+            <a:spLocks noGrp="1" noChangeArrowheads="1"/>
           </p:cNvSpPr>
           <p:nvPr>
-            <p:ph type="sldNum" sz="quarter" idx="12"/>
+            <p:ph type="dt" sz="half" idx="12"/>
           </p:nvPr>
         </p:nvSpPr>
-        <p:spPr/>
+        <p:spPr>
+          <a:ln/>
+        </p:spPr>
         <p:txBody>
           <a:bodyPr/>
-          <a:lstStyle/>
-          <a:p>
-            <a:fld id="{954523AE-48BF-CF44-937E-54C851136229}" type="slidenum">
-              <a:rPr lang="en-US" smtClean="0"/>
-              <a:t>‹#›</a:t>
+          <a:lstStyle>
+            <a:lvl1pPr>
+              <a:defRPr/>
+            </a:lvl1pPr>
+          </a:lstStyle>
+          <a:p>
+            <a:fld id="{F4598FC0-D0A3-4F6B-B4AC-AC1E52587FFA}" type="datetimeFigureOut">
+              <a:rPr lang="en-US" altLang="en-US">
+                <a:solidFill>
+                  <a:srgbClr val="D6004A"/>
+                </a:solidFill>
+              </a:rPr>
+              <a:pPr/>
+              <a:t>6/2/2017</a:t>
             </a:fld>
-            <a:endParaRPr lang="en-US"/>
+            <a:endParaRPr lang="en-US" altLang="en-US">
+              <a:solidFill>
+                <a:srgbClr val="D6004A"/>
+              </a:solidFill>
+            </a:endParaRPr>
           </a:p>
         </p:txBody>
       </p:sp>
     </p:spTree>
     <p:extLst>
       <p:ext uri="{BB962C8B-B14F-4D97-AF65-F5344CB8AC3E}">
-        <p14:creationId xmlns:p14="http://schemas.microsoft.com/office/powerpoint/2010/main" val="2794921145"/>
+        <p14:creationId xmlns:p14="http://schemas.microsoft.com/office/powerpoint/2010/main" val="1315578207"/>
       </p:ext>
     </p:extLst>
   </p:cSld>
@@ -3942,73 +1774,116 @@
       </p:grpSpPr>
       <p:sp>
         <p:nvSpPr>
-          <p:cNvPr id="2" name="Date Placeholder 1"/>
+          <p:cNvPr id="2" name="Rectangle 6"/>
           <p:cNvSpPr>
-            <a:spLocks noGrp="1"/>
+            <a:spLocks noGrp="1" noChangeArrowheads="1"/>
           </p:cNvSpPr>
           <p:nvPr>
-            <p:ph type="dt" sz="half" idx="10"/>
+            <p:ph type="ftr" sz="quarter" idx="10"/>
           </p:nvPr>
         </p:nvSpPr>
-        <p:spPr/>
+        <p:spPr>
+          <a:ln/>
+        </p:spPr>
         <p:txBody>
           <a:bodyPr/>
-          <a:lstStyle/>
-          <a:p>
-            <a:fld id="{16DE1CF3-1110-D54A-B496-DBD515E8BC9A}" type="datetimeFigureOut">
-              <a:rPr lang="en-US" smtClean="0"/>
-              <a:t>5/2/2017</a:t>
-            </a:fld>
-            <a:endParaRPr lang="en-US"/>
-          </a:p>
-        </p:txBody>
-      </p:sp>
-      <p:sp>
-        <p:nvSpPr>
-          <p:cNvPr id="3" name="Footer Placeholder 2"/>
+          <a:lstStyle>
+            <a:lvl1pPr>
+              <a:defRPr/>
+            </a:lvl1pPr>
+          </a:lstStyle>
+          <a:p>
+            <a:pPr>
+              <a:defRPr/>
+            </a:pPr>
+            <a:endParaRPr lang="en-US">
+              <a:solidFill>
+                <a:srgbClr val="101073"/>
+              </a:solidFill>
+            </a:endParaRPr>
+          </a:p>
+        </p:txBody>
+      </p:sp>
+      <p:sp>
+        <p:nvSpPr>
+          <p:cNvPr id="3" name="Rectangle 7"/>
           <p:cNvSpPr>
-            <a:spLocks noGrp="1"/>
+            <a:spLocks noGrp="1" noChangeArrowheads="1"/>
           </p:cNvSpPr>
           <p:nvPr>
-            <p:ph type="ftr" sz="quarter" idx="11"/>
+            <p:ph type="sldNum" sz="quarter" idx="11"/>
           </p:nvPr>
         </p:nvSpPr>
-        <p:spPr/>
+        <p:spPr>
+          <a:ln/>
+        </p:spPr>
         <p:txBody>
           <a:bodyPr/>
-          <a:lstStyle/>
-          <a:p>
-            <a:endParaRPr lang="en-US"/>
-          </a:p>
-        </p:txBody>
-      </p:sp>
-      <p:sp>
-        <p:nvSpPr>
-          <p:cNvPr id="4" name="Slide Number Placeholder 3"/>
+          <a:lstStyle>
+            <a:lvl1pPr>
+              <a:defRPr/>
+            </a:lvl1pPr>
+          </a:lstStyle>
+          <a:p>
+            <a:fld id="{16B960EB-B150-4181-A538-00895C7ABDAD}" type="slidenum">
+              <a:rPr lang="en-US" altLang="en-US">
+                <a:solidFill>
+                  <a:srgbClr val="D6004A"/>
+                </a:solidFill>
+              </a:rPr>
+              <a:pPr/>
+              <a:t>‹#›</a:t>
+            </a:fld>
+            <a:endParaRPr lang="en-US" altLang="en-US">
+              <a:solidFill>
+                <a:srgbClr val="D6004A"/>
+              </a:solidFill>
+            </a:endParaRPr>
+          </a:p>
+        </p:txBody>
+      </p:sp>
+      <p:sp>
+        <p:nvSpPr>
+          <p:cNvPr id="4" name="Rectangle 13"/>
           <p:cNvSpPr>
-            <a:spLocks noGrp="1"/>
+            <a:spLocks noGrp="1" noChangeArrowheads="1"/>
           </p:cNvSpPr>
           <p:nvPr>
-            <p:ph type="sldNum" sz="quarter" idx="12"/>
+            <p:ph type="dt" sz="half" idx="12"/>
           </p:nvPr>
         </p:nvSpPr>
-        <p:spPr/>
+        <p:spPr>
+          <a:ln/>
+        </p:spPr>
         <p:txBody>
           <a:bodyPr/>
-          <a:lstStyle/>
-          <a:p>
-            <a:fld id="{954523AE-48BF-CF44-937E-54C851136229}" type="slidenum">
-              <a:rPr lang="en-US" smtClean="0"/>
-              <a:t>‹#›</a:t>
+          <a:lstStyle>
+            <a:lvl1pPr>
+              <a:defRPr/>
+            </a:lvl1pPr>
+          </a:lstStyle>
+          <a:p>
+            <a:fld id="{5D61F29C-5060-4E24-9DE2-CD67277C3F50}" type="datetimeFigureOut">
+              <a:rPr lang="en-US" altLang="en-US">
+                <a:solidFill>
+                  <a:srgbClr val="D6004A"/>
+                </a:solidFill>
+              </a:rPr>
+              <a:pPr/>
+              <a:t>6/2/2017</a:t>
             </a:fld>
-            <a:endParaRPr lang="en-US"/>
+            <a:endParaRPr lang="en-US" altLang="en-US">
+              <a:solidFill>
+                <a:srgbClr val="D6004A"/>
+              </a:solidFill>
+            </a:endParaRPr>
           </a:p>
         </p:txBody>
       </p:sp>
     </p:spTree>
     <p:extLst>
       <p:ext uri="{BB962C8B-B14F-4D97-AF65-F5344CB8AC3E}">
-        <p14:creationId xmlns:p14="http://schemas.microsoft.com/office/powerpoint/2010/main" val="2250557285"/>
+        <p14:creationId xmlns:p14="http://schemas.microsoft.com/office/powerpoint/2010/main" val="3742011368"/>
       </p:ext>
     </p:extLst>
   </p:cSld>
@@ -4019,8 +1894,8 @@
 </file>
 
 <file path=ppt/slideLayouts/slideLayout8.xml><?xml version="1.0" encoding="utf-8"?>
-<p:sldLayout xmlns:a="http://schemas.openxmlformats.org/drawingml/2006/main" xmlns:r="http://schemas.openxmlformats.org/officeDocument/2006/relationships" xmlns:p="http://schemas.openxmlformats.org/presentationml/2006/main" type="objTx" preserve="1">
-  <p:cSld name="Content with Caption">
+<p:sldLayout xmlns:a="http://schemas.openxmlformats.org/drawingml/2006/main" xmlns:r="http://schemas.openxmlformats.org/officeDocument/2006/relationships" xmlns:p="http://schemas.openxmlformats.org/presentationml/2006/main" type="dgm">
+  <p:cSld name="Title and Diagram or Organization Chart">
     <p:spTree>
       <p:nvGrpSpPr>
         <p:cNvPr id="1" name=""/>
@@ -4047,20 +1922,16 @@
         </p:nvSpPr>
         <p:spPr>
           <a:xfrm>
-            <a:off x="457200" y="273050"/>
-            <a:ext cx="3008313" cy="1162050"/>
+            <a:off x="609600" y="381000"/>
+            <a:ext cx="8424863" cy="641350"/>
           </a:xfrm>
         </p:spPr>
         <p:txBody>
-          <a:bodyPr anchor="b"/>
-          <a:lstStyle>
-            <a:lvl1pPr algn="l">
-              <a:defRPr sz="2000" b="1"/>
-            </a:lvl1pPr>
-          </a:lstStyle>
-          <a:p>
-            <a:r>
-              <a:rPr lang="x-none" smtClean="0"/>
+          <a:bodyPr/>
+          <a:lstStyle/>
+          <a:p>
+            <a:r>
+              <a:rPr lang="en-US" smtClean="0"/>
               <a:t>Click to edit Master title style</a:t>
             </a:r>
             <a:endParaRPr lang="en-US"/>
@@ -4069,151 +1940,61 @@
       </p:sp>
       <p:sp>
         <p:nvSpPr>
-          <p:cNvPr id="3" name="Content Placeholder 2"/>
+          <p:cNvPr id="3" name="SmartArt Placeholder 2"/>
           <p:cNvSpPr>
             <a:spLocks noGrp="1"/>
           </p:cNvSpPr>
           <p:nvPr>
-            <p:ph idx="1"/>
+            <p:ph type="dgm" idx="1"/>
           </p:nvPr>
         </p:nvSpPr>
         <p:spPr>
           <a:xfrm>
-            <a:off x="3575050" y="273050"/>
-            <a:ext cx="5111750" cy="5853113"/>
+            <a:off x="611188" y="1306513"/>
+            <a:ext cx="8410575" cy="4799012"/>
           </a:xfrm>
         </p:spPr>
         <p:txBody>
           <a:bodyPr/>
-          <a:lstStyle>
-            <a:lvl1pPr>
-              <a:defRPr sz="3200"/>
-            </a:lvl1pPr>
-            <a:lvl2pPr>
-              <a:defRPr sz="2800"/>
-            </a:lvl2pPr>
-            <a:lvl3pPr>
-              <a:defRPr sz="2400"/>
-            </a:lvl3pPr>
-            <a:lvl4pPr>
-              <a:defRPr sz="2000"/>
-            </a:lvl4pPr>
-            <a:lvl5pPr>
-              <a:defRPr sz="2000"/>
-            </a:lvl5pPr>
-            <a:lvl6pPr>
-              <a:defRPr sz="2000"/>
-            </a:lvl6pPr>
-            <a:lvl7pPr>
-              <a:defRPr sz="2000"/>
-            </a:lvl7pPr>
-            <a:lvl8pPr>
-              <a:defRPr sz="2000"/>
-            </a:lvl8pPr>
-            <a:lvl9pPr>
-              <a:defRPr sz="2000"/>
-            </a:lvl9pPr>
-          </a:lstStyle>
+          <a:lstStyle/>
           <a:p>
             <a:pPr lvl="0"/>
-            <a:r>
-              <a:rPr lang="x-none" smtClean="0"/>
-              <a:t>Click to edit Master text styles</a:t>
-            </a:r>
-          </a:p>
-          <a:p>
-            <a:pPr lvl="1"/>
-            <a:r>
-              <a:rPr lang="x-none" smtClean="0"/>
-              <a:t>Second level</a:t>
-            </a:r>
-          </a:p>
-          <a:p>
-            <a:pPr lvl="2"/>
-            <a:r>
-              <a:rPr lang="x-none" smtClean="0"/>
-              <a:t>Third level</a:t>
-            </a:r>
-          </a:p>
-          <a:p>
-            <a:pPr lvl="3"/>
-            <a:r>
-              <a:rPr lang="x-none" smtClean="0"/>
-              <a:t>Fourth level</a:t>
-            </a:r>
-          </a:p>
-          <a:p>
-            <a:pPr lvl="4"/>
-            <a:r>
-              <a:rPr lang="x-none" smtClean="0"/>
-              <a:t>Fifth level</a:t>
-            </a:r>
-            <a:endParaRPr lang="en-US"/>
-          </a:p>
-        </p:txBody>
-      </p:sp>
-      <p:sp>
-        <p:nvSpPr>
-          <p:cNvPr id="4" name="Text Placeholder 3"/>
+            <a:endParaRPr lang="en-US" noProof="0"/>
+          </a:p>
+        </p:txBody>
+      </p:sp>
+      <p:sp>
+        <p:nvSpPr>
+          <p:cNvPr id="4" name="Footer Placeholder 3"/>
           <p:cNvSpPr>
             <a:spLocks noGrp="1"/>
           </p:cNvSpPr>
           <p:nvPr>
-            <p:ph type="body" sz="half" idx="2"/>
+            <p:ph type="ftr" sz="quarter" idx="10"/>
           </p:nvPr>
         </p:nvSpPr>
         <p:spPr>
           <a:xfrm>
-            <a:off x="457200" y="1435100"/>
-            <a:ext cx="3008313" cy="4691063"/>
+            <a:off x="2244725" y="6276975"/>
+            <a:ext cx="4913313" cy="457200"/>
           </a:xfrm>
         </p:spPr>
         <p:txBody>
           <a:bodyPr/>
           <a:lstStyle>
-            <a:lvl1pPr marL="0" indent="0">
-              <a:buNone/>
-              <a:defRPr sz="1400"/>
+            <a:lvl1pPr>
+              <a:defRPr/>
             </a:lvl1pPr>
-            <a:lvl2pPr marL="457200" indent="0">
-              <a:buNone/>
-              <a:defRPr sz="1200"/>
-            </a:lvl2pPr>
-            <a:lvl3pPr marL="914400" indent="0">
-              <a:buNone/>
-              <a:defRPr sz="1000"/>
-            </a:lvl3pPr>
-            <a:lvl4pPr marL="1371600" indent="0">
-              <a:buNone/>
-              <a:defRPr sz="900"/>
-            </a:lvl4pPr>
-            <a:lvl5pPr marL="1828800" indent="0">
-              <a:buNone/>
-              <a:defRPr sz="900"/>
-            </a:lvl5pPr>
-            <a:lvl6pPr marL="2286000" indent="0">
-              <a:buNone/>
-              <a:defRPr sz="900"/>
-            </a:lvl6pPr>
-            <a:lvl7pPr marL="2743200" indent="0">
-              <a:buNone/>
-              <a:defRPr sz="900"/>
-            </a:lvl7pPr>
-            <a:lvl8pPr marL="3200400" indent="0">
-              <a:buNone/>
-              <a:defRPr sz="900"/>
-            </a:lvl8pPr>
-            <a:lvl9pPr marL="3657600" indent="0">
-              <a:buNone/>
-              <a:defRPr sz="900"/>
-            </a:lvl9pPr>
           </a:lstStyle>
           <a:p>
-            <a:pPr lvl="0"/>
-            <a:r>
-              <a:rPr lang="x-none" smtClean="0"/>
-              <a:t>Click to edit Master text styles</a:t>
-            </a:r>
+            <a:pPr>
+              <a:defRPr/>
+            </a:pPr>
+            <a:endParaRPr lang="en-US">
+              <a:solidFill>
+                <a:srgbClr val="101073"/>
+              </a:solidFill>
+            </a:endParaRPr>
           </a:p>
         </p:txBody>
       </p:sp>
@@ -4224,44 +2005,43 @@
             <a:spLocks noGrp="1"/>
           </p:cNvSpPr>
           <p:nvPr>
-            <p:ph type="dt" sz="half" idx="10"/>
+            <p:ph type="dt" sz="half" idx="11"/>
           </p:nvPr>
         </p:nvSpPr>
-        <p:spPr/>
+        <p:spPr>
+          <a:xfrm>
+            <a:off x="195263" y="6286500"/>
+            <a:ext cx="1254125" cy="457200"/>
+          </a:xfrm>
+        </p:spPr>
         <p:txBody>
           <a:bodyPr/>
-          <a:lstStyle/>
-          <a:p>
-            <a:fld id="{16DE1CF3-1110-D54A-B496-DBD515E8BC9A}" type="datetimeFigureOut">
-              <a:rPr lang="en-US" smtClean="0"/>
-              <a:t>5/2/2017</a:t>
+          <a:lstStyle>
+            <a:lvl1pPr>
+              <a:defRPr/>
+            </a:lvl1pPr>
+          </a:lstStyle>
+          <a:p>
+            <a:fld id="{47ED61AC-859B-4724-A3FF-E6637FEAF6AE}" type="datetime1">
+              <a:rPr lang="en-US" altLang="en-US">
+                <a:solidFill>
+                  <a:srgbClr val="D6004A"/>
+                </a:solidFill>
+              </a:rPr>
+              <a:pPr/>
+              <a:t>6/2/2017</a:t>
             </a:fld>
-            <a:endParaRPr lang="en-US"/>
-          </a:p>
-        </p:txBody>
-      </p:sp>
-      <p:sp>
-        <p:nvSpPr>
-          <p:cNvPr id="6" name="Footer Placeholder 5"/>
-          <p:cNvSpPr>
-            <a:spLocks noGrp="1"/>
-          </p:cNvSpPr>
-          <p:nvPr>
-            <p:ph type="ftr" sz="quarter" idx="11"/>
-          </p:nvPr>
-        </p:nvSpPr>
-        <p:spPr/>
-        <p:txBody>
-          <a:bodyPr/>
-          <a:lstStyle/>
-          <a:p>
-            <a:endParaRPr lang="en-US"/>
-          </a:p>
-        </p:txBody>
-      </p:sp>
-      <p:sp>
-        <p:nvSpPr>
-          <p:cNvPr id="7" name="Slide Number Placeholder 6"/>
+            <a:endParaRPr lang="en-US" altLang="en-US">
+              <a:solidFill>
+                <a:srgbClr val="D6004A"/>
+              </a:solidFill>
+            </a:endParaRPr>
+          </a:p>
+        </p:txBody>
+      </p:sp>
+      <p:sp>
+        <p:nvSpPr>
+          <p:cNvPr id="6" name="Slide Number Placeholder 5"/>
           <p:cNvSpPr>
             <a:spLocks noGrp="1"/>
           </p:cNvSpPr>
@@ -4269,276 +2049,41 @@
             <p:ph type="sldNum" sz="quarter" idx="12"/>
           </p:nvPr>
         </p:nvSpPr>
-        <p:spPr/>
+        <p:spPr>
+          <a:xfrm>
+            <a:off x="8385175" y="6286500"/>
+            <a:ext cx="611188" cy="457200"/>
+          </a:xfrm>
+        </p:spPr>
         <p:txBody>
           <a:bodyPr/>
-          <a:lstStyle/>
-          <a:p>
-            <a:fld id="{954523AE-48BF-CF44-937E-54C851136229}" type="slidenum">
-              <a:rPr lang="en-US" smtClean="0"/>
+          <a:lstStyle>
+            <a:lvl1pPr>
+              <a:defRPr/>
+            </a:lvl1pPr>
+          </a:lstStyle>
+          <a:p>
+            <a:fld id="{F9405728-62B4-48C9-8D01-B0796C8616EB}" type="slidenum">
+              <a:rPr lang="en-US" altLang="en-US">
+                <a:solidFill>
+                  <a:srgbClr val="D6004A"/>
+                </a:solidFill>
+              </a:rPr>
+              <a:pPr/>
               <a:t>‹#›</a:t>
             </a:fld>
-            <a:endParaRPr lang="en-US"/>
+            <a:endParaRPr lang="en-US" altLang="en-US">
+              <a:solidFill>
+                <a:srgbClr val="D6004A"/>
+              </a:solidFill>
+            </a:endParaRPr>
           </a:p>
         </p:txBody>
       </p:sp>
     </p:spTree>
     <p:extLst>
       <p:ext uri="{BB962C8B-B14F-4D97-AF65-F5344CB8AC3E}">
-        <p14:creationId xmlns:p14="http://schemas.microsoft.com/office/powerpoint/2010/main" val="2299148581"/>
-      </p:ext>
-    </p:extLst>
-  </p:cSld>
-  <p:clrMapOvr>
-    <a:masterClrMapping/>
-  </p:clrMapOvr>
-</p:sldLayout>
-</file>
-
-<file path=ppt/slideLayouts/slideLayout9.xml><?xml version="1.0" encoding="utf-8"?>
-<p:sldLayout xmlns:a="http://schemas.openxmlformats.org/drawingml/2006/main" xmlns:r="http://schemas.openxmlformats.org/officeDocument/2006/relationships" xmlns:p="http://schemas.openxmlformats.org/presentationml/2006/main" type="picTx" preserve="1">
-  <p:cSld name="Picture with Caption">
-    <p:spTree>
-      <p:nvGrpSpPr>
-        <p:cNvPr id="1" name=""/>
-        <p:cNvGrpSpPr/>
-        <p:nvPr/>
-      </p:nvGrpSpPr>
-      <p:grpSpPr>
-        <a:xfrm>
-          <a:off x="0" y="0"/>
-          <a:ext cx="0" cy="0"/>
-          <a:chOff x="0" y="0"/>
-          <a:chExt cx="0" cy="0"/>
-        </a:xfrm>
-      </p:grpSpPr>
-      <p:sp>
-        <p:nvSpPr>
-          <p:cNvPr id="2" name="Title 1"/>
-          <p:cNvSpPr>
-            <a:spLocks noGrp="1"/>
-          </p:cNvSpPr>
-          <p:nvPr>
-            <p:ph type="title"/>
-          </p:nvPr>
-        </p:nvSpPr>
-        <p:spPr>
-          <a:xfrm>
-            <a:off x="1792288" y="4800600"/>
-            <a:ext cx="5486400" cy="566738"/>
-          </a:xfrm>
-        </p:spPr>
-        <p:txBody>
-          <a:bodyPr anchor="b"/>
-          <a:lstStyle>
-            <a:lvl1pPr algn="l">
-              <a:defRPr sz="2000" b="1"/>
-            </a:lvl1pPr>
-          </a:lstStyle>
-          <a:p>
-            <a:r>
-              <a:rPr lang="x-none" smtClean="0"/>
-              <a:t>Click to edit Master title style</a:t>
-            </a:r>
-            <a:endParaRPr lang="en-US"/>
-          </a:p>
-        </p:txBody>
-      </p:sp>
-      <p:sp>
-        <p:nvSpPr>
-          <p:cNvPr id="3" name="Picture Placeholder 2"/>
-          <p:cNvSpPr>
-            <a:spLocks noGrp="1"/>
-          </p:cNvSpPr>
-          <p:nvPr>
-            <p:ph type="pic" idx="1"/>
-          </p:nvPr>
-        </p:nvSpPr>
-        <p:spPr>
-          <a:xfrm>
-            <a:off x="1792288" y="612775"/>
-            <a:ext cx="5486400" cy="4114800"/>
-          </a:xfrm>
-        </p:spPr>
-        <p:txBody>
-          <a:bodyPr/>
-          <a:lstStyle>
-            <a:lvl1pPr marL="0" indent="0">
-              <a:buNone/>
-              <a:defRPr sz="3200"/>
-            </a:lvl1pPr>
-            <a:lvl2pPr marL="457200" indent="0">
-              <a:buNone/>
-              <a:defRPr sz="2800"/>
-            </a:lvl2pPr>
-            <a:lvl3pPr marL="914400" indent="0">
-              <a:buNone/>
-              <a:defRPr sz="2400"/>
-            </a:lvl3pPr>
-            <a:lvl4pPr marL="1371600" indent="0">
-              <a:buNone/>
-              <a:defRPr sz="2000"/>
-            </a:lvl4pPr>
-            <a:lvl5pPr marL="1828800" indent="0">
-              <a:buNone/>
-              <a:defRPr sz="2000"/>
-            </a:lvl5pPr>
-            <a:lvl6pPr marL="2286000" indent="0">
-              <a:buNone/>
-              <a:defRPr sz="2000"/>
-            </a:lvl6pPr>
-            <a:lvl7pPr marL="2743200" indent="0">
-              <a:buNone/>
-              <a:defRPr sz="2000"/>
-            </a:lvl7pPr>
-            <a:lvl8pPr marL="3200400" indent="0">
-              <a:buNone/>
-              <a:defRPr sz="2000"/>
-            </a:lvl8pPr>
-            <a:lvl9pPr marL="3657600" indent="0">
-              <a:buNone/>
-              <a:defRPr sz="2000"/>
-            </a:lvl9pPr>
-          </a:lstStyle>
-          <a:p>
-            <a:endParaRPr lang="en-US"/>
-          </a:p>
-        </p:txBody>
-      </p:sp>
-      <p:sp>
-        <p:nvSpPr>
-          <p:cNvPr id="4" name="Text Placeholder 3"/>
-          <p:cNvSpPr>
-            <a:spLocks noGrp="1"/>
-          </p:cNvSpPr>
-          <p:nvPr>
-            <p:ph type="body" sz="half" idx="2"/>
-          </p:nvPr>
-        </p:nvSpPr>
-        <p:spPr>
-          <a:xfrm>
-            <a:off x="1792288" y="5367338"/>
-            <a:ext cx="5486400" cy="804862"/>
-          </a:xfrm>
-        </p:spPr>
-        <p:txBody>
-          <a:bodyPr/>
-          <a:lstStyle>
-            <a:lvl1pPr marL="0" indent="0">
-              <a:buNone/>
-              <a:defRPr sz="1400"/>
-            </a:lvl1pPr>
-            <a:lvl2pPr marL="457200" indent="0">
-              <a:buNone/>
-              <a:defRPr sz="1200"/>
-            </a:lvl2pPr>
-            <a:lvl3pPr marL="914400" indent="0">
-              <a:buNone/>
-              <a:defRPr sz="1000"/>
-            </a:lvl3pPr>
-            <a:lvl4pPr marL="1371600" indent="0">
-              <a:buNone/>
-              <a:defRPr sz="900"/>
-            </a:lvl4pPr>
-            <a:lvl5pPr marL="1828800" indent="0">
-              <a:buNone/>
-              <a:defRPr sz="900"/>
-            </a:lvl5pPr>
-            <a:lvl6pPr marL="2286000" indent="0">
-              <a:buNone/>
-              <a:defRPr sz="900"/>
-            </a:lvl6pPr>
-            <a:lvl7pPr marL="2743200" indent="0">
-              <a:buNone/>
-              <a:defRPr sz="900"/>
-            </a:lvl7pPr>
-            <a:lvl8pPr marL="3200400" indent="0">
-              <a:buNone/>
-              <a:defRPr sz="900"/>
-            </a:lvl8pPr>
-            <a:lvl9pPr marL="3657600" indent="0">
-              <a:buNone/>
-              <a:defRPr sz="900"/>
-            </a:lvl9pPr>
-          </a:lstStyle>
-          <a:p>
-            <a:pPr lvl="0"/>
-            <a:r>
-              <a:rPr lang="x-none" smtClean="0"/>
-              <a:t>Click to edit Master text styles</a:t>
-            </a:r>
-          </a:p>
-        </p:txBody>
-      </p:sp>
-      <p:sp>
-        <p:nvSpPr>
-          <p:cNvPr id="5" name="Date Placeholder 4"/>
-          <p:cNvSpPr>
-            <a:spLocks noGrp="1"/>
-          </p:cNvSpPr>
-          <p:nvPr>
-            <p:ph type="dt" sz="half" idx="10"/>
-          </p:nvPr>
-        </p:nvSpPr>
-        <p:spPr/>
-        <p:txBody>
-          <a:bodyPr/>
-          <a:lstStyle/>
-          <a:p>
-            <a:fld id="{16DE1CF3-1110-D54A-B496-DBD515E8BC9A}" type="datetimeFigureOut">
-              <a:rPr lang="en-US" smtClean="0"/>
-              <a:t>5/2/2017</a:t>
-            </a:fld>
-            <a:endParaRPr lang="en-US"/>
-          </a:p>
-        </p:txBody>
-      </p:sp>
-      <p:sp>
-        <p:nvSpPr>
-          <p:cNvPr id="6" name="Footer Placeholder 5"/>
-          <p:cNvSpPr>
-            <a:spLocks noGrp="1"/>
-          </p:cNvSpPr>
-          <p:nvPr>
-            <p:ph type="ftr" sz="quarter" idx="11"/>
-          </p:nvPr>
-        </p:nvSpPr>
-        <p:spPr/>
-        <p:txBody>
-          <a:bodyPr/>
-          <a:lstStyle/>
-          <a:p>
-            <a:endParaRPr lang="en-US"/>
-          </a:p>
-        </p:txBody>
-      </p:sp>
-      <p:sp>
-        <p:nvSpPr>
-          <p:cNvPr id="7" name="Slide Number Placeholder 6"/>
-          <p:cNvSpPr>
-            <a:spLocks noGrp="1"/>
-          </p:cNvSpPr>
-          <p:nvPr>
-            <p:ph type="sldNum" sz="quarter" idx="12"/>
-          </p:nvPr>
-        </p:nvSpPr>
-        <p:spPr/>
-        <p:txBody>
-          <a:bodyPr/>
-          <a:lstStyle/>
-          <a:p>
-            <a:fld id="{954523AE-48BF-CF44-937E-54C851136229}" type="slidenum">
-              <a:rPr lang="en-US" smtClean="0"/>
-              <a:t>‹#›</a:t>
-            </a:fld>
-            <a:endParaRPr lang="en-US"/>
-          </a:p>
-        </p:txBody>
-      </p:sp>
-    </p:spTree>
-    <p:extLst>
-      <p:ext uri="{BB962C8B-B14F-4D97-AF65-F5344CB8AC3E}">
-        <p14:creationId xmlns:p14="http://schemas.microsoft.com/office/powerpoint/2010/main" val="1753605292"/>
+        <p14:creationId xmlns:p14="http://schemas.microsoft.com/office/powerpoint/2010/main" val="3240982411"/>
       </p:ext>
     </p:extLst>
   </p:cSld>
@@ -4549,516 +2094,6 @@
 </file>
 
 <file path=ppt/slideMasters/slideMaster1.xml><?xml version="1.0" encoding="utf-8"?>
-<p:sldMaster xmlns:a="http://schemas.openxmlformats.org/drawingml/2006/main" xmlns:r="http://schemas.openxmlformats.org/officeDocument/2006/relationships" xmlns:p="http://schemas.openxmlformats.org/presentationml/2006/main">
-  <p:cSld>
-    <p:bg>
-      <p:bgRef idx="1001">
-        <a:schemeClr val="bg1"/>
-      </p:bgRef>
-    </p:bg>
-    <p:spTree>
-      <p:nvGrpSpPr>
-        <p:cNvPr id="1" name=""/>
-        <p:cNvGrpSpPr/>
-        <p:nvPr/>
-      </p:nvGrpSpPr>
-      <p:grpSpPr>
-        <a:xfrm>
-          <a:off x="0" y="0"/>
-          <a:ext cx="0" cy="0"/>
-          <a:chOff x="0" y="0"/>
-          <a:chExt cx="0" cy="0"/>
-        </a:xfrm>
-      </p:grpSpPr>
-      <p:sp>
-        <p:nvSpPr>
-          <p:cNvPr id="2" name="Title Placeholder 1"/>
-          <p:cNvSpPr>
-            <a:spLocks noGrp="1"/>
-          </p:cNvSpPr>
-          <p:nvPr>
-            <p:ph type="title"/>
-          </p:nvPr>
-        </p:nvSpPr>
-        <p:spPr>
-          <a:xfrm>
-            <a:off x="457200" y="274638"/>
-            <a:ext cx="8229600" cy="1143000"/>
-          </a:xfrm>
-          <a:prstGeom prst="rect">
-            <a:avLst/>
-          </a:prstGeom>
-        </p:spPr>
-        <p:txBody>
-          <a:bodyPr vert="horz" lIns="91440" tIns="45720" rIns="91440" bIns="45720" rtlCol="0" anchor="ctr">
-            <a:normAutofit/>
-          </a:bodyPr>
-          <a:lstStyle/>
-          <a:p>
-            <a:r>
-              <a:rPr lang="x-none" smtClean="0"/>
-              <a:t>Click to edit Master title style</a:t>
-            </a:r>
-            <a:endParaRPr lang="en-US"/>
-          </a:p>
-        </p:txBody>
-      </p:sp>
-      <p:sp>
-        <p:nvSpPr>
-          <p:cNvPr id="3" name="Text Placeholder 2"/>
-          <p:cNvSpPr>
-            <a:spLocks noGrp="1"/>
-          </p:cNvSpPr>
-          <p:nvPr>
-            <p:ph type="body" idx="1"/>
-          </p:nvPr>
-        </p:nvSpPr>
-        <p:spPr>
-          <a:xfrm>
-            <a:off x="457200" y="1600200"/>
-            <a:ext cx="8229600" cy="4525963"/>
-          </a:xfrm>
-          <a:prstGeom prst="rect">
-            <a:avLst/>
-          </a:prstGeom>
-        </p:spPr>
-        <p:txBody>
-          <a:bodyPr vert="horz" lIns="91440" tIns="45720" rIns="91440" bIns="45720" rtlCol="0">
-            <a:normAutofit/>
-          </a:bodyPr>
-          <a:lstStyle/>
-          <a:p>
-            <a:pPr lvl="0"/>
-            <a:r>
-              <a:rPr lang="x-none" smtClean="0"/>
-              <a:t>Click to edit Master text styles</a:t>
-            </a:r>
-          </a:p>
-          <a:p>
-            <a:pPr lvl="1"/>
-            <a:r>
-              <a:rPr lang="x-none" smtClean="0"/>
-              <a:t>Second level</a:t>
-            </a:r>
-          </a:p>
-          <a:p>
-            <a:pPr lvl="2"/>
-            <a:r>
-              <a:rPr lang="x-none" smtClean="0"/>
-              <a:t>Third level</a:t>
-            </a:r>
-          </a:p>
-          <a:p>
-            <a:pPr lvl="3"/>
-            <a:r>
-              <a:rPr lang="x-none" smtClean="0"/>
-              <a:t>Fourth level</a:t>
-            </a:r>
-          </a:p>
-          <a:p>
-            <a:pPr lvl="4"/>
-            <a:r>
-              <a:rPr lang="x-none" smtClean="0"/>
-              <a:t>Fifth level</a:t>
-            </a:r>
-            <a:endParaRPr lang="en-US"/>
-          </a:p>
-        </p:txBody>
-      </p:sp>
-      <p:sp>
-        <p:nvSpPr>
-          <p:cNvPr id="4" name="Date Placeholder 3"/>
-          <p:cNvSpPr>
-            <a:spLocks noGrp="1"/>
-          </p:cNvSpPr>
-          <p:nvPr>
-            <p:ph type="dt" sz="half" idx="2"/>
-          </p:nvPr>
-        </p:nvSpPr>
-        <p:spPr>
-          <a:xfrm>
-            <a:off x="457200" y="6356350"/>
-            <a:ext cx="2133600" cy="365125"/>
-          </a:xfrm>
-          <a:prstGeom prst="rect">
-            <a:avLst/>
-          </a:prstGeom>
-        </p:spPr>
-        <p:txBody>
-          <a:bodyPr vert="horz" lIns="91440" tIns="45720" rIns="91440" bIns="45720" rtlCol="0" anchor="ctr"/>
-          <a:lstStyle>
-            <a:lvl1pPr algn="l">
-              <a:defRPr sz="1200">
-                <a:solidFill>
-                  <a:schemeClr val="tx1">
-                    <a:tint val="75000"/>
-                  </a:schemeClr>
-                </a:solidFill>
-              </a:defRPr>
-            </a:lvl1pPr>
-          </a:lstStyle>
-          <a:p>
-            <a:fld id="{16DE1CF3-1110-D54A-B496-DBD515E8BC9A}" type="datetimeFigureOut">
-              <a:rPr lang="en-US" smtClean="0"/>
-              <a:t>5/2/2017</a:t>
-            </a:fld>
-            <a:endParaRPr lang="en-US"/>
-          </a:p>
-        </p:txBody>
-      </p:sp>
-      <p:sp>
-        <p:nvSpPr>
-          <p:cNvPr id="5" name="Footer Placeholder 4"/>
-          <p:cNvSpPr>
-            <a:spLocks noGrp="1"/>
-          </p:cNvSpPr>
-          <p:nvPr>
-            <p:ph type="ftr" sz="quarter" idx="3"/>
-          </p:nvPr>
-        </p:nvSpPr>
-        <p:spPr>
-          <a:xfrm>
-            <a:off x="3124200" y="6356350"/>
-            <a:ext cx="2895600" cy="365125"/>
-          </a:xfrm>
-          <a:prstGeom prst="rect">
-            <a:avLst/>
-          </a:prstGeom>
-        </p:spPr>
-        <p:txBody>
-          <a:bodyPr vert="horz" lIns="91440" tIns="45720" rIns="91440" bIns="45720" rtlCol="0" anchor="ctr"/>
-          <a:lstStyle>
-            <a:lvl1pPr algn="ctr">
-              <a:defRPr sz="1200">
-                <a:solidFill>
-                  <a:schemeClr val="tx1">
-                    <a:tint val="75000"/>
-                  </a:schemeClr>
-                </a:solidFill>
-              </a:defRPr>
-            </a:lvl1pPr>
-          </a:lstStyle>
-          <a:p>
-            <a:endParaRPr lang="en-US"/>
-          </a:p>
-        </p:txBody>
-      </p:sp>
-      <p:sp>
-        <p:nvSpPr>
-          <p:cNvPr id="6" name="Slide Number Placeholder 5"/>
-          <p:cNvSpPr>
-            <a:spLocks noGrp="1"/>
-          </p:cNvSpPr>
-          <p:nvPr>
-            <p:ph type="sldNum" sz="quarter" idx="4"/>
-          </p:nvPr>
-        </p:nvSpPr>
-        <p:spPr>
-          <a:xfrm>
-            <a:off x="6553200" y="6356350"/>
-            <a:ext cx="2133600" cy="365125"/>
-          </a:xfrm>
-          <a:prstGeom prst="rect">
-            <a:avLst/>
-          </a:prstGeom>
-        </p:spPr>
-        <p:txBody>
-          <a:bodyPr vert="horz" lIns="91440" tIns="45720" rIns="91440" bIns="45720" rtlCol="0" anchor="ctr"/>
-          <a:lstStyle>
-            <a:lvl1pPr algn="r">
-              <a:defRPr sz="1200">
-                <a:solidFill>
-                  <a:schemeClr val="tx1">
-                    <a:tint val="75000"/>
-                  </a:schemeClr>
-                </a:solidFill>
-              </a:defRPr>
-            </a:lvl1pPr>
-          </a:lstStyle>
-          <a:p>
-            <a:fld id="{954523AE-48BF-CF44-937E-54C851136229}" type="slidenum">
-              <a:rPr lang="en-US" smtClean="0"/>
-              <a:t>‹#›</a:t>
-            </a:fld>
-            <a:endParaRPr lang="en-US"/>
-          </a:p>
-        </p:txBody>
-      </p:sp>
-    </p:spTree>
-    <p:extLst>
-      <p:ext uri="{BB962C8B-B14F-4D97-AF65-F5344CB8AC3E}">
-        <p14:creationId xmlns:p14="http://schemas.microsoft.com/office/powerpoint/2010/main" val="2886538126"/>
-      </p:ext>
-    </p:extLst>
-  </p:cSld>
-  <p:clrMap bg1="lt1" tx1="dk1" bg2="lt2" tx2="dk2" accent1="accent1" accent2="accent2" accent3="accent3" accent4="accent4" accent5="accent5" accent6="accent6" hlink="hlink" folHlink="folHlink"/>
-  <p:sldLayoutIdLst>
-    <p:sldLayoutId id="2147483649" r:id="rId1"/>
-    <p:sldLayoutId id="2147483650" r:id="rId2"/>
-    <p:sldLayoutId id="2147483651" r:id="rId3"/>
-    <p:sldLayoutId id="2147483652" r:id="rId4"/>
-    <p:sldLayoutId id="2147483653" r:id="rId5"/>
-    <p:sldLayoutId id="2147483654" r:id="rId6"/>
-    <p:sldLayoutId id="2147483655" r:id="rId7"/>
-    <p:sldLayoutId id="2147483656" r:id="rId8"/>
-    <p:sldLayoutId id="2147483657" r:id="rId9"/>
-    <p:sldLayoutId id="2147483658" r:id="rId10"/>
-    <p:sldLayoutId id="2147483659" r:id="rId11"/>
-  </p:sldLayoutIdLst>
-  <p:txStyles>
-    <p:titleStyle>
-      <a:lvl1pPr algn="ctr" defTabSz="457200" rtl="0" eaLnBrk="1" latinLnBrk="0" hangingPunct="1">
-        <a:spcBef>
-          <a:spcPct val="0"/>
-        </a:spcBef>
-        <a:buNone/>
-        <a:defRPr sz="4400" kern="1200">
-          <a:solidFill>
-            <a:schemeClr val="tx1"/>
-          </a:solidFill>
-          <a:latin typeface="+mj-lt"/>
-          <a:ea typeface="+mj-ea"/>
-          <a:cs typeface="+mj-cs"/>
-        </a:defRPr>
-      </a:lvl1pPr>
-    </p:titleStyle>
-    <p:bodyStyle>
-      <a:lvl1pPr marL="342900" indent="-342900" algn="l" defTabSz="457200" rtl="0" eaLnBrk="1" latinLnBrk="0" hangingPunct="1">
-        <a:spcBef>
-          <a:spcPct val="20000"/>
-        </a:spcBef>
-        <a:buFont typeface="Arial"/>
-        <a:buChar char="•"/>
-        <a:defRPr sz="3200" kern="1200">
-          <a:solidFill>
-            <a:schemeClr val="tx1"/>
-          </a:solidFill>
-          <a:latin typeface="+mn-lt"/>
-          <a:ea typeface="+mn-ea"/>
-          <a:cs typeface="+mn-cs"/>
-        </a:defRPr>
-      </a:lvl1pPr>
-      <a:lvl2pPr marL="742950" indent="-285750" algn="l" defTabSz="457200" rtl="0" eaLnBrk="1" latinLnBrk="0" hangingPunct="1">
-        <a:spcBef>
-          <a:spcPct val="20000"/>
-        </a:spcBef>
-        <a:buFont typeface="Arial"/>
-        <a:buChar char="–"/>
-        <a:defRPr sz="2800" kern="1200">
-          <a:solidFill>
-            <a:schemeClr val="tx1"/>
-          </a:solidFill>
-          <a:latin typeface="+mn-lt"/>
-          <a:ea typeface="+mn-ea"/>
-          <a:cs typeface="+mn-cs"/>
-        </a:defRPr>
-      </a:lvl2pPr>
-      <a:lvl3pPr marL="1143000" indent="-228600" algn="l" defTabSz="457200" rtl="0" eaLnBrk="1" latinLnBrk="0" hangingPunct="1">
-        <a:spcBef>
-          <a:spcPct val="20000"/>
-        </a:spcBef>
-        <a:buFont typeface="Arial"/>
-        <a:buChar char="•"/>
-        <a:defRPr sz="2400" kern="1200">
-          <a:solidFill>
-            <a:schemeClr val="tx1"/>
-          </a:solidFill>
-          <a:latin typeface="+mn-lt"/>
-          <a:ea typeface="+mn-ea"/>
-          <a:cs typeface="+mn-cs"/>
-        </a:defRPr>
-      </a:lvl3pPr>
-      <a:lvl4pPr marL="1600200" indent="-228600" algn="l" defTabSz="457200" rtl="0" eaLnBrk="1" latinLnBrk="0" hangingPunct="1">
-        <a:spcBef>
-          <a:spcPct val="20000"/>
-        </a:spcBef>
-        <a:buFont typeface="Arial"/>
-        <a:buChar char="–"/>
-        <a:defRPr sz="2000" kern="1200">
-          <a:solidFill>
-            <a:schemeClr val="tx1"/>
-          </a:solidFill>
-          <a:latin typeface="+mn-lt"/>
-          <a:ea typeface="+mn-ea"/>
-          <a:cs typeface="+mn-cs"/>
-        </a:defRPr>
-      </a:lvl4pPr>
-      <a:lvl5pPr marL="2057400" indent="-228600" algn="l" defTabSz="457200" rtl="0" eaLnBrk="1" latinLnBrk="0" hangingPunct="1">
-        <a:spcBef>
-          <a:spcPct val="20000"/>
-        </a:spcBef>
-        <a:buFont typeface="Arial"/>
-        <a:buChar char="»"/>
-        <a:defRPr sz="2000" kern="1200">
-          <a:solidFill>
-            <a:schemeClr val="tx1"/>
-          </a:solidFill>
-          <a:latin typeface="+mn-lt"/>
-          <a:ea typeface="+mn-ea"/>
-          <a:cs typeface="+mn-cs"/>
-        </a:defRPr>
-      </a:lvl5pPr>
-      <a:lvl6pPr marL="2514600" indent="-228600" algn="l" defTabSz="457200" rtl="0" eaLnBrk="1" latinLnBrk="0" hangingPunct="1">
-        <a:spcBef>
-          <a:spcPct val="20000"/>
-        </a:spcBef>
-        <a:buFont typeface="Arial"/>
-        <a:buChar char="•"/>
-        <a:defRPr sz="2000" kern="1200">
-          <a:solidFill>
-            <a:schemeClr val="tx1"/>
-          </a:solidFill>
-          <a:latin typeface="+mn-lt"/>
-          <a:ea typeface="+mn-ea"/>
-          <a:cs typeface="+mn-cs"/>
-        </a:defRPr>
-      </a:lvl6pPr>
-      <a:lvl7pPr marL="2971800" indent="-228600" algn="l" defTabSz="457200" rtl="0" eaLnBrk="1" latinLnBrk="0" hangingPunct="1">
-        <a:spcBef>
-          <a:spcPct val="20000"/>
-        </a:spcBef>
-        <a:buFont typeface="Arial"/>
-        <a:buChar char="•"/>
-        <a:defRPr sz="2000" kern="1200">
-          <a:solidFill>
-            <a:schemeClr val="tx1"/>
-          </a:solidFill>
-          <a:latin typeface="+mn-lt"/>
-          <a:ea typeface="+mn-ea"/>
-          <a:cs typeface="+mn-cs"/>
-        </a:defRPr>
-      </a:lvl7pPr>
-      <a:lvl8pPr marL="3429000" indent="-228600" algn="l" defTabSz="457200" rtl="0" eaLnBrk="1" latinLnBrk="0" hangingPunct="1">
-        <a:spcBef>
-          <a:spcPct val="20000"/>
-        </a:spcBef>
-        <a:buFont typeface="Arial"/>
-        <a:buChar char="•"/>
-        <a:defRPr sz="2000" kern="1200">
-          <a:solidFill>
-            <a:schemeClr val="tx1"/>
-          </a:solidFill>
-          <a:latin typeface="+mn-lt"/>
-          <a:ea typeface="+mn-ea"/>
-          <a:cs typeface="+mn-cs"/>
-        </a:defRPr>
-      </a:lvl8pPr>
-      <a:lvl9pPr marL="3886200" indent="-228600" algn="l" defTabSz="457200" rtl="0" eaLnBrk="1" latinLnBrk="0" hangingPunct="1">
-        <a:spcBef>
-          <a:spcPct val="20000"/>
-        </a:spcBef>
-        <a:buFont typeface="Arial"/>
-        <a:buChar char="•"/>
-        <a:defRPr sz="2000" kern="1200">
-          <a:solidFill>
-            <a:schemeClr val="tx1"/>
-          </a:solidFill>
-          <a:latin typeface="+mn-lt"/>
-          <a:ea typeface="+mn-ea"/>
-          <a:cs typeface="+mn-cs"/>
-        </a:defRPr>
-      </a:lvl9pPr>
-    </p:bodyStyle>
-    <p:otherStyle>
-      <a:defPPr>
-        <a:defRPr lang="en-US"/>
-      </a:defPPr>
-      <a:lvl1pPr marL="0" algn="l" defTabSz="457200" rtl="0" eaLnBrk="1" latinLnBrk="0" hangingPunct="1">
-        <a:defRPr sz="1800" kern="1200">
-          <a:solidFill>
-            <a:schemeClr val="tx1"/>
-          </a:solidFill>
-          <a:latin typeface="+mn-lt"/>
-          <a:ea typeface="+mn-ea"/>
-          <a:cs typeface="+mn-cs"/>
-        </a:defRPr>
-      </a:lvl1pPr>
-      <a:lvl2pPr marL="457200" algn="l" defTabSz="457200" rtl="0" eaLnBrk="1" latinLnBrk="0" hangingPunct="1">
-        <a:defRPr sz="1800" kern="1200">
-          <a:solidFill>
-            <a:schemeClr val="tx1"/>
-          </a:solidFill>
-          <a:latin typeface="+mn-lt"/>
-          <a:ea typeface="+mn-ea"/>
-          <a:cs typeface="+mn-cs"/>
-        </a:defRPr>
-      </a:lvl2pPr>
-      <a:lvl3pPr marL="914400" algn="l" defTabSz="457200" rtl="0" eaLnBrk="1" latinLnBrk="0" hangingPunct="1">
-        <a:defRPr sz="1800" kern="1200">
-          <a:solidFill>
-            <a:schemeClr val="tx1"/>
-          </a:solidFill>
-          <a:latin typeface="+mn-lt"/>
-          <a:ea typeface="+mn-ea"/>
-          <a:cs typeface="+mn-cs"/>
-        </a:defRPr>
-      </a:lvl3pPr>
-      <a:lvl4pPr marL="1371600" algn="l" defTabSz="457200" rtl="0" eaLnBrk="1" latinLnBrk="0" hangingPunct="1">
-        <a:defRPr sz="1800" kern="1200">
-          <a:solidFill>
-            <a:schemeClr val="tx1"/>
-          </a:solidFill>
-          <a:latin typeface="+mn-lt"/>
-          <a:ea typeface="+mn-ea"/>
-          <a:cs typeface="+mn-cs"/>
-        </a:defRPr>
-      </a:lvl4pPr>
-      <a:lvl5pPr marL="1828800" algn="l" defTabSz="457200" rtl="0" eaLnBrk="1" latinLnBrk="0" hangingPunct="1">
-        <a:defRPr sz="1800" kern="1200">
-          <a:solidFill>
-            <a:schemeClr val="tx1"/>
-          </a:solidFill>
-          <a:latin typeface="+mn-lt"/>
-          <a:ea typeface="+mn-ea"/>
-          <a:cs typeface="+mn-cs"/>
-        </a:defRPr>
-      </a:lvl5pPr>
-      <a:lvl6pPr marL="2286000" algn="l" defTabSz="457200" rtl="0" eaLnBrk="1" latinLnBrk="0" hangingPunct="1">
-        <a:defRPr sz="1800" kern="1200">
-          <a:solidFill>
-            <a:schemeClr val="tx1"/>
-          </a:solidFill>
-          <a:latin typeface="+mn-lt"/>
-          <a:ea typeface="+mn-ea"/>
-          <a:cs typeface="+mn-cs"/>
-        </a:defRPr>
-      </a:lvl6pPr>
-      <a:lvl7pPr marL="2743200" algn="l" defTabSz="457200" rtl="0" eaLnBrk="1" latinLnBrk="0" hangingPunct="1">
-        <a:defRPr sz="1800" kern="1200">
-          <a:solidFill>
-            <a:schemeClr val="tx1"/>
-          </a:solidFill>
-          <a:latin typeface="+mn-lt"/>
-          <a:ea typeface="+mn-ea"/>
-          <a:cs typeface="+mn-cs"/>
-        </a:defRPr>
-      </a:lvl7pPr>
-      <a:lvl8pPr marL="3200400" algn="l" defTabSz="457200" rtl="0" eaLnBrk="1" latinLnBrk="0" hangingPunct="1">
-        <a:defRPr sz="1800" kern="1200">
-          <a:solidFill>
-            <a:schemeClr val="tx1"/>
-          </a:solidFill>
-          <a:latin typeface="+mn-lt"/>
-          <a:ea typeface="+mn-ea"/>
-          <a:cs typeface="+mn-cs"/>
-        </a:defRPr>
-      </a:lvl8pPr>
-      <a:lvl9pPr marL="3657600" algn="l" defTabSz="457200" rtl="0" eaLnBrk="1" latinLnBrk="0" hangingPunct="1">
-        <a:defRPr sz="1800" kern="1200">
-          <a:solidFill>
-            <a:schemeClr val="tx1"/>
-          </a:solidFill>
-          <a:latin typeface="+mn-lt"/>
-          <a:ea typeface="+mn-ea"/>
-          <a:cs typeface="+mn-cs"/>
-        </a:defRPr>
-      </a:lvl9pPr>
-    </p:otherStyle>
-  </p:txStyles>
-</p:sldMaster>
-</file>
-
-<file path=ppt/slideMasters/slideMaster2.xml><?xml version="1.0" encoding="utf-8"?>
 <p:sldMaster xmlns:a="http://schemas.openxmlformats.org/drawingml/2006/main" xmlns:r="http://schemas.openxmlformats.org/officeDocument/2006/relationships" xmlns:p="http://schemas.openxmlformats.org/presentationml/2006/main" preserve="1">
   <p:cSld>
     <p:bg>
@@ -5457,7 +2492,7 @@
                   <a:spcPct val="0"/>
                 </a:spcAft>
               </a:pPr>
-              <a:t>5/2/2017</a:t>
+              <a:t>6/2/2017</a:t>
             </a:fld>
             <a:endParaRPr lang="en-US" altLang="en-US">
               <a:solidFill>
@@ -7369,7 +4404,11 @@
           <a:bodyPr/>
           <a:lstStyle/>
           <a:p>
-            <a:endParaRPr lang="en-US"/>
+            <a:r>
+              <a:rPr lang="en-US" dirty="0" smtClean="0"/>
+              <a:t>Speech recognition</a:t>
+            </a:r>
+            <a:endParaRPr lang="en-US" dirty="0"/>
           </a:p>
         </p:txBody>
       </p:sp>
@@ -7388,7 +4427,177 @@
           <a:bodyPr/>
           <a:lstStyle/>
           <a:p>
-            <a:endParaRPr lang="en-US"/>
+            <a:r>
+              <a:rPr lang="en-US" dirty="0" smtClean="0"/>
+              <a:t>Speech recognition first needs to be initialized with the words to be recognized</a:t>
+            </a:r>
+          </a:p>
+          <a:p>
+            <a:endParaRPr lang="en-US" dirty="0"/>
+          </a:p>
+          <a:p>
+            <a:endParaRPr lang="en-US" dirty="0" smtClean="0"/>
+          </a:p>
+          <a:p>
+            <a:endParaRPr lang="en-US" dirty="0" smtClean="0"/>
+          </a:p>
+          <a:p>
+            <a:r>
+              <a:rPr lang="en-US" dirty="0" smtClean="0"/>
+              <a:t>Once initialized, speech recognition needs to be turned on.</a:t>
+            </a:r>
+          </a:p>
+          <a:p>
+            <a:endParaRPr lang="en-US" dirty="0" smtClean="0"/>
+          </a:p>
+          <a:p>
+            <a:r>
+              <a:rPr lang="en-US" dirty="0" smtClean="0"/>
+              <a:t>When speech recognition is on, you can detect speech using:</a:t>
+            </a:r>
+          </a:p>
+          <a:p>
+            <a:endParaRPr lang="en-US" dirty="0" smtClean="0"/>
+          </a:p>
+        </p:txBody>
+      </p:sp>
+      <p:sp>
+        <p:nvSpPr>
+          <p:cNvPr id="4" name="Rectangle 3"/>
+          <p:cNvSpPr/>
+          <p:nvPr/>
+        </p:nvSpPr>
+        <p:spPr>
+          <a:xfrm>
+            <a:off x="824740" y="1948635"/>
+            <a:ext cx="8030473" cy="923330"/>
+          </a:xfrm>
+          <a:prstGeom prst="rect">
+            <a:avLst/>
+          </a:prstGeom>
+        </p:spPr>
+        <p:txBody>
+          <a:bodyPr wrap="square">
+            <a:spAutoFit/>
+          </a:bodyPr>
+          <a:lstStyle/>
+          <a:p>
+            <a:r>
+              <a:rPr lang="en-US" dirty="0" err="1" smtClean="0"/>
+              <a:t>myWordList</a:t>
+            </a:r>
+            <a:r>
+              <a:rPr lang="en-US" dirty="0" smtClean="0"/>
+              <a:t>=[“Hello”, “Yes”, “No”, What is your name?”]</a:t>
+            </a:r>
+          </a:p>
+          <a:p>
+            <a:r>
+              <a:rPr lang="en-US" dirty="0" err="1" smtClean="0"/>
+              <a:t>mylanguage</a:t>
+            </a:r>
+            <a:r>
+              <a:rPr lang="en-US" dirty="0" smtClean="0"/>
+              <a:t>=“English”</a:t>
+            </a:r>
+          </a:p>
+          <a:p>
+            <a:r>
+              <a:rPr lang="en-US" dirty="0" err="1" smtClean="0"/>
+              <a:t>nao.InitSpeech</a:t>
+            </a:r>
+            <a:r>
+              <a:rPr lang="en-US" dirty="0" smtClean="0"/>
+              <a:t>(</a:t>
+            </a:r>
+            <a:r>
+              <a:rPr lang="en-US" dirty="0" err="1" smtClean="0"/>
+              <a:t>myWordlist,myLanguage</a:t>
+            </a:r>
+            <a:r>
+              <a:rPr lang="en-US" dirty="0" smtClean="0"/>
+              <a:t>)</a:t>
+            </a:r>
+          </a:p>
+        </p:txBody>
+      </p:sp>
+      <p:sp>
+        <p:nvSpPr>
+          <p:cNvPr id="5" name="Rectangle 4"/>
+          <p:cNvSpPr/>
+          <p:nvPr/>
+        </p:nvSpPr>
+        <p:spPr>
+          <a:xfrm>
+            <a:off x="871124" y="4131833"/>
+            <a:ext cx="8030473" cy="369332"/>
+          </a:xfrm>
+          <a:prstGeom prst="rect">
+            <a:avLst/>
+          </a:prstGeom>
+        </p:spPr>
+        <p:txBody>
+          <a:bodyPr wrap="square">
+            <a:spAutoFit/>
+          </a:bodyPr>
+          <a:lstStyle/>
+          <a:p>
+            <a:r>
+              <a:rPr lang="en-US" dirty="0" err="1"/>
+              <a:t>n</a:t>
+            </a:r>
+            <a:r>
+              <a:rPr lang="en-US" dirty="0" err="1" smtClean="0"/>
+              <a:t>ao.asr.subscribe</a:t>
+            </a:r>
+            <a:r>
+              <a:rPr lang="en-US" dirty="0" smtClean="0"/>
+              <a:t>(“</a:t>
+            </a:r>
+            <a:r>
+              <a:rPr lang="en-US" dirty="0" err="1" smtClean="0"/>
+              <a:t>MyModule</a:t>
+            </a:r>
+            <a:r>
+              <a:rPr lang="en-US" dirty="0" smtClean="0"/>
+              <a:t>”)</a:t>
+            </a:r>
+          </a:p>
+        </p:txBody>
+      </p:sp>
+      <p:sp>
+        <p:nvSpPr>
+          <p:cNvPr id="6" name="Rectangle 5"/>
+          <p:cNvSpPr/>
+          <p:nvPr/>
+        </p:nvSpPr>
+        <p:spPr>
+          <a:xfrm>
+            <a:off x="871124" y="5429104"/>
+            <a:ext cx="8030473" cy="369332"/>
+          </a:xfrm>
+          <a:prstGeom prst="rect">
+            <a:avLst/>
+          </a:prstGeom>
+        </p:spPr>
+        <p:txBody>
+          <a:bodyPr wrap="square">
+            <a:spAutoFit/>
+          </a:bodyPr>
+          <a:lstStyle/>
+          <a:p>
+            <a:r>
+              <a:rPr lang="en-US" dirty="0" smtClean="0"/>
+              <a:t>result=</a:t>
+            </a:r>
+            <a:r>
+              <a:rPr lang="en-US" dirty="0" err="1" smtClean="0"/>
+              <a:t>nao.DetectSpeech</a:t>
+            </a:r>
+            <a:r>
+              <a:rPr lang="en-US" dirty="0" smtClean="0"/>
+              <a:t>()</a:t>
+            </a:r>
           </a:p>
         </p:txBody>
       </p:sp>
@@ -7412,6 +4621,2292 @@
 </p:sld>
 </file>
 
+<file path=ppt/slides/slide13.xml><?xml version="1.0" encoding="utf-8"?>
+<p:sld xmlns:a="http://schemas.openxmlformats.org/drawingml/2006/main" xmlns:r="http://schemas.openxmlformats.org/officeDocument/2006/relationships" xmlns:p="http://schemas.openxmlformats.org/presentationml/2006/main">
+  <p:cSld>
+    <p:spTree>
+      <p:nvGrpSpPr>
+        <p:cNvPr id="1" name=""/>
+        <p:cNvGrpSpPr/>
+        <p:nvPr/>
+      </p:nvGrpSpPr>
+      <p:grpSpPr>
+        <a:xfrm>
+          <a:off x="0" y="0"/>
+          <a:ext cx="0" cy="0"/>
+          <a:chOff x="0" y="0"/>
+          <a:chExt cx="0" cy="0"/>
+        </a:xfrm>
+      </p:grpSpPr>
+      <p:sp>
+        <p:nvSpPr>
+          <p:cNvPr id="2" name="Title 1"/>
+          <p:cNvSpPr>
+            <a:spLocks noGrp="1"/>
+          </p:cNvSpPr>
+          <p:nvPr>
+            <p:ph type="title"/>
+          </p:nvPr>
+        </p:nvSpPr>
+        <p:spPr/>
+        <p:txBody>
+          <a:bodyPr/>
+          <a:lstStyle/>
+          <a:p>
+            <a:r>
+              <a:rPr lang="en-US" dirty="0" smtClean="0"/>
+              <a:t>Speech recognition</a:t>
+            </a:r>
+            <a:endParaRPr lang="en-US" dirty="0"/>
+          </a:p>
+        </p:txBody>
+      </p:sp>
+      <p:sp>
+        <p:nvSpPr>
+          <p:cNvPr id="3" name="Content Placeholder 2"/>
+          <p:cNvSpPr>
+            <a:spLocks noGrp="1"/>
+          </p:cNvSpPr>
+          <p:nvPr>
+            <p:ph idx="1"/>
+          </p:nvPr>
+        </p:nvSpPr>
+        <p:spPr/>
+        <p:txBody>
+          <a:bodyPr/>
+          <a:lstStyle/>
+          <a:p>
+            <a:r>
+              <a:rPr lang="en-US" dirty="0"/>
+              <a:t>The result contains the list of recognized words and the probability of being correct. The list is sorted, so that the most probable word is always first in the </a:t>
+            </a:r>
+            <a:r>
+              <a:rPr lang="en-US" dirty="0" smtClean="0"/>
+              <a:t>list</a:t>
+            </a:r>
+          </a:p>
+          <a:p>
+            <a:pPr marL="0" indent="0">
+              <a:buNone/>
+            </a:pPr>
+            <a:endParaRPr lang="en-US" dirty="0" smtClean="0"/>
+          </a:p>
+          <a:p>
+            <a:endParaRPr lang="en-US" dirty="0" smtClean="0"/>
+          </a:p>
+          <a:p>
+            <a:r>
+              <a:rPr lang="en-US" dirty="0" smtClean="0"/>
+              <a:t>If the robot needs to speak again you first need to turn speech recognition off.</a:t>
+            </a:r>
+          </a:p>
+          <a:p>
+            <a:endParaRPr lang="en-US" dirty="0"/>
+          </a:p>
+          <a:p>
+            <a:endParaRPr lang="en-US" dirty="0" smtClean="0"/>
+          </a:p>
+          <a:p>
+            <a:r>
+              <a:rPr lang="en-US" dirty="0" smtClean="0"/>
+              <a:t>The next slide shows a simple demo</a:t>
+            </a:r>
+          </a:p>
+          <a:p>
+            <a:pPr marL="0" indent="0">
+              <a:buNone/>
+            </a:pPr>
+            <a:endParaRPr lang="en-US" dirty="0"/>
+          </a:p>
+        </p:txBody>
+      </p:sp>
+      <p:sp>
+        <p:nvSpPr>
+          <p:cNvPr id="5" name="Rectangle 4"/>
+          <p:cNvSpPr/>
+          <p:nvPr/>
+        </p:nvSpPr>
+        <p:spPr>
+          <a:xfrm>
+            <a:off x="871123" y="2433101"/>
+            <a:ext cx="8030473" cy="369332"/>
+          </a:xfrm>
+          <a:prstGeom prst="rect">
+            <a:avLst/>
+          </a:prstGeom>
+        </p:spPr>
+        <p:txBody>
+          <a:bodyPr wrap="square">
+            <a:spAutoFit/>
+          </a:bodyPr>
+          <a:lstStyle/>
+          <a:p>
+            <a:r>
+              <a:rPr lang="en-US" dirty="0"/>
+              <a:t>r</a:t>
+            </a:r>
+            <a:r>
+              <a:rPr lang="en-US" dirty="0" smtClean="0"/>
+              <a:t>esult=[“</a:t>
+            </a:r>
+            <a:r>
+              <a:rPr lang="en-US" dirty="0" err="1" smtClean="0"/>
+              <a:t>MyFirstWord</a:t>
+            </a:r>
+            <a:r>
+              <a:rPr lang="en-US" dirty="0" smtClean="0"/>
+              <a:t>”, 0.312414, “</a:t>
+            </a:r>
+            <a:r>
+              <a:rPr lang="en-US" dirty="0" err="1" smtClean="0"/>
+              <a:t>MySecondWord</a:t>
+            </a:r>
+            <a:r>
+              <a:rPr lang="en-US" dirty="0" smtClean="0"/>
+              <a:t>”, 0.103141]</a:t>
+            </a:r>
+          </a:p>
+        </p:txBody>
+      </p:sp>
+      <p:sp>
+        <p:nvSpPr>
+          <p:cNvPr id="7" name="Rectangle 6"/>
+          <p:cNvSpPr/>
+          <p:nvPr/>
+        </p:nvSpPr>
+        <p:spPr>
+          <a:xfrm>
+            <a:off x="871124" y="4031920"/>
+            <a:ext cx="8030473" cy="369332"/>
+          </a:xfrm>
+          <a:prstGeom prst="rect">
+            <a:avLst/>
+          </a:prstGeom>
+        </p:spPr>
+        <p:txBody>
+          <a:bodyPr wrap="square">
+            <a:spAutoFit/>
+          </a:bodyPr>
+          <a:lstStyle/>
+          <a:p>
+            <a:r>
+              <a:rPr lang="en-US" dirty="0" smtClean="0"/>
+              <a:t>result=</a:t>
+            </a:r>
+            <a:r>
+              <a:rPr lang="en-US" dirty="0" err="1" smtClean="0"/>
+              <a:t>nao.asr.unsubscribe</a:t>
+            </a:r>
+            <a:r>
+              <a:rPr lang="en-US" dirty="0" smtClean="0"/>
+              <a:t>(“</a:t>
+            </a:r>
+            <a:r>
+              <a:rPr lang="en-US" dirty="0" err="1" smtClean="0"/>
+              <a:t>MyModule</a:t>
+            </a:r>
+            <a:r>
+              <a:rPr lang="en-US" dirty="0" smtClean="0"/>
+              <a:t>”)</a:t>
+            </a:r>
+          </a:p>
+        </p:txBody>
+      </p:sp>
+    </p:spTree>
+    <p:extLst>
+      <p:ext uri="{BB962C8B-B14F-4D97-AF65-F5344CB8AC3E}">
+        <p14:creationId xmlns:p14="http://schemas.microsoft.com/office/powerpoint/2010/main" val="740871183"/>
+      </p:ext>
+    </p:extLst>
+  </p:cSld>
+  <p:clrMapOvr>
+    <a:masterClrMapping/>
+  </p:clrMapOvr>
+  <p:timing>
+    <p:tnLst>
+      <p:par>
+        <p:cTn id="1" dur="indefinite" restart="never" nodeType="tmRoot"/>
+      </p:par>
+    </p:tnLst>
+  </p:timing>
+</p:sld>
+</file>
+
+<file path=ppt/slides/slide14.xml><?xml version="1.0" encoding="utf-8"?>
+<p:sld xmlns:a="http://schemas.openxmlformats.org/drawingml/2006/main" xmlns:r="http://schemas.openxmlformats.org/officeDocument/2006/relationships" xmlns:p="http://schemas.openxmlformats.org/presentationml/2006/main">
+  <p:cSld>
+    <p:spTree>
+      <p:nvGrpSpPr>
+        <p:cNvPr id="1" name=""/>
+        <p:cNvGrpSpPr/>
+        <p:nvPr/>
+      </p:nvGrpSpPr>
+      <p:grpSpPr>
+        <a:xfrm>
+          <a:off x="0" y="0"/>
+          <a:ext cx="0" cy="0"/>
+          <a:chOff x="0" y="0"/>
+          <a:chExt cx="0" cy="0"/>
+        </a:xfrm>
+      </p:grpSpPr>
+      <p:sp>
+        <p:nvSpPr>
+          <p:cNvPr id="2" name="Title 1"/>
+          <p:cNvSpPr>
+            <a:spLocks noGrp="1"/>
+          </p:cNvSpPr>
+          <p:nvPr>
+            <p:ph type="title"/>
+          </p:nvPr>
+        </p:nvSpPr>
+        <p:spPr/>
+        <p:txBody>
+          <a:bodyPr/>
+          <a:lstStyle/>
+          <a:p>
+            <a:r>
+              <a:rPr lang="en-US" dirty="0" smtClean="0"/>
+              <a:t>Speech recognition</a:t>
+            </a:r>
+            <a:endParaRPr lang="en-US" dirty="0"/>
+          </a:p>
+        </p:txBody>
+      </p:sp>
+      <p:sp>
+        <p:nvSpPr>
+          <p:cNvPr id="3" name="Content Placeholder 2"/>
+          <p:cNvSpPr>
+            <a:spLocks noGrp="1"/>
+          </p:cNvSpPr>
+          <p:nvPr>
+            <p:ph idx="1"/>
+          </p:nvPr>
+        </p:nvSpPr>
+        <p:spPr/>
+        <p:txBody>
+          <a:bodyPr/>
+          <a:lstStyle/>
+          <a:p>
+            <a:pPr marL="0" indent="0">
+              <a:buNone/>
+            </a:pPr>
+            <a:endParaRPr lang="en-US" dirty="0"/>
+          </a:p>
+        </p:txBody>
+      </p:sp>
+      <p:sp>
+        <p:nvSpPr>
+          <p:cNvPr id="4" name="Rectangle 3"/>
+          <p:cNvSpPr/>
+          <p:nvPr/>
+        </p:nvSpPr>
+        <p:spPr>
+          <a:xfrm>
+            <a:off x="573777" y="1611534"/>
+            <a:ext cx="8030473" cy="4801314"/>
+          </a:xfrm>
+          <a:prstGeom prst="rect">
+            <a:avLst/>
+          </a:prstGeom>
+        </p:spPr>
+        <p:txBody>
+          <a:bodyPr wrap="square">
+            <a:spAutoFit/>
+          </a:bodyPr>
+          <a:lstStyle/>
+          <a:p>
+            <a:r>
+              <a:rPr lang="en-US" dirty="0" err="1"/>
+              <a:t>def</a:t>
+            </a:r>
+            <a:r>
+              <a:rPr lang="en-US" dirty="0"/>
+              <a:t> </a:t>
+            </a:r>
+            <a:r>
+              <a:rPr lang="en-US" dirty="0" err="1"/>
+              <a:t>testspeech</a:t>
+            </a:r>
+            <a:r>
+              <a:rPr lang="en-US" dirty="0"/>
+              <a:t>(</a:t>
+            </a:r>
+            <a:r>
+              <a:rPr lang="en-US" dirty="0" err="1"/>
+              <a:t>maxcount</a:t>
+            </a:r>
+            <a:r>
+              <a:rPr lang="en-US" dirty="0"/>
+              <a:t>=50):</a:t>
+            </a:r>
+          </a:p>
+          <a:p>
+            <a:r>
+              <a:rPr lang="en-US" dirty="0"/>
+              <a:t>    </a:t>
+            </a:r>
+            <a:r>
+              <a:rPr lang="en-US" dirty="0" err="1"/>
+              <a:t>wordList</a:t>
+            </a:r>
+            <a:r>
+              <a:rPr lang="en-US" dirty="0"/>
+              <a:t>=["</a:t>
+            </a:r>
+            <a:r>
+              <a:rPr lang="en-US" dirty="0" err="1"/>
+              <a:t>yes","no","hello</a:t>
+            </a:r>
+            <a:r>
+              <a:rPr lang="en-US" dirty="0"/>
+              <a:t>", "</a:t>
+            </a:r>
+            <a:r>
+              <a:rPr lang="en-US" dirty="0" err="1"/>
+              <a:t>Nao","goodbye</a:t>
+            </a:r>
+            <a:r>
+              <a:rPr lang="en-US" dirty="0"/>
+              <a:t>"]</a:t>
+            </a:r>
+          </a:p>
+          <a:p>
+            <a:r>
+              <a:rPr lang="en-US" dirty="0"/>
+              <a:t>    </a:t>
+            </a:r>
+            <a:r>
+              <a:rPr lang="en-US" dirty="0" err="1"/>
+              <a:t>the_language</a:t>
+            </a:r>
+            <a:r>
+              <a:rPr lang="en-US" dirty="0"/>
+              <a:t>="English"</a:t>
+            </a:r>
+          </a:p>
+          <a:p>
+            <a:r>
+              <a:rPr lang="en-US" dirty="0"/>
+              <a:t>    </a:t>
+            </a:r>
+            <a:r>
+              <a:rPr lang="en-US" dirty="0" err="1"/>
+              <a:t>nao.InitSpeech</a:t>
+            </a:r>
+            <a:r>
+              <a:rPr lang="en-US" dirty="0"/>
+              <a:t>(</a:t>
+            </a:r>
+            <a:r>
+              <a:rPr lang="en-US" dirty="0" err="1"/>
+              <a:t>wordList,the_language</a:t>
+            </a:r>
+            <a:r>
+              <a:rPr lang="en-US" dirty="0"/>
+              <a:t>)</a:t>
+            </a:r>
+          </a:p>
+          <a:p>
+            <a:r>
+              <a:rPr lang="en-US" dirty="0"/>
+              <a:t>    count=0</a:t>
+            </a:r>
+          </a:p>
+          <a:p>
+            <a:r>
+              <a:rPr lang="en-US" dirty="0"/>
+              <a:t>    </a:t>
+            </a:r>
+            <a:r>
+              <a:rPr lang="en-US" dirty="0" err="1"/>
+              <a:t>nao.asr.subscribe</a:t>
+            </a:r>
+            <a:r>
+              <a:rPr lang="en-US" dirty="0"/>
+              <a:t>("</a:t>
+            </a:r>
+            <a:r>
+              <a:rPr lang="en-US" dirty="0" err="1"/>
+              <a:t>MyModule</a:t>
+            </a:r>
+            <a:r>
+              <a:rPr lang="en-US" dirty="0"/>
+              <a:t>")</a:t>
+            </a:r>
+          </a:p>
+          <a:p>
+            <a:r>
+              <a:rPr lang="en-US" dirty="0"/>
+              <a:t>    while count&lt;</a:t>
+            </a:r>
+            <a:r>
+              <a:rPr lang="en-US" dirty="0" err="1"/>
+              <a:t>maxcount</a:t>
+            </a:r>
+            <a:r>
+              <a:rPr lang="en-US" dirty="0"/>
+              <a:t>:</a:t>
+            </a:r>
+          </a:p>
+          <a:p>
+            <a:r>
+              <a:rPr lang="en-US" dirty="0"/>
+              <a:t>       </a:t>
+            </a:r>
+            <a:r>
+              <a:rPr lang="en-US" dirty="0" smtClean="0"/>
+              <a:t> result=</a:t>
+            </a:r>
+            <a:r>
+              <a:rPr lang="en-US" dirty="0" err="1" smtClean="0"/>
+              <a:t>nao.DetectSpeech</a:t>
+            </a:r>
+            <a:r>
+              <a:rPr lang="en-US" dirty="0"/>
+              <a:t>()</a:t>
+            </a:r>
+          </a:p>
+          <a:p>
+            <a:r>
+              <a:rPr lang="en-US" dirty="0" smtClean="0"/>
+              <a:t>        if </a:t>
+            </a:r>
+            <a:r>
+              <a:rPr lang="en-US" dirty="0" err="1"/>
+              <a:t>len</a:t>
+            </a:r>
+            <a:r>
+              <a:rPr lang="en-US" dirty="0"/>
+              <a:t>(result)&gt;0:</a:t>
+            </a:r>
+          </a:p>
+          <a:p>
+            <a:r>
+              <a:rPr lang="en-US" dirty="0"/>
+              <a:t>            print result</a:t>
+            </a:r>
+          </a:p>
+          <a:p>
+            <a:r>
+              <a:rPr lang="en-US" dirty="0"/>
+              <a:t>            </a:t>
+            </a:r>
+            <a:r>
+              <a:rPr lang="en-US" dirty="0" err="1"/>
+              <a:t>nao.asr.unsubscribe</a:t>
+            </a:r>
+            <a:r>
+              <a:rPr lang="en-US" dirty="0"/>
+              <a:t>("</a:t>
+            </a:r>
+            <a:r>
+              <a:rPr lang="en-US" dirty="0" err="1"/>
+              <a:t>MyModule</a:t>
+            </a:r>
+            <a:r>
+              <a:rPr lang="en-US" dirty="0"/>
+              <a:t>")</a:t>
+            </a:r>
+          </a:p>
+          <a:p>
+            <a:r>
+              <a:rPr lang="en-US" dirty="0"/>
+              <a:t>            </a:t>
+            </a:r>
+            <a:r>
+              <a:rPr lang="en-US" dirty="0" err="1"/>
+              <a:t>nao.Say</a:t>
+            </a:r>
+            <a:r>
+              <a:rPr lang="en-US" dirty="0"/>
+              <a:t>("You said: "+result[0]+".")</a:t>
+            </a:r>
+          </a:p>
+          <a:p>
+            <a:r>
+              <a:rPr lang="en-US" dirty="0"/>
+              <a:t>            </a:t>
+            </a:r>
+            <a:r>
+              <a:rPr lang="en-US" dirty="0" err="1"/>
+              <a:t>time.sleep</a:t>
+            </a:r>
+            <a:r>
+              <a:rPr lang="en-US" dirty="0"/>
+              <a:t>(0.2)</a:t>
+            </a:r>
+          </a:p>
+          <a:p>
+            <a:r>
+              <a:rPr lang="en-US" dirty="0"/>
+              <a:t>            </a:t>
+            </a:r>
+            <a:r>
+              <a:rPr lang="en-US" dirty="0" err="1"/>
+              <a:t>nao.asr.subscribe</a:t>
+            </a:r>
+            <a:r>
+              <a:rPr lang="en-US" dirty="0"/>
+              <a:t>("</a:t>
+            </a:r>
+            <a:r>
+              <a:rPr lang="en-US" dirty="0" err="1"/>
+              <a:t>MyModule</a:t>
+            </a:r>
+            <a:r>
+              <a:rPr lang="en-US" dirty="0"/>
+              <a:t>")</a:t>
+            </a:r>
+          </a:p>
+          <a:p>
+            <a:r>
+              <a:rPr lang="en-US" dirty="0"/>
+              <a:t>        </a:t>
+            </a:r>
+            <a:r>
+              <a:rPr lang="en-US" dirty="0" err="1"/>
+              <a:t>time.sleep</a:t>
+            </a:r>
+            <a:r>
+              <a:rPr lang="en-US" dirty="0"/>
+              <a:t>(0.2)</a:t>
+            </a:r>
+          </a:p>
+          <a:p>
+            <a:r>
+              <a:rPr lang="en-US" dirty="0"/>
+              <a:t>        count=count+1</a:t>
+            </a:r>
+          </a:p>
+          <a:p>
+            <a:r>
+              <a:rPr lang="en-US" dirty="0"/>
+              <a:t>    </a:t>
+            </a:r>
+            <a:r>
+              <a:rPr lang="en-US" dirty="0" err="1"/>
+              <a:t>nao.asr.unsubscribe</a:t>
+            </a:r>
+            <a:r>
+              <a:rPr lang="en-US" dirty="0"/>
+              <a:t>("</a:t>
+            </a:r>
+            <a:r>
+              <a:rPr lang="en-US" dirty="0" err="1"/>
+              <a:t>MyModule</a:t>
+            </a:r>
+            <a:r>
+              <a:rPr lang="en-US" dirty="0" smtClean="0"/>
+              <a:t>")</a:t>
+            </a:r>
+          </a:p>
+        </p:txBody>
+      </p:sp>
+    </p:spTree>
+    <p:extLst>
+      <p:ext uri="{BB962C8B-B14F-4D97-AF65-F5344CB8AC3E}">
+        <p14:creationId xmlns:p14="http://schemas.microsoft.com/office/powerpoint/2010/main" val="1486083387"/>
+      </p:ext>
+    </p:extLst>
+  </p:cSld>
+  <p:clrMapOvr>
+    <a:masterClrMapping/>
+  </p:clrMapOvr>
+  <p:timing>
+    <p:tnLst>
+      <p:par>
+        <p:cTn id="1" dur="indefinite" restart="never" nodeType="tmRoot"/>
+      </p:par>
+    </p:tnLst>
+  </p:timing>
+</p:sld>
+</file>
+
+<file path=ppt/slides/slide15.xml><?xml version="1.0" encoding="utf-8"?>
+<p:sld xmlns:a="http://schemas.openxmlformats.org/drawingml/2006/main" xmlns:r="http://schemas.openxmlformats.org/officeDocument/2006/relationships" xmlns:p="http://schemas.openxmlformats.org/presentationml/2006/main">
+  <p:cSld>
+    <p:spTree>
+      <p:nvGrpSpPr>
+        <p:cNvPr id="1" name=""/>
+        <p:cNvGrpSpPr/>
+        <p:nvPr/>
+      </p:nvGrpSpPr>
+      <p:grpSpPr>
+        <a:xfrm>
+          <a:off x="0" y="0"/>
+          <a:ext cx="0" cy="0"/>
+          <a:chOff x="0" y="0"/>
+          <a:chExt cx="0" cy="0"/>
+        </a:xfrm>
+      </p:grpSpPr>
+      <p:sp>
+        <p:nvSpPr>
+          <p:cNvPr id="2" name="Title 1"/>
+          <p:cNvSpPr>
+            <a:spLocks noGrp="1"/>
+          </p:cNvSpPr>
+          <p:nvPr>
+            <p:ph type="title"/>
+          </p:nvPr>
+        </p:nvSpPr>
+        <p:spPr/>
+        <p:txBody>
+          <a:bodyPr/>
+          <a:lstStyle/>
+          <a:p>
+            <a:r>
+              <a:rPr lang="en-US" dirty="0" smtClean="0"/>
+              <a:t>Run movements</a:t>
+            </a:r>
+            <a:endParaRPr lang="en-US" dirty="0"/>
+          </a:p>
+        </p:txBody>
+      </p:sp>
+      <p:sp>
+        <p:nvSpPr>
+          <p:cNvPr id="3" name="Content Placeholder 2"/>
+          <p:cNvSpPr>
+            <a:spLocks noGrp="1"/>
+          </p:cNvSpPr>
+          <p:nvPr>
+            <p:ph idx="1"/>
+          </p:nvPr>
+        </p:nvSpPr>
+        <p:spPr/>
+        <p:txBody>
+          <a:bodyPr/>
+          <a:lstStyle/>
+          <a:p>
+            <a:r>
+              <a:rPr lang="en-US" dirty="0" smtClean="0"/>
+              <a:t>Using </a:t>
+            </a:r>
+            <a:r>
+              <a:rPr lang="en-US" dirty="0" err="1" smtClean="0"/>
+              <a:t>choregraphe</a:t>
+            </a:r>
+            <a:r>
+              <a:rPr lang="en-US" dirty="0" smtClean="0"/>
+              <a:t>, one can export movement files to Python</a:t>
+            </a:r>
+          </a:p>
+          <a:p>
+            <a:r>
+              <a:rPr lang="en-US" dirty="0" smtClean="0"/>
+              <a:t>To run them, make sure that these movement files are findable by Python in a gestures subdirectory.</a:t>
+            </a:r>
+          </a:p>
+          <a:p>
+            <a:r>
+              <a:rPr lang="en-US" dirty="0" smtClean="0"/>
+              <a:t>Typically you put all “gestures” in a subdirectory “gestures” of your project. The file extension is by default “.</a:t>
+            </a:r>
+            <a:r>
+              <a:rPr lang="en-US" dirty="0" err="1" smtClean="0"/>
+              <a:t>py</a:t>
+            </a:r>
+            <a:r>
+              <a:rPr lang="en-US" dirty="0" smtClean="0"/>
+              <a:t>”  or “.</a:t>
+            </a:r>
+            <a:r>
+              <a:rPr lang="en-US" dirty="0" err="1" smtClean="0"/>
+              <a:t>ges</a:t>
+            </a:r>
+            <a:r>
+              <a:rPr lang="en-US" dirty="0" smtClean="0"/>
+              <a:t>”</a:t>
+            </a:r>
+          </a:p>
+          <a:p>
+            <a:endParaRPr lang="en-US" dirty="0" smtClean="0"/>
+          </a:p>
+          <a:p>
+            <a:r>
+              <a:rPr lang="en-US" dirty="0" smtClean="0"/>
+              <a:t>To list all available gestures:</a:t>
+            </a:r>
+          </a:p>
+          <a:p>
+            <a:endParaRPr lang="en-US" dirty="0"/>
+          </a:p>
+          <a:p>
+            <a:r>
+              <a:rPr lang="en-US" dirty="0" smtClean="0"/>
+              <a:t>To play back single gesture:</a:t>
+            </a:r>
+            <a:endParaRPr lang="en-US" dirty="0"/>
+          </a:p>
+        </p:txBody>
+      </p:sp>
+      <p:sp>
+        <p:nvSpPr>
+          <p:cNvPr id="4" name="Rectangle 3"/>
+          <p:cNvSpPr/>
+          <p:nvPr/>
+        </p:nvSpPr>
+        <p:spPr>
+          <a:xfrm>
+            <a:off x="828261" y="4817165"/>
+            <a:ext cx="4572000" cy="369332"/>
+          </a:xfrm>
+          <a:prstGeom prst="rect">
+            <a:avLst/>
+          </a:prstGeom>
+        </p:spPr>
+        <p:txBody>
+          <a:bodyPr>
+            <a:spAutoFit/>
+          </a:bodyPr>
+          <a:lstStyle/>
+          <a:p>
+            <a:r>
+              <a:rPr lang="en-US" dirty="0" err="1" smtClean="0"/>
+              <a:t>nao.GetAvailableGestures</a:t>
+            </a:r>
+            <a:r>
+              <a:rPr lang="en-US" dirty="0" smtClean="0"/>
+              <a:t>()</a:t>
+            </a:r>
+            <a:endParaRPr lang="en-US" dirty="0"/>
+          </a:p>
+        </p:txBody>
+      </p:sp>
+      <p:sp>
+        <p:nvSpPr>
+          <p:cNvPr id="5" name="Rectangle 4"/>
+          <p:cNvSpPr/>
+          <p:nvPr/>
+        </p:nvSpPr>
+        <p:spPr>
+          <a:xfrm>
+            <a:off x="828261" y="5682180"/>
+            <a:ext cx="6248400" cy="369332"/>
+          </a:xfrm>
+          <a:prstGeom prst="rect">
+            <a:avLst/>
+          </a:prstGeom>
+        </p:spPr>
+        <p:txBody>
+          <a:bodyPr wrap="square">
+            <a:spAutoFit/>
+          </a:bodyPr>
+          <a:lstStyle/>
+          <a:p>
+            <a:r>
+              <a:rPr lang="en-US" dirty="0" err="1" smtClean="0"/>
+              <a:t>nao.RunMovement</a:t>
+            </a:r>
+            <a:r>
+              <a:rPr lang="en-US" dirty="0" smtClean="0"/>
+              <a:t>(“the_name_of_the_gesture.py”)</a:t>
+            </a:r>
+            <a:endParaRPr lang="en-US" dirty="0"/>
+          </a:p>
+        </p:txBody>
+      </p:sp>
+    </p:spTree>
+    <p:extLst>
+      <p:ext uri="{BB962C8B-B14F-4D97-AF65-F5344CB8AC3E}">
+        <p14:creationId xmlns:p14="http://schemas.microsoft.com/office/powerpoint/2010/main" val="3262407682"/>
+      </p:ext>
+    </p:extLst>
+  </p:cSld>
+  <p:clrMapOvr>
+    <a:masterClrMapping/>
+  </p:clrMapOvr>
+</p:sld>
+</file>
+
+<file path=ppt/slides/slide16.xml><?xml version="1.0" encoding="utf-8"?>
+<p:sld xmlns:a="http://schemas.openxmlformats.org/drawingml/2006/main" xmlns:r="http://schemas.openxmlformats.org/officeDocument/2006/relationships" xmlns:p="http://schemas.openxmlformats.org/presentationml/2006/main">
+  <p:cSld>
+    <p:spTree>
+      <p:nvGrpSpPr>
+        <p:cNvPr id="1" name=""/>
+        <p:cNvGrpSpPr/>
+        <p:nvPr/>
+      </p:nvGrpSpPr>
+      <p:grpSpPr>
+        <a:xfrm>
+          <a:off x="0" y="0"/>
+          <a:ext cx="0" cy="0"/>
+          <a:chOff x="0" y="0"/>
+          <a:chExt cx="0" cy="0"/>
+        </a:xfrm>
+      </p:grpSpPr>
+      <p:sp>
+        <p:nvSpPr>
+          <p:cNvPr id="2" name="Title 1"/>
+          <p:cNvSpPr>
+            <a:spLocks noGrp="1"/>
+          </p:cNvSpPr>
+          <p:nvPr>
+            <p:ph type="title"/>
+          </p:nvPr>
+        </p:nvSpPr>
+        <p:spPr/>
+        <p:txBody>
+          <a:bodyPr/>
+          <a:lstStyle/>
+          <a:p>
+            <a:r>
+              <a:rPr lang="en-US" dirty="0" smtClean="0"/>
+              <a:t>Run LED patterns</a:t>
+            </a:r>
+            <a:endParaRPr lang="en-US" dirty="0"/>
+          </a:p>
+        </p:txBody>
+      </p:sp>
+      <p:sp>
+        <p:nvSpPr>
+          <p:cNvPr id="3" name="Content Placeholder 2"/>
+          <p:cNvSpPr>
+            <a:spLocks noGrp="1"/>
+          </p:cNvSpPr>
+          <p:nvPr>
+            <p:ph idx="1"/>
+          </p:nvPr>
+        </p:nvSpPr>
+        <p:spPr/>
+        <p:txBody>
+          <a:bodyPr/>
+          <a:lstStyle/>
+          <a:p>
+            <a:r>
+              <a:rPr lang="en-US" dirty="0" smtClean="0"/>
+              <a:t>To run LED patterns, make sure that these LED pattern files are findable by Python in a “led” subdirectory. </a:t>
+            </a:r>
+          </a:p>
+          <a:p>
+            <a:r>
+              <a:rPr lang="en-US" dirty="0" smtClean="0"/>
+              <a:t>Typically you put all LED patterns in a subdirectory “led” of your project.</a:t>
+            </a:r>
+          </a:p>
+          <a:p>
+            <a:endParaRPr lang="en-US" dirty="0" smtClean="0"/>
+          </a:p>
+          <a:p>
+            <a:r>
+              <a:rPr lang="en-US" dirty="0" smtClean="0"/>
+              <a:t>To list all available LED patterns:</a:t>
+            </a:r>
+          </a:p>
+          <a:p>
+            <a:endParaRPr lang="en-US" dirty="0"/>
+          </a:p>
+          <a:p>
+            <a:r>
+              <a:rPr lang="en-US" dirty="0" smtClean="0"/>
+              <a:t>To play back single LED pattern:</a:t>
+            </a:r>
+            <a:endParaRPr lang="en-US" dirty="0"/>
+          </a:p>
+        </p:txBody>
+      </p:sp>
+      <p:sp>
+        <p:nvSpPr>
+          <p:cNvPr id="4" name="Rectangle 3"/>
+          <p:cNvSpPr/>
+          <p:nvPr/>
+        </p:nvSpPr>
+        <p:spPr>
+          <a:xfrm>
+            <a:off x="828261" y="4008784"/>
+            <a:ext cx="4572000" cy="369332"/>
+          </a:xfrm>
+          <a:prstGeom prst="rect">
+            <a:avLst/>
+          </a:prstGeom>
+        </p:spPr>
+        <p:txBody>
+          <a:bodyPr>
+            <a:spAutoFit/>
+          </a:bodyPr>
+          <a:lstStyle/>
+          <a:p>
+            <a:r>
+              <a:rPr lang="en-US" dirty="0" err="1" smtClean="0"/>
+              <a:t>nao.GetAvailableLEDPatterns</a:t>
+            </a:r>
+            <a:r>
+              <a:rPr lang="en-US" dirty="0" smtClean="0"/>
+              <a:t>()</a:t>
+            </a:r>
+            <a:endParaRPr lang="en-US" dirty="0"/>
+          </a:p>
+        </p:txBody>
+      </p:sp>
+      <p:sp>
+        <p:nvSpPr>
+          <p:cNvPr id="5" name="Rectangle 4"/>
+          <p:cNvSpPr/>
+          <p:nvPr/>
+        </p:nvSpPr>
+        <p:spPr>
+          <a:xfrm>
+            <a:off x="828261" y="4913555"/>
+            <a:ext cx="6248400" cy="369332"/>
+          </a:xfrm>
+          <a:prstGeom prst="rect">
+            <a:avLst/>
+          </a:prstGeom>
+        </p:spPr>
+        <p:txBody>
+          <a:bodyPr wrap="square">
+            <a:spAutoFit/>
+          </a:bodyPr>
+          <a:lstStyle/>
+          <a:p>
+            <a:r>
+              <a:rPr lang="en-US" dirty="0" err="1" smtClean="0"/>
+              <a:t>nao.RunLED</a:t>
+            </a:r>
+            <a:r>
+              <a:rPr lang="en-US" dirty="0" smtClean="0"/>
+              <a:t>(“</a:t>
+            </a:r>
+            <a:r>
+              <a:rPr lang="en-US" dirty="0" err="1" smtClean="0"/>
+              <a:t>the_name_of_the_led_pattern.led</a:t>
+            </a:r>
+            <a:r>
+              <a:rPr lang="en-US" dirty="0" smtClean="0"/>
+              <a:t>”)</a:t>
+            </a:r>
+            <a:endParaRPr lang="en-US" dirty="0"/>
+          </a:p>
+        </p:txBody>
+      </p:sp>
+    </p:spTree>
+    <p:extLst>
+      <p:ext uri="{BB962C8B-B14F-4D97-AF65-F5344CB8AC3E}">
+        <p14:creationId xmlns:p14="http://schemas.microsoft.com/office/powerpoint/2010/main" val="3033190293"/>
+      </p:ext>
+    </p:extLst>
+  </p:cSld>
+  <p:clrMapOvr>
+    <a:masterClrMapping/>
+  </p:clrMapOvr>
+</p:sld>
+</file>
+
+<file path=ppt/slides/slide17.xml><?xml version="1.0" encoding="utf-8"?>
+<p:sld xmlns:a="http://schemas.openxmlformats.org/drawingml/2006/main" xmlns:r="http://schemas.openxmlformats.org/officeDocument/2006/relationships" xmlns:p="http://schemas.openxmlformats.org/presentationml/2006/main">
+  <p:cSld>
+    <p:spTree>
+      <p:nvGrpSpPr>
+        <p:cNvPr id="1" name=""/>
+        <p:cNvGrpSpPr/>
+        <p:nvPr/>
+      </p:nvGrpSpPr>
+      <p:grpSpPr>
+        <a:xfrm>
+          <a:off x="0" y="0"/>
+          <a:ext cx="0" cy="0"/>
+          <a:chOff x="0" y="0"/>
+          <a:chExt cx="0" cy="0"/>
+        </a:xfrm>
+      </p:grpSpPr>
+      <p:sp>
+        <p:nvSpPr>
+          <p:cNvPr id="2" name="Title 1"/>
+          <p:cNvSpPr>
+            <a:spLocks noGrp="1"/>
+          </p:cNvSpPr>
+          <p:nvPr>
+            <p:ph type="title"/>
+          </p:nvPr>
+        </p:nvSpPr>
+        <p:spPr/>
+        <p:txBody>
+          <a:bodyPr/>
+          <a:lstStyle/>
+          <a:p>
+            <a:r>
+              <a:rPr lang="en-US" dirty="0" smtClean="0"/>
+              <a:t>LED Pattern files</a:t>
+            </a:r>
+            <a:endParaRPr lang="en-US" dirty="0"/>
+          </a:p>
+        </p:txBody>
+      </p:sp>
+      <p:sp>
+        <p:nvSpPr>
+          <p:cNvPr id="5" name="Content Placeholder 4"/>
+          <p:cNvSpPr>
+            <a:spLocks noGrp="1"/>
+          </p:cNvSpPr>
+          <p:nvPr>
+            <p:ph idx="1"/>
+          </p:nvPr>
+        </p:nvSpPr>
+        <p:spPr/>
+        <p:txBody>
+          <a:bodyPr/>
+          <a:lstStyle/>
+          <a:p>
+            <a:r>
+              <a:rPr lang="en-US" dirty="0" smtClean="0"/>
+              <a:t>A LED pattern is a csv file (“;” as delimiter)</a:t>
+            </a:r>
+          </a:p>
+          <a:p>
+            <a:r>
+              <a:rPr lang="en-US" dirty="0" smtClean="0"/>
+              <a:t>The first row contains text </a:t>
+            </a:r>
+            <a:r>
+              <a:rPr lang="en-US" dirty="0" smtClean="0"/>
+              <a:t>labels</a:t>
+            </a:r>
+          </a:p>
+          <a:p>
+            <a:endParaRPr lang="en-US" dirty="0"/>
+          </a:p>
+          <a:p>
+            <a:endParaRPr lang="en-US" dirty="0" smtClean="0"/>
+          </a:p>
+          <a:p>
+            <a:endParaRPr lang="en-US" dirty="0"/>
+          </a:p>
+          <a:p>
+            <a:endParaRPr lang="en-US" dirty="0" smtClean="0"/>
+          </a:p>
+          <a:p>
+            <a:endParaRPr lang="en-US" dirty="0"/>
+          </a:p>
+          <a:p>
+            <a:endParaRPr lang="en-US" dirty="0" smtClean="0"/>
+          </a:p>
+          <a:p>
+            <a:r>
+              <a:rPr lang="en-US" sz="1800" dirty="0" err="1" smtClean="0"/>
+              <a:t>Groupname</a:t>
+            </a:r>
+            <a:r>
+              <a:rPr lang="en-US" sz="1800" dirty="0" smtClean="0"/>
+              <a:t> specifies the LED group as defined in </a:t>
+            </a:r>
+            <a:r>
+              <a:rPr lang="en-US" sz="1800" dirty="0" err="1" smtClean="0"/>
+              <a:t>naoqi</a:t>
+            </a:r>
+            <a:r>
+              <a:rPr lang="en-US" sz="1800" dirty="0" smtClean="0"/>
+              <a:t> (see SDK manual)</a:t>
+            </a:r>
+          </a:p>
+          <a:p>
+            <a:r>
+              <a:rPr lang="en-US" sz="1800" dirty="0" err="1" smtClean="0"/>
+              <a:t>r,g,b</a:t>
+            </a:r>
+            <a:r>
+              <a:rPr lang="en-US" sz="1800" dirty="0" smtClean="0"/>
+              <a:t> are integers between 0 and 255 that specify the RGB </a:t>
+            </a:r>
+            <a:r>
+              <a:rPr lang="en-US" sz="1800" dirty="0" err="1" smtClean="0"/>
+              <a:t>colour</a:t>
+            </a:r>
+            <a:endParaRPr lang="en-US" sz="1800" dirty="0" smtClean="0"/>
+          </a:p>
+          <a:p>
+            <a:r>
+              <a:rPr lang="en-US" sz="1800" dirty="0" smtClean="0"/>
+              <a:t>Frequency is the frequency in Hz; 0 is </a:t>
+            </a:r>
+            <a:r>
+              <a:rPr lang="en-US" sz="1800" dirty="0" err="1" smtClean="0"/>
+              <a:t>sontinuously</a:t>
+            </a:r>
+            <a:r>
+              <a:rPr lang="en-US" sz="1800" dirty="0" smtClean="0"/>
+              <a:t> on</a:t>
+            </a:r>
+          </a:p>
+          <a:p>
+            <a:r>
+              <a:rPr lang="en-US" sz="1800" dirty="0" smtClean="0"/>
+              <a:t>Duration specifies the duration of the </a:t>
+            </a:r>
+            <a:r>
+              <a:rPr lang="en-US" sz="1800" dirty="0" err="1" smtClean="0"/>
+              <a:t>colour</a:t>
+            </a:r>
+            <a:r>
+              <a:rPr lang="en-US" sz="1800" dirty="0" smtClean="0"/>
+              <a:t> in s.</a:t>
+            </a:r>
+            <a:endParaRPr lang="en-US" sz="1800" dirty="0"/>
+          </a:p>
+          <a:p>
+            <a:endParaRPr lang="en-US" sz="1200" dirty="0" smtClean="0"/>
+          </a:p>
+          <a:p>
+            <a:endParaRPr lang="en-US" sz="1200" dirty="0"/>
+          </a:p>
+          <a:p>
+            <a:endParaRPr lang="en-US" sz="1200" dirty="0" smtClean="0"/>
+          </a:p>
+          <a:p>
+            <a:endParaRPr lang="en-US" sz="1200" dirty="0"/>
+          </a:p>
+          <a:p>
+            <a:endParaRPr lang="en-US" sz="1200" dirty="0" smtClean="0"/>
+          </a:p>
+          <a:p>
+            <a:endParaRPr lang="en-US" sz="1200" dirty="0"/>
+          </a:p>
+          <a:p>
+            <a:endParaRPr lang="en-US" sz="1200" dirty="0"/>
+          </a:p>
+          <a:p>
+            <a:pPr marL="0" indent="0">
+              <a:buNone/>
+            </a:pPr>
+            <a:endParaRPr lang="en-US" sz="1200" dirty="0"/>
+          </a:p>
+        </p:txBody>
+      </p:sp>
+      <p:graphicFrame>
+        <p:nvGraphicFramePr>
+          <p:cNvPr id="6" name="Table 5"/>
+          <p:cNvGraphicFramePr>
+            <a:graphicFrameLocks noGrp="1"/>
+          </p:cNvGraphicFramePr>
+          <p:nvPr>
+            <p:extLst>
+              <p:ext uri="{D42A27DB-BD31-4B8C-83A1-F6EECF244321}">
+                <p14:modId xmlns:p14="http://schemas.microsoft.com/office/powerpoint/2010/main" val="259758114"/>
+              </p:ext>
+            </p:extLst>
+          </p:nvPr>
+        </p:nvGraphicFramePr>
+        <p:xfrm>
+          <a:off x="965994" y="2184876"/>
+          <a:ext cx="5644356" cy="2120423"/>
+        </p:xfrm>
+        <a:graphic>
+          <a:graphicData uri="http://schemas.openxmlformats.org/drawingml/2006/table">
+            <a:tbl>
+              <a:tblPr>
+                <a:tableStyleId>{616DA210-FB5B-4158-B5E0-FEB733F419BA}</a:tableStyleId>
+              </a:tblPr>
+              <a:tblGrid>
+                <a:gridCol w="940726"/>
+                <a:gridCol w="940726"/>
+                <a:gridCol w="940726"/>
+                <a:gridCol w="940726"/>
+                <a:gridCol w="940726"/>
+                <a:gridCol w="940726"/>
+              </a:tblGrid>
+              <a:tr h="1052839">
+                <a:tc>
+                  <a:txBody>
+                    <a:bodyPr/>
+                    <a:lstStyle/>
+                    <a:p>
+                      <a:pPr algn="l" fontAlgn="b"/>
+                      <a:r>
+                        <a:rPr lang="en-US" sz="1400" u="none" strike="noStrike" dirty="0" err="1">
+                          <a:effectLst/>
+                        </a:rPr>
+                        <a:t>groupname</a:t>
+                      </a:r>
+                      <a:r>
+                        <a:rPr lang="en-US" sz="1400" u="none" strike="noStrike" dirty="0">
+                          <a:effectLst/>
+                        </a:rPr>
+                        <a:t>(see help.txt)</a:t>
+                      </a:r>
+                      <a:endParaRPr lang="en-US" sz="1400" b="0" i="0" u="none" strike="noStrike" dirty="0">
+                        <a:solidFill>
+                          <a:srgbClr val="000000"/>
+                        </a:solidFill>
+                        <a:effectLst/>
+                        <a:latin typeface="Calibri" panose="020F0502020204030204" pitchFamily="34" charset="0"/>
+                      </a:endParaRPr>
+                    </a:p>
+                  </a:txBody>
+                  <a:tcPr marL="9525" marR="9525" marT="9525" marB="0" anchor="b"/>
+                </a:tc>
+                <a:tc>
+                  <a:txBody>
+                    <a:bodyPr/>
+                    <a:lstStyle/>
+                    <a:p>
+                      <a:pPr algn="l" fontAlgn="b"/>
+                      <a:r>
+                        <a:rPr lang="en-US" sz="1400" u="none" strike="noStrike">
+                          <a:effectLst/>
+                        </a:rPr>
+                        <a:t>r</a:t>
+                      </a:r>
+                      <a:endParaRPr lang="en-US" sz="1400" b="0" i="0" u="none" strike="noStrike">
+                        <a:solidFill>
+                          <a:srgbClr val="000000"/>
+                        </a:solidFill>
+                        <a:effectLst/>
+                        <a:latin typeface="Calibri" panose="020F0502020204030204" pitchFamily="34" charset="0"/>
+                      </a:endParaRPr>
+                    </a:p>
+                  </a:txBody>
+                  <a:tcPr marL="9525" marR="9525" marT="9525" marB="0" anchor="b"/>
+                </a:tc>
+                <a:tc>
+                  <a:txBody>
+                    <a:bodyPr/>
+                    <a:lstStyle/>
+                    <a:p>
+                      <a:pPr algn="l" fontAlgn="b"/>
+                      <a:r>
+                        <a:rPr lang="en-US" sz="1400" u="none" strike="noStrike">
+                          <a:effectLst/>
+                        </a:rPr>
+                        <a:t>g</a:t>
+                      </a:r>
+                      <a:endParaRPr lang="en-US" sz="1400" b="0" i="0" u="none" strike="noStrike">
+                        <a:solidFill>
+                          <a:srgbClr val="000000"/>
+                        </a:solidFill>
+                        <a:effectLst/>
+                        <a:latin typeface="Calibri" panose="020F0502020204030204" pitchFamily="34" charset="0"/>
+                      </a:endParaRPr>
+                    </a:p>
+                  </a:txBody>
+                  <a:tcPr marL="9525" marR="9525" marT="9525" marB="0" anchor="b"/>
+                </a:tc>
+                <a:tc>
+                  <a:txBody>
+                    <a:bodyPr/>
+                    <a:lstStyle/>
+                    <a:p>
+                      <a:pPr algn="l" fontAlgn="b"/>
+                      <a:r>
+                        <a:rPr lang="en-US" sz="1400" u="none" strike="noStrike">
+                          <a:effectLst/>
+                        </a:rPr>
+                        <a:t>b</a:t>
+                      </a:r>
+                      <a:endParaRPr lang="en-US" sz="1400" b="0" i="0" u="none" strike="noStrike">
+                        <a:solidFill>
+                          <a:srgbClr val="000000"/>
+                        </a:solidFill>
+                        <a:effectLst/>
+                        <a:latin typeface="Calibri" panose="020F0502020204030204" pitchFamily="34" charset="0"/>
+                      </a:endParaRPr>
+                    </a:p>
+                  </a:txBody>
+                  <a:tcPr marL="9525" marR="9525" marT="9525" marB="0" anchor="b"/>
+                </a:tc>
+                <a:tc>
+                  <a:txBody>
+                    <a:bodyPr/>
+                    <a:lstStyle/>
+                    <a:p>
+                      <a:pPr algn="l" fontAlgn="b"/>
+                      <a:r>
+                        <a:rPr lang="en-US" sz="1400" u="none" strike="noStrike" dirty="0">
+                          <a:effectLst/>
+                        </a:rPr>
+                        <a:t>frequency(0 = continuously on)</a:t>
+                      </a:r>
+                      <a:endParaRPr lang="en-US" sz="1400" b="0" i="0" u="none" strike="noStrike" dirty="0">
+                        <a:solidFill>
+                          <a:srgbClr val="000000"/>
+                        </a:solidFill>
+                        <a:effectLst/>
+                        <a:latin typeface="Calibri" panose="020F0502020204030204" pitchFamily="34" charset="0"/>
+                      </a:endParaRPr>
+                    </a:p>
+                  </a:txBody>
+                  <a:tcPr marL="9525" marR="9525" marT="9525" marB="0" anchor="b"/>
+                </a:tc>
+                <a:tc>
+                  <a:txBody>
+                    <a:bodyPr/>
+                    <a:lstStyle/>
+                    <a:p>
+                      <a:pPr algn="l" fontAlgn="b"/>
+                      <a:r>
+                        <a:rPr lang="en-US" sz="1400" u="none" strike="noStrike">
+                          <a:effectLst/>
+                        </a:rPr>
+                        <a:t>duration</a:t>
+                      </a:r>
+                      <a:endParaRPr lang="en-US" sz="1400" b="0" i="0" u="none" strike="noStrike">
+                        <a:solidFill>
+                          <a:srgbClr val="000000"/>
+                        </a:solidFill>
+                        <a:effectLst/>
+                        <a:latin typeface="Calibri" panose="020F0502020204030204" pitchFamily="34" charset="0"/>
+                      </a:endParaRPr>
+                    </a:p>
+                  </a:txBody>
+                  <a:tcPr marL="9525" marR="9525" marT="9525" marB="0" anchor="b"/>
+                </a:tc>
+              </a:tr>
+              <a:tr h="533792">
+                <a:tc>
+                  <a:txBody>
+                    <a:bodyPr/>
+                    <a:lstStyle/>
+                    <a:p>
+                      <a:pPr algn="l" fontAlgn="b"/>
+                      <a:r>
+                        <a:rPr lang="en-US" sz="1400" u="none" strike="noStrike">
+                          <a:effectLst/>
+                        </a:rPr>
+                        <a:t>FaceLeds</a:t>
+                      </a:r>
+                      <a:endParaRPr lang="en-US" sz="1400" b="0" i="0" u="none" strike="noStrike">
+                        <a:solidFill>
+                          <a:srgbClr val="000000"/>
+                        </a:solidFill>
+                        <a:effectLst/>
+                        <a:latin typeface="Calibri" panose="020F0502020204030204" pitchFamily="34" charset="0"/>
+                      </a:endParaRPr>
+                    </a:p>
+                  </a:txBody>
+                  <a:tcPr marL="9525" marR="9525" marT="9525" marB="0" anchor="b"/>
+                </a:tc>
+                <a:tc>
+                  <a:txBody>
+                    <a:bodyPr/>
+                    <a:lstStyle/>
+                    <a:p>
+                      <a:pPr algn="r" fontAlgn="b"/>
+                      <a:r>
+                        <a:rPr lang="en-US" sz="1400" u="none" strike="noStrike">
+                          <a:effectLst/>
+                        </a:rPr>
+                        <a:t>0</a:t>
+                      </a:r>
+                      <a:endParaRPr lang="en-US" sz="1400" b="0" i="0" u="none" strike="noStrike">
+                        <a:solidFill>
+                          <a:srgbClr val="000000"/>
+                        </a:solidFill>
+                        <a:effectLst/>
+                        <a:latin typeface="Calibri" panose="020F0502020204030204" pitchFamily="34" charset="0"/>
+                      </a:endParaRPr>
+                    </a:p>
+                  </a:txBody>
+                  <a:tcPr marL="9525" marR="9525" marT="9525" marB="0" anchor="b"/>
+                </a:tc>
+                <a:tc>
+                  <a:txBody>
+                    <a:bodyPr/>
+                    <a:lstStyle/>
+                    <a:p>
+                      <a:pPr algn="r" fontAlgn="b"/>
+                      <a:r>
+                        <a:rPr lang="en-US" sz="1400" u="none" strike="noStrike">
+                          <a:effectLst/>
+                        </a:rPr>
+                        <a:t>20</a:t>
+                      </a:r>
+                      <a:endParaRPr lang="en-US" sz="1400" b="0" i="0" u="none" strike="noStrike">
+                        <a:solidFill>
+                          <a:srgbClr val="000000"/>
+                        </a:solidFill>
+                        <a:effectLst/>
+                        <a:latin typeface="Calibri" panose="020F0502020204030204" pitchFamily="34" charset="0"/>
+                      </a:endParaRPr>
+                    </a:p>
+                  </a:txBody>
+                  <a:tcPr marL="9525" marR="9525" marT="9525" marB="0" anchor="b"/>
+                </a:tc>
+                <a:tc>
+                  <a:txBody>
+                    <a:bodyPr/>
+                    <a:lstStyle/>
+                    <a:p>
+                      <a:pPr algn="r" fontAlgn="b"/>
+                      <a:r>
+                        <a:rPr lang="en-US" sz="1400" u="none" strike="noStrike">
+                          <a:effectLst/>
+                        </a:rPr>
+                        <a:t>80</a:t>
+                      </a:r>
+                      <a:endParaRPr lang="en-US" sz="1400" b="0" i="0" u="none" strike="noStrike">
+                        <a:solidFill>
+                          <a:srgbClr val="000000"/>
+                        </a:solidFill>
+                        <a:effectLst/>
+                        <a:latin typeface="Calibri" panose="020F0502020204030204" pitchFamily="34" charset="0"/>
+                      </a:endParaRPr>
+                    </a:p>
+                  </a:txBody>
+                  <a:tcPr marL="9525" marR="9525" marT="9525" marB="0" anchor="b"/>
+                </a:tc>
+                <a:tc>
+                  <a:txBody>
+                    <a:bodyPr/>
+                    <a:lstStyle/>
+                    <a:p>
+                      <a:pPr algn="r" fontAlgn="b"/>
+                      <a:r>
+                        <a:rPr lang="en-US" sz="1400" u="none" strike="noStrike">
+                          <a:effectLst/>
+                        </a:rPr>
+                        <a:t>0</a:t>
+                      </a:r>
+                      <a:endParaRPr lang="en-US" sz="1400" b="0" i="0" u="none" strike="noStrike">
+                        <a:solidFill>
+                          <a:srgbClr val="000000"/>
+                        </a:solidFill>
+                        <a:effectLst/>
+                        <a:latin typeface="Calibri" panose="020F0502020204030204" pitchFamily="34" charset="0"/>
+                      </a:endParaRPr>
+                    </a:p>
+                  </a:txBody>
+                  <a:tcPr marL="9525" marR="9525" marT="9525" marB="0" anchor="b"/>
+                </a:tc>
+                <a:tc>
+                  <a:txBody>
+                    <a:bodyPr/>
+                    <a:lstStyle/>
+                    <a:p>
+                      <a:pPr algn="l" fontAlgn="b"/>
+                      <a:r>
+                        <a:rPr lang="en-US" sz="1400" u="none" strike="noStrike">
+                          <a:effectLst/>
+                        </a:rPr>
+                        <a:t>0.5</a:t>
+                      </a:r>
+                      <a:endParaRPr lang="en-US" sz="1400" b="0" i="0" u="none" strike="noStrike">
+                        <a:solidFill>
+                          <a:srgbClr val="000000"/>
+                        </a:solidFill>
+                        <a:effectLst/>
+                        <a:latin typeface="Calibri" panose="020F0502020204030204" pitchFamily="34" charset="0"/>
+                      </a:endParaRPr>
+                    </a:p>
+                  </a:txBody>
+                  <a:tcPr marL="9525" marR="9525" marT="9525" marB="0" anchor="b"/>
+                </a:tc>
+              </a:tr>
+              <a:tr h="533792">
+                <a:tc>
+                  <a:txBody>
+                    <a:bodyPr/>
+                    <a:lstStyle/>
+                    <a:p>
+                      <a:pPr algn="l" fontAlgn="b"/>
+                      <a:r>
+                        <a:rPr lang="en-US" sz="1400" u="none" strike="noStrike">
+                          <a:effectLst/>
+                        </a:rPr>
+                        <a:t>FaceLeds</a:t>
+                      </a:r>
+                      <a:endParaRPr lang="en-US" sz="1400" b="0" i="0" u="none" strike="noStrike">
+                        <a:solidFill>
+                          <a:srgbClr val="000000"/>
+                        </a:solidFill>
+                        <a:effectLst/>
+                        <a:latin typeface="Calibri" panose="020F0502020204030204" pitchFamily="34" charset="0"/>
+                      </a:endParaRPr>
+                    </a:p>
+                  </a:txBody>
+                  <a:tcPr marL="9525" marR="9525" marT="9525" marB="0" anchor="b"/>
+                </a:tc>
+                <a:tc>
+                  <a:txBody>
+                    <a:bodyPr/>
+                    <a:lstStyle/>
+                    <a:p>
+                      <a:pPr algn="r" fontAlgn="b"/>
+                      <a:r>
+                        <a:rPr lang="en-US" sz="1400" u="none" strike="noStrike">
+                          <a:effectLst/>
+                        </a:rPr>
+                        <a:t>0</a:t>
+                      </a:r>
+                      <a:endParaRPr lang="en-US" sz="1400" b="0" i="0" u="none" strike="noStrike">
+                        <a:solidFill>
+                          <a:srgbClr val="000000"/>
+                        </a:solidFill>
+                        <a:effectLst/>
+                        <a:latin typeface="Calibri" panose="020F0502020204030204" pitchFamily="34" charset="0"/>
+                      </a:endParaRPr>
+                    </a:p>
+                  </a:txBody>
+                  <a:tcPr marL="9525" marR="9525" marT="9525" marB="0" anchor="b"/>
+                </a:tc>
+                <a:tc>
+                  <a:txBody>
+                    <a:bodyPr/>
+                    <a:lstStyle/>
+                    <a:p>
+                      <a:pPr algn="r" fontAlgn="b"/>
+                      <a:r>
+                        <a:rPr lang="en-US" sz="1400" u="none" strike="noStrike">
+                          <a:effectLst/>
+                        </a:rPr>
+                        <a:t>0</a:t>
+                      </a:r>
+                      <a:endParaRPr lang="en-US" sz="1400" b="0" i="0" u="none" strike="noStrike">
+                        <a:solidFill>
+                          <a:srgbClr val="000000"/>
+                        </a:solidFill>
+                        <a:effectLst/>
+                        <a:latin typeface="Calibri" panose="020F0502020204030204" pitchFamily="34" charset="0"/>
+                      </a:endParaRPr>
+                    </a:p>
+                  </a:txBody>
+                  <a:tcPr marL="9525" marR="9525" marT="9525" marB="0" anchor="b"/>
+                </a:tc>
+                <a:tc>
+                  <a:txBody>
+                    <a:bodyPr/>
+                    <a:lstStyle/>
+                    <a:p>
+                      <a:pPr algn="r" fontAlgn="b"/>
+                      <a:r>
+                        <a:rPr lang="en-US" sz="1400" u="none" strike="noStrike">
+                          <a:effectLst/>
+                        </a:rPr>
+                        <a:t>0</a:t>
+                      </a:r>
+                      <a:endParaRPr lang="en-US" sz="1400" b="0" i="0" u="none" strike="noStrike">
+                        <a:solidFill>
+                          <a:srgbClr val="000000"/>
+                        </a:solidFill>
+                        <a:effectLst/>
+                        <a:latin typeface="Calibri" panose="020F0502020204030204" pitchFamily="34" charset="0"/>
+                      </a:endParaRPr>
+                    </a:p>
+                  </a:txBody>
+                  <a:tcPr marL="9525" marR="9525" marT="9525" marB="0" anchor="b"/>
+                </a:tc>
+                <a:tc>
+                  <a:txBody>
+                    <a:bodyPr/>
+                    <a:lstStyle/>
+                    <a:p>
+                      <a:pPr algn="r" fontAlgn="b"/>
+                      <a:r>
+                        <a:rPr lang="en-US" sz="1400" u="none" strike="noStrike">
+                          <a:effectLst/>
+                        </a:rPr>
+                        <a:t>0</a:t>
+                      </a:r>
+                      <a:endParaRPr lang="en-US" sz="1400" b="0" i="0" u="none" strike="noStrike">
+                        <a:solidFill>
+                          <a:srgbClr val="000000"/>
+                        </a:solidFill>
+                        <a:effectLst/>
+                        <a:latin typeface="Calibri" panose="020F0502020204030204" pitchFamily="34" charset="0"/>
+                      </a:endParaRPr>
+                    </a:p>
+                  </a:txBody>
+                  <a:tcPr marL="9525" marR="9525" marT="9525" marB="0" anchor="b"/>
+                </a:tc>
+                <a:tc>
+                  <a:txBody>
+                    <a:bodyPr/>
+                    <a:lstStyle/>
+                    <a:p>
+                      <a:pPr algn="r" fontAlgn="b"/>
+                      <a:r>
+                        <a:rPr lang="en-US" sz="1400" u="none" strike="noStrike" dirty="0">
+                          <a:effectLst/>
+                        </a:rPr>
+                        <a:t>2</a:t>
+                      </a:r>
+                      <a:endParaRPr lang="en-US" sz="1400" b="0" i="0" u="none" strike="noStrike" dirty="0">
+                        <a:solidFill>
+                          <a:srgbClr val="000000"/>
+                        </a:solidFill>
+                        <a:effectLst/>
+                        <a:latin typeface="Calibri" panose="020F0502020204030204" pitchFamily="34" charset="0"/>
+                      </a:endParaRPr>
+                    </a:p>
+                  </a:txBody>
+                  <a:tcPr marL="9525" marR="9525" marT="9525" marB="0" anchor="b"/>
+                </a:tc>
+              </a:tr>
+            </a:tbl>
+          </a:graphicData>
+        </a:graphic>
+      </p:graphicFrame>
+    </p:spTree>
+    <p:extLst>
+      <p:ext uri="{BB962C8B-B14F-4D97-AF65-F5344CB8AC3E}">
+        <p14:creationId xmlns:p14="http://schemas.microsoft.com/office/powerpoint/2010/main" val="2772220844"/>
+      </p:ext>
+    </p:extLst>
+  </p:cSld>
+  <p:clrMapOvr>
+    <a:masterClrMapping/>
+  </p:clrMapOvr>
+  <p:timing>
+    <p:tnLst>
+      <p:par>
+        <p:cTn id="1" dur="indefinite" restart="never" nodeType="tmRoot"/>
+      </p:par>
+    </p:tnLst>
+  </p:timing>
+</p:sld>
+</file>
+
+<file path=ppt/slides/slide18.xml><?xml version="1.0" encoding="utf-8"?>
+<p:sld xmlns:a="http://schemas.openxmlformats.org/drawingml/2006/main" xmlns:r="http://schemas.openxmlformats.org/officeDocument/2006/relationships" xmlns:p="http://schemas.openxmlformats.org/presentationml/2006/main">
+  <p:cSld>
+    <p:spTree>
+      <p:nvGrpSpPr>
+        <p:cNvPr id="1" name=""/>
+        <p:cNvGrpSpPr/>
+        <p:nvPr/>
+      </p:nvGrpSpPr>
+      <p:grpSpPr>
+        <a:xfrm>
+          <a:off x="0" y="0"/>
+          <a:ext cx="0" cy="0"/>
+          <a:chOff x="0" y="0"/>
+          <a:chExt cx="0" cy="0"/>
+        </a:xfrm>
+      </p:grpSpPr>
+      <p:sp>
+        <p:nvSpPr>
+          <p:cNvPr id="2" name="Title 1"/>
+          <p:cNvSpPr>
+            <a:spLocks noGrp="1"/>
+          </p:cNvSpPr>
+          <p:nvPr>
+            <p:ph type="title"/>
+          </p:nvPr>
+        </p:nvSpPr>
+        <p:spPr/>
+        <p:txBody>
+          <a:bodyPr/>
+          <a:lstStyle/>
+          <a:p>
+            <a:r>
+              <a:rPr lang="en-US" dirty="0" smtClean="0"/>
+              <a:t>LED Pattern files</a:t>
+            </a:r>
+            <a:endParaRPr lang="en-US" dirty="0"/>
+          </a:p>
+        </p:txBody>
+      </p:sp>
+      <p:sp>
+        <p:nvSpPr>
+          <p:cNvPr id="5" name="Content Placeholder 4"/>
+          <p:cNvSpPr>
+            <a:spLocks noGrp="1"/>
+          </p:cNvSpPr>
+          <p:nvPr>
+            <p:ph idx="1"/>
+          </p:nvPr>
+        </p:nvSpPr>
+        <p:spPr/>
+        <p:txBody>
+          <a:bodyPr/>
+          <a:lstStyle/>
+          <a:p>
+            <a:r>
+              <a:rPr lang="en-US" dirty="0" smtClean="0"/>
+              <a:t>Available groups:</a:t>
+            </a:r>
+          </a:p>
+          <a:p>
+            <a:endParaRPr lang="en-US" dirty="0" smtClean="0"/>
+          </a:p>
+          <a:p>
+            <a:r>
+              <a:rPr lang="en-US" sz="1200" dirty="0" smtClean="0"/>
+              <a:t>[</a:t>
+            </a:r>
+            <a:r>
+              <a:rPr lang="en-US" sz="1200" dirty="0"/>
+              <a:t>'</a:t>
+            </a:r>
+            <a:r>
+              <a:rPr lang="en-US" sz="1200" dirty="0" err="1"/>
+              <a:t>AllLeds</a:t>
+            </a:r>
+            <a:r>
+              <a:rPr lang="en-US" sz="1200" dirty="0"/>
+              <a:t>', '</a:t>
+            </a:r>
+            <a:r>
+              <a:rPr lang="en-US" sz="1200" dirty="0" err="1"/>
+              <a:t>AllLedsBlue</a:t>
+            </a:r>
+            <a:r>
+              <a:rPr lang="en-US" sz="1200" dirty="0"/>
+              <a:t>', '</a:t>
+            </a:r>
+            <a:r>
+              <a:rPr lang="en-US" sz="1200" dirty="0" err="1"/>
+              <a:t>AllLedsGreen</a:t>
+            </a:r>
+            <a:r>
+              <a:rPr lang="en-US" sz="1200" dirty="0"/>
+              <a:t>', '</a:t>
+            </a:r>
+            <a:r>
+              <a:rPr lang="en-US" sz="1200" dirty="0" err="1"/>
+              <a:t>AllLedsRed</a:t>
+            </a:r>
+            <a:r>
+              <a:rPr lang="en-US" sz="1200" dirty="0"/>
+              <a:t>', '</a:t>
+            </a:r>
+            <a:r>
+              <a:rPr lang="en-US" sz="1200" dirty="0" err="1"/>
+              <a:t>BrainLeds</a:t>
+            </a:r>
+            <a:r>
+              <a:rPr lang="en-US" sz="1200" dirty="0"/>
+              <a:t>', '</a:t>
+            </a:r>
+            <a:r>
+              <a:rPr lang="en-US" sz="1200" dirty="0" err="1"/>
+              <a:t>BrainLedsBack</a:t>
+            </a:r>
+            <a:r>
+              <a:rPr lang="en-US" sz="1200" dirty="0"/>
+              <a:t>', '</a:t>
+            </a:r>
+            <a:r>
+              <a:rPr lang="en-US" sz="1200" dirty="0" err="1"/>
+              <a:t>BrainLedsFront</a:t>
+            </a:r>
+            <a:r>
+              <a:rPr lang="en-US" sz="1200" dirty="0"/>
+              <a:t>', '</a:t>
+            </a:r>
+            <a:r>
+              <a:rPr lang="en-US" sz="1200" dirty="0" err="1"/>
+              <a:t>BrainLedsLeft</a:t>
+            </a:r>
+            <a:r>
+              <a:rPr lang="en-US" sz="1200" dirty="0"/>
+              <a:t>', '</a:t>
+            </a:r>
+            <a:r>
+              <a:rPr lang="en-US" sz="1200" dirty="0" err="1"/>
+              <a:t>BrainLedsMiddle</a:t>
+            </a:r>
+            <a:r>
+              <a:rPr lang="en-US" sz="1200" dirty="0"/>
+              <a:t>', '</a:t>
+            </a:r>
+            <a:r>
+              <a:rPr lang="en-US" sz="1200" dirty="0" err="1"/>
+              <a:t>BrainLedsRight</a:t>
+            </a:r>
+            <a:r>
+              <a:rPr lang="en-US" sz="1200" dirty="0"/>
+              <a:t>', '</a:t>
+            </a:r>
+            <a:r>
+              <a:rPr lang="en-US" sz="1200" dirty="0" err="1"/>
+              <a:t>ChestLeds</a:t>
+            </a:r>
+            <a:r>
+              <a:rPr lang="en-US" sz="1200" dirty="0"/>
+              <a:t>', '</a:t>
+            </a:r>
+            <a:r>
+              <a:rPr lang="en-US" sz="1200" dirty="0" err="1"/>
+              <a:t>EarLeds</a:t>
+            </a:r>
+            <a:r>
+              <a:rPr lang="en-US" sz="1200" dirty="0"/>
+              <a:t>', 'FaceLed0', 'FaceLed1', 'FaceLed2', 'FaceLed3', 'FaceLed4', 'FaceLed5', 'FaceLed6', 'FaceLed7', 'FaceLedLeft0', 'FaceLedLeft1', 'FaceLedLeft2', 'FaceLedLeft3', 'FaceLedLeft4', 'FaceLedLeft5', 'FaceLedLeft6', 'FaceLedLeft7', 'FaceLedRight0', 'FaceLedRight1', 'FaceLedRight2', 'FaceLedRight3', 'FaceLedRight4', 'FaceLedRight5', 'FaceLedRight6', 'FaceLedRight7', '</a:t>
+            </a:r>
+            <a:r>
+              <a:rPr lang="en-US" sz="1200" dirty="0" err="1"/>
+              <a:t>FaceLeds</a:t>
+            </a:r>
+            <a:r>
+              <a:rPr lang="en-US" sz="1200" dirty="0"/>
+              <a:t>', '</a:t>
+            </a:r>
+            <a:r>
+              <a:rPr lang="en-US" sz="1200" dirty="0" err="1"/>
+              <a:t>FaceLedsBottom</a:t>
+            </a:r>
+            <a:r>
+              <a:rPr lang="en-US" sz="1200" dirty="0"/>
+              <a:t>', '</a:t>
+            </a:r>
+            <a:r>
+              <a:rPr lang="en-US" sz="1200" dirty="0" err="1"/>
+              <a:t>FaceLedsExternal</a:t>
+            </a:r>
+            <a:r>
+              <a:rPr lang="en-US" sz="1200" dirty="0"/>
+              <a:t>', '</a:t>
+            </a:r>
+            <a:r>
+              <a:rPr lang="en-US" sz="1200" dirty="0" err="1"/>
+              <a:t>FaceLedsInternal</a:t>
+            </a:r>
+            <a:r>
+              <a:rPr lang="en-US" sz="1200" dirty="0"/>
+              <a:t>', '</a:t>
+            </a:r>
+            <a:r>
+              <a:rPr lang="en-US" sz="1200" dirty="0" err="1"/>
+              <a:t>FaceLedsLeftBottom</a:t>
+            </a:r>
+            <a:r>
+              <a:rPr lang="en-US" sz="1200" dirty="0"/>
+              <a:t>', '</a:t>
+            </a:r>
+            <a:r>
+              <a:rPr lang="en-US" sz="1200" dirty="0" err="1"/>
+              <a:t>FaceLedsLeftExternal</a:t>
+            </a:r>
+            <a:r>
+              <a:rPr lang="en-US" sz="1200" dirty="0"/>
+              <a:t>', '</a:t>
+            </a:r>
+            <a:r>
+              <a:rPr lang="en-US" sz="1200" dirty="0" err="1"/>
+              <a:t>FaceLedsLeftInternal</a:t>
+            </a:r>
+            <a:r>
+              <a:rPr lang="en-US" sz="1200" dirty="0"/>
+              <a:t>', '</a:t>
+            </a:r>
+            <a:r>
+              <a:rPr lang="en-US" sz="1200" dirty="0" err="1"/>
+              <a:t>FaceLedsLeftTop</a:t>
+            </a:r>
+            <a:r>
+              <a:rPr lang="en-US" sz="1200" dirty="0"/>
+              <a:t>', '</a:t>
+            </a:r>
+            <a:r>
+              <a:rPr lang="en-US" sz="1200" dirty="0" err="1"/>
+              <a:t>FaceLedsRightBottom</a:t>
+            </a:r>
+            <a:r>
+              <a:rPr lang="en-US" sz="1200" dirty="0"/>
+              <a:t>', '</a:t>
+            </a:r>
+            <a:r>
+              <a:rPr lang="en-US" sz="1200" dirty="0" err="1"/>
+              <a:t>FaceLedsRightExternal</a:t>
+            </a:r>
+            <a:r>
+              <a:rPr lang="en-US" sz="1200" dirty="0"/>
+              <a:t>', '</a:t>
+            </a:r>
+            <a:r>
+              <a:rPr lang="en-US" sz="1200" dirty="0" err="1"/>
+              <a:t>FaceLedsRightInternal</a:t>
+            </a:r>
+            <a:r>
+              <a:rPr lang="en-US" sz="1200" dirty="0"/>
+              <a:t>', '</a:t>
+            </a:r>
+            <a:r>
+              <a:rPr lang="en-US" sz="1200" dirty="0" err="1"/>
+              <a:t>FaceLedsRightTop</a:t>
+            </a:r>
+            <a:r>
+              <a:rPr lang="en-US" sz="1200" dirty="0"/>
+              <a:t>', '</a:t>
+            </a:r>
+            <a:r>
+              <a:rPr lang="en-US" sz="1200" dirty="0" err="1"/>
+              <a:t>FaceLedsTop</a:t>
+            </a:r>
+            <a:r>
+              <a:rPr lang="en-US" sz="1200" dirty="0"/>
+              <a:t>', '</a:t>
+            </a:r>
+            <a:r>
+              <a:rPr lang="en-US" sz="1200" dirty="0" err="1"/>
+              <a:t>FeetLeds</a:t>
+            </a:r>
+            <a:r>
+              <a:rPr lang="en-US" sz="1200" dirty="0"/>
+              <a:t>', '</a:t>
+            </a:r>
+            <a:r>
+              <a:rPr lang="en-US" sz="1200" dirty="0" err="1"/>
+              <a:t>LeftEarLeds</a:t>
+            </a:r>
+            <a:r>
+              <a:rPr lang="en-US" sz="1200" dirty="0"/>
+              <a:t>', '</a:t>
+            </a:r>
+            <a:r>
+              <a:rPr lang="en-US" sz="1200" dirty="0" err="1"/>
+              <a:t>LeftEarLedsBack</a:t>
+            </a:r>
+            <a:r>
+              <a:rPr lang="en-US" sz="1200" dirty="0"/>
+              <a:t>', '</a:t>
+            </a:r>
+            <a:r>
+              <a:rPr lang="en-US" sz="1200" dirty="0" err="1"/>
+              <a:t>LeftEarLedsEven</a:t>
+            </a:r>
+            <a:r>
+              <a:rPr lang="en-US" sz="1200" dirty="0"/>
+              <a:t>', '</a:t>
+            </a:r>
+            <a:r>
+              <a:rPr lang="en-US" sz="1200" dirty="0" err="1"/>
+              <a:t>LeftEarLedsFront</a:t>
+            </a:r>
+            <a:r>
+              <a:rPr lang="en-US" sz="1200" dirty="0"/>
+              <a:t>', '</a:t>
+            </a:r>
+            <a:r>
+              <a:rPr lang="en-US" sz="1200" dirty="0" err="1"/>
+              <a:t>LeftEarLedsOdd</a:t>
+            </a:r>
+            <a:r>
+              <a:rPr lang="en-US" sz="1200" dirty="0"/>
+              <a:t>', '</a:t>
+            </a:r>
+            <a:r>
+              <a:rPr lang="en-US" sz="1200" dirty="0" err="1"/>
+              <a:t>LeftFaceLeds</a:t>
+            </a:r>
+            <a:r>
+              <a:rPr lang="en-US" sz="1200" dirty="0"/>
+              <a:t>', '</a:t>
+            </a:r>
+            <a:r>
+              <a:rPr lang="en-US" sz="1200" dirty="0" err="1"/>
+              <a:t>LeftFaceLedsBlue</a:t>
+            </a:r>
+            <a:r>
+              <a:rPr lang="en-US" sz="1200" dirty="0"/>
+              <a:t>', '</a:t>
+            </a:r>
+            <a:r>
+              <a:rPr lang="en-US" sz="1200" dirty="0" err="1"/>
+              <a:t>LeftFaceLedsGreen</a:t>
+            </a:r>
+            <a:r>
+              <a:rPr lang="en-US" sz="1200" dirty="0"/>
+              <a:t>', '</a:t>
+            </a:r>
+            <a:r>
+              <a:rPr lang="en-US" sz="1200" dirty="0" err="1"/>
+              <a:t>LeftFaceLedsRed</a:t>
+            </a:r>
+            <a:r>
+              <a:rPr lang="en-US" sz="1200" dirty="0"/>
+              <a:t>', '</a:t>
+            </a:r>
+            <a:r>
+              <a:rPr lang="en-US" sz="1200" dirty="0" err="1"/>
+              <a:t>LeftFootLeds</a:t>
+            </a:r>
+            <a:r>
+              <a:rPr lang="en-US" sz="1200" dirty="0"/>
+              <a:t>', '</a:t>
+            </a:r>
+            <a:r>
+              <a:rPr lang="en-US" sz="1200" dirty="0" err="1"/>
+              <a:t>RightEarLeds</a:t>
+            </a:r>
+            <a:r>
+              <a:rPr lang="en-US" sz="1200" dirty="0"/>
+              <a:t>', '</a:t>
+            </a:r>
+            <a:r>
+              <a:rPr lang="en-US" sz="1200" dirty="0" err="1"/>
+              <a:t>RightEarLedsBack</a:t>
+            </a:r>
+            <a:r>
+              <a:rPr lang="en-US" sz="1200" dirty="0"/>
+              <a:t>', '</a:t>
+            </a:r>
+            <a:r>
+              <a:rPr lang="en-US" sz="1200" dirty="0" err="1"/>
+              <a:t>RightEarLedsEven</a:t>
+            </a:r>
+            <a:r>
+              <a:rPr lang="en-US" sz="1200" dirty="0"/>
+              <a:t>', '</a:t>
+            </a:r>
+            <a:r>
+              <a:rPr lang="en-US" sz="1200" dirty="0" err="1"/>
+              <a:t>RightEarLedsFront</a:t>
+            </a:r>
+            <a:r>
+              <a:rPr lang="en-US" sz="1200" dirty="0"/>
+              <a:t>', '</a:t>
+            </a:r>
+            <a:r>
+              <a:rPr lang="en-US" sz="1200" dirty="0" err="1"/>
+              <a:t>RightEarLedsOdd</a:t>
+            </a:r>
+            <a:r>
+              <a:rPr lang="en-US" sz="1200" dirty="0"/>
+              <a:t>', '</a:t>
+            </a:r>
+            <a:r>
+              <a:rPr lang="en-US" sz="1200" dirty="0" err="1"/>
+              <a:t>RightFaceLeds</a:t>
+            </a:r>
+            <a:r>
+              <a:rPr lang="en-US" sz="1200" dirty="0"/>
+              <a:t>', '</a:t>
+            </a:r>
+            <a:r>
+              <a:rPr lang="en-US" sz="1200" dirty="0" err="1"/>
+              <a:t>RightFaceLedsBlue</a:t>
+            </a:r>
+            <a:r>
+              <a:rPr lang="en-US" sz="1200" dirty="0"/>
+              <a:t>', '</a:t>
+            </a:r>
+            <a:r>
+              <a:rPr lang="en-US" sz="1200" dirty="0" err="1"/>
+              <a:t>RightFaceLedsGreen</a:t>
+            </a:r>
+            <a:r>
+              <a:rPr lang="en-US" sz="1200" dirty="0"/>
+              <a:t>', '</a:t>
+            </a:r>
+            <a:r>
+              <a:rPr lang="en-US" sz="1200" dirty="0" err="1"/>
+              <a:t>RightFaceLedsRed</a:t>
+            </a:r>
+            <a:r>
+              <a:rPr lang="en-US" sz="1200" dirty="0"/>
+              <a:t>', '</a:t>
+            </a:r>
+            <a:r>
+              <a:rPr lang="en-US" sz="1200" dirty="0" err="1"/>
+              <a:t>RightFootLeds</a:t>
+            </a:r>
+            <a:r>
+              <a:rPr lang="en-US" sz="1200" dirty="0"/>
+              <a:t>']</a:t>
+            </a:r>
+          </a:p>
+          <a:p>
+            <a:endParaRPr lang="en-US" sz="1200" dirty="0"/>
+          </a:p>
+        </p:txBody>
+      </p:sp>
+    </p:spTree>
+    <p:extLst>
+      <p:ext uri="{BB962C8B-B14F-4D97-AF65-F5344CB8AC3E}">
+        <p14:creationId xmlns:p14="http://schemas.microsoft.com/office/powerpoint/2010/main" val="168483714"/>
+      </p:ext>
+    </p:extLst>
+  </p:cSld>
+  <p:clrMapOvr>
+    <a:masterClrMapping/>
+  </p:clrMapOvr>
+  <p:timing>
+    <p:tnLst>
+      <p:par>
+        <p:cTn id="1" dur="indefinite" restart="never" nodeType="tmRoot"/>
+      </p:par>
+    </p:tnLst>
+  </p:timing>
+</p:sld>
+</file>
+
+<file path=ppt/slides/slide19.xml><?xml version="1.0" encoding="utf-8"?>
+<p:sld xmlns:a="http://schemas.openxmlformats.org/drawingml/2006/main" xmlns:r="http://schemas.openxmlformats.org/officeDocument/2006/relationships" xmlns:p="http://schemas.openxmlformats.org/presentationml/2006/main">
+  <p:cSld>
+    <p:spTree>
+      <p:nvGrpSpPr>
+        <p:cNvPr id="1" name=""/>
+        <p:cNvGrpSpPr/>
+        <p:nvPr/>
+      </p:nvGrpSpPr>
+      <p:grpSpPr>
+        <a:xfrm>
+          <a:off x="0" y="0"/>
+          <a:ext cx="0" cy="0"/>
+          <a:chOff x="0" y="0"/>
+          <a:chExt cx="0" cy="0"/>
+        </a:xfrm>
+      </p:grpSpPr>
+      <p:sp>
+        <p:nvSpPr>
+          <p:cNvPr id="2" name="Title 1"/>
+          <p:cNvSpPr>
+            <a:spLocks noGrp="1"/>
+          </p:cNvSpPr>
+          <p:nvPr>
+            <p:ph type="title"/>
+          </p:nvPr>
+        </p:nvSpPr>
+        <p:spPr/>
+        <p:txBody>
+          <a:bodyPr/>
+          <a:lstStyle/>
+          <a:p>
+            <a:endParaRPr lang="en-US"/>
+          </a:p>
+        </p:txBody>
+      </p:sp>
+      <p:sp>
+        <p:nvSpPr>
+          <p:cNvPr id="3" name="Content Placeholder 2"/>
+          <p:cNvSpPr>
+            <a:spLocks noGrp="1"/>
+          </p:cNvSpPr>
+          <p:nvPr>
+            <p:ph idx="1"/>
+          </p:nvPr>
+        </p:nvSpPr>
+        <p:spPr/>
+        <p:txBody>
+          <a:bodyPr/>
+          <a:lstStyle/>
+          <a:p>
+            <a:r>
+              <a:rPr lang="en-US" dirty="0" smtClean="0"/>
+              <a:t>A simple test:</a:t>
+            </a:r>
+            <a:endParaRPr lang="en-US" dirty="0"/>
+          </a:p>
+        </p:txBody>
+      </p:sp>
+      <p:sp>
+        <p:nvSpPr>
+          <p:cNvPr id="4" name="Rectangle 3"/>
+          <p:cNvSpPr/>
+          <p:nvPr/>
+        </p:nvSpPr>
+        <p:spPr>
+          <a:xfrm>
+            <a:off x="841513" y="2002521"/>
+            <a:ext cx="4572000" cy="2031325"/>
+          </a:xfrm>
+          <a:prstGeom prst="rect">
+            <a:avLst/>
+          </a:prstGeom>
+        </p:spPr>
+        <p:txBody>
+          <a:bodyPr>
+            <a:spAutoFit/>
+          </a:bodyPr>
+          <a:lstStyle/>
+          <a:p>
+            <a:r>
+              <a:rPr lang="en-US" dirty="0" err="1"/>
+              <a:t>def</a:t>
+            </a:r>
+            <a:r>
+              <a:rPr lang="en-US" dirty="0"/>
+              <a:t> </a:t>
+            </a:r>
+            <a:r>
+              <a:rPr lang="en-US" dirty="0" err="1"/>
+              <a:t>testleds</a:t>
+            </a:r>
+            <a:r>
+              <a:rPr lang="en-US" dirty="0"/>
+              <a:t>():</a:t>
+            </a:r>
+          </a:p>
+          <a:p>
+            <a:r>
+              <a:rPr lang="en-US" dirty="0"/>
+              <a:t>    </a:t>
+            </a:r>
+            <a:r>
+              <a:rPr lang="en-US" dirty="0" err="1"/>
+              <a:t>leds</a:t>
+            </a:r>
+            <a:r>
+              <a:rPr lang="en-US" dirty="0"/>
+              <a:t>=</a:t>
+            </a:r>
+            <a:r>
+              <a:rPr lang="en-US" dirty="0" err="1"/>
+              <a:t>nao.GetAvailableLEDPatterns</a:t>
+            </a:r>
+            <a:r>
+              <a:rPr lang="en-US" dirty="0"/>
+              <a:t>()</a:t>
+            </a:r>
+          </a:p>
+          <a:p>
+            <a:r>
+              <a:rPr lang="en-US" dirty="0"/>
+              <a:t>    for l in </a:t>
+            </a:r>
+            <a:r>
+              <a:rPr lang="en-US" dirty="0" err="1"/>
+              <a:t>leds</a:t>
+            </a:r>
+            <a:r>
+              <a:rPr lang="en-US" dirty="0"/>
+              <a:t>:</a:t>
+            </a:r>
+          </a:p>
+          <a:p>
+            <a:r>
+              <a:rPr lang="en-US" dirty="0"/>
+              <a:t>        print "LED pattern ", l, </a:t>
+            </a:r>
+          </a:p>
+          <a:p>
+            <a:r>
+              <a:rPr lang="en-US" dirty="0"/>
+              <a:t>        </a:t>
+            </a:r>
+            <a:r>
+              <a:rPr lang="en-US" dirty="0" err="1"/>
+              <a:t>nao.RunLED</a:t>
+            </a:r>
+            <a:r>
+              <a:rPr lang="en-US" dirty="0"/>
+              <a:t>(l)</a:t>
+            </a:r>
+          </a:p>
+          <a:p>
+            <a:r>
+              <a:rPr lang="en-US" dirty="0"/>
+              <a:t>        </a:t>
+            </a:r>
+            <a:r>
+              <a:rPr lang="en-US" dirty="0" err="1"/>
+              <a:t>time.sleep</a:t>
+            </a:r>
+            <a:r>
+              <a:rPr lang="en-US" dirty="0"/>
+              <a:t>(3)</a:t>
+            </a:r>
+          </a:p>
+          <a:p>
+            <a:r>
+              <a:rPr lang="en-US" dirty="0"/>
+              <a:t>        print " done."</a:t>
+            </a:r>
+          </a:p>
+        </p:txBody>
+      </p:sp>
+    </p:spTree>
+    <p:extLst>
+      <p:ext uri="{BB962C8B-B14F-4D97-AF65-F5344CB8AC3E}">
+        <p14:creationId xmlns:p14="http://schemas.microsoft.com/office/powerpoint/2010/main" val="2659416745"/>
+      </p:ext>
+    </p:extLst>
+  </p:cSld>
+  <p:clrMapOvr>
+    <a:masterClrMapping/>
+  </p:clrMapOvr>
+</p:sld>
+</file>
+
 <file path=ppt/slides/slide2.xml><?xml version="1.0" encoding="utf-8"?>
 <p:sld xmlns:a="http://schemas.openxmlformats.org/drawingml/2006/main" xmlns:r="http://schemas.openxmlformats.org/officeDocument/2006/relationships" xmlns:p="http://schemas.openxmlformats.org/presentationml/2006/main">
   <p:cSld>
@@ -7627,11 +7122,7 @@
             </a:r>
             <a:r>
               <a:rPr lang="en-US" dirty="0" smtClean="0"/>
-              <a:t>(1.0,0.0.0.0.1.0</a:t>
-            </a:r>
-            <a:r>
-              <a:rPr lang="en-US" dirty="0" smtClean="0"/>
-              <a:t>)</a:t>
+              <a:t>(1.0,0.0.0.0.1.0)</a:t>
             </a:r>
             <a:endParaRPr lang="en-US" dirty="0"/>
           </a:p>
@@ -8513,15 +8004,19 @@
             <a:endParaRPr lang="en-US" dirty="0" smtClean="0"/>
           </a:p>
           <a:p>
-            <a:pPr marL="0" indent="0">
-              <a:buNone/>
-            </a:pPr>
-            <a:endParaRPr lang="en-US" dirty="0" smtClean="0"/>
-          </a:p>
-          <a:p>
-            <a:r>
-              <a:rPr lang="en-US" dirty="0" smtClean="0"/>
-              <a:t>Marker Info is an array with the following fields:</a:t>
+            <a:r>
+              <a:rPr lang="en-US" dirty="0" err="1" smtClean="0"/>
+              <a:t>MarkerInfo</a:t>
+            </a:r>
+            <a:r>
+              <a:rPr lang="en-US" dirty="0" smtClean="0"/>
+              <a:t> is an array of detected landmarks</a:t>
+            </a:r>
+          </a:p>
+          <a:p>
+            <a:r>
+              <a:rPr lang="en-US" dirty="0" smtClean="0"/>
+              <a:t>Each detected landmark contains 6 fields, for example the first detected landmark contains:</a:t>
             </a:r>
           </a:p>
           <a:p>
@@ -8615,7 +8110,7 @@
         </p:nvSpPr>
         <p:spPr>
           <a:xfrm>
-            <a:off x="877749" y="4656831"/>
+            <a:off x="625958" y="4974881"/>
             <a:ext cx="6741862" cy="1754327"/>
           </a:xfrm>
           <a:prstGeom prst="rect">
@@ -8629,12 +8124,16 @@
           <a:lstStyle/>
           <a:p>
             <a:r>
-              <a:rPr lang="en-US" dirty="0" err="1" smtClean="0"/>
-              <a:t>markerinfo</a:t>
-            </a:r>
-            <a:r>
-              <a:rPr lang="en-US" dirty="0" smtClean="0"/>
-              <a:t>[0]		#</a:t>
+              <a:rPr lang="en-US" dirty="0" err="1"/>
+              <a:t>m</a:t>
+            </a:r>
+            <a:r>
+              <a:rPr lang="en-US" dirty="0" err="1" smtClean="0"/>
+              <a:t>arkerinfo</a:t>
+            </a:r>
+            <a:r>
+              <a:rPr lang="en-US" dirty="0" smtClean="0"/>
+              <a:t>[0][0]		#</a:t>
             </a:r>
             <a:r>
               <a:rPr lang="en-US" dirty="0" err="1"/>
@@ -8644,20 +8143,16 @@
           </a:p>
           <a:p>
             <a:r>
-              <a:rPr lang="en-US" dirty="0" err="1" smtClean="0"/>
-              <a:t>markerinfo</a:t>
-            </a:r>
-            <a:r>
-              <a:rPr lang="en-US" dirty="0" smtClean="0"/>
-              <a:t>[</a:t>
-            </a:r>
-            <a:r>
-              <a:rPr lang="en-US" dirty="0"/>
-              <a:t>1</a:t>
-            </a:r>
-            <a:r>
-              <a:rPr lang="en-US" dirty="0" smtClean="0"/>
-              <a:t>]		#</a:t>
+              <a:rPr lang="en-US" dirty="0" err="1"/>
+              <a:t>m</a:t>
+            </a:r>
+            <a:r>
+              <a:rPr lang="en-US" dirty="0" err="1" smtClean="0"/>
+              <a:t>arkerinfo</a:t>
+            </a:r>
+            <a:r>
+              <a:rPr lang="en-US" dirty="0" smtClean="0"/>
+              <a:t>[0][1]		#</a:t>
             </a:r>
             <a:r>
               <a:rPr lang="en-US" dirty="0"/>
@@ -8666,20 +8161,16 @@
           </a:p>
           <a:p>
             <a:r>
-              <a:rPr lang="en-US" dirty="0" err="1" smtClean="0"/>
-              <a:t>markerinfo</a:t>
-            </a:r>
-            <a:r>
-              <a:rPr lang="en-US" dirty="0" smtClean="0"/>
-              <a:t>[</a:t>
-            </a:r>
-            <a:r>
-              <a:rPr lang="en-US" dirty="0"/>
-              <a:t>2</a:t>
-            </a:r>
-            <a:r>
-              <a:rPr lang="en-US" dirty="0" smtClean="0"/>
-              <a:t>]</a:t>
+              <a:rPr lang="en-US" dirty="0" err="1"/>
+              <a:t>m</a:t>
+            </a:r>
+            <a:r>
+              <a:rPr lang="en-US" dirty="0" err="1" smtClean="0"/>
+              <a:t>arkerinfo</a:t>
+            </a:r>
+            <a:r>
+              <a:rPr lang="en-US" dirty="0" smtClean="0"/>
+              <a:t>[0][2]</a:t>
             </a:r>
             <a:r>
               <a:rPr lang="en-US" dirty="0"/>
@@ -8696,20 +8187,16 @@
           </a:p>
           <a:p>
             <a:r>
-              <a:rPr lang="en-US" dirty="0" err="1" smtClean="0"/>
-              <a:t>markerinfo</a:t>
-            </a:r>
-            <a:r>
-              <a:rPr lang="en-US" dirty="0" smtClean="0"/>
-              <a:t>[</a:t>
-            </a:r>
-            <a:r>
-              <a:rPr lang="en-US" dirty="0"/>
-              <a:t>3</a:t>
-            </a:r>
-            <a:r>
-              <a:rPr lang="en-US" dirty="0" smtClean="0"/>
-              <a:t>]</a:t>
+              <a:rPr lang="en-US" dirty="0" err="1"/>
+              <a:t>m</a:t>
+            </a:r>
+            <a:r>
+              <a:rPr lang="en-US" dirty="0" err="1" smtClean="0"/>
+              <a:t>arkerinfo</a:t>
+            </a:r>
+            <a:r>
+              <a:rPr lang="en-US" dirty="0" smtClean="0"/>
+              <a:t>[0][3]</a:t>
             </a:r>
             <a:r>
               <a:rPr lang="en-US" dirty="0"/>
@@ -8727,20 +8214,16 @@
           </a:p>
           <a:p>
             <a:r>
-              <a:rPr lang="en-US" dirty="0" err="1" smtClean="0"/>
-              <a:t>markerinfo</a:t>
-            </a:r>
-            <a:r>
-              <a:rPr lang="en-US" dirty="0" smtClean="0"/>
-              <a:t>[</a:t>
-            </a:r>
-            <a:r>
-              <a:rPr lang="en-US" dirty="0"/>
-              <a:t>4</a:t>
-            </a:r>
-            <a:r>
-              <a:rPr lang="en-US" dirty="0" smtClean="0"/>
-              <a:t>]		#</a:t>
+              <a:rPr lang="en-US" dirty="0" err="1"/>
+              <a:t>m</a:t>
+            </a:r>
+            <a:r>
+              <a:rPr lang="en-US" dirty="0" err="1" smtClean="0"/>
+              <a:t>arkerinfo</a:t>
+            </a:r>
+            <a:r>
+              <a:rPr lang="en-US" dirty="0" smtClean="0"/>
+              <a:t>[0][4]		#</a:t>
             </a:r>
             <a:r>
               <a:rPr lang="en-US" dirty="0" err="1"/>
@@ -8750,16 +8233,20 @@
           </a:p>
           <a:p>
             <a:r>
-              <a:rPr lang="en-US" dirty="0" err="1" smtClean="0"/>
-              <a:t>markerinfo</a:t>
-            </a:r>
-            <a:r>
-              <a:rPr lang="en-US" dirty="0" smtClean="0"/>
-              <a:t>[</a:t>
+              <a:rPr lang="en-US" dirty="0" err="1"/>
+              <a:t>m</a:t>
+            </a:r>
+            <a:r>
+              <a:rPr lang="en-US" dirty="0" err="1" smtClean="0"/>
+              <a:t>arkerinfo</a:t>
+            </a:r>
+            <a:r>
+              <a:rPr lang="en-US" dirty="0" smtClean="0"/>
+              <a:t>[0][5</a:t>
             </a:r>
             <a:r>
               <a:rPr lang="en-US" dirty="0"/>
-              <a:t>5] </a:t>
+              <a:t>] </a:t>
             </a:r>
             <a:r>
               <a:rPr lang="en-US" dirty="0" smtClean="0"/>
@@ -9660,326 +9147,6 @@
 </file>
 
 <file path=ppt/theme/theme1.xml><?xml version="1.0" encoding="utf-8"?>
-<a:theme xmlns:a="http://schemas.openxmlformats.org/drawingml/2006/main" name="Office Theme">
-  <a:themeElements>
-    <a:clrScheme name="Office">
-      <a:dk1>
-        <a:sysClr val="windowText" lastClr="000000"/>
-      </a:dk1>
-      <a:lt1>
-        <a:sysClr val="window" lastClr="FFFFFF"/>
-      </a:lt1>
-      <a:dk2>
-        <a:srgbClr val="1F497D"/>
-      </a:dk2>
-      <a:lt2>
-        <a:srgbClr val="EEECE1"/>
-      </a:lt2>
-      <a:accent1>
-        <a:srgbClr val="4F81BD"/>
-      </a:accent1>
-      <a:accent2>
-        <a:srgbClr val="C0504D"/>
-      </a:accent2>
-      <a:accent3>
-        <a:srgbClr val="9BBB59"/>
-      </a:accent3>
-      <a:accent4>
-        <a:srgbClr val="8064A2"/>
-      </a:accent4>
-      <a:accent5>
-        <a:srgbClr val="4BACC6"/>
-      </a:accent5>
-      <a:accent6>
-        <a:srgbClr val="F79646"/>
-      </a:accent6>
-      <a:hlink>
-        <a:srgbClr val="0000FF"/>
-      </a:hlink>
-      <a:folHlink>
-        <a:srgbClr val="800080"/>
-      </a:folHlink>
-    </a:clrScheme>
-    <a:fontScheme name="Office">
-      <a:majorFont>
-        <a:latin typeface="Calibri"/>
-        <a:ea typeface=""/>
-        <a:cs typeface=""/>
-        <a:font script="Jpan" typeface="ＭＳ Ｐゴシック"/>
-        <a:font script="Hang" typeface="맑은 고딕"/>
-        <a:font script="Hans" typeface="宋体"/>
-        <a:font script="Hant" typeface="新細明體"/>
-        <a:font script="Arab" typeface="Times New Roman"/>
-        <a:font script="Hebr" typeface="Times New Roman"/>
-        <a:font script="Thai" typeface="Angsana New"/>
-        <a:font script="Ethi" typeface="Nyala"/>
-        <a:font script="Beng" typeface="Vrinda"/>
-        <a:font script="Gujr" typeface="Shruti"/>
-        <a:font script="Khmr" typeface="MoolBoran"/>
-        <a:font script="Knda" typeface="Tunga"/>
-        <a:font script="Guru" typeface="Raavi"/>
-        <a:font script="Cans" typeface="Euphemia"/>
-        <a:font script="Cher" typeface="Plantagenet Cherokee"/>
-        <a:font script="Yiii" typeface="Microsoft Yi Baiti"/>
-        <a:font script="Tibt" typeface="Microsoft Himalaya"/>
-        <a:font script="Thaa" typeface="MV Boli"/>
-        <a:font script="Deva" typeface="Mangal"/>
-        <a:font script="Telu" typeface="Gautami"/>
-        <a:font script="Taml" typeface="Latha"/>
-        <a:font script="Syrc" typeface="Estrangelo Edessa"/>
-        <a:font script="Orya" typeface="Kalinga"/>
-        <a:font script="Mlym" typeface="Kartika"/>
-        <a:font script="Laoo" typeface="DokChampa"/>
-        <a:font script="Sinh" typeface="Iskoola Pota"/>
-        <a:font script="Mong" typeface="Mongolian Baiti"/>
-        <a:font script="Viet" typeface="Times New Roman"/>
-        <a:font script="Uigh" typeface="Microsoft Uighur"/>
-        <a:font script="Geor" typeface="Sylfaen"/>
-      </a:majorFont>
-      <a:minorFont>
-        <a:latin typeface="Calibri"/>
-        <a:ea typeface=""/>
-        <a:cs typeface=""/>
-        <a:font script="Jpan" typeface="ＭＳ Ｐゴシック"/>
-        <a:font script="Hang" typeface="맑은 고딕"/>
-        <a:font script="Hans" typeface="宋体"/>
-        <a:font script="Hant" typeface="新細明體"/>
-        <a:font script="Arab" typeface="Arial"/>
-        <a:font script="Hebr" typeface="Arial"/>
-        <a:font script="Thai" typeface="Cordia New"/>
-        <a:font script="Ethi" typeface="Nyala"/>
-        <a:font script="Beng" typeface="Vrinda"/>
-        <a:font script="Gujr" typeface="Shruti"/>
-        <a:font script="Khmr" typeface="DaunPenh"/>
-        <a:font script="Knda" typeface="Tunga"/>
-        <a:font script="Guru" typeface="Raavi"/>
-        <a:font script="Cans" typeface="Euphemia"/>
-        <a:font script="Cher" typeface="Plantagenet Cherokee"/>
-        <a:font script="Yiii" typeface="Microsoft Yi Baiti"/>
-        <a:font script="Tibt" typeface="Microsoft Himalaya"/>
-        <a:font script="Thaa" typeface="MV Boli"/>
-        <a:font script="Deva" typeface="Mangal"/>
-        <a:font script="Telu" typeface="Gautami"/>
-        <a:font script="Taml" typeface="Latha"/>
-        <a:font script="Syrc" typeface="Estrangelo Edessa"/>
-        <a:font script="Orya" typeface="Kalinga"/>
-        <a:font script="Mlym" typeface="Kartika"/>
-        <a:font script="Laoo" typeface="DokChampa"/>
-        <a:font script="Sinh" typeface="Iskoola Pota"/>
-        <a:font script="Mong" typeface="Mongolian Baiti"/>
-        <a:font script="Viet" typeface="Arial"/>
-        <a:font script="Uigh" typeface="Microsoft Uighur"/>
-        <a:font script="Geor" typeface="Sylfaen"/>
-      </a:minorFont>
-    </a:fontScheme>
-    <a:fmtScheme name="Office">
-      <a:fillStyleLst>
-        <a:solidFill>
-          <a:schemeClr val="phClr"/>
-        </a:solidFill>
-        <a:gradFill rotWithShape="1">
-          <a:gsLst>
-            <a:gs pos="0">
-              <a:schemeClr val="phClr">
-                <a:tint val="50000"/>
-                <a:satMod val="300000"/>
-              </a:schemeClr>
-            </a:gs>
-            <a:gs pos="35000">
-              <a:schemeClr val="phClr">
-                <a:tint val="37000"/>
-                <a:satMod val="300000"/>
-              </a:schemeClr>
-            </a:gs>
-            <a:gs pos="100000">
-              <a:schemeClr val="phClr">
-                <a:tint val="15000"/>
-                <a:satMod val="350000"/>
-              </a:schemeClr>
-            </a:gs>
-          </a:gsLst>
-          <a:lin ang="16200000" scaled="1"/>
-        </a:gradFill>
-        <a:gradFill rotWithShape="1">
-          <a:gsLst>
-            <a:gs pos="0">
-              <a:schemeClr val="phClr">
-                <a:tint val="100000"/>
-                <a:shade val="100000"/>
-                <a:satMod val="130000"/>
-              </a:schemeClr>
-            </a:gs>
-            <a:gs pos="100000">
-              <a:schemeClr val="phClr">
-                <a:tint val="50000"/>
-                <a:shade val="100000"/>
-                <a:satMod val="350000"/>
-              </a:schemeClr>
-            </a:gs>
-          </a:gsLst>
-          <a:lin ang="16200000" scaled="0"/>
-        </a:gradFill>
-      </a:fillStyleLst>
-      <a:lnStyleLst>
-        <a:ln w="9525" cap="flat" cmpd="sng" algn="ctr">
-          <a:solidFill>
-            <a:schemeClr val="phClr">
-              <a:shade val="95000"/>
-              <a:satMod val="105000"/>
-            </a:schemeClr>
-          </a:solidFill>
-          <a:prstDash val="solid"/>
-        </a:ln>
-        <a:ln w="25400" cap="flat" cmpd="sng" algn="ctr">
-          <a:solidFill>
-            <a:schemeClr val="phClr"/>
-          </a:solidFill>
-          <a:prstDash val="solid"/>
-        </a:ln>
-        <a:ln w="38100" cap="flat" cmpd="sng" algn="ctr">
-          <a:solidFill>
-            <a:schemeClr val="phClr"/>
-          </a:solidFill>
-          <a:prstDash val="solid"/>
-        </a:ln>
-      </a:lnStyleLst>
-      <a:effectStyleLst>
-        <a:effectStyle>
-          <a:effectLst>
-            <a:outerShdw blurRad="40000" dist="20000" dir="5400000" rotWithShape="0">
-              <a:srgbClr val="000000">
-                <a:alpha val="38000"/>
-              </a:srgbClr>
-            </a:outerShdw>
-          </a:effectLst>
-        </a:effectStyle>
-        <a:effectStyle>
-          <a:effectLst>
-            <a:outerShdw blurRad="40000" dist="23000" dir="5400000" rotWithShape="0">
-              <a:srgbClr val="000000">
-                <a:alpha val="35000"/>
-              </a:srgbClr>
-            </a:outerShdw>
-          </a:effectLst>
-        </a:effectStyle>
-        <a:effectStyle>
-          <a:effectLst>
-            <a:outerShdw blurRad="40000" dist="23000" dir="5400000" rotWithShape="0">
-              <a:srgbClr val="000000">
-                <a:alpha val="35000"/>
-              </a:srgbClr>
-            </a:outerShdw>
-          </a:effectLst>
-          <a:scene3d>
-            <a:camera prst="orthographicFront">
-              <a:rot lat="0" lon="0" rev="0"/>
-            </a:camera>
-            <a:lightRig rig="threePt" dir="t">
-              <a:rot lat="0" lon="0" rev="1200000"/>
-            </a:lightRig>
-          </a:scene3d>
-          <a:sp3d>
-            <a:bevelT w="63500" h="25400"/>
-          </a:sp3d>
-        </a:effectStyle>
-      </a:effectStyleLst>
-      <a:bgFillStyleLst>
-        <a:solidFill>
-          <a:schemeClr val="phClr"/>
-        </a:solidFill>
-        <a:gradFill rotWithShape="1">
-          <a:gsLst>
-            <a:gs pos="0">
-              <a:schemeClr val="phClr">
-                <a:tint val="40000"/>
-                <a:satMod val="350000"/>
-              </a:schemeClr>
-            </a:gs>
-            <a:gs pos="40000">
-              <a:schemeClr val="phClr">
-                <a:tint val="45000"/>
-                <a:shade val="99000"/>
-                <a:satMod val="350000"/>
-              </a:schemeClr>
-            </a:gs>
-            <a:gs pos="100000">
-              <a:schemeClr val="phClr">
-                <a:shade val="20000"/>
-                <a:satMod val="255000"/>
-              </a:schemeClr>
-            </a:gs>
-          </a:gsLst>
-          <a:path path="circle">
-            <a:fillToRect l="50000" t="-80000" r="50000" b="180000"/>
-          </a:path>
-        </a:gradFill>
-        <a:gradFill rotWithShape="1">
-          <a:gsLst>
-            <a:gs pos="0">
-              <a:schemeClr val="phClr">
-                <a:tint val="80000"/>
-                <a:satMod val="300000"/>
-              </a:schemeClr>
-            </a:gs>
-            <a:gs pos="100000">
-              <a:schemeClr val="phClr">
-                <a:shade val="30000"/>
-                <a:satMod val="200000"/>
-              </a:schemeClr>
-            </a:gs>
-          </a:gsLst>
-          <a:path path="circle">
-            <a:fillToRect l="50000" t="50000" r="50000" b="50000"/>
-          </a:path>
-        </a:gradFill>
-      </a:bgFillStyleLst>
-    </a:fmtScheme>
-  </a:themeElements>
-  <a:objectDefaults>
-    <a:spDef>
-      <a:spPr/>
-      <a:bodyPr/>
-      <a:lstStyle/>
-      <a:style>
-        <a:lnRef idx="1">
-          <a:schemeClr val="accent1"/>
-        </a:lnRef>
-        <a:fillRef idx="3">
-          <a:schemeClr val="accent1"/>
-        </a:fillRef>
-        <a:effectRef idx="2">
-          <a:schemeClr val="accent1"/>
-        </a:effectRef>
-        <a:fontRef idx="minor">
-          <a:schemeClr val="lt1"/>
-        </a:fontRef>
-      </a:style>
-    </a:spDef>
-    <a:lnDef>
-      <a:spPr/>
-      <a:bodyPr/>
-      <a:lstStyle/>
-      <a:style>
-        <a:lnRef idx="2">
-          <a:schemeClr val="accent1"/>
-        </a:lnRef>
-        <a:fillRef idx="0">
-          <a:schemeClr val="accent1"/>
-        </a:fillRef>
-        <a:effectRef idx="1">
-          <a:schemeClr val="accent1"/>
-        </a:effectRef>
-        <a:fontRef idx="minor">
-          <a:schemeClr val="tx1"/>
-        </a:fontRef>
-      </a:style>
-    </a:lnDef>
-  </a:objectDefaults>
-  <a:extraClrSchemeLst/>
-</a:theme>
-</file>
-
-<file path=ppt/theme/theme2.xml><?xml version="1.0" encoding="utf-8"?>
 <a:theme xmlns:a="http://schemas.openxmlformats.org/drawingml/2006/main" name="TUe special orange">
   <a:themeElements>
     <a:clrScheme name="TUe special orange 1">

--- a/Manual nao-lib.pptx
+++ b/Manual nao-lib.pptx
@@ -193,14 +193,14 @@
           </a:ln>
           <a:extLst>
             <a:ext uri="{909E8E84-426E-40dd-AFC4-6F175D3DCCD1}">
-              <a14:hiddenFill xmlns:a14="http://schemas.microsoft.com/office/drawing/2010/main" xmlns="">
+              <a14:hiddenFill xmlns="" xmlns:a14="http://schemas.microsoft.com/office/drawing/2010/main">
                 <a:solidFill>
                   <a:srgbClr val="FFFFFF"/>
                 </a:solidFill>
               </a14:hiddenFill>
             </a:ext>
             <a:ext uri="{91240B29-F687-4f45-9708-019B960494DF}">
-              <a14:hiddenLine xmlns:a14="http://schemas.microsoft.com/office/drawing/2010/main" xmlns="" w="9525">
+              <a14:hiddenLine xmlns="" xmlns:a14="http://schemas.microsoft.com/office/drawing/2010/main" w="9525">
                 <a:solidFill>
                   <a:srgbClr val="000000"/>
                 </a:solidFill>
@@ -247,14 +247,14 @@
           </a:ln>
           <a:extLst>
             <a:ext uri="{909E8E84-426E-40dd-AFC4-6F175D3DCCD1}">
-              <a14:hiddenFill xmlns:a14="http://schemas.microsoft.com/office/drawing/2010/main" xmlns="">
+              <a14:hiddenFill xmlns="" xmlns:a14="http://schemas.microsoft.com/office/drawing/2010/main">
                 <a:solidFill>
                   <a:srgbClr val="FFFFFF"/>
                 </a:solidFill>
               </a14:hiddenFill>
             </a:ext>
             <a:ext uri="{91240B29-F687-4f45-9708-019B960494DF}">
-              <a14:hiddenLine xmlns:a14="http://schemas.microsoft.com/office/drawing/2010/main" xmlns="" w="9525">
+              <a14:hiddenLine xmlns="" xmlns:a14="http://schemas.microsoft.com/office/drawing/2010/main" w="9525">
                 <a:solidFill>
                   <a:srgbClr val="000000"/>
                 </a:solidFill>
@@ -535,7 +535,7 @@
                 </a:solidFill>
               </a:rPr>
               <a:pPr/>
-              <a:t>6/2/2017</a:t>
+              <a:t>4/26/2018</a:t>
             </a:fld>
             <a:endParaRPr lang="en-US" altLang="en-US">
               <a:solidFill>
@@ -774,7 +774,7 @@
                 </a:solidFill>
               </a:rPr>
               <a:pPr/>
-              <a:t>6/2/2017</a:t>
+              <a:t>4/26/2018</a:t>
             </a:fld>
             <a:endParaRPr lang="en-US" altLang="en-US">
               <a:solidFill>
@@ -1105,7 +1105,7 @@
                 </a:solidFill>
               </a:rPr>
               <a:pPr/>
-              <a:t>6/2/2017</a:t>
+              <a:t>4/26/2018</a:t>
             </a:fld>
             <a:endParaRPr lang="en-US" altLang="en-US">
               <a:solidFill>
@@ -1571,7 +1571,7 @@
                 </a:solidFill>
               </a:rPr>
               <a:pPr/>
-              <a:t>6/2/2017</a:t>
+              <a:t>4/26/2018</a:t>
             </a:fld>
             <a:endParaRPr lang="en-US" altLang="en-US">
               <a:solidFill>
@@ -1732,7 +1732,7 @@
                 </a:solidFill>
               </a:rPr>
               <a:pPr/>
-              <a:t>6/2/2017</a:t>
+              <a:t>4/26/2018</a:t>
             </a:fld>
             <a:endParaRPr lang="en-US" altLang="en-US">
               <a:solidFill>
@@ -1870,7 +1870,7 @@
                 </a:solidFill>
               </a:rPr>
               <a:pPr/>
-              <a:t>6/2/2017</a:t>
+              <a:t>4/26/2018</a:t>
             </a:fld>
             <a:endParaRPr lang="en-US" altLang="en-US">
               <a:solidFill>
@@ -2029,7 +2029,7 @@
                 </a:solidFill>
               </a:rPr>
               <a:pPr/>
-              <a:t>6/2/2017</a:t>
+              <a:t>4/26/2018</a:t>
             </a:fld>
             <a:endParaRPr lang="en-US" altLang="en-US">
               <a:solidFill>
@@ -2153,14 +2153,14 @@
           </a:ln>
           <a:extLst>
             <a:ext uri="{909E8E84-426E-40dd-AFC4-6F175D3DCCD1}">
-              <a14:hiddenFill xmlns:a14="http://schemas.microsoft.com/office/drawing/2010/main" xmlns="">
+              <a14:hiddenFill xmlns="" xmlns:a14="http://schemas.microsoft.com/office/drawing/2010/main">
                 <a:solidFill>
                   <a:srgbClr val="FFFFFF"/>
                 </a:solidFill>
               </a14:hiddenFill>
             </a:ext>
             <a:ext uri="{91240B29-F687-4f45-9708-019B960494DF}">
-              <a14:hiddenLine xmlns:a14="http://schemas.microsoft.com/office/drawing/2010/main" xmlns="" w="9525">
+              <a14:hiddenLine xmlns="" xmlns:a14="http://schemas.microsoft.com/office/drawing/2010/main" w="9525">
                 <a:solidFill>
                   <a:srgbClr val="000000"/>
                 </a:solidFill>
@@ -2196,14 +2196,14 @@
           </a:ln>
           <a:extLst>
             <a:ext uri="{909E8E84-426E-40dd-AFC4-6F175D3DCCD1}">
-              <a14:hiddenFill xmlns:a14="http://schemas.microsoft.com/office/drawing/2010/main" xmlns="">
+              <a14:hiddenFill xmlns="" xmlns:a14="http://schemas.microsoft.com/office/drawing/2010/main">
                 <a:solidFill>
                   <a:srgbClr val="FFFFFF"/>
                 </a:solidFill>
               </a14:hiddenFill>
             </a:ext>
             <a:ext uri="{91240B29-F687-4f45-9708-019B960494DF}">
-              <a14:hiddenLine xmlns:a14="http://schemas.microsoft.com/office/drawing/2010/main" xmlns="" w="9525">
+              <a14:hiddenLine xmlns="" xmlns:a14="http://schemas.microsoft.com/office/drawing/2010/main" w="9525">
                 <a:solidFill>
                   <a:srgbClr val="000000"/>
                 </a:solidFill>
@@ -2405,14 +2405,14 @@
           </a:ln>
           <a:extLst>
             <a:ext uri="{909E8E84-426E-40dd-AFC4-6F175D3DCCD1}">
-              <a14:hiddenFill xmlns:a14="http://schemas.microsoft.com/office/drawing/2010/main" xmlns="">
+              <a14:hiddenFill xmlns="" xmlns:a14="http://schemas.microsoft.com/office/drawing/2010/main">
                 <a:solidFill>
                   <a:srgbClr val="FFFFFF"/>
                 </a:solidFill>
               </a14:hiddenFill>
             </a:ext>
             <a:ext uri="{91240B29-F687-4f45-9708-019B960494DF}">
-              <a14:hiddenLine xmlns:a14="http://schemas.microsoft.com/office/drawing/2010/main" xmlns="" w="9525">
+              <a14:hiddenLine xmlns="" xmlns:a14="http://schemas.microsoft.com/office/drawing/2010/main" w="9525">
                 <a:solidFill>
                   <a:srgbClr val="000000"/>
                 </a:solidFill>
@@ -2492,7 +2492,7 @@
                   <a:spcPct val="0"/>
                 </a:spcAft>
               </a:pPr>
-              <a:t>6/2/2017</a:t>
+              <a:t>4/26/2018</a:t>
             </a:fld>
             <a:endParaRPr lang="en-US" altLang="en-US">
               <a:solidFill>
@@ -2528,14 +2528,14 @@
           </a:ln>
           <a:extLst>
             <a:ext uri="{909E8E84-426E-40dd-AFC4-6F175D3DCCD1}">
-              <a14:hiddenFill xmlns:a14="http://schemas.microsoft.com/office/drawing/2010/main" xmlns="">
+              <a14:hiddenFill xmlns="" xmlns:a14="http://schemas.microsoft.com/office/drawing/2010/main">
                 <a:solidFill>
                   <a:srgbClr val="FFFFFF"/>
                 </a:solidFill>
               </a14:hiddenFill>
             </a:ext>
             <a:ext uri="{91240B29-F687-4f45-9708-019B960494DF}">
-              <a14:hiddenLine xmlns:a14="http://schemas.microsoft.com/office/drawing/2010/main" xmlns="" w="9525">
+              <a14:hiddenLine xmlns="" xmlns:a14="http://schemas.microsoft.com/office/drawing/2010/main" w="9525">
                 <a:solidFill>
                   <a:srgbClr val="000000"/>
                 </a:solidFill>
@@ -5655,11 +5655,7 @@
           <a:p>
             <a:r>
               <a:rPr lang="en-US" dirty="0" smtClean="0"/>
-              <a:t>The first row contains text </a:t>
-            </a:r>
-            <a:r>
-              <a:rPr lang="en-US" dirty="0" smtClean="0"/>
-              <a:t>labels</a:t>
+              <a:t>The first row contains text labels</a:t>
             </a:r>
           </a:p>
           <a:p>
@@ -5719,12 +5715,16 @@
               <a:t>Frequency is the frequency in Hz; 0 is </a:t>
             </a:r>
             <a:r>
-              <a:rPr lang="en-US" sz="1800" dirty="0" err="1" smtClean="0"/>
-              <a:t>sontinuously</a:t>
+              <a:rPr lang="en-US" sz="1800" dirty="0"/>
+              <a:t>c</a:t>
             </a:r>
             <a:r>
               <a:rPr lang="en-US" sz="1800" dirty="0" smtClean="0"/>
-              <a:t> on</a:t>
+              <a:t>ontinuously </a:t>
+            </a:r>
+            <a:r>
+              <a:rPr lang="en-US" sz="1800" dirty="0" smtClean="0"/>
+              <a:t>on</a:t>
             </a:r>
           </a:p>
           <a:p>

--- a/Manual nao-lib.pptx
+++ b/Manual nao-lib.pptx
@@ -5,25 +5,32 @@
     <p:sldMasterId id="2147483660" r:id="rId1"/>
   </p:sldMasterIdLst>
   <p:sldIdLst>
-    <p:sldId id="256" r:id="rId2"/>
-    <p:sldId id="257" r:id="rId3"/>
-    <p:sldId id="258" r:id="rId4"/>
-    <p:sldId id="259" r:id="rId5"/>
-    <p:sldId id="260" r:id="rId6"/>
-    <p:sldId id="265" r:id="rId7"/>
-    <p:sldId id="266" r:id="rId8"/>
-    <p:sldId id="267" r:id="rId9"/>
-    <p:sldId id="264" r:id="rId10"/>
-    <p:sldId id="262" r:id="rId11"/>
-    <p:sldId id="263" r:id="rId12"/>
-    <p:sldId id="261" r:id="rId13"/>
-    <p:sldId id="269" r:id="rId14"/>
-    <p:sldId id="268" r:id="rId15"/>
-    <p:sldId id="270" r:id="rId16"/>
-    <p:sldId id="271" r:id="rId17"/>
-    <p:sldId id="273" r:id="rId18"/>
-    <p:sldId id="274" r:id="rId19"/>
-    <p:sldId id="272" r:id="rId20"/>
+    <p:sldId id="279" r:id="rId2"/>
+    <p:sldId id="283" r:id="rId3"/>
+    <p:sldId id="280" r:id="rId4"/>
+    <p:sldId id="281" r:id="rId5"/>
+    <p:sldId id="282" r:id="rId6"/>
+    <p:sldId id="258" r:id="rId7"/>
+    <p:sldId id="259" r:id="rId8"/>
+    <p:sldId id="260" r:id="rId9"/>
+    <p:sldId id="265" r:id="rId10"/>
+    <p:sldId id="266" r:id="rId11"/>
+    <p:sldId id="267" r:id="rId12"/>
+    <p:sldId id="264" r:id="rId13"/>
+    <p:sldId id="262" r:id="rId14"/>
+    <p:sldId id="263" r:id="rId15"/>
+    <p:sldId id="261" r:id="rId16"/>
+    <p:sldId id="269" r:id="rId17"/>
+    <p:sldId id="268" r:id="rId18"/>
+    <p:sldId id="270" r:id="rId19"/>
+    <p:sldId id="271" r:id="rId20"/>
+    <p:sldId id="273" r:id="rId21"/>
+    <p:sldId id="274" r:id="rId22"/>
+    <p:sldId id="272" r:id="rId23"/>
+    <p:sldId id="275" r:id="rId24"/>
+    <p:sldId id="276" r:id="rId25"/>
+    <p:sldId id="277" r:id="rId26"/>
+    <p:sldId id="278" r:id="rId27"/>
   </p:sldIdLst>
   <p:sldSz cx="9144000" cy="6858000" type="screen4x3"/>
   <p:notesSz cx="6858000" cy="9144000"/>
@@ -193,14 +200,14 @@
           </a:ln>
           <a:extLst>
             <a:ext uri="{909E8E84-426E-40dd-AFC4-6F175D3DCCD1}">
-              <a14:hiddenFill xmlns="" xmlns:a14="http://schemas.microsoft.com/office/drawing/2010/main">
+              <a14:hiddenFill xmlns:a14="http://schemas.microsoft.com/office/drawing/2010/main" xmlns="">
                 <a:solidFill>
                   <a:srgbClr val="FFFFFF"/>
                 </a:solidFill>
               </a14:hiddenFill>
             </a:ext>
             <a:ext uri="{91240B29-F687-4f45-9708-019B960494DF}">
-              <a14:hiddenLine xmlns="" xmlns:a14="http://schemas.microsoft.com/office/drawing/2010/main" w="9525">
+              <a14:hiddenLine xmlns:a14="http://schemas.microsoft.com/office/drawing/2010/main" xmlns="" w="9525">
                 <a:solidFill>
                   <a:srgbClr val="000000"/>
                 </a:solidFill>
@@ -247,14 +254,14 @@
           </a:ln>
           <a:extLst>
             <a:ext uri="{909E8E84-426E-40dd-AFC4-6F175D3DCCD1}">
-              <a14:hiddenFill xmlns="" xmlns:a14="http://schemas.microsoft.com/office/drawing/2010/main">
+              <a14:hiddenFill xmlns:a14="http://schemas.microsoft.com/office/drawing/2010/main" xmlns="">
                 <a:solidFill>
                   <a:srgbClr val="FFFFFF"/>
                 </a:solidFill>
               </a14:hiddenFill>
             </a:ext>
             <a:ext uri="{91240B29-F687-4f45-9708-019B960494DF}">
-              <a14:hiddenLine xmlns="" xmlns:a14="http://schemas.microsoft.com/office/drawing/2010/main" w="9525">
+              <a14:hiddenLine xmlns:a14="http://schemas.microsoft.com/office/drawing/2010/main" xmlns="" w="9525">
                 <a:solidFill>
                   <a:srgbClr val="000000"/>
                 </a:solidFill>
@@ -535,7 +542,7 @@
                 </a:solidFill>
               </a:rPr>
               <a:pPr/>
-              <a:t>4/26/2018</a:t>
+              <a:t>5/6/2018</a:t>
             </a:fld>
             <a:endParaRPr lang="en-US" altLang="en-US">
               <a:solidFill>
@@ -774,7 +781,7 @@
                 </a:solidFill>
               </a:rPr>
               <a:pPr/>
-              <a:t>4/26/2018</a:t>
+              <a:t>5/6/2018</a:t>
             </a:fld>
             <a:endParaRPr lang="en-US" altLang="en-US">
               <a:solidFill>
@@ -1105,7 +1112,7 @@
                 </a:solidFill>
               </a:rPr>
               <a:pPr/>
-              <a:t>4/26/2018</a:t>
+              <a:t>5/6/2018</a:t>
             </a:fld>
             <a:endParaRPr lang="en-US" altLang="en-US">
               <a:solidFill>
@@ -1571,7 +1578,7 @@
                 </a:solidFill>
               </a:rPr>
               <a:pPr/>
-              <a:t>4/26/2018</a:t>
+              <a:t>5/6/2018</a:t>
             </a:fld>
             <a:endParaRPr lang="en-US" altLang="en-US">
               <a:solidFill>
@@ -1732,7 +1739,7 @@
                 </a:solidFill>
               </a:rPr>
               <a:pPr/>
-              <a:t>4/26/2018</a:t>
+              <a:t>5/6/2018</a:t>
             </a:fld>
             <a:endParaRPr lang="en-US" altLang="en-US">
               <a:solidFill>
@@ -1870,7 +1877,7 @@
                 </a:solidFill>
               </a:rPr>
               <a:pPr/>
-              <a:t>4/26/2018</a:t>
+              <a:t>5/6/2018</a:t>
             </a:fld>
             <a:endParaRPr lang="en-US" altLang="en-US">
               <a:solidFill>
@@ -2029,7 +2036,7 @@
                 </a:solidFill>
               </a:rPr>
               <a:pPr/>
-              <a:t>4/26/2018</a:t>
+              <a:t>5/6/2018</a:t>
             </a:fld>
             <a:endParaRPr lang="en-US" altLang="en-US">
               <a:solidFill>
@@ -2153,14 +2160,14 @@
           </a:ln>
           <a:extLst>
             <a:ext uri="{909E8E84-426E-40dd-AFC4-6F175D3DCCD1}">
-              <a14:hiddenFill xmlns="" xmlns:a14="http://schemas.microsoft.com/office/drawing/2010/main">
+              <a14:hiddenFill xmlns:a14="http://schemas.microsoft.com/office/drawing/2010/main" xmlns="">
                 <a:solidFill>
                   <a:srgbClr val="FFFFFF"/>
                 </a:solidFill>
               </a14:hiddenFill>
             </a:ext>
             <a:ext uri="{91240B29-F687-4f45-9708-019B960494DF}">
-              <a14:hiddenLine xmlns="" xmlns:a14="http://schemas.microsoft.com/office/drawing/2010/main" w="9525">
+              <a14:hiddenLine xmlns:a14="http://schemas.microsoft.com/office/drawing/2010/main" xmlns="" w="9525">
                 <a:solidFill>
                   <a:srgbClr val="000000"/>
                 </a:solidFill>
@@ -2196,14 +2203,14 @@
           </a:ln>
           <a:extLst>
             <a:ext uri="{909E8E84-426E-40dd-AFC4-6F175D3DCCD1}">
-              <a14:hiddenFill xmlns="" xmlns:a14="http://schemas.microsoft.com/office/drawing/2010/main">
+              <a14:hiddenFill xmlns:a14="http://schemas.microsoft.com/office/drawing/2010/main" xmlns="">
                 <a:solidFill>
                   <a:srgbClr val="FFFFFF"/>
                 </a:solidFill>
               </a14:hiddenFill>
             </a:ext>
             <a:ext uri="{91240B29-F687-4f45-9708-019B960494DF}">
-              <a14:hiddenLine xmlns="" xmlns:a14="http://schemas.microsoft.com/office/drawing/2010/main" w="9525">
+              <a14:hiddenLine xmlns:a14="http://schemas.microsoft.com/office/drawing/2010/main" xmlns="" w="9525">
                 <a:solidFill>
                   <a:srgbClr val="000000"/>
                 </a:solidFill>
@@ -2405,14 +2412,14 @@
           </a:ln>
           <a:extLst>
             <a:ext uri="{909E8E84-426E-40dd-AFC4-6F175D3DCCD1}">
-              <a14:hiddenFill xmlns="" xmlns:a14="http://schemas.microsoft.com/office/drawing/2010/main">
+              <a14:hiddenFill xmlns:a14="http://schemas.microsoft.com/office/drawing/2010/main" xmlns="">
                 <a:solidFill>
                   <a:srgbClr val="FFFFFF"/>
                 </a:solidFill>
               </a14:hiddenFill>
             </a:ext>
             <a:ext uri="{91240B29-F687-4f45-9708-019B960494DF}">
-              <a14:hiddenLine xmlns="" xmlns:a14="http://schemas.microsoft.com/office/drawing/2010/main" w="9525">
+              <a14:hiddenLine xmlns:a14="http://schemas.microsoft.com/office/drawing/2010/main" xmlns="" w="9525">
                 <a:solidFill>
                   <a:srgbClr val="000000"/>
                 </a:solidFill>
@@ -2492,7 +2499,7 @@
                   <a:spcPct val="0"/>
                 </a:spcAft>
               </a:pPr>
-              <a:t>4/26/2018</a:t>
+              <a:t>5/6/2018</a:t>
             </a:fld>
             <a:endParaRPr lang="en-US" altLang="en-US">
               <a:solidFill>
@@ -2528,14 +2535,14 @@
           </a:ln>
           <a:extLst>
             <a:ext uri="{909E8E84-426E-40dd-AFC4-6F175D3DCCD1}">
-              <a14:hiddenFill xmlns="" xmlns:a14="http://schemas.microsoft.com/office/drawing/2010/main">
+              <a14:hiddenFill xmlns:a14="http://schemas.microsoft.com/office/drawing/2010/main" xmlns="">
                 <a:solidFill>
                   <a:srgbClr val="FFFFFF"/>
                 </a:solidFill>
               </a14:hiddenFill>
             </a:ext>
             <a:ext uri="{91240B29-F687-4f45-9708-019B960494DF}">
-              <a14:hiddenLine xmlns="" xmlns:a14="http://schemas.microsoft.com/office/drawing/2010/main" w="9525">
+              <a14:hiddenLine xmlns:a14="http://schemas.microsoft.com/office/drawing/2010/main" xmlns="" w="9525">
                 <a:solidFill>
                   <a:srgbClr val="000000"/>
                 </a:solidFill>
@@ -3046,12 +3053,12 @@
       </p:grpSpPr>
       <p:sp>
         <p:nvSpPr>
-          <p:cNvPr id="4" name="Title 3"/>
+          <p:cNvPr id="2" name="Title 1"/>
           <p:cNvSpPr>
             <a:spLocks noGrp="1"/>
           </p:cNvSpPr>
           <p:nvPr>
-            <p:ph type="title"/>
+            <p:ph type="ctrTitle"/>
           </p:nvPr>
         </p:nvSpPr>
         <p:spPr/>
@@ -3061,24 +3068,28 @@
           <a:p>
             <a:r>
               <a:rPr lang="en-US" dirty="0" smtClean="0"/>
-              <a:t>Using </a:t>
-            </a:r>
-            <a:r>
-              <a:rPr lang="en-US" dirty="0" err="1" smtClean="0"/>
-              <a:t>nao.py</a:t>
-            </a:r>
-            <a:endParaRPr lang="en-US" dirty="0"/>
-          </a:p>
-        </p:txBody>
-      </p:sp>
-      <p:sp>
-        <p:nvSpPr>
-          <p:cNvPr id="5" name="Content Placeholder 4"/>
+              <a:t>Manual </a:t>
+            </a:r>
+            <a:r>
+              <a:rPr lang="en-US" dirty="0" err="1" smtClean="0"/>
+              <a:t>nao</a:t>
+            </a:r>
+            <a:r>
+              <a:rPr lang="en-US" dirty="0" smtClean="0"/>
+              <a:t>-lib</a:t>
+            </a:r>
+            <a:endParaRPr lang="en-US" dirty="0"/>
+          </a:p>
+        </p:txBody>
+      </p:sp>
+      <p:sp>
+        <p:nvSpPr>
+          <p:cNvPr id="3" name="Subtitle 2"/>
           <p:cNvSpPr>
             <a:spLocks noGrp="1"/>
           </p:cNvSpPr>
           <p:nvPr>
-            <p:ph idx="1"/>
+            <p:ph type="subTitle" idx="1"/>
           </p:nvPr>
         </p:nvSpPr>
         <p:spPr/>
@@ -3086,608 +3097,20 @@
           <a:bodyPr/>
           <a:lstStyle/>
           <a:p>
-            <a:r>
-              <a:rPr lang="en-US" dirty="0" smtClean="0"/>
-              <a:t>Its main purpose is to create all the proxies you need</a:t>
-            </a:r>
-          </a:p>
-          <a:p>
-            <a:pPr marL="0" indent="0">
-              <a:buNone/>
-            </a:pPr>
-            <a:r>
-              <a:rPr lang="en-US" dirty="0"/>
-              <a:t>	</a:t>
-            </a:r>
-            <a:r>
-              <a:rPr lang="en-US" dirty="0" err="1" smtClean="0"/>
-              <a:t>naoqi</a:t>
-            </a:r>
-            <a:r>
-              <a:rPr lang="en-US" dirty="0" smtClean="0"/>
-              <a:t>			</a:t>
-            </a:r>
-            <a:r>
-              <a:rPr lang="en-US" dirty="0" err="1" smtClean="0"/>
-              <a:t>nao.py</a:t>
-            </a:r>
-            <a:endParaRPr lang="en-US" dirty="0"/>
-          </a:p>
-        </p:txBody>
-      </p:sp>
-      <p:sp>
-        <p:nvSpPr>
-          <p:cNvPr id="7" name="Rectangle 6"/>
-          <p:cNvSpPr/>
-          <p:nvPr/>
-        </p:nvSpPr>
-        <p:spPr>
-          <a:xfrm>
-            <a:off x="4342419" y="2102248"/>
-            <a:ext cx="4801580" cy="4524316"/>
-          </a:xfrm>
-          <a:prstGeom prst="rect">
-            <a:avLst/>
-          </a:prstGeom>
-        </p:spPr>
-        <p:txBody>
-          <a:bodyPr wrap="square">
-            <a:spAutoFit/>
-          </a:bodyPr>
-          <a:lstStyle/>
-          <a:p>
-            <a:r>
-              <a:rPr lang="en-US" sz="1600" dirty="0"/>
-              <a:t> global </a:t>
-            </a:r>
-            <a:r>
-              <a:rPr lang="en-US" sz="1600" dirty="0" err="1"/>
-              <a:t>audioProxy</a:t>
-            </a:r>
-            <a:endParaRPr lang="en-US" sz="1600" dirty="0"/>
-          </a:p>
-          <a:p>
-            <a:r>
-              <a:rPr lang="en-US" sz="1600" dirty="0"/>
-              <a:t> </a:t>
-            </a:r>
-            <a:r>
-              <a:rPr lang="en-US" sz="1600" dirty="0" smtClean="0"/>
-              <a:t>global </a:t>
-            </a:r>
-            <a:r>
-              <a:rPr lang="en-US" sz="1600" dirty="0" err="1"/>
-              <a:t>motionProxy</a:t>
-            </a:r>
-            <a:endParaRPr lang="en-US" sz="1600" dirty="0"/>
-          </a:p>
-          <a:p>
-            <a:r>
-              <a:rPr lang="en-US" sz="1600" dirty="0"/>
-              <a:t> </a:t>
-            </a:r>
-            <a:r>
-              <a:rPr lang="en-US" sz="1600" dirty="0" smtClean="0"/>
-              <a:t>global </a:t>
-            </a:r>
-            <a:r>
-              <a:rPr lang="en-US" sz="1600" dirty="0" err="1"/>
-              <a:t>memoryProxy</a:t>
-            </a:r>
-            <a:endParaRPr lang="en-US" sz="1600" dirty="0"/>
-          </a:p>
-          <a:p>
-            <a:r>
-              <a:rPr lang="en-US" sz="1600" dirty="0"/>
-              <a:t> </a:t>
-            </a:r>
-            <a:r>
-              <a:rPr lang="en-US" sz="1600" dirty="0" smtClean="0"/>
-              <a:t>global </a:t>
-            </a:r>
-            <a:r>
-              <a:rPr lang="en-US" sz="1600" dirty="0" err="1"/>
-              <a:t>cameraProxy</a:t>
-            </a:r>
-            <a:endParaRPr lang="en-US" sz="1600" dirty="0"/>
-          </a:p>
-          <a:p>
-            <a:r>
-              <a:rPr lang="en-US" sz="1600" dirty="0"/>
-              <a:t> </a:t>
-            </a:r>
-            <a:r>
-              <a:rPr lang="en-US" sz="1600" dirty="0" smtClean="0"/>
-              <a:t>global </a:t>
-            </a:r>
-            <a:r>
-              <a:rPr lang="en-US" sz="1600" dirty="0" err="1"/>
-              <a:t>faceProxy</a:t>
-            </a:r>
-            <a:endParaRPr lang="en-US" sz="1600" dirty="0"/>
-          </a:p>
-          <a:p>
-            <a:r>
-              <a:rPr lang="en-US" sz="1600" dirty="0"/>
-              <a:t> </a:t>
-            </a:r>
-            <a:r>
-              <a:rPr lang="en-US" sz="1600" dirty="0" smtClean="0"/>
-              <a:t>global </a:t>
-            </a:r>
-            <a:r>
-              <a:rPr lang="en-US" sz="1600" dirty="0" err="1"/>
-              <a:t>ledProxy</a:t>
-            </a:r>
-            <a:endParaRPr lang="en-US" sz="1600" dirty="0"/>
-          </a:p>
-          <a:p>
-            <a:r>
-              <a:rPr lang="en-US" sz="1600" dirty="0"/>
-              <a:t> </a:t>
-            </a:r>
-            <a:r>
-              <a:rPr lang="en-US" sz="1600" dirty="0" smtClean="0"/>
-              <a:t>global </a:t>
-            </a:r>
-            <a:r>
-              <a:rPr lang="en-US" sz="1600" dirty="0" err="1"/>
-              <a:t>tts</a:t>
-            </a:r>
-            <a:endParaRPr lang="en-US" sz="1600" dirty="0"/>
-          </a:p>
-          <a:p>
-            <a:r>
-              <a:rPr lang="en-US" sz="1600" dirty="0"/>
-              <a:t> </a:t>
-            </a:r>
-            <a:r>
-              <a:rPr lang="en-US" sz="1600" dirty="0" smtClean="0"/>
-              <a:t>global </a:t>
-            </a:r>
-            <a:r>
-              <a:rPr lang="en-US" sz="1600" dirty="0" err="1"/>
-              <a:t>trackfaceProxy</a:t>
-            </a:r>
-            <a:endParaRPr lang="en-US" sz="1600" dirty="0"/>
-          </a:p>
-          <a:p>
-            <a:r>
-              <a:rPr lang="en-US" sz="1600" dirty="0"/>
-              <a:t> </a:t>
-            </a:r>
-            <a:r>
-              <a:rPr lang="en-US" sz="1600" dirty="0" smtClean="0"/>
-              <a:t>global </a:t>
-            </a:r>
-            <a:r>
-              <a:rPr lang="en-US" sz="1600" dirty="0" err="1"/>
-              <a:t>playProxy</a:t>
-            </a:r>
-            <a:endParaRPr lang="en-US" sz="1600" dirty="0"/>
-          </a:p>
-          <a:p>
-            <a:r>
-              <a:rPr lang="en-US" sz="1600" dirty="0"/>
-              <a:t> </a:t>
-            </a:r>
-            <a:r>
-              <a:rPr lang="en-US" sz="1600" dirty="0" smtClean="0"/>
-              <a:t>global </a:t>
-            </a:r>
-            <a:r>
-              <a:rPr lang="en-US" sz="1600" dirty="0" err="1"/>
-              <a:t>videoProxy</a:t>
-            </a:r>
-            <a:endParaRPr lang="en-US" sz="1600" dirty="0"/>
-          </a:p>
-          <a:p>
-            <a:r>
-              <a:rPr lang="en-US" sz="1600" dirty="0"/>
-              <a:t> </a:t>
-            </a:r>
-            <a:r>
-              <a:rPr lang="en-US" sz="1600" dirty="0" smtClean="0"/>
-              <a:t>global </a:t>
-            </a:r>
-            <a:r>
-              <a:rPr lang="en-US" sz="1600" dirty="0" err="1"/>
-              <a:t>asr</a:t>
-            </a:r>
-            <a:endParaRPr lang="en-US" sz="1600" dirty="0"/>
-          </a:p>
-          <a:p>
-            <a:r>
-              <a:rPr lang="en-US" sz="1600" dirty="0"/>
-              <a:t> </a:t>
-            </a:r>
-            <a:r>
-              <a:rPr lang="en-US" sz="1600" dirty="0" smtClean="0"/>
-              <a:t>global </a:t>
-            </a:r>
-            <a:r>
-              <a:rPr lang="en-US" sz="1600" dirty="0" err="1"/>
-              <a:t>speechProxy</a:t>
-            </a:r>
-            <a:r>
-              <a:rPr lang="en-US" sz="1600" dirty="0"/>
-              <a:t> # same as </a:t>
-            </a:r>
-            <a:r>
-              <a:rPr lang="en-US" sz="1600" dirty="0" err="1"/>
-              <a:t>asr</a:t>
-            </a:r>
-            <a:r>
-              <a:rPr lang="en-US" sz="1600" dirty="0"/>
-              <a:t> </a:t>
-            </a:r>
-          </a:p>
-          <a:p>
-            <a:r>
-              <a:rPr lang="en-US" sz="1600" dirty="0"/>
-              <a:t> </a:t>
-            </a:r>
-            <a:r>
-              <a:rPr lang="en-US" sz="1600" dirty="0" smtClean="0"/>
-              <a:t>global </a:t>
-            </a:r>
-            <a:r>
-              <a:rPr lang="en-US" sz="1600" dirty="0" err="1"/>
-              <a:t>sonarProxy</a:t>
-            </a:r>
-            <a:endParaRPr lang="en-US" sz="1600" dirty="0"/>
-          </a:p>
-          <a:p>
-            <a:r>
-              <a:rPr lang="en-US" sz="1600" dirty="0"/>
-              <a:t> </a:t>
-            </a:r>
-            <a:r>
-              <a:rPr lang="en-US" sz="1600" dirty="0" smtClean="0"/>
-              <a:t>global </a:t>
-            </a:r>
-            <a:r>
-              <a:rPr lang="en-US" sz="1600" dirty="0" err="1"/>
-              <a:t>postureProxy</a:t>
-            </a:r>
-            <a:endParaRPr lang="en-US" sz="1600" dirty="0"/>
-          </a:p>
-          <a:p>
-            <a:r>
-              <a:rPr lang="en-US" sz="1600" dirty="0"/>
-              <a:t> </a:t>
-            </a:r>
-            <a:r>
-              <a:rPr lang="en-US" sz="1600" dirty="0" smtClean="0"/>
-              <a:t>global </a:t>
-            </a:r>
-            <a:r>
-              <a:rPr lang="en-US" sz="1600" dirty="0" err="1"/>
-              <a:t>landmarkProxy</a:t>
-            </a:r>
-            <a:endParaRPr lang="en-US" sz="1600" dirty="0"/>
-          </a:p>
-          <a:p>
-            <a:r>
-              <a:rPr lang="en-US" sz="1600" dirty="0" smtClean="0"/>
-              <a:t> global </a:t>
-            </a:r>
-            <a:r>
-              <a:rPr lang="en-US" sz="1600" dirty="0" err="1"/>
-              <a:t>soundProxy</a:t>
-            </a:r>
-            <a:endParaRPr lang="en-US" sz="1600" dirty="0"/>
-          </a:p>
-          <a:p>
-            <a:r>
-              <a:rPr lang="en-US" sz="1600" dirty="0"/>
-              <a:t> </a:t>
-            </a:r>
-            <a:r>
-              <a:rPr lang="en-US" sz="1600" dirty="0" smtClean="0"/>
-              <a:t>global </a:t>
-            </a:r>
-            <a:r>
-              <a:rPr lang="en-US" sz="1600" dirty="0" err="1" smtClean="0"/>
-              <a:t>soundLocalizationProxy</a:t>
-            </a:r>
-            <a:endParaRPr lang="en-US" sz="1600" dirty="0" smtClean="0"/>
-          </a:p>
-          <a:p>
-            <a:r>
-              <a:rPr lang="en-US" sz="1600" dirty="0"/>
-              <a:t> global </a:t>
-            </a:r>
-            <a:r>
-              <a:rPr lang="en-US" sz="1600" dirty="0" err="1" smtClean="0"/>
-              <a:t>trackerProxy</a:t>
-            </a:r>
-            <a:endParaRPr lang="en-US" sz="1600" dirty="0"/>
-          </a:p>
-        </p:txBody>
-      </p:sp>
-      <p:sp>
-        <p:nvSpPr>
-          <p:cNvPr id="8" name="Rectangle 7"/>
-          <p:cNvSpPr/>
-          <p:nvPr/>
-        </p:nvSpPr>
-        <p:spPr>
-          <a:xfrm>
-            <a:off x="791958" y="2102248"/>
-            <a:ext cx="3686734" cy="4524316"/>
-          </a:xfrm>
-          <a:prstGeom prst="rect">
-            <a:avLst/>
-          </a:prstGeom>
-        </p:spPr>
-        <p:txBody>
-          <a:bodyPr wrap="square">
-            <a:spAutoFit/>
-          </a:bodyPr>
-          <a:lstStyle/>
-          <a:p>
-            <a:r>
-              <a:rPr lang="en-US" sz="1600" dirty="0" smtClean="0"/>
-              <a:t>"</a:t>
-            </a:r>
-            <a:r>
-              <a:rPr lang="en-US" sz="1600" dirty="0" err="1" smtClean="0"/>
-              <a:t>ALAudioDevice</a:t>
-            </a:r>
-            <a:r>
-              <a:rPr lang="en-US" sz="1600" dirty="0" smtClean="0"/>
-              <a:t>”</a:t>
-            </a:r>
-          </a:p>
-          <a:p>
-            <a:r>
-              <a:rPr lang="en-US" sz="1600" dirty="0" smtClean="0"/>
-              <a:t>"</a:t>
-            </a:r>
-            <a:r>
-              <a:rPr lang="en-US" sz="1600" dirty="0" err="1" smtClean="0"/>
-              <a:t>ALMotion</a:t>
-            </a:r>
-            <a:r>
-              <a:rPr lang="en-US" sz="1600" dirty="0" smtClean="0"/>
-              <a:t>”</a:t>
-            </a:r>
-          </a:p>
-          <a:p>
-            <a:r>
-              <a:rPr lang="en-US" sz="1600" dirty="0" smtClean="0"/>
-              <a:t>"</a:t>
-            </a:r>
-            <a:r>
-              <a:rPr lang="en-US" sz="1600" dirty="0" err="1" smtClean="0"/>
-              <a:t>ALMemory</a:t>
-            </a:r>
-            <a:r>
-              <a:rPr lang="en-US" sz="1600" dirty="0" smtClean="0"/>
-              <a:t>”</a:t>
-            </a:r>
-          </a:p>
-          <a:p>
-            <a:r>
-              <a:rPr lang="en-US" sz="1600" dirty="0" smtClean="0"/>
-              <a:t>"</a:t>
-            </a:r>
-            <a:r>
-              <a:rPr lang="en-US" sz="1600" dirty="0" err="1" smtClean="0"/>
-              <a:t>ALVideoDevice</a:t>
-            </a:r>
-            <a:r>
-              <a:rPr lang="en-US" sz="1600" dirty="0" smtClean="0"/>
-              <a:t>”</a:t>
-            </a:r>
-          </a:p>
-          <a:p>
-            <a:r>
-              <a:rPr lang="en-US" sz="1600" dirty="0" smtClean="0"/>
-              <a:t>"</a:t>
-            </a:r>
-            <a:r>
-              <a:rPr lang="en-US" sz="1600" dirty="0" err="1" smtClean="0"/>
-              <a:t>ALFaceDetection</a:t>
-            </a:r>
-            <a:r>
-              <a:rPr lang="en-US" sz="1600" dirty="0" smtClean="0"/>
-              <a:t>”</a:t>
-            </a:r>
-          </a:p>
-          <a:p>
-            <a:r>
-              <a:rPr lang="en-US" sz="1600" dirty="0" smtClean="0"/>
-              <a:t>"</a:t>
-            </a:r>
-            <a:r>
-              <a:rPr lang="en-US" sz="1600" dirty="0" err="1" smtClean="0"/>
-              <a:t>ALLeds</a:t>
-            </a:r>
-            <a:r>
-              <a:rPr lang="en-US" sz="1600" dirty="0" smtClean="0"/>
-              <a:t>”</a:t>
-            </a:r>
-          </a:p>
-          <a:p>
-            <a:r>
-              <a:rPr lang="en-US" sz="1600" dirty="0" smtClean="0"/>
-              <a:t>"</a:t>
-            </a:r>
-            <a:r>
-              <a:rPr lang="en-US" sz="1600" dirty="0" err="1" smtClean="0"/>
-              <a:t>ALTextToSpeech</a:t>
-            </a:r>
-            <a:r>
-              <a:rPr lang="en-US" sz="1600" dirty="0" smtClean="0"/>
-              <a:t>”</a:t>
-            </a:r>
-          </a:p>
-          <a:p>
-            <a:r>
-              <a:rPr lang="en-US" sz="1600" dirty="0" smtClean="0"/>
-              <a:t>"</a:t>
-            </a:r>
-            <a:r>
-              <a:rPr lang="en-US" sz="1600" dirty="0" err="1" smtClean="0"/>
-              <a:t>ALFaceTracker</a:t>
-            </a:r>
-            <a:r>
-              <a:rPr lang="en-US" sz="1600" dirty="0" smtClean="0"/>
-              <a:t>”</a:t>
-            </a:r>
-          </a:p>
-          <a:p>
-            <a:r>
-              <a:rPr lang="en-US" sz="1600" dirty="0" smtClean="0"/>
-              <a:t>"</a:t>
-            </a:r>
-            <a:r>
-              <a:rPr lang="en-US" sz="1600" dirty="0" err="1" smtClean="0"/>
-              <a:t>ALAudioPlayer</a:t>
-            </a:r>
-            <a:r>
-              <a:rPr lang="en-US" sz="1600" dirty="0" smtClean="0"/>
-              <a:t>”</a:t>
-            </a:r>
-          </a:p>
-          <a:p>
-            <a:r>
-              <a:rPr lang="en-US" sz="1600" dirty="0" smtClean="0"/>
-              <a:t>"</a:t>
-            </a:r>
-            <a:r>
-              <a:rPr lang="en-US" sz="1600" dirty="0" err="1" smtClean="0"/>
-              <a:t>ALVideoRecorder</a:t>
-            </a:r>
-            <a:r>
-              <a:rPr lang="en-US" sz="1600" dirty="0" smtClean="0"/>
-              <a:t>”</a:t>
-            </a:r>
-          </a:p>
-          <a:p>
-            <a:r>
-              <a:rPr lang="en-US" sz="1600" dirty="0" smtClean="0"/>
-              <a:t>"</a:t>
-            </a:r>
-            <a:r>
-              <a:rPr lang="en-US" sz="1600" dirty="0" err="1" smtClean="0"/>
-              <a:t>ALSpeechRecognition</a:t>
-            </a:r>
-            <a:r>
-              <a:rPr lang="en-US" sz="1600" dirty="0" smtClean="0"/>
-              <a:t>”</a:t>
-            </a:r>
-          </a:p>
-          <a:p>
-            <a:endParaRPr lang="en-US" sz="1600" dirty="0" smtClean="0"/>
-          </a:p>
-          <a:p>
-            <a:r>
-              <a:rPr lang="en-US" sz="1600" dirty="0" smtClean="0"/>
-              <a:t>"</a:t>
-            </a:r>
-            <a:r>
-              <a:rPr lang="en-US" sz="1600" dirty="0" err="1" smtClean="0"/>
-              <a:t>ALSonar</a:t>
-            </a:r>
-            <a:r>
-              <a:rPr lang="en-US" sz="1600" dirty="0" smtClean="0"/>
-              <a:t>”</a:t>
-            </a:r>
-          </a:p>
-          <a:p>
-            <a:r>
-              <a:rPr lang="en-US" sz="1600" dirty="0" smtClean="0"/>
-              <a:t>"</a:t>
-            </a:r>
-            <a:r>
-              <a:rPr lang="en-US" sz="1600" dirty="0" err="1" smtClean="0"/>
-              <a:t>ALRobotPosture</a:t>
-            </a:r>
-            <a:r>
-              <a:rPr lang="en-US" sz="1600" dirty="0" smtClean="0"/>
-              <a:t>”</a:t>
-            </a:r>
-          </a:p>
-          <a:p>
-            <a:r>
-              <a:rPr lang="en-US" sz="1600" dirty="0"/>
-              <a:t>"</a:t>
-            </a:r>
-            <a:r>
-              <a:rPr lang="en-US" sz="1600" dirty="0" err="1"/>
-              <a:t>ALLandMarkDetection</a:t>
-            </a:r>
-            <a:r>
-              <a:rPr lang="en-US" sz="1600" dirty="0"/>
-              <a:t>"</a:t>
-            </a:r>
-            <a:endParaRPr lang="en-US" sz="1600" dirty="0" smtClean="0"/>
-          </a:p>
-          <a:p>
-            <a:r>
-              <a:rPr lang="en-US" sz="1600" dirty="0"/>
-              <a:t>"</a:t>
-            </a:r>
-            <a:r>
-              <a:rPr lang="en-US" sz="1600" dirty="0" err="1" smtClean="0"/>
-              <a:t>ALSoundDetection</a:t>
-            </a:r>
-            <a:r>
-              <a:rPr lang="en-US" sz="1600" dirty="0" smtClean="0"/>
-              <a:t>”</a:t>
-            </a:r>
-          </a:p>
-          <a:p>
-            <a:r>
-              <a:rPr lang="en-US" sz="1600" dirty="0"/>
-              <a:t>"</a:t>
-            </a:r>
-            <a:r>
-              <a:rPr lang="en-US" sz="1600" dirty="0" err="1" smtClean="0"/>
-              <a:t>ALAudioSourceLocalization</a:t>
-            </a:r>
-            <a:r>
-              <a:rPr lang="en-US" sz="1600" dirty="0" smtClean="0"/>
-              <a:t>”</a:t>
-            </a:r>
-          </a:p>
-          <a:p>
-            <a:r>
-              <a:rPr lang="en-US" sz="1600" dirty="0" smtClean="0"/>
-              <a:t>"</a:t>
-            </a:r>
-            <a:r>
-              <a:rPr lang="en-US" sz="1600" dirty="0" err="1" smtClean="0"/>
-              <a:t>ALTracker</a:t>
-            </a:r>
-            <a:r>
-              <a:rPr lang="en-US" sz="1600" dirty="0" smtClean="0"/>
-              <a:t>"</a:t>
-            </a:r>
-            <a:endParaRPr lang="en-US" sz="1600" dirty="0"/>
+            <a:endParaRPr lang="en-US" dirty="0"/>
           </a:p>
         </p:txBody>
       </p:sp>
     </p:spTree>
     <p:extLst>
       <p:ext uri="{BB962C8B-B14F-4D97-AF65-F5344CB8AC3E}">
-        <p14:creationId xmlns:p14="http://schemas.microsoft.com/office/powerpoint/2010/main" val="848920191"/>
+        <p14:creationId xmlns:p14="http://schemas.microsoft.com/office/powerpoint/2010/main" val="3477273031"/>
       </p:ext>
     </p:extLst>
   </p:cSld>
   <p:clrMapOvr>
     <a:masterClrMapping/>
   </p:clrMapOvr>
-  <p:timing>
-    <p:tnLst>
-      <p:par>
-        <p:cTn id="1" dur="indefinite" restart="never" nodeType="tmRoot"/>
-      </p:par>
-    </p:tnLst>
-  </p:timing>
 </p:sld>
 </file>
 
@@ -3752,20 +3175,8 @@
           <a:p>
             <a:r>
               <a:rPr lang="en-US" dirty="0" smtClean="0"/>
-              <a:t>For walking there are two variants.</a:t>
-            </a:r>
-          </a:p>
-          <a:p>
-            <a:r>
-              <a:rPr lang="en-US" dirty="0" smtClean="0"/>
-              <a:t>The first variant sets the heading direction and speed (don’t forget to turn it off! (zero speed)):</a:t>
-            </a:r>
-          </a:p>
-          <a:p>
-            <a:endParaRPr lang="en-US" dirty="0"/>
-          </a:p>
-          <a:p>
-            <a:endParaRPr lang="en-US" dirty="0" smtClean="0"/>
+              <a:t>Sound detection needs to be initialized before it can be used</a:t>
+            </a:r>
           </a:p>
           <a:p>
             <a:pPr marL="0" indent="0">
@@ -3774,15 +3185,12 @@
             <a:endParaRPr lang="en-US" dirty="0" smtClean="0"/>
           </a:p>
           <a:p>
-            <a:endParaRPr lang="en-US" dirty="0" smtClean="0"/>
-          </a:p>
-          <a:p>
-            <a:endParaRPr lang="en-US" dirty="0"/>
-          </a:p>
-          <a:p>
-            <a:r>
-              <a:rPr lang="en-US" dirty="0" smtClean="0"/>
-              <a:t>The second method expects a distance in m.</a:t>
+            <a:endParaRPr lang="en-US" dirty="0"/>
+          </a:p>
+          <a:p>
+            <a:r>
+              <a:rPr lang="en-US" dirty="0" smtClean="0"/>
+              <a:t>After that Sound can be detected using:</a:t>
             </a:r>
           </a:p>
           <a:p>
@@ -3792,22 +3200,16 @@
             <a:endParaRPr lang="en-US" dirty="0" smtClean="0"/>
           </a:p>
           <a:p>
-            <a:r>
-              <a:rPr lang="en-US" dirty="0" smtClean="0"/>
-              <a:t>Turn motors on with</a:t>
-            </a:r>
-          </a:p>
-          <a:p>
-            <a:endParaRPr lang="en-US" dirty="0"/>
-          </a:p>
-          <a:p>
             <a:pPr marL="0" indent="0">
               <a:buNone/>
             </a:pPr>
             <a:endParaRPr lang="en-US" dirty="0" smtClean="0"/>
           </a:p>
           <a:p>
-            <a:endParaRPr lang="en-US" dirty="0"/>
+            <a:r>
+              <a:rPr lang="en-US" dirty="0" smtClean="0"/>
+              <a:t>Marker Info is an array with the following fields:</a:t>
+            </a:r>
           </a:p>
           <a:p>
             <a:endParaRPr lang="en-US" dirty="0"/>
@@ -3822,154 +3224,7 @@
         </p:nvSpPr>
         <p:spPr>
           <a:xfrm>
-            <a:off x="877749" y="2494402"/>
-            <a:ext cx="6741862" cy="2308324"/>
-          </a:xfrm>
-          <a:prstGeom prst="rect">
-            <a:avLst/>
-          </a:prstGeom>
-        </p:spPr>
-        <p:txBody>
-          <a:bodyPr wrap="square">
-            <a:spAutoFit/>
-          </a:bodyPr>
-          <a:lstStyle/>
-          <a:p>
-            <a:r>
-              <a:rPr lang="en-US" dirty="0" err="1" smtClean="0"/>
-              <a:t>nao.Move</a:t>
-            </a:r>
-            <a:r>
-              <a:rPr lang="en-US" dirty="0" smtClean="0"/>
-              <a:t>(dx, </a:t>
-            </a:r>
-            <a:r>
-              <a:rPr lang="en-US" dirty="0" err="1" smtClean="0"/>
-              <a:t>dy</a:t>
-            </a:r>
-            <a:r>
-              <a:rPr lang="en-US" dirty="0" smtClean="0"/>
-              <a:t>, </a:t>
-            </a:r>
-            <a:r>
-              <a:rPr lang="en-US" dirty="0" err="1" smtClean="0"/>
-              <a:t>dtheta</a:t>
-            </a:r>
-            <a:r>
-              <a:rPr lang="en-US" dirty="0" smtClean="0"/>
-              <a:t>, </a:t>
-            </a:r>
-            <a:r>
-              <a:rPr lang="en-US" dirty="0" err="1" smtClean="0"/>
-              <a:t>freq</a:t>
-            </a:r>
-            <a:r>
-              <a:rPr lang="en-US" dirty="0" smtClean="0"/>
-              <a:t>)</a:t>
-            </a:r>
-          </a:p>
-          <a:p>
-            <a:r>
-              <a:rPr lang="en-US" dirty="0" smtClean="0"/>
-              <a:t> """"</a:t>
-            </a:r>
-          </a:p>
-          <a:p>
-            <a:r>
-              <a:rPr lang="en-US" dirty="0" smtClean="0"/>
-              <a:t>    dx = forward speed, </a:t>
-            </a:r>
-            <a:r>
-              <a:rPr lang="en-US" dirty="0" err="1" smtClean="0"/>
-              <a:t>dtheta</a:t>
-            </a:r>
-            <a:r>
-              <a:rPr lang="en-US" dirty="0" smtClean="0"/>
-              <a:t> = rotational speed,</a:t>
-            </a:r>
-          </a:p>
-          <a:p>
-            <a:r>
-              <a:rPr lang="en-US" dirty="0" smtClean="0"/>
-              <a:t>    </a:t>
-            </a:r>
-            <a:r>
-              <a:rPr lang="en-US" dirty="0" err="1" smtClean="0"/>
-              <a:t>dy</a:t>
-            </a:r>
-            <a:r>
-              <a:rPr lang="en-US" dirty="0" smtClean="0"/>
-              <a:t> = </a:t>
-            </a:r>
-            <a:r>
-              <a:rPr lang="en-US" dirty="0" err="1" smtClean="0"/>
-              <a:t>sidewards</a:t>
-            </a:r>
-            <a:r>
-              <a:rPr lang="en-US" dirty="0" smtClean="0"/>
-              <a:t> speed, </a:t>
-            </a:r>
-            <a:r>
-              <a:rPr lang="en-US" dirty="0" err="1" smtClean="0"/>
-              <a:t>freq</a:t>
-            </a:r>
-            <a:r>
-              <a:rPr lang="en-US" dirty="0" smtClean="0"/>
-              <a:t> = step frequency.</a:t>
-            </a:r>
-          </a:p>
-          <a:p>
-            <a:r>
-              <a:rPr lang="en-US" dirty="0" smtClean="0"/>
-              <a:t>    Allows </a:t>
-            </a:r>
-            <a:r>
-              <a:rPr lang="en-US" dirty="0" err="1" smtClean="0"/>
-              <a:t>Nao</a:t>
-            </a:r>
-            <a:r>
-              <a:rPr lang="en-US" dirty="0" smtClean="0"/>
-              <a:t> to move in a certain direction</a:t>
-            </a:r>
-          </a:p>
-          <a:p>
-            <a:r>
-              <a:rPr lang="en-US" dirty="0" smtClean="0"/>
-              <a:t>    with a certain speed.</a:t>
-            </a:r>
-          </a:p>
-          <a:p>
-            <a:r>
-              <a:rPr lang="en-US" dirty="0" smtClean="0"/>
-              <a:t>All values should be -1 and 1 except </a:t>
-            </a:r>
-            <a:r>
-              <a:rPr lang="en-US" dirty="0" err="1" smtClean="0"/>
-              <a:t>freq</a:t>
-            </a:r>
-            <a:r>
-              <a:rPr lang="en-US" dirty="0" smtClean="0"/>
-              <a:t> between 0 and 1</a:t>
-            </a:r>
-          </a:p>
-          <a:p>
-            <a:r>
-              <a:rPr lang="en-US" dirty="0" smtClean="0"/>
-              <a:t>    """</a:t>
-            </a:r>
-            <a:endParaRPr lang="en-US" dirty="0"/>
-          </a:p>
-        </p:txBody>
-      </p:sp>
-      <p:sp>
-        <p:nvSpPr>
-          <p:cNvPr id="8" name="Rectangle 7"/>
-          <p:cNvSpPr/>
-          <p:nvPr/>
-        </p:nvSpPr>
-        <p:spPr>
-          <a:xfrm>
-            <a:off x="877749" y="5108750"/>
+            <a:off x="877749" y="2102248"/>
             <a:ext cx="6741862" cy="369332"/>
           </a:xfrm>
           <a:prstGeom prst="rect">
@@ -3984,42 +3239,26 @@
           <a:p>
             <a:r>
               <a:rPr lang="en-US" dirty="0" err="1" smtClean="0"/>
-              <a:t>nao.Walk</a:t>
-            </a:r>
-            <a:r>
-              <a:rPr lang="en-US" dirty="0" smtClean="0"/>
-              <a:t>(dx, </a:t>
-            </a:r>
-            <a:r>
-              <a:rPr lang="en-US" dirty="0" err="1" smtClean="0"/>
-              <a:t>dy</a:t>
-            </a:r>
-            <a:r>
-              <a:rPr lang="en-US" dirty="0" smtClean="0"/>
-              <a:t>, </a:t>
-            </a:r>
-            <a:r>
-              <a:rPr lang="en-US" dirty="0" err="1" smtClean="0"/>
-              <a:t>dtheta</a:t>
-            </a:r>
-            <a:r>
-              <a:rPr lang="en-US" dirty="0" smtClean="0"/>
-              <a:t>)</a:t>
-            </a:r>
-            <a:endParaRPr lang="en-US" dirty="0"/>
-          </a:p>
-        </p:txBody>
-      </p:sp>
-      <p:sp>
-        <p:nvSpPr>
-          <p:cNvPr id="9" name="Rectangle 8"/>
+              <a:t>nao.InitSoundDetection</a:t>
+            </a:r>
+            <a:r>
+              <a:rPr lang="en-US" dirty="0" smtClean="0"/>
+              <a:t>()</a:t>
+            </a:r>
+            <a:endParaRPr lang="en-US" dirty="0"/>
+          </a:p>
+        </p:txBody>
+      </p:sp>
+      <p:sp>
+        <p:nvSpPr>
+          <p:cNvPr id="6" name="Rectangle 5"/>
           <p:cNvSpPr/>
           <p:nvPr/>
         </p:nvSpPr>
         <p:spPr>
           <a:xfrm>
-            <a:off x="877749" y="5986425"/>
-            <a:ext cx="6741862" cy="646331"/>
+            <a:off x="877749" y="3281979"/>
+            <a:ext cx="6741862" cy="369332"/>
           </a:xfrm>
           <a:prstGeom prst="rect">
             <a:avLst/>
@@ -4032,31 +3271,109 @@
           <a:lstStyle/>
           <a:p>
             <a:r>
-              <a:rPr lang="en-US" dirty="0" err="1" smtClean="0"/>
-              <a:t>nao.InitPose</a:t>
-            </a:r>
-            <a:r>
-              <a:rPr lang="en-US" dirty="0" smtClean="0"/>
-              <a:t>() # stand up and turn motors on</a:t>
-            </a:r>
-          </a:p>
-          <a:p>
-            <a:r>
-              <a:rPr lang="en-US" dirty="0" err="1" smtClean="0"/>
-              <a:t>nao.Stiffen</a:t>
-            </a:r>
-            <a:r>
-              <a:rPr lang="en-US" dirty="0" smtClean="0"/>
-              <a:t>() # turns all motors on</a:t>
-            </a:r>
-            <a:endParaRPr lang="en-US" dirty="0"/>
+              <a:rPr lang="en-US" dirty="0"/>
+              <a:t>detected, timestamp, </a:t>
+            </a:r>
+            <a:r>
+              <a:rPr lang="en-US" dirty="0" err="1" smtClean="0"/>
+              <a:t>soundInfo</a:t>
+            </a:r>
+            <a:r>
+              <a:rPr lang="en-US" dirty="0"/>
+              <a:t>=</a:t>
+            </a:r>
+            <a:r>
+              <a:rPr lang="en-US" dirty="0" err="1" smtClean="0"/>
+              <a:t>nao.DetectSound</a:t>
+            </a:r>
+            <a:r>
+              <a:rPr lang="en-US" dirty="0" smtClean="0"/>
+              <a:t>()</a:t>
+            </a:r>
+            <a:endParaRPr lang="en-US" dirty="0"/>
+          </a:p>
+        </p:txBody>
+      </p:sp>
+      <p:sp>
+        <p:nvSpPr>
+          <p:cNvPr id="8" name="Rectangle 7"/>
+          <p:cNvSpPr/>
+          <p:nvPr/>
+        </p:nvSpPr>
+        <p:spPr>
+          <a:xfrm>
+            <a:off x="877749" y="4656831"/>
+            <a:ext cx="7397426" cy="923330"/>
+          </a:xfrm>
+          <a:prstGeom prst="rect">
+            <a:avLst/>
+          </a:prstGeom>
+        </p:spPr>
+        <p:txBody>
+          <a:bodyPr wrap="square">
+            <a:spAutoFit/>
+          </a:bodyPr>
+          <a:lstStyle/>
+          <a:p>
+            <a:r>
+              <a:rPr lang="en-US" dirty="0" err="1" smtClean="0"/>
+              <a:t>soundInfo</a:t>
+            </a:r>
+            <a:r>
+              <a:rPr lang="en-US" dirty="0" smtClean="0"/>
+              <a:t>[0]	</a:t>
+            </a:r>
+            <a:r>
+              <a:rPr lang="en-US" dirty="0"/>
+              <a:t>	#index of sound start/</a:t>
+            </a:r>
+            <a:r>
+              <a:rPr lang="en-US" dirty="0" smtClean="0"/>
+              <a:t>end</a:t>
+            </a:r>
+          </a:p>
+          <a:p>
+            <a:r>
+              <a:rPr lang="en-US" dirty="0" err="1" smtClean="0"/>
+              <a:t>soundInfo</a:t>
+            </a:r>
+            <a:r>
+              <a:rPr lang="en-US" dirty="0" smtClean="0"/>
+              <a:t>[1]		#</a:t>
+            </a:r>
+            <a:r>
+              <a:rPr lang="en-US" dirty="0"/>
+              <a:t>type: 1=start, 0=end</a:t>
+            </a:r>
+          </a:p>
+          <a:p>
+            <a:r>
+              <a:rPr lang="en-US" dirty="0" err="1" smtClean="0"/>
+              <a:t>soundInfo</a:t>
+            </a:r>
+            <a:r>
+              <a:rPr lang="en-US" dirty="0" smtClean="0"/>
+              <a:t>[</a:t>
+            </a:r>
+            <a:r>
+              <a:rPr lang="en-US" dirty="0"/>
+              <a:t>2</a:t>
+            </a:r>
+            <a:r>
+              <a:rPr lang="en-US" dirty="0" smtClean="0"/>
+              <a:t>]		#</a:t>
+            </a:r>
+            <a:r>
+              <a:rPr lang="en-US" dirty="0"/>
+              <a:t>confidence: probability that there was a sound</a:t>
+            </a:r>
           </a:p>
         </p:txBody>
       </p:sp>
     </p:spTree>
     <p:extLst>
       <p:ext uri="{BB962C8B-B14F-4D97-AF65-F5344CB8AC3E}">
-        <p14:creationId xmlns:p14="http://schemas.microsoft.com/office/powerpoint/2010/main" val="2479359306"/>
+        <p14:creationId xmlns:p14="http://schemas.microsoft.com/office/powerpoint/2010/main" val="2098363392"/>
       </p:ext>
     </p:extLst>
   </p:cSld>
@@ -4134,18 +3451,8 @@
           <a:p>
             <a:r>
               <a:rPr lang="en-US" dirty="0" smtClean="0"/>
-              <a:t>For moving the head</a:t>
-            </a:r>
-            <a:endParaRPr lang="en-US" dirty="0"/>
-          </a:p>
-          <a:p>
-            <a:endParaRPr lang="en-US" dirty="0" smtClean="0"/>
-          </a:p>
-          <a:p>
-            <a:endParaRPr lang="en-US" dirty="0"/>
-          </a:p>
-          <a:p>
-            <a:endParaRPr lang="en-US" dirty="0" smtClean="0"/>
+              <a:t>Sound Localization needs to be initialized before it can be used</a:t>
+            </a:r>
           </a:p>
           <a:p>
             <a:pPr marL="0" indent="0">
@@ -4154,27 +3461,13 @@
             <a:endParaRPr lang="en-US" dirty="0" smtClean="0"/>
           </a:p>
           <a:p>
-            <a:endParaRPr lang="en-US" dirty="0" smtClean="0"/>
-          </a:p>
-          <a:p>
-            <a:endParaRPr lang="en-US" dirty="0"/>
-          </a:p>
-          <a:p>
-            <a:r>
-              <a:rPr lang="en-US" dirty="0" smtClean="0"/>
-              <a:t>Don’t forget to turn the </a:t>
-            </a:r>
-            <a:r>
-              <a:rPr lang="en-US" dirty="0" err="1" smtClean="0"/>
-              <a:t>headmotors</a:t>
-            </a:r>
-            <a:r>
-              <a:rPr lang="en-US" dirty="0" smtClean="0"/>
-              <a:t> on/off</a:t>
-            </a:r>
-          </a:p>
-          <a:p>
-            <a:endParaRPr lang="en-US" dirty="0"/>
+            <a:endParaRPr lang="en-US" dirty="0"/>
+          </a:p>
+          <a:p>
+            <a:r>
+              <a:rPr lang="en-US" dirty="0" smtClean="0"/>
+              <a:t>After that Sound can be detected using:</a:t>
+            </a:r>
           </a:p>
           <a:p>
             <a:pPr marL="0" indent="0">
@@ -4183,7 +3476,16 @@
             <a:endParaRPr lang="en-US" dirty="0" smtClean="0"/>
           </a:p>
           <a:p>
-            <a:endParaRPr lang="en-US" dirty="0"/>
+            <a:pPr marL="0" indent="0">
+              <a:buNone/>
+            </a:pPr>
+            <a:endParaRPr lang="en-US" dirty="0" smtClean="0"/>
+          </a:p>
+          <a:p>
+            <a:r>
+              <a:rPr lang="en-US" dirty="0" smtClean="0"/>
+              <a:t>Marker Info is an array with the following fields:</a:t>
+            </a:r>
           </a:p>
           <a:p>
             <a:endParaRPr lang="en-US" dirty="0"/>
@@ -4198,8 +3500,8 @@
         </p:nvSpPr>
         <p:spPr>
           <a:xfrm>
-            <a:off x="877748" y="1710097"/>
-            <a:ext cx="8030473" cy="2031325"/>
+            <a:off x="877749" y="2102248"/>
+            <a:ext cx="6741862" cy="369332"/>
           </a:xfrm>
           <a:prstGeom prst="rect">
             <a:avLst/>
@@ -4213,108 +3515,26 @@
           <a:p>
             <a:r>
               <a:rPr lang="en-US" dirty="0" err="1" smtClean="0"/>
-              <a:t>nao.MoveHead</a:t>
-            </a:r>
-            <a:r>
-              <a:rPr lang="en-US" dirty="0" smtClean="0"/>
-              <a:t>(</a:t>
-            </a:r>
-            <a:r>
-              <a:rPr lang="en-US" dirty="0" err="1" smtClean="0"/>
-              <a:t>yaw_val</a:t>
-            </a:r>
-            <a:r>
-              <a:rPr lang="en-US" dirty="0" smtClean="0"/>
-              <a:t>=0, </a:t>
-            </a:r>
-            <a:r>
-              <a:rPr lang="en-US" dirty="0" err="1" smtClean="0"/>
-              <a:t>pitch_val</a:t>
-            </a:r>
-            <a:r>
-              <a:rPr lang="en-US" dirty="0" smtClean="0"/>
-              <a:t>=0, </a:t>
-            </a:r>
-            <a:r>
-              <a:rPr lang="en-US" dirty="0" err="1" smtClean="0"/>
-              <a:t>isAbsolute</a:t>
-            </a:r>
-            <a:r>
-              <a:rPr lang="en-US" dirty="0" smtClean="0"/>
-              <a:t>=True, </a:t>
-            </a:r>
-            <a:r>
-              <a:rPr lang="en-US" dirty="0" err="1" smtClean="0"/>
-              <a:t>timeLists</a:t>
-            </a:r>
-            <a:r>
-              <a:rPr lang="en-US" dirty="0" smtClean="0"/>
-              <a:t>=[[1],[1]])</a:t>
-            </a:r>
-          </a:p>
-          <a:p>
-            <a:endParaRPr lang="en-US" dirty="0" smtClean="0"/>
-          </a:p>
-          <a:p>
-            <a:r>
-              <a:rPr lang="en-US" dirty="0" smtClean="0"/>
-              <a:t>yaw=</a:t>
-            </a:r>
-            <a:r>
-              <a:rPr lang="en-US" dirty="0" err="1" smtClean="0"/>
-              <a:t>nao.GetYaw</a:t>
-            </a:r>
-            <a:r>
-              <a:rPr lang="en-US" dirty="0" smtClean="0"/>
-              <a:t>():</a:t>
-            </a:r>
-          </a:p>
-          <a:p>
-            <a:endParaRPr lang="en-US" dirty="0" smtClean="0"/>
-          </a:p>
-          <a:p>
-            <a:r>
-              <a:rPr lang="en-US" dirty="0" smtClean="0"/>
-              <a:t>pitch = </a:t>
-            </a:r>
-            <a:r>
-              <a:rPr lang="en-US" dirty="0" err="1" smtClean="0"/>
-              <a:t>nao.GetPitch</a:t>
-            </a:r>
-            <a:r>
-              <a:rPr lang="en-US" dirty="0" smtClean="0"/>
-              <a:t>():</a:t>
-            </a:r>
-          </a:p>
-          <a:p>
-            <a:endParaRPr lang="en-US" dirty="0" smtClean="0"/>
-          </a:p>
-          <a:p>
-            <a:r>
-              <a:rPr lang="en-US" dirty="0" smtClean="0"/>
-              <a:t>yaw, pitch = </a:t>
-            </a:r>
-            <a:r>
-              <a:rPr lang="en-US" dirty="0" err="1" smtClean="0"/>
-              <a:t>nao.GetYawPitch</a:t>
-            </a:r>
-            <a:r>
-              <a:rPr lang="en-US" dirty="0" smtClean="0"/>
-              <a:t>():</a:t>
-            </a:r>
-          </a:p>
-        </p:txBody>
-      </p:sp>
-      <p:sp>
-        <p:nvSpPr>
-          <p:cNvPr id="8" name="Rectangle 7"/>
+              <a:t>nao.InitSoundLocalization</a:t>
+            </a:r>
+            <a:r>
+              <a:rPr lang="en-US" dirty="0" smtClean="0"/>
+              <a:t>(switch=True)</a:t>
+            </a:r>
+            <a:endParaRPr lang="en-US" dirty="0"/>
+          </a:p>
+        </p:txBody>
+      </p:sp>
+      <p:sp>
+        <p:nvSpPr>
+          <p:cNvPr id="6" name="Rectangle 5"/>
           <p:cNvSpPr/>
           <p:nvPr/>
         </p:nvSpPr>
         <p:spPr>
           <a:xfrm>
-            <a:off x="877749" y="5108750"/>
-            <a:ext cx="6741862" cy="646331"/>
+            <a:off x="877749" y="3281979"/>
+            <a:ext cx="6741862" cy="369332"/>
           </a:xfrm>
           <a:prstGeom prst="rect">
             <a:avLst/>
@@ -4327,26 +3547,131 @@
           <a:lstStyle/>
           <a:p>
             <a:r>
-              <a:rPr lang="en-US" dirty="0" err="1" smtClean="0"/>
-              <a:t>nao.InitTrack</a:t>
+              <a:rPr lang="en-US" dirty="0"/>
+              <a:t>detected, timestamp, </a:t>
+            </a:r>
+            <a:r>
+              <a:rPr lang="en-US" dirty="0" err="1" smtClean="0"/>
+              <a:t>soundInfo</a:t>
+            </a:r>
+            <a:r>
+              <a:rPr lang="en-US" dirty="0"/>
+              <a:t>=</a:t>
+            </a:r>
+            <a:r>
+              <a:rPr lang="en-US" dirty="0" err="1" smtClean="0"/>
+              <a:t>nao.DetectSoundLocation</a:t>
             </a:r>
             <a:r>
               <a:rPr lang="en-US" dirty="0" smtClean="0"/>
               <a:t>()</a:t>
             </a:r>
+            <a:endParaRPr lang="en-US" dirty="0"/>
+          </a:p>
+        </p:txBody>
+      </p:sp>
+      <p:sp>
+        <p:nvSpPr>
+          <p:cNvPr id="8" name="Rectangle 7"/>
+          <p:cNvSpPr/>
+          <p:nvPr/>
+        </p:nvSpPr>
+        <p:spPr>
+          <a:xfrm>
+            <a:off x="877749" y="4656831"/>
+            <a:ext cx="7397426" cy="1200329"/>
+          </a:xfrm>
+          <a:prstGeom prst="rect">
+            <a:avLst/>
+          </a:prstGeom>
+        </p:spPr>
+        <p:txBody>
+          <a:bodyPr wrap="square">
+            <a:spAutoFit/>
+          </a:bodyPr>
+          <a:lstStyle/>
+          <a:p>
+            <a:r>
+              <a:rPr lang="en-US" dirty="0" err="1" smtClean="0"/>
+              <a:t>soundInfo</a:t>
+            </a:r>
+            <a:r>
+              <a:rPr lang="en-US" dirty="0" smtClean="0"/>
+              <a:t>[0]	</a:t>
+            </a:r>
+            <a:r>
+              <a:rPr lang="en-US" dirty="0"/>
+              <a:t>	#azimuth angle</a:t>
+            </a:r>
           </a:p>
           <a:p>
             <a:r>
               <a:rPr lang="en-US" dirty="0" err="1"/>
-              <a:t>n</a:t>
-            </a:r>
-            <a:r>
-              <a:rPr lang="en-US" dirty="0" err="1" smtClean="0"/>
-              <a:t>ao.EndTrack</a:t>
-            </a:r>
-            <a:r>
-              <a:rPr lang="en-US" dirty="0" smtClean="0"/>
-              <a:t>()</a:t>
+              <a:t>soundInfo</a:t>
+            </a:r>
+            <a:r>
+              <a:rPr lang="en-US" dirty="0" smtClean="0"/>
+              <a:t>[1]</a:t>
+            </a:r>
+            <a:r>
+              <a:rPr lang="en-US" dirty="0"/>
+              <a:t>		</a:t>
+            </a:r>
+            <a:r>
+              <a:rPr lang="en-US" dirty="0" smtClean="0"/>
+              <a:t>#elevation </a:t>
+            </a:r>
+            <a:r>
+              <a:rPr lang="en-US" dirty="0"/>
+              <a:t>angle</a:t>
+            </a:r>
+          </a:p>
+          <a:p>
+            <a:r>
+              <a:rPr lang="en-US" dirty="0" err="1"/>
+              <a:t>soundInfo</a:t>
+            </a:r>
+            <a:r>
+              <a:rPr lang="en-US" dirty="0" smtClean="0"/>
+              <a:t>[2]</a:t>
+            </a:r>
+            <a:r>
+              <a:rPr lang="en-US" dirty="0"/>
+              <a:t>		</a:t>
+            </a:r>
+            <a:r>
+              <a:rPr lang="en-US" dirty="0" smtClean="0"/>
+              <a:t>#</a:t>
+            </a:r>
+            <a:r>
+              <a:rPr lang="en-US" dirty="0"/>
+              <a:t>confidence: probability that there was a sound</a:t>
+            </a:r>
+          </a:p>
+          <a:p>
+            <a:r>
+              <a:rPr lang="en-US" dirty="0" err="1"/>
+              <a:t>soundInfo</a:t>
+            </a:r>
+            <a:r>
+              <a:rPr lang="en-US" dirty="0" smtClean="0"/>
+              <a:t>[3]</a:t>
+            </a:r>
+            <a:r>
+              <a:rPr lang="en-US" dirty="0"/>
+              <a:t>		</a:t>
+            </a:r>
+            <a:r>
+              <a:rPr lang="en-US" dirty="0" smtClean="0"/>
+              <a:t>#</a:t>
+            </a:r>
+            <a:r>
+              <a:rPr lang="en-US" dirty="0" err="1" smtClean="0"/>
+              <a:t>Headposition</a:t>
+            </a:r>
+            <a:r>
+              <a:rPr lang="en-US" dirty="0" smtClean="0"/>
+              <a:t> 6D</a:t>
             </a:r>
             <a:endParaRPr lang="en-US" dirty="0"/>
           </a:p>
@@ -4355,7 +3680,7 @@
     </p:spTree>
     <p:extLst>
       <p:ext uri="{BB962C8B-B14F-4D97-AF65-F5344CB8AC3E}">
-        <p14:creationId xmlns:p14="http://schemas.microsoft.com/office/powerpoint/2010/main" val="1366090601"/>
+        <p14:creationId xmlns:p14="http://schemas.microsoft.com/office/powerpoint/2010/main" val="592584348"/>
       </p:ext>
     </p:extLst>
   </p:cSld>
@@ -4391,7 +3716,7 @@
       </p:grpSpPr>
       <p:sp>
         <p:nvSpPr>
-          <p:cNvPr id="2" name="Title 1"/>
+          <p:cNvPr id="4" name="Title 3"/>
           <p:cNvSpPr>
             <a:spLocks noGrp="1"/>
           </p:cNvSpPr>
@@ -4406,15 +3731,19 @@
           <a:p>
             <a:r>
               <a:rPr lang="en-US" dirty="0" smtClean="0"/>
-              <a:t>Speech recognition</a:t>
-            </a:r>
-            <a:endParaRPr lang="en-US" dirty="0"/>
-          </a:p>
-        </p:txBody>
-      </p:sp>
-      <p:sp>
-        <p:nvSpPr>
-          <p:cNvPr id="3" name="Content Placeholder 2"/>
+              <a:t>Using </a:t>
+            </a:r>
+            <a:r>
+              <a:rPr lang="en-US" dirty="0" err="1" smtClean="0"/>
+              <a:t>nao.py</a:t>
+            </a:r>
+            <a:endParaRPr lang="en-US" dirty="0"/>
+          </a:p>
+        </p:txBody>
+      </p:sp>
+      <p:sp>
+        <p:nvSpPr>
+          <p:cNvPr id="5" name="Content Placeholder 4"/>
           <p:cNvSpPr>
             <a:spLocks noGrp="1"/>
           </p:cNvSpPr>
@@ -4429,48 +3758,90 @@
           <a:p>
             <a:r>
               <a:rPr lang="en-US" dirty="0" smtClean="0"/>
-              <a:t>Speech recognition first needs to be initialized with the words to be recognized</a:t>
-            </a:r>
-          </a:p>
-          <a:p>
-            <a:endParaRPr lang="en-US" dirty="0"/>
+              <a:t>There are two default postures:</a:t>
+            </a:r>
           </a:p>
           <a:p>
             <a:endParaRPr lang="en-US" dirty="0" smtClean="0"/>
           </a:p>
           <a:p>
+            <a:r>
+              <a:rPr lang="en-US" dirty="0" smtClean="0"/>
+              <a:t> </a:t>
+            </a:r>
+          </a:p>
+          <a:p>
+            <a:r>
+              <a:rPr lang="en-US" dirty="0" smtClean="0"/>
+              <a:t>Note: Prior to version 1.40 </a:t>
+            </a:r>
+            <a:r>
+              <a:rPr lang="en-US" dirty="0" err="1" smtClean="0"/>
+              <a:t>InitPose</a:t>
+            </a:r>
+            <a:r>
+              <a:rPr lang="en-US" dirty="0" smtClean="0"/>
+              <a:t> expects a crouch pose!!</a:t>
+            </a:r>
+          </a:p>
+          <a:p>
             <a:endParaRPr lang="en-US" dirty="0" smtClean="0"/>
           </a:p>
           <a:p>
             <a:r>
-              <a:rPr lang="en-US" dirty="0" smtClean="0"/>
-              <a:t>Once initialized, speech recognition needs to be turned on.</a:t>
-            </a:r>
+              <a:rPr lang="en-US" smtClean="0"/>
+              <a:t>From version </a:t>
+            </a:r>
+            <a:r>
+              <a:rPr lang="en-US" dirty="0" smtClean="0"/>
+              <a:t>1.40</a:t>
+            </a:r>
+          </a:p>
+          <a:p>
+            <a:endParaRPr lang="en-US" dirty="0"/>
           </a:p>
           <a:p>
             <a:endParaRPr lang="en-US" dirty="0" smtClean="0"/>
           </a:p>
           <a:p>
-            <a:r>
-              <a:rPr lang="en-US" dirty="0" smtClean="0"/>
-              <a:t>When speech recognition is on, you can detect speech using:</a:t>
-            </a:r>
-          </a:p>
-          <a:p>
+            <a:pPr marL="0" indent="0">
+              <a:buNone/>
+            </a:pPr>
             <a:endParaRPr lang="en-US" dirty="0" smtClean="0"/>
           </a:p>
-        </p:txBody>
-      </p:sp>
-      <p:sp>
-        <p:nvSpPr>
-          <p:cNvPr id="4" name="Rectangle 3"/>
+          <a:p>
+            <a:pPr marL="0" indent="0">
+              <a:buNone/>
+            </a:pPr>
+            <a:endParaRPr lang="en-US" dirty="0" smtClean="0"/>
+          </a:p>
+          <a:p>
+            <a:endParaRPr lang="en-US" dirty="0"/>
+          </a:p>
+          <a:p>
+            <a:pPr marL="0" indent="0">
+              <a:buNone/>
+            </a:pPr>
+            <a:endParaRPr lang="en-US" dirty="0" smtClean="0"/>
+          </a:p>
+          <a:p>
+            <a:endParaRPr lang="en-US" dirty="0"/>
+          </a:p>
+          <a:p>
+            <a:endParaRPr lang="en-US" dirty="0"/>
+          </a:p>
+        </p:txBody>
+      </p:sp>
+      <p:sp>
+        <p:nvSpPr>
+          <p:cNvPr id="7" name="Rectangle 6"/>
           <p:cNvSpPr/>
           <p:nvPr/>
         </p:nvSpPr>
         <p:spPr>
           <a:xfrm>
-            <a:off x="824740" y="1948635"/>
-            <a:ext cx="8030473" cy="923330"/>
+            <a:off x="877749" y="1710097"/>
+            <a:ext cx="6741862" cy="646331"/>
           </a:xfrm>
           <a:prstGeom prst="rect">
             <a:avLst/>
@@ -4483,54 +3854,53 @@
           <a:lstStyle/>
           <a:p>
             <a:r>
-              <a:rPr lang="en-US" dirty="0" err="1" smtClean="0"/>
-              <a:t>myWordList</a:t>
-            </a:r>
-            <a:r>
-              <a:rPr lang="en-US" dirty="0" smtClean="0"/>
-              <a:t>=[“Hello”, “Yes”, “No”, What is your name?”]</a:t>
-            </a:r>
-          </a:p>
-          <a:p>
-            <a:r>
-              <a:rPr lang="en-US" dirty="0" err="1" smtClean="0"/>
-              <a:t>mylanguage</a:t>
-            </a:r>
-            <a:r>
-              <a:rPr lang="en-US" dirty="0" smtClean="0"/>
-              <a:t>=“English”</a:t>
-            </a:r>
-          </a:p>
-          <a:p>
-            <a:r>
-              <a:rPr lang="en-US" dirty="0" err="1" smtClean="0"/>
-              <a:t>nao.InitSpeech</a:t>
-            </a:r>
-            <a:r>
-              <a:rPr lang="en-US" dirty="0" smtClean="0"/>
-              <a:t>(</a:t>
-            </a:r>
-            <a:r>
-              <a:rPr lang="en-US" dirty="0" err="1" smtClean="0"/>
-              <a:t>myWordlist,myLanguage</a:t>
-            </a:r>
-            <a:r>
-              <a:rPr lang="en-US" dirty="0" smtClean="0"/>
-              <a:t>)</a:t>
-            </a:r>
-          </a:p>
-        </p:txBody>
-      </p:sp>
-      <p:sp>
-        <p:nvSpPr>
-          <p:cNvPr id="5" name="Rectangle 4"/>
+              <a:rPr lang="en-US" dirty="0" err="1"/>
+              <a:t>n</a:t>
+            </a:r>
+            <a:r>
+              <a:rPr lang="en-US" dirty="0" err="1" smtClean="0"/>
+              <a:t>ao.InitPose</a:t>
+            </a:r>
+            <a:r>
+              <a:rPr lang="en-US" dirty="0" smtClean="0"/>
+              <a:t>() # stand up and turn motors on</a:t>
+            </a:r>
+          </a:p>
+          <a:p>
+            <a:r>
+              <a:rPr lang="en-US" dirty="0" err="1"/>
+              <a:t>n</a:t>
+            </a:r>
+            <a:r>
+              <a:rPr lang="en-US" dirty="0" err="1" smtClean="0"/>
+              <a:t>ao.Crouch</a:t>
+            </a:r>
+            <a:r>
+              <a:rPr lang="en-US" dirty="0" smtClean="0"/>
+              <a:t>() # </a:t>
+            </a:r>
+            <a:r>
+              <a:rPr lang="en-US" dirty="0" err="1" smtClean="0"/>
+              <a:t>goto</a:t>
+            </a:r>
+            <a:r>
+              <a:rPr lang="en-US" dirty="0" smtClean="0"/>
+              <a:t> crouch pose and turn motors off</a:t>
+            </a:r>
+            <a:endParaRPr lang="en-US" dirty="0"/>
+          </a:p>
+        </p:txBody>
+      </p:sp>
+      <p:sp>
+        <p:nvSpPr>
+          <p:cNvPr id="10" name="Rectangle 9"/>
           <p:cNvSpPr/>
           <p:nvPr/>
         </p:nvSpPr>
         <p:spPr>
           <a:xfrm>
-            <a:off x="871124" y="4131833"/>
-            <a:ext cx="8030473" cy="369332"/>
+            <a:off x="877749" y="4268430"/>
+            <a:ext cx="6741862" cy="923330"/>
           </a:xfrm>
           <a:prstGeom prst="rect">
             <a:avLst/>
@@ -4543,68 +3913,42 @@
           <a:lstStyle/>
           <a:p>
             <a:r>
-              <a:rPr lang="en-US" dirty="0" err="1"/>
-              <a:t>n</a:t>
-            </a:r>
-            <a:r>
-              <a:rPr lang="en-US" dirty="0" err="1" smtClean="0"/>
-              <a:t>ao.asr.subscribe</a:t>
-            </a:r>
-            <a:r>
-              <a:rPr lang="en-US" dirty="0" smtClean="0"/>
-              <a:t>(“</a:t>
-            </a:r>
-            <a:r>
-              <a:rPr lang="en-US" dirty="0" err="1" smtClean="0"/>
-              <a:t>MyModule</a:t>
-            </a:r>
-            <a:r>
-              <a:rPr lang="en-US" dirty="0" smtClean="0"/>
-              <a:t>”)</a:t>
-            </a:r>
-          </a:p>
-        </p:txBody>
-      </p:sp>
-      <p:sp>
-        <p:nvSpPr>
-          <p:cNvPr id="6" name="Rectangle 5"/>
-          <p:cNvSpPr/>
-          <p:nvPr/>
-        </p:nvSpPr>
-        <p:spPr>
-          <a:xfrm>
-            <a:off x="871124" y="5429104"/>
-            <a:ext cx="8030473" cy="369332"/>
-          </a:xfrm>
-          <a:prstGeom prst="rect">
-            <a:avLst/>
-          </a:prstGeom>
-        </p:spPr>
-        <p:txBody>
-          <a:bodyPr wrap="square">
-            <a:spAutoFit/>
-          </a:bodyPr>
-          <a:lstStyle/>
-          <a:p>
-            <a:r>
-              <a:rPr lang="en-US" dirty="0" smtClean="0"/>
-              <a:t>result=</a:t>
-            </a:r>
-            <a:r>
-              <a:rPr lang="en-US" dirty="0" err="1" smtClean="0"/>
-              <a:t>nao.DetectSpeech</a:t>
-            </a:r>
-            <a:r>
-              <a:rPr lang="en-US" dirty="0" smtClean="0"/>
-              <a:t>()</a:t>
-            </a:r>
+              <a:rPr lang="en-US" dirty="0" err="1" smtClean="0"/>
+              <a:t>nao.GoToPosture</a:t>
+            </a:r>
+            <a:r>
+              <a:rPr lang="en-US" dirty="0" smtClean="0"/>
+              <a:t>(</a:t>
+            </a:r>
+            <a:r>
+              <a:rPr lang="en-US" dirty="0" err="1" smtClean="0"/>
+              <a:t>the_pose</a:t>
+            </a:r>
+            <a:r>
+              <a:rPr lang="en-US" dirty="0" smtClean="0"/>
+              <a:t>)</a:t>
+            </a:r>
+          </a:p>
+          <a:p>
+            <a:endParaRPr lang="en-US" dirty="0"/>
+          </a:p>
+          <a:p>
+            <a:r>
+              <a:rPr lang="en-US" dirty="0" smtClean="0"/>
+              <a:t>#Available postures are “Stand”, “Sit”, “Crouch”, </a:t>
+            </a:r>
+            <a:r>
+              <a:rPr lang="is-IS" dirty="0" smtClean="0"/>
+              <a:t>…</a:t>
+            </a:r>
+            <a:endParaRPr lang="en-US" dirty="0"/>
           </a:p>
         </p:txBody>
       </p:sp>
     </p:spTree>
     <p:extLst>
       <p:ext uri="{BB962C8B-B14F-4D97-AF65-F5344CB8AC3E}">
-        <p14:creationId xmlns:p14="http://schemas.microsoft.com/office/powerpoint/2010/main" val="2540422098"/>
+        <p14:creationId xmlns:p14="http://schemas.microsoft.com/office/powerpoint/2010/main" val="1605723365"/>
       </p:ext>
     </p:extLst>
   </p:cSld>
@@ -4640,7 +3984,7 @@
       </p:grpSpPr>
       <p:sp>
         <p:nvSpPr>
-          <p:cNvPr id="2" name="Title 1"/>
+          <p:cNvPr id="4" name="Title 3"/>
           <p:cNvSpPr>
             <a:spLocks noGrp="1"/>
           </p:cNvSpPr>
@@ -4655,15 +3999,19 @@
           <a:p>
             <a:r>
               <a:rPr lang="en-US" dirty="0" smtClean="0"/>
-              <a:t>Speech recognition</a:t>
-            </a:r>
-            <a:endParaRPr lang="en-US" dirty="0"/>
-          </a:p>
-        </p:txBody>
-      </p:sp>
-      <p:sp>
-        <p:nvSpPr>
-          <p:cNvPr id="3" name="Content Placeholder 2"/>
+              <a:t>Using </a:t>
+            </a:r>
+            <a:r>
+              <a:rPr lang="en-US" dirty="0" err="1" smtClean="0"/>
+              <a:t>nao.py</a:t>
+            </a:r>
+            <a:endParaRPr lang="en-US" dirty="0"/>
+          </a:p>
+        </p:txBody>
+      </p:sp>
+      <p:sp>
+        <p:nvSpPr>
+          <p:cNvPr id="5" name="Content Placeholder 4"/>
           <p:cNvSpPr>
             <a:spLocks noGrp="1"/>
           </p:cNvSpPr>
@@ -4677,13 +4025,21 @@
           <a:lstStyle/>
           <a:p>
             <a:r>
-              <a:rPr lang="en-US" dirty="0"/>
-              <a:t>The result contains the list of recognized words and the probability of being correct. The list is sorted, so that the most probable word is always first in the </a:t>
-            </a:r>
-            <a:r>
-              <a:rPr lang="en-US" dirty="0" smtClean="0"/>
-              <a:t>list</a:t>
-            </a:r>
+              <a:rPr lang="en-US" dirty="0" smtClean="0"/>
+              <a:t>For walking there are two variants.</a:t>
+            </a:r>
+          </a:p>
+          <a:p>
+            <a:r>
+              <a:rPr lang="en-US" dirty="0" smtClean="0"/>
+              <a:t>The first variant sets the heading direction and speed (don’t forget to turn it off! (zero speed)):</a:t>
+            </a:r>
+          </a:p>
+          <a:p>
+            <a:endParaRPr lang="en-US" dirty="0"/>
+          </a:p>
+          <a:p>
+            <a:endParaRPr lang="en-US" dirty="0" smtClean="0"/>
           </a:p>
           <a:p>
             <a:pPr marL="0" indent="0">
@@ -4695,41 +4051,53 @@
             <a:endParaRPr lang="en-US" dirty="0" smtClean="0"/>
           </a:p>
           <a:p>
-            <a:r>
-              <a:rPr lang="en-US" dirty="0" smtClean="0"/>
-              <a:t>If the robot needs to speak again you first need to turn speech recognition off.</a:t>
-            </a:r>
-          </a:p>
-          <a:p>
-            <a:endParaRPr lang="en-US" dirty="0"/>
-          </a:p>
-          <a:p>
-            <a:endParaRPr lang="en-US" dirty="0" smtClean="0"/>
-          </a:p>
-          <a:p>
-            <a:r>
-              <a:rPr lang="en-US" dirty="0" smtClean="0"/>
-              <a:t>The next slide shows a simple demo</a:t>
+            <a:endParaRPr lang="en-US" dirty="0"/>
+          </a:p>
+          <a:p>
+            <a:r>
+              <a:rPr lang="en-US" dirty="0" smtClean="0"/>
+              <a:t>The second method expects a distance in m.</a:t>
             </a:r>
           </a:p>
           <a:p>
             <a:pPr marL="0" indent="0">
               <a:buNone/>
             </a:pPr>
-            <a:endParaRPr lang="en-US" dirty="0"/>
-          </a:p>
-        </p:txBody>
-      </p:sp>
-      <p:sp>
-        <p:nvSpPr>
-          <p:cNvPr id="5" name="Rectangle 4"/>
+            <a:endParaRPr lang="en-US" dirty="0" smtClean="0"/>
+          </a:p>
+          <a:p>
+            <a:r>
+              <a:rPr lang="en-US" dirty="0" smtClean="0"/>
+              <a:t>Turn motors on with</a:t>
+            </a:r>
+          </a:p>
+          <a:p>
+            <a:endParaRPr lang="en-US" dirty="0"/>
+          </a:p>
+          <a:p>
+            <a:pPr marL="0" indent="0">
+              <a:buNone/>
+            </a:pPr>
+            <a:endParaRPr lang="en-US" dirty="0" smtClean="0"/>
+          </a:p>
+          <a:p>
+            <a:endParaRPr lang="en-US" dirty="0"/>
+          </a:p>
+          <a:p>
+            <a:endParaRPr lang="en-US" dirty="0"/>
+          </a:p>
+        </p:txBody>
+      </p:sp>
+      <p:sp>
+        <p:nvSpPr>
+          <p:cNvPr id="7" name="Rectangle 6"/>
           <p:cNvSpPr/>
           <p:nvPr/>
         </p:nvSpPr>
         <p:spPr>
           <a:xfrm>
-            <a:off x="871123" y="2433101"/>
-            <a:ext cx="8030473" cy="369332"/>
+            <a:off x="877749" y="2494402"/>
+            <a:ext cx="6741862" cy="2308324"/>
           </a:xfrm>
           <a:prstGeom prst="rect">
             <a:avLst/>
@@ -4742,42 +4110,141 @@
           <a:lstStyle/>
           <a:p>
             <a:r>
-              <a:rPr lang="en-US" dirty="0"/>
-              <a:t>r</a:t>
-            </a:r>
-            <a:r>
-              <a:rPr lang="en-US" dirty="0" smtClean="0"/>
-              <a:t>esult=[“</a:t>
-            </a:r>
-            <a:r>
-              <a:rPr lang="en-US" dirty="0" err="1" smtClean="0"/>
-              <a:t>MyFirstWord</a:t>
-            </a:r>
-            <a:r>
-              <a:rPr lang="en-US" dirty="0" smtClean="0"/>
-              <a:t>”, 0.312414, “</a:t>
-            </a:r>
-            <a:r>
-              <a:rPr lang="en-US" dirty="0" err="1" smtClean="0"/>
-              <a:t>MySecondWord</a:t>
-            </a:r>
-            <a:r>
-              <a:rPr lang="en-US" dirty="0" smtClean="0"/>
-              <a:t>”, 0.103141]</a:t>
-            </a:r>
-          </a:p>
-        </p:txBody>
-      </p:sp>
-      <p:sp>
-        <p:nvSpPr>
-          <p:cNvPr id="7" name="Rectangle 6"/>
+              <a:rPr lang="en-US" dirty="0" err="1" smtClean="0"/>
+              <a:t>nao.Move</a:t>
+            </a:r>
+            <a:r>
+              <a:rPr lang="en-US" dirty="0" smtClean="0"/>
+              <a:t>(dx, </a:t>
+            </a:r>
+            <a:r>
+              <a:rPr lang="en-US" dirty="0" err="1" smtClean="0"/>
+              <a:t>dy</a:t>
+            </a:r>
+            <a:r>
+              <a:rPr lang="en-US" dirty="0" smtClean="0"/>
+              <a:t>, </a:t>
+            </a:r>
+            <a:r>
+              <a:rPr lang="en-US" dirty="0" err="1" smtClean="0"/>
+              <a:t>dtheta</a:t>
+            </a:r>
+            <a:r>
+              <a:rPr lang="en-US" dirty="0" smtClean="0"/>
+              <a:t>, </a:t>
+            </a:r>
+            <a:r>
+              <a:rPr lang="en-US" dirty="0" err="1" smtClean="0"/>
+              <a:t>freq</a:t>
+            </a:r>
+            <a:r>
+              <a:rPr lang="en-US" dirty="0" smtClean="0"/>
+              <a:t>)</a:t>
+            </a:r>
+          </a:p>
+          <a:p>
+            <a:r>
+              <a:rPr lang="en-US" dirty="0" smtClean="0"/>
+              <a:t> """"</a:t>
+            </a:r>
+          </a:p>
+          <a:p>
+            <a:r>
+              <a:rPr lang="en-US" dirty="0" smtClean="0"/>
+              <a:t>    dx = forward speed, </a:t>
+            </a:r>
+            <a:r>
+              <a:rPr lang="en-US" dirty="0" err="1" smtClean="0"/>
+              <a:t>dtheta</a:t>
+            </a:r>
+            <a:r>
+              <a:rPr lang="en-US" dirty="0" smtClean="0"/>
+              <a:t> = rotational speed,</a:t>
+            </a:r>
+          </a:p>
+          <a:p>
+            <a:r>
+              <a:rPr lang="en-US" dirty="0" smtClean="0"/>
+              <a:t>    </a:t>
+            </a:r>
+            <a:r>
+              <a:rPr lang="en-US" dirty="0" err="1" smtClean="0"/>
+              <a:t>dy</a:t>
+            </a:r>
+            <a:r>
+              <a:rPr lang="en-US" dirty="0" smtClean="0"/>
+              <a:t> = </a:t>
+            </a:r>
+            <a:r>
+              <a:rPr lang="en-US" dirty="0" err="1" smtClean="0"/>
+              <a:t>sidewards</a:t>
+            </a:r>
+            <a:r>
+              <a:rPr lang="en-US" dirty="0" smtClean="0"/>
+              <a:t> speed, </a:t>
+            </a:r>
+            <a:r>
+              <a:rPr lang="en-US" dirty="0" err="1" smtClean="0"/>
+              <a:t>freq</a:t>
+            </a:r>
+            <a:r>
+              <a:rPr lang="en-US" dirty="0" smtClean="0"/>
+              <a:t> = step frequency.</a:t>
+            </a:r>
+          </a:p>
+          <a:p>
+            <a:r>
+              <a:rPr lang="en-US" dirty="0" smtClean="0"/>
+              <a:t>    Allows </a:t>
+            </a:r>
+            <a:r>
+              <a:rPr lang="en-US" dirty="0" err="1" smtClean="0"/>
+              <a:t>Nao</a:t>
+            </a:r>
+            <a:r>
+              <a:rPr lang="en-US" dirty="0" smtClean="0"/>
+              <a:t> to move in a certain direction</a:t>
+            </a:r>
+          </a:p>
+          <a:p>
+            <a:r>
+              <a:rPr lang="en-US" dirty="0" smtClean="0"/>
+              <a:t>    with a certain speed.</a:t>
+            </a:r>
+          </a:p>
+          <a:p>
+            <a:r>
+              <a:rPr lang="en-US" dirty="0" smtClean="0"/>
+              <a:t>All values should be -1 and 1 except </a:t>
+            </a:r>
+            <a:r>
+              <a:rPr lang="en-US" dirty="0" err="1" smtClean="0"/>
+              <a:t>freq</a:t>
+            </a:r>
+            <a:r>
+              <a:rPr lang="en-US" dirty="0" smtClean="0"/>
+              <a:t> between 0 and 1</a:t>
+            </a:r>
+          </a:p>
+          <a:p>
+            <a:r>
+              <a:rPr lang="en-US" dirty="0" smtClean="0"/>
+              <a:t>    """</a:t>
+            </a:r>
+            <a:endParaRPr lang="en-US" dirty="0"/>
+          </a:p>
+        </p:txBody>
+      </p:sp>
+      <p:sp>
+        <p:nvSpPr>
+          <p:cNvPr id="8" name="Rectangle 7"/>
           <p:cNvSpPr/>
           <p:nvPr/>
         </p:nvSpPr>
         <p:spPr>
           <a:xfrm>
-            <a:off x="871124" y="4031920"/>
-            <a:ext cx="8030473" cy="369332"/>
+            <a:off x="877749" y="5108750"/>
+            <a:ext cx="6741862" cy="369332"/>
           </a:xfrm>
           <a:prstGeom prst="rect">
             <a:avLst/>
@@ -4790,32 +4257,80 @@
           <a:lstStyle/>
           <a:p>
             <a:r>
-              <a:rPr lang="en-US" dirty="0" smtClean="0"/>
-              <a:t>result=</a:t>
-            </a:r>
-            <a:r>
-              <a:rPr lang="en-US" dirty="0" err="1" smtClean="0"/>
-              <a:t>nao.asr.unsubscribe</a:t>
-            </a:r>
-            <a:r>
-              <a:rPr lang="en-US" dirty="0" smtClean="0"/>
-              <a:t>(“</a:t>
-            </a:r>
-            <a:r>
-              <a:rPr lang="en-US" dirty="0" err="1" smtClean="0"/>
-              <a:t>MyModule</a:t>
-            </a:r>
-            <a:r>
-              <a:rPr lang="en-US" dirty="0" smtClean="0"/>
-              <a:t>”)</a:t>
-            </a:r>
+              <a:rPr lang="en-US" dirty="0" err="1" smtClean="0"/>
+              <a:t>nao.Walk</a:t>
+            </a:r>
+            <a:r>
+              <a:rPr lang="en-US" dirty="0" smtClean="0"/>
+              <a:t>(dx, </a:t>
+            </a:r>
+            <a:r>
+              <a:rPr lang="en-US" dirty="0" err="1" smtClean="0"/>
+              <a:t>dy</a:t>
+            </a:r>
+            <a:r>
+              <a:rPr lang="en-US" dirty="0" smtClean="0"/>
+              <a:t>, </a:t>
+            </a:r>
+            <a:r>
+              <a:rPr lang="en-US" dirty="0" err="1" smtClean="0"/>
+              <a:t>dtheta</a:t>
+            </a:r>
+            <a:r>
+              <a:rPr lang="en-US" dirty="0" smtClean="0"/>
+              <a:t>)</a:t>
+            </a:r>
+            <a:endParaRPr lang="en-US" dirty="0"/>
+          </a:p>
+        </p:txBody>
+      </p:sp>
+      <p:sp>
+        <p:nvSpPr>
+          <p:cNvPr id="9" name="Rectangle 8"/>
+          <p:cNvSpPr/>
+          <p:nvPr/>
+        </p:nvSpPr>
+        <p:spPr>
+          <a:xfrm>
+            <a:off x="877749" y="5986425"/>
+            <a:ext cx="6741862" cy="646331"/>
+          </a:xfrm>
+          <a:prstGeom prst="rect">
+            <a:avLst/>
+          </a:prstGeom>
+        </p:spPr>
+        <p:txBody>
+          <a:bodyPr wrap="square">
+            <a:spAutoFit/>
+          </a:bodyPr>
+          <a:lstStyle/>
+          <a:p>
+            <a:r>
+              <a:rPr lang="en-US" dirty="0" err="1" smtClean="0"/>
+              <a:t>nao.InitPose</a:t>
+            </a:r>
+            <a:r>
+              <a:rPr lang="en-US" dirty="0" smtClean="0"/>
+              <a:t>() # stand up and turn motors on</a:t>
+            </a:r>
+          </a:p>
+          <a:p>
+            <a:r>
+              <a:rPr lang="en-US" dirty="0" err="1" smtClean="0"/>
+              <a:t>nao.Stiffen</a:t>
+            </a:r>
+            <a:r>
+              <a:rPr lang="en-US" dirty="0" smtClean="0"/>
+              <a:t>() # turns all motors on</a:t>
+            </a:r>
+            <a:endParaRPr lang="en-US" dirty="0"/>
           </a:p>
         </p:txBody>
       </p:sp>
     </p:spTree>
     <p:extLst>
       <p:ext uri="{BB962C8B-B14F-4D97-AF65-F5344CB8AC3E}">
-        <p14:creationId xmlns:p14="http://schemas.microsoft.com/office/powerpoint/2010/main" val="740871183"/>
+        <p14:creationId xmlns:p14="http://schemas.microsoft.com/office/powerpoint/2010/main" val="2479359306"/>
       </p:ext>
     </p:extLst>
   </p:cSld>
@@ -4851,7 +4366,7 @@
       </p:grpSpPr>
       <p:sp>
         <p:nvSpPr>
-          <p:cNvPr id="2" name="Title 1"/>
+          <p:cNvPr id="4" name="Title 3"/>
           <p:cNvSpPr>
             <a:spLocks noGrp="1"/>
           </p:cNvSpPr>
@@ -4866,15 +4381,19 @@
           <a:p>
             <a:r>
               <a:rPr lang="en-US" dirty="0" smtClean="0"/>
-              <a:t>Speech recognition</a:t>
-            </a:r>
-            <a:endParaRPr lang="en-US" dirty="0"/>
-          </a:p>
-        </p:txBody>
-      </p:sp>
-      <p:sp>
-        <p:nvSpPr>
-          <p:cNvPr id="3" name="Content Placeholder 2"/>
+              <a:t>Using </a:t>
+            </a:r>
+            <a:r>
+              <a:rPr lang="en-US" dirty="0" err="1" smtClean="0"/>
+              <a:t>nao.py</a:t>
+            </a:r>
+            <a:endParaRPr lang="en-US" dirty="0"/>
+          </a:p>
+        </p:txBody>
+      </p:sp>
+      <p:sp>
+        <p:nvSpPr>
+          <p:cNvPr id="5" name="Content Placeholder 4"/>
           <p:cNvSpPr>
             <a:spLocks noGrp="1"/>
           </p:cNvSpPr>
@@ -4887,23 +4406,74 @@
           <a:bodyPr/>
           <a:lstStyle/>
           <a:p>
+            <a:r>
+              <a:rPr lang="en-US" dirty="0" smtClean="0"/>
+              <a:t>For moving the head</a:t>
+            </a:r>
+            <a:endParaRPr lang="en-US" dirty="0"/>
+          </a:p>
+          <a:p>
+            <a:endParaRPr lang="en-US" dirty="0" smtClean="0"/>
+          </a:p>
+          <a:p>
+            <a:endParaRPr lang="en-US" dirty="0"/>
+          </a:p>
+          <a:p>
+            <a:endParaRPr lang="en-US" dirty="0" smtClean="0"/>
+          </a:p>
+          <a:p>
             <a:pPr marL="0" indent="0">
               <a:buNone/>
             </a:pPr>
-            <a:endParaRPr lang="en-US" dirty="0"/>
-          </a:p>
-        </p:txBody>
-      </p:sp>
-      <p:sp>
-        <p:nvSpPr>
-          <p:cNvPr id="4" name="Rectangle 3"/>
+            <a:endParaRPr lang="en-US" dirty="0" smtClean="0"/>
+          </a:p>
+          <a:p>
+            <a:endParaRPr lang="en-US" dirty="0" smtClean="0"/>
+          </a:p>
+          <a:p>
+            <a:endParaRPr lang="en-US" dirty="0"/>
+          </a:p>
+          <a:p>
+            <a:r>
+              <a:rPr lang="en-US" dirty="0" smtClean="0"/>
+              <a:t>Don’t forget to turn the </a:t>
+            </a:r>
+            <a:r>
+              <a:rPr lang="en-US" dirty="0" err="1" smtClean="0"/>
+              <a:t>headmotors</a:t>
+            </a:r>
+            <a:r>
+              <a:rPr lang="en-US" dirty="0" smtClean="0"/>
+              <a:t> on/off</a:t>
+            </a:r>
+          </a:p>
+          <a:p>
+            <a:endParaRPr lang="en-US" dirty="0"/>
+          </a:p>
+          <a:p>
+            <a:pPr marL="0" indent="0">
+              <a:buNone/>
+            </a:pPr>
+            <a:endParaRPr lang="en-US" dirty="0" smtClean="0"/>
+          </a:p>
+          <a:p>
+            <a:endParaRPr lang="en-US" dirty="0"/>
+          </a:p>
+          <a:p>
+            <a:endParaRPr lang="en-US" dirty="0"/>
+          </a:p>
+        </p:txBody>
+      </p:sp>
+      <p:sp>
+        <p:nvSpPr>
+          <p:cNvPr id="7" name="Rectangle 6"/>
           <p:cNvSpPr/>
           <p:nvPr/>
         </p:nvSpPr>
         <p:spPr>
           <a:xfrm>
-            <a:off x="573777" y="1611534"/>
-            <a:ext cx="8030473" cy="4801314"/>
+            <a:off x="877748" y="1710097"/>
+            <a:ext cx="8030473" cy="2031325"/>
           </a:xfrm>
           <a:prstGeom prst="rect">
             <a:avLst/>
@@ -4916,296 +4486,150 @@
           <a:lstStyle/>
           <a:p>
             <a:r>
+              <a:rPr lang="en-US" dirty="0" err="1" smtClean="0"/>
+              <a:t>nao.MoveHead</a:t>
+            </a:r>
+            <a:r>
+              <a:rPr lang="en-US" dirty="0" smtClean="0"/>
+              <a:t>(</a:t>
+            </a:r>
+            <a:r>
+              <a:rPr lang="en-US" dirty="0" err="1" smtClean="0"/>
+              <a:t>yaw_val</a:t>
+            </a:r>
+            <a:r>
+              <a:rPr lang="en-US" dirty="0" smtClean="0"/>
+              <a:t>=0, </a:t>
+            </a:r>
+            <a:r>
+              <a:rPr lang="en-US" dirty="0" err="1" smtClean="0"/>
+              <a:t>pitch_val</a:t>
+            </a:r>
+            <a:r>
+              <a:rPr lang="en-US" dirty="0" smtClean="0"/>
+              <a:t>=0, </a:t>
+            </a:r>
+            <a:r>
+              <a:rPr lang="en-US" dirty="0" err="1" smtClean="0"/>
+              <a:t>isAbsolute</a:t>
+            </a:r>
+            <a:r>
+              <a:rPr lang="en-US" dirty="0" smtClean="0"/>
+              <a:t>=True, </a:t>
+            </a:r>
+            <a:r>
+              <a:rPr lang="en-US" dirty="0" err="1" smtClean="0"/>
+              <a:t>timeLists</a:t>
+            </a:r>
+            <a:r>
+              <a:rPr lang="en-US" dirty="0" smtClean="0"/>
+              <a:t>=[[1],[1]])</a:t>
+            </a:r>
+          </a:p>
+          <a:p>
+            <a:endParaRPr lang="en-US" dirty="0" smtClean="0"/>
+          </a:p>
+          <a:p>
+            <a:r>
+              <a:rPr lang="en-US" dirty="0" smtClean="0"/>
+              <a:t>yaw=</a:t>
+            </a:r>
+            <a:r>
+              <a:rPr lang="en-US" dirty="0" err="1" smtClean="0"/>
+              <a:t>nao.GetYaw</a:t>
+            </a:r>
+            <a:r>
+              <a:rPr lang="en-US" dirty="0" smtClean="0"/>
+              <a:t>():</a:t>
+            </a:r>
+          </a:p>
+          <a:p>
+            <a:endParaRPr lang="en-US" dirty="0" smtClean="0"/>
+          </a:p>
+          <a:p>
+            <a:r>
+              <a:rPr lang="en-US" dirty="0" smtClean="0"/>
+              <a:t>pitch = </a:t>
+            </a:r>
+            <a:r>
+              <a:rPr lang="en-US" dirty="0" err="1" smtClean="0"/>
+              <a:t>nao.GetPitch</a:t>
+            </a:r>
+            <a:r>
+              <a:rPr lang="en-US" dirty="0" smtClean="0"/>
+              <a:t>():</a:t>
+            </a:r>
+          </a:p>
+          <a:p>
+            <a:endParaRPr lang="en-US" dirty="0" smtClean="0"/>
+          </a:p>
+          <a:p>
+            <a:r>
+              <a:rPr lang="en-US" dirty="0" smtClean="0"/>
+              <a:t>yaw, pitch = </a:t>
+            </a:r>
+            <a:r>
+              <a:rPr lang="en-US" dirty="0" err="1" smtClean="0"/>
+              <a:t>nao.GetYawPitch</a:t>
+            </a:r>
+            <a:r>
+              <a:rPr lang="en-US" dirty="0" smtClean="0"/>
+              <a:t>():</a:t>
+            </a:r>
+          </a:p>
+        </p:txBody>
+      </p:sp>
+      <p:sp>
+        <p:nvSpPr>
+          <p:cNvPr id="8" name="Rectangle 7"/>
+          <p:cNvSpPr/>
+          <p:nvPr/>
+        </p:nvSpPr>
+        <p:spPr>
+          <a:xfrm>
+            <a:off x="877749" y="5108750"/>
+            <a:ext cx="6741862" cy="646331"/>
+          </a:xfrm>
+          <a:prstGeom prst="rect">
+            <a:avLst/>
+          </a:prstGeom>
+        </p:spPr>
+        <p:txBody>
+          <a:bodyPr wrap="square">
+            <a:spAutoFit/>
+          </a:bodyPr>
+          <a:lstStyle/>
+          <a:p>
+            <a:r>
+              <a:rPr lang="en-US" dirty="0" err="1" smtClean="0"/>
+              <a:t>nao.InitTrack</a:t>
+            </a:r>
+            <a:r>
+              <a:rPr lang="en-US" dirty="0" smtClean="0"/>
+              <a:t>()</a:t>
+            </a:r>
+          </a:p>
+          <a:p>
+            <a:r>
               <a:rPr lang="en-US" dirty="0" err="1"/>
-              <a:t>def</a:t>
-            </a:r>
-            <a:r>
-              <a:rPr lang="en-US" dirty="0"/>
-              <a:t> </a:t>
-            </a:r>
-            <a:r>
-              <a:rPr lang="en-US" dirty="0" err="1"/>
-              <a:t>testspeech</a:t>
-            </a:r>
-            <a:r>
-              <a:rPr lang="en-US" dirty="0"/>
-              <a:t>(</a:t>
-            </a:r>
-            <a:r>
-              <a:rPr lang="en-US" dirty="0" err="1"/>
-              <a:t>maxcount</a:t>
-            </a:r>
-            <a:r>
-              <a:rPr lang="en-US" dirty="0"/>
-              <a:t>=50):</a:t>
-            </a:r>
-          </a:p>
-          <a:p>
-            <a:r>
-              <a:rPr lang="en-US" dirty="0"/>
-              <a:t>    </a:t>
-            </a:r>
-            <a:r>
-              <a:rPr lang="en-US" dirty="0" err="1"/>
-              <a:t>wordList</a:t>
-            </a:r>
-            <a:r>
-              <a:rPr lang="en-US" dirty="0"/>
-              <a:t>=["</a:t>
-            </a:r>
-            <a:r>
-              <a:rPr lang="en-US" dirty="0" err="1"/>
-              <a:t>yes","no","hello</a:t>
-            </a:r>
-            <a:r>
-              <a:rPr lang="en-US" dirty="0"/>
-              <a:t>", "</a:t>
-            </a:r>
-            <a:r>
-              <a:rPr lang="en-US" dirty="0" err="1"/>
-              <a:t>Nao","goodbye</a:t>
-            </a:r>
-            <a:r>
-              <a:rPr lang="en-US" dirty="0"/>
-              <a:t>"]</a:t>
-            </a:r>
-          </a:p>
-          <a:p>
-            <a:r>
-              <a:rPr lang="en-US" dirty="0"/>
-              <a:t>    </a:t>
-            </a:r>
-            <a:r>
-              <a:rPr lang="en-US" dirty="0" err="1"/>
-              <a:t>the_language</a:t>
-            </a:r>
-            <a:r>
-              <a:rPr lang="en-US" dirty="0"/>
-              <a:t>="English"</a:t>
-            </a:r>
-          </a:p>
-          <a:p>
-            <a:r>
-              <a:rPr lang="en-US" dirty="0"/>
-              <a:t>    </a:t>
-            </a:r>
-            <a:r>
-              <a:rPr lang="en-US" dirty="0" err="1"/>
-              <a:t>nao.InitSpeech</a:t>
-            </a:r>
-            <a:r>
-              <a:rPr lang="en-US" dirty="0"/>
-              <a:t>(</a:t>
-            </a:r>
-            <a:r>
-              <a:rPr lang="en-US" dirty="0" err="1"/>
-              <a:t>wordList,the_language</a:t>
-            </a:r>
-            <a:r>
-              <a:rPr lang="en-US" dirty="0"/>
-              <a:t>)</a:t>
-            </a:r>
-          </a:p>
-          <a:p>
-            <a:r>
-              <a:rPr lang="en-US" dirty="0"/>
-              <a:t>    count=0</a:t>
-            </a:r>
-          </a:p>
-          <a:p>
-            <a:r>
-              <a:rPr lang="en-US" dirty="0"/>
-              <a:t>    </a:t>
-            </a:r>
-            <a:r>
-              <a:rPr lang="en-US" dirty="0" err="1"/>
-              <a:t>nao.asr.subscribe</a:t>
-            </a:r>
-            <a:r>
-              <a:rPr lang="en-US" dirty="0"/>
-              <a:t>("</a:t>
-            </a:r>
-            <a:r>
-              <a:rPr lang="en-US" dirty="0" err="1"/>
-              <a:t>MyModule</a:t>
-            </a:r>
-            <a:r>
-              <a:rPr lang="en-US" dirty="0"/>
-              <a:t>")</a:t>
-            </a:r>
-          </a:p>
-          <a:p>
-            <a:r>
-              <a:rPr lang="en-US" dirty="0"/>
-              <a:t>    while count&lt;</a:t>
-            </a:r>
-            <a:r>
-              <a:rPr lang="en-US" dirty="0" err="1"/>
-              <a:t>maxcount</a:t>
-            </a:r>
-            <a:r>
-              <a:rPr lang="en-US" dirty="0"/>
-              <a:t>:</a:t>
-            </a:r>
-          </a:p>
-          <a:p>
-            <a:r>
-              <a:rPr lang="en-US" dirty="0"/>
-              <a:t>       </a:t>
-            </a:r>
-            <a:r>
-              <a:rPr lang="en-US" dirty="0" smtClean="0"/>
-              <a:t> result=</a:t>
-            </a:r>
-            <a:r>
-              <a:rPr lang="en-US" dirty="0" err="1" smtClean="0"/>
-              <a:t>nao.DetectSpeech</a:t>
-            </a:r>
-            <a:r>
-              <a:rPr lang="en-US" dirty="0"/>
+              <a:t>n</a:t>
+            </a:r>
+            <a:r>
+              <a:rPr lang="en-US" dirty="0" err="1" smtClean="0"/>
+              <a:t>ao.EndTrack</a:t>
+            </a:r>
+            <a:r>
+              <a:rPr lang="en-US" dirty="0" smtClean="0"/>
               <a:t>()</a:t>
             </a:r>
-          </a:p>
-          <a:p>
-            <a:r>
-              <a:rPr lang="en-US" dirty="0" smtClean="0"/>
-              <a:t>        if </a:t>
-            </a:r>
-            <a:r>
-              <a:rPr lang="en-US" dirty="0" err="1"/>
-              <a:t>len</a:t>
-            </a:r>
-            <a:r>
-              <a:rPr lang="en-US" dirty="0"/>
-              <a:t>(result)&gt;0:</a:t>
-            </a:r>
-          </a:p>
-          <a:p>
-            <a:r>
-              <a:rPr lang="en-US" dirty="0"/>
-              <a:t>            print result</a:t>
-            </a:r>
-          </a:p>
-          <a:p>
-            <a:r>
-              <a:rPr lang="en-US" dirty="0"/>
-              <a:t>            </a:t>
-            </a:r>
-            <a:r>
-              <a:rPr lang="en-US" dirty="0" err="1"/>
-              <a:t>nao.asr.unsubscribe</a:t>
-            </a:r>
-            <a:r>
-              <a:rPr lang="en-US" dirty="0"/>
-              <a:t>("</a:t>
-            </a:r>
-            <a:r>
-              <a:rPr lang="en-US" dirty="0" err="1"/>
-              <a:t>MyModule</a:t>
-            </a:r>
-            <a:r>
-              <a:rPr lang="en-US" dirty="0"/>
-              <a:t>")</a:t>
-            </a:r>
-          </a:p>
-          <a:p>
-            <a:r>
-              <a:rPr lang="en-US" dirty="0"/>
-              <a:t>            </a:t>
-            </a:r>
-            <a:r>
-              <a:rPr lang="en-US" dirty="0" err="1"/>
-              <a:t>nao.Say</a:t>
-            </a:r>
-            <a:r>
-              <a:rPr lang="en-US" dirty="0"/>
-              <a:t>("You said: "+result[0]+".")</a:t>
-            </a:r>
-          </a:p>
-          <a:p>
-            <a:r>
-              <a:rPr lang="en-US" dirty="0"/>
-              <a:t>            </a:t>
-            </a:r>
-            <a:r>
-              <a:rPr lang="en-US" dirty="0" err="1"/>
-              <a:t>time.sleep</a:t>
-            </a:r>
-            <a:r>
-              <a:rPr lang="en-US" dirty="0"/>
-              <a:t>(0.2)</a:t>
-            </a:r>
-          </a:p>
-          <a:p>
-            <a:r>
-              <a:rPr lang="en-US" dirty="0"/>
-              <a:t>            </a:t>
-            </a:r>
-            <a:r>
-              <a:rPr lang="en-US" dirty="0" err="1"/>
-              <a:t>nao.asr.subscribe</a:t>
-            </a:r>
-            <a:r>
-              <a:rPr lang="en-US" dirty="0"/>
-              <a:t>("</a:t>
-            </a:r>
-            <a:r>
-              <a:rPr lang="en-US" dirty="0" err="1"/>
-              <a:t>MyModule</a:t>
-            </a:r>
-            <a:r>
-              <a:rPr lang="en-US" dirty="0"/>
-              <a:t>")</a:t>
-            </a:r>
-          </a:p>
-          <a:p>
-            <a:r>
-              <a:rPr lang="en-US" dirty="0"/>
-              <a:t>        </a:t>
-            </a:r>
-            <a:r>
-              <a:rPr lang="en-US" dirty="0" err="1"/>
-              <a:t>time.sleep</a:t>
-            </a:r>
-            <a:r>
-              <a:rPr lang="en-US" dirty="0"/>
-              <a:t>(0.2)</a:t>
-            </a:r>
-          </a:p>
-          <a:p>
-            <a:r>
-              <a:rPr lang="en-US" dirty="0"/>
-              <a:t>        count=count+1</a:t>
-            </a:r>
-          </a:p>
-          <a:p>
-            <a:r>
-              <a:rPr lang="en-US" dirty="0"/>
-              <a:t>    </a:t>
-            </a:r>
-            <a:r>
-              <a:rPr lang="en-US" dirty="0" err="1"/>
-              <a:t>nao.asr.unsubscribe</a:t>
-            </a:r>
-            <a:r>
-              <a:rPr lang="en-US" dirty="0"/>
-              <a:t>("</a:t>
-            </a:r>
-            <a:r>
-              <a:rPr lang="en-US" dirty="0" err="1"/>
-              <a:t>MyModule</a:t>
-            </a:r>
-            <a:r>
-              <a:rPr lang="en-US" dirty="0" smtClean="0"/>
-              <a:t>")</a:t>
-            </a:r>
+            <a:endParaRPr lang="en-US" dirty="0"/>
           </a:p>
         </p:txBody>
       </p:sp>
     </p:spTree>
     <p:extLst>
       <p:ext uri="{BB962C8B-B14F-4D97-AF65-F5344CB8AC3E}">
-        <p14:creationId xmlns:p14="http://schemas.microsoft.com/office/powerpoint/2010/main" val="1486083387"/>
+        <p14:creationId xmlns:p14="http://schemas.microsoft.com/office/powerpoint/2010/main" val="1366090601"/>
       </p:ext>
     </p:extLst>
   </p:cSld>
@@ -5256,7 +4680,7 @@
           <a:p>
             <a:r>
               <a:rPr lang="en-US" dirty="0" smtClean="0"/>
-              <a:t>Run movements</a:t>
+              <a:t>Speech recognition</a:t>
             </a:r>
             <a:endParaRPr lang="en-US" dirty="0"/>
           </a:p>
@@ -5279,63 +4703,35 @@
           <a:p>
             <a:r>
               <a:rPr lang="en-US" dirty="0" smtClean="0"/>
-              <a:t>Using </a:t>
-            </a:r>
-            <a:r>
-              <a:rPr lang="en-US" dirty="0" err="1" smtClean="0"/>
-              <a:t>choregraphe</a:t>
-            </a:r>
-            <a:r>
-              <a:rPr lang="en-US" dirty="0" smtClean="0"/>
-              <a:t>, one can export movement files to Python</a:t>
-            </a:r>
-          </a:p>
-          <a:p>
-            <a:r>
-              <a:rPr lang="en-US" dirty="0" smtClean="0"/>
-              <a:t>To run them, make sure that these movement files are findable by Python in a gestures subdirectory.</a:t>
-            </a:r>
-          </a:p>
-          <a:p>
-            <a:r>
-              <a:rPr lang="en-US" dirty="0" smtClean="0"/>
-              <a:t>Typically you put all “gestures” in a subdirectory “gestures” of your project. The file extension is by default “.</a:t>
-            </a:r>
-            <a:r>
-              <a:rPr lang="en-US" dirty="0" err="1" smtClean="0"/>
-              <a:t>py</a:t>
-            </a:r>
-            <a:r>
-              <a:rPr lang="en-US" dirty="0" smtClean="0"/>
-              <a:t>”  or “.</a:t>
-            </a:r>
-            <a:r>
-              <a:rPr lang="en-US" dirty="0" err="1" smtClean="0"/>
-              <a:t>ges</a:t>
-            </a:r>
-            <a:r>
-              <a:rPr lang="en-US" dirty="0" smtClean="0"/>
-              <a:t>”</a:t>
-            </a:r>
+              <a:t>Speech recognition first needs to be initialized with the words to be recognized</a:t>
+            </a:r>
+          </a:p>
+          <a:p>
+            <a:endParaRPr lang="en-US" dirty="0"/>
           </a:p>
           <a:p>
             <a:endParaRPr lang="en-US" dirty="0" smtClean="0"/>
           </a:p>
           <a:p>
-            <a:r>
-              <a:rPr lang="en-US" dirty="0" smtClean="0"/>
-              <a:t>To list all available gestures:</a:t>
-            </a:r>
-          </a:p>
-          <a:p>
-            <a:endParaRPr lang="en-US" dirty="0"/>
-          </a:p>
-          <a:p>
-            <a:r>
-              <a:rPr lang="en-US" dirty="0" smtClean="0"/>
-              <a:t>To play back single gesture:</a:t>
-            </a:r>
-            <a:endParaRPr lang="en-US" dirty="0"/>
+            <a:endParaRPr lang="en-US" dirty="0" smtClean="0"/>
+          </a:p>
+          <a:p>
+            <a:r>
+              <a:rPr lang="en-US" dirty="0" smtClean="0"/>
+              <a:t>Once initialized, speech recognition needs to be turned on.</a:t>
+            </a:r>
+          </a:p>
+          <a:p>
+            <a:endParaRPr lang="en-US" dirty="0" smtClean="0"/>
+          </a:p>
+          <a:p>
+            <a:r>
+              <a:rPr lang="en-US" dirty="0" smtClean="0"/>
+              <a:t>When speech recognition is on, you can detect speech using:</a:t>
+            </a:r>
+          </a:p>
+          <a:p>
+            <a:endParaRPr lang="en-US" dirty="0" smtClean="0"/>
           </a:p>
         </p:txBody>
       </p:sp>
@@ -5347,28 +4743,55 @@
         </p:nvSpPr>
         <p:spPr>
           <a:xfrm>
-            <a:off x="828261" y="4817165"/>
-            <a:ext cx="4572000" cy="369332"/>
+            <a:off x="824740" y="1948635"/>
+            <a:ext cx="8030473" cy="923330"/>
           </a:xfrm>
           <a:prstGeom prst="rect">
             <a:avLst/>
           </a:prstGeom>
         </p:spPr>
         <p:txBody>
-          <a:bodyPr>
+          <a:bodyPr wrap="square">
             <a:spAutoFit/>
           </a:bodyPr>
           <a:lstStyle/>
           <a:p>
             <a:r>
               <a:rPr lang="en-US" dirty="0" err="1" smtClean="0"/>
-              <a:t>nao.GetAvailableGestures</a:t>
-            </a:r>
-            <a:r>
-              <a:rPr lang="en-US" dirty="0" smtClean="0"/>
-              <a:t>()</a:t>
-            </a:r>
-            <a:endParaRPr lang="en-US" dirty="0"/>
+              <a:t>myWordList</a:t>
+            </a:r>
+            <a:r>
+              <a:rPr lang="en-US" dirty="0" smtClean="0"/>
+              <a:t>=[“Hello”, “Yes”, “No”, What is your name?”]</a:t>
+            </a:r>
+          </a:p>
+          <a:p>
+            <a:r>
+              <a:rPr lang="en-US" dirty="0" err="1" smtClean="0"/>
+              <a:t>mylanguage</a:t>
+            </a:r>
+            <a:r>
+              <a:rPr lang="en-US" dirty="0" smtClean="0"/>
+              <a:t>=“English”</a:t>
+            </a:r>
+          </a:p>
+          <a:p>
+            <a:r>
+              <a:rPr lang="en-US" dirty="0" err="1" smtClean="0"/>
+              <a:t>nao.InitSpeech</a:t>
+            </a:r>
+            <a:r>
+              <a:rPr lang="en-US" dirty="0" smtClean="0"/>
+              <a:t>(</a:t>
+            </a:r>
+            <a:r>
+              <a:rPr lang="en-US" dirty="0" err="1" smtClean="0"/>
+              <a:t>myWordlist,myLanguage</a:t>
+            </a:r>
+            <a:r>
+              <a:rPr lang="en-US" dirty="0" smtClean="0"/>
+              <a:t>)</a:t>
+            </a:r>
           </a:p>
         </p:txBody>
       </p:sp>
@@ -5380,8 +4803,8 @@
         </p:nvSpPr>
         <p:spPr>
           <a:xfrm>
-            <a:off x="828261" y="5682180"/>
-            <a:ext cx="6248400" cy="369332"/>
+            <a:off x="871124" y="4131833"/>
+            <a:ext cx="8030473" cy="369332"/>
           </a:xfrm>
           <a:prstGeom prst="rect">
             <a:avLst/>
@@ -5394,27 +4817,81 @@
           <a:lstStyle/>
           <a:p>
             <a:r>
-              <a:rPr lang="en-US" dirty="0" err="1" smtClean="0"/>
-              <a:t>nao.RunMovement</a:t>
-            </a:r>
-            <a:r>
-              <a:rPr lang="en-US" dirty="0" smtClean="0"/>
-              <a:t>(“the_name_of_the_gesture.py”)</a:t>
-            </a:r>
-            <a:endParaRPr lang="en-US" dirty="0"/>
+              <a:rPr lang="en-US" dirty="0" err="1"/>
+              <a:t>n</a:t>
+            </a:r>
+            <a:r>
+              <a:rPr lang="en-US" dirty="0" err="1" smtClean="0"/>
+              <a:t>ao.asr.subscribe</a:t>
+            </a:r>
+            <a:r>
+              <a:rPr lang="en-US" dirty="0" smtClean="0"/>
+              <a:t>(“</a:t>
+            </a:r>
+            <a:r>
+              <a:rPr lang="en-US" dirty="0" err="1" smtClean="0"/>
+              <a:t>MyModule</a:t>
+            </a:r>
+            <a:r>
+              <a:rPr lang="en-US" dirty="0" smtClean="0"/>
+              <a:t>”)</a:t>
+            </a:r>
+          </a:p>
+        </p:txBody>
+      </p:sp>
+      <p:sp>
+        <p:nvSpPr>
+          <p:cNvPr id="6" name="Rectangle 5"/>
+          <p:cNvSpPr/>
+          <p:nvPr/>
+        </p:nvSpPr>
+        <p:spPr>
+          <a:xfrm>
+            <a:off x="871124" y="5429104"/>
+            <a:ext cx="8030473" cy="369332"/>
+          </a:xfrm>
+          <a:prstGeom prst="rect">
+            <a:avLst/>
+          </a:prstGeom>
+        </p:spPr>
+        <p:txBody>
+          <a:bodyPr wrap="square">
+            <a:spAutoFit/>
+          </a:bodyPr>
+          <a:lstStyle/>
+          <a:p>
+            <a:r>
+              <a:rPr lang="en-US" dirty="0" smtClean="0"/>
+              <a:t>result=</a:t>
+            </a:r>
+            <a:r>
+              <a:rPr lang="en-US" dirty="0" err="1" smtClean="0"/>
+              <a:t>nao.DetectSpeech</a:t>
+            </a:r>
+            <a:r>
+              <a:rPr lang="en-US" dirty="0" smtClean="0"/>
+              <a:t>()</a:t>
+            </a:r>
           </a:p>
         </p:txBody>
       </p:sp>
     </p:spTree>
     <p:extLst>
       <p:ext uri="{BB962C8B-B14F-4D97-AF65-F5344CB8AC3E}">
-        <p14:creationId xmlns:p14="http://schemas.microsoft.com/office/powerpoint/2010/main" val="3262407682"/>
+        <p14:creationId xmlns:p14="http://schemas.microsoft.com/office/powerpoint/2010/main" val="2540422098"/>
       </p:ext>
     </p:extLst>
   </p:cSld>
   <p:clrMapOvr>
     <a:masterClrMapping/>
   </p:clrMapOvr>
+  <p:timing>
+    <p:tnLst>
+      <p:par>
+        <p:cTn id="1" dur="indefinite" restart="never" nodeType="tmRoot"/>
+      </p:par>
+    </p:tnLst>
+  </p:timing>
 </p:sld>
 </file>
 
@@ -5452,7 +4929,7 @@
           <a:p>
             <a:r>
               <a:rPr lang="en-US" dirty="0" smtClean="0"/>
-              <a:t>Run LED patterns</a:t>
+              <a:t>Speech recognition</a:t>
             </a:r>
             <a:endParaRPr lang="en-US" dirty="0"/>
           </a:p>
@@ -5474,80 +4951,107 @@
           <a:lstStyle/>
           <a:p>
             <a:r>
-              <a:rPr lang="en-US" dirty="0" smtClean="0"/>
-              <a:t>To run LED patterns, make sure that these LED pattern files are findable by Python in a “led” subdirectory. </a:t>
-            </a:r>
-          </a:p>
-          <a:p>
-            <a:r>
-              <a:rPr lang="en-US" dirty="0" smtClean="0"/>
-              <a:t>Typically you put all LED patterns in a subdirectory “led” of your project.</a:t>
-            </a:r>
-          </a:p>
-          <a:p>
+              <a:rPr lang="en-US" dirty="0"/>
+              <a:t>The result contains the list of recognized words and the probability of being correct. The list is sorted, so that the most probable word is always first in the </a:t>
+            </a:r>
+            <a:r>
+              <a:rPr lang="en-US" dirty="0" smtClean="0"/>
+              <a:t>list</a:t>
+            </a:r>
+          </a:p>
+          <a:p>
+            <a:pPr marL="0" indent="0">
+              <a:buNone/>
+            </a:pPr>
             <a:endParaRPr lang="en-US" dirty="0" smtClean="0"/>
           </a:p>
           <a:p>
-            <a:r>
-              <a:rPr lang="en-US" dirty="0" smtClean="0"/>
-              <a:t>To list all available LED patterns:</a:t>
-            </a:r>
-          </a:p>
-          <a:p>
-            <a:endParaRPr lang="en-US" dirty="0"/>
-          </a:p>
-          <a:p>
-            <a:r>
-              <a:rPr lang="en-US" dirty="0" smtClean="0"/>
-              <a:t>To play back single LED pattern:</a:t>
-            </a:r>
-            <a:endParaRPr lang="en-US" dirty="0"/>
-          </a:p>
-        </p:txBody>
-      </p:sp>
-      <p:sp>
-        <p:nvSpPr>
-          <p:cNvPr id="4" name="Rectangle 3"/>
+            <a:endParaRPr lang="en-US" dirty="0" smtClean="0"/>
+          </a:p>
+          <a:p>
+            <a:r>
+              <a:rPr lang="en-US" dirty="0" smtClean="0"/>
+              <a:t>If the robot needs to speak again you first need to turn speech recognition off.</a:t>
+            </a:r>
+          </a:p>
+          <a:p>
+            <a:endParaRPr lang="en-US" dirty="0"/>
+          </a:p>
+          <a:p>
+            <a:endParaRPr lang="en-US" dirty="0" smtClean="0"/>
+          </a:p>
+          <a:p>
+            <a:r>
+              <a:rPr lang="en-US" dirty="0" smtClean="0"/>
+              <a:t>The next slide shows a simple demo</a:t>
+            </a:r>
+          </a:p>
+          <a:p>
+            <a:pPr marL="0" indent="0">
+              <a:buNone/>
+            </a:pPr>
+            <a:endParaRPr lang="en-US" dirty="0"/>
+          </a:p>
+        </p:txBody>
+      </p:sp>
+      <p:sp>
+        <p:nvSpPr>
+          <p:cNvPr id="5" name="Rectangle 4"/>
           <p:cNvSpPr/>
           <p:nvPr/>
         </p:nvSpPr>
         <p:spPr>
           <a:xfrm>
-            <a:off x="828261" y="4008784"/>
-            <a:ext cx="4572000" cy="369332"/>
+            <a:off x="871123" y="2433101"/>
+            <a:ext cx="8030473" cy="369332"/>
           </a:xfrm>
           <a:prstGeom prst="rect">
             <a:avLst/>
           </a:prstGeom>
         </p:spPr>
         <p:txBody>
-          <a:bodyPr>
+          <a:bodyPr wrap="square">
             <a:spAutoFit/>
           </a:bodyPr>
           <a:lstStyle/>
           <a:p>
             <a:r>
-              <a:rPr lang="en-US" dirty="0" err="1" smtClean="0"/>
-              <a:t>nao.GetAvailableLEDPatterns</a:t>
-            </a:r>
-            <a:r>
-              <a:rPr lang="en-US" dirty="0" smtClean="0"/>
-              <a:t>()</a:t>
-            </a:r>
-            <a:endParaRPr lang="en-US" dirty="0"/>
-          </a:p>
-        </p:txBody>
-      </p:sp>
-      <p:sp>
-        <p:nvSpPr>
-          <p:cNvPr id="5" name="Rectangle 4"/>
+              <a:rPr lang="en-US" dirty="0"/>
+              <a:t>r</a:t>
+            </a:r>
+            <a:r>
+              <a:rPr lang="en-US" dirty="0" smtClean="0"/>
+              <a:t>esult=[“</a:t>
+            </a:r>
+            <a:r>
+              <a:rPr lang="en-US" dirty="0" err="1" smtClean="0"/>
+              <a:t>MyFirstWord</a:t>
+            </a:r>
+            <a:r>
+              <a:rPr lang="en-US" dirty="0" smtClean="0"/>
+              <a:t>”, 0.312414, “</a:t>
+            </a:r>
+            <a:r>
+              <a:rPr lang="en-US" dirty="0" err="1" smtClean="0"/>
+              <a:t>MySecondWord</a:t>
+            </a:r>
+            <a:r>
+              <a:rPr lang="en-US" dirty="0" smtClean="0"/>
+              <a:t>”, 0.103141]</a:t>
+            </a:r>
+          </a:p>
+        </p:txBody>
+      </p:sp>
+      <p:sp>
+        <p:nvSpPr>
+          <p:cNvPr id="7" name="Rectangle 6"/>
           <p:cNvSpPr/>
           <p:nvPr/>
         </p:nvSpPr>
         <p:spPr>
           <a:xfrm>
-            <a:off x="828261" y="4913555"/>
-            <a:ext cx="6248400" cy="369332"/>
+            <a:off x="871124" y="4031920"/>
+            <a:ext cx="8030473" cy="369332"/>
           </a:xfrm>
           <a:prstGeom prst="rect">
             <a:avLst/>
@@ -5560,8 +5064,12 @@
           <a:lstStyle/>
           <a:p>
             <a:r>
-              <a:rPr lang="en-US" dirty="0" err="1" smtClean="0"/>
-              <a:t>nao.RunLED</a:t>
+              <a:rPr lang="en-US" dirty="0" smtClean="0"/>
+              <a:t>result=</a:t>
+            </a:r>
+            <a:r>
+              <a:rPr lang="en-US" dirty="0" err="1" smtClean="0"/>
+              <a:t>nao.asr.unsubscribe</a:t>
             </a:r>
             <a:r>
               <a:rPr lang="en-US" dirty="0" smtClean="0"/>
@@ -5569,26 +5077,32 @@
             </a:r>
             <a:r>
               <a:rPr lang="en-US" dirty="0" err="1" smtClean="0"/>
-              <a:t>the_name_of_the_led_pattern.led</a:t>
+              <a:t>MyModule</a:t>
             </a:r>
             <a:r>
               <a:rPr lang="en-US" dirty="0" smtClean="0"/>
               <a:t>”)</a:t>
             </a:r>
-            <a:endParaRPr lang="en-US" dirty="0"/>
           </a:p>
         </p:txBody>
       </p:sp>
     </p:spTree>
     <p:extLst>
       <p:ext uri="{BB962C8B-B14F-4D97-AF65-F5344CB8AC3E}">
-        <p14:creationId xmlns:p14="http://schemas.microsoft.com/office/powerpoint/2010/main" val="3033190293"/>
+        <p14:creationId xmlns:p14="http://schemas.microsoft.com/office/powerpoint/2010/main" val="740871183"/>
       </p:ext>
     </p:extLst>
   </p:cSld>
   <p:clrMapOvr>
     <a:masterClrMapping/>
   </p:clrMapOvr>
+  <p:timing>
+    <p:tnLst>
+      <p:par>
+        <p:cTn id="1" dur="indefinite" restart="never" nodeType="tmRoot"/>
+      </p:par>
+    </p:tnLst>
+  </p:timing>
 </p:sld>
 </file>
 
@@ -5626,7 +5140,771 @@
           <a:p>
             <a:r>
               <a:rPr lang="en-US" dirty="0" smtClean="0"/>
-              <a:t>LED Pattern files</a:t>
+              <a:t>Speech recognition</a:t>
+            </a:r>
+            <a:endParaRPr lang="en-US" dirty="0"/>
+          </a:p>
+        </p:txBody>
+      </p:sp>
+      <p:sp>
+        <p:nvSpPr>
+          <p:cNvPr id="3" name="Content Placeholder 2"/>
+          <p:cNvSpPr>
+            <a:spLocks noGrp="1"/>
+          </p:cNvSpPr>
+          <p:nvPr>
+            <p:ph idx="1"/>
+          </p:nvPr>
+        </p:nvSpPr>
+        <p:spPr/>
+        <p:txBody>
+          <a:bodyPr/>
+          <a:lstStyle/>
+          <a:p>
+            <a:pPr marL="0" indent="0">
+              <a:buNone/>
+            </a:pPr>
+            <a:endParaRPr lang="en-US" dirty="0"/>
+          </a:p>
+        </p:txBody>
+      </p:sp>
+      <p:sp>
+        <p:nvSpPr>
+          <p:cNvPr id="4" name="Rectangle 3"/>
+          <p:cNvSpPr/>
+          <p:nvPr/>
+        </p:nvSpPr>
+        <p:spPr>
+          <a:xfrm>
+            <a:off x="573777" y="1611534"/>
+            <a:ext cx="8030473" cy="4801314"/>
+          </a:xfrm>
+          <a:prstGeom prst="rect">
+            <a:avLst/>
+          </a:prstGeom>
+        </p:spPr>
+        <p:txBody>
+          <a:bodyPr wrap="square">
+            <a:spAutoFit/>
+          </a:bodyPr>
+          <a:lstStyle/>
+          <a:p>
+            <a:r>
+              <a:rPr lang="en-US" dirty="0" err="1"/>
+              <a:t>def</a:t>
+            </a:r>
+            <a:r>
+              <a:rPr lang="en-US" dirty="0"/>
+              <a:t> </a:t>
+            </a:r>
+            <a:r>
+              <a:rPr lang="en-US" dirty="0" err="1"/>
+              <a:t>testspeech</a:t>
+            </a:r>
+            <a:r>
+              <a:rPr lang="en-US" dirty="0"/>
+              <a:t>(</a:t>
+            </a:r>
+            <a:r>
+              <a:rPr lang="en-US" dirty="0" err="1"/>
+              <a:t>maxcount</a:t>
+            </a:r>
+            <a:r>
+              <a:rPr lang="en-US" dirty="0"/>
+              <a:t>=50):</a:t>
+            </a:r>
+          </a:p>
+          <a:p>
+            <a:r>
+              <a:rPr lang="en-US" dirty="0"/>
+              <a:t>    </a:t>
+            </a:r>
+            <a:r>
+              <a:rPr lang="en-US" dirty="0" err="1"/>
+              <a:t>wordList</a:t>
+            </a:r>
+            <a:r>
+              <a:rPr lang="en-US" dirty="0"/>
+              <a:t>=["</a:t>
+            </a:r>
+            <a:r>
+              <a:rPr lang="en-US" dirty="0" err="1"/>
+              <a:t>yes","no","hello</a:t>
+            </a:r>
+            <a:r>
+              <a:rPr lang="en-US" dirty="0"/>
+              <a:t>", "</a:t>
+            </a:r>
+            <a:r>
+              <a:rPr lang="en-US" dirty="0" err="1"/>
+              <a:t>Nao","goodbye</a:t>
+            </a:r>
+            <a:r>
+              <a:rPr lang="en-US" dirty="0"/>
+              <a:t>"]</a:t>
+            </a:r>
+          </a:p>
+          <a:p>
+            <a:r>
+              <a:rPr lang="en-US" dirty="0"/>
+              <a:t>    </a:t>
+            </a:r>
+            <a:r>
+              <a:rPr lang="en-US" dirty="0" err="1"/>
+              <a:t>the_language</a:t>
+            </a:r>
+            <a:r>
+              <a:rPr lang="en-US" dirty="0"/>
+              <a:t>="English"</a:t>
+            </a:r>
+          </a:p>
+          <a:p>
+            <a:r>
+              <a:rPr lang="en-US" dirty="0"/>
+              <a:t>    </a:t>
+            </a:r>
+            <a:r>
+              <a:rPr lang="en-US" dirty="0" err="1"/>
+              <a:t>nao.InitSpeech</a:t>
+            </a:r>
+            <a:r>
+              <a:rPr lang="en-US" dirty="0"/>
+              <a:t>(</a:t>
+            </a:r>
+            <a:r>
+              <a:rPr lang="en-US" dirty="0" err="1"/>
+              <a:t>wordList,the_language</a:t>
+            </a:r>
+            <a:r>
+              <a:rPr lang="en-US" dirty="0"/>
+              <a:t>)</a:t>
+            </a:r>
+          </a:p>
+          <a:p>
+            <a:r>
+              <a:rPr lang="en-US" dirty="0"/>
+              <a:t>    count=0</a:t>
+            </a:r>
+          </a:p>
+          <a:p>
+            <a:r>
+              <a:rPr lang="en-US" dirty="0"/>
+              <a:t>    </a:t>
+            </a:r>
+            <a:r>
+              <a:rPr lang="en-US" dirty="0" err="1"/>
+              <a:t>nao.asr.subscribe</a:t>
+            </a:r>
+            <a:r>
+              <a:rPr lang="en-US" dirty="0"/>
+              <a:t>("</a:t>
+            </a:r>
+            <a:r>
+              <a:rPr lang="en-US" dirty="0" err="1"/>
+              <a:t>MyModule</a:t>
+            </a:r>
+            <a:r>
+              <a:rPr lang="en-US" dirty="0"/>
+              <a:t>")</a:t>
+            </a:r>
+          </a:p>
+          <a:p>
+            <a:r>
+              <a:rPr lang="en-US" dirty="0"/>
+              <a:t>    while count&lt;</a:t>
+            </a:r>
+            <a:r>
+              <a:rPr lang="en-US" dirty="0" err="1"/>
+              <a:t>maxcount</a:t>
+            </a:r>
+            <a:r>
+              <a:rPr lang="en-US" dirty="0"/>
+              <a:t>:</a:t>
+            </a:r>
+          </a:p>
+          <a:p>
+            <a:r>
+              <a:rPr lang="en-US" dirty="0"/>
+              <a:t>       </a:t>
+            </a:r>
+            <a:r>
+              <a:rPr lang="en-US" dirty="0" smtClean="0"/>
+              <a:t> result=</a:t>
+            </a:r>
+            <a:r>
+              <a:rPr lang="en-US" dirty="0" err="1" smtClean="0"/>
+              <a:t>nao.DetectSpeech</a:t>
+            </a:r>
+            <a:r>
+              <a:rPr lang="en-US" dirty="0"/>
+              <a:t>()</a:t>
+            </a:r>
+          </a:p>
+          <a:p>
+            <a:r>
+              <a:rPr lang="en-US" dirty="0" smtClean="0"/>
+              <a:t>        if </a:t>
+            </a:r>
+            <a:r>
+              <a:rPr lang="en-US" dirty="0" err="1"/>
+              <a:t>len</a:t>
+            </a:r>
+            <a:r>
+              <a:rPr lang="en-US" dirty="0"/>
+              <a:t>(result)&gt;0:</a:t>
+            </a:r>
+          </a:p>
+          <a:p>
+            <a:r>
+              <a:rPr lang="en-US" dirty="0"/>
+              <a:t>            print result</a:t>
+            </a:r>
+          </a:p>
+          <a:p>
+            <a:r>
+              <a:rPr lang="en-US" dirty="0"/>
+              <a:t>            </a:t>
+            </a:r>
+            <a:r>
+              <a:rPr lang="en-US" dirty="0" err="1"/>
+              <a:t>nao.asr.unsubscribe</a:t>
+            </a:r>
+            <a:r>
+              <a:rPr lang="en-US" dirty="0"/>
+              <a:t>("</a:t>
+            </a:r>
+            <a:r>
+              <a:rPr lang="en-US" dirty="0" err="1"/>
+              <a:t>MyModule</a:t>
+            </a:r>
+            <a:r>
+              <a:rPr lang="en-US" dirty="0"/>
+              <a:t>")</a:t>
+            </a:r>
+          </a:p>
+          <a:p>
+            <a:r>
+              <a:rPr lang="en-US" dirty="0"/>
+              <a:t>            </a:t>
+            </a:r>
+            <a:r>
+              <a:rPr lang="en-US" dirty="0" err="1"/>
+              <a:t>nao.Say</a:t>
+            </a:r>
+            <a:r>
+              <a:rPr lang="en-US" dirty="0"/>
+              <a:t>("You said: "+result[0]+".")</a:t>
+            </a:r>
+          </a:p>
+          <a:p>
+            <a:r>
+              <a:rPr lang="en-US" dirty="0"/>
+              <a:t>            </a:t>
+            </a:r>
+            <a:r>
+              <a:rPr lang="en-US" dirty="0" err="1"/>
+              <a:t>time.sleep</a:t>
+            </a:r>
+            <a:r>
+              <a:rPr lang="en-US" dirty="0"/>
+              <a:t>(0.2)</a:t>
+            </a:r>
+          </a:p>
+          <a:p>
+            <a:r>
+              <a:rPr lang="en-US" dirty="0"/>
+              <a:t>            </a:t>
+            </a:r>
+            <a:r>
+              <a:rPr lang="en-US" dirty="0" err="1"/>
+              <a:t>nao.asr.subscribe</a:t>
+            </a:r>
+            <a:r>
+              <a:rPr lang="en-US" dirty="0"/>
+              <a:t>("</a:t>
+            </a:r>
+            <a:r>
+              <a:rPr lang="en-US" dirty="0" err="1"/>
+              <a:t>MyModule</a:t>
+            </a:r>
+            <a:r>
+              <a:rPr lang="en-US" dirty="0"/>
+              <a:t>")</a:t>
+            </a:r>
+          </a:p>
+          <a:p>
+            <a:r>
+              <a:rPr lang="en-US" dirty="0"/>
+              <a:t>        </a:t>
+            </a:r>
+            <a:r>
+              <a:rPr lang="en-US" dirty="0" err="1"/>
+              <a:t>time.sleep</a:t>
+            </a:r>
+            <a:r>
+              <a:rPr lang="en-US" dirty="0"/>
+              <a:t>(0.2)</a:t>
+            </a:r>
+          </a:p>
+          <a:p>
+            <a:r>
+              <a:rPr lang="en-US" dirty="0"/>
+              <a:t>        count=count+1</a:t>
+            </a:r>
+          </a:p>
+          <a:p>
+            <a:r>
+              <a:rPr lang="en-US" dirty="0"/>
+              <a:t>    </a:t>
+            </a:r>
+            <a:r>
+              <a:rPr lang="en-US" dirty="0" err="1"/>
+              <a:t>nao.asr.unsubscribe</a:t>
+            </a:r>
+            <a:r>
+              <a:rPr lang="en-US" dirty="0"/>
+              <a:t>("</a:t>
+            </a:r>
+            <a:r>
+              <a:rPr lang="en-US" dirty="0" err="1"/>
+              <a:t>MyModule</a:t>
+            </a:r>
+            <a:r>
+              <a:rPr lang="en-US" dirty="0" smtClean="0"/>
+              <a:t>")</a:t>
+            </a:r>
+          </a:p>
+        </p:txBody>
+      </p:sp>
+    </p:spTree>
+    <p:extLst>
+      <p:ext uri="{BB962C8B-B14F-4D97-AF65-F5344CB8AC3E}">
+        <p14:creationId xmlns:p14="http://schemas.microsoft.com/office/powerpoint/2010/main" val="1486083387"/>
+      </p:ext>
+    </p:extLst>
+  </p:cSld>
+  <p:clrMapOvr>
+    <a:masterClrMapping/>
+  </p:clrMapOvr>
+  <p:timing>
+    <p:tnLst>
+      <p:par>
+        <p:cTn id="1" dur="indefinite" restart="never" nodeType="tmRoot"/>
+      </p:par>
+    </p:tnLst>
+  </p:timing>
+</p:sld>
+</file>
+
+<file path=ppt/slides/slide18.xml><?xml version="1.0" encoding="utf-8"?>
+<p:sld xmlns:a="http://schemas.openxmlformats.org/drawingml/2006/main" xmlns:r="http://schemas.openxmlformats.org/officeDocument/2006/relationships" xmlns:p="http://schemas.openxmlformats.org/presentationml/2006/main">
+  <p:cSld>
+    <p:spTree>
+      <p:nvGrpSpPr>
+        <p:cNvPr id="1" name=""/>
+        <p:cNvGrpSpPr/>
+        <p:nvPr/>
+      </p:nvGrpSpPr>
+      <p:grpSpPr>
+        <a:xfrm>
+          <a:off x="0" y="0"/>
+          <a:ext cx="0" cy="0"/>
+          <a:chOff x="0" y="0"/>
+          <a:chExt cx="0" cy="0"/>
+        </a:xfrm>
+      </p:grpSpPr>
+      <p:sp>
+        <p:nvSpPr>
+          <p:cNvPr id="2" name="Title 1"/>
+          <p:cNvSpPr>
+            <a:spLocks noGrp="1"/>
+          </p:cNvSpPr>
+          <p:nvPr>
+            <p:ph type="title"/>
+          </p:nvPr>
+        </p:nvSpPr>
+        <p:spPr/>
+        <p:txBody>
+          <a:bodyPr/>
+          <a:lstStyle/>
+          <a:p>
+            <a:r>
+              <a:rPr lang="en-US" dirty="0" smtClean="0"/>
+              <a:t>Run movements</a:t>
+            </a:r>
+            <a:endParaRPr lang="en-US" dirty="0"/>
+          </a:p>
+        </p:txBody>
+      </p:sp>
+      <p:sp>
+        <p:nvSpPr>
+          <p:cNvPr id="3" name="Content Placeholder 2"/>
+          <p:cNvSpPr>
+            <a:spLocks noGrp="1"/>
+          </p:cNvSpPr>
+          <p:nvPr>
+            <p:ph idx="1"/>
+          </p:nvPr>
+        </p:nvSpPr>
+        <p:spPr/>
+        <p:txBody>
+          <a:bodyPr/>
+          <a:lstStyle/>
+          <a:p>
+            <a:r>
+              <a:rPr lang="en-US" dirty="0" smtClean="0"/>
+              <a:t>Using </a:t>
+            </a:r>
+            <a:r>
+              <a:rPr lang="en-US" dirty="0" err="1" smtClean="0"/>
+              <a:t>choregraphe</a:t>
+            </a:r>
+            <a:r>
+              <a:rPr lang="en-US" dirty="0" smtClean="0"/>
+              <a:t>, one can export movement files to Python</a:t>
+            </a:r>
+          </a:p>
+          <a:p>
+            <a:r>
+              <a:rPr lang="en-US" dirty="0" smtClean="0"/>
+              <a:t>To run them, make sure that these movement files are findable by Python in a gestures subdirectory.</a:t>
+            </a:r>
+          </a:p>
+          <a:p>
+            <a:r>
+              <a:rPr lang="en-US" dirty="0" smtClean="0"/>
+              <a:t>Typically you put all “gestures” in a subdirectory “gestures” of your project. The file extension is by default “.</a:t>
+            </a:r>
+            <a:r>
+              <a:rPr lang="en-US" dirty="0" err="1" smtClean="0"/>
+              <a:t>py</a:t>
+            </a:r>
+            <a:r>
+              <a:rPr lang="en-US" dirty="0" smtClean="0"/>
+              <a:t>”  or “.</a:t>
+            </a:r>
+            <a:r>
+              <a:rPr lang="en-US" dirty="0" err="1" smtClean="0"/>
+              <a:t>ges</a:t>
+            </a:r>
+            <a:r>
+              <a:rPr lang="en-US" dirty="0" smtClean="0"/>
+              <a:t>”</a:t>
+            </a:r>
+          </a:p>
+          <a:p>
+            <a:endParaRPr lang="en-US" dirty="0" smtClean="0"/>
+          </a:p>
+          <a:p>
+            <a:r>
+              <a:rPr lang="en-US" dirty="0" smtClean="0"/>
+              <a:t>To list all available gestures:</a:t>
+            </a:r>
+          </a:p>
+          <a:p>
+            <a:endParaRPr lang="en-US" dirty="0"/>
+          </a:p>
+          <a:p>
+            <a:r>
+              <a:rPr lang="en-US" dirty="0" smtClean="0"/>
+              <a:t>To play back single gesture:</a:t>
+            </a:r>
+            <a:endParaRPr lang="en-US" dirty="0"/>
+          </a:p>
+        </p:txBody>
+      </p:sp>
+      <p:sp>
+        <p:nvSpPr>
+          <p:cNvPr id="4" name="Rectangle 3"/>
+          <p:cNvSpPr/>
+          <p:nvPr/>
+        </p:nvSpPr>
+        <p:spPr>
+          <a:xfrm>
+            <a:off x="828261" y="4817165"/>
+            <a:ext cx="4572000" cy="369332"/>
+          </a:xfrm>
+          <a:prstGeom prst="rect">
+            <a:avLst/>
+          </a:prstGeom>
+        </p:spPr>
+        <p:txBody>
+          <a:bodyPr>
+            <a:spAutoFit/>
+          </a:bodyPr>
+          <a:lstStyle/>
+          <a:p>
+            <a:r>
+              <a:rPr lang="en-US" dirty="0" err="1" smtClean="0"/>
+              <a:t>nao.GetAvailableGestures</a:t>
+            </a:r>
+            <a:r>
+              <a:rPr lang="en-US" dirty="0" smtClean="0"/>
+              <a:t>()</a:t>
+            </a:r>
+            <a:endParaRPr lang="en-US" dirty="0"/>
+          </a:p>
+        </p:txBody>
+      </p:sp>
+      <p:sp>
+        <p:nvSpPr>
+          <p:cNvPr id="5" name="Rectangle 4"/>
+          <p:cNvSpPr/>
+          <p:nvPr/>
+        </p:nvSpPr>
+        <p:spPr>
+          <a:xfrm>
+            <a:off x="828261" y="5682180"/>
+            <a:ext cx="6248400" cy="369332"/>
+          </a:xfrm>
+          <a:prstGeom prst="rect">
+            <a:avLst/>
+          </a:prstGeom>
+        </p:spPr>
+        <p:txBody>
+          <a:bodyPr wrap="square">
+            <a:spAutoFit/>
+          </a:bodyPr>
+          <a:lstStyle/>
+          <a:p>
+            <a:r>
+              <a:rPr lang="en-US" dirty="0" err="1" smtClean="0"/>
+              <a:t>nao.RunMovement</a:t>
+            </a:r>
+            <a:r>
+              <a:rPr lang="en-US" dirty="0" smtClean="0"/>
+              <a:t>(“the_name_of_the_gesture.py”)</a:t>
+            </a:r>
+            <a:endParaRPr lang="en-US" dirty="0"/>
+          </a:p>
+        </p:txBody>
+      </p:sp>
+    </p:spTree>
+    <p:extLst>
+      <p:ext uri="{BB962C8B-B14F-4D97-AF65-F5344CB8AC3E}">
+        <p14:creationId xmlns:p14="http://schemas.microsoft.com/office/powerpoint/2010/main" val="3262407682"/>
+      </p:ext>
+    </p:extLst>
+  </p:cSld>
+  <p:clrMapOvr>
+    <a:masterClrMapping/>
+  </p:clrMapOvr>
+</p:sld>
+</file>
+
+<file path=ppt/slides/slide19.xml><?xml version="1.0" encoding="utf-8"?>
+<p:sld xmlns:a="http://schemas.openxmlformats.org/drawingml/2006/main" xmlns:r="http://schemas.openxmlformats.org/officeDocument/2006/relationships" xmlns:p="http://schemas.openxmlformats.org/presentationml/2006/main">
+  <p:cSld>
+    <p:spTree>
+      <p:nvGrpSpPr>
+        <p:cNvPr id="1" name=""/>
+        <p:cNvGrpSpPr/>
+        <p:nvPr/>
+      </p:nvGrpSpPr>
+      <p:grpSpPr>
+        <a:xfrm>
+          <a:off x="0" y="0"/>
+          <a:ext cx="0" cy="0"/>
+          <a:chOff x="0" y="0"/>
+          <a:chExt cx="0" cy="0"/>
+        </a:xfrm>
+      </p:grpSpPr>
+      <p:sp>
+        <p:nvSpPr>
+          <p:cNvPr id="2" name="Title 1"/>
+          <p:cNvSpPr>
+            <a:spLocks noGrp="1"/>
+          </p:cNvSpPr>
+          <p:nvPr>
+            <p:ph type="title"/>
+          </p:nvPr>
+        </p:nvSpPr>
+        <p:spPr/>
+        <p:txBody>
+          <a:bodyPr/>
+          <a:lstStyle/>
+          <a:p>
+            <a:r>
+              <a:rPr lang="en-US" dirty="0" smtClean="0"/>
+              <a:t>Run LED patterns</a:t>
+            </a:r>
+            <a:endParaRPr lang="en-US" dirty="0"/>
+          </a:p>
+        </p:txBody>
+      </p:sp>
+      <p:sp>
+        <p:nvSpPr>
+          <p:cNvPr id="3" name="Content Placeholder 2"/>
+          <p:cNvSpPr>
+            <a:spLocks noGrp="1"/>
+          </p:cNvSpPr>
+          <p:nvPr>
+            <p:ph idx="1"/>
+          </p:nvPr>
+        </p:nvSpPr>
+        <p:spPr/>
+        <p:txBody>
+          <a:bodyPr/>
+          <a:lstStyle/>
+          <a:p>
+            <a:r>
+              <a:rPr lang="en-US" dirty="0" smtClean="0"/>
+              <a:t>To run LED patterns, make sure that these LED pattern files are findable by Python in a “led” subdirectory. </a:t>
+            </a:r>
+          </a:p>
+          <a:p>
+            <a:r>
+              <a:rPr lang="en-US" dirty="0" smtClean="0"/>
+              <a:t>Typically you put all LED patterns in a subdirectory “led” of your project.</a:t>
+            </a:r>
+          </a:p>
+          <a:p>
+            <a:endParaRPr lang="en-US" dirty="0" smtClean="0"/>
+          </a:p>
+          <a:p>
+            <a:r>
+              <a:rPr lang="en-US" dirty="0" smtClean="0"/>
+              <a:t>To list all available LED patterns:</a:t>
+            </a:r>
+          </a:p>
+          <a:p>
+            <a:endParaRPr lang="en-US" dirty="0"/>
+          </a:p>
+          <a:p>
+            <a:r>
+              <a:rPr lang="en-US" dirty="0" smtClean="0"/>
+              <a:t>To play back single LED pattern:</a:t>
+            </a:r>
+            <a:endParaRPr lang="en-US" dirty="0"/>
+          </a:p>
+        </p:txBody>
+      </p:sp>
+      <p:sp>
+        <p:nvSpPr>
+          <p:cNvPr id="4" name="Rectangle 3"/>
+          <p:cNvSpPr/>
+          <p:nvPr/>
+        </p:nvSpPr>
+        <p:spPr>
+          <a:xfrm>
+            <a:off x="828261" y="4008784"/>
+            <a:ext cx="4572000" cy="369332"/>
+          </a:xfrm>
+          <a:prstGeom prst="rect">
+            <a:avLst/>
+          </a:prstGeom>
+        </p:spPr>
+        <p:txBody>
+          <a:bodyPr>
+            <a:spAutoFit/>
+          </a:bodyPr>
+          <a:lstStyle/>
+          <a:p>
+            <a:r>
+              <a:rPr lang="en-US" dirty="0" err="1" smtClean="0"/>
+              <a:t>nao.GetAvailableLEDPatterns</a:t>
+            </a:r>
+            <a:r>
+              <a:rPr lang="en-US" dirty="0" smtClean="0"/>
+              <a:t>()</a:t>
+            </a:r>
+            <a:endParaRPr lang="en-US" dirty="0"/>
+          </a:p>
+        </p:txBody>
+      </p:sp>
+      <p:sp>
+        <p:nvSpPr>
+          <p:cNvPr id="5" name="Rectangle 4"/>
+          <p:cNvSpPr/>
+          <p:nvPr/>
+        </p:nvSpPr>
+        <p:spPr>
+          <a:xfrm>
+            <a:off x="828261" y="4913555"/>
+            <a:ext cx="6248400" cy="369332"/>
+          </a:xfrm>
+          <a:prstGeom prst="rect">
+            <a:avLst/>
+          </a:prstGeom>
+        </p:spPr>
+        <p:txBody>
+          <a:bodyPr wrap="square">
+            <a:spAutoFit/>
+          </a:bodyPr>
+          <a:lstStyle/>
+          <a:p>
+            <a:r>
+              <a:rPr lang="en-US" dirty="0" err="1" smtClean="0"/>
+              <a:t>nao.RunLED</a:t>
+            </a:r>
+            <a:r>
+              <a:rPr lang="en-US" dirty="0" smtClean="0"/>
+              <a:t>(“</a:t>
+            </a:r>
+            <a:r>
+              <a:rPr lang="en-US" dirty="0" err="1" smtClean="0"/>
+              <a:t>the_name_of_the_led_pattern.led</a:t>
+            </a:r>
+            <a:r>
+              <a:rPr lang="en-US" dirty="0" smtClean="0"/>
+              <a:t>”)</a:t>
+            </a:r>
+            <a:endParaRPr lang="en-US" dirty="0"/>
+          </a:p>
+        </p:txBody>
+      </p:sp>
+    </p:spTree>
+    <p:extLst>
+      <p:ext uri="{BB962C8B-B14F-4D97-AF65-F5344CB8AC3E}">
+        <p14:creationId xmlns:p14="http://schemas.microsoft.com/office/powerpoint/2010/main" val="3033190293"/>
+      </p:ext>
+    </p:extLst>
+  </p:cSld>
+  <p:clrMapOvr>
+    <a:masterClrMapping/>
+  </p:clrMapOvr>
+</p:sld>
+</file>
+
+<file path=ppt/slides/slide2.xml><?xml version="1.0" encoding="utf-8"?>
+<p:sld xmlns:a="http://schemas.openxmlformats.org/drawingml/2006/main" xmlns:r="http://schemas.openxmlformats.org/officeDocument/2006/relationships" xmlns:p="http://schemas.openxmlformats.org/presentationml/2006/main">
+  <p:cSld>
+    <p:spTree>
+      <p:nvGrpSpPr>
+        <p:cNvPr id="1" name=""/>
+        <p:cNvGrpSpPr/>
+        <p:nvPr/>
+      </p:nvGrpSpPr>
+      <p:grpSpPr>
+        <a:xfrm>
+          <a:off x="0" y="0"/>
+          <a:ext cx="0" cy="0"/>
+          <a:chOff x="0" y="0"/>
+          <a:chExt cx="0" cy="0"/>
+        </a:xfrm>
+      </p:grpSpPr>
+      <p:sp>
+        <p:nvSpPr>
+          <p:cNvPr id="4" name="Title 3"/>
+          <p:cNvSpPr>
+            <a:spLocks noGrp="1"/>
+          </p:cNvSpPr>
+          <p:nvPr>
+            <p:ph type="title"/>
+          </p:nvPr>
+        </p:nvSpPr>
+        <p:spPr/>
+        <p:txBody>
+          <a:bodyPr/>
+          <a:lstStyle/>
+          <a:p>
+            <a:r>
+              <a:rPr lang="en-US" dirty="0" smtClean="0"/>
+              <a:t>Using </a:t>
+            </a:r>
+            <a:r>
+              <a:rPr lang="en-US" dirty="0" err="1" smtClean="0"/>
+              <a:t>nao.py</a:t>
             </a:r>
             <a:endParaRPr lang="en-US" dirty="0"/>
           </a:p>
@@ -5649,6 +5927,196 @@
           <a:p>
             <a:r>
               <a:rPr lang="en-US" dirty="0" smtClean="0"/>
+              <a:t>Before you can use nao.py you need to import it and initialize it</a:t>
+            </a:r>
+            <a:endParaRPr lang="en-US" dirty="0"/>
+          </a:p>
+          <a:p>
+            <a:endParaRPr lang="en-US" dirty="0" smtClean="0"/>
+          </a:p>
+          <a:p>
+            <a:endParaRPr lang="en-US" dirty="0"/>
+          </a:p>
+          <a:p>
+            <a:pPr marL="0" indent="0">
+              <a:buNone/>
+            </a:pPr>
+            <a:endParaRPr lang="en-US" dirty="0"/>
+          </a:p>
+          <a:p>
+            <a:endParaRPr lang="en-US" dirty="0" smtClean="0"/>
+          </a:p>
+          <a:p>
+            <a:r>
+              <a:rPr lang="en-US" dirty="0" err="1" smtClean="0"/>
+              <a:t>nao.InitProxy</a:t>
+            </a:r>
+            <a:r>
+              <a:rPr lang="en-US" dirty="0" smtClean="0"/>
+              <a:t> </a:t>
+            </a:r>
+            <a:r>
+              <a:rPr lang="en-US" dirty="0" smtClean="0"/>
+              <a:t>connects to the robot specified by the IP address of the robot</a:t>
+            </a:r>
+            <a:r>
+              <a:rPr lang="en-US" dirty="0" smtClean="0"/>
+              <a:t>.</a:t>
+            </a:r>
+            <a:endParaRPr lang="en-US" dirty="0" smtClean="0"/>
+          </a:p>
+        </p:txBody>
+      </p:sp>
+      <p:sp>
+        <p:nvSpPr>
+          <p:cNvPr id="7" name="Rectangle 6"/>
+          <p:cNvSpPr/>
+          <p:nvPr/>
+        </p:nvSpPr>
+        <p:spPr>
+          <a:xfrm>
+            <a:off x="877749" y="2102248"/>
+            <a:ext cx="6741862" cy="1200329"/>
+          </a:xfrm>
+          <a:prstGeom prst="rect">
+            <a:avLst/>
+          </a:prstGeom>
+        </p:spPr>
+        <p:txBody>
+          <a:bodyPr wrap="square">
+            <a:spAutoFit/>
+          </a:bodyPr>
+          <a:lstStyle/>
+          <a:p>
+            <a:r>
+              <a:rPr lang="en-US" dirty="0"/>
+              <a:t>i</a:t>
+            </a:r>
+            <a:r>
+              <a:rPr lang="en-US" dirty="0" smtClean="0"/>
+              <a:t>mport nao_nocv_2_0 as </a:t>
+            </a:r>
+            <a:r>
+              <a:rPr lang="en-US" dirty="0" err="1" smtClean="0"/>
+              <a:t>nao</a:t>
+            </a:r>
+            <a:endParaRPr lang="en-US" dirty="0" smtClean="0"/>
+          </a:p>
+          <a:p>
+            <a:endParaRPr lang="en-US" dirty="0" smtClean="0"/>
+          </a:p>
+          <a:p>
+            <a:r>
+              <a:rPr lang="en-US" dirty="0" err="1"/>
+              <a:t>r</a:t>
+            </a:r>
+            <a:r>
+              <a:rPr lang="en-US" dirty="0" err="1" smtClean="0"/>
+              <a:t>obot_IP</a:t>
+            </a:r>
+            <a:r>
+              <a:rPr lang="en-US" dirty="0" smtClean="0"/>
+              <a:t>=“127.0.0.1”</a:t>
+            </a:r>
+            <a:endParaRPr lang="en-US" dirty="0"/>
+          </a:p>
+          <a:p>
+            <a:r>
+              <a:rPr lang="en-US" dirty="0" err="1" smtClean="0"/>
+              <a:t>nao.InitProxy</a:t>
+            </a:r>
+            <a:r>
+              <a:rPr lang="en-US" dirty="0" smtClean="0"/>
+              <a:t>(</a:t>
+            </a:r>
+            <a:r>
+              <a:rPr lang="en-US" dirty="0" err="1" smtClean="0"/>
+              <a:t>robot_IP</a:t>
+            </a:r>
+            <a:r>
+              <a:rPr lang="en-US" dirty="0" smtClean="0"/>
+              <a:t>)</a:t>
+            </a:r>
+          </a:p>
+        </p:txBody>
+      </p:sp>
+    </p:spTree>
+    <p:extLst>
+      <p:ext uri="{BB962C8B-B14F-4D97-AF65-F5344CB8AC3E}">
+        <p14:creationId xmlns:p14="http://schemas.microsoft.com/office/powerpoint/2010/main" val="433324046"/>
+      </p:ext>
+    </p:extLst>
+  </p:cSld>
+  <p:clrMapOvr>
+    <a:masterClrMapping/>
+  </p:clrMapOvr>
+  <p:timing>
+    <p:tnLst>
+      <p:par>
+        <p:cTn id="1" dur="indefinite" restart="never" nodeType="tmRoot"/>
+      </p:par>
+    </p:tnLst>
+  </p:timing>
+</p:sld>
+</file>
+
+<file path=ppt/slides/slide20.xml><?xml version="1.0" encoding="utf-8"?>
+<p:sld xmlns:a="http://schemas.openxmlformats.org/drawingml/2006/main" xmlns:r="http://schemas.openxmlformats.org/officeDocument/2006/relationships" xmlns:p="http://schemas.openxmlformats.org/presentationml/2006/main">
+  <p:cSld>
+    <p:spTree>
+      <p:nvGrpSpPr>
+        <p:cNvPr id="1" name=""/>
+        <p:cNvGrpSpPr/>
+        <p:nvPr/>
+      </p:nvGrpSpPr>
+      <p:grpSpPr>
+        <a:xfrm>
+          <a:off x="0" y="0"/>
+          <a:ext cx="0" cy="0"/>
+          <a:chOff x="0" y="0"/>
+          <a:chExt cx="0" cy="0"/>
+        </a:xfrm>
+      </p:grpSpPr>
+      <p:sp>
+        <p:nvSpPr>
+          <p:cNvPr id="2" name="Title 1"/>
+          <p:cNvSpPr>
+            <a:spLocks noGrp="1"/>
+          </p:cNvSpPr>
+          <p:nvPr>
+            <p:ph type="title"/>
+          </p:nvPr>
+        </p:nvSpPr>
+        <p:spPr/>
+        <p:txBody>
+          <a:bodyPr/>
+          <a:lstStyle/>
+          <a:p>
+            <a:r>
+              <a:rPr lang="en-US" dirty="0" smtClean="0"/>
+              <a:t>LED Pattern files</a:t>
+            </a:r>
+            <a:endParaRPr lang="en-US" dirty="0"/>
+          </a:p>
+        </p:txBody>
+      </p:sp>
+      <p:sp>
+        <p:nvSpPr>
+          <p:cNvPr id="5" name="Content Placeholder 4"/>
+          <p:cNvSpPr>
+            <a:spLocks noGrp="1"/>
+          </p:cNvSpPr>
+          <p:nvPr>
+            <p:ph idx="1"/>
+          </p:nvPr>
+        </p:nvSpPr>
+        <p:spPr/>
+        <p:txBody>
+          <a:bodyPr/>
+          <a:lstStyle/>
+          <a:p>
+            <a:r>
+              <a:rPr lang="en-US" dirty="0" smtClean="0"/>
               <a:t>A LED pattern is a csv file (“;” as delimiter)</a:t>
             </a:r>
           </a:p>
@@ -5720,11 +6188,7 @@
             </a:r>
             <a:r>
               <a:rPr lang="en-US" sz="1800" dirty="0" smtClean="0"/>
-              <a:t>ontinuously </a:t>
-            </a:r>
-            <a:r>
-              <a:rPr lang="en-US" sz="1800" dirty="0" smtClean="0"/>
-              <a:t>on</a:t>
+              <a:t>ontinuously on</a:t>
             </a:r>
           </a:p>
           <a:p>
@@ -6253,7 +6717,7 @@
 </p:sld>
 </file>
 
-<file path=ppt/slides/slide18.xml><?xml version="1.0" encoding="utf-8"?>
+<file path=ppt/slides/slide21.xml><?xml version="1.0" encoding="utf-8"?>
 <p:sld xmlns:a="http://schemas.openxmlformats.org/drawingml/2006/main" xmlns:r="http://schemas.openxmlformats.org/officeDocument/2006/relationships" xmlns:p="http://schemas.openxmlformats.org/presentationml/2006/main">
   <p:cSld>
     <p:spTree>
@@ -6719,7 +7183,7 @@
 </p:sld>
 </file>
 
-<file path=ppt/slides/slide19.xml><?xml version="1.0" encoding="utf-8"?>
+<file path=ppt/slides/slide22.xml><?xml version="1.0" encoding="utf-8"?>
 <p:sld xmlns:a="http://schemas.openxmlformats.org/drawingml/2006/main" xmlns:r="http://schemas.openxmlformats.org/officeDocument/2006/relationships" xmlns:p="http://schemas.openxmlformats.org/presentationml/2006/main">
   <p:cSld>
     <p:spTree>
@@ -6907,7 +7371,7 @@
 </p:sld>
 </file>
 
-<file path=ppt/slides/slide2.xml><?xml version="1.0" encoding="utf-8"?>
+<file path=ppt/slides/slide23.xml><?xml version="1.0" encoding="utf-8"?>
 <p:sld xmlns:a="http://schemas.openxmlformats.org/drawingml/2006/main" xmlns:r="http://schemas.openxmlformats.org/officeDocument/2006/relationships" xmlns:p="http://schemas.openxmlformats.org/presentationml/2006/main">
   <p:cSld>
     <p:spTree>
@@ -6940,14 +7404,86 @@
           <a:lstStyle/>
           <a:p>
             <a:r>
-              <a:rPr lang="en-US" dirty="0" smtClean="0"/>
-              <a:t>Using </a:t>
-            </a:r>
-            <a:r>
-              <a:rPr lang="en-US" dirty="0" err="1" smtClean="0"/>
-              <a:t>nao.py</a:t>
-            </a:r>
-            <a:endParaRPr lang="en-US" dirty="0"/>
+              <a:rPr lang="en-US" dirty="0" err="1" smtClean="0"/>
+              <a:t>NaO</a:t>
+            </a:r>
+            <a:r>
+              <a:rPr lang="en-US" dirty="0" smtClean="0"/>
+              <a:t>-Lib </a:t>
+            </a:r>
+            <a:r>
+              <a:rPr lang="en-US" dirty="0" err="1" smtClean="0"/>
+              <a:t>REference</a:t>
+            </a:r>
+            <a:endParaRPr lang="en-US" dirty="0"/>
+          </a:p>
+        </p:txBody>
+      </p:sp>
+      <p:sp>
+        <p:nvSpPr>
+          <p:cNvPr id="5" name="Text Placeholder 4"/>
+          <p:cNvSpPr>
+            <a:spLocks noGrp="1"/>
+          </p:cNvSpPr>
+          <p:nvPr>
+            <p:ph type="body" idx="1"/>
+          </p:nvPr>
+        </p:nvSpPr>
+        <p:spPr/>
+        <p:txBody>
+          <a:bodyPr/>
+          <a:lstStyle/>
+          <a:p>
+            <a:endParaRPr lang="en-US"/>
+          </a:p>
+        </p:txBody>
+      </p:sp>
+    </p:spTree>
+    <p:extLst>
+      <p:ext uri="{BB962C8B-B14F-4D97-AF65-F5344CB8AC3E}">
+        <p14:creationId xmlns:p14="http://schemas.microsoft.com/office/powerpoint/2010/main" val="2973517968"/>
+      </p:ext>
+    </p:extLst>
+  </p:cSld>
+  <p:clrMapOvr>
+    <a:masterClrMapping/>
+  </p:clrMapOvr>
+</p:sld>
+</file>
+
+<file path=ppt/slides/slide24.xml><?xml version="1.0" encoding="utf-8"?>
+<p:sld xmlns:a="http://schemas.openxmlformats.org/drawingml/2006/main" xmlns:r="http://schemas.openxmlformats.org/officeDocument/2006/relationships" xmlns:p="http://schemas.openxmlformats.org/presentationml/2006/main">
+  <p:cSld>
+    <p:spTree>
+      <p:nvGrpSpPr>
+        <p:cNvPr id="1" name=""/>
+        <p:cNvGrpSpPr/>
+        <p:nvPr/>
+      </p:nvGrpSpPr>
+      <p:grpSpPr>
+        <a:xfrm>
+          <a:off x="0" y="0"/>
+          <a:ext cx="0" cy="0"/>
+          <a:chOff x="0" y="0"/>
+          <a:chExt cx="0" cy="0"/>
+        </a:xfrm>
+      </p:grpSpPr>
+      <p:sp>
+        <p:nvSpPr>
+          <p:cNvPr id="4" name="Title 3"/>
+          <p:cNvSpPr>
+            <a:spLocks noGrp="1"/>
+          </p:cNvSpPr>
+          <p:nvPr>
+            <p:ph type="title"/>
+          </p:nvPr>
+        </p:nvSpPr>
+        <p:spPr/>
+        <p:txBody>
+          <a:bodyPr/>
+          <a:lstStyle/>
+          <a:p>
+            <a:endParaRPr lang="en-US"/>
           </a:p>
         </p:txBody>
       </p:sp>
@@ -6966,9 +7502,546 @@
           <a:bodyPr/>
           <a:lstStyle/>
           <a:p>
-            <a:r>
-              <a:rPr lang="en-US" dirty="0" smtClean="0"/>
-              <a:t>You can use functions from </a:t>
+            <a:pPr marL="0" indent="0">
+              <a:buNone/>
+            </a:pPr>
+            <a:r>
+              <a:rPr lang="en-US" dirty="0" err="1"/>
+              <a:t>n</a:t>
+            </a:r>
+            <a:r>
+              <a:rPr lang="en-US" dirty="0" err="1" smtClean="0"/>
+              <a:t>ao.InitProxy</a:t>
+            </a:r>
+            <a:r>
+              <a:rPr lang="en-US" dirty="0" smtClean="0"/>
+              <a:t>(</a:t>
+            </a:r>
+            <a:r>
+              <a:rPr lang="en-US" dirty="0" err="1" smtClean="0"/>
+              <a:t>robot_IP</a:t>
+            </a:r>
+            <a:r>
+              <a:rPr lang="en-US" dirty="0" smtClean="0"/>
+              <a:t>, </a:t>
+            </a:r>
+            <a:r>
+              <a:rPr lang="en-US" dirty="0" err="1" smtClean="0"/>
+              <a:t>proxy_list</a:t>
+            </a:r>
+            <a:r>
+              <a:rPr lang="en-US" dirty="0" smtClean="0"/>
+              <a:t> , </a:t>
+            </a:r>
+            <a:r>
+              <a:rPr lang="en-US" dirty="0" err="1" smtClean="0"/>
+              <a:t>robot_PORT</a:t>
+            </a:r>
+            <a:r>
+              <a:rPr lang="en-US" dirty="0" smtClean="0"/>
+              <a:t>)</a:t>
+            </a:r>
+          </a:p>
+          <a:p>
+            <a:r>
+              <a:rPr lang="en-US" dirty="0" smtClean="0"/>
+              <a:t>Connects to the robot specified by IP address and port number (default 9559)</a:t>
+            </a:r>
+          </a:p>
+          <a:p>
+            <a:r>
+              <a:rPr lang="en-US" dirty="0" smtClean="0"/>
+              <a:t>Defines </a:t>
+            </a:r>
+            <a:r>
+              <a:rPr lang="en-US" dirty="0" err="1" smtClean="0"/>
+              <a:t>globals</a:t>
+            </a:r>
+            <a:r>
+              <a:rPr lang="en-US" dirty="0" smtClean="0"/>
+              <a:t> of the proxies specified in </a:t>
+            </a:r>
+            <a:r>
+              <a:rPr lang="en-US" dirty="0" err="1" smtClean="0"/>
+              <a:t>proxy_list</a:t>
+            </a:r>
+            <a:endParaRPr lang="en-US" dirty="0" smtClean="0"/>
+          </a:p>
+          <a:p>
+            <a:r>
+              <a:rPr lang="en-US" dirty="0" err="1"/>
+              <a:t>p</a:t>
+            </a:r>
+            <a:r>
+              <a:rPr lang="en-US" dirty="0" err="1" smtClean="0"/>
+              <a:t>roxy_list</a:t>
+            </a:r>
+            <a:r>
+              <a:rPr lang="en-US" dirty="0" smtClean="0"/>
+              <a:t> is a list of integers. If the list contains 0, it will try to connect all proxies (default [0] ).  </a:t>
+            </a:r>
+            <a:endParaRPr lang="en-US" dirty="0"/>
+          </a:p>
+        </p:txBody>
+      </p:sp>
+      <p:sp>
+        <p:nvSpPr>
+          <p:cNvPr id="6" name="TextBox 5"/>
+          <p:cNvSpPr txBox="1"/>
+          <p:nvPr/>
+        </p:nvSpPr>
+        <p:spPr>
+          <a:xfrm>
+            <a:off x="1232720" y="3889135"/>
+            <a:ext cx="7069308" cy="2308324"/>
+          </a:xfrm>
+          <a:prstGeom prst="rect">
+            <a:avLst/>
+          </a:prstGeom>
+          <a:noFill/>
+        </p:spPr>
+        <p:txBody>
+          <a:bodyPr wrap="none" rtlCol="0">
+            <a:spAutoFit/>
+          </a:bodyPr>
+          <a:lstStyle/>
+          <a:p>
+            <a:r>
+              <a:rPr lang="en-US" dirty="0" err="1">
+                <a:solidFill>
+                  <a:schemeClr val="bg2"/>
+                </a:solidFill>
+              </a:rPr>
+              <a:t>def</a:t>
+            </a:r>
+            <a:r>
+              <a:rPr lang="en-US" dirty="0">
+                <a:solidFill>
+                  <a:schemeClr val="bg2"/>
+                </a:solidFill>
+              </a:rPr>
+              <a:t> </a:t>
+            </a:r>
+            <a:r>
+              <a:rPr lang="en-US" dirty="0" err="1"/>
+              <a:t>InitProxy</a:t>
+            </a:r>
+            <a:r>
+              <a:rPr lang="en-US" dirty="0"/>
+              <a:t>(IP="</a:t>
+            </a:r>
+            <a:r>
+              <a:rPr lang="en-US" dirty="0" err="1"/>
+              <a:t>marvin.local</a:t>
+            </a:r>
+            <a:r>
+              <a:rPr lang="en-US" dirty="0"/>
+              <a:t>", proxy=[0], PORT = 9559):</a:t>
+            </a:r>
+          </a:p>
+          <a:p>
+            <a:r>
+              <a:rPr lang="en-US" dirty="0">
+                <a:solidFill>
+                  <a:srgbClr val="00B050"/>
+                </a:solidFill>
+              </a:rPr>
+              <a:t>    """proxy: (list) </a:t>
+            </a:r>
+            <a:r>
+              <a:rPr lang="en-US" dirty="0" smtClean="0">
+                <a:solidFill>
+                  <a:srgbClr val="00B050"/>
+                </a:solidFill>
+              </a:rPr>
+              <a:t>	1-</a:t>
+            </a:r>
+            <a:r>
+              <a:rPr lang="en-US" dirty="0">
+                <a:solidFill>
+                  <a:srgbClr val="00B050"/>
+                </a:solidFill>
+              </a:rPr>
+              <a:t>&gt;TTS, </a:t>
+            </a:r>
+            <a:r>
+              <a:rPr lang="en-US" dirty="0" smtClean="0">
+                <a:solidFill>
+                  <a:srgbClr val="00B050"/>
+                </a:solidFill>
+              </a:rPr>
+              <a:t>		2-</a:t>
+            </a:r>
+            <a:r>
+              <a:rPr lang="en-US" dirty="0">
+                <a:solidFill>
+                  <a:srgbClr val="00B050"/>
+                </a:solidFill>
+              </a:rPr>
+              <a:t>&gt;audio, </a:t>
+            </a:r>
+            <a:r>
+              <a:rPr lang="en-US" dirty="0" smtClean="0">
+                <a:solidFill>
+                  <a:srgbClr val="00B050"/>
+                </a:solidFill>
+              </a:rPr>
+              <a:t>	3-</a:t>
+            </a:r>
+            <a:r>
+              <a:rPr lang="en-US" dirty="0">
+                <a:solidFill>
+                  <a:srgbClr val="00B050"/>
+                </a:solidFill>
+              </a:rPr>
+              <a:t>&gt;motion, </a:t>
+            </a:r>
+            <a:endParaRPr lang="en-US" dirty="0" smtClean="0">
+              <a:solidFill>
+                <a:srgbClr val="00B050"/>
+              </a:solidFill>
+            </a:endParaRPr>
+          </a:p>
+          <a:p>
+            <a:r>
+              <a:rPr lang="en-US" dirty="0">
+                <a:solidFill>
+                  <a:srgbClr val="00B050"/>
+                </a:solidFill>
+              </a:rPr>
+              <a:t>	</a:t>
+            </a:r>
+            <a:r>
+              <a:rPr lang="en-US" dirty="0" smtClean="0">
+                <a:solidFill>
+                  <a:srgbClr val="00B050"/>
+                </a:solidFill>
+              </a:rPr>
+              <a:t>			4-</a:t>
+            </a:r>
+            <a:r>
+              <a:rPr lang="en-US" dirty="0">
+                <a:solidFill>
+                  <a:srgbClr val="00B050"/>
+                </a:solidFill>
+              </a:rPr>
+              <a:t>&gt;memory, </a:t>
+            </a:r>
+            <a:r>
+              <a:rPr lang="en-US" dirty="0" smtClean="0">
+                <a:solidFill>
+                  <a:srgbClr val="00B050"/>
+                </a:solidFill>
+              </a:rPr>
+              <a:t>	5-</a:t>
+            </a:r>
+            <a:r>
+              <a:rPr lang="en-US" dirty="0">
+                <a:solidFill>
+                  <a:srgbClr val="00B050"/>
+                </a:solidFill>
+              </a:rPr>
+              <a:t>&gt;face, </a:t>
+            </a:r>
+            <a:r>
+              <a:rPr lang="en-US" dirty="0" smtClean="0">
+                <a:solidFill>
+                  <a:srgbClr val="00B050"/>
+                </a:solidFill>
+              </a:rPr>
+              <a:t>		6-</a:t>
+            </a:r>
+            <a:r>
+              <a:rPr lang="en-US" dirty="0">
+                <a:solidFill>
+                  <a:srgbClr val="00B050"/>
+                </a:solidFill>
+              </a:rPr>
+              <a:t>&gt;video, </a:t>
+            </a:r>
+            <a:endParaRPr lang="en-US" dirty="0" smtClean="0">
+              <a:solidFill>
+                <a:srgbClr val="00B050"/>
+              </a:solidFill>
+            </a:endParaRPr>
+          </a:p>
+          <a:p>
+            <a:r>
+              <a:rPr lang="en-US" dirty="0">
+                <a:solidFill>
+                  <a:srgbClr val="00B050"/>
+                </a:solidFill>
+              </a:rPr>
+              <a:t>	</a:t>
+            </a:r>
+            <a:r>
+              <a:rPr lang="en-US" dirty="0" smtClean="0">
+                <a:solidFill>
+                  <a:srgbClr val="00B050"/>
+                </a:solidFill>
+              </a:rPr>
+              <a:t>			7-</a:t>
+            </a:r>
+            <a:r>
+              <a:rPr lang="en-US" dirty="0">
+                <a:solidFill>
+                  <a:srgbClr val="00B050"/>
+                </a:solidFill>
+              </a:rPr>
+              <a:t>&gt;LED's, </a:t>
+            </a:r>
+            <a:r>
+              <a:rPr lang="en-US" dirty="0" smtClean="0">
+                <a:solidFill>
+                  <a:srgbClr val="00B050"/>
+                </a:solidFill>
+              </a:rPr>
+              <a:t>	8-</a:t>
+            </a:r>
+            <a:r>
+              <a:rPr lang="en-US" dirty="0">
+                <a:solidFill>
+                  <a:srgbClr val="00B050"/>
+                </a:solidFill>
+              </a:rPr>
+              <a:t>&gt;Track, </a:t>
+            </a:r>
+            <a:r>
+              <a:rPr lang="en-US" dirty="0" smtClean="0">
+                <a:solidFill>
+                  <a:srgbClr val="00B050"/>
+                </a:solidFill>
+              </a:rPr>
+              <a:t>	9-</a:t>
+            </a:r>
+            <a:r>
+              <a:rPr lang="en-US" dirty="0">
+                <a:solidFill>
+                  <a:srgbClr val="00B050"/>
+                </a:solidFill>
+              </a:rPr>
+              <a:t>&gt;Speech, </a:t>
+            </a:r>
+            <a:endParaRPr lang="en-US" dirty="0" smtClean="0">
+              <a:solidFill>
+                <a:srgbClr val="00B050"/>
+              </a:solidFill>
+            </a:endParaRPr>
+          </a:p>
+          <a:p>
+            <a:r>
+              <a:rPr lang="en-US" dirty="0">
+                <a:solidFill>
+                  <a:srgbClr val="00B050"/>
+                </a:solidFill>
+              </a:rPr>
+              <a:t>	</a:t>
+            </a:r>
+            <a:r>
+              <a:rPr lang="en-US" dirty="0" smtClean="0">
+                <a:solidFill>
+                  <a:srgbClr val="00B050"/>
+                </a:solidFill>
+              </a:rPr>
+              <a:t>			10-</a:t>
+            </a:r>
+            <a:r>
+              <a:rPr lang="en-US" dirty="0">
+                <a:solidFill>
+                  <a:srgbClr val="00B050"/>
+                </a:solidFill>
+              </a:rPr>
+              <a:t>&gt;</a:t>
+            </a:r>
+            <a:r>
+              <a:rPr lang="en-US" dirty="0" err="1">
+                <a:solidFill>
+                  <a:srgbClr val="00B050"/>
+                </a:solidFill>
+              </a:rPr>
+              <a:t>Audioplayer</a:t>
+            </a:r>
+            <a:r>
+              <a:rPr lang="en-US" dirty="0">
+                <a:solidFill>
+                  <a:srgbClr val="00B050"/>
+                </a:solidFill>
+              </a:rPr>
+              <a:t>, 11-&gt;</a:t>
+            </a:r>
+            <a:r>
+              <a:rPr lang="en-US" dirty="0" err="1" smtClean="0">
+                <a:solidFill>
+                  <a:srgbClr val="00B050"/>
+                </a:solidFill>
+              </a:rPr>
+              <a:t>VisionRecorder</a:t>
+            </a:r>
+            <a:r>
+              <a:rPr lang="en-US" dirty="0" smtClean="0">
+                <a:solidFill>
+                  <a:srgbClr val="00B050"/>
+                </a:solidFill>
+              </a:rPr>
+              <a:t>, 12-&gt;sonar,</a:t>
+            </a:r>
+          </a:p>
+          <a:p>
+            <a:r>
+              <a:rPr lang="en-US" dirty="0">
+                <a:solidFill>
+                  <a:srgbClr val="00B050"/>
+                </a:solidFill>
+              </a:rPr>
+              <a:t>	</a:t>
+            </a:r>
+            <a:r>
+              <a:rPr lang="en-US" dirty="0" smtClean="0">
+                <a:solidFill>
+                  <a:srgbClr val="00B050"/>
+                </a:solidFill>
+              </a:rPr>
+              <a:t>			13-&gt;posture, 14-&gt;landmark, 15-&gt;</a:t>
+            </a:r>
+            <a:r>
+              <a:rPr lang="en-US" dirty="0" err="1" smtClean="0">
+                <a:solidFill>
+                  <a:srgbClr val="00B050"/>
+                </a:solidFill>
+              </a:rPr>
+              <a:t>sounddetection</a:t>
+            </a:r>
+            <a:r>
+              <a:rPr lang="en-US" dirty="0" smtClean="0">
+                <a:solidFill>
+                  <a:srgbClr val="00B050"/>
+                </a:solidFill>
+              </a:rPr>
+              <a:t>,</a:t>
+            </a:r>
+          </a:p>
+          <a:p>
+            <a:r>
+              <a:rPr lang="en-US" dirty="0">
+                <a:solidFill>
+                  <a:srgbClr val="00B050"/>
+                </a:solidFill>
+              </a:rPr>
+              <a:t>	</a:t>
+            </a:r>
+            <a:r>
+              <a:rPr lang="en-US" dirty="0" smtClean="0">
+                <a:solidFill>
+                  <a:srgbClr val="00B050"/>
+                </a:solidFill>
+              </a:rPr>
+              <a:t>			16-&gt;</a:t>
+            </a:r>
+            <a:r>
+              <a:rPr lang="en-US" dirty="0" err="1" smtClean="0">
+                <a:solidFill>
+                  <a:srgbClr val="00B050"/>
+                </a:solidFill>
+              </a:rPr>
+              <a:t>soundlocalization</a:t>
+            </a:r>
+            <a:r>
+              <a:rPr lang="en-US" dirty="0" smtClean="0">
+                <a:solidFill>
+                  <a:srgbClr val="00B050"/>
+                </a:solidFill>
+              </a:rPr>
+              <a:t>, 17-&gt;tracker"""</a:t>
+            </a:r>
+            <a:endParaRPr lang="en-US" dirty="0">
+              <a:solidFill>
+                <a:srgbClr val="00B050"/>
+              </a:solidFill>
+            </a:endParaRPr>
+          </a:p>
+          <a:p>
+            <a:endParaRPr lang="en-US" dirty="0"/>
+          </a:p>
+        </p:txBody>
+      </p:sp>
+    </p:spTree>
+    <p:extLst>
+      <p:ext uri="{BB962C8B-B14F-4D97-AF65-F5344CB8AC3E}">
+        <p14:creationId xmlns:p14="http://schemas.microsoft.com/office/powerpoint/2010/main" val="2279733516"/>
+      </p:ext>
+    </p:extLst>
+  </p:cSld>
+  <p:clrMapOvr>
+    <a:masterClrMapping/>
+  </p:clrMapOvr>
+</p:sld>
+</file>
+
+<file path=ppt/slides/slide25.xml><?xml version="1.0" encoding="utf-8"?>
+<p:sld xmlns:a="http://schemas.openxmlformats.org/drawingml/2006/main" xmlns:r="http://schemas.openxmlformats.org/officeDocument/2006/relationships" xmlns:p="http://schemas.openxmlformats.org/presentationml/2006/main">
+  <p:cSld>
+    <p:spTree>
+      <p:nvGrpSpPr>
+        <p:cNvPr id="1" name=""/>
+        <p:cNvGrpSpPr/>
+        <p:nvPr/>
+      </p:nvGrpSpPr>
+      <p:grpSpPr>
+        <a:xfrm>
+          <a:off x="0" y="0"/>
+          <a:ext cx="0" cy="0"/>
+          <a:chOff x="0" y="0"/>
+          <a:chExt cx="0" cy="0"/>
+        </a:xfrm>
+      </p:grpSpPr>
+      <p:sp>
+        <p:nvSpPr>
+          <p:cNvPr id="4" name="Title 3"/>
+          <p:cNvSpPr>
+            <a:spLocks noGrp="1"/>
+          </p:cNvSpPr>
+          <p:nvPr>
+            <p:ph type="title"/>
+          </p:nvPr>
+        </p:nvSpPr>
+        <p:spPr/>
+        <p:txBody>
+          <a:bodyPr/>
+          <a:lstStyle/>
+          <a:p>
+            <a:endParaRPr lang="en-US" dirty="0"/>
+          </a:p>
+        </p:txBody>
+      </p:sp>
+      <p:sp>
+        <p:nvSpPr>
+          <p:cNvPr id="5" name="Content Placeholder 4"/>
+          <p:cNvSpPr>
+            <a:spLocks noGrp="1"/>
+          </p:cNvSpPr>
+          <p:nvPr>
+            <p:ph idx="1"/>
+          </p:nvPr>
+        </p:nvSpPr>
+        <p:spPr/>
+        <p:txBody>
+          <a:bodyPr/>
+          <a:lstStyle/>
+          <a:p>
+            <a:pPr marL="0" indent="0">
+              <a:buNone/>
+            </a:pPr>
+            <a:r>
+              <a:rPr lang="en-US" dirty="0" err="1"/>
+              <a:t>p</a:t>
+            </a:r>
+            <a:r>
+              <a:rPr lang="en-US" dirty="0" err="1" smtClean="0"/>
+              <a:t>roxy_list</a:t>
+            </a:r>
+            <a:r>
+              <a:rPr lang="en-US" dirty="0"/>
+              <a:t>	</a:t>
             </a:r>
             <a:r>
               <a:rPr lang="en-US" dirty="0" err="1" smtClean="0"/>
@@ -6976,42 +8049,8 @@
             </a:r>
             <a:r>
               <a:rPr lang="en-US" dirty="0" smtClean="0"/>
-              <a:t> directly once the proxies have been initialized:</a:t>
-            </a:r>
-          </a:p>
-          <a:p>
-            <a:endParaRPr lang="en-US" dirty="0"/>
-          </a:p>
-          <a:p>
-            <a:endParaRPr lang="en-US" dirty="0" smtClean="0"/>
-          </a:p>
-          <a:p>
-            <a:endParaRPr lang="en-US" dirty="0"/>
-          </a:p>
-          <a:p>
-            <a:endParaRPr lang="en-US" dirty="0" smtClean="0"/>
-          </a:p>
-          <a:p>
-            <a:endParaRPr lang="en-US" dirty="0"/>
-          </a:p>
-          <a:p>
-            <a:r>
-              <a:rPr lang="en-US" dirty="0" smtClean="0"/>
-              <a:t>Or you use a shorthand from </a:t>
-            </a:r>
-            <a:r>
-              <a:rPr lang="en-US" dirty="0" err="1" smtClean="0"/>
-              <a:t>nao.py</a:t>
-            </a:r>
-            <a:r>
-              <a:rPr lang="en-US" dirty="0" smtClean="0"/>
-              <a:t> (if available)</a:t>
-            </a:r>
-          </a:p>
-          <a:p>
-            <a:endParaRPr lang="en-US" dirty="0"/>
-          </a:p>
-          <a:p>
+              <a:t>			nao.py</a:t>
+            </a:r>
             <a:endParaRPr lang="en-US" dirty="0"/>
           </a:p>
         </p:txBody>
@@ -7024,8 +8063,8 @@
         </p:nvSpPr>
         <p:spPr>
           <a:xfrm>
-            <a:off x="877749" y="2102248"/>
-            <a:ext cx="6741862" cy="1754327"/>
+            <a:off x="4880218" y="1752929"/>
+            <a:ext cx="3766579" cy="4524316"/>
           </a:xfrm>
           <a:prstGeom prst="rect">
             <a:avLst/>
@@ -7038,69 +8077,285 @@
           <a:lstStyle/>
           <a:p>
             <a:r>
-              <a:rPr lang="en-US" dirty="0"/>
-              <a:t>i</a:t>
-            </a:r>
-            <a:r>
-              <a:rPr lang="en-US" dirty="0" smtClean="0"/>
-              <a:t>mport nao_nocv_2_0 as </a:t>
-            </a:r>
-            <a:r>
-              <a:rPr lang="en-US" dirty="0" err="1" smtClean="0"/>
-              <a:t>nao</a:t>
-            </a:r>
-            <a:endParaRPr lang="en-US" dirty="0" smtClean="0"/>
-          </a:p>
-          <a:p>
-            <a:endParaRPr lang="en-US" dirty="0"/>
-          </a:p>
-          <a:p>
-            <a:r>
-              <a:rPr lang="en-US" dirty="0" err="1" smtClean="0"/>
-              <a:t>nao.InitProxy</a:t>
-            </a:r>
-            <a:r>
-              <a:rPr lang="en-US" dirty="0" smtClean="0"/>
-              <a:t>(</a:t>
-            </a:r>
-            <a:r>
-              <a:rPr lang="en-US" dirty="0" err="1" smtClean="0"/>
-              <a:t>robot_IP</a:t>
-            </a:r>
-            <a:r>
-              <a:rPr lang="en-US" dirty="0" smtClean="0"/>
-              <a:t>)</a:t>
-            </a:r>
-          </a:p>
-          <a:p>
-            <a:endParaRPr lang="en-US" dirty="0"/>
-          </a:p>
-          <a:p>
-            <a:endParaRPr lang="en-US" dirty="0" smtClean="0"/>
-          </a:p>
-          <a:p>
-            <a:r>
-              <a:rPr lang="en-US" dirty="0" err="1" smtClean="0"/>
-              <a:t>nao.motionProxy.setWalkTargetVelocity</a:t>
-            </a:r>
-            <a:r>
-              <a:rPr lang="en-US" dirty="0" smtClean="0"/>
-              <a:t>(1.0,0.0.0.0.1.0)</a:t>
-            </a:r>
-            <a:endParaRPr lang="en-US" dirty="0"/>
-          </a:p>
-        </p:txBody>
-      </p:sp>
-      <p:sp>
-        <p:nvSpPr>
-          <p:cNvPr id="6" name="Rectangle 5"/>
+              <a:rPr lang="en-US" sz="1600" dirty="0"/>
+              <a:t> global </a:t>
+            </a:r>
+            <a:r>
+              <a:rPr lang="en-US" sz="1600" dirty="0" err="1"/>
+              <a:t>audioProxy</a:t>
+            </a:r>
+            <a:endParaRPr lang="en-US" sz="1600" dirty="0"/>
+          </a:p>
+          <a:p>
+            <a:r>
+              <a:rPr lang="en-US" sz="1600" dirty="0"/>
+              <a:t> </a:t>
+            </a:r>
+            <a:r>
+              <a:rPr lang="en-US" sz="1600" dirty="0" smtClean="0"/>
+              <a:t>global </a:t>
+            </a:r>
+            <a:r>
+              <a:rPr lang="en-US" sz="1600" dirty="0" err="1"/>
+              <a:t>motionProxy</a:t>
+            </a:r>
+            <a:endParaRPr lang="en-US" sz="1600" dirty="0"/>
+          </a:p>
+          <a:p>
+            <a:r>
+              <a:rPr lang="en-US" sz="1600" dirty="0"/>
+              <a:t> </a:t>
+            </a:r>
+            <a:r>
+              <a:rPr lang="en-US" sz="1600" dirty="0" smtClean="0"/>
+              <a:t>global </a:t>
+            </a:r>
+            <a:r>
+              <a:rPr lang="en-US" sz="1600" dirty="0" err="1"/>
+              <a:t>memoryProxy</a:t>
+            </a:r>
+            <a:endParaRPr lang="en-US" sz="1600" dirty="0"/>
+          </a:p>
+          <a:p>
+            <a:r>
+              <a:rPr lang="en-US" sz="1600" dirty="0"/>
+              <a:t> </a:t>
+            </a:r>
+            <a:r>
+              <a:rPr lang="en-US" sz="1600" dirty="0" smtClean="0"/>
+              <a:t>global </a:t>
+            </a:r>
+            <a:r>
+              <a:rPr lang="en-US" sz="1600" dirty="0" err="1"/>
+              <a:t>cameraProxy</a:t>
+            </a:r>
+            <a:endParaRPr lang="en-US" sz="1600" dirty="0"/>
+          </a:p>
+          <a:p>
+            <a:r>
+              <a:rPr lang="en-US" sz="1600" dirty="0"/>
+              <a:t> </a:t>
+            </a:r>
+            <a:r>
+              <a:rPr lang="en-US" sz="1600" dirty="0" smtClean="0"/>
+              <a:t>global </a:t>
+            </a:r>
+            <a:r>
+              <a:rPr lang="en-US" sz="1600" dirty="0" err="1"/>
+              <a:t>faceProxy</a:t>
+            </a:r>
+            <a:endParaRPr lang="en-US" sz="1600" dirty="0"/>
+          </a:p>
+          <a:p>
+            <a:r>
+              <a:rPr lang="en-US" sz="1600" dirty="0"/>
+              <a:t> </a:t>
+            </a:r>
+            <a:r>
+              <a:rPr lang="en-US" sz="1600" dirty="0" smtClean="0"/>
+              <a:t>global </a:t>
+            </a:r>
+            <a:r>
+              <a:rPr lang="en-US" sz="1600" dirty="0" err="1"/>
+              <a:t>ledProxy</a:t>
+            </a:r>
+            <a:endParaRPr lang="en-US" sz="1600" dirty="0"/>
+          </a:p>
+          <a:p>
+            <a:r>
+              <a:rPr lang="en-US" sz="1600" dirty="0"/>
+              <a:t> </a:t>
+            </a:r>
+            <a:r>
+              <a:rPr lang="en-US" sz="1600" dirty="0" smtClean="0"/>
+              <a:t>global </a:t>
+            </a:r>
+            <a:r>
+              <a:rPr lang="en-US" sz="1600" dirty="0" err="1"/>
+              <a:t>tts</a:t>
+            </a:r>
+            <a:endParaRPr lang="en-US" sz="1600" dirty="0"/>
+          </a:p>
+          <a:p>
+            <a:r>
+              <a:rPr lang="en-US" sz="1600" dirty="0"/>
+              <a:t> </a:t>
+            </a:r>
+            <a:r>
+              <a:rPr lang="en-US" sz="1600" dirty="0" smtClean="0"/>
+              <a:t>global </a:t>
+            </a:r>
+            <a:r>
+              <a:rPr lang="en-US" sz="1600" dirty="0" err="1"/>
+              <a:t>trackfaceProxy</a:t>
+            </a:r>
+            <a:endParaRPr lang="en-US" sz="1600" dirty="0"/>
+          </a:p>
+          <a:p>
+            <a:r>
+              <a:rPr lang="en-US" sz="1600" dirty="0"/>
+              <a:t> </a:t>
+            </a:r>
+            <a:r>
+              <a:rPr lang="en-US" sz="1600" dirty="0" smtClean="0"/>
+              <a:t>global </a:t>
+            </a:r>
+            <a:r>
+              <a:rPr lang="en-US" sz="1600" dirty="0" err="1"/>
+              <a:t>playProxy</a:t>
+            </a:r>
+            <a:endParaRPr lang="en-US" sz="1600" dirty="0"/>
+          </a:p>
+          <a:p>
+            <a:r>
+              <a:rPr lang="en-US" sz="1600" dirty="0"/>
+              <a:t> </a:t>
+            </a:r>
+            <a:r>
+              <a:rPr lang="en-US" sz="1600" dirty="0" smtClean="0"/>
+              <a:t>global </a:t>
+            </a:r>
+            <a:r>
+              <a:rPr lang="en-US" sz="1600" dirty="0" err="1"/>
+              <a:t>videoProxy</a:t>
+            </a:r>
+            <a:endParaRPr lang="en-US" sz="1600" dirty="0"/>
+          </a:p>
+          <a:p>
+            <a:r>
+              <a:rPr lang="en-US" sz="1600" dirty="0"/>
+              <a:t> </a:t>
+            </a:r>
+            <a:r>
+              <a:rPr lang="en-US" sz="1600" dirty="0" smtClean="0"/>
+              <a:t>global </a:t>
+            </a:r>
+            <a:r>
+              <a:rPr lang="en-US" sz="1600" dirty="0" err="1"/>
+              <a:t>asr</a:t>
+            </a:r>
+            <a:endParaRPr lang="en-US" sz="1600" dirty="0"/>
+          </a:p>
+          <a:p>
+            <a:r>
+              <a:rPr lang="en-US" sz="1600" dirty="0"/>
+              <a:t> </a:t>
+            </a:r>
+            <a:r>
+              <a:rPr lang="en-US" sz="1600" dirty="0" smtClean="0"/>
+              <a:t>global </a:t>
+            </a:r>
+            <a:r>
+              <a:rPr lang="en-US" sz="1600" dirty="0" err="1"/>
+              <a:t>speechProxy</a:t>
+            </a:r>
+            <a:r>
+              <a:rPr lang="en-US" sz="1600" dirty="0"/>
+              <a:t> # same as </a:t>
+            </a:r>
+            <a:r>
+              <a:rPr lang="en-US" sz="1600" dirty="0" err="1"/>
+              <a:t>asr</a:t>
+            </a:r>
+            <a:r>
+              <a:rPr lang="en-US" sz="1600" dirty="0"/>
+              <a:t> </a:t>
+            </a:r>
+          </a:p>
+          <a:p>
+            <a:r>
+              <a:rPr lang="en-US" sz="1600" dirty="0"/>
+              <a:t> </a:t>
+            </a:r>
+            <a:r>
+              <a:rPr lang="en-US" sz="1600" dirty="0" smtClean="0"/>
+              <a:t>global </a:t>
+            </a:r>
+            <a:r>
+              <a:rPr lang="en-US" sz="1600" dirty="0" err="1"/>
+              <a:t>sonarProxy</a:t>
+            </a:r>
+            <a:endParaRPr lang="en-US" sz="1600" dirty="0"/>
+          </a:p>
+          <a:p>
+            <a:r>
+              <a:rPr lang="en-US" sz="1600" dirty="0"/>
+              <a:t> </a:t>
+            </a:r>
+            <a:r>
+              <a:rPr lang="en-US" sz="1600" dirty="0" smtClean="0"/>
+              <a:t>global </a:t>
+            </a:r>
+            <a:r>
+              <a:rPr lang="en-US" sz="1600" dirty="0" err="1"/>
+              <a:t>postureProxy</a:t>
+            </a:r>
+            <a:endParaRPr lang="en-US" sz="1600" dirty="0"/>
+          </a:p>
+          <a:p>
+            <a:r>
+              <a:rPr lang="en-US" sz="1600" dirty="0"/>
+              <a:t> </a:t>
+            </a:r>
+            <a:r>
+              <a:rPr lang="en-US" sz="1600" dirty="0" smtClean="0"/>
+              <a:t>global </a:t>
+            </a:r>
+            <a:r>
+              <a:rPr lang="en-US" sz="1600" dirty="0" err="1"/>
+              <a:t>landmarkProxy</a:t>
+            </a:r>
+            <a:endParaRPr lang="en-US" sz="1600" dirty="0"/>
+          </a:p>
+          <a:p>
+            <a:r>
+              <a:rPr lang="en-US" sz="1600" dirty="0" smtClean="0"/>
+              <a:t> global </a:t>
+            </a:r>
+            <a:r>
+              <a:rPr lang="en-US" sz="1600" dirty="0" err="1"/>
+              <a:t>soundProxy</a:t>
+            </a:r>
+            <a:endParaRPr lang="en-US" sz="1600" dirty="0"/>
+          </a:p>
+          <a:p>
+            <a:r>
+              <a:rPr lang="en-US" sz="1600" dirty="0"/>
+              <a:t> </a:t>
+            </a:r>
+            <a:r>
+              <a:rPr lang="en-US" sz="1600" dirty="0" smtClean="0"/>
+              <a:t>global </a:t>
+            </a:r>
+            <a:r>
+              <a:rPr lang="en-US" sz="1600" dirty="0" err="1" smtClean="0"/>
+              <a:t>soundLocalizationProxy</a:t>
+            </a:r>
+            <a:endParaRPr lang="en-US" sz="1600" dirty="0" smtClean="0"/>
+          </a:p>
+          <a:p>
+            <a:r>
+              <a:rPr lang="en-US" sz="1600" dirty="0"/>
+              <a:t> global </a:t>
+            </a:r>
+            <a:r>
+              <a:rPr lang="en-US" sz="1600" dirty="0" err="1" smtClean="0"/>
+              <a:t>trackerProxy</a:t>
+            </a:r>
+            <a:endParaRPr lang="en-US" sz="1600" dirty="0"/>
+          </a:p>
+        </p:txBody>
+      </p:sp>
+      <p:sp>
+        <p:nvSpPr>
+          <p:cNvPr id="8" name="Rectangle 7"/>
           <p:cNvSpPr/>
           <p:nvPr/>
         </p:nvSpPr>
         <p:spPr>
           <a:xfrm>
-            <a:off x="877749" y="4861649"/>
-            <a:ext cx="6741862" cy="369332"/>
+            <a:off x="1960370" y="1752929"/>
+            <a:ext cx="3032036" cy="4524316"/>
           </a:xfrm>
           <a:prstGeom prst="rect">
             <a:avLst/>
@@ -7113,25 +8368,381 @@
           <a:lstStyle/>
           <a:p>
             <a:r>
-              <a:rPr lang="en-US" dirty="0" err="1"/>
-              <a:t>n</a:t>
-            </a:r>
-            <a:r>
-              <a:rPr lang="en-US" dirty="0" err="1" smtClean="0"/>
-              <a:t>ao.Move</a:t>
-            </a:r>
-            <a:r>
-              <a:rPr lang="en-US" dirty="0" smtClean="0"/>
-              <a:t>(1.0,0.0.0.0.1.0)</a:t>
-            </a:r>
-            <a:endParaRPr lang="en-US" dirty="0"/>
+              <a:rPr lang="en-US" sz="1600" dirty="0" smtClean="0"/>
+              <a:t>"</a:t>
+            </a:r>
+            <a:r>
+              <a:rPr lang="en-US" sz="1600" dirty="0" err="1" smtClean="0"/>
+              <a:t>ALAudioDevice</a:t>
+            </a:r>
+            <a:r>
+              <a:rPr lang="en-US" sz="1600" dirty="0" smtClean="0"/>
+              <a:t>”</a:t>
+            </a:r>
+          </a:p>
+          <a:p>
+            <a:r>
+              <a:rPr lang="en-US" sz="1600" dirty="0" smtClean="0"/>
+              <a:t>"</a:t>
+            </a:r>
+            <a:r>
+              <a:rPr lang="en-US" sz="1600" dirty="0" err="1" smtClean="0"/>
+              <a:t>ALMotion</a:t>
+            </a:r>
+            <a:r>
+              <a:rPr lang="en-US" sz="1600" dirty="0" smtClean="0"/>
+              <a:t>”</a:t>
+            </a:r>
+          </a:p>
+          <a:p>
+            <a:r>
+              <a:rPr lang="en-US" sz="1600" dirty="0" smtClean="0"/>
+              <a:t>"</a:t>
+            </a:r>
+            <a:r>
+              <a:rPr lang="en-US" sz="1600" dirty="0" err="1" smtClean="0"/>
+              <a:t>ALMemory</a:t>
+            </a:r>
+            <a:r>
+              <a:rPr lang="en-US" sz="1600" dirty="0" smtClean="0"/>
+              <a:t>”</a:t>
+            </a:r>
+          </a:p>
+          <a:p>
+            <a:r>
+              <a:rPr lang="en-US" sz="1600" dirty="0" smtClean="0"/>
+              <a:t>"</a:t>
+            </a:r>
+            <a:r>
+              <a:rPr lang="en-US" sz="1600" dirty="0" err="1" smtClean="0"/>
+              <a:t>ALVideoDevice</a:t>
+            </a:r>
+            <a:r>
+              <a:rPr lang="en-US" sz="1600" dirty="0" smtClean="0"/>
+              <a:t>”</a:t>
+            </a:r>
+          </a:p>
+          <a:p>
+            <a:r>
+              <a:rPr lang="en-US" sz="1600" dirty="0" smtClean="0"/>
+              <a:t>"</a:t>
+            </a:r>
+            <a:r>
+              <a:rPr lang="en-US" sz="1600" dirty="0" err="1" smtClean="0"/>
+              <a:t>ALFaceDetection</a:t>
+            </a:r>
+            <a:r>
+              <a:rPr lang="en-US" sz="1600" dirty="0" smtClean="0"/>
+              <a:t>”</a:t>
+            </a:r>
+          </a:p>
+          <a:p>
+            <a:r>
+              <a:rPr lang="en-US" sz="1600" dirty="0" smtClean="0"/>
+              <a:t>"</a:t>
+            </a:r>
+            <a:r>
+              <a:rPr lang="en-US" sz="1600" dirty="0" err="1" smtClean="0"/>
+              <a:t>ALLeds</a:t>
+            </a:r>
+            <a:r>
+              <a:rPr lang="en-US" sz="1600" dirty="0" smtClean="0"/>
+              <a:t>”</a:t>
+            </a:r>
+          </a:p>
+          <a:p>
+            <a:r>
+              <a:rPr lang="en-US" sz="1600" dirty="0" smtClean="0"/>
+              <a:t>"</a:t>
+            </a:r>
+            <a:r>
+              <a:rPr lang="en-US" sz="1600" dirty="0" err="1" smtClean="0"/>
+              <a:t>ALTextToSpeech</a:t>
+            </a:r>
+            <a:r>
+              <a:rPr lang="en-US" sz="1600" dirty="0" smtClean="0"/>
+              <a:t>”</a:t>
+            </a:r>
+          </a:p>
+          <a:p>
+            <a:r>
+              <a:rPr lang="en-US" sz="1600" dirty="0" smtClean="0"/>
+              <a:t>"</a:t>
+            </a:r>
+            <a:r>
+              <a:rPr lang="en-US" sz="1600" dirty="0" err="1" smtClean="0"/>
+              <a:t>ALFaceTracker</a:t>
+            </a:r>
+            <a:r>
+              <a:rPr lang="en-US" sz="1600" dirty="0" smtClean="0"/>
+              <a:t>”</a:t>
+            </a:r>
+          </a:p>
+          <a:p>
+            <a:r>
+              <a:rPr lang="en-US" sz="1600" dirty="0" smtClean="0"/>
+              <a:t>"</a:t>
+            </a:r>
+            <a:r>
+              <a:rPr lang="en-US" sz="1600" dirty="0" err="1" smtClean="0"/>
+              <a:t>ALAudioPlayer</a:t>
+            </a:r>
+            <a:r>
+              <a:rPr lang="en-US" sz="1600" dirty="0" smtClean="0"/>
+              <a:t>”</a:t>
+            </a:r>
+          </a:p>
+          <a:p>
+            <a:r>
+              <a:rPr lang="en-US" sz="1600" dirty="0" smtClean="0"/>
+              <a:t>"</a:t>
+            </a:r>
+            <a:r>
+              <a:rPr lang="en-US" sz="1600" dirty="0" err="1" smtClean="0"/>
+              <a:t>ALVideoRecorder</a:t>
+            </a:r>
+            <a:r>
+              <a:rPr lang="en-US" sz="1600" dirty="0" smtClean="0"/>
+              <a:t>”</a:t>
+            </a:r>
+          </a:p>
+          <a:p>
+            <a:r>
+              <a:rPr lang="en-US" sz="1600" dirty="0" smtClean="0"/>
+              <a:t>"</a:t>
+            </a:r>
+            <a:r>
+              <a:rPr lang="en-US" sz="1600" dirty="0" err="1" smtClean="0"/>
+              <a:t>ALSpeechRecognition</a:t>
+            </a:r>
+            <a:r>
+              <a:rPr lang="en-US" sz="1600" dirty="0" smtClean="0"/>
+              <a:t>”</a:t>
+            </a:r>
+          </a:p>
+          <a:p>
+            <a:endParaRPr lang="en-US" sz="1600" dirty="0" smtClean="0"/>
+          </a:p>
+          <a:p>
+            <a:r>
+              <a:rPr lang="en-US" sz="1600" dirty="0" smtClean="0"/>
+              <a:t>"</a:t>
+            </a:r>
+            <a:r>
+              <a:rPr lang="en-US" sz="1600" dirty="0" err="1" smtClean="0"/>
+              <a:t>ALSonar</a:t>
+            </a:r>
+            <a:r>
+              <a:rPr lang="en-US" sz="1600" dirty="0" smtClean="0"/>
+              <a:t>”</a:t>
+            </a:r>
+          </a:p>
+          <a:p>
+            <a:r>
+              <a:rPr lang="en-US" sz="1600" dirty="0" smtClean="0"/>
+              <a:t>"</a:t>
+            </a:r>
+            <a:r>
+              <a:rPr lang="en-US" sz="1600" dirty="0" err="1" smtClean="0"/>
+              <a:t>ALRobotPosture</a:t>
+            </a:r>
+            <a:r>
+              <a:rPr lang="en-US" sz="1600" dirty="0" smtClean="0"/>
+              <a:t>”</a:t>
+            </a:r>
+          </a:p>
+          <a:p>
+            <a:r>
+              <a:rPr lang="en-US" sz="1600" dirty="0"/>
+              <a:t>"</a:t>
+            </a:r>
+            <a:r>
+              <a:rPr lang="en-US" sz="1600" dirty="0" err="1"/>
+              <a:t>ALLandMarkDetection</a:t>
+            </a:r>
+            <a:r>
+              <a:rPr lang="en-US" sz="1600" dirty="0"/>
+              <a:t>"</a:t>
+            </a:r>
+            <a:endParaRPr lang="en-US" sz="1600" dirty="0" smtClean="0"/>
+          </a:p>
+          <a:p>
+            <a:r>
+              <a:rPr lang="en-US" sz="1600" dirty="0"/>
+              <a:t>"</a:t>
+            </a:r>
+            <a:r>
+              <a:rPr lang="en-US" sz="1600" dirty="0" err="1" smtClean="0"/>
+              <a:t>ALSoundDetection</a:t>
+            </a:r>
+            <a:r>
+              <a:rPr lang="en-US" sz="1600" dirty="0" smtClean="0"/>
+              <a:t>”</a:t>
+            </a:r>
+          </a:p>
+          <a:p>
+            <a:r>
+              <a:rPr lang="en-US" sz="1600" dirty="0"/>
+              <a:t>"</a:t>
+            </a:r>
+            <a:r>
+              <a:rPr lang="en-US" sz="1600" dirty="0" err="1" smtClean="0"/>
+              <a:t>ALAudioSourceLocalization</a:t>
+            </a:r>
+            <a:r>
+              <a:rPr lang="en-US" sz="1600" dirty="0" smtClean="0"/>
+              <a:t>”</a:t>
+            </a:r>
+          </a:p>
+          <a:p>
+            <a:r>
+              <a:rPr lang="en-US" sz="1600" dirty="0" smtClean="0"/>
+              <a:t>"</a:t>
+            </a:r>
+            <a:r>
+              <a:rPr lang="en-US" sz="1600" dirty="0" err="1" smtClean="0"/>
+              <a:t>ALTracker</a:t>
+            </a:r>
+            <a:r>
+              <a:rPr lang="en-US" sz="1600" dirty="0" smtClean="0"/>
+              <a:t>"</a:t>
+            </a:r>
+            <a:endParaRPr lang="en-US" sz="1600" dirty="0"/>
+          </a:p>
+        </p:txBody>
+      </p:sp>
+      <p:sp>
+        <p:nvSpPr>
+          <p:cNvPr id="6" name="Rectangle 5"/>
+          <p:cNvSpPr/>
+          <p:nvPr/>
+        </p:nvSpPr>
+        <p:spPr>
+          <a:xfrm>
+            <a:off x="927006" y="1752929"/>
+            <a:ext cx="495252" cy="4524315"/>
+          </a:xfrm>
+          <a:prstGeom prst="rect">
+            <a:avLst/>
+          </a:prstGeom>
+        </p:spPr>
+        <p:txBody>
+          <a:bodyPr wrap="square">
+            <a:spAutoFit/>
+          </a:bodyPr>
+          <a:lstStyle/>
+          <a:p>
+            <a:r>
+              <a:rPr lang="en-US" sz="1600" dirty="0" smtClean="0"/>
+              <a:t>1</a:t>
+            </a:r>
+          </a:p>
+          <a:p>
+            <a:r>
+              <a:rPr lang="en-US" sz="1600" dirty="0" smtClean="0"/>
+              <a:t>2</a:t>
+            </a:r>
+          </a:p>
+          <a:p>
+            <a:r>
+              <a:rPr lang="en-US" sz="1600" dirty="0" smtClean="0"/>
+              <a:t>3</a:t>
+            </a:r>
+          </a:p>
+          <a:p>
+            <a:r>
+              <a:rPr lang="en-US" sz="1600" dirty="0" smtClean="0"/>
+              <a:t>4</a:t>
+            </a:r>
+          </a:p>
+          <a:p>
+            <a:r>
+              <a:rPr lang="en-US" sz="1600" dirty="0" smtClean="0"/>
+              <a:t>5</a:t>
+            </a:r>
+          </a:p>
+          <a:p>
+            <a:r>
+              <a:rPr lang="en-US" sz="1600" dirty="0" smtClean="0"/>
+              <a:t>6</a:t>
+            </a:r>
+          </a:p>
+          <a:p>
+            <a:r>
+              <a:rPr lang="en-US" sz="1600" dirty="0" smtClean="0"/>
+              <a:t>7</a:t>
+            </a:r>
+          </a:p>
+          <a:p>
+            <a:r>
+              <a:rPr lang="en-US" sz="1600" dirty="0" smtClean="0"/>
+              <a:t>8</a:t>
+            </a:r>
+          </a:p>
+          <a:p>
+            <a:r>
+              <a:rPr lang="en-US" sz="1600" dirty="0" smtClean="0"/>
+              <a:t>9</a:t>
+            </a:r>
+          </a:p>
+          <a:p>
+            <a:r>
+              <a:rPr lang="en-US" sz="1600" dirty="0" smtClean="0"/>
+              <a:t>10</a:t>
+            </a:r>
+          </a:p>
+          <a:p>
+            <a:r>
+              <a:rPr lang="en-US" sz="1600" dirty="0" smtClean="0"/>
+              <a:t>11</a:t>
+            </a:r>
+          </a:p>
+          <a:p>
+            <a:endParaRPr lang="en-US" sz="1600" dirty="0" smtClean="0"/>
+          </a:p>
+          <a:p>
+            <a:r>
+              <a:rPr lang="en-US" sz="1600" dirty="0" smtClean="0"/>
+              <a:t>12</a:t>
+            </a:r>
+          </a:p>
+          <a:p>
+            <a:r>
+              <a:rPr lang="en-US" sz="1600" dirty="0" smtClean="0"/>
+              <a:t>13</a:t>
+            </a:r>
+          </a:p>
+          <a:p>
+            <a:r>
+              <a:rPr lang="en-US" sz="1600" dirty="0" smtClean="0"/>
+              <a:t>14</a:t>
+            </a:r>
+          </a:p>
+          <a:p>
+            <a:r>
+              <a:rPr lang="en-US" sz="1600" dirty="0" smtClean="0"/>
+              <a:t>15</a:t>
+            </a:r>
+          </a:p>
+          <a:p>
+            <a:r>
+              <a:rPr lang="en-US" sz="1600" dirty="0" smtClean="0"/>
+              <a:t>16</a:t>
+            </a:r>
+          </a:p>
+          <a:p>
+            <a:r>
+              <a:rPr lang="en-US" sz="1600" dirty="0" smtClean="0"/>
+              <a:t>17</a:t>
+            </a:r>
+            <a:endParaRPr lang="en-US" sz="1600" dirty="0"/>
           </a:p>
         </p:txBody>
       </p:sp>
     </p:spTree>
     <p:extLst>
       <p:ext uri="{BB962C8B-B14F-4D97-AF65-F5344CB8AC3E}">
-        <p14:creationId xmlns:p14="http://schemas.microsoft.com/office/powerpoint/2010/main" val="237987577"/>
+        <p14:creationId xmlns:p14="http://schemas.microsoft.com/office/powerpoint/2010/main" val="1843004043"/>
       </p:ext>
     </p:extLst>
   </p:cSld>
@@ -7145,6 +8756,359 @@
       </p:par>
     </p:tnLst>
   </p:timing>
+</p:sld>
+</file>
+
+<file path=ppt/slides/slide26.xml><?xml version="1.0" encoding="utf-8"?>
+<p:sld xmlns:a="http://schemas.openxmlformats.org/drawingml/2006/main" xmlns:r="http://schemas.openxmlformats.org/officeDocument/2006/relationships" xmlns:p="http://schemas.openxmlformats.org/presentationml/2006/main">
+  <p:cSld>
+    <p:spTree>
+      <p:nvGrpSpPr>
+        <p:cNvPr id="1" name=""/>
+        <p:cNvGrpSpPr/>
+        <p:nvPr/>
+      </p:nvGrpSpPr>
+      <p:grpSpPr>
+        <a:xfrm>
+          <a:off x="0" y="0"/>
+          <a:ext cx="0" cy="0"/>
+          <a:chOff x="0" y="0"/>
+          <a:chExt cx="0" cy="0"/>
+        </a:xfrm>
+      </p:grpSpPr>
+      <p:sp>
+        <p:nvSpPr>
+          <p:cNvPr id="4" name="Title 3"/>
+          <p:cNvSpPr>
+            <a:spLocks noGrp="1"/>
+          </p:cNvSpPr>
+          <p:nvPr>
+            <p:ph type="title"/>
+          </p:nvPr>
+        </p:nvSpPr>
+        <p:spPr/>
+        <p:txBody>
+          <a:bodyPr/>
+          <a:lstStyle/>
+          <a:p>
+            <a:endParaRPr lang="en-US"/>
+          </a:p>
+        </p:txBody>
+      </p:sp>
+      <p:sp>
+        <p:nvSpPr>
+          <p:cNvPr id="5" name="Content Placeholder 4"/>
+          <p:cNvSpPr>
+            <a:spLocks noGrp="1"/>
+          </p:cNvSpPr>
+          <p:nvPr>
+            <p:ph idx="1"/>
+          </p:nvPr>
+        </p:nvSpPr>
+        <p:spPr/>
+        <p:txBody>
+          <a:bodyPr/>
+          <a:lstStyle/>
+          <a:p>
+            <a:r>
+              <a:rPr lang="en-US" dirty="0" err="1" smtClean="0"/>
+              <a:t>nao.Move</a:t>
+            </a:r>
+            <a:r>
+              <a:rPr lang="en-US" dirty="0" smtClean="0"/>
+              <a:t>(</a:t>
+            </a:r>
+            <a:r>
+              <a:rPr lang="en-US" dirty="0" err="1" smtClean="0"/>
+              <a:t>dx,dy,dtheta</a:t>
+            </a:r>
+            <a:r>
+              <a:rPr lang="en-US" dirty="0" smtClean="0"/>
+              <a:t>)</a:t>
+            </a:r>
+          </a:p>
+          <a:p>
+            <a:endParaRPr lang="en-US" dirty="0" smtClean="0"/>
+          </a:p>
+          <a:p>
+            <a:endParaRPr lang="en-US" dirty="0"/>
+          </a:p>
+          <a:p>
+            <a:endParaRPr lang="en-US" dirty="0" smtClean="0"/>
+          </a:p>
+          <a:p>
+            <a:endParaRPr lang="en-US" dirty="0"/>
+          </a:p>
+          <a:p>
+            <a:endParaRPr lang="en-US" dirty="0" smtClean="0"/>
+          </a:p>
+          <a:p>
+            <a:endParaRPr lang="en-US" dirty="0"/>
+          </a:p>
+          <a:p>
+            <a:r>
+              <a:rPr lang="en-US" dirty="0" smtClean="0"/>
+              <a:t>Non-blocking call that sets the robot in motion.</a:t>
+            </a:r>
+          </a:p>
+          <a:p>
+            <a:pPr lvl="1"/>
+            <a:r>
+              <a:rPr lang="en-US" dirty="0" smtClean="0"/>
+              <a:t>dx, </a:t>
+            </a:r>
+            <a:r>
+              <a:rPr lang="en-US" dirty="0" err="1" smtClean="0"/>
+              <a:t>dy</a:t>
+            </a:r>
+            <a:r>
+              <a:rPr lang="en-US" dirty="0" smtClean="0"/>
+              <a:t> are the normalized forward and side-step velocity (in SI: dx*0.04 m/s)</a:t>
+            </a:r>
+          </a:p>
+          <a:p>
+            <a:pPr lvl="1"/>
+            <a:r>
+              <a:rPr lang="en-US" dirty="0" err="1"/>
+              <a:t>d</a:t>
+            </a:r>
+            <a:r>
+              <a:rPr lang="en-US" dirty="0" err="1" smtClean="0"/>
+              <a:t>theta</a:t>
+            </a:r>
+            <a:r>
+              <a:rPr lang="en-US" dirty="0" smtClean="0"/>
+              <a:t> is the normalized turn-rate (in SI: dx*0.349 rad/s)</a:t>
+            </a:r>
+          </a:p>
+          <a:p>
+            <a:pPr lvl="1"/>
+            <a:r>
+              <a:rPr lang="en-US" dirty="0" err="1" smtClean="0"/>
+              <a:t>Freq</a:t>
+            </a:r>
+            <a:r>
+              <a:rPr lang="en-US" dirty="0" smtClean="0"/>
+              <a:t> is the normalized step-frequency (not used in </a:t>
+            </a:r>
+            <a:r>
+              <a:rPr lang="en-US" dirty="0" err="1" smtClean="0"/>
+              <a:t>naoqi</a:t>
+            </a:r>
+            <a:r>
+              <a:rPr lang="en-US" dirty="0" smtClean="0"/>
+              <a:t> 2.1.x)</a:t>
+            </a:r>
+          </a:p>
+          <a:p>
+            <a:pPr lvl="1"/>
+            <a:endParaRPr lang="en-US" dirty="0"/>
+          </a:p>
+        </p:txBody>
+      </p:sp>
+      <p:sp>
+        <p:nvSpPr>
+          <p:cNvPr id="6" name="TextBox 5"/>
+          <p:cNvSpPr txBox="1"/>
+          <p:nvPr/>
+        </p:nvSpPr>
+        <p:spPr>
+          <a:xfrm>
+            <a:off x="1879824" y="1899241"/>
+            <a:ext cx="5147563" cy="2031325"/>
+          </a:xfrm>
+          <a:prstGeom prst="rect">
+            <a:avLst/>
+          </a:prstGeom>
+          <a:noFill/>
+        </p:spPr>
+        <p:txBody>
+          <a:bodyPr wrap="none" rtlCol="0">
+            <a:spAutoFit/>
+          </a:bodyPr>
+          <a:lstStyle/>
+          <a:p>
+            <a:r>
+              <a:rPr lang="en-US" dirty="0" err="1">
+                <a:solidFill>
+                  <a:schemeClr val="bg2"/>
+                </a:solidFill>
+              </a:rPr>
+              <a:t>def</a:t>
+            </a:r>
+            <a:r>
+              <a:rPr lang="en-US" dirty="0">
+                <a:solidFill>
+                  <a:schemeClr val="bg2"/>
+                </a:solidFill>
+              </a:rPr>
+              <a:t> </a:t>
+            </a:r>
+            <a:r>
+              <a:rPr lang="en-US" dirty="0"/>
+              <a:t>Move(dx=0, </a:t>
+            </a:r>
+            <a:r>
+              <a:rPr lang="en-US" dirty="0" err="1"/>
+              <a:t>dy</a:t>
+            </a:r>
+            <a:r>
+              <a:rPr lang="en-US" dirty="0"/>
+              <a:t>=0, </a:t>
+            </a:r>
+            <a:r>
+              <a:rPr lang="en-US" dirty="0" err="1"/>
+              <a:t>dtheta</a:t>
+            </a:r>
+            <a:r>
+              <a:rPr lang="en-US" dirty="0"/>
+              <a:t>=0, </a:t>
+            </a:r>
+            <a:r>
+              <a:rPr lang="en-US" dirty="0" err="1"/>
+              <a:t>freq</a:t>
+            </a:r>
+            <a:r>
+              <a:rPr lang="en-US" dirty="0"/>
+              <a:t>=1):</a:t>
+            </a:r>
+          </a:p>
+          <a:p>
+            <a:r>
+              <a:rPr lang="en-US" dirty="0">
+                <a:solidFill>
+                  <a:srgbClr val="00B050"/>
+                </a:solidFill>
+              </a:rPr>
+              <a:t>    """"</a:t>
+            </a:r>
+          </a:p>
+          <a:p>
+            <a:r>
+              <a:rPr lang="en-US" dirty="0">
+                <a:solidFill>
+                  <a:srgbClr val="00B050"/>
+                </a:solidFill>
+              </a:rPr>
+              <a:t>    dx = forward speed, </a:t>
+            </a:r>
+            <a:r>
+              <a:rPr lang="en-US" dirty="0" err="1">
+                <a:solidFill>
+                  <a:srgbClr val="00B050"/>
+                </a:solidFill>
+              </a:rPr>
+              <a:t>dtheta</a:t>
+            </a:r>
+            <a:r>
+              <a:rPr lang="en-US" dirty="0">
+                <a:solidFill>
+                  <a:srgbClr val="00B050"/>
+                </a:solidFill>
+              </a:rPr>
+              <a:t> = rotational speed,</a:t>
+            </a:r>
+          </a:p>
+          <a:p>
+            <a:r>
+              <a:rPr lang="en-US" dirty="0">
+                <a:solidFill>
+                  <a:srgbClr val="00B050"/>
+                </a:solidFill>
+              </a:rPr>
+              <a:t>    </a:t>
+            </a:r>
+            <a:r>
+              <a:rPr lang="en-US" dirty="0" err="1">
+                <a:solidFill>
+                  <a:srgbClr val="00B050"/>
+                </a:solidFill>
+              </a:rPr>
+              <a:t>dy</a:t>
+            </a:r>
+            <a:r>
+              <a:rPr lang="en-US" dirty="0">
+                <a:solidFill>
+                  <a:srgbClr val="00B050"/>
+                </a:solidFill>
+              </a:rPr>
+              <a:t> = </a:t>
+            </a:r>
+            <a:r>
+              <a:rPr lang="en-US" dirty="0" err="1">
+                <a:solidFill>
+                  <a:srgbClr val="00B050"/>
+                </a:solidFill>
+              </a:rPr>
+              <a:t>sidewards</a:t>
+            </a:r>
+            <a:r>
+              <a:rPr lang="en-US" dirty="0">
+                <a:solidFill>
+                  <a:srgbClr val="00B050"/>
+                </a:solidFill>
+              </a:rPr>
+              <a:t> speed, </a:t>
+            </a:r>
+            <a:r>
+              <a:rPr lang="en-US" dirty="0" err="1">
+                <a:solidFill>
+                  <a:srgbClr val="00B050"/>
+                </a:solidFill>
+              </a:rPr>
+              <a:t>freq</a:t>
+            </a:r>
+            <a:r>
+              <a:rPr lang="en-US" dirty="0">
+                <a:solidFill>
+                  <a:srgbClr val="00B050"/>
+                </a:solidFill>
+              </a:rPr>
+              <a:t> = step frequency.</a:t>
+            </a:r>
+          </a:p>
+          <a:p>
+            <a:r>
+              <a:rPr lang="en-US" dirty="0">
+                <a:solidFill>
+                  <a:srgbClr val="00B050"/>
+                </a:solidFill>
+              </a:rPr>
+              <a:t>    Allows Nao to move in a certain direction</a:t>
+            </a:r>
+          </a:p>
+          <a:p>
+            <a:r>
+              <a:rPr lang="en-US" dirty="0">
+                <a:solidFill>
+                  <a:srgbClr val="00B050"/>
+                </a:solidFill>
+              </a:rPr>
+              <a:t>    with a certain speed.</a:t>
+            </a:r>
+          </a:p>
+          <a:p>
+            <a:r>
+              <a:rPr lang="en-US" dirty="0">
+                <a:solidFill>
+                  <a:srgbClr val="00B050"/>
+                </a:solidFill>
+              </a:rPr>
+              <a:t>    """</a:t>
+            </a:r>
+          </a:p>
+        </p:txBody>
+      </p:sp>
+    </p:spTree>
+    <p:extLst>
+      <p:ext uri="{BB962C8B-B14F-4D97-AF65-F5344CB8AC3E}">
+        <p14:creationId xmlns:p14="http://schemas.microsoft.com/office/powerpoint/2010/main" val="367854103"/>
+      </p:ext>
+    </p:extLst>
+  </p:cSld>
+  <p:clrMapOvr>
+    <a:masterClrMapping/>
+  </p:clrMapOvr>
 </p:sld>
 </file>
 
@@ -7209,54 +9173,34 @@
           <a:p>
             <a:r>
               <a:rPr lang="en-US" dirty="0" smtClean="0"/>
-              <a:t>The sonar needs to be initialized before it can be used</a:t>
+              <a:t>You </a:t>
+            </a:r>
+            <a:r>
+              <a:rPr lang="en-US" dirty="0" smtClean="0"/>
+              <a:t>can also specify which proxies (default [0]) and which port number (default 9559)</a:t>
             </a:r>
           </a:p>
           <a:p>
             <a:pPr marL="0" indent="0">
               <a:buNone/>
             </a:pPr>
-            <a:endParaRPr lang="en-US" dirty="0" smtClean="0"/>
-          </a:p>
-          <a:p>
-            <a:endParaRPr lang="en-US" dirty="0"/>
-          </a:p>
-          <a:p>
-            <a:r>
-              <a:rPr lang="en-US" dirty="0" smtClean="0"/>
-              <a:t>After that the left and right sonar values can be read. It returns the distance in m.</a:t>
-            </a:r>
-          </a:p>
-          <a:p>
-            <a:endParaRPr lang="en-US" dirty="0"/>
-          </a:p>
-          <a:p>
-            <a:endParaRPr lang="en-US" dirty="0" smtClean="0"/>
-          </a:p>
-          <a:p>
-            <a:r>
-              <a:rPr lang="en-US" dirty="0" smtClean="0"/>
-              <a:t>Turn it off using:</a:t>
-            </a:r>
-          </a:p>
-          <a:p>
-            <a:endParaRPr lang="en-US" dirty="0"/>
-          </a:p>
-          <a:p>
-            <a:endParaRPr lang="en-US" dirty="0"/>
-          </a:p>
-        </p:txBody>
-      </p:sp>
-      <p:sp>
-        <p:nvSpPr>
-          <p:cNvPr id="7" name="Rectangle 6"/>
+            <a:endParaRPr lang="en-US" dirty="0"/>
+          </a:p>
+          <a:p>
+            <a:endParaRPr lang="en-US" dirty="0"/>
+          </a:p>
+        </p:txBody>
+      </p:sp>
+      <p:sp>
+        <p:nvSpPr>
+          <p:cNvPr id="8" name="Rectangle 7"/>
           <p:cNvSpPr/>
           <p:nvPr/>
         </p:nvSpPr>
         <p:spPr>
           <a:xfrm>
-            <a:off x="877749" y="2102248"/>
-            <a:ext cx="6741862" cy="369332"/>
+            <a:off x="877749" y="2158500"/>
+            <a:ext cx="6741862" cy="1754326"/>
           </a:xfrm>
           <a:prstGeom prst="rect">
             <a:avLst/>
@@ -7269,91 +9213,101 @@
           <a:lstStyle/>
           <a:p>
             <a:r>
-              <a:rPr lang="en-US" dirty="0" err="1" smtClean="0"/>
-              <a:t>nao.InitSonar</a:t>
-            </a:r>
-            <a:r>
-              <a:rPr lang="en-US" dirty="0" smtClean="0"/>
-              <a:t>(True)</a:t>
-            </a:r>
-            <a:endParaRPr lang="en-US" dirty="0"/>
-          </a:p>
-        </p:txBody>
-      </p:sp>
-      <p:sp>
-        <p:nvSpPr>
-          <p:cNvPr id="6" name="Rectangle 5"/>
-          <p:cNvSpPr/>
-          <p:nvPr/>
-        </p:nvSpPr>
-        <p:spPr>
-          <a:xfrm>
-            <a:off x="877749" y="3759888"/>
-            <a:ext cx="6741862" cy="369332"/>
-          </a:xfrm>
-          <a:prstGeom prst="rect">
-            <a:avLst/>
-          </a:prstGeom>
-        </p:spPr>
-        <p:txBody>
-          <a:bodyPr wrap="square">
-            <a:spAutoFit/>
-          </a:bodyPr>
-          <a:lstStyle/>
-          <a:p>
-            <a:r>
-              <a:rPr lang="en-US" dirty="0" smtClean="0"/>
-              <a:t>[SL, SR]=</a:t>
-            </a:r>
-            <a:r>
-              <a:rPr lang="en-US" dirty="0" err="1" smtClean="0"/>
-              <a:t>nao.ReadSonar</a:t>
-            </a:r>
-            <a:r>
-              <a:rPr lang="en-US" dirty="0" smtClean="0"/>
-              <a:t>()</a:t>
-            </a:r>
-            <a:endParaRPr lang="en-US" dirty="0"/>
-          </a:p>
-        </p:txBody>
-      </p:sp>
-      <p:sp>
-        <p:nvSpPr>
-          <p:cNvPr id="8" name="Rectangle 7"/>
-          <p:cNvSpPr/>
-          <p:nvPr/>
-        </p:nvSpPr>
-        <p:spPr>
-          <a:xfrm>
-            <a:off x="877749" y="5108750"/>
-            <a:ext cx="6741862" cy="369332"/>
-          </a:xfrm>
-          <a:prstGeom prst="rect">
-            <a:avLst/>
-          </a:prstGeom>
-        </p:spPr>
-        <p:txBody>
-          <a:bodyPr wrap="square">
-            <a:spAutoFit/>
-          </a:bodyPr>
-          <a:lstStyle/>
-          <a:p>
-            <a:r>
-              <a:rPr lang="en-US" dirty="0" err="1" smtClean="0"/>
-              <a:t>nao.InitSonar</a:t>
-            </a:r>
-            <a:r>
-              <a:rPr lang="en-US" dirty="0" smtClean="0"/>
-              <a:t>(False)</a:t>
-            </a:r>
-            <a:endParaRPr lang="en-US" dirty="0"/>
+              <a:rPr lang="en-US" dirty="0"/>
+              <a:t>i</a:t>
+            </a:r>
+            <a:r>
+              <a:rPr lang="en-US" dirty="0" smtClean="0"/>
+              <a:t>mport nao_nocv_2_0 as </a:t>
+            </a:r>
+            <a:r>
+              <a:rPr lang="en-US" dirty="0" err="1" smtClean="0"/>
+              <a:t>nao</a:t>
+            </a:r>
+            <a:endParaRPr lang="en-US" dirty="0" smtClean="0"/>
+          </a:p>
+          <a:p>
+            <a:endParaRPr lang="en-US" dirty="0" smtClean="0"/>
+          </a:p>
+          <a:p>
+            <a:r>
+              <a:rPr lang="en-US" dirty="0" err="1"/>
+              <a:t>r</a:t>
+            </a:r>
+            <a:r>
+              <a:rPr lang="en-US" dirty="0" err="1" smtClean="0"/>
+              <a:t>obot_IP</a:t>
+            </a:r>
+            <a:r>
+              <a:rPr lang="en-US" dirty="0" smtClean="0"/>
+              <a:t>=“192.168.0.115”</a:t>
+            </a:r>
+            <a:endParaRPr lang="en-US" dirty="0"/>
+          </a:p>
+          <a:p>
+            <a:r>
+              <a:rPr lang="en-US" dirty="0" err="1" smtClean="0"/>
+              <a:t>robot_PORT</a:t>
+            </a:r>
+            <a:r>
+              <a:rPr lang="en-US" dirty="0" smtClean="0"/>
+              <a:t>=52030</a:t>
+            </a:r>
+          </a:p>
+          <a:p>
+            <a:r>
+              <a:rPr lang="en-US" dirty="0" err="1"/>
+              <a:t>p</a:t>
+            </a:r>
+            <a:r>
+              <a:rPr lang="en-US" dirty="0" err="1" smtClean="0"/>
+              <a:t>roxy_list</a:t>
+            </a:r>
+            <a:r>
+              <a:rPr lang="en-US" dirty="0" smtClean="0"/>
+              <a:t>=[1 2 3]</a:t>
+            </a:r>
+          </a:p>
+          <a:p>
+            <a:r>
+              <a:rPr lang="en-US" dirty="0" err="1" smtClean="0"/>
+              <a:t>nao.InitProxy</a:t>
+            </a:r>
+            <a:r>
+              <a:rPr lang="en-US" dirty="0" smtClean="0"/>
+              <a:t>(</a:t>
+            </a:r>
+            <a:r>
+              <a:rPr lang="en-US" dirty="0" err="1" smtClean="0"/>
+              <a:t>robot_IP</a:t>
+            </a:r>
+            <a:r>
+              <a:rPr lang="en-US" dirty="0" smtClean="0"/>
+              <a:t>, </a:t>
+            </a:r>
+            <a:r>
+              <a:rPr lang="en-US" dirty="0" err="1" smtClean="0"/>
+              <a:t>proxy_list</a:t>
+            </a:r>
+            <a:r>
+              <a:rPr lang="en-US" dirty="0" smtClean="0"/>
+              <a:t>, </a:t>
+            </a:r>
+            <a:r>
+              <a:rPr lang="en-US" dirty="0" err="1" smtClean="0"/>
+              <a:t>robot_PORT</a:t>
+            </a:r>
+            <a:r>
+              <a:rPr lang="en-US" dirty="0" smtClean="0"/>
+              <a:t>)</a:t>
+            </a:r>
           </a:p>
         </p:txBody>
       </p:sp>
     </p:spTree>
     <p:extLst>
       <p:ext uri="{BB962C8B-B14F-4D97-AF65-F5344CB8AC3E}">
-        <p14:creationId xmlns:p14="http://schemas.microsoft.com/office/powerpoint/2010/main" val="3800795502"/>
+        <p14:creationId xmlns:p14="http://schemas.microsoft.com/office/powerpoint/2010/main" val="3925132765"/>
       </p:ext>
     </p:extLst>
   </p:cSld>
@@ -7402,14 +9356,6 @@
           <a:bodyPr/>
           <a:lstStyle/>
           <a:p>
-            <a:r>
-              <a:rPr lang="en-US" dirty="0" smtClean="0"/>
-              <a:t>Using </a:t>
-            </a:r>
-            <a:r>
-              <a:rPr lang="en-US" dirty="0" err="1" smtClean="0"/>
-              <a:t>nao.py</a:t>
-            </a:r>
             <a:endParaRPr lang="en-US" dirty="0"/>
           </a:p>
         </p:txBody>
@@ -7429,61 +9375,29 @@
           <a:bodyPr/>
           <a:lstStyle/>
           <a:p>
-            <a:r>
-              <a:rPr lang="en-US" dirty="0" smtClean="0"/>
-              <a:t>The </a:t>
-            </a:r>
-            <a:r>
-              <a:rPr lang="en-US" dirty="0" err="1" smtClean="0"/>
-              <a:t>videocamera</a:t>
-            </a:r>
-            <a:r>
-              <a:rPr lang="en-US" dirty="0" smtClean="0"/>
-              <a:t> needs to be initialized before it can be used</a:t>
-            </a:r>
-          </a:p>
-          <a:p>
             <a:pPr marL="0" indent="0">
               <a:buNone/>
             </a:pPr>
-            <a:endParaRPr lang="en-US" dirty="0" smtClean="0"/>
-          </a:p>
-          <a:p>
-            <a:endParaRPr lang="en-US" dirty="0" smtClean="0"/>
-          </a:p>
-          <a:p>
-            <a:endParaRPr lang="en-US" dirty="0" smtClean="0"/>
-          </a:p>
-          <a:p>
-            <a:endParaRPr lang="en-US" dirty="0"/>
-          </a:p>
-          <a:p>
-            <a:r>
-              <a:rPr lang="en-US" dirty="0" smtClean="0"/>
-              <a:t>To retrieve an image use (with </a:t>
-            </a:r>
-            <a:r>
-              <a:rPr lang="en-US" dirty="0" err="1" smtClean="0"/>
-              <a:t>openCV</a:t>
-            </a:r>
-            <a:r>
-              <a:rPr lang="en-US" dirty="0" smtClean="0"/>
-              <a:t> only)</a:t>
-            </a:r>
-          </a:p>
-          <a:p>
-            <a:endParaRPr lang="en-US" dirty="0"/>
-          </a:p>
-          <a:p>
-            <a:endParaRPr lang="en-US" dirty="0" smtClean="0"/>
-          </a:p>
-          <a:p>
-            <a:pPr marL="0" indent="0">
-              <a:buNone/>
-            </a:pPr>
-            <a:endParaRPr lang="en-US" dirty="0"/>
-          </a:p>
-          <a:p>
+            <a:r>
+              <a:rPr lang="en-US" dirty="0" err="1"/>
+              <a:t>p</a:t>
+            </a:r>
+            <a:r>
+              <a:rPr lang="en-US" dirty="0" err="1" smtClean="0"/>
+              <a:t>roxy_list</a:t>
+            </a:r>
+            <a:r>
+              <a:rPr lang="en-US" dirty="0"/>
+              <a:t>	</a:t>
+            </a:r>
+            <a:r>
+              <a:rPr lang="en-US" dirty="0" err="1" smtClean="0"/>
+              <a:t>naoqi</a:t>
+            </a:r>
+            <a:r>
+              <a:rPr lang="en-US" dirty="0" smtClean="0"/>
+              <a:t>			nao.py</a:t>
+            </a:r>
             <a:endParaRPr lang="en-US" dirty="0"/>
           </a:p>
         </p:txBody>
@@ -7496,8 +9410,8 @@
         </p:nvSpPr>
         <p:spPr>
           <a:xfrm>
-            <a:off x="877749" y="2102248"/>
-            <a:ext cx="6741862" cy="1200329"/>
+            <a:off x="4880218" y="1752929"/>
+            <a:ext cx="3766579" cy="4524316"/>
           </a:xfrm>
           <a:prstGeom prst="rect">
             <a:avLst/>
@@ -7510,74 +9424,285 @@
           <a:lstStyle/>
           <a:p>
             <a:r>
-              <a:rPr lang="en-US" dirty="0" err="1" smtClean="0"/>
-              <a:t>nao.InitVideo</a:t>
-            </a:r>
-            <a:r>
-              <a:rPr lang="en-US" dirty="0" smtClean="0"/>
-              <a:t>(resolution)</a:t>
-            </a:r>
-          </a:p>
-          <a:p>
-            <a:endParaRPr lang="en-US" dirty="0"/>
-          </a:p>
-          <a:p>
-            <a:r>
-              <a:rPr lang="pt-BR" dirty="0" smtClean="0"/>
-              <a:t>#</a:t>
-            </a:r>
-            <a:r>
-              <a:rPr lang="pt-BR" dirty="0" err="1" smtClean="0"/>
-              <a:t>resolution</a:t>
-            </a:r>
-            <a:r>
-              <a:rPr lang="pt-BR" dirty="0" smtClean="0"/>
+              <a:rPr lang="en-US" sz="1600" dirty="0"/>
+              <a:t> global </a:t>
+            </a:r>
+            <a:r>
+              <a:rPr lang="en-US" sz="1600" dirty="0" err="1"/>
+              <a:t>audioProxy</a:t>
+            </a:r>
+            <a:endParaRPr lang="en-US" sz="1600" dirty="0"/>
+          </a:p>
+          <a:p>
+            <a:r>
+              <a:rPr lang="en-US" sz="1600" dirty="0"/>
               <a:t> </a:t>
             </a:r>
             <a:r>
-              <a:rPr lang="pt-BR" dirty="0" err="1" smtClean="0"/>
-              <a:t>is</a:t>
-            </a:r>
-            <a:r>
-              <a:rPr lang="pt-BR" dirty="0" smtClean="0"/>
-              <a:t> 0, 1, 2, 3 </a:t>
-            </a:r>
-            <a:r>
-              <a:rPr lang="pt-BR" dirty="0" err="1" smtClean="0"/>
-              <a:t>corresponding</a:t>
-            </a:r>
-            <a:r>
-              <a:rPr lang="pt-BR" dirty="0" smtClean="0"/>
+              <a:rPr lang="en-US" sz="1600" dirty="0" smtClean="0"/>
+              <a:t>global </a:t>
+            </a:r>
+            <a:r>
+              <a:rPr lang="en-US" sz="1600" dirty="0" err="1"/>
+              <a:t>motionProxy</a:t>
+            </a:r>
+            <a:endParaRPr lang="en-US" sz="1600" dirty="0"/>
+          </a:p>
+          <a:p>
+            <a:r>
+              <a:rPr lang="en-US" sz="1600" dirty="0"/>
               <a:t> </a:t>
             </a:r>
             <a:r>
-              <a:rPr lang="pt-BR" dirty="0" err="1" smtClean="0"/>
-              <a:t>to</a:t>
-            </a:r>
-            <a:r>
-              <a:rPr lang="pt-BR" dirty="0" smtClean="0"/>
+              <a:rPr lang="en-US" sz="1600" dirty="0" smtClean="0"/>
+              <a:t>global </a:t>
+            </a:r>
+            <a:r>
+              <a:rPr lang="en-US" sz="1600" dirty="0" err="1"/>
+              <a:t>memoryProxy</a:t>
+            </a:r>
+            <a:endParaRPr lang="en-US" sz="1600" dirty="0"/>
+          </a:p>
+          <a:p>
+            <a:r>
+              <a:rPr lang="en-US" sz="1600" dirty="0"/>
               <a:t> </a:t>
             </a:r>
-          </a:p>
-          <a:p>
-            <a:r>
-              <a:rPr lang="pt-BR" dirty="0" smtClean="0"/>
-              <a:t>#[160,120],[320,240],[640,480],[1280,960]</a:t>
-            </a:r>
-            <a:endParaRPr lang="en-US" dirty="0"/>
-          </a:p>
-        </p:txBody>
-      </p:sp>
-      <p:sp>
-        <p:nvSpPr>
-          <p:cNvPr id="6" name="Rectangle 5"/>
+            <a:r>
+              <a:rPr lang="en-US" sz="1600" dirty="0" smtClean="0"/>
+              <a:t>global </a:t>
+            </a:r>
+            <a:r>
+              <a:rPr lang="en-US" sz="1600" dirty="0" err="1"/>
+              <a:t>cameraProxy</a:t>
+            </a:r>
+            <a:endParaRPr lang="en-US" sz="1600" dirty="0"/>
+          </a:p>
+          <a:p>
+            <a:r>
+              <a:rPr lang="en-US" sz="1600" dirty="0"/>
+              <a:t> </a:t>
+            </a:r>
+            <a:r>
+              <a:rPr lang="en-US" sz="1600" dirty="0" smtClean="0"/>
+              <a:t>global </a:t>
+            </a:r>
+            <a:r>
+              <a:rPr lang="en-US" sz="1600" dirty="0" err="1"/>
+              <a:t>faceProxy</a:t>
+            </a:r>
+            <a:endParaRPr lang="en-US" sz="1600" dirty="0"/>
+          </a:p>
+          <a:p>
+            <a:r>
+              <a:rPr lang="en-US" sz="1600" dirty="0"/>
+              <a:t> </a:t>
+            </a:r>
+            <a:r>
+              <a:rPr lang="en-US" sz="1600" dirty="0" smtClean="0"/>
+              <a:t>global </a:t>
+            </a:r>
+            <a:r>
+              <a:rPr lang="en-US" sz="1600" dirty="0" err="1"/>
+              <a:t>ledProxy</a:t>
+            </a:r>
+            <a:endParaRPr lang="en-US" sz="1600" dirty="0"/>
+          </a:p>
+          <a:p>
+            <a:r>
+              <a:rPr lang="en-US" sz="1600" dirty="0"/>
+              <a:t> </a:t>
+            </a:r>
+            <a:r>
+              <a:rPr lang="en-US" sz="1600" dirty="0" smtClean="0"/>
+              <a:t>global </a:t>
+            </a:r>
+            <a:r>
+              <a:rPr lang="en-US" sz="1600" dirty="0" err="1"/>
+              <a:t>tts</a:t>
+            </a:r>
+            <a:endParaRPr lang="en-US" sz="1600" dirty="0"/>
+          </a:p>
+          <a:p>
+            <a:r>
+              <a:rPr lang="en-US" sz="1600" dirty="0"/>
+              <a:t> </a:t>
+            </a:r>
+            <a:r>
+              <a:rPr lang="en-US" sz="1600" dirty="0" smtClean="0"/>
+              <a:t>global </a:t>
+            </a:r>
+            <a:r>
+              <a:rPr lang="en-US" sz="1600" dirty="0" err="1"/>
+              <a:t>trackfaceProxy</a:t>
+            </a:r>
+            <a:endParaRPr lang="en-US" sz="1600" dirty="0"/>
+          </a:p>
+          <a:p>
+            <a:r>
+              <a:rPr lang="en-US" sz="1600" dirty="0"/>
+              <a:t> </a:t>
+            </a:r>
+            <a:r>
+              <a:rPr lang="en-US" sz="1600" dirty="0" smtClean="0"/>
+              <a:t>global </a:t>
+            </a:r>
+            <a:r>
+              <a:rPr lang="en-US" sz="1600" dirty="0" err="1"/>
+              <a:t>playProxy</a:t>
+            </a:r>
+            <a:endParaRPr lang="en-US" sz="1600" dirty="0"/>
+          </a:p>
+          <a:p>
+            <a:r>
+              <a:rPr lang="en-US" sz="1600" dirty="0"/>
+              <a:t> </a:t>
+            </a:r>
+            <a:r>
+              <a:rPr lang="en-US" sz="1600" dirty="0" smtClean="0"/>
+              <a:t>global </a:t>
+            </a:r>
+            <a:r>
+              <a:rPr lang="en-US" sz="1600" dirty="0" err="1"/>
+              <a:t>videoProxy</a:t>
+            </a:r>
+            <a:endParaRPr lang="en-US" sz="1600" dirty="0"/>
+          </a:p>
+          <a:p>
+            <a:r>
+              <a:rPr lang="en-US" sz="1600" dirty="0"/>
+              <a:t> </a:t>
+            </a:r>
+            <a:r>
+              <a:rPr lang="en-US" sz="1600" dirty="0" smtClean="0"/>
+              <a:t>global </a:t>
+            </a:r>
+            <a:r>
+              <a:rPr lang="en-US" sz="1600" dirty="0" err="1"/>
+              <a:t>asr</a:t>
+            </a:r>
+            <a:endParaRPr lang="en-US" sz="1600" dirty="0"/>
+          </a:p>
+          <a:p>
+            <a:r>
+              <a:rPr lang="en-US" sz="1600" dirty="0"/>
+              <a:t> </a:t>
+            </a:r>
+            <a:r>
+              <a:rPr lang="en-US" sz="1600" dirty="0" smtClean="0"/>
+              <a:t>global </a:t>
+            </a:r>
+            <a:r>
+              <a:rPr lang="en-US" sz="1600" dirty="0" err="1"/>
+              <a:t>speechProxy</a:t>
+            </a:r>
+            <a:r>
+              <a:rPr lang="en-US" sz="1600" dirty="0"/>
+              <a:t> # same as </a:t>
+            </a:r>
+            <a:r>
+              <a:rPr lang="en-US" sz="1600" dirty="0" err="1"/>
+              <a:t>asr</a:t>
+            </a:r>
+            <a:r>
+              <a:rPr lang="en-US" sz="1600" dirty="0"/>
+              <a:t> </a:t>
+            </a:r>
+          </a:p>
+          <a:p>
+            <a:r>
+              <a:rPr lang="en-US" sz="1600" dirty="0"/>
+              <a:t> </a:t>
+            </a:r>
+            <a:r>
+              <a:rPr lang="en-US" sz="1600" dirty="0" smtClean="0"/>
+              <a:t>global </a:t>
+            </a:r>
+            <a:r>
+              <a:rPr lang="en-US" sz="1600" dirty="0" err="1"/>
+              <a:t>sonarProxy</a:t>
+            </a:r>
+            <a:endParaRPr lang="en-US" sz="1600" dirty="0"/>
+          </a:p>
+          <a:p>
+            <a:r>
+              <a:rPr lang="en-US" sz="1600" dirty="0"/>
+              <a:t> </a:t>
+            </a:r>
+            <a:r>
+              <a:rPr lang="en-US" sz="1600" dirty="0" smtClean="0"/>
+              <a:t>global </a:t>
+            </a:r>
+            <a:r>
+              <a:rPr lang="en-US" sz="1600" dirty="0" err="1"/>
+              <a:t>postureProxy</a:t>
+            </a:r>
+            <a:endParaRPr lang="en-US" sz="1600" dirty="0"/>
+          </a:p>
+          <a:p>
+            <a:r>
+              <a:rPr lang="en-US" sz="1600" dirty="0"/>
+              <a:t> </a:t>
+            </a:r>
+            <a:r>
+              <a:rPr lang="en-US" sz="1600" dirty="0" smtClean="0"/>
+              <a:t>global </a:t>
+            </a:r>
+            <a:r>
+              <a:rPr lang="en-US" sz="1600" dirty="0" err="1"/>
+              <a:t>landmarkProxy</a:t>
+            </a:r>
+            <a:endParaRPr lang="en-US" sz="1600" dirty="0"/>
+          </a:p>
+          <a:p>
+            <a:r>
+              <a:rPr lang="en-US" sz="1600" dirty="0" smtClean="0"/>
+              <a:t> global </a:t>
+            </a:r>
+            <a:r>
+              <a:rPr lang="en-US" sz="1600" dirty="0" err="1"/>
+              <a:t>soundProxy</a:t>
+            </a:r>
+            <a:endParaRPr lang="en-US" sz="1600" dirty="0"/>
+          </a:p>
+          <a:p>
+            <a:r>
+              <a:rPr lang="en-US" sz="1600" dirty="0"/>
+              <a:t> </a:t>
+            </a:r>
+            <a:r>
+              <a:rPr lang="en-US" sz="1600" dirty="0" smtClean="0"/>
+              <a:t>global </a:t>
+            </a:r>
+            <a:r>
+              <a:rPr lang="en-US" sz="1600" dirty="0" err="1" smtClean="0"/>
+              <a:t>soundLocalizationProxy</a:t>
+            </a:r>
+            <a:endParaRPr lang="en-US" sz="1600" dirty="0" smtClean="0"/>
+          </a:p>
+          <a:p>
+            <a:r>
+              <a:rPr lang="en-US" sz="1600" dirty="0"/>
+              <a:t> global </a:t>
+            </a:r>
+            <a:r>
+              <a:rPr lang="en-US" sz="1600" dirty="0" err="1" smtClean="0"/>
+              <a:t>trackerProxy</a:t>
+            </a:r>
+            <a:endParaRPr lang="en-US" sz="1600" dirty="0"/>
+          </a:p>
+        </p:txBody>
+      </p:sp>
+      <p:sp>
+        <p:nvSpPr>
+          <p:cNvPr id="8" name="Rectangle 7"/>
           <p:cNvSpPr/>
           <p:nvPr/>
         </p:nvSpPr>
         <p:spPr>
           <a:xfrm>
-            <a:off x="877749" y="4152042"/>
-            <a:ext cx="6741862" cy="369332"/>
+            <a:off x="1960370" y="1752929"/>
+            <a:ext cx="3032036" cy="4524316"/>
           </a:xfrm>
           <a:prstGeom prst="rect">
             <a:avLst/>
@@ -7590,25 +9715,381 @@
           <a:lstStyle/>
           <a:p>
             <a:r>
-              <a:rPr lang="en-US" dirty="0" smtClean="0"/>
-              <a:t>Image=</a:t>
-            </a:r>
-            <a:r>
-              <a:rPr lang="en-US" dirty="0" err="1" smtClean="0"/>
-              <a:t>nao.GetImage</a:t>
-            </a:r>
-            <a:r>
-              <a:rPr lang="en-US" dirty="0" smtClean="0"/>
-              <a:t>()</a:t>
-            </a:r>
-            <a:endParaRPr lang="en-US" dirty="0"/>
+              <a:rPr lang="en-US" sz="1600" dirty="0" smtClean="0"/>
+              <a:t>"</a:t>
+            </a:r>
+            <a:r>
+              <a:rPr lang="en-US" sz="1600" dirty="0" err="1" smtClean="0"/>
+              <a:t>ALAudioDevice</a:t>
+            </a:r>
+            <a:r>
+              <a:rPr lang="en-US" sz="1600" dirty="0" smtClean="0"/>
+              <a:t>”</a:t>
+            </a:r>
+          </a:p>
+          <a:p>
+            <a:r>
+              <a:rPr lang="en-US" sz="1600" dirty="0" smtClean="0"/>
+              <a:t>"</a:t>
+            </a:r>
+            <a:r>
+              <a:rPr lang="en-US" sz="1600" dirty="0" err="1" smtClean="0"/>
+              <a:t>ALMotion</a:t>
+            </a:r>
+            <a:r>
+              <a:rPr lang="en-US" sz="1600" dirty="0" smtClean="0"/>
+              <a:t>”</a:t>
+            </a:r>
+          </a:p>
+          <a:p>
+            <a:r>
+              <a:rPr lang="en-US" sz="1600" dirty="0" smtClean="0"/>
+              <a:t>"</a:t>
+            </a:r>
+            <a:r>
+              <a:rPr lang="en-US" sz="1600" dirty="0" err="1" smtClean="0"/>
+              <a:t>ALMemory</a:t>
+            </a:r>
+            <a:r>
+              <a:rPr lang="en-US" sz="1600" dirty="0" smtClean="0"/>
+              <a:t>”</a:t>
+            </a:r>
+          </a:p>
+          <a:p>
+            <a:r>
+              <a:rPr lang="en-US" sz="1600" dirty="0" smtClean="0"/>
+              <a:t>"</a:t>
+            </a:r>
+            <a:r>
+              <a:rPr lang="en-US" sz="1600" dirty="0" err="1" smtClean="0"/>
+              <a:t>ALVideoDevice</a:t>
+            </a:r>
+            <a:r>
+              <a:rPr lang="en-US" sz="1600" dirty="0" smtClean="0"/>
+              <a:t>”</a:t>
+            </a:r>
+          </a:p>
+          <a:p>
+            <a:r>
+              <a:rPr lang="en-US" sz="1600" dirty="0" smtClean="0"/>
+              <a:t>"</a:t>
+            </a:r>
+            <a:r>
+              <a:rPr lang="en-US" sz="1600" dirty="0" err="1" smtClean="0"/>
+              <a:t>ALFaceDetection</a:t>
+            </a:r>
+            <a:r>
+              <a:rPr lang="en-US" sz="1600" dirty="0" smtClean="0"/>
+              <a:t>”</a:t>
+            </a:r>
+          </a:p>
+          <a:p>
+            <a:r>
+              <a:rPr lang="en-US" sz="1600" dirty="0" smtClean="0"/>
+              <a:t>"</a:t>
+            </a:r>
+            <a:r>
+              <a:rPr lang="en-US" sz="1600" dirty="0" err="1" smtClean="0"/>
+              <a:t>ALLeds</a:t>
+            </a:r>
+            <a:r>
+              <a:rPr lang="en-US" sz="1600" dirty="0" smtClean="0"/>
+              <a:t>”</a:t>
+            </a:r>
+          </a:p>
+          <a:p>
+            <a:r>
+              <a:rPr lang="en-US" sz="1600" dirty="0" smtClean="0"/>
+              <a:t>"</a:t>
+            </a:r>
+            <a:r>
+              <a:rPr lang="en-US" sz="1600" dirty="0" err="1" smtClean="0"/>
+              <a:t>ALTextToSpeech</a:t>
+            </a:r>
+            <a:r>
+              <a:rPr lang="en-US" sz="1600" dirty="0" smtClean="0"/>
+              <a:t>”</a:t>
+            </a:r>
+          </a:p>
+          <a:p>
+            <a:r>
+              <a:rPr lang="en-US" sz="1600" dirty="0" smtClean="0"/>
+              <a:t>"</a:t>
+            </a:r>
+            <a:r>
+              <a:rPr lang="en-US" sz="1600" dirty="0" err="1" smtClean="0"/>
+              <a:t>ALFaceTracker</a:t>
+            </a:r>
+            <a:r>
+              <a:rPr lang="en-US" sz="1600" dirty="0" smtClean="0"/>
+              <a:t>”</a:t>
+            </a:r>
+          </a:p>
+          <a:p>
+            <a:r>
+              <a:rPr lang="en-US" sz="1600" dirty="0" smtClean="0"/>
+              <a:t>"</a:t>
+            </a:r>
+            <a:r>
+              <a:rPr lang="en-US" sz="1600" dirty="0" err="1" smtClean="0"/>
+              <a:t>ALAudioPlayer</a:t>
+            </a:r>
+            <a:r>
+              <a:rPr lang="en-US" sz="1600" dirty="0" smtClean="0"/>
+              <a:t>”</a:t>
+            </a:r>
+          </a:p>
+          <a:p>
+            <a:r>
+              <a:rPr lang="en-US" sz="1600" dirty="0" smtClean="0"/>
+              <a:t>"</a:t>
+            </a:r>
+            <a:r>
+              <a:rPr lang="en-US" sz="1600" dirty="0" err="1" smtClean="0"/>
+              <a:t>ALVideoRecorder</a:t>
+            </a:r>
+            <a:r>
+              <a:rPr lang="en-US" sz="1600" dirty="0" smtClean="0"/>
+              <a:t>”</a:t>
+            </a:r>
+          </a:p>
+          <a:p>
+            <a:r>
+              <a:rPr lang="en-US" sz="1600" dirty="0" smtClean="0"/>
+              <a:t>"</a:t>
+            </a:r>
+            <a:r>
+              <a:rPr lang="en-US" sz="1600" dirty="0" err="1" smtClean="0"/>
+              <a:t>ALSpeechRecognition</a:t>
+            </a:r>
+            <a:r>
+              <a:rPr lang="en-US" sz="1600" dirty="0" smtClean="0"/>
+              <a:t>”</a:t>
+            </a:r>
+          </a:p>
+          <a:p>
+            <a:endParaRPr lang="en-US" sz="1600" dirty="0" smtClean="0"/>
+          </a:p>
+          <a:p>
+            <a:r>
+              <a:rPr lang="en-US" sz="1600" dirty="0" smtClean="0"/>
+              <a:t>"</a:t>
+            </a:r>
+            <a:r>
+              <a:rPr lang="en-US" sz="1600" dirty="0" err="1" smtClean="0"/>
+              <a:t>ALSonar</a:t>
+            </a:r>
+            <a:r>
+              <a:rPr lang="en-US" sz="1600" dirty="0" smtClean="0"/>
+              <a:t>”</a:t>
+            </a:r>
+          </a:p>
+          <a:p>
+            <a:r>
+              <a:rPr lang="en-US" sz="1600" dirty="0" smtClean="0"/>
+              <a:t>"</a:t>
+            </a:r>
+            <a:r>
+              <a:rPr lang="en-US" sz="1600" dirty="0" err="1" smtClean="0"/>
+              <a:t>ALRobotPosture</a:t>
+            </a:r>
+            <a:r>
+              <a:rPr lang="en-US" sz="1600" dirty="0" smtClean="0"/>
+              <a:t>”</a:t>
+            </a:r>
+          </a:p>
+          <a:p>
+            <a:r>
+              <a:rPr lang="en-US" sz="1600" dirty="0"/>
+              <a:t>"</a:t>
+            </a:r>
+            <a:r>
+              <a:rPr lang="en-US" sz="1600" dirty="0" err="1"/>
+              <a:t>ALLandMarkDetection</a:t>
+            </a:r>
+            <a:r>
+              <a:rPr lang="en-US" sz="1600" dirty="0"/>
+              <a:t>"</a:t>
+            </a:r>
+            <a:endParaRPr lang="en-US" sz="1600" dirty="0" smtClean="0"/>
+          </a:p>
+          <a:p>
+            <a:r>
+              <a:rPr lang="en-US" sz="1600" dirty="0"/>
+              <a:t>"</a:t>
+            </a:r>
+            <a:r>
+              <a:rPr lang="en-US" sz="1600" dirty="0" err="1" smtClean="0"/>
+              <a:t>ALSoundDetection</a:t>
+            </a:r>
+            <a:r>
+              <a:rPr lang="en-US" sz="1600" dirty="0" smtClean="0"/>
+              <a:t>”</a:t>
+            </a:r>
+          </a:p>
+          <a:p>
+            <a:r>
+              <a:rPr lang="en-US" sz="1600" dirty="0"/>
+              <a:t>"</a:t>
+            </a:r>
+            <a:r>
+              <a:rPr lang="en-US" sz="1600" dirty="0" err="1" smtClean="0"/>
+              <a:t>ALAudioSourceLocalization</a:t>
+            </a:r>
+            <a:r>
+              <a:rPr lang="en-US" sz="1600" dirty="0" smtClean="0"/>
+              <a:t>”</a:t>
+            </a:r>
+          </a:p>
+          <a:p>
+            <a:r>
+              <a:rPr lang="en-US" sz="1600" dirty="0" smtClean="0"/>
+              <a:t>"</a:t>
+            </a:r>
+            <a:r>
+              <a:rPr lang="en-US" sz="1600" dirty="0" err="1" smtClean="0"/>
+              <a:t>ALTracker</a:t>
+            </a:r>
+            <a:r>
+              <a:rPr lang="en-US" sz="1600" dirty="0" smtClean="0"/>
+              <a:t>"</a:t>
+            </a:r>
+            <a:endParaRPr lang="en-US" sz="1600" dirty="0"/>
+          </a:p>
+        </p:txBody>
+      </p:sp>
+      <p:sp>
+        <p:nvSpPr>
+          <p:cNvPr id="6" name="Rectangle 5"/>
+          <p:cNvSpPr/>
+          <p:nvPr/>
+        </p:nvSpPr>
+        <p:spPr>
+          <a:xfrm>
+            <a:off x="927006" y="1752929"/>
+            <a:ext cx="495252" cy="4524315"/>
+          </a:xfrm>
+          <a:prstGeom prst="rect">
+            <a:avLst/>
+          </a:prstGeom>
+        </p:spPr>
+        <p:txBody>
+          <a:bodyPr wrap="square">
+            <a:spAutoFit/>
+          </a:bodyPr>
+          <a:lstStyle/>
+          <a:p>
+            <a:r>
+              <a:rPr lang="en-US" sz="1600" dirty="0" smtClean="0"/>
+              <a:t>1</a:t>
+            </a:r>
+          </a:p>
+          <a:p>
+            <a:r>
+              <a:rPr lang="en-US" sz="1600" dirty="0" smtClean="0"/>
+              <a:t>2</a:t>
+            </a:r>
+          </a:p>
+          <a:p>
+            <a:r>
+              <a:rPr lang="en-US" sz="1600" dirty="0" smtClean="0"/>
+              <a:t>3</a:t>
+            </a:r>
+          </a:p>
+          <a:p>
+            <a:r>
+              <a:rPr lang="en-US" sz="1600" dirty="0" smtClean="0"/>
+              <a:t>4</a:t>
+            </a:r>
+          </a:p>
+          <a:p>
+            <a:r>
+              <a:rPr lang="en-US" sz="1600" dirty="0" smtClean="0"/>
+              <a:t>5</a:t>
+            </a:r>
+          </a:p>
+          <a:p>
+            <a:r>
+              <a:rPr lang="en-US" sz="1600" dirty="0" smtClean="0"/>
+              <a:t>6</a:t>
+            </a:r>
+          </a:p>
+          <a:p>
+            <a:r>
+              <a:rPr lang="en-US" sz="1600" dirty="0" smtClean="0"/>
+              <a:t>7</a:t>
+            </a:r>
+          </a:p>
+          <a:p>
+            <a:r>
+              <a:rPr lang="en-US" sz="1600" dirty="0" smtClean="0"/>
+              <a:t>8</a:t>
+            </a:r>
+          </a:p>
+          <a:p>
+            <a:r>
+              <a:rPr lang="en-US" sz="1600" dirty="0" smtClean="0"/>
+              <a:t>9</a:t>
+            </a:r>
+          </a:p>
+          <a:p>
+            <a:r>
+              <a:rPr lang="en-US" sz="1600" dirty="0" smtClean="0"/>
+              <a:t>10</a:t>
+            </a:r>
+          </a:p>
+          <a:p>
+            <a:r>
+              <a:rPr lang="en-US" sz="1600" dirty="0" smtClean="0"/>
+              <a:t>11</a:t>
+            </a:r>
+          </a:p>
+          <a:p>
+            <a:endParaRPr lang="en-US" sz="1600" dirty="0" smtClean="0"/>
+          </a:p>
+          <a:p>
+            <a:r>
+              <a:rPr lang="en-US" sz="1600" dirty="0" smtClean="0"/>
+              <a:t>12</a:t>
+            </a:r>
+          </a:p>
+          <a:p>
+            <a:r>
+              <a:rPr lang="en-US" sz="1600" dirty="0" smtClean="0"/>
+              <a:t>13</a:t>
+            </a:r>
+          </a:p>
+          <a:p>
+            <a:r>
+              <a:rPr lang="en-US" sz="1600" dirty="0" smtClean="0"/>
+              <a:t>14</a:t>
+            </a:r>
+          </a:p>
+          <a:p>
+            <a:r>
+              <a:rPr lang="en-US" sz="1600" dirty="0" smtClean="0"/>
+              <a:t>15</a:t>
+            </a:r>
+          </a:p>
+          <a:p>
+            <a:r>
+              <a:rPr lang="en-US" sz="1600" dirty="0" smtClean="0"/>
+              <a:t>16</a:t>
+            </a:r>
+          </a:p>
+          <a:p>
+            <a:r>
+              <a:rPr lang="en-US" sz="1600" dirty="0" smtClean="0"/>
+              <a:t>17</a:t>
+            </a:r>
+            <a:endParaRPr lang="en-US" sz="1600" dirty="0"/>
           </a:p>
         </p:txBody>
       </p:sp>
     </p:spTree>
     <p:extLst>
       <p:ext uri="{BB962C8B-B14F-4D97-AF65-F5344CB8AC3E}">
-        <p14:creationId xmlns:p14="http://schemas.microsoft.com/office/powerpoint/2010/main" val="665782683"/>
+        <p14:creationId xmlns:p14="http://schemas.microsoft.com/office/powerpoint/2010/main" val="267477170"/>
       </p:ext>
     </p:extLst>
   </p:cSld>
@@ -7685,12 +10166,16 @@
           <a:lstStyle/>
           <a:p>
             <a:r>
-              <a:rPr lang="en-US" dirty="0" err="1" smtClean="0"/>
-              <a:t>Facetracking</a:t>
-            </a:r>
-            <a:r>
-              <a:rPr lang="en-US" dirty="0" smtClean="0"/>
-              <a:t> can be enabled/disabled with:</a:t>
+              <a:rPr lang="en-US" dirty="0" smtClean="0"/>
+              <a:t>You can use functions from </a:t>
+            </a:r>
+            <a:r>
+              <a:rPr lang="en-US" dirty="0" err="1" smtClean="0"/>
+              <a:t>naoqi</a:t>
+            </a:r>
+            <a:r>
+              <a:rPr lang="en-US" dirty="0" smtClean="0"/>
+              <a:t> directly once the proxies have been initialized:</a:t>
             </a:r>
           </a:p>
           <a:p>
@@ -7706,9 +10191,12 @@
             <a:endParaRPr lang="en-US" dirty="0" smtClean="0"/>
           </a:p>
           <a:p>
-            <a:r>
-              <a:rPr lang="en-US" dirty="0" smtClean="0"/>
-              <a:t>To detect a face use</a:t>
+            <a:endParaRPr lang="en-US" dirty="0"/>
+          </a:p>
+          <a:p>
+            <a:r>
+              <a:rPr lang="en-US" dirty="0" smtClean="0"/>
+              <a:t>Or you use a shorthand from nao.py (if available)</a:t>
             </a:r>
           </a:p>
           <a:p>
@@ -7720,8 +10208,25 @@
           <a:p>
             <a:r>
               <a:rPr lang="en-US" dirty="0" smtClean="0"/>
-              <a:t>Search for a face using</a:t>
-            </a:r>
+              <a:t>The numbers are the </a:t>
+            </a:r>
+            <a:r>
+              <a:rPr lang="en-US" dirty="0" smtClean="0">
+                <a:solidFill>
+                  <a:schemeClr val="bg1"/>
+                </a:solidFill>
+              </a:rPr>
+              <a:t>normalized</a:t>
+            </a:r>
+            <a:r>
+              <a:rPr lang="en-US" dirty="0" smtClean="0"/>
+              <a:t> forward velocity, side-step velocity and turn-rate</a:t>
+            </a:r>
+          </a:p>
+          <a:p>
+            <a:endParaRPr lang="en-US" dirty="0"/>
+          </a:p>
+          <a:p>
             <a:endParaRPr lang="en-US" dirty="0"/>
           </a:p>
         </p:txBody>
@@ -7734,8 +10239,8 @@
         </p:nvSpPr>
         <p:spPr>
           <a:xfrm>
-            <a:off x="877749" y="1766117"/>
-            <a:ext cx="6741862" cy="1477328"/>
+            <a:off x="877749" y="2102248"/>
+            <a:ext cx="6741862" cy="1754326"/>
           </a:xfrm>
           <a:prstGeom prst="rect">
             <a:avLst/>
@@ -7748,50 +10253,63 @@
           <a:lstStyle/>
           <a:p>
             <a:r>
-              <a:rPr lang="en-US" dirty="0" err="1" smtClean="0"/>
-              <a:t>nao.ALTrack</a:t>
-            </a:r>
-            <a:r>
-              <a:rPr lang="en-US" dirty="0" smtClean="0"/>
-              <a:t>(True) # turn on motors and enable face tracking</a:t>
-            </a:r>
-          </a:p>
-          <a:p>
-            <a:r>
-              <a:rPr lang="en-US" dirty="0" err="1"/>
-              <a:t>n</a:t>
-            </a:r>
-            <a:r>
-              <a:rPr lang="en-US" dirty="0" err="1" smtClean="0"/>
-              <a:t>ao.ALTrack</a:t>
-            </a:r>
-            <a:r>
-              <a:rPr lang="en-US" dirty="0" smtClean="0"/>
-              <a:t>(False) #disable face tracking</a:t>
-            </a:r>
-          </a:p>
-          <a:p>
-            <a:endParaRPr lang="en-US" dirty="0"/>
-          </a:p>
-          <a:p>
-            <a:r>
-              <a:rPr lang="en-US" dirty="0" err="1" smtClean="0"/>
-              <a:t>nao.EndTrack</a:t>
-            </a:r>
-            <a:r>
-              <a:rPr lang="en-US" dirty="0" smtClean="0"/>
-              <a:t>() #turn head motors off</a:t>
-            </a:r>
-          </a:p>
-          <a:p>
-            <a:r>
-              <a:rPr lang="en-US" dirty="0" err="1" smtClean="0"/>
-              <a:t>nao.InitTrack</a:t>
-            </a:r>
-            <a:r>
-              <a:rPr lang="en-US" dirty="0" smtClean="0"/>
-              <a:t>() # turn head motors on again</a:t>
-            </a:r>
+              <a:rPr lang="en-US" dirty="0"/>
+              <a:t>i</a:t>
+            </a:r>
+            <a:r>
+              <a:rPr lang="en-US" dirty="0" smtClean="0"/>
+              <a:t>mport nao_nocv_2_0 as </a:t>
+            </a:r>
+            <a:r>
+              <a:rPr lang="en-US" dirty="0" err="1" smtClean="0"/>
+              <a:t>nao</a:t>
+            </a:r>
+            <a:endParaRPr lang="en-US" dirty="0" smtClean="0"/>
+          </a:p>
+          <a:p>
+            <a:endParaRPr lang="en-US" dirty="0"/>
+          </a:p>
+          <a:p>
+            <a:r>
+              <a:rPr lang="en-US" dirty="0" err="1" smtClean="0"/>
+              <a:t>robot_IP</a:t>
+            </a:r>
+            <a:r>
+              <a:rPr lang="en-US" dirty="0" smtClean="0"/>
+              <a:t>=“127.0.0.1”</a:t>
+            </a:r>
+          </a:p>
+          <a:p>
+            <a:r>
+              <a:rPr lang="en-US" dirty="0" err="1" smtClean="0"/>
+              <a:t>nao.InitProxy</a:t>
+            </a:r>
+            <a:r>
+              <a:rPr lang="en-US" dirty="0" smtClean="0"/>
+              <a:t>(</a:t>
+            </a:r>
+            <a:r>
+              <a:rPr lang="en-US" dirty="0" err="1" smtClean="0"/>
+              <a:t>robot_IP</a:t>
+            </a:r>
+            <a:r>
+              <a:rPr lang="en-US" dirty="0" smtClean="0"/>
+              <a:t>)</a:t>
+            </a:r>
+          </a:p>
+          <a:p>
+            <a:endParaRPr lang="en-US" dirty="0"/>
+          </a:p>
+          <a:p>
+            <a:r>
+              <a:rPr lang="en-US" dirty="0" err="1" smtClean="0"/>
+              <a:t>nao.motionProxy.moveToward</a:t>
+            </a:r>
+            <a:r>
+              <a:rPr lang="en-US" dirty="0" smtClean="0"/>
+              <a:t>(1.0, 0.0, 0.0)</a:t>
+            </a:r>
+            <a:endParaRPr lang="en-US" dirty="0"/>
           </a:p>
         </p:txBody>
       </p:sp>
@@ -7803,7 +10321,7 @@
         </p:nvSpPr>
         <p:spPr>
           <a:xfrm>
-            <a:off x="877749" y="3759888"/>
+            <a:off x="877749" y="4861649"/>
             <a:ext cx="6741862" cy="369332"/>
           </a:xfrm>
           <a:prstGeom prst="rect">
@@ -7817,78 +10335,12 @@
           <a:lstStyle/>
           <a:p>
             <a:r>
-              <a:rPr lang="en-US" dirty="0"/>
-              <a:t>d</a:t>
-            </a:r>
-            <a:r>
-              <a:rPr lang="en-US" dirty="0" smtClean="0"/>
-              <a:t>etected, timestamp, [</a:t>
-            </a:r>
-            <a:r>
-              <a:rPr lang="en-US" dirty="0" err="1" smtClean="0"/>
-              <a:t>face_x</a:t>
-            </a:r>
-            <a:r>
-              <a:rPr lang="en-US" dirty="0" smtClean="0"/>
-              <a:t>, </a:t>
-            </a:r>
-            <a:r>
-              <a:rPr lang="en-US" dirty="0" err="1" smtClean="0"/>
-              <a:t>face_y</a:t>
-            </a:r>
-            <a:r>
-              <a:rPr lang="en-US" dirty="0" smtClean="0"/>
-              <a:t>] = </a:t>
-            </a:r>
-            <a:r>
-              <a:rPr lang="en-US" dirty="0" err="1" smtClean="0"/>
-              <a:t>nao.DetectFace</a:t>
-            </a:r>
-            <a:r>
-              <a:rPr lang="en-US" dirty="0" smtClean="0"/>
-              <a:t>()</a:t>
-            </a:r>
-            <a:endParaRPr lang="en-US" dirty="0"/>
-          </a:p>
-        </p:txBody>
-      </p:sp>
-      <p:sp>
-        <p:nvSpPr>
-          <p:cNvPr id="8" name="Rectangle 7"/>
-          <p:cNvSpPr/>
-          <p:nvPr/>
-        </p:nvSpPr>
-        <p:spPr>
-          <a:xfrm>
-            <a:off x="877749" y="5108750"/>
-            <a:ext cx="6741862" cy="923330"/>
-          </a:xfrm>
-          <a:prstGeom prst="rect">
-            <a:avLst/>
-          </a:prstGeom>
-        </p:spPr>
-        <p:txBody>
-          <a:bodyPr wrap="square">
-            <a:spAutoFit/>
-          </a:bodyPr>
-          <a:lstStyle/>
-          <a:p>
-            <a:r>
-              <a:rPr lang="en-US" dirty="0" err="1" smtClean="0"/>
-              <a:t>nao.FindFace</a:t>
-            </a:r>
-            <a:r>
-              <a:rPr lang="en-US" dirty="0" smtClean="0"/>
-              <a:t>()</a:t>
-            </a:r>
-          </a:p>
-          <a:p>
-            <a:endParaRPr lang="en-US" dirty="0"/>
-          </a:p>
-          <a:p>
-            <a:r>
-              <a:rPr lang="en-US" dirty="0" smtClean="0"/>
-              <a:t># optional arguments (gain=1.0, offset=[0.0, -0.2])</a:t>
+              <a:rPr lang="en-US" dirty="0" err="1" smtClean="0"/>
+              <a:t>Nao.Move</a:t>
+            </a:r>
+            <a:r>
+              <a:rPr lang="en-US" dirty="0" smtClean="0"/>
+              <a:t>(1.0, 0.0, 0.0)</a:t>
             </a:r>
             <a:endParaRPr lang="en-US" dirty="0"/>
           </a:p>
@@ -7897,7 +10349,7 @@
     </p:spTree>
     <p:extLst>
       <p:ext uri="{BB962C8B-B14F-4D97-AF65-F5344CB8AC3E}">
-        <p14:creationId xmlns:p14="http://schemas.microsoft.com/office/powerpoint/2010/main" val="4063912269"/>
+        <p14:creationId xmlns:p14="http://schemas.microsoft.com/office/powerpoint/2010/main" val="100607013"/>
       </p:ext>
     </p:extLst>
   </p:cSld>
@@ -7974,12 +10426,8 @@
           <a:lstStyle/>
           <a:p>
             <a:r>
-              <a:rPr lang="en-US" dirty="0" err="1" smtClean="0"/>
-              <a:t>LandMark</a:t>
-            </a:r>
-            <a:r>
-              <a:rPr lang="en-US" dirty="0" smtClean="0"/>
-              <a:t> detection needs to be initialized before it can be used</a:t>
+              <a:rPr lang="en-US" dirty="0" smtClean="0"/>
+              <a:t>The sonar needs to be initialized before it can be used</a:t>
             </a:r>
           </a:p>
           <a:p>
@@ -7994,30 +10442,23 @@
           <a:p>
             <a:r>
               <a:rPr lang="en-US" dirty="0" smtClean="0"/>
-              <a:t>After that the Landmark can be detected using:</a:t>
-            </a:r>
-          </a:p>
-          <a:p>
-            <a:pPr marL="0" indent="0">
-              <a:buNone/>
-            </a:pPr>
+              <a:t>After that the left and right sonar values can be read. It returns the distance in m.</a:t>
+            </a:r>
+          </a:p>
+          <a:p>
+            <a:endParaRPr lang="en-US" dirty="0"/>
+          </a:p>
+          <a:p>
             <a:endParaRPr lang="en-US" dirty="0" smtClean="0"/>
           </a:p>
           <a:p>
             <a:r>
-              <a:rPr lang="en-US" dirty="0" err="1" smtClean="0"/>
-              <a:t>MarkerInfo</a:t>
-            </a:r>
-            <a:r>
-              <a:rPr lang="en-US" dirty="0" smtClean="0"/>
-              <a:t> is an array of detected landmarks</a:t>
-            </a:r>
-          </a:p>
-          <a:p>
-            <a:r>
-              <a:rPr lang="en-US" dirty="0" smtClean="0"/>
-              <a:t>Each detected landmark contains 6 fields, for example the first detected landmark contains:</a:t>
-            </a:r>
+              <a:rPr lang="en-US" dirty="0" smtClean="0"/>
+              <a:t>Turn it off using:</a:t>
+            </a:r>
+          </a:p>
+          <a:p>
+            <a:endParaRPr lang="en-US" dirty="0"/>
           </a:p>
           <a:p>
             <a:endParaRPr lang="en-US" dirty="0"/>
@@ -8047,11 +10488,11 @@
           <a:p>
             <a:r>
               <a:rPr lang="en-US" dirty="0" err="1" smtClean="0"/>
-              <a:t>nao.InitLandMark</a:t>
-            </a:r>
-            <a:r>
-              <a:rPr lang="en-US" dirty="0" smtClean="0"/>
-              <a:t>()</a:t>
+              <a:t>nao.InitSonar</a:t>
+            </a:r>
+            <a:r>
+              <a:rPr lang="en-US" dirty="0" smtClean="0"/>
+              <a:t>(True)</a:t>
             </a:r>
             <a:endParaRPr lang="en-US" dirty="0"/>
           </a:p>
@@ -8065,7 +10506,7 @@
         </p:nvSpPr>
         <p:spPr>
           <a:xfrm>
-            <a:off x="877749" y="3281979"/>
+            <a:off x="877749" y="3759888"/>
             <a:ext cx="6741862" cy="369332"/>
           </a:xfrm>
           <a:prstGeom prst="rect">
@@ -8079,20 +10520,12 @@
           <a:lstStyle/>
           <a:p>
             <a:r>
-              <a:rPr lang="en-US" dirty="0"/>
-              <a:t>detected, timestamp, </a:t>
-            </a:r>
-            <a:r>
-              <a:rPr lang="en-US" dirty="0" err="1"/>
-              <a:t>markerInfo</a:t>
-            </a:r>
-            <a:r>
-              <a:rPr lang="en-US" dirty="0"/>
-              <a:t>=</a:t>
-            </a:r>
-            <a:r>
-              <a:rPr lang="en-US" dirty="0" err="1" smtClean="0"/>
-              <a:t>nao.DetectLandMark</a:t>
+              <a:rPr lang="en-US" dirty="0" smtClean="0"/>
+              <a:t>[SL, SR]=</a:t>
+            </a:r>
+            <a:r>
+              <a:rPr lang="en-US" dirty="0" err="1" smtClean="0"/>
+              <a:t>nao.ReadSonar</a:t>
             </a:r>
             <a:r>
               <a:rPr lang="en-US" dirty="0" smtClean="0"/>
@@ -8110,8 +10543,8 @@
         </p:nvSpPr>
         <p:spPr>
           <a:xfrm>
-            <a:off x="625958" y="4974881"/>
-            <a:ext cx="6741862" cy="1754327"/>
+            <a:off x="877749" y="5108750"/>
+            <a:ext cx="6741862" cy="369332"/>
           </a:xfrm>
           <a:prstGeom prst="rect">
             <a:avLst/>
@@ -8124,161 +10557,21 @@
           <a:lstStyle/>
           <a:p>
             <a:r>
-              <a:rPr lang="en-US" dirty="0" err="1"/>
-              <a:t>m</a:t>
-            </a:r>
-            <a:r>
-              <a:rPr lang="en-US" dirty="0" err="1" smtClean="0"/>
-              <a:t>arkerinfo</a:t>
-            </a:r>
-            <a:r>
-              <a:rPr lang="en-US" dirty="0" smtClean="0"/>
-              <a:t>[0][0]		#</a:t>
-            </a:r>
-            <a:r>
-              <a:rPr lang="en-US" dirty="0" err="1"/>
-              <a:t>markerID</a:t>
-            </a:r>
-            <a:endParaRPr lang="en-US" dirty="0"/>
-          </a:p>
-          <a:p>
-            <a:r>
-              <a:rPr lang="en-US" dirty="0" err="1"/>
-              <a:t>m</a:t>
-            </a:r>
-            <a:r>
-              <a:rPr lang="en-US" dirty="0" err="1" smtClean="0"/>
-              <a:t>arkerinfo</a:t>
-            </a:r>
-            <a:r>
-              <a:rPr lang="en-US" dirty="0" smtClean="0"/>
-              <a:t>[0][1]		#</a:t>
-            </a:r>
-            <a:r>
-              <a:rPr lang="en-US" dirty="0"/>
-              <a:t>alpha - x location in camera angle</a:t>
-            </a:r>
-          </a:p>
-          <a:p>
-            <a:r>
-              <a:rPr lang="en-US" dirty="0" err="1"/>
-              <a:t>m</a:t>
-            </a:r>
-            <a:r>
-              <a:rPr lang="en-US" dirty="0" err="1" smtClean="0"/>
-              <a:t>arkerinfo</a:t>
-            </a:r>
-            <a:r>
-              <a:rPr lang="en-US" dirty="0" smtClean="0"/>
-              <a:t>[0][2]</a:t>
-            </a:r>
-            <a:r>
-              <a:rPr lang="en-US" dirty="0"/>
-              <a:t>	</a:t>
-            </a:r>
-            <a:r>
-              <a:rPr lang="en-US" dirty="0" smtClean="0"/>
-              <a:t>	#</a:t>
-            </a:r>
-            <a:r>
-              <a:rPr lang="en-US" dirty="0"/>
-              <a:t>beta  - y location</a:t>
-            </a:r>
-          </a:p>
-          <a:p>
-            <a:r>
-              <a:rPr lang="en-US" dirty="0" err="1"/>
-              <a:t>m</a:t>
-            </a:r>
-            <a:r>
-              <a:rPr lang="en-US" dirty="0" err="1" smtClean="0"/>
-              <a:t>arkerinfo</a:t>
-            </a:r>
-            <a:r>
-              <a:rPr lang="en-US" dirty="0" smtClean="0"/>
-              <a:t>[0][3]</a:t>
-            </a:r>
-            <a:r>
-              <a:rPr lang="en-US" dirty="0"/>
-              <a:t>	</a:t>
-            </a:r>
-            <a:r>
-              <a:rPr lang="en-US" dirty="0" smtClean="0"/>
-              <a:t>	#</a:t>
-            </a:r>
-            <a:r>
-              <a:rPr lang="en-US" dirty="0" err="1"/>
-              <a:t>sizeX</a:t>
-            </a:r>
-            <a:endParaRPr lang="en-US" dirty="0"/>
-          </a:p>
-          <a:p>
-            <a:r>
-              <a:rPr lang="en-US" dirty="0" err="1"/>
-              <a:t>m</a:t>
-            </a:r>
-            <a:r>
-              <a:rPr lang="en-US" dirty="0" err="1" smtClean="0"/>
-              <a:t>arkerinfo</a:t>
-            </a:r>
-            <a:r>
-              <a:rPr lang="en-US" dirty="0" smtClean="0"/>
-              <a:t>[0][4]		#</a:t>
-            </a:r>
-            <a:r>
-              <a:rPr lang="en-US" dirty="0" err="1"/>
-              <a:t>sizeY</a:t>
-            </a:r>
-            <a:endParaRPr lang="en-US" dirty="0"/>
-          </a:p>
-          <a:p>
-            <a:r>
-              <a:rPr lang="en-US" dirty="0" err="1"/>
-              <a:t>m</a:t>
-            </a:r>
-            <a:r>
-              <a:rPr lang="en-US" dirty="0" err="1" smtClean="0"/>
-              <a:t>arkerinfo</a:t>
-            </a:r>
-            <a:r>
-              <a:rPr lang="en-US" dirty="0" smtClean="0"/>
-              <a:t>[0][5</a:t>
-            </a:r>
-            <a:r>
-              <a:rPr lang="en-US" dirty="0"/>
-              <a:t>] </a:t>
-            </a:r>
-            <a:r>
-              <a:rPr lang="en-US" dirty="0" smtClean="0"/>
-              <a:t>	#</a:t>
-            </a:r>
-            <a:r>
-              <a:rPr lang="en-US" dirty="0"/>
-              <a:t>orientation about vertical </a:t>
-            </a:r>
-            <a:r>
-              <a:rPr lang="en-US" dirty="0" err="1"/>
-              <a:t>w.r.</a:t>
-            </a:r>
-            <a:r>
-              <a:rPr lang="en-US" dirty="0"/>
-              <a:t> </a:t>
-            </a:r>
-            <a:r>
-              <a:rPr lang="en-US" dirty="0" err="1"/>
-              <a:t>Nao's</a:t>
-            </a:r>
-            <a:r>
-              <a:rPr lang="en-US" dirty="0"/>
-              <a:t> head</a:t>
-            </a:r>
+              <a:rPr lang="en-US" dirty="0" err="1" smtClean="0"/>
+              <a:t>nao.InitSonar</a:t>
+            </a:r>
+            <a:r>
+              <a:rPr lang="en-US" dirty="0" smtClean="0"/>
+              <a:t>(False)</a:t>
+            </a:r>
+            <a:endParaRPr lang="en-US" dirty="0"/>
           </a:p>
         </p:txBody>
       </p:sp>
     </p:spTree>
     <p:extLst>
       <p:ext uri="{BB962C8B-B14F-4D97-AF65-F5344CB8AC3E}">
-        <p14:creationId xmlns:p14="http://schemas.microsoft.com/office/powerpoint/2010/main" val="1515840063"/>
+        <p14:creationId xmlns:p14="http://schemas.microsoft.com/office/powerpoint/2010/main" val="3800795502"/>
       </p:ext>
     </p:extLst>
   </p:cSld>
@@ -8356,7 +10649,15 @@
           <a:p>
             <a:r>
               <a:rPr lang="en-US" dirty="0" smtClean="0"/>
-              <a:t>Sound detection needs to be initialized before it can be used</a:t>
+              <a:t>The </a:t>
+            </a:r>
+            <a:r>
+              <a:rPr lang="en-US" dirty="0" err="1" smtClean="0"/>
+              <a:t>videocamera</a:t>
+            </a:r>
+            <a:r>
+              <a:rPr lang="en-US" dirty="0" smtClean="0"/>
+              <a:t> needs to be initialized before it can be used</a:t>
             </a:r>
           </a:p>
           <a:p>
@@ -8366,31 +10667,39 @@
             <a:endParaRPr lang="en-US" dirty="0" smtClean="0"/>
           </a:p>
           <a:p>
-            <a:endParaRPr lang="en-US" dirty="0"/>
-          </a:p>
-          <a:p>
-            <a:r>
-              <a:rPr lang="en-US" dirty="0" smtClean="0"/>
-              <a:t>After that Sound can be detected using:</a:t>
-            </a:r>
+            <a:endParaRPr lang="en-US" dirty="0" smtClean="0"/>
+          </a:p>
+          <a:p>
+            <a:endParaRPr lang="en-US" dirty="0" smtClean="0"/>
+          </a:p>
+          <a:p>
+            <a:endParaRPr lang="en-US" dirty="0"/>
+          </a:p>
+          <a:p>
+            <a:r>
+              <a:rPr lang="en-US" dirty="0" smtClean="0"/>
+              <a:t>To retrieve an image use (with </a:t>
+            </a:r>
+            <a:r>
+              <a:rPr lang="en-US" dirty="0" err="1" smtClean="0"/>
+              <a:t>openCV</a:t>
+            </a:r>
+            <a:r>
+              <a:rPr lang="en-US" dirty="0" smtClean="0"/>
+              <a:t> only)</a:t>
+            </a:r>
+          </a:p>
+          <a:p>
+            <a:endParaRPr lang="en-US" dirty="0"/>
+          </a:p>
+          <a:p>
+            <a:endParaRPr lang="en-US" dirty="0" smtClean="0"/>
           </a:p>
           <a:p>
             <a:pPr marL="0" indent="0">
               <a:buNone/>
             </a:pPr>
-            <a:endParaRPr lang="en-US" dirty="0" smtClean="0"/>
-          </a:p>
-          <a:p>
-            <a:pPr marL="0" indent="0">
-              <a:buNone/>
-            </a:pPr>
-            <a:endParaRPr lang="en-US" dirty="0" smtClean="0"/>
-          </a:p>
-          <a:p>
-            <a:r>
-              <a:rPr lang="en-US" dirty="0" smtClean="0"/>
-              <a:t>Marker Info is an array with the following fields:</a:t>
-            </a:r>
+            <a:endParaRPr lang="en-US" dirty="0"/>
           </a:p>
           <a:p>
             <a:endParaRPr lang="en-US" dirty="0"/>
@@ -8406,6 +10715,86 @@
         <p:spPr>
           <a:xfrm>
             <a:off x="877749" y="2102248"/>
+            <a:ext cx="6741862" cy="1200329"/>
+          </a:xfrm>
+          <a:prstGeom prst="rect">
+            <a:avLst/>
+          </a:prstGeom>
+        </p:spPr>
+        <p:txBody>
+          <a:bodyPr wrap="square">
+            <a:spAutoFit/>
+          </a:bodyPr>
+          <a:lstStyle/>
+          <a:p>
+            <a:r>
+              <a:rPr lang="en-US" dirty="0" err="1" smtClean="0"/>
+              <a:t>nao.InitVideo</a:t>
+            </a:r>
+            <a:r>
+              <a:rPr lang="en-US" dirty="0" smtClean="0"/>
+              <a:t>(resolution)</a:t>
+            </a:r>
+          </a:p>
+          <a:p>
+            <a:endParaRPr lang="en-US" dirty="0"/>
+          </a:p>
+          <a:p>
+            <a:r>
+              <a:rPr lang="pt-BR" dirty="0" smtClean="0"/>
+              <a:t>#</a:t>
+            </a:r>
+            <a:r>
+              <a:rPr lang="pt-BR" dirty="0" err="1" smtClean="0"/>
+              <a:t>resolution</a:t>
+            </a:r>
+            <a:r>
+              <a:rPr lang="pt-BR" dirty="0" smtClean="0"/>
+              <a:t> </a:t>
+            </a:r>
+            <a:r>
+              <a:rPr lang="pt-BR" dirty="0" err="1" smtClean="0"/>
+              <a:t>is</a:t>
+            </a:r>
+            <a:r>
+              <a:rPr lang="pt-BR" dirty="0" smtClean="0"/>
+              <a:t> 0, 1, 2, 3 </a:t>
+            </a:r>
+            <a:r>
+              <a:rPr lang="pt-BR" dirty="0" err="1" smtClean="0"/>
+              <a:t>corresponding</a:t>
+            </a:r>
+            <a:r>
+              <a:rPr lang="pt-BR" dirty="0" smtClean="0"/>
+              <a:t> </a:t>
+            </a:r>
+            <a:r>
+              <a:rPr lang="pt-BR" dirty="0" err="1" smtClean="0"/>
+              <a:t>to</a:t>
+            </a:r>
+            <a:r>
+              <a:rPr lang="pt-BR" dirty="0" smtClean="0"/>
+              <a:t> </a:t>
+            </a:r>
+          </a:p>
+          <a:p>
+            <a:r>
+              <a:rPr lang="pt-BR" dirty="0" smtClean="0"/>
+              <a:t>#[160,120],[320,240],[640,480],[1280,960]</a:t>
+            </a:r>
+            <a:endParaRPr lang="en-US" dirty="0"/>
+          </a:p>
+        </p:txBody>
+      </p:sp>
+      <p:sp>
+        <p:nvSpPr>
+          <p:cNvPr id="6" name="Rectangle 5"/>
+          <p:cNvSpPr/>
+          <p:nvPr/>
+        </p:nvSpPr>
+        <p:spPr>
+          <a:xfrm>
+            <a:off x="877749" y="4152042"/>
             <a:ext cx="6741862" cy="369332"/>
           </a:xfrm>
           <a:prstGeom prst="rect">
@@ -8419,142 +10808,25 @@
           <a:lstStyle/>
           <a:p>
             <a:r>
-              <a:rPr lang="en-US" dirty="0" err="1" smtClean="0"/>
-              <a:t>nao.InitSoundDetection</a:t>
+              <a:rPr lang="en-US" dirty="0" smtClean="0"/>
+              <a:t>Image=</a:t>
+            </a:r>
+            <a:r>
+              <a:rPr lang="en-US" dirty="0" err="1" smtClean="0"/>
+              <a:t>nao.GetImage</a:t>
             </a:r>
             <a:r>
               <a:rPr lang="en-US" dirty="0" smtClean="0"/>
               <a:t>()</a:t>
             </a:r>
             <a:endParaRPr lang="en-US" dirty="0"/>
-          </a:p>
-        </p:txBody>
-      </p:sp>
-      <p:sp>
-        <p:nvSpPr>
-          <p:cNvPr id="6" name="Rectangle 5"/>
-          <p:cNvSpPr/>
-          <p:nvPr/>
-        </p:nvSpPr>
-        <p:spPr>
-          <a:xfrm>
-            <a:off x="877749" y="3281979"/>
-            <a:ext cx="6741862" cy="369332"/>
-          </a:xfrm>
-          <a:prstGeom prst="rect">
-            <a:avLst/>
-          </a:prstGeom>
-        </p:spPr>
-        <p:txBody>
-          <a:bodyPr wrap="square">
-            <a:spAutoFit/>
-          </a:bodyPr>
-          <a:lstStyle/>
-          <a:p>
-            <a:r>
-              <a:rPr lang="en-US" dirty="0"/>
-              <a:t>detected, timestamp, </a:t>
-            </a:r>
-            <a:r>
-              <a:rPr lang="en-US" dirty="0" err="1" smtClean="0"/>
-              <a:t>soundInfo</a:t>
-            </a:r>
-            <a:r>
-              <a:rPr lang="en-US" dirty="0"/>
-              <a:t>=</a:t>
-            </a:r>
-            <a:r>
-              <a:rPr lang="en-US" dirty="0" err="1" smtClean="0"/>
-              <a:t>nao.DetectSound</a:t>
-            </a:r>
-            <a:r>
-              <a:rPr lang="en-US" dirty="0" smtClean="0"/>
-              <a:t>()</a:t>
-            </a:r>
-            <a:endParaRPr lang="en-US" dirty="0"/>
-          </a:p>
-        </p:txBody>
-      </p:sp>
-      <p:sp>
-        <p:nvSpPr>
-          <p:cNvPr id="8" name="Rectangle 7"/>
-          <p:cNvSpPr/>
-          <p:nvPr/>
-        </p:nvSpPr>
-        <p:spPr>
-          <a:xfrm>
-            <a:off x="877749" y="4656831"/>
-            <a:ext cx="7397426" cy="923330"/>
-          </a:xfrm>
-          <a:prstGeom prst="rect">
-            <a:avLst/>
-          </a:prstGeom>
-        </p:spPr>
-        <p:txBody>
-          <a:bodyPr wrap="square">
-            <a:spAutoFit/>
-          </a:bodyPr>
-          <a:lstStyle/>
-          <a:p>
-            <a:r>
-              <a:rPr lang="en-US" dirty="0" err="1" smtClean="0"/>
-              <a:t>soundInfo</a:t>
-            </a:r>
-            <a:r>
-              <a:rPr lang="en-US" dirty="0" smtClean="0"/>
-              <a:t>[0]	</a:t>
-            </a:r>
-            <a:r>
-              <a:rPr lang="en-US" dirty="0"/>
-              <a:t>	#index of sound start/</a:t>
-            </a:r>
-            <a:r>
-              <a:rPr lang="en-US" dirty="0" smtClean="0"/>
-              <a:t>end</a:t>
-            </a:r>
-          </a:p>
-          <a:p>
-            <a:r>
-              <a:rPr lang="en-US" dirty="0" err="1" smtClean="0"/>
-              <a:t>soundInfo</a:t>
-            </a:r>
-            <a:r>
-              <a:rPr lang="en-US" dirty="0" smtClean="0"/>
-              <a:t>[1]		#</a:t>
-            </a:r>
-            <a:r>
-              <a:rPr lang="en-US" dirty="0"/>
-              <a:t>type: 1=start, 0=end</a:t>
-            </a:r>
-          </a:p>
-          <a:p>
-            <a:r>
-              <a:rPr lang="en-US" dirty="0" err="1" smtClean="0"/>
-              <a:t>soundInfo</a:t>
-            </a:r>
-            <a:r>
-              <a:rPr lang="en-US" dirty="0" smtClean="0"/>
-              <a:t>[</a:t>
-            </a:r>
-            <a:r>
-              <a:rPr lang="en-US" dirty="0"/>
-              <a:t>2</a:t>
-            </a:r>
-            <a:r>
-              <a:rPr lang="en-US" dirty="0" smtClean="0"/>
-              <a:t>]		#</a:t>
-            </a:r>
-            <a:r>
-              <a:rPr lang="en-US" dirty="0"/>
-              <a:t>confidence: probability that there was a sound</a:t>
-            </a:r>
           </a:p>
         </p:txBody>
       </p:sp>
     </p:spTree>
     <p:extLst>
       <p:ext uri="{BB962C8B-B14F-4D97-AF65-F5344CB8AC3E}">
-        <p14:creationId xmlns:p14="http://schemas.microsoft.com/office/powerpoint/2010/main" val="2098363392"/>
+        <p14:creationId xmlns:p14="http://schemas.microsoft.com/office/powerpoint/2010/main" val="665782683"/>
       </p:ext>
     </p:extLst>
   </p:cSld>
@@ -8631,44 +10903,43 @@
           <a:lstStyle/>
           <a:p>
             <a:r>
-              <a:rPr lang="en-US" dirty="0" smtClean="0"/>
-              <a:t>Sound Localization needs to be initialized before it can be used</a:t>
-            </a:r>
-          </a:p>
-          <a:p>
-            <a:pPr marL="0" indent="0">
-              <a:buNone/>
-            </a:pPr>
+              <a:rPr lang="en-US" dirty="0" err="1" smtClean="0"/>
+              <a:t>Facetracking</a:t>
+            </a:r>
+            <a:r>
+              <a:rPr lang="en-US" dirty="0" smtClean="0"/>
+              <a:t> can be enabled/disabled with:</a:t>
+            </a:r>
+          </a:p>
+          <a:p>
+            <a:endParaRPr lang="en-US" dirty="0"/>
+          </a:p>
+          <a:p>
             <a:endParaRPr lang="en-US" dirty="0" smtClean="0"/>
           </a:p>
           <a:p>
             <a:endParaRPr lang="en-US" dirty="0"/>
           </a:p>
           <a:p>
-            <a:r>
-              <a:rPr lang="en-US" dirty="0" smtClean="0"/>
-              <a:t>After that Sound can be detected using:</a:t>
-            </a:r>
-          </a:p>
-          <a:p>
-            <a:pPr marL="0" indent="0">
-              <a:buNone/>
-            </a:pPr>
             <a:endParaRPr lang="en-US" dirty="0" smtClean="0"/>
           </a:p>
           <a:p>
-            <a:pPr marL="0" indent="0">
-              <a:buNone/>
-            </a:pPr>
+            <a:r>
+              <a:rPr lang="en-US" dirty="0" smtClean="0"/>
+              <a:t>To detect a face use</a:t>
+            </a:r>
+          </a:p>
+          <a:p>
+            <a:endParaRPr lang="en-US" dirty="0"/>
+          </a:p>
+          <a:p>
             <a:endParaRPr lang="en-US" dirty="0" smtClean="0"/>
           </a:p>
           <a:p>
             <a:r>
               <a:rPr lang="en-US" dirty="0" smtClean="0"/>
-              <a:t>Marker Info is an array with the following fields:</a:t>
-            </a:r>
-          </a:p>
-          <a:p>
+              <a:t>Search for a face using</a:t>
+            </a:r>
             <a:endParaRPr lang="en-US" dirty="0"/>
           </a:p>
         </p:txBody>
@@ -8681,7 +10952,76 @@
         </p:nvSpPr>
         <p:spPr>
           <a:xfrm>
-            <a:off x="877749" y="2102248"/>
+            <a:off x="877749" y="1766117"/>
+            <a:ext cx="6741862" cy="1477328"/>
+          </a:xfrm>
+          <a:prstGeom prst="rect">
+            <a:avLst/>
+          </a:prstGeom>
+        </p:spPr>
+        <p:txBody>
+          <a:bodyPr wrap="square">
+            <a:spAutoFit/>
+          </a:bodyPr>
+          <a:lstStyle/>
+          <a:p>
+            <a:r>
+              <a:rPr lang="en-US" dirty="0" err="1" smtClean="0"/>
+              <a:t>nao.ALTrack</a:t>
+            </a:r>
+            <a:r>
+              <a:rPr lang="en-US" dirty="0" smtClean="0"/>
+              <a:t>(True) # turn on motors and enable face tracking</a:t>
+            </a:r>
+          </a:p>
+          <a:p>
+            <a:r>
+              <a:rPr lang="en-US" dirty="0" err="1"/>
+              <a:t>n</a:t>
+            </a:r>
+            <a:r>
+              <a:rPr lang="en-US" dirty="0" err="1" smtClean="0"/>
+              <a:t>ao.ALTrack</a:t>
+            </a:r>
+            <a:r>
+              <a:rPr lang="en-US" dirty="0" smtClean="0"/>
+              <a:t>(False) #disable face tracking</a:t>
+            </a:r>
+          </a:p>
+          <a:p>
+            <a:endParaRPr lang="en-US" dirty="0"/>
+          </a:p>
+          <a:p>
+            <a:r>
+              <a:rPr lang="en-US" dirty="0" err="1" smtClean="0"/>
+              <a:t>nao.EndTrack</a:t>
+            </a:r>
+            <a:r>
+              <a:rPr lang="en-US" dirty="0" smtClean="0"/>
+              <a:t>() #turn head motors off</a:t>
+            </a:r>
+          </a:p>
+          <a:p>
+            <a:r>
+              <a:rPr lang="en-US" dirty="0" err="1" smtClean="0"/>
+              <a:t>nao.InitTrack</a:t>
+            </a:r>
+            <a:r>
+              <a:rPr lang="en-US" dirty="0" smtClean="0"/>
+              <a:t>() # turn head motors on again</a:t>
+            </a:r>
+          </a:p>
+        </p:txBody>
+      </p:sp>
+      <p:sp>
+        <p:nvSpPr>
+          <p:cNvPr id="6" name="Rectangle 5"/>
+          <p:cNvSpPr/>
+          <p:nvPr/>
+        </p:nvSpPr>
+        <p:spPr>
+          <a:xfrm>
+            <a:off x="877749" y="3759888"/>
             <a:ext cx="6741862" cy="369332"/>
           </a:xfrm>
           <a:prstGeom prst="rect">
@@ -8695,27 +11035,51 @@
           <a:lstStyle/>
           <a:p>
             <a:r>
-              <a:rPr lang="en-US" dirty="0" err="1" smtClean="0"/>
-              <a:t>nao.InitSoundLocalization</a:t>
-            </a:r>
-            <a:r>
-              <a:rPr lang="en-US" dirty="0" smtClean="0"/>
-              <a:t>(switch=True)</a:t>
-            </a:r>
-            <a:endParaRPr lang="en-US" dirty="0"/>
-          </a:p>
-        </p:txBody>
-      </p:sp>
-      <p:sp>
-        <p:nvSpPr>
-          <p:cNvPr id="6" name="Rectangle 5"/>
+              <a:rPr lang="en-US" dirty="0"/>
+              <a:t>d</a:t>
+            </a:r>
+            <a:r>
+              <a:rPr lang="en-US" dirty="0" smtClean="0"/>
+              <a:t>etected, timestamp, [</a:t>
+            </a:r>
+            <a:r>
+              <a:rPr lang="en-US" dirty="0" err="1" smtClean="0"/>
+              <a:t>face_x</a:t>
+            </a:r>
+            <a:r>
+              <a:rPr lang="en-US" dirty="0" smtClean="0"/>
+              <a:t>, </a:t>
+            </a:r>
+            <a:r>
+              <a:rPr lang="en-US" dirty="0" err="1" smtClean="0"/>
+              <a:t>face_y</a:t>
+            </a:r>
+            <a:r>
+              <a:rPr lang="en-US" dirty="0" smtClean="0"/>
+              <a:t>] = </a:t>
+            </a:r>
+            <a:r>
+              <a:rPr lang="en-US" dirty="0" err="1" smtClean="0"/>
+              <a:t>nao.DetectFace</a:t>
+            </a:r>
+            <a:r>
+              <a:rPr lang="en-US" dirty="0" smtClean="0"/>
+              <a:t>()</a:t>
+            </a:r>
+            <a:endParaRPr lang="en-US" dirty="0"/>
+          </a:p>
+        </p:txBody>
+      </p:sp>
+      <p:sp>
+        <p:nvSpPr>
+          <p:cNvPr id="8" name="Rectangle 7"/>
           <p:cNvSpPr/>
           <p:nvPr/>
         </p:nvSpPr>
         <p:spPr>
           <a:xfrm>
-            <a:off x="877749" y="3281979"/>
-            <a:ext cx="6741862" cy="369332"/>
+            <a:off x="877749" y="5108750"/>
+            <a:ext cx="6741862" cy="923330"/>
           </a:xfrm>
           <a:prstGeom prst="rect">
             <a:avLst/>
@@ -8728,131 +11092,21 @@
           <a:lstStyle/>
           <a:p>
             <a:r>
-              <a:rPr lang="en-US" dirty="0"/>
-              <a:t>detected, timestamp, </a:t>
-            </a:r>
-            <a:r>
-              <a:rPr lang="en-US" dirty="0" err="1" smtClean="0"/>
-              <a:t>soundInfo</a:t>
-            </a:r>
-            <a:r>
-              <a:rPr lang="en-US" dirty="0"/>
-              <a:t>=</a:t>
-            </a:r>
-            <a:r>
-              <a:rPr lang="en-US" dirty="0" err="1" smtClean="0"/>
-              <a:t>nao.DetectSoundLocation</a:t>
+              <a:rPr lang="en-US" dirty="0" err="1" smtClean="0"/>
+              <a:t>nao.FindFace</a:t>
             </a:r>
             <a:r>
               <a:rPr lang="en-US" dirty="0" smtClean="0"/>
               <a:t>()</a:t>
             </a:r>
-            <a:endParaRPr lang="en-US" dirty="0"/>
-          </a:p>
-        </p:txBody>
-      </p:sp>
-      <p:sp>
-        <p:nvSpPr>
-          <p:cNvPr id="8" name="Rectangle 7"/>
-          <p:cNvSpPr/>
-          <p:nvPr/>
-        </p:nvSpPr>
-        <p:spPr>
-          <a:xfrm>
-            <a:off x="877749" y="4656831"/>
-            <a:ext cx="7397426" cy="1200329"/>
-          </a:xfrm>
-          <a:prstGeom prst="rect">
-            <a:avLst/>
-          </a:prstGeom>
-        </p:spPr>
-        <p:txBody>
-          <a:bodyPr wrap="square">
-            <a:spAutoFit/>
-          </a:bodyPr>
-          <a:lstStyle/>
-          <a:p>
-            <a:r>
-              <a:rPr lang="en-US" dirty="0" err="1" smtClean="0"/>
-              <a:t>soundInfo</a:t>
-            </a:r>
-            <a:r>
-              <a:rPr lang="en-US" dirty="0" smtClean="0"/>
-              <a:t>[0]	</a:t>
-            </a:r>
-            <a:r>
-              <a:rPr lang="en-US" dirty="0"/>
-              <a:t>	#azimuth angle</a:t>
-            </a:r>
-          </a:p>
-          <a:p>
-            <a:r>
-              <a:rPr lang="en-US" dirty="0" err="1"/>
-              <a:t>soundInfo</a:t>
-            </a:r>
-            <a:r>
-              <a:rPr lang="en-US" dirty="0" smtClean="0"/>
-              <a:t>[1]</a:t>
-            </a:r>
-            <a:r>
-              <a:rPr lang="en-US" dirty="0"/>
-              <a:t>		</a:t>
-            </a:r>
-            <a:r>
-              <a:rPr lang="en-US" dirty="0" smtClean="0"/>
-              <a:t>#elevation </a:t>
-            </a:r>
-            <a:r>
-              <a:rPr lang="en-US" dirty="0"/>
-              <a:t>angle</a:t>
-            </a:r>
-          </a:p>
-          <a:p>
-            <a:r>
-              <a:rPr lang="en-US" dirty="0" err="1"/>
-              <a:t>soundInfo</a:t>
-            </a:r>
-            <a:r>
-              <a:rPr lang="en-US" dirty="0" smtClean="0"/>
-              <a:t>[2]</a:t>
-            </a:r>
-            <a:r>
-              <a:rPr lang="en-US" dirty="0"/>
-              <a:t>		</a:t>
-            </a:r>
-            <a:r>
-              <a:rPr lang="en-US" dirty="0" smtClean="0"/>
-              <a:t>#</a:t>
-            </a:r>
-            <a:r>
-              <a:rPr lang="en-US" dirty="0"/>
-              <a:t>confidence: probability that there was a sound</a:t>
-            </a:r>
-          </a:p>
-          <a:p>
-            <a:r>
-              <a:rPr lang="en-US" dirty="0" err="1"/>
-              <a:t>soundInfo</a:t>
-            </a:r>
-            <a:r>
-              <a:rPr lang="en-US" dirty="0" smtClean="0"/>
-              <a:t>[3]</a:t>
-            </a:r>
-            <a:r>
-              <a:rPr lang="en-US" dirty="0"/>
-              <a:t>		</a:t>
-            </a:r>
-            <a:r>
-              <a:rPr lang="en-US" dirty="0" smtClean="0"/>
-              <a:t>#</a:t>
-            </a:r>
-            <a:r>
-              <a:rPr lang="en-US" dirty="0" err="1" smtClean="0"/>
-              <a:t>Headposition</a:t>
-            </a:r>
-            <a:r>
-              <a:rPr lang="en-US" dirty="0" smtClean="0"/>
-              <a:t> 6D</a:t>
+          </a:p>
+          <a:p>
+            <a:endParaRPr lang="en-US" dirty="0"/>
+          </a:p>
+          <a:p>
+            <a:r>
+              <a:rPr lang="en-US" dirty="0" smtClean="0"/>
+              <a:t># optional arguments (gain=1.0, offset=[0.0, -0.2])</a:t>
             </a:r>
             <a:endParaRPr lang="en-US" dirty="0"/>
           </a:p>
@@ -8861,7 +11115,7 @@
     </p:spTree>
     <p:extLst>
       <p:ext uri="{BB962C8B-B14F-4D97-AF65-F5344CB8AC3E}">
-        <p14:creationId xmlns:p14="http://schemas.microsoft.com/office/powerpoint/2010/main" val="592584348"/>
+        <p14:creationId xmlns:p14="http://schemas.microsoft.com/office/powerpoint/2010/main" val="4063912269"/>
       </p:ext>
     </p:extLst>
   </p:cSld>
@@ -8938,51 +11192,13 @@
           <a:lstStyle/>
           <a:p>
             <a:r>
-              <a:rPr lang="en-US" dirty="0" smtClean="0"/>
-              <a:t>There are two default postures:</a:t>
-            </a:r>
-          </a:p>
-          <a:p>
-            <a:endParaRPr lang="en-US" dirty="0" smtClean="0"/>
-          </a:p>
-          <a:p>
-            <a:r>
-              <a:rPr lang="en-US" dirty="0" smtClean="0"/>
-              <a:t> </a:t>
-            </a:r>
-          </a:p>
-          <a:p>
-            <a:r>
-              <a:rPr lang="en-US" dirty="0" smtClean="0"/>
-              <a:t>Note: Prior to version 1.40 </a:t>
-            </a:r>
-            <a:r>
-              <a:rPr lang="en-US" dirty="0" err="1" smtClean="0"/>
-              <a:t>InitPose</a:t>
-            </a:r>
-            <a:r>
-              <a:rPr lang="en-US" dirty="0" smtClean="0"/>
-              <a:t> expects a crouch pose!!</a:t>
-            </a:r>
-          </a:p>
-          <a:p>
-            <a:endParaRPr lang="en-US" dirty="0" smtClean="0"/>
-          </a:p>
-          <a:p>
-            <a:r>
-              <a:rPr lang="en-US" smtClean="0"/>
-              <a:t>From version </a:t>
-            </a:r>
-            <a:r>
-              <a:rPr lang="en-US" dirty="0" smtClean="0"/>
-              <a:t>1.40</a:t>
-            </a:r>
-          </a:p>
-          <a:p>
-            <a:endParaRPr lang="en-US" dirty="0"/>
-          </a:p>
-          <a:p>
-            <a:endParaRPr lang="en-US" dirty="0" smtClean="0"/>
+              <a:rPr lang="en-US" dirty="0" err="1" smtClean="0"/>
+              <a:t>LandMark</a:t>
+            </a:r>
+            <a:r>
+              <a:rPr lang="en-US" dirty="0" smtClean="0"/>
+              <a:t> detection needs to be initialized before it can be used</a:t>
+            </a:r>
           </a:p>
           <a:p>
             <a:pPr marL="0" indent="0">
@@ -8991,22 +11207,35 @@
             <a:endParaRPr lang="en-US" dirty="0" smtClean="0"/>
           </a:p>
           <a:p>
+            <a:endParaRPr lang="en-US" dirty="0"/>
+          </a:p>
+          <a:p>
+            <a:r>
+              <a:rPr lang="en-US" dirty="0" smtClean="0"/>
+              <a:t>After that the Landmark can be detected using:</a:t>
+            </a:r>
+          </a:p>
+          <a:p>
             <a:pPr marL="0" indent="0">
               <a:buNone/>
             </a:pPr>
             <a:endParaRPr lang="en-US" dirty="0" smtClean="0"/>
           </a:p>
           <a:p>
-            <a:endParaRPr lang="en-US" dirty="0"/>
-          </a:p>
-          <a:p>
-            <a:pPr marL="0" indent="0">
-              <a:buNone/>
-            </a:pPr>
-            <a:endParaRPr lang="en-US" dirty="0" smtClean="0"/>
-          </a:p>
-          <a:p>
-            <a:endParaRPr lang="en-US" dirty="0"/>
+            <a:r>
+              <a:rPr lang="en-US" dirty="0" err="1" smtClean="0"/>
+              <a:t>MarkerInfo</a:t>
+            </a:r>
+            <a:r>
+              <a:rPr lang="en-US" dirty="0" smtClean="0"/>
+              <a:t> is an array of detected landmarks</a:t>
+            </a:r>
+          </a:p>
+          <a:p>
+            <a:r>
+              <a:rPr lang="en-US" dirty="0" smtClean="0"/>
+              <a:t>Each detected landmark contains 6 fields, for example the first detected landmark contains:</a:t>
+            </a:r>
           </a:p>
           <a:p>
             <a:endParaRPr lang="en-US" dirty="0"/>
@@ -9021,8 +11250,8 @@
         </p:nvSpPr>
         <p:spPr>
           <a:xfrm>
-            <a:off x="877749" y="1710097"/>
-            <a:ext cx="6741862" cy="646331"/>
+            <a:off x="877749" y="2102248"/>
+            <a:ext cx="6741862" cy="369332"/>
           </a:xfrm>
           <a:prstGeom prst="rect">
             <a:avLst/>
@@ -9035,53 +11264,27 @@
           <a:lstStyle/>
           <a:p>
             <a:r>
-              <a:rPr lang="en-US" dirty="0" err="1"/>
-              <a:t>n</a:t>
-            </a:r>
-            <a:r>
-              <a:rPr lang="en-US" dirty="0" err="1" smtClean="0"/>
-              <a:t>ao.InitPose</a:t>
-            </a:r>
-            <a:r>
-              <a:rPr lang="en-US" dirty="0" smtClean="0"/>
-              <a:t>() # stand up and turn motors on</a:t>
-            </a:r>
-          </a:p>
-          <a:p>
-            <a:r>
-              <a:rPr lang="en-US" dirty="0" err="1"/>
-              <a:t>n</a:t>
-            </a:r>
-            <a:r>
-              <a:rPr lang="en-US" dirty="0" err="1" smtClean="0"/>
-              <a:t>ao.Crouch</a:t>
-            </a:r>
-            <a:r>
-              <a:rPr lang="en-US" dirty="0" smtClean="0"/>
-              <a:t>() # </a:t>
-            </a:r>
-            <a:r>
-              <a:rPr lang="en-US" dirty="0" err="1" smtClean="0"/>
-              <a:t>goto</a:t>
-            </a:r>
-            <a:r>
-              <a:rPr lang="en-US" dirty="0" smtClean="0"/>
-              <a:t> crouch pose and turn motors off</a:t>
-            </a:r>
-            <a:endParaRPr lang="en-US" dirty="0"/>
-          </a:p>
-        </p:txBody>
-      </p:sp>
-      <p:sp>
-        <p:nvSpPr>
-          <p:cNvPr id="10" name="Rectangle 9"/>
+              <a:rPr lang="en-US" dirty="0" err="1" smtClean="0"/>
+              <a:t>nao.InitLandMark</a:t>
+            </a:r>
+            <a:r>
+              <a:rPr lang="en-US" dirty="0" smtClean="0"/>
+              <a:t>()</a:t>
+            </a:r>
+            <a:endParaRPr lang="en-US" dirty="0"/>
+          </a:p>
+        </p:txBody>
+      </p:sp>
+      <p:sp>
+        <p:nvSpPr>
+          <p:cNvPr id="6" name="Rectangle 5"/>
           <p:cNvSpPr/>
           <p:nvPr/>
         </p:nvSpPr>
         <p:spPr>
           <a:xfrm>
-            <a:off x="877749" y="4268430"/>
-            <a:ext cx="6741862" cy="923330"/>
+            <a:off x="877749" y="3281979"/>
+            <a:ext cx="6741862" cy="369332"/>
           </a:xfrm>
           <a:prstGeom prst="rect">
             <a:avLst/>
@@ -9094,42 +11297,206 @@
           <a:lstStyle/>
           <a:p>
             <a:r>
-              <a:rPr lang="en-US" dirty="0" err="1" smtClean="0"/>
-              <a:t>nao.GoToPosture</a:t>
-            </a:r>
-            <a:r>
-              <a:rPr lang="en-US" dirty="0" smtClean="0"/>
-              <a:t>(</a:t>
-            </a:r>
-            <a:r>
-              <a:rPr lang="en-US" dirty="0" err="1" smtClean="0"/>
-              <a:t>the_pose</a:t>
-            </a:r>
-            <a:r>
-              <a:rPr lang="en-US" dirty="0" smtClean="0"/>
-              <a:t>)</a:t>
-            </a:r>
-          </a:p>
-          <a:p>
-            <a:endParaRPr lang="en-US" dirty="0"/>
-          </a:p>
-          <a:p>
-            <a:r>
-              <a:rPr lang="en-US" dirty="0" smtClean="0"/>
-              <a:t>#Available postures are “Stand”, “Sit”, “Crouch”, </a:t>
-            </a:r>
-            <a:r>
-              <a:rPr lang="is-IS" dirty="0" smtClean="0"/>
-              <a:t>…</a:t>
-            </a:r>
-            <a:endParaRPr lang="en-US" dirty="0"/>
+              <a:rPr lang="en-US" dirty="0"/>
+              <a:t>detected, timestamp, </a:t>
+            </a:r>
+            <a:r>
+              <a:rPr lang="en-US" dirty="0" err="1"/>
+              <a:t>markerInfo</a:t>
+            </a:r>
+            <a:r>
+              <a:rPr lang="en-US" dirty="0"/>
+              <a:t>=</a:t>
+            </a:r>
+            <a:r>
+              <a:rPr lang="en-US" dirty="0" err="1" smtClean="0"/>
+              <a:t>nao.DetectLandMark</a:t>
+            </a:r>
+            <a:r>
+              <a:rPr lang="en-US" dirty="0" smtClean="0"/>
+              <a:t>()</a:t>
+            </a:r>
+            <a:endParaRPr lang="en-US" dirty="0"/>
+          </a:p>
+        </p:txBody>
+      </p:sp>
+      <p:sp>
+        <p:nvSpPr>
+          <p:cNvPr id="8" name="Rectangle 7"/>
+          <p:cNvSpPr/>
+          <p:nvPr/>
+        </p:nvSpPr>
+        <p:spPr>
+          <a:xfrm>
+            <a:off x="625958" y="4974881"/>
+            <a:ext cx="6741862" cy="1754327"/>
+          </a:xfrm>
+          <a:prstGeom prst="rect">
+            <a:avLst/>
+          </a:prstGeom>
+        </p:spPr>
+        <p:txBody>
+          <a:bodyPr wrap="square">
+            <a:spAutoFit/>
+          </a:bodyPr>
+          <a:lstStyle/>
+          <a:p>
+            <a:r>
+              <a:rPr lang="en-US" dirty="0" err="1"/>
+              <a:t>m</a:t>
+            </a:r>
+            <a:r>
+              <a:rPr lang="en-US" dirty="0" err="1" smtClean="0"/>
+              <a:t>arkerinfo</a:t>
+            </a:r>
+            <a:r>
+              <a:rPr lang="en-US" dirty="0" smtClean="0"/>
+              <a:t>[0][0]		#</a:t>
+            </a:r>
+            <a:r>
+              <a:rPr lang="en-US" dirty="0" err="1"/>
+              <a:t>markerID</a:t>
+            </a:r>
+            <a:endParaRPr lang="en-US" dirty="0"/>
+          </a:p>
+          <a:p>
+            <a:r>
+              <a:rPr lang="en-US" dirty="0" err="1"/>
+              <a:t>m</a:t>
+            </a:r>
+            <a:r>
+              <a:rPr lang="en-US" dirty="0" err="1" smtClean="0"/>
+              <a:t>arkerinfo</a:t>
+            </a:r>
+            <a:r>
+              <a:rPr lang="en-US" dirty="0" smtClean="0"/>
+              <a:t>[0][1]		#</a:t>
+            </a:r>
+            <a:r>
+              <a:rPr lang="en-US" dirty="0"/>
+              <a:t>alpha - x location in camera angle</a:t>
+            </a:r>
+          </a:p>
+          <a:p>
+            <a:r>
+              <a:rPr lang="en-US" dirty="0" err="1"/>
+              <a:t>m</a:t>
+            </a:r>
+            <a:r>
+              <a:rPr lang="en-US" dirty="0" err="1" smtClean="0"/>
+              <a:t>arkerinfo</a:t>
+            </a:r>
+            <a:r>
+              <a:rPr lang="en-US" dirty="0" smtClean="0"/>
+              <a:t>[0][2]</a:t>
+            </a:r>
+            <a:r>
+              <a:rPr lang="en-US" dirty="0"/>
+              <a:t>	</a:t>
+            </a:r>
+            <a:r>
+              <a:rPr lang="en-US" dirty="0" smtClean="0"/>
+              <a:t>	#</a:t>
+            </a:r>
+            <a:r>
+              <a:rPr lang="en-US" dirty="0"/>
+              <a:t>beta  - y location</a:t>
+            </a:r>
+          </a:p>
+          <a:p>
+            <a:r>
+              <a:rPr lang="en-US" dirty="0" err="1"/>
+              <a:t>m</a:t>
+            </a:r>
+            <a:r>
+              <a:rPr lang="en-US" dirty="0" err="1" smtClean="0"/>
+              <a:t>arkerinfo</a:t>
+            </a:r>
+            <a:r>
+              <a:rPr lang="en-US" dirty="0" smtClean="0"/>
+              <a:t>[0][3]</a:t>
+            </a:r>
+            <a:r>
+              <a:rPr lang="en-US" dirty="0"/>
+              <a:t>	</a:t>
+            </a:r>
+            <a:r>
+              <a:rPr lang="en-US" dirty="0" smtClean="0"/>
+              <a:t>	#</a:t>
+            </a:r>
+            <a:r>
+              <a:rPr lang="en-US" dirty="0" err="1"/>
+              <a:t>sizeX</a:t>
+            </a:r>
+            <a:endParaRPr lang="en-US" dirty="0"/>
+          </a:p>
+          <a:p>
+            <a:r>
+              <a:rPr lang="en-US" dirty="0" err="1"/>
+              <a:t>m</a:t>
+            </a:r>
+            <a:r>
+              <a:rPr lang="en-US" dirty="0" err="1" smtClean="0"/>
+              <a:t>arkerinfo</a:t>
+            </a:r>
+            <a:r>
+              <a:rPr lang="en-US" dirty="0" smtClean="0"/>
+              <a:t>[0][4]		#</a:t>
+            </a:r>
+            <a:r>
+              <a:rPr lang="en-US" dirty="0" err="1"/>
+              <a:t>sizeY</a:t>
+            </a:r>
+            <a:endParaRPr lang="en-US" dirty="0"/>
+          </a:p>
+          <a:p>
+            <a:r>
+              <a:rPr lang="en-US" dirty="0" err="1"/>
+              <a:t>m</a:t>
+            </a:r>
+            <a:r>
+              <a:rPr lang="en-US" dirty="0" err="1" smtClean="0"/>
+              <a:t>arkerinfo</a:t>
+            </a:r>
+            <a:r>
+              <a:rPr lang="en-US" dirty="0" smtClean="0"/>
+              <a:t>[0][5</a:t>
+            </a:r>
+            <a:r>
+              <a:rPr lang="en-US" dirty="0"/>
+              <a:t>] </a:t>
+            </a:r>
+            <a:r>
+              <a:rPr lang="en-US" dirty="0" smtClean="0"/>
+              <a:t>	#</a:t>
+            </a:r>
+            <a:r>
+              <a:rPr lang="en-US" dirty="0"/>
+              <a:t>orientation about vertical </a:t>
+            </a:r>
+            <a:r>
+              <a:rPr lang="en-US" dirty="0" err="1"/>
+              <a:t>w.r.</a:t>
+            </a:r>
+            <a:r>
+              <a:rPr lang="en-US" dirty="0"/>
+              <a:t> </a:t>
+            </a:r>
+            <a:r>
+              <a:rPr lang="en-US" dirty="0" err="1"/>
+              <a:t>Nao's</a:t>
+            </a:r>
+            <a:r>
+              <a:rPr lang="en-US" dirty="0"/>
+              <a:t> head</a:t>
+            </a:r>
           </a:p>
         </p:txBody>
       </p:sp>
     </p:spTree>
     <p:extLst>
       <p:ext uri="{BB962C8B-B14F-4D97-AF65-F5344CB8AC3E}">
-        <p14:creationId xmlns:p14="http://schemas.microsoft.com/office/powerpoint/2010/main" val="1605723365"/>
+        <p14:creationId xmlns:p14="http://schemas.microsoft.com/office/powerpoint/2010/main" val="1515840063"/>
       </p:ext>
     </p:extLst>
   </p:cSld>

--- a/Manual nao-lib.pptx
+++ b/Manual nao-lib.pptx
@@ -200,14 +200,14 @@
           </a:ln>
           <a:extLst>
             <a:ext uri="{909E8E84-426E-40dd-AFC4-6F175D3DCCD1}">
-              <a14:hiddenFill xmlns:a14="http://schemas.microsoft.com/office/drawing/2010/main" xmlns="">
+              <a14:hiddenFill xmlns="" xmlns:a14="http://schemas.microsoft.com/office/drawing/2010/main">
                 <a:solidFill>
                   <a:srgbClr val="FFFFFF"/>
                 </a:solidFill>
               </a14:hiddenFill>
             </a:ext>
             <a:ext uri="{91240B29-F687-4f45-9708-019B960494DF}">
-              <a14:hiddenLine xmlns:a14="http://schemas.microsoft.com/office/drawing/2010/main" xmlns="" w="9525">
+              <a14:hiddenLine xmlns="" xmlns:a14="http://schemas.microsoft.com/office/drawing/2010/main" w="9525">
                 <a:solidFill>
                   <a:srgbClr val="000000"/>
                 </a:solidFill>
@@ -254,14 +254,14 @@
           </a:ln>
           <a:extLst>
             <a:ext uri="{909E8E84-426E-40dd-AFC4-6F175D3DCCD1}">
-              <a14:hiddenFill xmlns:a14="http://schemas.microsoft.com/office/drawing/2010/main" xmlns="">
+              <a14:hiddenFill xmlns="" xmlns:a14="http://schemas.microsoft.com/office/drawing/2010/main">
                 <a:solidFill>
                   <a:srgbClr val="FFFFFF"/>
                 </a:solidFill>
               </a14:hiddenFill>
             </a:ext>
             <a:ext uri="{91240B29-F687-4f45-9708-019B960494DF}">
-              <a14:hiddenLine xmlns:a14="http://schemas.microsoft.com/office/drawing/2010/main" xmlns="" w="9525">
+              <a14:hiddenLine xmlns="" xmlns:a14="http://schemas.microsoft.com/office/drawing/2010/main" w="9525">
                 <a:solidFill>
                   <a:srgbClr val="000000"/>
                 </a:solidFill>
@@ -332,7 +332,7 @@
           </a:lstStyle>
           <a:p>
             <a:r>
-              <a:rPr lang="en-US" dirty="0" smtClean="0"/>
+              <a:rPr lang="en-US" dirty="0"/>
               <a:t>Click to edit Master subtitle style</a:t>
             </a:r>
             <a:endParaRPr lang="nl-NL" dirty="0"/>
@@ -385,10 +385,9 @@
           <a:lstStyle/>
           <a:p>
             <a:r>
-              <a:rPr lang="en-US" smtClean="0"/>
+              <a:rPr lang="en-US"/>
               <a:t>Click to edit Master title style</a:t>
             </a:r>
-            <a:endParaRPr lang="en-US"/>
           </a:p>
         </p:txBody>
       </p:sp>
@@ -409,38 +408,37 @@
           <a:p>
             <a:pPr lvl="0"/>
             <a:r>
-              <a:rPr lang="en-US" dirty="0" smtClean="0"/>
+              <a:rPr lang="en-US" dirty="0"/>
               <a:t>Click to edit Master text styles</a:t>
             </a:r>
           </a:p>
           <a:p>
             <a:pPr lvl="1"/>
             <a:r>
-              <a:rPr lang="en-US" dirty="0" smtClean="0"/>
+              <a:rPr lang="en-US" dirty="0"/>
               <a:t>Second level</a:t>
             </a:r>
           </a:p>
           <a:p>
             <a:pPr lvl="2"/>
             <a:r>
-              <a:rPr lang="en-US" dirty="0" smtClean="0"/>
+              <a:rPr lang="en-US" dirty="0"/>
               <a:t>Third level</a:t>
             </a:r>
           </a:p>
           <a:p>
             <a:pPr lvl="3"/>
             <a:r>
-              <a:rPr lang="en-US" dirty="0" smtClean="0"/>
+              <a:rPr lang="en-US" dirty="0"/>
               <a:t>Fourth level</a:t>
             </a:r>
           </a:p>
           <a:p>
             <a:pPr lvl="4"/>
             <a:r>
-              <a:rPr lang="en-US" dirty="0" smtClean="0"/>
+              <a:rPr lang="en-US" dirty="0"/>
               <a:t>Fifth level</a:t>
             </a:r>
-            <a:endParaRPr lang="en-US" dirty="0"/>
           </a:p>
         </p:txBody>
       </p:sp>
@@ -542,7 +540,7 @@
                 </a:solidFill>
               </a:rPr>
               <a:pPr/>
-              <a:t>5/6/2018</a:t>
+              <a:t>6/16/23</a:t>
             </a:fld>
             <a:endParaRPr lang="en-US" altLang="en-US">
               <a:solidFill>
@@ -611,10 +609,9 @@
           </a:lstStyle>
           <a:p>
             <a:r>
-              <a:rPr lang="en-US" dirty="0" smtClean="0"/>
+              <a:rPr lang="en-US" dirty="0"/>
               <a:t>Click to edit Master title style</a:t>
             </a:r>
-            <a:endParaRPr lang="en-US" dirty="0"/>
           </a:p>
         </p:txBody>
       </p:sp>
@@ -677,7 +674,7 @@
           <a:p>
             <a:pPr lvl="0"/>
             <a:r>
-              <a:rPr lang="en-US" smtClean="0"/>
+              <a:rPr lang="en-US"/>
               <a:t>Click to edit Master text styles</a:t>
             </a:r>
           </a:p>
@@ -781,7 +778,7 @@
                 </a:solidFill>
               </a:rPr>
               <a:pPr/>
-              <a:t>5/6/2018</a:t>
+              <a:t>6/16/23</a:t>
             </a:fld>
             <a:endParaRPr lang="en-US" altLang="en-US">
               <a:solidFill>
@@ -837,10 +834,9 @@
           <a:lstStyle/>
           <a:p>
             <a:r>
-              <a:rPr lang="en-US" smtClean="0"/>
+              <a:rPr lang="en-US"/>
               <a:t>Click to edit Master title style</a:t>
             </a:r>
-            <a:endParaRPr lang="en-US"/>
           </a:p>
         </p:txBody>
       </p:sp>
@@ -894,38 +890,37 @@
           <a:p>
             <a:pPr lvl="0"/>
             <a:r>
-              <a:rPr lang="en-US" dirty="0" smtClean="0"/>
+              <a:rPr lang="en-US" dirty="0"/>
               <a:t>Click to edit Master text styles</a:t>
             </a:r>
           </a:p>
           <a:p>
             <a:pPr lvl="1"/>
             <a:r>
-              <a:rPr lang="en-US" dirty="0" smtClean="0"/>
+              <a:rPr lang="en-US" dirty="0"/>
               <a:t>Second level</a:t>
             </a:r>
           </a:p>
           <a:p>
             <a:pPr lvl="2"/>
             <a:r>
-              <a:rPr lang="en-US" dirty="0" smtClean="0"/>
+              <a:rPr lang="en-US" dirty="0"/>
               <a:t>Third level</a:t>
             </a:r>
           </a:p>
           <a:p>
             <a:pPr lvl="3"/>
             <a:r>
-              <a:rPr lang="en-US" dirty="0" smtClean="0"/>
+              <a:rPr lang="en-US" dirty="0"/>
               <a:t>Fourth level</a:t>
             </a:r>
           </a:p>
           <a:p>
             <a:pPr lvl="4"/>
             <a:r>
-              <a:rPr lang="en-US" dirty="0" smtClean="0"/>
+              <a:rPr lang="en-US" dirty="0"/>
               <a:t>Fifth level</a:t>
             </a:r>
-            <a:endParaRPr lang="en-US" dirty="0"/>
           </a:p>
         </p:txBody>
       </p:sp>
@@ -979,38 +974,37 @@
           <a:p>
             <a:pPr lvl="0"/>
             <a:r>
-              <a:rPr lang="en-US" dirty="0" smtClean="0"/>
+              <a:rPr lang="en-US" dirty="0"/>
               <a:t>Click to edit Master text styles</a:t>
             </a:r>
           </a:p>
           <a:p>
             <a:pPr lvl="1"/>
             <a:r>
-              <a:rPr lang="en-US" dirty="0" smtClean="0"/>
+              <a:rPr lang="en-US" dirty="0"/>
               <a:t>Second level</a:t>
             </a:r>
           </a:p>
           <a:p>
             <a:pPr lvl="2"/>
             <a:r>
-              <a:rPr lang="en-US" dirty="0" smtClean="0"/>
+              <a:rPr lang="en-US" dirty="0"/>
               <a:t>Third level</a:t>
             </a:r>
           </a:p>
           <a:p>
             <a:pPr lvl="3"/>
             <a:r>
-              <a:rPr lang="en-US" dirty="0" smtClean="0"/>
+              <a:rPr lang="en-US" dirty="0"/>
               <a:t>Fourth level</a:t>
             </a:r>
           </a:p>
           <a:p>
             <a:pPr lvl="4"/>
             <a:r>
-              <a:rPr lang="en-US" dirty="0" smtClean="0"/>
+              <a:rPr lang="en-US" dirty="0"/>
               <a:t>Fifth level</a:t>
             </a:r>
-            <a:endParaRPr lang="en-US" dirty="0"/>
           </a:p>
         </p:txBody>
       </p:sp>
@@ -1112,7 +1106,7 @@
                 </a:solidFill>
               </a:rPr>
               <a:pPr/>
-              <a:t>5/6/2018</a:t>
+              <a:t>6/16/23</a:t>
             </a:fld>
             <a:endParaRPr lang="en-US" altLang="en-US">
               <a:solidFill>
@@ -1211,7 +1205,7 @@
           <a:p>
             <a:pPr lvl="0"/>
             <a:r>
-              <a:rPr lang="en-US" dirty="0" smtClean="0"/>
+              <a:rPr lang="en-US" dirty="0"/>
               <a:t>Click to edit Master text styles</a:t>
             </a:r>
           </a:p>
@@ -1267,38 +1261,37 @@
           <a:p>
             <a:pPr lvl="0"/>
             <a:r>
-              <a:rPr lang="en-US" dirty="0" smtClean="0"/>
+              <a:rPr lang="en-US" dirty="0"/>
               <a:t>Click to edit Master text styles</a:t>
             </a:r>
           </a:p>
           <a:p>
             <a:pPr lvl="1"/>
             <a:r>
-              <a:rPr lang="en-US" dirty="0" smtClean="0"/>
+              <a:rPr lang="en-US" dirty="0"/>
               <a:t>Second level</a:t>
             </a:r>
           </a:p>
           <a:p>
             <a:pPr lvl="2"/>
             <a:r>
-              <a:rPr lang="en-US" dirty="0" smtClean="0"/>
+              <a:rPr lang="en-US" dirty="0"/>
               <a:t>Third level</a:t>
             </a:r>
           </a:p>
           <a:p>
             <a:pPr lvl="3"/>
             <a:r>
-              <a:rPr lang="en-US" dirty="0" smtClean="0"/>
+              <a:rPr lang="en-US" dirty="0"/>
               <a:t>Fourth level</a:t>
             </a:r>
           </a:p>
           <a:p>
             <a:pPr lvl="4"/>
             <a:r>
-              <a:rPr lang="en-US" dirty="0" smtClean="0"/>
+              <a:rPr lang="en-US" dirty="0"/>
               <a:t>Fifth level</a:t>
             </a:r>
-            <a:endParaRPr lang="en-US" dirty="0"/>
           </a:p>
         </p:txBody>
       </p:sp>
@@ -1361,7 +1354,7 @@
           <a:p>
             <a:pPr lvl="0"/>
             <a:r>
-              <a:rPr lang="en-US" smtClean="0"/>
+              <a:rPr lang="en-US"/>
               <a:t>Click to edit Master text styles</a:t>
             </a:r>
           </a:p>
@@ -1417,38 +1410,37 @@
           <a:p>
             <a:pPr lvl="0"/>
             <a:r>
-              <a:rPr lang="en-US" dirty="0" smtClean="0"/>
+              <a:rPr lang="en-US" dirty="0"/>
               <a:t>Click to edit Master text styles</a:t>
             </a:r>
           </a:p>
           <a:p>
             <a:pPr lvl="1"/>
             <a:r>
-              <a:rPr lang="en-US" dirty="0" smtClean="0"/>
+              <a:rPr lang="en-US" dirty="0"/>
               <a:t>Second level</a:t>
             </a:r>
           </a:p>
           <a:p>
             <a:pPr lvl="2"/>
             <a:r>
-              <a:rPr lang="en-US" dirty="0" smtClean="0"/>
+              <a:rPr lang="en-US" dirty="0"/>
               <a:t>Third level</a:t>
             </a:r>
           </a:p>
           <a:p>
             <a:pPr lvl="3"/>
             <a:r>
-              <a:rPr lang="en-US" dirty="0" smtClean="0"/>
+              <a:rPr lang="en-US" dirty="0"/>
               <a:t>Fourth level</a:t>
             </a:r>
           </a:p>
           <a:p>
             <a:pPr lvl="4"/>
             <a:r>
-              <a:rPr lang="en-US" dirty="0" smtClean="0"/>
+              <a:rPr lang="en-US" dirty="0"/>
               <a:t>Fifth level</a:t>
             </a:r>
-            <a:endParaRPr lang="en-US" dirty="0"/>
           </a:p>
         </p:txBody>
       </p:sp>
@@ -1473,10 +1465,9 @@
           <a:lstStyle/>
           <a:p>
             <a:r>
-              <a:rPr lang="en-US" smtClean="0"/>
+              <a:rPr lang="en-US"/>
               <a:t>Click to edit Master title style</a:t>
             </a:r>
-            <a:endParaRPr lang="en-US"/>
           </a:p>
         </p:txBody>
       </p:sp>
@@ -1578,7 +1569,7 @@
                 </a:solidFill>
               </a:rPr>
               <a:pPr/>
-              <a:t>5/6/2018</a:t>
+              <a:t>6/16/23</a:t>
             </a:fld>
             <a:endParaRPr lang="en-US" altLang="en-US">
               <a:solidFill>
@@ -1634,10 +1625,9 @@
           <a:lstStyle/>
           <a:p>
             <a:r>
-              <a:rPr lang="en-US" smtClean="0"/>
+              <a:rPr lang="en-US"/>
               <a:t>Click to edit Master title style</a:t>
             </a:r>
-            <a:endParaRPr lang="en-US"/>
           </a:p>
         </p:txBody>
       </p:sp>
@@ -1739,7 +1729,7 @@
                 </a:solidFill>
               </a:rPr>
               <a:pPr/>
-              <a:t>5/6/2018</a:t>
+              <a:t>6/16/23</a:t>
             </a:fld>
             <a:endParaRPr lang="en-US" altLang="en-US">
               <a:solidFill>
@@ -1877,7 +1867,7 @@
                 </a:solidFill>
               </a:rPr>
               <a:pPr/>
-              <a:t>5/6/2018</a:t>
+              <a:t>6/16/23</a:t>
             </a:fld>
             <a:endParaRPr lang="en-US" altLang="en-US">
               <a:solidFill>
@@ -1938,10 +1928,9 @@
           <a:lstStyle/>
           <a:p>
             <a:r>
-              <a:rPr lang="en-US" smtClean="0"/>
+              <a:rPr lang="en-US"/>
               <a:t>Click to edit Master title style</a:t>
             </a:r>
-            <a:endParaRPr lang="en-US"/>
           </a:p>
         </p:txBody>
       </p:sp>
@@ -2036,7 +2025,7 @@
                 </a:solidFill>
               </a:rPr>
               <a:pPr/>
-              <a:t>5/6/2018</a:t>
+              <a:t>6/16/23</a:t>
             </a:fld>
             <a:endParaRPr lang="en-US" altLang="en-US">
               <a:solidFill>
@@ -2160,14 +2149,14 @@
           </a:ln>
           <a:extLst>
             <a:ext uri="{909E8E84-426E-40dd-AFC4-6F175D3DCCD1}">
-              <a14:hiddenFill xmlns:a14="http://schemas.microsoft.com/office/drawing/2010/main" xmlns="">
+              <a14:hiddenFill xmlns="" xmlns:a14="http://schemas.microsoft.com/office/drawing/2010/main">
                 <a:solidFill>
                   <a:srgbClr val="FFFFFF"/>
                 </a:solidFill>
               </a14:hiddenFill>
             </a:ext>
             <a:ext uri="{91240B29-F687-4f45-9708-019B960494DF}">
-              <a14:hiddenLine xmlns:a14="http://schemas.microsoft.com/office/drawing/2010/main" xmlns="" w="9525">
+              <a14:hiddenLine xmlns="" xmlns:a14="http://schemas.microsoft.com/office/drawing/2010/main" w="9525">
                 <a:solidFill>
                   <a:srgbClr val="000000"/>
                 </a:solidFill>
@@ -2203,14 +2192,14 @@
           </a:ln>
           <a:extLst>
             <a:ext uri="{909E8E84-426E-40dd-AFC4-6F175D3DCCD1}">
-              <a14:hiddenFill xmlns:a14="http://schemas.microsoft.com/office/drawing/2010/main" xmlns="">
+              <a14:hiddenFill xmlns="" xmlns:a14="http://schemas.microsoft.com/office/drawing/2010/main">
                 <a:solidFill>
                   <a:srgbClr val="FFFFFF"/>
                 </a:solidFill>
               </a14:hiddenFill>
             </a:ext>
             <a:ext uri="{91240B29-F687-4f45-9708-019B960494DF}">
-              <a14:hiddenLine xmlns:a14="http://schemas.microsoft.com/office/drawing/2010/main" xmlns="" w="9525">
+              <a14:hiddenLine xmlns="" xmlns:a14="http://schemas.microsoft.com/office/drawing/2010/main" w="9525">
                 <a:solidFill>
                   <a:srgbClr val="000000"/>
                 </a:solidFill>
@@ -2231,7 +2220,7 @@
           <a:p>
             <a:pPr lvl="0"/>
             <a:r>
-              <a:rPr lang="nl-NL" altLang="en-US" smtClean="0"/>
+              <a:rPr lang="nl-NL" altLang="en-US"/>
               <a:t>Klik om het opmaakprofiel te bewerken</a:t>
             </a:r>
           </a:p>
@@ -2412,14 +2401,14 @@
           </a:ln>
           <a:extLst>
             <a:ext uri="{909E8E84-426E-40dd-AFC4-6F175D3DCCD1}">
-              <a14:hiddenFill xmlns:a14="http://schemas.microsoft.com/office/drawing/2010/main" xmlns="">
+              <a14:hiddenFill xmlns="" xmlns:a14="http://schemas.microsoft.com/office/drawing/2010/main">
                 <a:solidFill>
                   <a:srgbClr val="FFFFFF"/>
                 </a:solidFill>
               </a14:hiddenFill>
             </a:ext>
             <a:ext uri="{91240B29-F687-4f45-9708-019B960494DF}">
-              <a14:hiddenLine xmlns:a14="http://schemas.microsoft.com/office/drawing/2010/main" xmlns="" w="9525">
+              <a14:hiddenLine xmlns="" xmlns:a14="http://schemas.microsoft.com/office/drawing/2010/main" w="9525">
                 <a:solidFill>
                   <a:srgbClr val="000000"/>
                 </a:solidFill>
@@ -2499,7 +2488,7 @@
                   <a:spcPct val="0"/>
                 </a:spcAft>
               </a:pPr>
-              <a:t>5/6/2018</a:t>
+              <a:t>6/16/23</a:t>
             </a:fld>
             <a:endParaRPr lang="en-US" altLang="en-US">
               <a:solidFill>
@@ -2535,14 +2524,14 @@
           </a:ln>
           <a:extLst>
             <a:ext uri="{909E8E84-426E-40dd-AFC4-6F175D3DCCD1}">
-              <a14:hiddenFill xmlns:a14="http://schemas.microsoft.com/office/drawing/2010/main" xmlns="">
+              <a14:hiddenFill xmlns="" xmlns:a14="http://schemas.microsoft.com/office/drawing/2010/main">
                 <a:solidFill>
                   <a:srgbClr val="FFFFFF"/>
                 </a:solidFill>
               </a14:hiddenFill>
             </a:ext>
             <a:ext uri="{91240B29-F687-4f45-9708-019B960494DF}">
-              <a14:hiddenLine xmlns:a14="http://schemas.microsoft.com/office/drawing/2010/main" xmlns="" w="9525">
+              <a14:hiddenLine xmlns="" xmlns:a14="http://schemas.microsoft.com/office/drawing/2010/main" w="9525">
                 <a:solidFill>
                   <a:srgbClr val="000000"/>
                 </a:solidFill>
@@ -2563,35 +2552,35 @@
           <a:p>
             <a:pPr lvl="0"/>
             <a:r>
-              <a:rPr lang="nl-NL" altLang="en-US" smtClean="0"/>
+              <a:rPr lang="nl-NL" altLang="en-US"/>
               <a:t>Klik om de opmaakprofielen van de modeltekst te bewerken</a:t>
             </a:r>
           </a:p>
           <a:p>
             <a:pPr lvl="1"/>
             <a:r>
-              <a:rPr lang="nl-NL" altLang="en-US" smtClean="0"/>
+              <a:rPr lang="nl-NL" altLang="en-US"/>
               <a:t>Tweede niveau</a:t>
             </a:r>
           </a:p>
           <a:p>
             <a:pPr lvl="2"/>
             <a:r>
-              <a:rPr lang="nl-NL" altLang="en-US" smtClean="0"/>
+              <a:rPr lang="nl-NL" altLang="en-US"/>
               <a:t>Derde niveau</a:t>
             </a:r>
           </a:p>
           <a:p>
             <a:pPr lvl="3"/>
             <a:r>
-              <a:rPr lang="nl-NL" altLang="en-US" smtClean="0"/>
+              <a:rPr lang="nl-NL" altLang="en-US"/>
               <a:t>Vierde niveau</a:t>
             </a:r>
           </a:p>
           <a:p>
             <a:pPr lvl="4"/>
             <a:r>
-              <a:rPr lang="nl-NL" altLang="en-US" smtClean="0"/>
+              <a:rPr lang="nl-NL" altLang="en-US"/>
               <a:t>Vijfde niveau</a:t>
             </a:r>
           </a:p>
@@ -3067,18 +3056,17 @@
           <a:lstStyle/>
           <a:p>
             <a:r>
-              <a:rPr lang="en-US" dirty="0" smtClean="0"/>
+              <a:rPr lang="en-US" dirty="0"/>
               <a:t>Manual </a:t>
             </a:r>
             <a:r>
-              <a:rPr lang="en-US" dirty="0" err="1" smtClean="0"/>
+              <a:rPr lang="en-US" dirty="0" err="1"/>
               <a:t>nao</a:t>
             </a:r>
             <a:r>
-              <a:rPr lang="en-US" dirty="0" smtClean="0"/>
+              <a:rPr lang="en-US" dirty="0"/>
               <a:t>-lib</a:t>
             </a:r>
-            <a:endParaRPr lang="en-US" dirty="0"/>
           </a:p>
         </p:txBody>
       </p:sp>
@@ -3147,11 +3135,11 @@
           <a:lstStyle/>
           <a:p>
             <a:r>
-              <a:rPr lang="en-US" dirty="0" smtClean="0"/>
+              <a:rPr lang="en-US" dirty="0"/>
               <a:t>Using </a:t>
             </a:r>
             <a:r>
-              <a:rPr lang="en-US" dirty="0" err="1" smtClean="0"/>
+              <a:rPr lang="en-US" dirty="0" err="1"/>
               <a:t>nao.py</a:t>
             </a:r>
             <a:endParaRPr lang="en-US" dirty="0"/>
@@ -3174,7 +3162,7 @@
           <a:lstStyle/>
           <a:p>
             <a:r>
-              <a:rPr lang="en-US" dirty="0" smtClean="0"/>
+              <a:rPr lang="en-US" dirty="0"/>
               <a:t>Sound detection needs to be initialized before it can be used</a:t>
             </a:r>
           </a:p>
@@ -3182,14 +3170,14 @@
             <a:pPr marL="0" indent="0">
               <a:buNone/>
             </a:pPr>
-            <a:endParaRPr lang="en-US" dirty="0" smtClean="0"/>
-          </a:p>
-          <a:p>
-            <a:endParaRPr lang="en-US" dirty="0"/>
-          </a:p>
-          <a:p>
-            <a:r>
-              <a:rPr lang="en-US" dirty="0" smtClean="0"/>
+            <a:endParaRPr lang="en-US" dirty="0"/>
+          </a:p>
+          <a:p>
+            <a:endParaRPr lang="en-US" dirty="0"/>
+          </a:p>
+          <a:p>
+            <a:r>
+              <a:rPr lang="en-US" dirty="0"/>
               <a:t>After that Sound can be detected using:</a:t>
             </a:r>
           </a:p>
@@ -3197,18 +3185,22 @@
             <a:pPr marL="0" indent="0">
               <a:buNone/>
             </a:pPr>
-            <a:endParaRPr lang="en-US" dirty="0" smtClean="0"/>
+            <a:endParaRPr lang="en-US" dirty="0"/>
           </a:p>
           <a:p>
             <a:pPr marL="0" indent="0">
               <a:buNone/>
             </a:pPr>
-            <a:endParaRPr lang="en-US" dirty="0" smtClean="0"/>
-          </a:p>
-          <a:p>
-            <a:r>
-              <a:rPr lang="en-US" dirty="0" smtClean="0"/>
-              <a:t>Marker Info is an array with the following fields:</a:t>
+            <a:endParaRPr lang="en-US" dirty="0"/>
+          </a:p>
+          <a:p>
+            <a:r>
+              <a:rPr lang="en-US" dirty="0" err="1"/>
+              <a:t>soundInfo</a:t>
+            </a:r>
+            <a:r>
+              <a:rPr lang="en-US" dirty="0"/>
+              <a:t> is an array with the following fields:</a:t>
             </a:r>
           </a:p>
           <a:p>
@@ -3238,14 +3230,13 @@
           <a:lstStyle/>
           <a:p>
             <a:r>
-              <a:rPr lang="en-US" dirty="0" err="1" smtClean="0"/>
+              <a:rPr lang="en-US" dirty="0" err="1"/>
               <a:t>nao.InitSoundDetection</a:t>
             </a:r>
             <a:r>
-              <a:rPr lang="en-US" dirty="0" smtClean="0"/>
+              <a:rPr lang="en-US" dirty="0"/>
               <a:t>()</a:t>
             </a:r>
-            <a:endParaRPr lang="en-US" dirty="0"/>
           </a:p>
         </p:txBody>
       </p:sp>
@@ -3275,7 +3266,7 @@
               <a:t>detected, timestamp, </a:t>
             </a:r>
             <a:r>
-              <a:rPr lang="en-US" dirty="0" err="1" smtClean="0"/>
+              <a:rPr lang="en-US" dirty="0" err="1"/>
               <a:t>soundInfo</a:t>
             </a:r>
             <a:r>
@@ -3283,14 +3274,13 @@
               <a:t>=</a:t>
             </a:r>
             <a:r>
-              <a:rPr lang="en-US" dirty="0" err="1" smtClean="0"/>
+              <a:rPr lang="en-US" dirty="0" err="1"/>
               <a:t>nao.DetectSound</a:t>
             </a:r>
             <a:r>
-              <a:rPr lang="en-US" dirty="0" smtClean="0"/>
+              <a:rPr lang="en-US" dirty="0"/>
               <a:t>()</a:t>
             </a:r>
-            <a:endParaRPr lang="en-US" dirty="0"/>
           </a:p>
         </p:txBody>
       </p:sp>
@@ -3316,56 +3306,32 @@
           <a:lstStyle/>
           <a:p>
             <a:r>
-              <a:rPr lang="en-US" dirty="0" err="1" smtClean="0"/>
+              <a:rPr lang="en-US" dirty="0" err="1"/>
               <a:t>soundInfo</a:t>
             </a:r>
             <a:r>
-              <a:rPr lang="en-US" dirty="0" smtClean="0"/>
-              <a:t>[0]	</a:t>
-            </a:r>
-            <a:r>
-              <a:rPr lang="en-US" dirty="0"/>
-              <a:t>	#index of sound start/</a:t>
-            </a:r>
-            <a:r>
-              <a:rPr lang="en-US" dirty="0" smtClean="0"/>
-              <a:t>end</a:t>
-            </a:r>
-          </a:p>
-          <a:p>
-            <a:r>
-              <a:rPr lang="en-US" dirty="0" err="1" smtClean="0"/>
+              <a:rPr lang="en-US" dirty="0"/>
+              <a:t>[0]		#index of sound start/end</a:t>
+            </a:r>
+          </a:p>
+          <a:p>
+            <a:r>
+              <a:rPr lang="en-US" dirty="0" err="1"/>
               <a:t>soundInfo</a:t>
             </a:r>
             <a:r>
-              <a:rPr lang="en-US" dirty="0" smtClean="0"/>
-              <a:t>[1]		#</a:t>
-            </a:r>
-            <a:r>
-              <a:rPr lang="en-US" dirty="0"/>
-              <a:t>type: 1=start, 0=end</a:t>
-            </a:r>
-          </a:p>
-          <a:p>
-            <a:r>
-              <a:rPr lang="en-US" dirty="0" err="1" smtClean="0"/>
+              <a:rPr lang="en-US" dirty="0"/>
+              <a:t>[1]		#type: 1=start, 0=end</a:t>
+            </a:r>
+          </a:p>
+          <a:p>
+            <a:r>
+              <a:rPr lang="en-US" dirty="0" err="1"/>
               <a:t>soundInfo</a:t>
             </a:r>
             <a:r>
-              <a:rPr lang="en-US" dirty="0" smtClean="0"/>
-              <a:t>[</a:t>
-            </a:r>
-            <a:r>
-              <a:rPr lang="en-US" dirty="0"/>
-              <a:t>2</a:t>
-            </a:r>
-            <a:r>
-              <a:rPr lang="en-US" dirty="0" smtClean="0"/>
-              <a:t>]		#</a:t>
-            </a:r>
-            <a:r>
-              <a:rPr lang="en-US" dirty="0"/>
-              <a:t>confidence: probability that there was a sound</a:t>
+              <a:rPr lang="en-US" dirty="0"/>
+              <a:t>[2]		#confidence: probability that there was a sound</a:t>
             </a:r>
           </a:p>
         </p:txBody>
@@ -3380,13 +3346,6 @@
   <p:clrMapOvr>
     <a:masterClrMapping/>
   </p:clrMapOvr>
-  <p:timing>
-    <p:tnLst>
-      <p:par>
-        <p:cTn id="1" dur="indefinite" restart="never" nodeType="tmRoot"/>
-      </p:par>
-    </p:tnLst>
-  </p:timing>
 </p:sld>
 </file>
 
@@ -3423,11 +3382,11 @@
           <a:lstStyle/>
           <a:p>
             <a:r>
-              <a:rPr lang="en-US" dirty="0" smtClean="0"/>
+              <a:rPr lang="en-US" dirty="0"/>
               <a:t>Using </a:t>
             </a:r>
             <a:r>
-              <a:rPr lang="en-US" dirty="0" err="1" smtClean="0"/>
+              <a:rPr lang="en-US" dirty="0" err="1"/>
               <a:t>nao.py</a:t>
             </a:r>
             <a:endParaRPr lang="en-US" dirty="0"/>
@@ -3450,7 +3409,7 @@
           <a:lstStyle/>
           <a:p>
             <a:r>
-              <a:rPr lang="en-US" dirty="0" smtClean="0"/>
+              <a:rPr lang="en-US" dirty="0"/>
               <a:t>Sound Localization needs to be initialized before it can be used</a:t>
             </a:r>
           </a:p>
@@ -3458,14 +3417,14 @@
             <a:pPr marL="0" indent="0">
               <a:buNone/>
             </a:pPr>
-            <a:endParaRPr lang="en-US" dirty="0" smtClean="0"/>
-          </a:p>
-          <a:p>
-            <a:endParaRPr lang="en-US" dirty="0"/>
-          </a:p>
-          <a:p>
-            <a:r>
-              <a:rPr lang="en-US" dirty="0" smtClean="0"/>
+            <a:endParaRPr lang="en-US" dirty="0"/>
+          </a:p>
+          <a:p>
+            <a:endParaRPr lang="en-US" dirty="0"/>
+          </a:p>
+          <a:p>
+            <a:r>
+              <a:rPr lang="en-US" dirty="0"/>
               <a:t>After that Sound can be detected using:</a:t>
             </a:r>
           </a:p>
@@ -3473,18 +3432,22 @@
             <a:pPr marL="0" indent="0">
               <a:buNone/>
             </a:pPr>
-            <a:endParaRPr lang="en-US" dirty="0" smtClean="0"/>
+            <a:endParaRPr lang="en-US" dirty="0"/>
           </a:p>
           <a:p>
             <a:pPr marL="0" indent="0">
               <a:buNone/>
             </a:pPr>
-            <a:endParaRPr lang="en-US" dirty="0" smtClean="0"/>
-          </a:p>
-          <a:p>
-            <a:r>
-              <a:rPr lang="en-US" dirty="0" smtClean="0"/>
-              <a:t>Marker Info is an array with the following fields:</a:t>
+            <a:endParaRPr lang="en-US" dirty="0"/>
+          </a:p>
+          <a:p>
+            <a:r>
+              <a:rPr lang="en-US" dirty="0" err="1"/>
+              <a:t>soundInfo</a:t>
+            </a:r>
+            <a:r>
+              <a:rPr lang="en-US" dirty="0"/>
+              <a:t> is an array with the following fields:</a:t>
             </a:r>
           </a:p>
           <a:p>
@@ -3514,14 +3477,13 @@
           <a:lstStyle/>
           <a:p>
             <a:r>
-              <a:rPr lang="en-US" dirty="0" err="1" smtClean="0"/>
+              <a:rPr lang="en-US" dirty="0" err="1"/>
               <a:t>nao.InitSoundLocalization</a:t>
             </a:r>
             <a:r>
-              <a:rPr lang="en-US" dirty="0" smtClean="0"/>
+              <a:rPr lang="en-US" dirty="0"/>
               <a:t>(switch=True)</a:t>
             </a:r>
-            <a:endParaRPr lang="en-US" dirty="0"/>
           </a:p>
         </p:txBody>
       </p:sp>
@@ -3551,7 +3513,7 @@
               <a:t>detected, timestamp, </a:t>
             </a:r>
             <a:r>
-              <a:rPr lang="en-US" dirty="0" err="1" smtClean="0"/>
+              <a:rPr lang="en-US" dirty="0" err="1"/>
               <a:t>soundInfo</a:t>
             </a:r>
             <a:r>
@@ -3559,14 +3521,13 @@
               <a:t>=</a:t>
             </a:r>
             <a:r>
-              <a:rPr lang="en-US" dirty="0" err="1" smtClean="0"/>
+              <a:rPr lang="en-US" dirty="0" err="1"/>
               <a:t>nao.DetectSoundLocation</a:t>
             </a:r>
             <a:r>
-              <a:rPr lang="en-US" dirty="0" smtClean="0"/>
+              <a:rPr lang="en-US" dirty="0"/>
               <a:t>()</a:t>
             </a:r>
-            <a:endParaRPr lang="en-US" dirty="0"/>
           </a:p>
         </p:txBody>
       </p:sp>
@@ -3592,16 +3553,12 @@
           <a:lstStyle/>
           <a:p>
             <a:r>
-              <a:rPr lang="en-US" dirty="0" err="1" smtClean="0"/>
+              <a:rPr lang="en-US" dirty="0" err="1"/>
               <a:t>soundInfo</a:t>
             </a:r>
             <a:r>
-              <a:rPr lang="en-US" dirty="0" smtClean="0"/>
-              <a:t>[0]	</a:t>
-            </a:r>
-            <a:r>
-              <a:rPr lang="en-US" dirty="0"/>
-              <a:t>	#azimuth angle</a:t>
+              <a:rPr lang="en-US" dirty="0"/>
+              <a:t>[0]		#azimuth angle</a:t>
             </a:r>
           </a:p>
           <a:p>
@@ -3610,20 +3567,8 @@
               <a:t>soundInfo</a:t>
             </a:r>
             <a:r>
-              <a:rPr lang="en-US" dirty="0" smtClean="0"/>
-              <a:t>[1]</a:t>
-            </a:r>
-            <a:r>
-              <a:rPr lang="en-US" dirty="0"/>
-              <a:t>		</a:t>
-            </a:r>
-            <a:r>
-              <a:rPr lang="en-US" dirty="0" smtClean="0"/>
-              <a:t>#elevation </a:t>
-            </a:r>
-            <a:r>
-              <a:rPr lang="en-US" dirty="0"/>
-              <a:t>angle</a:t>
+              <a:rPr lang="en-US" dirty="0"/>
+              <a:t>[1]		#elevation angle</a:t>
             </a:r>
           </a:p>
           <a:p>
@@ -3632,20 +3577,8 @@
               <a:t>soundInfo</a:t>
             </a:r>
             <a:r>
-              <a:rPr lang="en-US" dirty="0" smtClean="0"/>
-              <a:t>[2]</a:t>
-            </a:r>
-            <a:r>
-              <a:rPr lang="en-US" dirty="0"/>
-              <a:t>		</a:t>
-            </a:r>
-            <a:r>
-              <a:rPr lang="en-US" dirty="0" smtClean="0"/>
-              <a:t>#</a:t>
-            </a:r>
-            <a:r>
-              <a:rPr lang="en-US" dirty="0"/>
-              <a:t>confidence: probability that there was a sound</a:t>
+              <a:rPr lang="en-US" dirty="0"/>
+              <a:t>[2]		#confidence: probability that there was a sound</a:t>
             </a:r>
           </a:p>
           <a:p>
@@ -3654,26 +3587,17 @@
               <a:t>soundInfo</a:t>
             </a:r>
             <a:r>
-              <a:rPr lang="en-US" dirty="0" smtClean="0"/>
-              <a:t>[3]</a:t>
-            </a:r>
-            <a:r>
-              <a:rPr lang="en-US" dirty="0"/>
-              <a:t>		</a:t>
-            </a:r>
-            <a:r>
-              <a:rPr lang="en-US" dirty="0" smtClean="0"/>
-              <a:t>#</a:t>
-            </a:r>
-            <a:r>
-              <a:rPr lang="en-US" dirty="0" err="1" smtClean="0"/>
+              <a:rPr lang="en-US" dirty="0"/>
+              <a:t>[3]		#</a:t>
+            </a:r>
+            <a:r>
+              <a:rPr lang="en-US" dirty="0" err="1"/>
               <a:t>Headposition</a:t>
             </a:r>
             <a:r>
-              <a:rPr lang="en-US" dirty="0" smtClean="0"/>
+              <a:rPr lang="en-US" dirty="0"/>
               <a:t> 6D</a:t>
             </a:r>
-            <a:endParaRPr lang="en-US" dirty="0"/>
           </a:p>
         </p:txBody>
       </p:sp>
@@ -3687,13 +3611,6 @@
   <p:clrMapOvr>
     <a:masterClrMapping/>
   </p:clrMapOvr>
-  <p:timing>
-    <p:tnLst>
-      <p:par>
-        <p:cTn id="1" dur="indefinite" restart="never" nodeType="tmRoot"/>
-      </p:par>
-    </p:tnLst>
-  </p:timing>
 </p:sld>
 </file>
 
@@ -3730,11 +3647,11 @@
           <a:lstStyle/>
           <a:p>
             <a:r>
-              <a:rPr lang="en-US" dirty="0" smtClean="0"/>
+              <a:rPr lang="en-US" dirty="0"/>
               <a:t>Using </a:t>
             </a:r>
             <a:r>
-              <a:rPr lang="en-US" dirty="0" err="1" smtClean="0"/>
+              <a:rPr lang="en-US" dirty="0" err="1"/>
               <a:t>nao.py</a:t>
             </a:r>
             <a:endParaRPr lang="en-US" dirty="0"/>
@@ -3757,63 +3674,59 @@
           <a:lstStyle/>
           <a:p>
             <a:r>
-              <a:rPr lang="en-US" dirty="0" smtClean="0"/>
+              <a:rPr lang="en-US" dirty="0"/>
               <a:t>There are two default postures:</a:t>
             </a:r>
           </a:p>
           <a:p>
-            <a:endParaRPr lang="en-US" dirty="0" smtClean="0"/>
-          </a:p>
-          <a:p>
-            <a:r>
-              <a:rPr lang="en-US" dirty="0" smtClean="0"/>
+            <a:endParaRPr lang="en-US" dirty="0"/>
+          </a:p>
+          <a:p>
+            <a:r>
+              <a:rPr lang="en-US" dirty="0"/>
               <a:t> </a:t>
             </a:r>
           </a:p>
           <a:p>
             <a:r>
-              <a:rPr lang="en-US" dirty="0" smtClean="0"/>
+              <a:rPr lang="en-US" dirty="0"/>
               <a:t>Note: Prior to version 1.40 </a:t>
             </a:r>
             <a:r>
-              <a:rPr lang="en-US" dirty="0" err="1" smtClean="0"/>
+              <a:rPr lang="en-US" dirty="0" err="1"/>
               <a:t>InitPose</a:t>
             </a:r>
             <a:r>
-              <a:rPr lang="en-US" dirty="0" smtClean="0"/>
+              <a:rPr lang="en-US" dirty="0"/>
               <a:t> expects a crouch pose!!</a:t>
             </a:r>
           </a:p>
           <a:p>
-            <a:endParaRPr lang="en-US" dirty="0" smtClean="0"/>
-          </a:p>
-          <a:p>
-            <a:r>
-              <a:rPr lang="en-US" smtClean="0"/>
-              <a:t>From version </a:t>
-            </a:r>
-            <a:r>
-              <a:rPr lang="en-US" dirty="0" smtClean="0"/>
-              <a:t>1.40</a:t>
-            </a:r>
-          </a:p>
-          <a:p>
-            <a:endParaRPr lang="en-US" dirty="0"/>
-          </a:p>
-          <a:p>
-            <a:endParaRPr lang="en-US" dirty="0" smtClean="0"/>
+            <a:endParaRPr lang="en-US" dirty="0"/>
+          </a:p>
+          <a:p>
+            <a:r>
+              <a:rPr lang="en-US" dirty="0"/>
+              <a:t>From version 1.40</a:t>
+            </a:r>
+          </a:p>
+          <a:p>
+            <a:endParaRPr lang="en-US" dirty="0"/>
+          </a:p>
+          <a:p>
+            <a:endParaRPr lang="en-US" dirty="0"/>
           </a:p>
           <a:p>
             <a:pPr marL="0" indent="0">
               <a:buNone/>
             </a:pPr>
-            <a:endParaRPr lang="en-US" dirty="0" smtClean="0"/>
+            <a:endParaRPr lang="en-US" dirty="0"/>
           </a:p>
           <a:p>
             <a:pPr marL="0" indent="0">
               <a:buNone/>
             </a:pPr>
-            <a:endParaRPr lang="en-US" dirty="0" smtClean="0"/>
+            <a:endParaRPr lang="en-US" dirty="0"/>
           </a:p>
           <a:p>
             <a:endParaRPr lang="en-US" dirty="0"/>
@@ -3822,7 +3735,7 @@
             <a:pPr marL="0" indent="0">
               <a:buNone/>
             </a:pPr>
-            <a:endParaRPr lang="en-US" dirty="0" smtClean="0"/>
+            <a:endParaRPr lang="en-US" dirty="0"/>
           </a:p>
           <a:p>
             <a:endParaRPr lang="en-US" dirty="0"/>
@@ -3855,39 +3768,30 @@
           <a:p>
             <a:r>
               <a:rPr lang="en-US" dirty="0" err="1"/>
-              <a:t>n</a:t>
-            </a:r>
-            <a:r>
-              <a:rPr lang="en-US" dirty="0" err="1" smtClean="0"/>
-              <a:t>ao.InitPose</a:t>
-            </a:r>
-            <a:r>
-              <a:rPr lang="en-US" dirty="0" smtClean="0"/>
+              <a:t>nao.InitPose</a:t>
+            </a:r>
+            <a:r>
+              <a:rPr lang="en-US" dirty="0"/>
               <a:t>() # stand up and turn motors on</a:t>
             </a:r>
           </a:p>
           <a:p>
             <a:r>
               <a:rPr lang="en-US" dirty="0" err="1"/>
-              <a:t>n</a:t>
-            </a:r>
-            <a:r>
-              <a:rPr lang="en-US" dirty="0" err="1" smtClean="0"/>
-              <a:t>ao.Crouch</a:t>
-            </a:r>
-            <a:r>
-              <a:rPr lang="en-US" dirty="0" smtClean="0"/>
+              <a:t>nao.Crouch</a:t>
+            </a:r>
+            <a:r>
+              <a:rPr lang="en-US" dirty="0"/>
               <a:t>() # </a:t>
             </a:r>
             <a:r>
-              <a:rPr lang="en-US" dirty="0" err="1" smtClean="0"/>
+              <a:rPr lang="en-US" dirty="0" err="1"/>
               <a:t>goto</a:t>
             </a:r>
             <a:r>
-              <a:rPr lang="en-US" dirty="0" smtClean="0"/>
+              <a:rPr lang="en-US" dirty="0"/>
               <a:t> crouch pose and turn motors off</a:t>
             </a:r>
-            <a:endParaRPr lang="en-US" dirty="0"/>
           </a:p>
         </p:txBody>
       </p:sp>
@@ -3913,19 +3817,19 @@
           <a:lstStyle/>
           <a:p>
             <a:r>
-              <a:rPr lang="en-US" dirty="0" err="1" smtClean="0"/>
+              <a:rPr lang="en-US" dirty="0" err="1"/>
               <a:t>nao.GoToPosture</a:t>
             </a:r>
             <a:r>
-              <a:rPr lang="en-US" dirty="0" smtClean="0"/>
+              <a:rPr lang="en-US" dirty="0"/>
               <a:t>(</a:t>
             </a:r>
             <a:r>
-              <a:rPr lang="en-US" dirty="0" err="1" smtClean="0"/>
+              <a:rPr lang="en-US" dirty="0" err="1"/>
               <a:t>the_pose</a:t>
             </a:r>
             <a:r>
-              <a:rPr lang="en-US" dirty="0" smtClean="0"/>
+              <a:rPr lang="en-US" dirty="0"/>
               <a:t>)</a:t>
             </a:r>
           </a:p>
@@ -3934,11 +3838,11 @@
           </a:p>
           <a:p>
             <a:r>
-              <a:rPr lang="en-US" dirty="0" smtClean="0"/>
+              <a:rPr lang="en-US" dirty="0"/>
               <a:t>#Available postures are “Stand”, “Sit”, “Crouch”, </a:t>
             </a:r>
             <a:r>
-              <a:rPr lang="is-IS" dirty="0" smtClean="0"/>
+              <a:rPr lang="is-IS" dirty="0"/>
               <a:t>…</a:t>
             </a:r>
             <a:endParaRPr lang="en-US" dirty="0"/>
@@ -3955,13 +3859,6 @@
   <p:clrMapOvr>
     <a:masterClrMapping/>
   </p:clrMapOvr>
-  <p:timing>
-    <p:tnLst>
-      <p:par>
-        <p:cTn id="1" dur="indefinite" restart="never" nodeType="tmRoot"/>
-      </p:par>
-    </p:tnLst>
-  </p:timing>
 </p:sld>
 </file>
 
@@ -3998,11 +3895,11 @@
           <a:lstStyle/>
           <a:p>
             <a:r>
-              <a:rPr lang="en-US" dirty="0" smtClean="0"/>
+              <a:rPr lang="en-US" dirty="0"/>
               <a:t>Using </a:t>
             </a:r>
             <a:r>
-              <a:rPr lang="en-US" dirty="0" err="1" smtClean="0"/>
+              <a:rPr lang="en-US" dirty="0" err="1"/>
               <a:t>nao.py</a:t>
             </a:r>
             <a:endParaRPr lang="en-US" dirty="0"/>
@@ -4025,13 +3922,13 @@
           <a:lstStyle/>
           <a:p>
             <a:r>
-              <a:rPr lang="en-US" dirty="0" smtClean="0"/>
+              <a:rPr lang="en-US" dirty="0"/>
               <a:t>For walking there are two variants.</a:t>
             </a:r>
           </a:p>
           <a:p>
             <a:r>
-              <a:rPr lang="en-US" dirty="0" smtClean="0"/>
+              <a:rPr lang="en-US" dirty="0"/>
               <a:t>The first variant sets the heading direction and speed (don’t forget to turn it off! (zero speed)):</a:t>
             </a:r>
           </a:p>
@@ -4039,23 +3936,23 @@
             <a:endParaRPr lang="en-US" dirty="0"/>
           </a:p>
           <a:p>
-            <a:endParaRPr lang="en-US" dirty="0" smtClean="0"/>
+            <a:endParaRPr lang="en-US" dirty="0"/>
           </a:p>
           <a:p>
             <a:pPr marL="0" indent="0">
               <a:buNone/>
             </a:pPr>
-            <a:endParaRPr lang="en-US" dirty="0" smtClean="0"/>
-          </a:p>
-          <a:p>
-            <a:endParaRPr lang="en-US" dirty="0" smtClean="0"/>
-          </a:p>
-          <a:p>
-            <a:endParaRPr lang="en-US" dirty="0"/>
-          </a:p>
-          <a:p>
-            <a:r>
-              <a:rPr lang="en-US" dirty="0" smtClean="0"/>
+            <a:endParaRPr lang="en-US" dirty="0"/>
+          </a:p>
+          <a:p>
+            <a:endParaRPr lang="en-US" dirty="0"/>
+          </a:p>
+          <a:p>
+            <a:endParaRPr lang="en-US" dirty="0"/>
+          </a:p>
+          <a:p>
+            <a:r>
+              <a:rPr lang="en-US" dirty="0"/>
               <a:t>The second method expects a distance in m.</a:t>
             </a:r>
           </a:p>
@@ -4063,11 +3960,11 @@
             <a:pPr marL="0" indent="0">
               <a:buNone/>
             </a:pPr>
-            <a:endParaRPr lang="en-US" dirty="0" smtClean="0"/>
-          </a:p>
-          <a:p>
-            <a:r>
-              <a:rPr lang="en-US" dirty="0" smtClean="0"/>
+            <a:endParaRPr lang="en-US" dirty="0"/>
+          </a:p>
+          <a:p>
+            <a:r>
+              <a:rPr lang="en-US" dirty="0"/>
               <a:t>Turn motors on with</a:t>
             </a:r>
           </a:p>
@@ -4078,7 +3975,7 @@
             <a:pPr marL="0" indent="0">
               <a:buNone/>
             </a:pPr>
-            <a:endParaRPr lang="en-US" dirty="0" smtClean="0"/>
+            <a:endParaRPr lang="en-US" dirty="0"/>
           </a:p>
           <a:p>
             <a:endParaRPr lang="en-US" dirty="0"/>
@@ -4110,128 +4007,127 @@
           <a:lstStyle/>
           <a:p>
             <a:r>
-              <a:rPr lang="en-US" dirty="0" err="1" smtClean="0"/>
+              <a:rPr lang="en-US" dirty="0" err="1"/>
               <a:t>nao.Move</a:t>
             </a:r>
             <a:r>
-              <a:rPr lang="en-US" dirty="0" smtClean="0"/>
+              <a:rPr lang="en-US" dirty="0"/>
               <a:t>(dx, </a:t>
             </a:r>
             <a:r>
-              <a:rPr lang="en-US" dirty="0" err="1" smtClean="0"/>
+              <a:rPr lang="en-US" dirty="0" err="1"/>
               <a:t>dy</a:t>
             </a:r>
             <a:r>
-              <a:rPr lang="en-US" dirty="0" smtClean="0"/>
+              <a:rPr lang="en-US" dirty="0"/>
               <a:t>, </a:t>
             </a:r>
             <a:r>
-              <a:rPr lang="en-US" dirty="0" err="1" smtClean="0"/>
+              <a:rPr lang="en-US" dirty="0" err="1"/>
               <a:t>dtheta</a:t>
             </a:r>
             <a:r>
-              <a:rPr lang="en-US" dirty="0" smtClean="0"/>
+              <a:rPr lang="en-US" dirty="0"/>
               <a:t>, </a:t>
             </a:r>
             <a:r>
-              <a:rPr lang="en-US" dirty="0" err="1" smtClean="0"/>
+              <a:rPr lang="en-US" dirty="0" err="1"/>
               <a:t>freq</a:t>
             </a:r>
             <a:r>
-              <a:rPr lang="en-US" dirty="0" smtClean="0"/>
+              <a:rPr lang="en-US" dirty="0"/>
               <a:t>)</a:t>
             </a:r>
           </a:p>
           <a:p>
             <a:r>
-              <a:rPr lang="en-US" dirty="0" smtClean="0"/>
+              <a:rPr lang="en-US" dirty="0"/>
               <a:t> """"</a:t>
             </a:r>
           </a:p>
           <a:p>
             <a:r>
-              <a:rPr lang="en-US" dirty="0" smtClean="0"/>
+              <a:rPr lang="en-US" dirty="0"/>
               <a:t>    dx = forward speed, </a:t>
             </a:r>
             <a:r>
-              <a:rPr lang="en-US" dirty="0" err="1" smtClean="0"/>
+              <a:rPr lang="en-US" dirty="0" err="1"/>
               <a:t>dtheta</a:t>
             </a:r>
             <a:r>
-              <a:rPr lang="en-US" dirty="0" smtClean="0"/>
+              <a:rPr lang="en-US" dirty="0"/>
               <a:t> = rotational speed,</a:t>
             </a:r>
           </a:p>
           <a:p>
             <a:r>
-              <a:rPr lang="en-US" dirty="0" smtClean="0"/>
+              <a:rPr lang="en-US" dirty="0"/>
               <a:t>    </a:t>
             </a:r>
             <a:r>
-              <a:rPr lang="en-US" dirty="0" err="1" smtClean="0"/>
+              <a:rPr lang="en-US" dirty="0" err="1"/>
               <a:t>dy</a:t>
             </a:r>
             <a:r>
-              <a:rPr lang="en-US" dirty="0" smtClean="0"/>
+              <a:rPr lang="en-US" dirty="0"/>
               <a:t> = </a:t>
             </a:r>
             <a:r>
-              <a:rPr lang="en-US" dirty="0" err="1" smtClean="0"/>
+              <a:rPr lang="en-US" dirty="0" err="1"/>
               <a:t>sidewards</a:t>
             </a:r>
             <a:r>
-              <a:rPr lang="en-US" dirty="0" smtClean="0"/>
+              <a:rPr lang="en-US" dirty="0"/>
               <a:t> speed, </a:t>
             </a:r>
             <a:r>
-              <a:rPr lang="en-US" dirty="0" err="1" smtClean="0"/>
+              <a:rPr lang="en-US" dirty="0" err="1"/>
               <a:t>freq</a:t>
             </a:r>
             <a:r>
-              <a:rPr lang="en-US" dirty="0" smtClean="0"/>
+              <a:rPr lang="en-US" dirty="0"/>
               <a:t> = step frequency.</a:t>
             </a:r>
           </a:p>
           <a:p>
             <a:r>
-              <a:rPr lang="en-US" dirty="0" smtClean="0"/>
+              <a:rPr lang="en-US" dirty="0"/>
               <a:t>    Allows </a:t>
             </a:r>
             <a:r>
-              <a:rPr lang="en-US" dirty="0" err="1" smtClean="0"/>
+              <a:rPr lang="en-US" dirty="0" err="1"/>
               <a:t>Nao</a:t>
             </a:r>
             <a:r>
-              <a:rPr lang="en-US" dirty="0" smtClean="0"/>
+              <a:rPr lang="en-US" dirty="0"/>
               <a:t> to move in a certain direction</a:t>
             </a:r>
           </a:p>
           <a:p>
             <a:r>
-              <a:rPr lang="en-US" dirty="0" smtClean="0"/>
+              <a:rPr lang="en-US" dirty="0"/>
               <a:t>    with a certain speed.</a:t>
             </a:r>
           </a:p>
           <a:p>
             <a:r>
-              <a:rPr lang="en-US" dirty="0" smtClean="0"/>
+              <a:rPr lang="en-US" dirty="0"/>
               <a:t>All values should be -1 and 1 except </a:t>
             </a:r>
             <a:r>
-              <a:rPr lang="en-US" dirty="0" err="1" smtClean="0"/>
+              <a:rPr lang="en-US" dirty="0" err="1"/>
               <a:t>freq</a:t>
             </a:r>
             <a:r>
-              <a:rPr lang="en-US" dirty="0" smtClean="0"/>
+              <a:rPr lang="en-US" dirty="0"/>
               <a:t> between 0 and 1</a:t>
             </a:r>
           </a:p>
           <a:p>
             <a:r>
-              <a:rPr lang="en-US" dirty="0" smtClean="0"/>
+              <a:rPr lang="en-US" dirty="0"/>
               <a:t>    """</a:t>
             </a:r>
-            <a:endParaRPr lang="en-US" dirty="0"/>
           </a:p>
         </p:txBody>
       </p:sp>
@@ -4257,30 +4153,29 @@
           <a:lstStyle/>
           <a:p>
             <a:r>
-              <a:rPr lang="en-US" dirty="0" err="1" smtClean="0"/>
+              <a:rPr lang="en-US" dirty="0" err="1"/>
               <a:t>nao.Walk</a:t>
             </a:r>
             <a:r>
-              <a:rPr lang="en-US" dirty="0" smtClean="0"/>
+              <a:rPr lang="en-US" dirty="0"/>
               <a:t>(dx, </a:t>
             </a:r>
             <a:r>
-              <a:rPr lang="en-US" dirty="0" err="1" smtClean="0"/>
+              <a:rPr lang="en-US" dirty="0" err="1"/>
               <a:t>dy</a:t>
             </a:r>
             <a:r>
-              <a:rPr lang="en-US" dirty="0" smtClean="0"/>
+              <a:rPr lang="en-US" dirty="0"/>
               <a:t>, </a:t>
             </a:r>
             <a:r>
-              <a:rPr lang="en-US" dirty="0" err="1" smtClean="0"/>
+              <a:rPr lang="en-US" dirty="0" err="1"/>
               <a:t>dtheta</a:t>
             </a:r>
             <a:r>
-              <a:rPr lang="en-US" dirty="0" smtClean="0"/>
+              <a:rPr lang="en-US" dirty="0"/>
               <a:t>)</a:t>
             </a:r>
-            <a:endParaRPr lang="en-US" dirty="0"/>
           </a:p>
         </p:txBody>
       </p:sp>
@@ -4306,24 +4201,23 @@
           <a:lstStyle/>
           <a:p>
             <a:r>
-              <a:rPr lang="en-US" dirty="0" err="1" smtClean="0"/>
+              <a:rPr lang="en-US" dirty="0" err="1"/>
               <a:t>nao.InitPose</a:t>
             </a:r>
             <a:r>
-              <a:rPr lang="en-US" dirty="0" smtClean="0"/>
+              <a:rPr lang="en-US" dirty="0"/>
               <a:t>() # stand up and turn motors on</a:t>
             </a:r>
           </a:p>
           <a:p>
             <a:r>
-              <a:rPr lang="en-US" dirty="0" err="1" smtClean="0"/>
+              <a:rPr lang="en-US" dirty="0" err="1"/>
               <a:t>nao.Stiffen</a:t>
             </a:r>
             <a:r>
-              <a:rPr lang="en-US" dirty="0" smtClean="0"/>
+              <a:rPr lang="en-US" dirty="0"/>
               <a:t>() # turns all motors on</a:t>
             </a:r>
-            <a:endParaRPr lang="en-US" dirty="0"/>
           </a:p>
         </p:txBody>
       </p:sp>
@@ -4337,13 +4231,6 @@
   <p:clrMapOvr>
     <a:masterClrMapping/>
   </p:clrMapOvr>
-  <p:timing>
-    <p:tnLst>
-      <p:par>
-        <p:cTn id="1" dur="indefinite" restart="never" nodeType="tmRoot"/>
-      </p:par>
-    </p:tnLst>
-  </p:timing>
 </p:sld>
 </file>
 
@@ -4380,11 +4267,11 @@
           <a:lstStyle/>
           <a:p>
             <a:r>
-              <a:rPr lang="en-US" dirty="0" smtClean="0"/>
+              <a:rPr lang="en-US" dirty="0"/>
               <a:t>Using </a:t>
             </a:r>
             <a:r>
-              <a:rPr lang="en-US" dirty="0" err="1" smtClean="0"/>
+              <a:rPr lang="en-US" dirty="0" err="1"/>
               <a:t>nao.py</a:t>
             </a:r>
             <a:endParaRPr lang="en-US" dirty="0"/>
@@ -4407,43 +4294,42 @@
           <a:lstStyle/>
           <a:p>
             <a:r>
-              <a:rPr lang="en-US" dirty="0" smtClean="0"/>
+              <a:rPr lang="en-US" dirty="0"/>
               <a:t>For moving the head</a:t>
             </a:r>
-            <a:endParaRPr lang="en-US" dirty="0"/>
-          </a:p>
-          <a:p>
-            <a:endParaRPr lang="en-US" dirty="0" smtClean="0"/>
-          </a:p>
-          <a:p>
-            <a:endParaRPr lang="en-US" dirty="0"/>
-          </a:p>
-          <a:p>
-            <a:endParaRPr lang="en-US" dirty="0" smtClean="0"/>
+          </a:p>
+          <a:p>
+            <a:endParaRPr lang="en-US" dirty="0"/>
+          </a:p>
+          <a:p>
+            <a:endParaRPr lang="en-US" dirty="0"/>
+          </a:p>
+          <a:p>
+            <a:endParaRPr lang="en-US" dirty="0"/>
           </a:p>
           <a:p>
             <a:pPr marL="0" indent="0">
               <a:buNone/>
             </a:pPr>
-            <a:endParaRPr lang="en-US" dirty="0" smtClean="0"/>
-          </a:p>
-          <a:p>
-            <a:endParaRPr lang="en-US" dirty="0" smtClean="0"/>
-          </a:p>
-          <a:p>
-            <a:endParaRPr lang="en-US" dirty="0"/>
-          </a:p>
-          <a:p>
-            <a:r>
-              <a:rPr lang="en-US" dirty="0" smtClean="0"/>
+            <a:endParaRPr lang="en-US" dirty="0"/>
+          </a:p>
+          <a:p>
+            <a:endParaRPr lang="en-US" dirty="0"/>
+          </a:p>
+          <a:p>
+            <a:endParaRPr lang="en-US" dirty="0"/>
+          </a:p>
+          <a:p>
+            <a:r>
+              <a:rPr lang="en-US" dirty="0"/>
               <a:t>Don’t forget to turn the </a:t>
             </a:r>
             <a:r>
-              <a:rPr lang="en-US" dirty="0" err="1" smtClean="0"/>
+              <a:rPr lang="en-US" dirty="0" err="1"/>
               <a:t>headmotors</a:t>
             </a:r>
             <a:r>
-              <a:rPr lang="en-US" dirty="0" smtClean="0"/>
+              <a:rPr lang="en-US" dirty="0"/>
               <a:t> on/off</a:t>
             </a:r>
           </a:p>
@@ -4454,7 +4340,7 @@
             <a:pPr marL="0" indent="0">
               <a:buNone/>
             </a:pPr>
-            <a:endParaRPr lang="en-US" dirty="0" smtClean="0"/>
+            <a:endParaRPr lang="en-US" dirty="0"/>
           </a:p>
           <a:p>
             <a:endParaRPr lang="en-US" dirty="0"/>
@@ -4486,94 +4372,94 @@
           <a:lstStyle/>
           <a:p>
             <a:r>
-              <a:rPr lang="en-US" dirty="0" err="1" smtClean="0"/>
+              <a:rPr lang="en-US" dirty="0" err="1"/>
               <a:t>nao.MoveHead</a:t>
             </a:r>
             <a:r>
-              <a:rPr lang="en-US" dirty="0" smtClean="0"/>
+              <a:rPr lang="en-US" dirty="0"/>
               <a:t>(</a:t>
             </a:r>
             <a:r>
-              <a:rPr lang="en-US" dirty="0" err="1" smtClean="0"/>
+              <a:rPr lang="en-US" dirty="0" err="1"/>
               <a:t>yaw_val</a:t>
             </a:r>
             <a:r>
-              <a:rPr lang="en-US" dirty="0" smtClean="0"/>
+              <a:rPr lang="en-US" dirty="0"/>
               <a:t>=0, </a:t>
             </a:r>
             <a:r>
-              <a:rPr lang="en-US" dirty="0" err="1" smtClean="0"/>
+              <a:rPr lang="en-US" dirty="0" err="1"/>
               <a:t>pitch_val</a:t>
             </a:r>
             <a:r>
-              <a:rPr lang="en-US" dirty="0" smtClean="0"/>
+              <a:rPr lang="en-US" dirty="0"/>
               <a:t>=0, </a:t>
             </a:r>
             <a:r>
-              <a:rPr lang="en-US" dirty="0" err="1" smtClean="0"/>
+              <a:rPr lang="en-US" dirty="0" err="1"/>
               <a:t>isAbsolute</a:t>
             </a:r>
             <a:r>
-              <a:rPr lang="en-US" dirty="0" smtClean="0"/>
+              <a:rPr lang="en-US" dirty="0"/>
               <a:t>=True, </a:t>
             </a:r>
             <a:r>
-              <a:rPr lang="en-US" dirty="0" err="1" smtClean="0"/>
+              <a:rPr lang="en-US" dirty="0" err="1"/>
               <a:t>timeLists</a:t>
             </a:r>
             <a:r>
-              <a:rPr lang="en-US" dirty="0" smtClean="0"/>
+              <a:rPr lang="en-US" dirty="0"/>
               <a:t>=[[1],[1]])</a:t>
             </a:r>
           </a:p>
           <a:p>
-            <a:endParaRPr lang="en-US" dirty="0" smtClean="0"/>
-          </a:p>
-          <a:p>
-            <a:r>
-              <a:rPr lang="en-US" dirty="0" smtClean="0"/>
+            <a:endParaRPr lang="en-US" dirty="0"/>
+          </a:p>
+          <a:p>
+            <a:r>
+              <a:rPr lang="en-US" dirty="0"/>
               <a:t>yaw=</a:t>
             </a:r>
             <a:r>
-              <a:rPr lang="en-US" dirty="0" err="1" smtClean="0"/>
+              <a:rPr lang="en-US" dirty="0" err="1"/>
               <a:t>nao.GetYaw</a:t>
             </a:r>
             <a:r>
-              <a:rPr lang="en-US" dirty="0" smtClean="0"/>
+              <a:rPr lang="en-US" dirty="0"/>
               <a:t>():</a:t>
             </a:r>
           </a:p>
           <a:p>
-            <a:endParaRPr lang="en-US" dirty="0" smtClean="0"/>
-          </a:p>
-          <a:p>
-            <a:r>
-              <a:rPr lang="en-US" dirty="0" smtClean="0"/>
+            <a:endParaRPr lang="en-US" dirty="0"/>
+          </a:p>
+          <a:p>
+            <a:r>
+              <a:rPr lang="en-US" dirty="0"/>
               <a:t>pitch = </a:t>
             </a:r>
             <a:r>
-              <a:rPr lang="en-US" dirty="0" err="1" smtClean="0"/>
+              <a:rPr lang="en-US" dirty="0" err="1"/>
               <a:t>nao.GetPitch</a:t>
             </a:r>
             <a:r>
-              <a:rPr lang="en-US" dirty="0" smtClean="0"/>
+              <a:rPr lang="en-US" dirty="0"/>
               <a:t>():</a:t>
             </a:r>
           </a:p>
           <a:p>
-            <a:endParaRPr lang="en-US" dirty="0" smtClean="0"/>
-          </a:p>
-          <a:p>
-            <a:r>
-              <a:rPr lang="en-US" dirty="0" smtClean="0"/>
+            <a:endParaRPr lang="en-US" dirty="0"/>
+          </a:p>
+          <a:p>
+            <a:r>
+              <a:rPr lang="en-US" dirty="0"/>
               <a:t>yaw, pitch = </a:t>
             </a:r>
             <a:r>
-              <a:rPr lang="en-US" dirty="0" err="1" smtClean="0"/>
+              <a:rPr lang="en-US" dirty="0" err="1"/>
               <a:t>nao.GetYawPitch</a:t>
             </a:r>
             <a:r>
-              <a:rPr lang="en-US" dirty="0" smtClean="0"/>
+              <a:rPr lang="en-US" dirty="0"/>
               <a:t>():</a:t>
             </a:r>
           </a:p>
@@ -4601,28 +4487,23 @@
           <a:lstStyle/>
           <a:p>
             <a:r>
-              <a:rPr lang="en-US" dirty="0" err="1" smtClean="0"/>
+              <a:rPr lang="en-US" dirty="0" err="1"/>
               <a:t>nao.InitTrack</a:t>
             </a:r>
             <a:r>
-              <a:rPr lang="en-US" dirty="0" smtClean="0"/>
+              <a:rPr lang="en-US" dirty="0"/>
               <a:t>()</a:t>
             </a:r>
           </a:p>
           <a:p>
             <a:r>
               <a:rPr lang="en-US" dirty="0" err="1"/>
-              <a:t>n</a:t>
-            </a:r>
-            <a:r>
-              <a:rPr lang="en-US" dirty="0" err="1" smtClean="0"/>
-              <a:t>ao.EndTrack</a:t>
-            </a:r>
-            <a:r>
-              <a:rPr lang="en-US" dirty="0" smtClean="0"/>
+              <a:t>nao.EndTrack</a:t>
+            </a:r>
+            <a:r>
+              <a:rPr lang="en-US" dirty="0"/>
               <a:t>()</a:t>
             </a:r>
-            <a:endParaRPr lang="en-US" dirty="0"/>
           </a:p>
         </p:txBody>
       </p:sp>
@@ -4636,13 +4517,6 @@
   <p:clrMapOvr>
     <a:masterClrMapping/>
   </p:clrMapOvr>
-  <p:timing>
-    <p:tnLst>
-      <p:par>
-        <p:cTn id="1" dur="indefinite" restart="never" nodeType="tmRoot"/>
-      </p:par>
-    </p:tnLst>
-  </p:timing>
 </p:sld>
 </file>
 
@@ -4679,10 +4553,9 @@
           <a:lstStyle/>
           <a:p>
             <a:r>
-              <a:rPr lang="en-US" dirty="0" smtClean="0"/>
+              <a:rPr lang="en-US" dirty="0"/>
               <a:t>Speech recognition</a:t>
             </a:r>
-            <a:endParaRPr lang="en-US" dirty="0"/>
           </a:p>
         </p:txBody>
       </p:sp>
@@ -4702,7 +4575,7 @@
           <a:lstStyle/>
           <a:p>
             <a:r>
-              <a:rPr lang="en-US" dirty="0" smtClean="0"/>
+              <a:rPr lang="en-US" dirty="0"/>
               <a:t>Speech recognition first needs to be initialized with the words to be recognized</a:t>
             </a:r>
           </a:p>
@@ -4710,28 +4583,28 @@
             <a:endParaRPr lang="en-US" dirty="0"/>
           </a:p>
           <a:p>
-            <a:endParaRPr lang="en-US" dirty="0" smtClean="0"/>
-          </a:p>
-          <a:p>
-            <a:endParaRPr lang="en-US" dirty="0" smtClean="0"/>
-          </a:p>
-          <a:p>
-            <a:r>
-              <a:rPr lang="en-US" dirty="0" smtClean="0"/>
+            <a:endParaRPr lang="en-US" dirty="0"/>
+          </a:p>
+          <a:p>
+            <a:endParaRPr lang="en-US" dirty="0"/>
+          </a:p>
+          <a:p>
+            <a:r>
+              <a:rPr lang="en-US" dirty="0"/>
               <a:t>Once initialized, speech recognition needs to be turned on.</a:t>
             </a:r>
           </a:p>
           <a:p>
-            <a:endParaRPr lang="en-US" dirty="0" smtClean="0"/>
-          </a:p>
-          <a:p>
-            <a:r>
-              <a:rPr lang="en-US" dirty="0" smtClean="0"/>
+            <a:endParaRPr lang="en-US" dirty="0"/>
+          </a:p>
+          <a:p>
+            <a:r>
+              <a:rPr lang="en-US" dirty="0"/>
               <a:t>When speech recognition is on, you can detect speech using:</a:t>
             </a:r>
           </a:p>
           <a:p>
-            <a:endParaRPr lang="en-US" dirty="0" smtClean="0"/>
+            <a:endParaRPr lang="en-US" dirty="0"/>
           </a:p>
         </p:txBody>
       </p:sp>
@@ -4757,39 +4630,39 @@
           <a:lstStyle/>
           <a:p>
             <a:r>
-              <a:rPr lang="en-US" dirty="0" err="1" smtClean="0"/>
+              <a:rPr lang="en-US" dirty="0" err="1"/>
               <a:t>myWordList</a:t>
             </a:r>
             <a:r>
-              <a:rPr lang="en-US" dirty="0" smtClean="0"/>
+              <a:rPr lang="en-US" dirty="0"/>
               <a:t>=[“Hello”, “Yes”, “No”, What is your name?”]</a:t>
             </a:r>
           </a:p>
           <a:p>
             <a:r>
-              <a:rPr lang="en-US" dirty="0" err="1" smtClean="0"/>
+              <a:rPr lang="en-US" dirty="0" err="1"/>
               <a:t>mylanguage</a:t>
             </a:r>
             <a:r>
-              <a:rPr lang="en-US" dirty="0" smtClean="0"/>
+              <a:rPr lang="en-US" dirty="0"/>
               <a:t>=“English”</a:t>
             </a:r>
           </a:p>
           <a:p>
             <a:r>
-              <a:rPr lang="en-US" dirty="0" err="1" smtClean="0"/>
+              <a:rPr lang="en-US" dirty="0" err="1"/>
               <a:t>nao.InitSpeech</a:t>
             </a:r>
             <a:r>
-              <a:rPr lang="en-US" dirty="0" smtClean="0"/>
+              <a:rPr lang="en-US" dirty="0"/>
               <a:t>(</a:t>
             </a:r>
             <a:r>
-              <a:rPr lang="en-US" dirty="0" err="1" smtClean="0"/>
+              <a:rPr lang="en-US" dirty="0" err="1"/>
               <a:t>myWordlist,myLanguage</a:t>
             </a:r>
             <a:r>
-              <a:rPr lang="en-US" dirty="0" smtClean="0"/>
+              <a:rPr lang="en-US" dirty="0"/>
               <a:t>)</a:t>
             </a:r>
           </a:p>
@@ -4818,22 +4691,18 @@
           <a:p>
             <a:r>
               <a:rPr lang="en-US" dirty="0" err="1"/>
-              <a:t>n</a:t>
-            </a:r>
-            <a:r>
-              <a:rPr lang="en-US" dirty="0" err="1" smtClean="0"/>
-              <a:t>ao.asr.subscribe</a:t>
-            </a:r>
-            <a:r>
-              <a:rPr lang="en-US" dirty="0" smtClean="0"/>
+              <a:t>nao.asr.subscribe</a:t>
+            </a:r>
+            <a:r>
+              <a:rPr lang="en-US" dirty="0"/>
               <a:t>(“</a:t>
             </a:r>
             <a:r>
-              <a:rPr lang="en-US" dirty="0" err="1" smtClean="0"/>
+              <a:rPr lang="en-US" dirty="0" err="1"/>
               <a:t>MyModule</a:t>
             </a:r>
             <a:r>
-              <a:rPr lang="en-US" dirty="0" smtClean="0"/>
+              <a:rPr lang="en-US" dirty="0"/>
               <a:t>”)</a:t>
             </a:r>
           </a:p>
@@ -4861,15 +4730,15 @@
           <a:lstStyle/>
           <a:p>
             <a:r>
-              <a:rPr lang="en-US" dirty="0" smtClean="0"/>
+              <a:rPr lang="en-US" dirty="0"/>
               <a:t>result=</a:t>
             </a:r>
             <a:r>
-              <a:rPr lang="en-US" dirty="0" err="1" smtClean="0"/>
+              <a:rPr lang="en-US" dirty="0" err="1"/>
               <a:t>nao.DetectSpeech</a:t>
             </a:r>
             <a:r>
-              <a:rPr lang="en-US" dirty="0" smtClean="0"/>
+              <a:rPr lang="en-US" dirty="0"/>
               <a:t>()</a:t>
             </a:r>
           </a:p>
@@ -4885,13 +4754,6 @@
   <p:clrMapOvr>
     <a:masterClrMapping/>
   </p:clrMapOvr>
-  <p:timing>
-    <p:tnLst>
-      <p:par>
-        <p:cTn id="1" dur="indefinite" restart="never" nodeType="tmRoot"/>
-      </p:par>
-    </p:tnLst>
-  </p:timing>
 </p:sld>
 </file>
 
@@ -4928,10 +4790,9 @@
           <a:lstStyle/>
           <a:p>
             <a:r>
-              <a:rPr lang="en-US" dirty="0" smtClean="0"/>
+              <a:rPr lang="en-US" dirty="0"/>
               <a:t>Speech recognition</a:t>
             </a:r>
-            <a:endParaRPr lang="en-US" dirty="0"/>
           </a:p>
         </p:txBody>
       </p:sp>
@@ -4952,25 +4813,21 @@
           <a:p>
             <a:r>
               <a:rPr lang="en-US" dirty="0"/>
-              <a:t>The result contains the list of recognized words and the probability of being correct. The list is sorted, so that the most probable word is always first in the </a:t>
-            </a:r>
-            <a:r>
-              <a:rPr lang="en-US" dirty="0" smtClean="0"/>
-              <a:t>list</a:t>
+              <a:t>The result contains the list of recognized words and the probability of being correct. The list is sorted, so that the most probable word is always first in the list</a:t>
             </a:r>
           </a:p>
           <a:p>
             <a:pPr marL="0" indent="0">
               <a:buNone/>
             </a:pPr>
-            <a:endParaRPr lang="en-US" dirty="0" smtClean="0"/>
-          </a:p>
-          <a:p>
-            <a:endParaRPr lang="en-US" dirty="0" smtClean="0"/>
-          </a:p>
-          <a:p>
-            <a:r>
-              <a:rPr lang="en-US" dirty="0" smtClean="0"/>
+            <a:endParaRPr lang="en-US" dirty="0"/>
+          </a:p>
+          <a:p>
+            <a:endParaRPr lang="en-US" dirty="0"/>
+          </a:p>
+          <a:p>
+            <a:r>
+              <a:rPr lang="en-US" dirty="0"/>
               <a:t>If the robot needs to speak again you first need to turn speech recognition off.</a:t>
             </a:r>
           </a:p>
@@ -4978,11 +4835,11 @@
             <a:endParaRPr lang="en-US" dirty="0"/>
           </a:p>
           <a:p>
-            <a:endParaRPr lang="en-US" dirty="0" smtClean="0"/>
-          </a:p>
-          <a:p>
-            <a:r>
-              <a:rPr lang="en-US" dirty="0" smtClean="0"/>
+            <a:endParaRPr lang="en-US" dirty="0"/>
+          </a:p>
+          <a:p>
+            <a:r>
+              <a:rPr lang="en-US" dirty="0"/>
               <a:t>The next slide shows a simple demo</a:t>
             </a:r>
           </a:p>
@@ -5017,26 +4874,22 @@
           <a:p>
             <a:r>
               <a:rPr lang="en-US" dirty="0"/>
-              <a:t>r</a:t>
-            </a:r>
-            <a:r>
-              <a:rPr lang="en-US" dirty="0" smtClean="0"/>
-              <a:t>esult=[“</a:t>
-            </a:r>
-            <a:r>
-              <a:rPr lang="en-US" dirty="0" err="1" smtClean="0"/>
+              <a:t>result=[“</a:t>
+            </a:r>
+            <a:r>
+              <a:rPr lang="en-US" dirty="0" err="1"/>
               <a:t>MyFirstWord</a:t>
             </a:r>
             <a:r>
-              <a:rPr lang="en-US" dirty="0" smtClean="0"/>
+              <a:rPr lang="en-US" dirty="0"/>
               <a:t>”, 0.312414, “</a:t>
             </a:r>
             <a:r>
-              <a:rPr lang="en-US" dirty="0" err="1" smtClean="0"/>
+              <a:rPr lang="en-US" dirty="0" err="1"/>
               <a:t>MySecondWord</a:t>
             </a:r>
             <a:r>
-              <a:rPr lang="en-US" dirty="0" smtClean="0"/>
+              <a:rPr lang="en-US" dirty="0"/>
               <a:t>”, 0.103141]</a:t>
             </a:r>
           </a:p>
@@ -5064,23 +4917,23 @@
           <a:lstStyle/>
           <a:p>
             <a:r>
-              <a:rPr lang="en-US" dirty="0" smtClean="0"/>
+              <a:rPr lang="en-US" dirty="0"/>
               <a:t>result=</a:t>
             </a:r>
             <a:r>
-              <a:rPr lang="en-US" dirty="0" err="1" smtClean="0"/>
+              <a:rPr lang="en-US" dirty="0" err="1"/>
               <a:t>nao.asr.unsubscribe</a:t>
             </a:r>
             <a:r>
-              <a:rPr lang="en-US" dirty="0" smtClean="0"/>
+              <a:rPr lang="en-US" dirty="0"/>
               <a:t>(“</a:t>
             </a:r>
             <a:r>
-              <a:rPr lang="en-US" dirty="0" err="1" smtClean="0"/>
+              <a:rPr lang="en-US" dirty="0" err="1"/>
               <a:t>MyModule</a:t>
             </a:r>
             <a:r>
-              <a:rPr lang="en-US" dirty="0" smtClean="0"/>
+              <a:rPr lang="en-US" dirty="0"/>
               <a:t>”)</a:t>
             </a:r>
           </a:p>
@@ -5096,13 +4949,6 @@
   <p:clrMapOvr>
     <a:masterClrMapping/>
   </p:clrMapOvr>
-  <p:timing>
-    <p:tnLst>
-      <p:par>
-        <p:cTn id="1" dur="indefinite" restart="never" nodeType="tmRoot"/>
-      </p:par>
-    </p:tnLst>
-  </p:timing>
 </p:sld>
 </file>
 
@@ -5139,10 +4985,9 @@
           <a:lstStyle/>
           <a:p>
             <a:r>
-              <a:rPr lang="en-US" dirty="0" smtClean="0"/>
+              <a:rPr lang="en-US" dirty="0"/>
               <a:t>Speech recognition</a:t>
             </a:r>
-            <a:endParaRPr lang="en-US" dirty="0"/>
           </a:p>
         </p:txBody>
       </p:sp>
@@ -5325,14 +5170,10 @@
           <a:p>
             <a:r>
               <a:rPr lang="en-US" dirty="0"/>
-              <a:t>       </a:t>
-            </a:r>
-            <a:r>
-              <a:rPr lang="en-US" dirty="0" smtClean="0"/>
-              <a:t> result=</a:t>
-            </a:r>
-            <a:r>
-              <a:rPr lang="en-US" dirty="0" err="1" smtClean="0"/>
+              <a:t>        result=</a:t>
+            </a:r>
+            <a:r>
+              <a:rPr lang="en-US" dirty="0" err="1"/>
               <a:t>nao.DetectSpeech</a:t>
             </a:r>
             <a:r>
@@ -5342,7 +5183,7 @@
           </a:p>
           <a:p>
             <a:r>
-              <a:rPr lang="en-US" dirty="0" smtClean="0"/>
+              <a:rPr lang="en-US" dirty="0"/>
               <a:t>        if </a:t>
             </a:r>
             <a:r>
@@ -5470,7 +5311,7 @@
               <a:t>MyModule</a:t>
             </a:r>
             <a:r>
-              <a:rPr lang="en-US" dirty="0" smtClean="0"/>
+              <a:rPr lang="en-US" dirty="0"/>
               <a:t>")</a:t>
             </a:r>
           </a:p>
@@ -5486,13 +5327,6 @@
   <p:clrMapOvr>
     <a:masterClrMapping/>
   </p:clrMapOvr>
-  <p:timing>
-    <p:tnLst>
-      <p:par>
-        <p:cTn id="1" dur="indefinite" restart="never" nodeType="tmRoot"/>
-      </p:par>
-    </p:tnLst>
-  </p:timing>
 </p:sld>
 </file>
 
@@ -5529,10 +5363,9 @@
           <a:lstStyle/>
           <a:p>
             <a:r>
-              <a:rPr lang="en-US" dirty="0" smtClean="0"/>
+              <a:rPr lang="en-US" dirty="0"/>
               <a:t>Run movements</a:t>
             </a:r>
-            <a:endParaRPr lang="en-US" dirty="0"/>
           </a:p>
         </p:txBody>
       </p:sp>
@@ -5552,52 +5385,52 @@
           <a:lstStyle/>
           <a:p>
             <a:r>
-              <a:rPr lang="en-US" dirty="0" smtClean="0"/>
+              <a:rPr lang="en-US" dirty="0"/>
               <a:t>Using </a:t>
             </a:r>
             <a:r>
-              <a:rPr lang="en-US" dirty="0" err="1" smtClean="0"/>
+              <a:rPr lang="en-US" dirty="0" err="1"/>
               <a:t>choregraphe</a:t>
             </a:r>
             <a:r>
-              <a:rPr lang="en-US" dirty="0" smtClean="0"/>
+              <a:rPr lang="en-US" dirty="0"/>
               <a:t>, one can export movement files to Python</a:t>
             </a:r>
           </a:p>
           <a:p>
             <a:r>
-              <a:rPr lang="en-US" dirty="0" smtClean="0"/>
+              <a:rPr lang="en-US" dirty="0"/>
               <a:t>To run them, make sure that these movement files are findable by Python in a gestures subdirectory.</a:t>
             </a:r>
           </a:p>
           <a:p>
             <a:r>
-              <a:rPr lang="en-US" dirty="0" smtClean="0"/>
+              <a:rPr lang="en-US" dirty="0"/>
               <a:t>Typically you put all “gestures” in a subdirectory “gestures” of your project. The file extension is by default “.</a:t>
             </a:r>
             <a:r>
-              <a:rPr lang="en-US" dirty="0" err="1" smtClean="0"/>
+              <a:rPr lang="en-US" dirty="0" err="1"/>
               <a:t>py</a:t>
             </a:r>
             <a:r>
-              <a:rPr lang="en-US" dirty="0" smtClean="0"/>
+              <a:rPr lang="en-US" dirty="0"/>
               <a:t>”  or “.</a:t>
             </a:r>
             <a:r>
-              <a:rPr lang="en-US" dirty="0" err="1" smtClean="0"/>
+              <a:rPr lang="en-US" dirty="0" err="1"/>
               <a:t>ges</a:t>
             </a:r>
             <a:r>
-              <a:rPr lang="en-US" dirty="0" smtClean="0"/>
+              <a:rPr lang="en-US" dirty="0"/>
               <a:t>”</a:t>
             </a:r>
           </a:p>
           <a:p>
-            <a:endParaRPr lang="en-US" dirty="0" smtClean="0"/>
-          </a:p>
-          <a:p>
-            <a:r>
-              <a:rPr lang="en-US" dirty="0" smtClean="0"/>
+            <a:endParaRPr lang="en-US" dirty="0"/>
+          </a:p>
+          <a:p>
+            <a:r>
+              <a:rPr lang="en-US" dirty="0"/>
               <a:t>To list all available gestures:</a:t>
             </a:r>
           </a:p>
@@ -5606,10 +5439,9 @@
           </a:p>
           <a:p>
             <a:r>
-              <a:rPr lang="en-US" dirty="0" smtClean="0"/>
+              <a:rPr lang="en-US" dirty="0"/>
               <a:t>To play back single gesture:</a:t>
             </a:r>
-            <a:endParaRPr lang="en-US" dirty="0"/>
           </a:p>
         </p:txBody>
       </p:sp>
@@ -5635,14 +5467,13 @@
           <a:lstStyle/>
           <a:p>
             <a:r>
-              <a:rPr lang="en-US" dirty="0" err="1" smtClean="0"/>
+              <a:rPr lang="en-US" dirty="0" err="1"/>
               <a:t>nao.GetAvailableGestures</a:t>
             </a:r>
             <a:r>
-              <a:rPr lang="en-US" dirty="0" smtClean="0"/>
+              <a:rPr lang="en-US" dirty="0"/>
               <a:t>()</a:t>
             </a:r>
-            <a:endParaRPr lang="en-US" dirty="0"/>
           </a:p>
         </p:txBody>
       </p:sp>
@@ -5668,14 +5499,13 @@
           <a:lstStyle/>
           <a:p>
             <a:r>
-              <a:rPr lang="en-US" dirty="0" err="1" smtClean="0"/>
+              <a:rPr lang="en-US" dirty="0" err="1"/>
               <a:t>nao.RunMovement</a:t>
             </a:r>
             <a:r>
-              <a:rPr lang="en-US" dirty="0" smtClean="0"/>
+              <a:rPr lang="en-US" dirty="0"/>
               <a:t>(“the_name_of_the_gesture.py”)</a:t>
             </a:r>
-            <a:endParaRPr lang="en-US" dirty="0"/>
           </a:p>
         </p:txBody>
       </p:sp>
@@ -5725,10 +5555,9 @@
           <a:lstStyle/>
           <a:p>
             <a:r>
-              <a:rPr lang="en-US" dirty="0" smtClean="0"/>
+              <a:rPr lang="en-US" dirty="0"/>
               <a:t>Run LED patterns</a:t>
             </a:r>
-            <a:endParaRPr lang="en-US" dirty="0"/>
           </a:p>
         </p:txBody>
       </p:sp>
@@ -5748,22 +5577,22 @@
           <a:lstStyle/>
           <a:p>
             <a:r>
-              <a:rPr lang="en-US" dirty="0" smtClean="0"/>
+              <a:rPr lang="en-US" dirty="0"/>
               <a:t>To run LED patterns, make sure that these LED pattern files are findable by Python in a “led” subdirectory. </a:t>
             </a:r>
           </a:p>
           <a:p>
             <a:r>
-              <a:rPr lang="en-US" dirty="0" smtClean="0"/>
+              <a:rPr lang="en-US" dirty="0"/>
               <a:t>Typically you put all LED patterns in a subdirectory “led” of your project.</a:t>
             </a:r>
           </a:p>
           <a:p>
-            <a:endParaRPr lang="en-US" dirty="0" smtClean="0"/>
-          </a:p>
-          <a:p>
-            <a:r>
-              <a:rPr lang="en-US" dirty="0" smtClean="0"/>
+            <a:endParaRPr lang="en-US" dirty="0"/>
+          </a:p>
+          <a:p>
+            <a:r>
+              <a:rPr lang="en-US" dirty="0"/>
               <a:t>To list all available LED patterns:</a:t>
             </a:r>
           </a:p>
@@ -5772,10 +5601,9 @@
           </a:p>
           <a:p>
             <a:r>
-              <a:rPr lang="en-US" dirty="0" smtClean="0"/>
+              <a:rPr lang="en-US" dirty="0"/>
               <a:t>To play back single LED pattern:</a:t>
             </a:r>
-            <a:endParaRPr lang="en-US" dirty="0"/>
           </a:p>
         </p:txBody>
       </p:sp>
@@ -5801,14 +5629,13 @@
           <a:lstStyle/>
           <a:p>
             <a:r>
-              <a:rPr lang="en-US" dirty="0" err="1" smtClean="0"/>
+              <a:rPr lang="en-US" dirty="0" err="1"/>
               <a:t>nao.GetAvailableLEDPatterns</a:t>
             </a:r>
             <a:r>
-              <a:rPr lang="en-US" dirty="0" smtClean="0"/>
+              <a:rPr lang="en-US" dirty="0"/>
               <a:t>()</a:t>
             </a:r>
-            <a:endParaRPr lang="en-US" dirty="0"/>
           </a:p>
         </p:txBody>
       </p:sp>
@@ -5834,22 +5661,21 @@
           <a:lstStyle/>
           <a:p>
             <a:r>
-              <a:rPr lang="en-US" dirty="0" err="1" smtClean="0"/>
+              <a:rPr lang="en-US" dirty="0" err="1"/>
               <a:t>nao.RunLED</a:t>
             </a:r>
             <a:r>
-              <a:rPr lang="en-US" dirty="0" smtClean="0"/>
+              <a:rPr lang="en-US" dirty="0"/>
               <a:t>(“</a:t>
             </a:r>
             <a:r>
-              <a:rPr lang="en-US" dirty="0" err="1" smtClean="0"/>
+              <a:rPr lang="en-US" dirty="0" err="1"/>
               <a:t>the_name_of_the_led_pattern.led</a:t>
             </a:r>
             <a:r>
-              <a:rPr lang="en-US" dirty="0" smtClean="0"/>
+              <a:rPr lang="en-US" dirty="0"/>
               <a:t>”)</a:t>
             </a:r>
-            <a:endParaRPr lang="en-US" dirty="0"/>
           </a:p>
         </p:txBody>
       </p:sp>
@@ -5899,11 +5725,11 @@
           <a:lstStyle/>
           <a:p>
             <a:r>
-              <a:rPr lang="en-US" dirty="0" smtClean="0"/>
+              <a:rPr lang="en-US" dirty="0"/>
               <a:t>Using </a:t>
             </a:r>
             <a:r>
-              <a:rPr lang="en-US" dirty="0" err="1" smtClean="0"/>
+              <a:rPr lang="en-US" dirty="0" err="1"/>
               <a:t>nao.py</a:t>
             </a:r>
             <a:endParaRPr lang="en-US" dirty="0"/>
@@ -5926,13 +5752,12 @@
           <a:lstStyle/>
           <a:p>
             <a:r>
-              <a:rPr lang="en-US" dirty="0" smtClean="0"/>
+              <a:rPr lang="en-US" dirty="0"/>
               <a:t>Before you can use nao.py you need to import it and initialize it</a:t>
             </a:r>
-            <a:endParaRPr lang="en-US" dirty="0"/>
-          </a:p>
-          <a:p>
-            <a:endParaRPr lang="en-US" dirty="0" smtClean="0"/>
+          </a:p>
+          <a:p>
+            <a:endParaRPr lang="en-US" dirty="0"/>
           </a:p>
           <a:p>
             <a:endParaRPr lang="en-US" dirty="0"/>
@@ -5944,26 +5769,17 @@
             <a:endParaRPr lang="en-US" dirty="0"/>
           </a:p>
           <a:p>
-            <a:endParaRPr lang="en-US" dirty="0" smtClean="0"/>
-          </a:p>
-          <a:p>
-            <a:r>
-              <a:rPr lang="en-US" dirty="0" err="1" smtClean="0"/>
+            <a:endParaRPr lang="en-US" dirty="0"/>
+          </a:p>
+          <a:p>
+            <a:r>
+              <a:rPr lang="en-US" dirty="0" err="1"/>
               <a:t>nao.InitProxy</a:t>
             </a:r>
             <a:r>
-              <a:rPr lang="en-US" dirty="0" smtClean="0"/>
-              <a:t> </a:t>
-            </a:r>
-            <a:r>
-              <a:rPr lang="en-US" dirty="0" smtClean="0"/>
-              <a:t>connects to the robot specified by the IP address of the robot</a:t>
-            </a:r>
-            <a:r>
-              <a:rPr lang="en-US" dirty="0" smtClean="0"/>
-              <a:t>.</a:t>
-            </a:r>
-            <a:endParaRPr lang="en-US" dirty="0" smtClean="0"/>
+              <a:rPr lang="en-US" dirty="0"/>
+              <a:t> connects to the robot specified by the IP address of the robot.</a:t>
+            </a:r>
           </a:p>
         </p:txBody>
       </p:sp>
@@ -5990,51 +5806,42 @@
           <a:p>
             <a:r>
               <a:rPr lang="en-US" dirty="0"/>
-              <a:t>i</a:t>
-            </a:r>
-            <a:r>
-              <a:rPr lang="en-US" dirty="0" smtClean="0"/>
-              <a:t>mport nao_nocv_2_0 as </a:t>
-            </a:r>
-            <a:r>
-              <a:rPr lang="en-US" dirty="0" err="1" smtClean="0"/>
+              <a:t>import nao_nocv_2_1 as </a:t>
+            </a:r>
+            <a:r>
+              <a:rPr lang="en-US" dirty="0" err="1"/>
               <a:t>nao</a:t>
             </a:r>
-            <a:endParaRPr lang="en-US" dirty="0" smtClean="0"/>
-          </a:p>
-          <a:p>
-            <a:endParaRPr lang="en-US" dirty="0" smtClean="0"/>
-          </a:p>
-          <a:p>
-            <a:r>
-              <a:rPr lang="en-US" dirty="0" err="1"/>
-              <a:t>r</a:t>
-            </a:r>
-            <a:r>
-              <a:rPr lang="en-US" dirty="0" err="1" smtClean="0"/>
-              <a:t>obot_IP</a:t>
-            </a:r>
-            <a:r>
-              <a:rPr lang="en-US" dirty="0" smtClean="0"/>
+            <a:endParaRPr lang="en-US" dirty="0"/>
+          </a:p>
+          <a:p>
+            <a:endParaRPr lang="en-US" dirty="0"/>
+          </a:p>
+          <a:p>
+            <a:r>
+              <a:rPr lang="en-US" dirty="0" err="1"/>
+              <a:t>robot_IP</a:t>
+            </a:r>
+            <a:r>
+              <a:rPr lang="en-US" dirty="0"/>
               <a:t>=“127.0.0.1”</a:t>
             </a:r>
-            <a:endParaRPr lang="en-US" dirty="0"/>
-          </a:p>
-          <a:p>
-            <a:r>
-              <a:rPr lang="en-US" dirty="0" err="1" smtClean="0"/>
+          </a:p>
+          <a:p>
+            <a:r>
+              <a:rPr lang="en-US" dirty="0" err="1"/>
               <a:t>nao.InitProxy</a:t>
             </a:r>
             <a:r>
-              <a:rPr lang="en-US" dirty="0" smtClean="0"/>
+              <a:rPr lang="en-US" dirty="0"/>
               <a:t>(</a:t>
             </a:r>
             <a:r>
-              <a:rPr lang="en-US" dirty="0" err="1" smtClean="0"/>
+              <a:rPr lang="en-US" dirty="0" err="1"/>
               <a:t>robot_IP</a:t>
             </a:r>
             <a:r>
-              <a:rPr lang="en-US" dirty="0" smtClean="0"/>
+              <a:rPr lang="en-US" dirty="0"/>
               <a:t>)</a:t>
             </a:r>
           </a:p>
@@ -6050,13 +5857,6 @@
   <p:clrMapOvr>
     <a:masterClrMapping/>
   </p:clrMapOvr>
-  <p:timing>
-    <p:tnLst>
-      <p:par>
-        <p:cTn id="1" dur="indefinite" restart="never" nodeType="tmRoot"/>
-      </p:par>
-    </p:tnLst>
-  </p:timing>
 </p:sld>
 </file>
 
@@ -6093,10 +5893,9 @@
           <a:lstStyle/>
           <a:p>
             <a:r>
-              <a:rPr lang="en-US" dirty="0" smtClean="0"/>
+              <a:rPr lang="en-US" dirty="0"/>
               <a:t>LED Pattern files</a:t>
             </a:r>
-            <a:endParaRPr lang="en-US" dirty="0"/>
           </a:p>
         </p:txBody>
       </p:sp>
@@ -6116,13 +5915,13 @@
           <a:lstStyle/>
           <a:p>
             <a:r>
-              <a:rPr lang="en-US" dirty="0" smtClean="0"/>
+              <a:rPr lang="en-US" dirty="0"/>
               <a:t>A LED pattern is a csv file (“;” as delimiter)</a:t>
             </a:r>
           </a:p>
           <a:p>
             <a:r>
-              <a:rPr lang="en-US" dirty="0" smtClean="0"/>
+              <a:rPr lang="en-US" dirty="0"/>
               <a:t>The first row contains text labels</a:t>
             </a:r>
           </a:p>
@@ -6130,96 +5929,87 @@
             <a:endParaRPr lang="en-US" dirty="0"/>
           </a:p>
           <a:p>
-            <a:endParaRPr lang="en-US" dirty="0" smtClean="0"/>
-          </a:p>
-          <a:p>
-            <a:endParaRPr lang="en-US" dirty="0"/>
-          </a:p>
-          <a:p>
-            <a:endParaRPr lang="en-US" dirty="0" smtClean="0"/>
-          </a:p>
-          <a:p>
-            <a:endParaRPr lang="en-US" dirty="0"/>
-          </a:p>
-          <a:p>
-            <a:endParaRPr lang="en-US" dirty="0" smtClean="0"/>
-          </a:p>
-          <a:p>
-            <a:r>
-              <a:rPr lang="en-US" sz="1800" dirty="0" err="1" smtClean="0"/>
+            <a:endParaRPr lang="en-US" dirty="0"/>
+          </a:p>
+          <a:p>
+            <a:endParaRPr lang="en-US" dirty="0"/>
+          </a:p>
+          <a:p>
+            <a:endParaRPr lang="en-US" dirty="0"/>
+          </a:p>
+          <a:p>
+            <a:endParaRPr lang="en-US" dirty="0"/>
+          </a:p>
+          <a:p>
+            <a:endParaRPr lang="en-US" dirty="0"/>
+          </a:p>
+          <a:p>
+            <a:r>
+              <a:rPr lang="en-US" sz="1800" dirty="0" err="1"/>
               <a:t>Groupname</a:t>
             </a:r>
             <a:r>
-              <a:rPr lang="en-US" sz="1800" dirty="0" smtClean="0"/>
+              <a:rPr lang="en-US" sz="1800" dirty="0"/>
               <a:t> specifies the LED group as defined in </a:t>
             </a:r>
             <a:r>
-              <a:rPr lang="en-US" sz="1800" dirty="0" err="1" smtClean="0"/>
+              <a:rPr lang="en-US" sz="1800" dirty="0" err="1"/>
               <a:t>naoqi</a:t>
             </a:r>
             <a:r>
-              <a:rPr lang="en-US" sz="1800" dirty="0" smtClean="0"/>
+              <a:rPr lang="en-US" sz="1800" dirty="0"/>
               <a:t> (see SDK manual)</a:t>
             </a:r>
           </a:p>
           <a:p>
             <a:r>
-              <a:rPr lang="en-US" sz="1800" dirty="0" err="1" smtClean="0"/>
+              <a:rPr lang="en-US" sz="1800" dirty="0" err="1"/>
               <a:t>r,g,b</a:t>
             </a:r>
             <a:r>
-              <a:rPr lang="en-US" sz="1800" dirty="0" smtClean="0"/>
+              <a:rPr lang="en-US" sz="1800" dirty="0"/>
               <a:t> are integers between 0 and 255 that specify the RGB </a:t>
             </a:r>
             <a:r>
-              <a:rPr lang="en-US" sz="1800" dirty="0" err="1" smtClean="0"/>
+              <a:rPr lang="en-US" sz="1800" dirty="0" err="1"/>
               <a:t>colour</a:t>
             </a:r>
-            <a:endParaRPr lang="en-US" sz="1800" dirty="0" smtClean="0"/>
-          </a:p>
-          <a:p>
-            <a:r>
-              <a:rPr lang="en-US" sz="1800" dirty="0" smtClean="0"/>
-              <a:t>Frequency is the frequency in Hz; 0 is </a:t>
-            </a:r>
+            <a:endParaRPr lang="en-US" sz="1800" dirty="0"/>
+          </a:p>
+          <a:p>
             <a:r>
               <a:rPr lang="en-US" sz="1800" dirty="0"/>
-              <a:t>c</a:t>
-            </a:r>
-            <a:r>
-              <a:rPr lang="en-US" sz="1800" dirty="0" smtClean="0"/>
-              <a:t>ontinuously on</a:t>
-            </a:r>
-          </a:p>
-          <a:p>
-            <a:r>
-              <a:rPr lang="en-US" sz="1800" dirty="0" smtClean="0"/>
+              <a:t>Frequency is the frequency in Hz; 0 is continuously on</a:t>
+            </a:r>
+          </a:p>
+          <a:p>
+            <a:r>
+              <a:rPr lang="en-US" sz="1800" dirty="0"/>
               <a:t>Duration specifies the duration of the </a:t>
             </a:r>
             <a:r>
-              <a:rPr lang="en-US" sz="1800" dirty="0" err="1" smtClean="0"/>
+              <a:rPr lang="en-US" sz="1800" dirty="0" err="1"/>
               <a:t>colour</a:t>
             </a:r>
             <a:r>
-              <a:rPr lang="en-US" sz="1800" dirty="0" smtClean="0"/>
+              <a:rPr lang="en-US" sz="1800" dirty="0"/>
               <a:t> in s.</a:t>
             </a:r>
-            <a:endParaRPr lang="en-US" sz="1800" dirty="0"/>
-          </a:p>
-          <a:p>
-            <a:endParaRPr lang="en-US" sz="1200" dirty="0" smtClean="0"/>
           </a:p>
           <a:p>
             <a:endParaRPr lang="en-US" sz="1200" dirty="0"/>
           </a:p>
           <a:p>
-            <a:endParaRPr lang="en-US" sz="1200" dirty="0" smtClean="0"/>
-          </a:p>
-          <a:p>
             <a:endParaRPr lang="en-US" sz="1200" dirty="0"/>
           </a:p>
           <a:p>
-            <a:endParaRPr lang="en-US" sz="1200" dirty="0" smtClean="0"/>
+            <a:endParaRPr lang="en-US" sz="1200" dirty="0"/>
+          </a:p>
+          <a:p>
+            <a:endParaRPr lang="en-US" sz="1200" dirty="0"/>
+          </a:p>
+          <a:p>
+            <a:endParaRPr lang="en-US" sz="1200" dirty="0"/>
           </a:p>
           <a:p>
             <a:endParaRPr lang="en-US" sz="1200" dirty="0"/>
@@ -6260,12 +6050,48 @@
                 <a:tableStyleId>{616DA210-FB5B-4158-B5E0-FEB733F419BA}</a:tableStyleId>
               </a:tblPr>
               <a:tblGrid>
-                <a:gridCol w="940726"/>
-                <a:gridCol w="940726"/>
-                <a:gridCol w="940726"/>
-                <a:gridCol w="940726"/>
-                <a:gridCol w="940726"/>
-                <a:gridCol w="940726"/>
+                <a:gridCol w="940726">
+                  <a:extLst>
+                    <a:ext uri="{9D8B030D-6E8A-4147-A177-3AD203B41FA5}">
+                      <a16:colId xmlns:a16="http://schemas.microsoft.com/office/drawing/2014/main" val="20000"/>
+                    </a:ext>
+                  </a:extLst>
+                </a:gridCol>
+                <a:gridCol w="940726">
+                  <a:extLst>
+                    <a:ext uri="{9D8B030D-6E8A-4147-A177-3AD203B41FA5}">
+                      <a16:colId xmlns:a16="http://schemas.microsoft.com/office/drawing/2014/main" val="20001"/>
+                    </a:ext>
+                  </a:extLst>
+                </a:gridCol>
+                <a:gridCol w="940726">
+                  <a:extLst>
+                    <a:ext uri="{9D8B030D-6E8A-4147-A177-3AD203B41FA5}">
+                      <a16:colId xmlns:a16="http://schemas.microsoft.com/office/drawing/2014/main" val="20002"/>
+                    </a:ext>
+                  </a:extLst>
+                </a:gridCol>
+                <a:gridCol w="940726">
+                  <a:extLst>
+                    <a:ext uri="{9D8B030D-6E8A-4147-A177-3AD203B41FA5}">
+                      <a16:colId xmlns:a16="http://schemas.microsoft.com/office/drawing/2014/main" val="20003"/>
+                    </a:ext>
+                  </a:extLst>
+                </a:gridCol>
+                <a:gridCol w="940726">
+                  <a:extLst>
+                    <a:ext uri="{9D8B030D-6E8A-4147-A177-3AD203B41FA5}">
+                      <a16:colId xmlns:a16="http://schemas.microsoft.com/office/drawing/2014/main" val="20004"/>
+                    </a:ext>
+                  </a:extLst>
+                </a:gridCol>
+                <a:gridCol w="940726">
+                  <a:extLst>
+                    <a:ext uri="{9D8B030D-6E8A-4147-A177-3AD203B41FA5}">
+                      <a16:colId xmlns:a16="http://schemas.microsoft.com/office/drawing/2014/main" val="20005"/>
+                    </a:ext>
+                  </a:extLst>
+                </a:gridCol>
               </a:tblGrid>
               <a:tr h="1052839">
                 <a:tc>
@@ -6412,6 +6238,11 @@
                   </a:txBody>
                   <a:tcPr marL="9525" marR="9525" marT="9525" marB="0" anchor="b"/>
                 </a:tc>
+                <a:extLst>
+                  <a:ext uri="{0D108BD9-81ED-4DB2-BD59-A6C34878D82A}">
+                    <a16:rowId xmlns:a16="http://schemas.microsoft.com/office/drawing/2014/main" val="10000"/>
+                  </a:ext>
+                </a:extLst>
               </a:tr>
               <a:tr h="533792">
                 <a:tc>
@@ -6552,6 +6383,11 @@
                   </a:txBody>
                   <a:tcPr marL="9525" marR="9525" marT="9525" marB="0" anchor="b"/>
                 </a:tc>
+                <a:extLst>
+                  <a:ext uri="{0D108BD9-81ED-4DB2-BD59-A6C34878D82A}">
+                    <a16:rowId xmlns:a16="http://schemas.microsoft.com/office/drawing/2014/main" val="10001"/>
+                  </a:ext>
+                </a:extLst>
               </a:tr>
               <a:tr h="533792">
                 <a:tc>
@@ -6692,6 +6528,11 @@
                   </a:txBody>
                   <a:tcPr marL="9525" marR="9525" marT="9525" marB="0" anchor="b"/>
                 </a:tc>
+                <a:extLst>
+                  <a:ext uri="{0D108BD9-81ED-4DB2-BD59-A6C34878D82A}">
+                    <a16:rowId xmlns:a16="http://schemas.microsoft.com/office/drawing/2014/main" val="10002"/>
+                  </a:ext>
+                </a:extLst>
               </a:tr>
             </a:tbl>
           </a:graphicData>
@@ -6707,13 +6548,6 @@
   <p:clrMapOvr>
     <a:masterClrMapping/>
   </p:clrMapOvr>
-  <p:timing>
-    <p:tnLst>
-      <p:par>
-        <p:cTn id="1" dur="indefinite" restart="never" nodeType="tmRoot"/>
-      </p:par>
-    </p:tnLst>
-  </p:timing>
 </p:sld>
 </file>
 
@@ -6750,10 +6584,9 @@
           <a:lstStyle/>
           <a:p>
             <a:r>
-              <a:rPr lang="en-US" dirty="0" smtClean="0"/>
+              <a:rPr lang="en-US" dirty="0"/>
               <a:t>LED Pattern files</a:t>
             </a:r>
-            <a:endParaRPr lang="en-US" dirty="0"/>
           </a:p>
         </p:txBody>
       </p:sp>
@@ -6773,21 +6606,17 @@
           <a:lstStyle/>
           <a:p>
             <a:r>
-              <a:rPr lang="en-US" dirty="0" smtClean="0"/>
+              <a:rPr lang="en-US" dirty="0"/>
               <a:t>Available groups:</a:t>
             </a:r>
           </a:p>
           <a:p>
-            <a:endParaRPr lang="en-US" dirty="0" smtClean="0"/>
-          </a:p>
-          <a:p>
-            <a:r>
-              <a:rPr lang="en-US" sz="1200" dirty="0" smtClean="0"/>
-              <a:t>[</a:t>
-            </a:r>
+            <a:endParaRPr lang="en-US" dirty="0"/>
+          </a:p>
+          <a:p>
             <a:r>
               <a:rPr lang="en-US" sz="1200" dirty="0"/>
-              <a:t>'</a:t>
+              <a:t>['</a:t>
             </a:r>
             <a:r>
               <a:rPr lang="en-US" sz="1200" dirty="0" err="1"/>
@@ -7173,13 +7002,6 @@
   <p:clrMapOvr>
     <a:masterClrMapping/>
   </p:clrMapOvr>
-  <p:timing>
-    <p:tnLst>
-      <p:par>
-        <p:cTn id="1" dur="indefinite" restart="never" nodeType="tmRoot"/>
-      </p:par>
-    </p:tnLst>
-  </p:timing>
 </p:sld>
 </file>
 
@@ -7235,10 +7057,9 @@
           <a:lstStyle/>
           <a:p>
             <a:r>
-              <a:rPr lang="en-US" dirty="0" smtClean="0"/>
+              <a:rPr lang="en-US" dirty="0"/>
               <a:t>A simple test:</a:t>
             </a:r>
-            <a:endParaRPr lang="en-US" dirty="0"/>
           </a:p>
         </p:txBody>
       </p:sp>
@@ -7404,15 +7225,15 @@
           <a:lstStyle/>
           <a:p>
             <a:r>
-              <a:rPr lang="en-US" dirty="0" err="1" smtClean="0"/>
+              <a:rPr lang="en-US" dirty="0" err="1"/>
               <a:t>NaO</a:t>
             </a:r>
             <a:r>
-              <a:rPr lang="en-US" dirty="0" smtClean="0"/>
+              <a:rPr lang="en-US" dirty="0"/>
               <a:t>-Lib </a:t>
             </a:r>
             <a:r>
-              <a:rPr lang="en-US" dirty="0" err="1" smtClean="0"/>
+              <a:rPr lang="en-US" dirty="0" err="1"/>
               <a:t>REference</a:t>
             </a:r>
             <a:endParaRPr lang="en-US" dirty="0"/>
@@ -7507,80 +7328,71 @@
             </a:pPr>
             <a:r>
               <a:rPr lang="en-US" dirty="0" err="1"/>
-              <a:t>n</a:t>
-            </a:r>
-            <a:r>
-              <a:rPr lang="en-US" dirty="0" err="1" smtClean="0"/>
-              <a:t>ao.InitProxy</a:t>
-            </a:r>
-            <a:r>
-              <a:rPr lang="en-US" dirty="0" smtClean="0"/>
+              <a:t>nao.InitProxy</a:t>
+            </a:r>
+            <a:r>
+              <a:rPr lang="en-US" dirty="0"/>
               <a:t>(</a:t>
             </a:r>
             <a:r>
-              <a:rPr lang="en-US" dirty="0" err="1" smtClean="0"/>
+              <a:rPr lang="en-US" dirty="0" err="1"/>
               <a:t>robot_IP</a:t>
             </a:r>
             <a:r>
-              <a:rPr lang="en-US" dirty="0" smtClean="0"/>
+              <a:rPr lang="en-US" dirty="0"/>
               <a:t>, </a:t>
             </a:r>
             <a:r>
-              <a:rPr lang="en-US" dirty="0" err="1" smtClean="0"/>
+              <a:rPr lang="en-US" dirty="0" err="1"/>
               <a:t>proxy_list</a:t>
             </a:r>
             <a:r>
-              <a:rPr lang="en-US" dirty="0" smtClean="0"/>
+              <a:rPr lang="en-US" dirty="0"/>
               <a:t> , </a:t>
             </a:r>
             <a:r>
-              <a:rPr lang="en-US" dirty="0" err="1" smtClean="0"/>
+              <a:rPr lang="en-US" dirty="0" err="1"/>
               <a:t>robot_PORT</a:t>
             </a:r>
             <a:r>
-              <a:rPr lang="en-US" dirty="0" smtClean="0"/>
+              <a:rPr lang="en-US" dirty="0"/>
               <a:t>)</a:t>
             </a:r>
           </a:p>
           <a:p>
             <a:r>
-              <a:rPr lang="en-US" dirty="0" smtClean="0"/>
+              <a:rPr lang="en-US" dirty="0"/>
               <a:t>Connects to the robot specified by IP address and port number (default 9559)</a:t>
             </a:r>
           </a:p>
           <a:p>
             <a:r>
-              <a:rPr lang="en-US" dirty="0" smtClean="0"/>
+              <a:rPr lang="en-US" dirty="0"/>
               <a:t>Defines </a:t>
             </a:r>
             <a:r>
-              <a:rPr lang="en-US" dirty="0" err="1" smtClean="0"/>
+              <a:rPr lang="en-US" dirty="0" err="1"/>
               <a:t>globals</a:t>
             </a:r>
             <a:r>
-              <a:rPr lang="en-US" dirty="0" smtClean="0"/>
+              <a:rPr lang="en-US" dirty="0"/>
               <a:t> of the proxies specified in </a:t>
             </a:r>
             <a:r>
-              <a:rPr lang="en-US" dirty="0" err="1" smtClean="0"/>
+              <a:rPr lang="en-US" dirty="0" err="1"/>
               <a:t>proxy_list</a:t>
             </a:r>
-            <a:endParaRPr lang="en-US" dirty="0" smtClean="0"/>
-          </a:p>
-          <a:p>
-            <a:r>
-              <a:rPr lang="en-US" dirty="0" err="1"/>
-              <a:t>p</a:t>
-            </a:r>
-            <a:r>
-              <a:rPr lang="en-US" dirty="0" err="1" smtClean="0"/>
-              <a:t>roxy_list</a:t>
-            </a:r>
-            <a:r>
-              <a:rPr lang="en-US" dirty="0" smtClean="0"/>
+            <a:endParaRPr lang="en-US" dirty="0"/>
+          </a:p>
+          <a:p>
+            <a:r>
+              <a:rPr lang="en-US" dirty="0" err="1"/>
+              <a:t>proxy_list</a:t>
+            </a:r>
+            <a:r>
+              <a:rPr lang="en-US" dirty="0"/>
               <a:t> is a list of integers. If the list contains 0, it will try to connect all proxies (default [0] ).  </a:t>
             </a:r>
-            <a:endParaRPr lang="en-US" dirty="0"/>
           </a:p>
         </p:txBody>
       </p:sp>
@@ -7646,212 +7458,37 @@
                   <a:srgbClr val="00B050"/>
                 </a:solidFill>
               </a:rPr>
-              <a:t>    """proxy: (list) </a:t>
-            </a:r>
-            <a:r>
-              <a:rPr lang="en-US" dirty="0" smtClean="0">
-                <a:solidFill>
-                  <a:srgbClr val="00B050"/>
-                </a:solidFill>
-              </a:rPr>
-              <a:t>	1-</a:t>
-            </a:r>
+              <a:t>    """proxy: (list) 	1-&gt;TTS, 		2-&gt;audio, 	3-&gt;motion, </a:t>
+            </a:r>
+          </a:p>
+          <a:p>
             <a:r>
               <a:rPr lang="en-US" dirty="0">
                 <a:solidFill>
                   <a:srgbClr val="00B050"/>
                 </a:solidFill>
               </a:rPr>
-              <a:t>&gt;TTS, </a:t>
-            </a:r>
-            <a:r>
-              <a:rPr lang="en-US" dirty="0" smtClean="0">
-                <a:solidFill>
-                  <a:srgbClr val="00B050"/>
-                </a:solidFill>
-              </a:rPr>
-              <a:t>		2-</a:t>
-            </a:r>
+              <a:t>				4-&gt;memory, 	5-&gt;face, 		6-&gt;video, </a:t>
+            </a:r>
+          </a:p>
+          <a:p>
             <a:r>
               <a:rPr lang="en-US" dirty="0">
                 <a:solidFill>
                   <a:srgbClr val="00B050"/>
                 </a:solidFill>
               </a:rPr>
-              <a:t>&gt;audio, </a:t>
-            </a:r>
-            <a:r>
-              <a:rPr lang="en-US" dirty="0" smtClean="0">
-                <a:solidFill>
-                  <a:srgbClr val="00B050"/>
-                </a:solidFill>
-              </a:rPr>
-              <a:t>	3-</a:t>
-            </a:r>
+              <a:t>				7-&gt;LED's, 	8-&gt;Track, 	9-&gt;Speech, </a:t>
+            </a:r>
+          </a:p>
+          <a:p>
             <a:r>
               <a:rPr lang="en-US" dirty="0">
                 <a:solidFill>
                   <a:srgbClr val="00B050"/>
                 </a:solidFill>
               </a:rPr>
-              <a:t>&gt;motion, </a:t>
-            </a:r>
-            <a:endParaRPr lang="en-US" dirty="0" smtClean="0">
-              <a:solidFill>
-                <a:srgbClr val="00B050"/>
-              </a:solidFill>
-            </a:endParaRPr>
-          </a:p>
-          <a:p>
-            <a:r>
-              <a:rPr lang="en-US" dirty="0">
-                <a:solidFill>
-                  <a:srgbClr val="00B050"/>
-                </a:solidFill>
-              </a:rPr>
-              <a:t>	</a:t>
-            </a:r>
-            <a:r>
-              <a:rPr lang="en-US" dirty="0" smtClean="0">
-                <a:solidFill>
-                  <a:srgbClr val="00B050"/>
-                </a:solidFill>
-              </a:rPr>
-              <a:t>			4-</a:t>
-            </a:r>
-            <a:r>
-              <a:rPr lang="en-US" dirty="0">
-                <a:solidFill>
-                  <a:srgbClr val="00B050"/>
-                </a:solidFill>
-              </a:rPr>
-              <a:t>&gt;memory, </a:t>
-            </a:r>
-            <a:r>
-              <a:rPr lang="en-US" dirty="0" smtClean="0">
-                <a:solidFill>
-                  <a:srgbClr val="00B050"/>
-                </a:solidFill>
-              </a:rPr>
-              <a:t>	5-</a:t>
-            </a:r>
-            <a:r>
-              <a:rPr lang="en-US" dirty="0">
-                <a:solidFill>
-                  <a:srgbClr val="00B050"/>
-                </a:solidFill>
-              </a:rPr>
-              <a:t>&gt;face, </a:t>
-            </a:r>
-            <a:r>
-              <a:rPr lang="en-US" dirty="0" smtClean="0">
-                <a:solidFill>
-                  <a:srgbClr val="00B050"/>
-                </a:solidFill>
-              </a:rPr>
-              <a:t>		6-</a:t>
-            </a:r>
-            <a:r>
-              <a:rPr lang="en-US" dirty="0">
-                <a:solidFill>
-                  <a:srgbClr val="00B050"/>
-                </a:solidFill>
-              </a:rPr>
-              <a:t>&gt;video, </a:t>
-            </a:r>
-            <a:endParaRPr lang="en-US" dirty="0" smtClean="0">
-              <a:solidFill>
-                <a:srgbClr val="00B050"/>
-              </a:solidFill>
-            </a:endParaRPr>
-          </a:p>
-          <a:p>
-            <a:r>
-              <a:rPr lang="en-US" dirty="0">
-                <a:solidFill>
-                  <a:srgbClr val="00B050"/>
-                </a:solidFill>
-              </a:rPr>
-              <a:t>	</a:t>
-            </a:r>
-            <a:r>
-              <a:rPr lang="en-US" dirty="0" smtClean="0">
-                <a:solidFill>
-                  <a:srgbClr val="00B050"/>
-                </a:solidFill>
-              </a:rPr>
-              <a:t>			7-</a:t>
-            </a:r>
-            <a:r>
-              <a:rPr lang="en-US" dirty="0">
-                <a:solidFill>
-                  <a:srgbClr val="00B050"/>
-                </a:solidFill>
-              </a:rPr>
-              <a:t>&gt;LED's, </a:t>
-            </a:r>
-            <a:r>
-              <a:rPr lang="en-US" dirty="0" smtClean="0">
-                <a:solidFill>
-                  <a:srgbClr val="00B050"/>
-                </a:solidFill>
-              </a:rPr>
-              <a:t>	8-</a:t>
-            </a:r>
-            <a:r>
-              <a:rPr lang="en-US" dirty="0">
-                <a:solidFill>
-                  <a:srgbClr val="00B050"/>
-                </a:solidFill>
-              </a:rPr>
-              <a:t>&gt;Track, </a:t>
-            </a:r>
-            <a:r>
-              <a:rPr lang="en-US" dirty="0" smtClean="0">
-                <a:solidFill>
-                  <a:srgbClr val="00B050"/>
-                </a:solidFill>
-              </a:rPr>
-              <a:t>	9-</a:t>
-            </a:r>
-            <a:r>
-              <a:rPr lang="en-US" dirty="0">
-                <a:solidFill>
-                  <a:srgbClr val="00B050"/>
-                </a:solidFill>
-              </a:rPr>
-              <a:t>&gt;Speech, </a:t>
-            </a:r>
-            <a:endParaRPr lang="en-US" dirty="0" smtClean="0">
-              <a:solidFill>
-                <a:srgbClr val="00B050"/>
-              </a:solidFill>
-            </a:endParaRPr>
-          </a:p>
-          <a:p>
-            <a:r>
-              <a:rPr lang="en-US" dirty="0">
-                <a:solidFill>
-                  <a:srgbClr val="00B050"/>
-                </a:solidFill>
-              </a:rPr>
-              <a:t>	</a:t>
-            </a:r>
-            <a:r>
-              <a:rPr lang="en-US" dirty="0" smtClean="0">
-                <a:solidFill>
-                  <a:srgbClr val="00B050"/>
-                </a:solidFill>
-              </a:rPr>
-              <a:t>			10-</a:t>
-            </a:r>
-            <a:r>
-              <a:rPr lang="en-US" dirty="0">
-                <a:solidFill>
-                  <a:srgbClr val="00B050"/>
-                </a:solidFill>
-              </a:rPr>
-              <a:t>&gt;</a:t>
+              <a:t>				10-&gt;</a:t>
             </a:r>
             <a:r>
               <a:rPr lang="en-US" dirty="0" err="1">
@@ -7870,7 +7507,7 @@
               <a:t>, 11-&gt;</a:t>
             </a:r>
             <a:r>
-              <a:rPr lang="en-US" dirty="0" err="1" smtClean="0">
+              <a:rPr lang="en-US" dirty="0" err="1">
                 <a:solidFill>
                   <a:srgbClr val="00B050"/>
                 </a:solidFill>
@@ -7878,7 +7515,7 @@
               <a:t>VisionRecorder</a:t>
             </a:r>
             <a:r>
-              <a:rPr lang="en-US" dirty="0" smtClean="0">
+              <a:rPr lang="en-US" dirty="0">
                 <a:solidFill>
                   <a:srgbClr val="00B050"/>
                 </a:solidFill>
@@ -7893,18 +7530,10 @@
                   <a:srgbClr val="00B050"/>
                 </a:solidFill>
               </a:rPr>
-              <a:t>	</a:t>
-            </a:r>
-            <a:r>
-              <a:rPr lang="en-US" dirty="0" smtClean="0">
-                <a:solidFill>
-                  <a:srgbClr val="00B050"/>
-                </a:solidFill>
-              </a:rPr>
-              <a:t>			13-&gt;posture, 14-&gt;landmark, 15-&gt;</a:t>
-            </a:r>
-            <a:r>
-              <a:rPr lang="en-US" dirty="0" err="1" smtClean="0">
+              <a:t>				13-&gt;posture, 14-&gt;landmark, 15-&gt;</a:t>
+            </a:r>
+            <a:r>
+              <a:rPr lang="en-US" dirty="0" err="1">
                 <a:solidFill>
                   <a:srgbClr val="00B050"/>
                 </a:solidFill>
@@ -7912,7 +7541,7 @@
               <a:t>sounddetection</a:t>
             </a:r>
             <a:r>
-              <a:rPr lang="en-US" dirty="0" smtClean="0">
+              <a:rPr lang="en-US" dirty="0">
                 <a:solidFill>
                   <a:srgbClr val="00B050"/>
                 </a:solidFill>
@@ -7927,18 +7556,10 @@
                   <a:srgbClr val="00B050"/>
                 </a:solidFill>
               </a:rPr>
-              <a:t>	</a:t>
-            </a:r>
-            <a:r>
-              <a:rPr lang="en-US" dirty="0" smtClean="0">
-                <a:solidFill>
-                  <a:srgbClr val="00B050"/>
-                </a:solidFill>
-              </a:rPr>
-              <a:t>			16-&gt;</a:t>
-            </a:r>
-            <a:r>
-              <a:rPr lang="en-US" dirty="0" err="1" smtClean="0">
+              <a:t>				16-&gt;</a:t>
+            </a:r>
+            <a:r>
+              <a:rPr lang="en-US" dirty="0" err="1">
                 <a:solidFill>
                   <a:srgbClr val="00B050"/>
                 </a:solidFill>
@@ -7946,18 +7567,13 @@
               <a:t>soundlocalization</a:t>
             </a:r>
             <a:r>
-              <a:rPr lang="en-US" dirty="0" smtClean="0">
+              <a:rPr lang="en-US" dirty="0">
                 <a:solidFill>
                   <a:srgbClr val="00B050"/>
                 </a:solidFill>
               </a:rPr>
               <a:t>, 17-&gt;tracker"""</a:t>
             </a:r>
-            <a:endParaRPr lang="en-US" dirty="0">
-              <a:solidFill>
-                <a:srgbClr val="00B050"/>
-              </a:solidFill>
-            </a:endParaRPr>
           </a:p>
           <a:p>
             <a:endParaRPr lang="en-US" dirty="0"/>
@@ -8033,25 +7649,20 @@
             </a:pPr>
             <a:r>
               <a:rPr lang="en-US" dirty="0" err="1"/>
-              <a:t>p</a:t>
-            </a:r>
-            <a:r>
-              <a:rPr lang="en-US" dirty="0" err="1" smtClean="0"/>
-              <a:t>roxy_list</a:t>
+              <a:t>proxy_list</a:t>
             </a:r>
             <a:r>
               <a:rPr lang="en-US" dirty="0"/>
               <a:t>	</a:t>
             </a:r>
             <a:r>
-              <a:rPr lang="en-US" dirty="0" err="1" smtClean="0"/>
+              <a:rPr lang="en-US" dirty="0" err="1"/>
               <a:t>naoqi</a:t>
             </a:r>
             <a:r>
-              <a:rPr lang="en-US" dirty="0" smtClean="0"/>
+              <a:rPr lang="en-US" dirty="0"/>
               <a:t>			nao.py</a:t>
             </a:r>
-            <a:endParaRPr lang="en-US" dirty="0"/>
           </a:p>
         </p:txBody>
       </p:sp>
@@ -8089,11 +7700,7 @@
           <a:p>
             <a:r>
               <a:rPr lang="en-US" sz="1600" dirty="0"/>
-              <a:t> </a:t>
-            </a:r>
-            <a:r>
-              <a:rPr lang="en-US" sz="1600" dirty="0" smtClean="0"/>
-              <a:t>global </a:t>
+              <a:t> global </a:t>
             </a:r>
             <a:r>
               <a:rPr lang="en-US" sz="1600" dirty="0" err="1"/>
@@ -8104,11 +7711,7 @@
           <a:p>
             <a:r>
               <a:rPr lang="en-US" sz="1600" dirty="0"/>
-              <a:t> </a:t>
-            </a:r>
-            <a:r>
-              <a:rPr lang="en-US" sz="1600" dirty="0" smtClean="0"/>
-              <a:t>global </a:t>
+              <a:t> global </a:t>
             </a:r>
             <a:r>
               <a:rPr lang="en-US" sz="1600" dirty="0" err="1"/>
@@ -8119,11 +7722,7 @@
           <a:p>
             <a:r>
               <a:rPr lang="en-US" sz="1600" dirty="0"/>
-              <a:t> </a:t>
-            </a:r>
-            <a:r>
-              <a:rPr lang="en-US" sz="1600" dirty="0" smtClean="0"/>
-              <a:t>global </a:t>
+              <a:t> global </a:t>
             </a:r>
             <a:r>
               <a:rPr lang="en-US" sz="1600" dirty="0" err="1"/>
@@ -8134,11 +7733,7 @@
           <a:p>
             <a:r>
               <a:rPr lang="en-US" sz="1600" dirty="0"/>
-              <a:t> </a:t>
-            </a:r>
-            <a:r>
-              <a:rPr lang="en-US" sz="1600" dirty="0" smtClean="0"/>
-              <a:t>global </a:t>
+              <a:t> global </a:t>
             </a:r>
             <a:r>
               <a:rPr lang="en-US" sz="1600" dirty="0" err="1"/>
@@ -8149,11 +7744,7 @@
           <a:p>
             <a:r>
               <a:rPr lang="en-US" sz="1600" dirty="0"/>
-              <a:t> </a:t>
-            </a:r>
-            <a:r>
-              <a:rPr lang="en-US" sz="1600" dirty="0" smtClean="0"/>
-              <a:t>global </a:t>
+              <a:t> global </a:t>
             </a:r>
             <a:r>
               <a:rPr lang="en-US" sz="1600" dirty="0" err="1"/>
@@ -8164,11 +7755,7 @@
           <a:p>
             <a:r>
               <a:rPr lang="en-US" sz="1600" dirty="0"/>
-              <a:t> </a:t>
-            </a:r>
-            <a:r>
-              <a:rPr lang="en-US" sz="1600" dirty="0" smtClean="0"/>
-              <a:t>global </a:t>
+              <a:t> global </a:t>
             </a:r>
             <a:r>
               <a:rPr lang="en-US" sz="1600" dirty="0" err="1"/>
@@ -8179,11 +7766,7 @@
           <a:p>
             <a:r>
               <a:rPr lang="en-US" sz="1600" dirty="0"/>
-              <a:t> </a:t>
-            </a:r>
-            <a:r>
-              <a:rPr lang="en-US" sz="1600" dirty="0" smtClean="0"/>
-              <a:t>global </a:t>
+              <a:t> global </a:t>
             </a:r>
             <a:r>
               <a:rPr lang="en-US" sz="1600" dirty="0" err="1"/>
@@ -8194,11 +7777,7 @@
           <a:p>
             <a:r>
               <a:rPr lang="en-US" sz="1600" dirty="0"/>
-              <a:t> </a:t>
-            </a:r>
-            <a:r>
-              <a:rPr lang="en-US" sz="1600" dirty="0" smtClean="0"/>
-              <a:t>global </a:t>
+              <a:t> global </a:t>
             </a:r>
             <a:r>
               <a:rPr lang="en-US" sz="1600" dirty="0" err="1"/>
@@ -8209,11 +7788,7 @@
           <a:p>
             <a:r>
               <a:rPr lang="en-US" sz="1600" dirty="0"/>
-              <a:t> </a:t>
-            </a:r>
-            <a:r>
-              <a:rPr lang="en-US" sz="1600" dirty="0" smtClean="0"/>
-              <a:t>global </a:t>
+              <a:t> global </a:t>
             </a:r>
             <a:r>
               <a:rPr lang="en-US" sz="1600" dirty="0" err="1"/>
@@ -8224,11 +7799,7 @@
           <a:p>
             <a:r>
               <a:rPr lang="en-US" sz="1600" dirty="0"/>
-              <a:t> </a:t>
-            </a:r>
-            <a:r>
-              <a:rPr lang="en-US" sz="1600" dirty="0" smtClean="0"/>
-              <a:t>global </a:t>
+              <a:t> global </a:t>
             </a:r>
             <a:r>
               <a:rPr lang="en-US" sz="1600" dirty="0" err="1"/>
@@ -8239,11 +7810,7 @@
           <a:p>
             <a:r>
               <a:rPr lang="en-US" sz="1600" dirty="0"/>
-              <a:t> </a:t>
-            </a:r>
-            <a:r>
-              <a:rPr lang="en-US" sz="1600" dirty="0" smtClean="0"/>
-              <a:t>global </a:t>
+              <a:t> global </a:t>
             </a:r>
             <a:r>
               <a:rPr lang="en-US" sz="1600" dirty="0" err="1"/>
@@ -8265,11 +7832,7 @@
           <a:p>
             <a:r>
               <a:rPr lang="en-US" sz="1600" dirty="0"/>
-              <a:t> </a:t>
-            </a:r>
-            <a:r>
-              <a:rPr lang="en-US" sz="1600" dirty="0" smtClean="0"/>
-              <a:t>global </a:t>
+              <a:t> global </a:t>
             </a:r>
             <a:r>
               <a:rPr lang="en-US" sz="1600" dirty="0" err="1"/>
@@ -8280,11 +7843,7 @@
           <a:p>
             <a:r>
               <a:rPr lang="en-US" sz="1600" dirty="0"/>
-              <a:t> </a:t>
-            </a:r>
-            <a:r>
-              <a:rPr lang="en-US" sz="1600" dirty="0" smtClean="0"/>
-              <a:t>global </a:t>
+              <a:t> global </a:t>
             </a:r>
             <a:r>
               <a:rPr lang="en-US" sz="1600" dirty="0" err="1"/>
@@ -8295,11 +7854,7 @@
           <a:p>
             <a:r>
               <a:rPr lang="en-US" sz="1600" dirty="0"/>
-              <a:t> </a:t>
-            </a:r>
-            <a:r>
-              <a:rPr lang="en-US" sz="1600" dirty="0" smtClean="0"/>
-              <a:t>global </a:t>
+              <a:t> global </a:t>
             </a:r>
             <a:r>
               <a:rPr lang="en-US" sz="1600" dirty="0" err="1"/>
@@ -8309,7 +7864,7 @@
           </a:p>
           <a:p>
             <a:r>
-              <a:rPr lang="en-US" sz="1600" dirty="0" smtClean="0"/>
+              <a:rPr lang="en-US" sz="1600" dirty="0"/>
               <a:t> global </a:t>
             </a:r>
             <a:r>
@@ -8321,17 +7876,13 @@
           <a:p>
             <a:r>
               <a:rPr lang="en-US" sz="1600" dirty="0"/>
-              <a:t> </a:t>
-            </a:r>
-            <a:r>
-              <a:rPr lang="en-US" sz="1600" dirty="0" smtClean="0"/>
-              <a:t>global </a:t>
-            </a:r>
-            <a:r>
-              <a:rPr lang="en-US" sz="1600" dirty="0" err="1" smtClean="0"/>
+              <a:t> global </a:t>
+            </a:r>
+            <a:r>
+              <a:rPr lang="en-US" sz="1600" dirty="0" err="1"/>
               <a:t>soundLocalizationProxy</a:t>
             </a:r>
-            <a:endParaRPr lang="en-US" sz="1600" dirty="0" smtClean="0"/>
+            <a:endParaRPr lang="en-US" sz="1600" dirty="0"/>
           </a:p>
           <a:p>
             <a:r>
@@ -8339,7 +7890,7 @@
               <a:t> global </a:t>
             </a:r>
             <a:r>
-              <a:rPr lang="en-US" sz="1600" dirty="0" err="1" smtClean="0"/>
+              <a:rPr lang="en-US" sz="1600" dirty="0" err="1"/>
               <a:t>trackerProxy</a:t>
             </a:r>
             <a:endParaRPr lang="en-US" sz="1600" dirty="0"/>
@@ -8368,186 +7919,186 @@
           <a:lstStyle/>
           <a:p>
             <a:r>
-              <a:rPr lang="en-US" sz="1600" dirty="0" smtClean="0"/>
+              <a:rPr lang="en-US" sz="1600" dirty="0"/>
               <a:t>"</a:t>
             </a:r>
             <a:r>
-              <a:rPr lang="en-US" sz="1600" dirty="0" err="1" smtClean="0"/>
+              <a:rPr lang="en-US" sz="1600" dirty="0" err="1"/>
               <a:t>ALAudioDevice</a:t>
             </a:r>
             <a:r>
-              <a:rPr lang="en-US" sz="1600" dirty="0" smtClean="0"/>
+              <a:rPr lang="en-US" sz="1600" dirty="0"/>
               <a:t>”</a:t>
             </a:r>
           </a:p>
           <a:p>
             <a:r>
-              <a:rPr lang="en-US" sz="1600" dirty="0" smtClean="0"/>
+              <a:rPr lang="en-US" sz="1600" dirty="0"/>
               <a:t>"</a:t>
             </a:r>
             <a:r>
-              <a:rPr lang="en-US" sz="1600" dirty="0" err="1" smtClean="0"/>
+              <a:rPr lang="en-US" sz="1600" dirty="0" err="1"/>
               <a:t>ALMotion</a:t>
             </a:r>
             <a:r>
-              <a:rPr lang="en-US" sz="1600" dirty="0" smtClean="0"/>
+              <a:rPr lang="en-US" sz="1600" dirty="0"/>
               <a:t>”</a:t>
             </a:r>
           </a:p>
           <a:p>
             <a:r>
-              <a:rPr lang="en-US" sz="1600" dirty="0" smtClean="0"/>
+              <a:rPr lang="en-US" sz="1600" dirty="0"/>
               <a:t>"</a:t>
             </a:r>
             <a:r>
-              <a:rPr lang="en-US" sz="1600" dirty="0" err="1" smtClean="0"/>
+              <a:rPr lang="en-US" sz="1600" dirty="0" err="1"/>
               <a:t>ALMemory</a:t>
             </a:r>
             <a:r>
-              <a:rPr lang="en-US" sz="1600" dirty="0" smtClean="0"/>
+              <a:rPr lang="en-US" sz="1600" dirty="0"/>
               <a:t>”</a:t>
             </a:r>
           </a:p>
           <a:p>
             <a:r>
-              <a:rPr lang="en-US" sz="1600" dirty="0" smtClean="0"/>
+              <a:rPr lang="en-US" sz="1600" dirty="0"/>
               <a:t>"</a:t>
             </a:r>
             <a:r>
-              <a:rPr lang="en-US" sz="1600" dirty="0" err="1" smtClean="0"/>
+              <a:rPr lang="en-US" sz="1600" dirty="0" err="1"/>
               <a:t>ALVideoDevice</a:t>
             </a:r>
             <a:r>
-              <a:rPr lang="en-US" sz="1600" dirty="0" smtClean="0"/>
+              <a:rPr lang="en-US" sz="1600" dirty="0"/>
               <a:t>”</a:t>
             </a:r>
           </a:p>
           <a:p>
             <a:r>
-              <a:rPr lang="en-US" sz="1600" dirty="0" smtClean="0"/>
+              <a:rPr lang="en-US" sz="1600" dirty="0"/>
               <a:t>"</a:t>
             </a:r>
             <a:r>
-              <a:rPr lang="en-US" sz="1600" dirty="0" err="1" smtClean="0"/>
+              <a:rPr lang="en-US" sz="1600" dirty="0" err="1"/>
               <a:t>ALFaceDetection</a:t>
             </a:r>
             <a:r>
-              <a:rPr lang="en-US" sz="1600" dirty="0" smtClean="0"/>
+              <a:rPr lang="en-US" sz="1600" dirty="0"/>
               <a:t>”</a:t>
             </a:r>
           </a:p>
           <a:p>
             <a:r>
-              <a:rPr lang="en-US" sz="1600" dirty="0" smtClean="0"/>
+              <a:rPr lang="en-US" sz="1600" dirty="0"/>
               <a:t>"</a:t>
             </a:r>
             <a:r>
-              <a:rPr lang="en-US" sz="1600" dirty="0" err="1" smtClean="0"/>
+              <a:rPr lang="en-US" sz="1600" dirty="0" err="1"/>
               <a:t>ALLeds</a:t>
             </a:r>
             <a:r>
-              <a:rPr lang="en-US" sz="1600" dirty="0" smtClean="0"/>
+              <a:rPr lang="en-US" sz="1600" dirty="0"/>
               <a:t>”</a:t>
             </a:r>
           </a:p>
           <a:p>
             <a:r>
-              <a:rPr lang="en-US" sz="1600" dirty="0" smtClean="0"/>
+              <a:rPr lang="en-US" sz="1600" dirty="0"/>
               <a:t>"</a:t>
             </a:r>
             <a:r>
-              <a:rPr lang="en-US" sz="1600" dirty="0" err="1" smtClean="0"/>
+              <a:rPr lang="en-US" sz="1600" dirty="0" err="1"/>
               <a:t>ALTextToSpeech</a:t>
             </a:r>
             <a:r>
-              <a:rPr lang="en-US" sz="1600" dirty="0" smtClean="0"/>
+              <a:rPr lang="en-US" sz="1600" dirty="0"/>
               <a:t>”</a:t>
             </a:r>
           </a:p>
           <a:p>
             <a:r>
-              <a:rPr lang="en-US" sz="1600" dirty="0" smtClean="0"/>
+              <a:rPr lang="en-US" sz="1600" dirty="0"/>
               <a:t>"</a:t>
             </a:r>
             <a:r>
-              <a:rPr lang="en-US" sz="1600" dirty="0" err="1" smtClean="0"/>
+              <a:rPr lang="en-US" sz="1600" dirty="0" err="1"/>
               <a:t>ALFaceTracker</a:t>
             </a:r>
             <a:r>
-              <a:rPr lang="en-US" sz="1600" dirty="0" smtClean="0"/>
+              <a:rPr lang="en-US" sz="1600" dirty="0"/>
               <a:t>”</a:t>
             </a:r>
           </a:p>
           <a:p>
             <a:r>
-              <a:rPr lang="en-US" sz="1600" dirty="0" smtClean="0"/>
+              <a:rPr lang="en-US" sz="1600" dirty="0"/>
               <a:t>"</a:t>
             </a:r>
             <a:r>
-              <a:rPr lang="en-US" sz="1600" dirty="0" err="1" smtClean="0"/>
+              <a:rPr lang="en-US" sz="1600" dirty="0" err="1"/>
               <a:t>ALAudioPlayer</a:t>
             </a:r>
             <a:r>
-              <a:rPr lang="en-US" sz="1600" dirty="0" smtClean="0"/>
+              <a:rPr lang="en-US" sz="1600" dirty="0"/>
               <a:t>”</a:t>
             </a:r>
           </a:p>
           <a:p>
             <a:r>
-              <a:rPr lang="en-US" sz="1600" dirty="0" smtClean="0"/>
+              <a:rPr lang="en-US" sz="1600" dirty="0"/>
               <a:t>"</a:t>
             </a:r>
             <a:r>
-              <a:rPr lang="en-US" sz="1600" dirty="0" err="1" smtClean="0"/>
+              <a:rPr lang="en-US" sz="1600" dirty="0" err="1"/>
               <a:t>ALVideoRecorder</a:t>
             </a:r>
             <a:r>
-              <a:rPr lang="en-US" sz="1600" dirty="0" smtClean="0"/>
+              <a:rPr lang="en-US" sz="1600" dirty="0"/>
               <a:t>”</a:t>
             </a:r>
           </a:p>
           <a:p>
             <a:r>
-              <a:rPr lang="en-US" sz="1600" dirty="0" smtClean="0"/>
+              <a:rPr lang="en-US" sz="1600" dirty="0"/>
               <a:t>"</a:t>
             </a:r>
             <a:r>
-              <a:rPr lang="en-US" sz="1600" dirty="0" err="1" smtClean="0"/>
+              <a:rPr lang="en-US" sz="1600" dirty="0" err="1"/>
               <a:t>ALSpeechRecognition</a:t>
             </a:r>
             <a:r>
-              <a:rPr lang="en-US" sz="1600" dirty="0" smtClean="0"/>
+              <a:rPr lang="en-US" sz="1600" dirty="0"/>
               <a:t>”</a:t>
             </a:r>
           </a:p>
           <a:p>
-            <a:endParaRPr lang="en-US" sz="1600" dirty="0" smtClean="0"/>
-          </a:p>
-          <a:p>
-            <a:r>
-              <a:rPr lang="en-US" sz="1600" dirty="0" smtClean="0"/>
+            <a:endParaRPr lang="en-US" sz="1600" dirty="0"/>
+          </a:p>
+          <a:p>
+            <a:r>
+              <a:rPr lang="en-US" sz="1600" dirty="0"/>
               <a:t>"</a:t>
             </a:r>
             <a:r>
-              <a:rPr lang="en-US" sz="1600" dirty="0" err="1" smtClean="0"/>
+              <a:rPr lang="en-US" sz="1600" dirty="0" err="1"/>
               <a:t>ALSonar</a:t>
             </a:r>
             <a:r>
-              <a:rPr lang="en-US" sz="1600" dirty="0" smtClean="0"/>
+              <a:rPr lang="en-US" sz="1600" dirty="0"/>
               <a:t>”</a:t>
             </a:r>
           </a:p>
           <a:p>
             <a:r>
-              <a:rPr lang="en-US" sz="1600" dirty="0" smtClean="0"/>
+              <a:rPr lang="en-US" sz="1600" dirty="0"/>
               <a:t>"</a:t>
             </a:r>
             <a:r>
-              <a:rPr lang="en-US" sz="1600" dirty="0" err="1" smtClean="0"/>
+              <a:rPr lang="en-US" sz="1600" dirty="0" err="1"/>
               <a:t>ALRobotPosture</a:t>
             </a:r>
             <a:r>
-              <a:rPr lang="en-US" sz="1600" dirty="0" smtClean="0"/>
+              <a:rPr lang="en-US" sz="1600" dirty="0"/>
               <a:t>”</a:t>
             </a:r>
           </a:p>
@@ -8564,7 +8115,6 @@
               <a:rPr lang="en-US" sz="1600" dirty="0"/>
               <a:t>"</a:t>
             </a:r>
-            <a:endParaRPr lang="en-US" sz="1600" dirty="0" smtClean="0"/>
           </a:p>
           <a:p>
             <a:r>
@@ -8572,11 +8122,11 @@
               <a:t>"</a:t>
             </a:r>
             <a:r>
-              <a:rPr lang="en-US" sz="1600" dirty="0" err="1" smtClean="0"/>
+              <a:rPr lang="en-US" sz="1600" dirty="0" err="1"/>
               <a:t>ALSoundDetection</a:t>
             </a:r>
             <a:r>
-              <a:rPr lang="en-US" sz="1600" dirty="0" smtClean="0"/>
+              <a:rPr lang="en-US" sz="1600" dirty="0"/>
               <a:t>”</a:t>
             </a:r>
           </a:p>
@@ -8586,28 +8136,27 @@
               <a:t>"</a:t>
             </a:r>
             <a:r>
-              <a:rPr lang="en-US" sz="1600" dirty="0" err="1" smtClean="0"/>
+              <a:rPr lang="en-US" sz="1600" dirty="0" err="1"/>
               <a:t>ALAudioSourceLocalization</a:t>
             </a:r>
             <a:r>
-              <a:rPr lang="en-US" sz="1600" dirty="0" smtClean="0"/>
+              <a:rPr lang="en-US" sz="1600" dirty="0"/>
               <a:t>”</a:t>
             </a:r>
           </a:p>
           <a:p>
             <a:r>
-              <a:rPr lang="en-US" sz="1600" dirty="0" smtClean="0"/>
+              <a:rPr lang="en-US" sz="1600" dirty="0"/>
               <a:t>"</a:t>
             </a:r>
             <a:r>
-              <a:rPr lang="en-US" sz="1600" dirty="0" err="1" smtClean="0"/>
+              <a:rPr lang="en-US" sz="1600" dirty="0" err="1"/>
               <a:t>ALTracker</a:t>
             </a:r>
             <a:r>
-              <a:rPr lang="en-US" sz="1600" dirty="0" smtClean="0"/>
+              <a:rPr lang="en-US" sz="1600" dirty="0"/>
               <a:t>"</a:t>
             </a:r>
-            <a:endParaRPr lang="en-US" sz="1600" dirty="0"/>
           </a:p>
         </p:txBody>
       </p:sp>
@@ -8633,109 +8182,108 @@
           <a:lstStyle/>
           <a:p>
             <a:r>
-              <a:rPr lang="en-US" sz="1600" dirty="0" smtClean="0"/>
+              <a:rPr lang="en-US" sz="1600" dirty="0"/>
               <a:t>1</a:t>
             </a:r>
           </a:p>
           <a:p>
             <a:r>
-              <a:rPr lang="en-US" sz="1600" dirty="0" smtClean="0"/>
+              <a:rPr lang="en-US" sz="1600" dirty="0"/>
               <a:t>2</a:t>
             </a:r>
           </a:p>
           <a:p>
             <a:r>
-              <a:rPr lang="en-US" sz="1600" dirty="0" smtClean="0"/>
+              <a:rPr lang="en-US" sz="1600" dirty="0"/>
               <a:t>3</a:t>
             </a:r>
           </a:p>
           <a:p>
             <a:r>
-              <a:rPr lang="en-US" sz="1600" dirty="0" smtClean="0"/>
+              <a:rPr lang="en-US" sz="1600" dirty="0"/>
               <a:t>4</a:t>
             </a:r>
           </a:p>
           <a:p>
             <a:r>
-              <a:rPr lang="en-US" sz="1600" dirty="0" smtClean="0"/>
+              <a:rPr lang="en-US" sz="1600" dirty="0"/>
               <a:t>5</a:t>
             </a:r>
           </a:p>
           <a:p>
             <a:r>
-              <a:rPr lang="en-US" sz="1600" dirty="0" smtClean="0"/>
+              <a:rPr lang="en-US" sz="1600" dirty="0"/>
               <a:t>6</a:t>
             </a:r>
           </a:p>
           <a:p>
             <a:r>
-              <a:rPr lang="en-US" sz="1600" dirty="0" smtClean="0"/>
+              <a:rPr lang="en-US" sz="1600" dirty="0"/>
               <a:t>7</a:t>
             </a:r>
           </a:p>
           <a:p>
             <a:r>
-              <a:rPr lang="en-US" sz="1600" dirty="0" smtClean="0"/>
+              <a:rPr lang="en-US" sz="1600" dirty="0"/>
               <a:t>8</a:t>
             </a:r>
           </a:p>
           <a:p>
             <a:r>
-              <a:rPr lang="en-US" sz="1600" dirty="0" smtClean="0"/>
+              <a:rPr lang="en-US" sz="1600" dirty="0"/>
               <a:t>9</a:t>
             </a:r>
           </a:p>
           <a:p>
             <a:r>
-              <a:rPr lang="en-US" sz="1600" dirty="0" smtClean="0"/>
+              <a:rPr lang="en-US" sz="1600" dirty="0"/>
               <a:t>10</a:t>
             </a:r>
           </a:p>
           <a:p>
             <a:r>
-              <a:rPr lang="en-US" sz="1600" dirty="0" smtClean="0"/>
+              <a:rPr lang="en-US" sz="1600" dirty="0"/>
               <a:t>11</a:t>
             </a:r>
           </a:p>
           <a:p>
-            <a:endParaRPr lang="en-US" sz="1600" dirty="0" smtClean="0"/>
-          </a:p>
-          <a:p>
-            <a:r>
-              <a:rPr lang="en-US" sz="1600" dirty="0" smtClean="0"/>
+            <a:endParaRPr lang="en-US" sz="1600" dirty="0"/>
+          </a:p>
+          <a:p>
+            <a:r>
+              <a:rPr lang="en-US" sz="1600" dirty="0"/>
               <a:t>12</a:t>
             </a:r>
           </a:p>
           <a:p>
             <a:r>
-              <a:rPr lang="en-US" sz="1600" dirty="0" smtClean="0"/>
+              <a:rPr lang="en-US" sz="1600" dirty="0"/>
               <a:t>13</a:t>
             </a:r>
           </a:p>
           <a:p>
             <a:r>
-              <a:rPr lang="en-US" sz="1600" dirty="0" smtClean="0"/>
+              <a:rPr lang="en-US" sz="1600" dirty="0"/>
               <a:t>14</a:t>
             </a:r>
           </a:p>
           <a:p>
             <a:r>
-              <a:rPr lang="en-US" sz="1600" dirty="0" smtClean="0"/>
+              <a:rPr lang="en-US" sz="1600" dirty="0"/>
               <a:t>15</a:t>
             </a:r>
           </a:p>
           <a:p>
             <a:r>
-              <a:rPr lang="en-US" sz="1600" dirty="0" smtClean="0"/>
+              <a:rPr lang="en-US" sz="1600" dirty="0"/>
               <a:t>16</a:t>
             </a:r>
           </a:p>
           <a:p>
             <a:r>
-              <a:rPr lang="en-US" sz="1600" dirty="0" smtClean="0"/>
+              <a:rPr lang="en-US" sz="1600" dirty="0"/>
               <a:t>17</a:t>
             </a:r>
-            <a:endParaRPr lang="en-US" sz="1600" dirty="0"/>
           </a:p>
         </p:txBody>
       </p:sp>
@@ -8749,13 +8297,6 @@
   <p:clrMapOvr>
     <a:masterClrMapping/>
   </p:clrMapOvr>
-  <p:timing>
-    <p:tnLst>
-      <p:par>
-        <p:cTn id="1" dur="indefinite" restart="never" nodeType="tmRoot"/>
-      </p:par>
-    </p:tnLst>
-  </p:timing>
 </p:sld>
 </file>
 
@@ -8811,58 +8352,58 @@
           <a:lstStyle/>
           <a:p>
             <a:r>
-              <a:rPr lang="en-US" dirty="0" err="1" smtClean="0"/>
+              <a:rPr lang="en-US" dirty="0" err="1"/>
               <a:t>nao.Move</a:t>
             </a:r>
             <a:r>
-              <a:rPr lang="en-US" dirty="0" smtClean="0"/>
+              <a:rPr lang="en-US" dirty="0"/>
               <a:t>(</a:t>
             </a:r>
             <a:r>
-              <a:rPr lang="en-US" dirty="0" err="1" smtClean="0"/>
+              <a:rPr lang="en-US" dirty="0" err="1"/>
               <a:t>dx,dy,dtheta</a:t>
             </a:r>
             <a:r>
-              <a:rPr lang="en-US" dirty="0" smtClean="0"/>
+              <a:rPr lang="en-US" dirty="0"/>
               <a:t>)</a:t>
             </a:r>
           </a:p>
           <a:p>
-            <a:endParaRPr lang="en-US" dirty="0" smtClean="0"/>
-          </a:p>
-          <a:p>
-            <a:endParaRPr lang="en-US" dirty="0"/>
-          </a:p>
-          <a:p>
-            <a:endParaRPr lang="en-US" dirty="0" smtClean="0"/>
-          </a:p>
-          <a:p>
-            <a:endParaRPr lang="en-US" dirty="0"/>
-          </a:p>
-          <a:p>
-            <a:endParaRPr lang="en-US" dirty="0" smtClean="0"/>
-          </a:p>
-          <a:p>
-            <a:endParaRPr lang="en-US" dirty="0"/>
-          </a:p>
-          <a:p>
-            <a:r>
-              <a:rPr lang="en-US" dirty="0" smtClean="0"/>
+            <a:endParaRPr lang="en-US" dirty="0"/>
+          </a:p>
+          <a:p>
+            <a:endParaRPr lang="en-US" dirty="0"/>
+          </a:p>
+          <a:p>
+            <a:endParaRPr lang="en-US" dirty="0"/>
+          </a:p>
+          <a:p>
+            <a:endParaRPr lang="en-US" dirty="0"/>
+          </a:p>
+          <a:p>
+            <a:endParaRPr lang="en-US" dirty="0"/>
+          </a:p>
+          <a:p>
+            <a:endParaRPr lang="en-US" dirty="0"/>
+          </a:p>
+          <a:p>
+            <a:r>
+              <a:rPr lang="en-US" dirty="0"/>
               <a:t>Non-blocking call that sets the robot in motion.</a:t>
             </a:r>
           </a:p>
           <a:p>
             <a:pPr lvl="1"/>
             <a:r>
-              <a:rPr lang="en-US" dirty="0" smtClean="0"/>
+              <a:rPr lang="en-US" dirty="0"/>
               <a:t>dx, </a:t>
             </a:r>
             <a:r>
-              <a:rPr lang="en-US" dirty="0" err="1" smtClean="0"/>
+              <a:rPr lang="en-US" dirty="0" err="1"/>
               <a:t>dy</a:t>
             </a:r>
             <a:r>
-              <a:rPr lang="en-US" dirty="0" smtClean="0"/>
+              <a:rPr lang="en-US" dirty="0"/>
               <a:t> are the normalized forward and side-step velocity (in SI: dx*0.04 m/s)</a:t>
             </a:r>
           </a:p>
@@ -8870,33 +8411,29 @@
             <a:pPr lvl="1"/>
             <a:r>
               <a:rPr lang="en-US" dirty="0" err="1"/>
-              <a:t>d</a:t>
-            </a:r>
-            <a:r>
-              <a:rPr lang="en-US" dirty="0" err="1" smtClean="0"/>
-              <a:t>theta</a:t>
-            </a:r>
-            <a:r>
-              <a:rPr lang="en-US" dirty="0" smtClean="0"/>
+              <a:t>dtheta</a:t>
+            </a:r>
+            <a:r>
+              <a:rPr lang="en-US" dirty="0"/>
               <a:t> is the normalized turn-rate (in SI: dx*0.349 rad/s)</a:t>
             </a:r>
           </a:p>
           <a:p>
             <a:pPr lvl="1"/>
             <a:r>
-              <a:rPr lang="en-US" dirty="0" err="1" smtClean="0"/>
+              <a:rPr lang="en-US" dirty="0" err="1"/>
               <a:t>Freq</a:t>
             </a:r>
             <a:r>
-              <a:rPr lang="en-US" dirty="0" smtClean="0"/>
+              <a:rPr lang="en-US" dirty="0"/>
               <a:t> is the normalized step-frequency (not used in </a:t>
             </a:r>
             <a:r>
-              <a:rPr lang="en-US" dirty="0" err="1" smtClean="0"/>
+              <a:rPr lang="en-US" dirty="0" err="1"/>
               <a:t>naoqi</a:t>
             </a:r>
             <a:r>
-              <a:rPr lang="en-US" dirty="0" smtClean="0"/>
+              <a:rPr lang="en-US" dirty="0"/>
               <a:t> 2.1.x)</a:t>
             </a:r>
           </a:p>
@@ -9145,11 +8682,11 @@
           <a:lstStyle/>
           <a:p>
             <a:r>
-              <a:rPr lang="en-US" dirty="0" smtClean="0"/>
+              <a:rPr lang="en-US" dirty="0"/>
               <a:t>Using </a:t>
             </a:r>
             <a:r>
-              <a:rPr lang="en-US" dirty="0" err="1" smtClean="0"/>
+              <a:rPr lang="en-US" dirty="0" err="1"/>
               <a:t>nao.py</a:t>
             </a:r>
             <a:endParaRPr lang="en-US" dirty="0"/>
@@ -9172,12 +8709,8 @@
           <a:lstStyle/>
           <a:p>
             <a:r>
-              <a:rPr lang="en-US" dirty="0" smtClean="0"/>
-              <a:t>You </a:t>
-            </a:r>
-            <a:r>
-              <a:rPr lang="en-US" dirty="0" smtClean="0"/>
-              <a:t>can also specify which proxies (default [0]) and which port number (default 9559)</a:t>
+              <a:rPr lang="en-US" dirty="0"/>
+              <a:t>You can also specify which proxies (default [0]) and which port number (default 9559)</a:t>
             </a:r>
           </a:p>
           <a:p>
@@ -9188,6 +8721,43 @@
           </a:p>
           <a:p>
             <a:endParaRPr lang="en-US" dirty="0"/>
+          </a:p>
+          <a:p>
+            <a:endParaRPr lang="en-US" dirty="0"/>
+          </a:p>
+          <a:p>
+            <a:endParaRPr lang="en-US" dirty="0"/>
+          </a:p>
+          <a:p>
+            <a:endParaRPr lang="en-US" dirty="0"/>
+          </a:p>
+          <a:p>
+            <a:r>
+              <a:rPr lang="en-US" dirty="0"/>
+              <a:t>To use all proxies (see next slide) use</a:t>
+            </a:r>
+          </a:p>
+          <a:p>
+            <a:pPr lvl="1"/>
+            <a:r>
+              <a:rPr lang="en-US" dirty="0" err="1"/>
+              <a:t>proxy_list</a:t>
+            </a:r>
+            <a:r>
+              <a:rPr lang="en-US" dirty="0"/>
+              <a:t> = [] or </a:t>
+            </a:r>
+          </a:p>
+          <a:p>
+            <a:pPr lvl="1"/>
+            <a:r>
+              <a:rPr lang="en-US" dirty="0" err="1"/>
+              <a:t>proxy_list</a:t>
+            </a:r>
+            <a:r>
+              <a:rPr lang="en-US" dirty="0"/>
+              <a:t> =[0]</a:t>
+            </a:r>
           </a:p>
         </p:txBody>
       </p:sp>
@@ -9214,91 +8784,78 @@
           <a:p>
             <a:r>
               <a:rPr lang="en-US" dirty="0"/>
-              <a:t>i</a:t>
-            </a:r>
-            <a:r>
-              <a:rPr lang="en-US" dirty="0" smtClean="0"/>
-              <a:t>mport nao_nocv_2_0 as </a:t>
-            </a:r>
-            <a:r>
-              <a:rPr lang="en-US" dirty="0" err="1" smtClean="0"/>
+              <a:t>import nao_nocv_2_1 as </a:t>
+            </a:r>
+            <a:r>
+              <a:rPr lang="en-US" dirty="0" err="1"/>
               <a:t>nao</a:t>
             </a:r>
-            <a:endParaRPr lang="en-US" dirty="0" smtClean="0"/>
-          </a:p>
-          <a:p>
-            <a:endParaRPr lang="en-US" dirty="0" smtClean="0"/>
-          </a:p>
-          <a:p>
-            <a:r>
-              <a:rPr lang="en-US" dirty="0" err="1"/>
-              <a:t>r</a:t>
-            </a:r>
-            <a:r>
-              <a:rPr lang="en-US" dirty="0" err="1" smtClean="0"/>
-              <a:t>obot_IP</a:t>
-            </a:r>
-            <a:r>
-              <a:rPr lang="en-US" dirty="0" smtClean="0"/>
+            <a:endParaRPr lang="en-US" dirty="0"/>
+          </a:p>
+          <a:p>
+            <a:endParaRPr lang="en-US" dirty="0"/>
+          </a:p>
+          <a:p>
+            <a:r>
+              <a:rPr lang="en-US" dirty="0" err="1"/>
+              <a:t>robot_IP</a:t>
+            </a:r>
+            <a:r>
+              <a:rPr lang="en-US" dirty="0"/>
               <a:t>=“192.168.0.115”</a:t>
             </a:r>
-            <a:endParaRPr lang="en-US" dirty="0"/>
-          </a:p>
-          <a:p>
-            <a:r>
-              <a:rPr lang="en-US" dirty="0" err="1" smtClean="0"/>
+          </a:p>
+          <a:p>
+            <a:r>
+              <a:rPr lang="en-US" dirty="0" err="1"/>
               <a:t>robot_PORT</a:t>
             </a:r>
             <a:r>
-              <a:rPr lang="en-US" dirty="0" smtClean="0"/>
+              <a:rPr lang="en-US" dirty="0"/>
               <a:t>=52030</a:t>
             </a:r>
           </a:p>
           <a:p>
             <a:r>
               <a:rPr lang="en-US" dirty="0" err="1"/>
-              <a:t>p</a:t>
-            </a:r>
-            <a:r>
-              <a:rPr lang="en-US" dirty="0" err="1" smtClean="0"/>
-              <a:t>roxy_list</a:t>
-            </a:r>
-            <a:r>
-              <a:rPr lang="en-US" dirty="0" smtClean="0"/>
+              <a:t>proxy_list</a:t>
+            </a:r>
+            <a:r>
+              <a:rPr lang="en-US" dirty="0"/>
               <a:t>=[1 2 3]</a:t>
             </a:r>
           </a:p>
           <a:p>
             <a:r>
-              <a:rPr lang="en-US" dirty="0" err="1" smtClean="0"/>
+              <a:rPr lang="en-US" dirty="0" err="1"/>
               <a:t>nao.InitProxy</a:t>
             </a:r>
             <a:r>
-              <a:rPr lang="en-US" dirty="0" smtClean="0"/>
+              <a:rPr lang="en-US" dirty="0"/>
               <a:t>(</a:t>
             </a:r>
             <a:r>
-              <a:rPr lang="en-US" dirty="0" err="1" smtClean="0"/>
+              <a:rPr lang="en-US" dirty="0" err="1"/>
               <a:t>robot_IP</a:t>
             </a:r>
             <a:r>
-              <a:rPr lang="en-US" dirty="0" smtClean="0"/>
+              <a:rPr lang="en-US" dirty="0"/>
               <a:t>, </a:t>
             </a:r>
             <a:r>
-              <a:rPr lang="en-US" dirty="0" err="1" smtClean="0"/>
+              <a:rPr lang="en-US" dirty="0" err="1"/>
               <a:t>proxy_list</a:t>
             </a:r>
             <a:r>
-              <a:rPr lang="en-US" dirty="0" smtClean="0"/>
+              <a:rPr lang="en-US" dirty="0"/>
               <a:t>, </a:t>
             </a:r>
             <a:r>
-              <a:rPr lang="en-US" dirty="0" err="1" smtClean="0"/>
+              <a:rPr lang="en-US" dirty="0" err="1"/>
               <a:t>robot_PORT</a:t>
             </a:r>
             <a:r>
-              <a:rPr lang="en-US" dirty="0" smtClean="0"/>
+              <a:rPr lang="en-US" dirty="0"/>
               <a:t>)</a:t>
             </a:r>
           </a:p>
@@ -9314,13 +8871,6 @@
   <p:clrMapOvr>
     <a:masterClrMapping/>
   </p:clrMapOvr>
-  <p:timing>
-    <p:tnLst>
-      <p:par>
-        <p:cTn id="1" dur="indefinite" restart="never" nodeType="tmRoot"/>
-      </p:par>
-    </p:tnLst>
-  </p:timing>
 </p:sld>
 </file>
 
@@ -9380,25 +8930,20 @@
             </a:pPr>
             <a:r>
               <a:rPr lang="en-US" dirty="0" err="1"/>
-              <a:t>p</a:t>
-            </a:r>
-            <a:r>
-              <a:rPr lang="en-US" dirty="0" err="1" smtClean="0"/>
-              <a:t>roxy_list</a:t>
+              <a:t>proxy_list</a:t>
             </a:r>
             <a:r>
               <a:rPr lang="en-US" dirty="0"/>
               <a:t>	</a:t>
             </a:r>
             <a:r>
-              <a:rPr lang="en-US" dirty="0" err="1" smtClean="0"/>
+              <a:rPr lang="en-US" dirty="0" err="1"/>
               <a:t>naoqi</a:t>
             </a:r>
             <a:r>
-              <a:rPr lang="en-US" dirty="0" smtClean="0"/>
+              <a:rPr lang="en-US" dirty="0"/>
               <a:t>			nao.py</a:t>
             </a:r>
-            <a:endParaRPr lang="en-US" dirty="0"/>
           </a:p>
         </p:txBody>
       </p:sp>
@@ -9436,11 +8981,7 @@
           <a:p>
             <a:r>
               <a:rPr lang="en-US" sz="1600" dirty="0"/>
-              <a:t> </a:t>
-            </a:r>
-            <a:r>
-              <a:rPr lang="en-US" sz="1600" dirty="0" smtClean="0"/>
-              <a:t>global </a:t>
+              <a:t> global </a:t>
             </a:r>
             <a:r>
               <a:rPr lang="en-US" sz="1600" dirty="0" err="1"/>
@@ -9451,11 +8992,7 @@
           <a:p>
             <a:r>
               <a:rPr lang="en-US" sz="1600" dirty="0"/>
-              <a:t> </a:t>
-            </a:r>
-            <a:r>
-              <a:rPr lang="en-US" sz="1600" dirty="0" smtClean="0"/>
-              <a:t>global </a:t>
+              <a:t> global </a:t>
             </a:r>
             <a:r>
               <a:rPr lang="en-US" sz="1600" dirty="0" err="1"/>
@@ -9466,11 +9003,7 @@
           <a:p>
             <a:r>
               <a:rPr lang="en-US" sz="1600" dirty="0"/>
-              <a:t> </a:t>
-            </a:r>
-            <a:r>
-              <a:rPr lang="en-US" sz="1600" dirty="0" smtClean="0"/>
-              <a:t>global </a:t>
+              <a:t> global </a:t>
             </a:r>
             <a:r>
               <a:rPr lang="en-US" sz="1600" dirty="0" err="1"/>
@@ -9481,11 +9014,7 @@
           <a:p>
             <a:r>
               <a:rPr lang="en-US" sz="1600" dirty="0"/>
-              <a:t> </a:t>
-            </a:r>
-            <a:r>
-              <a:rPr lang="en-US" sz="1600" dirty="0" smtClean="0"/>
-              <a:t>global </a:t>
+              <a:t> global </a:t>
             </a:r>
             <a:r>
               <a:rPr lang="en-US" sz="1600" dirty="0" err="1"/>
@@ -9496,11 +9025,7 @@
           <a:p>
             <a:r>
               <a:rPr lang="en-US" sz="1600" dirty="0"/>
-              <a:t> </a:t>
-            </a:r>
-            <a:r>
-              <a:rPr lang="en-US" sz="1600" dirty="0" smtClean="0"/>
-              <a:t>global </a:t>
+              <a:t> global </a:t>
             </a:r>
             <a:r>
               <a:rPr lang="en-US" sz="1600" dirty="0" err="1"/>
@@ -9511,11 +9036,7 @@
           <a:p>
             <a:r>
               <a:rPr lang="en-US" sz="1600" dirty="0"/>
-              <a:t> </a:t>
-            </a:r>
-            <a:r>
-              <a:rPr lang="en-US" sz="1600" dirty="0" smtClean="0"/>
-              <a:t>global </a:t>
+              <a:t> global </a:t>
             </a:r>
             <a:r>
               <a:rPr lang="en-US" sz="1600" dirty="0" err="1"/>
@@ -9526,11 +9047,7 @@
           <a:p>
             <a:r>
               <a:rPr lang="en-US" sz="1600" dirty="0"/>
-              <a:t> </a:t>
-            </a:r>
-            <a:r>
-              <a:rPr lang="en-US" sz="1600" dirty="0" smtClean="0"/>
-              <a:t>global </a:t>
+              <a:t> global </a:t>
             </a:r>
             <a:r>
               <a:rPr lang="en-US" sz="1600" dirty="0" err="1"/>
@@ -9541,11 +9058,7 @@
           <a:p>
             <a:r>
               <a:rPr lang="en-US" sz="1600" dirty="0"/>
-              <a:t> </a:t>
-            </a:r>
-            <a:r>
-              <a:rPr lang="en-US" sz="1600" dirty="0" smtClean="0"/>
-              <a:t>global </a:t>
+              <a:t> global </a:t>
             </a:r>
             <a:r>
               <a:rPr lang="en-US" sz="1600" dirty="0" err="1"/>
@@ -9556,11 +9069,7 @@
           <a:p>
             <a:r>
               <a:rPr lang="en-US" sz="1600" dirty="0"/>
-              <a:t> </a:t>
-            </a:r>
-            <a:r>
-              <a:rPr lang="en-US" sz="1600" dirty="0" smtClean="0"/>
-              <a:t>global </a:t>
+              <a:t> global </a:t>
             </a:r>
             <a:r>
               <a:rPr lang="en-US" sz="1600" dirty="0" err="1"/>
@@ -9571,11 +9080,7 @@
           <a:p>
             <a:r>
               <a:rPr lang="en-US" sz="1600" dirty="0"/>
-              <a:t> </a:t>
-            </a:r>
-            <a:r>
-              <a:rPr lang="en-US" sz="1600" dirty="0" smtClean="0"/>
-              <a:t>global </a:t>
+              <a:t> global </a:t>
             </a:r>
             <a:r>
               <a:rPr lang="en-US" sz="1600" dirty="0" err="1"/>
@@ -9586,11 +9091,7 @@
           <a:p>
             <a:r>
               <a:rPr lang="en-US" sz="1600" dirty="0"/>
-              <a:t> </a:t>
-            </a:r>
-            <a:r>
-              <a:rPr lang="en-US" sz="1600" dirty="0" smtClean="0"/>
-              <a:t>global </a:t>
+              <a:t> global </a:t>
             </a:r>
             <a:r>
               <a:rPr lang="en-US" sz="1600" dirty="0" err="1"/>
@@ -9612,11 +9113,7 @@
           <a:p>
             <a:r>
               <a:rPr lang="en-US" sz="1600" dirty="0"/>
-              <a:t> </a:t>
-            </a:r>
-            <a:r>
-              <a:rPr lang="en-US" sz="1600" dirty="0" smtClean="0"/>
-              <a:t>global </a:t>
+              <a:t> global </a:t>
             </a:r>
             <a:r>
               <a:rPr lang="en-US" sz="1600" dirty="0" err="1"/>
@@ -9627,11 +9124,7 @@
           <a:p>
             <a:r>
               <a:rPr lang="en-US" sz="1600" dirty="0"/>
-              <a:t> </a:t>
-            </a:r>
-            <a:r>
-              <a:rPr lang="en-US" sz="1600" dirty="0" smtClean="0"/>
-              <a:t>global </a:t>
+              <a:t> global </a:t>
             </a:r>
             <a:r>
               <a:rPr lang="en-US" sz="1600" dirty="0" err="1"/>
@@ -9642,11 +9135,7 @@
           <a:p>
             <a:r>
               <a:rPr lang="en-US" sz="1600" dirty="0"/>
-              <a:t> </a:t>
-            </a:r>
-            <a:r>
-              <a:rPr lang="en-US" sz="1600" dirty="0" smtClean="0"/>
-              <a:t>global </a:t>
+              <a:t> global </a:t>
             </a:r>
             <a:r>
               <a:rPr lang="en-US" sz="1600" dirty="0" err="1"/>
@@ -9656,7 +9145,7 @@
           </a:p>
           <a:p>
             <a:r>
-              <a:rPr lang="en-US" sz="1600" dirty="0" smtClean="0"/>
+              <a:rPr lang="en-US" sz="1600" dirty="0"/>
               <a:t> global </a:t>
             </a:r>
             <a:r>
@@ -9668,17 +9157,13 @@
           <a:p>
             <a:r>
               <a:rPr lang="en-US" sz="1600" dirty="0"/>
-              <a:t> </a:t>
-            </a:r>
-            <a:r>
-              <a:rPr lang="en-US" sz="1600" dirty="0" smtClean="0"/>
-              <a:t>global </a:t>
-            </a:r>
-            <a:r>
-              <a:rPr lang="en-US" sz="1600" dirty="0" err="1" smtClean="0"/>
+              <a:t> global </a:t>
+            </a:r>
+            <a:r>
+              <a:rPr lang="en-US" sz="1600" dirty="0" err="1"/>
               <a:t>soundLocalizationProxy</a:t>
             </a:r>
-            <a:endParaRPr lang="en-US" sz="1600" dirty="0" smtClean="0"/>
+            <a:endParaRPr lang="en-US" sz="1600" dirty="0"/>
           </a:p>
           <a:p>
             <a:r>
@@ -9686,7 +9171,7 @@
               <a:t> global </a:t>
             </a:r>
             <a:r>
-              <a:rPr lang="en-US" sz="1600" dirty="0" err="1" smtClean="0"/>
+              <a:rPr lang="en-US" sz="1600" dirty="0" err="1"/>
               <a:t>trackerProxy</a:t>
             </a:r>
             <a:endParaRPr lang="en-US" sz="1600" dirty="0"/>
@@ -9715,186 +9200,186 @@
           <a:lstStyle/>
           <a:p>
             <a:r>
-              <a:rPr lang="en-US" sz="1600" dirty="0" smtClean="0"/>
+              <a:rPr lang="en-US" sz="1600" dirty="0"/>
               <a:t>"</a:t>
             </a:r>
             <a:r>
-              <a:rPr lang="en-US" sz="1600" dirty="0" err="1" smtClean="0"/>
+              <a:rPr lang="en-US" sz="1600" dirty="0" err="1"/>
               <a:t>ALAudioDevice</a:t>
             </a:r>
             <a:r>
-              <a:rPr lang="en-US" sz="1600" dirty="0" smtClean="0"/>
+              <a:rPr lang="en-US" sz="1600" dirty="0"/>
               <a:t>”</a:t>
             </a:r>
           </a:p>
           <a:p>
             <a:r>
-              <a:rPr lang="en-US" sz="1600" dirty="0" smtClean="0"/>
+              <a:rPr lang="en-US" sz="1600" dirty="0"/>
               <a:t>"</a:t>
             </a:r>
             <a:r>
-              <a:rPr lang="en-US" sz="1600" dirty="0" err="1" smtClean="0"/>
+              <a:rPr lang="en-US" sz="1600" dirty="0" err="1"/>
               <a:t>ALMotion</a:t>
             </a:r>
             <a:r>
-              <a:rPr lang="en-US" sz="1600" dirty="0" smtClean="0"/>
+              <a:rPr lang="en-US" sz="1600" dirty="0"/>
               <a:t>”</a:t>
             </a:r>
           </a:p>
           <a:p>
             <a:r>
-              <a:rPr lang="en-US" sz="1600" dirty="0" smtClean="0"/>
+              <a:rPr lang="en-US" sz="1600" dirty="0"/>
               <a:t>"</a:t>
             </a:r>
             <a:r>
-              <a:rPr lang="en-US" sz="1600" dirty="0" err="1" smtClean="0"/>
+              <a:rPr lang="en-US" sz="1600" dirty="0" err="1"/>
               <a:t>ALMemory</a:t>
             </a:r>
             <a:r>
-              <a:rPr lang="en-US" sz="1600" dirty="0" smtClean="0"/>
+              <a:rPr lang="en-US" sz="1600" dirty="0"/>
               <a:t>”</a:t>
             </a:r>
           </a:p>
           <a:p>
             <a:r>
-              <a:rPr lang="en-US" sz="1600" dirty="0" smtClean="0"/>
+              <a:rPr lang="en-US" sz="1600" dirty="0"/>
               <a:t>"</a:t>
             </a:r>
             <a:r>
-              <a:rPr lang="en-US" sz="1600" dirty="0" err="1" smtClean="0"/>
+              <a:rPr lang="en-US" sz="1600" dirty="0" err="1"/>
               <a:t>ALVideoDevice</a:t>
             </a:r>
             <a:r>
-              <a:rPr lang="en-US" sz="1600" dirty="0" smtClean="0"/>
+              <a:rPr lang="en-US" sz="1600" dirty="0"/>
               <a:t>”</a:t>
             </a:r>
           </a:p>
           <a:p>
             <a:r>
-              <a:rPr lang="en-US" sz="1600" dirty="0" smtClean="0"/>
+              <a:rPr lang="en-US" sz="1600" dirty="0"/>
               <a:t>"</a:t>
             </a:r>
             <a:r>
-              <a:rPr lang="en-US" sz="1600" dirty="0" err="1" smtClean="0"/>
+              <a:rPr lang="en-US" sz="1600" dirty="0" err="1"/>
               <a:t>ALFaceDetection</a:t>
             </a:r>
             <a:r>
-              <a:rPr lang="en-US" sz="1600" dirty="0" smtClean="0"/>
+              <a:rPr lang="en-US" sz="1600" dirty="0"/>
               <a:t>”</a:t>
             </a:r>
           </a:p>
           <a:p>
             <a:r>
-              <a:rPr lang="en-US" sz="1600" dirty="0" smtClean="0"/>
+              <a:rPr lang="en-US" sz="1600" dirty="0"/>
               <a:t>"</a:t>
             </a:r>
             <a:r>
-              <a:rPr lang="en-US" sz="1600" dirty="0" err="1" smtClean="0"/>
+              <a:rPr lang="en-US" sz="1600" dirty="0" err="1"/>
               <a:t>ALLeds</a:t>
             </a:r>
             <a:r>
-              <a:rPr lang="en-US" sz="1600" dirty="0" smtClean="0"/>
+              <a:rPr lang="en-US" sz="1600" dirty="0"/>
               <a:t>”</a:t>
             </a:r>
           </a:p>
           <a:p>
             <a:r>
-              <a:rPr lang="en-US" sz="1600" dirty="0" smtClean="0"/>
+              <a:rPr lang="en-US" sz="1600" dirty="0"/>
               <a:t>"</a:t>
             </a:r>
             <a:r>
-              <a:rPr lang="en-US" sz="1600" dirty="0" err="1" smtClean="0"/>
+              <a:rPr lang="en-US" sz="1600" dirty="0" err="1"/>
               <a:t>ALTextToSpeech</a:t>
             </a:r>
             <a:r>
-              <a:rPr lang="en-US" sz="1600" dirty="0" smtClean="0"/>
+              <a:rPr lang="en-US" sz="1600" dirty="0"/>
               <a:t>”</a:t>
             </a:r>
           </a:p>
           <a:p>
             <a:r>
-              <a:rPr lang="en-US" sz="1600" dirty="0" smtClean="0"/>
+              <a:rPr lang="en-US" sz="1600" dirty="0"/>
               <a:t>"</a:t>
             </a:r>
             <a:r>
-              <a:rPr lang="en-US" sz="1600" dirty="0" err="1" smtClean="0"/>
+              <a:rPr lang="en-US" sz="1600" dirty="0" err="1"/>
               <a:t>ALFaceTracker</a:t>
             </a:r>
             <a:r>
-              <a:rPr lang="en-US" sz="1600" dirty="0" smtClean="0"/>
+              <a:rPr lang="en-US" sz="1600" dirty="0"/>
               <a:t>”</a:t>
             </a:r>
           </a:p>
           <a:p>
             <a:r>
-              <a:rPr lang="en-US" sz="1600" dirty="0" smtClean="0"/>
+              <a:rPr lang="en-US" sz="1600" dirty="0"/>
               <a:t>"</a:t>
             </a:r>
             <a:r>
-              <a:rPr lang="en-US" sz="1600" dirty="0" err="1" smtClean="0"/>
+              <a:rPr lang="en-US" sz="1600" dirty="0" err="1"/>
               <a:t>ALAudioPlayer</a:t>
             </a:r>
             <a:r>
-              <a:rPr lang="en-US" sz="1600" dirty="0" smtClean="0"/>
+              <a:rPr lang="en-US" sz="1600" dirty="0"/>
               <a:t>”</a:t>
             </a:r>
           </a:p>
           <a:p>
             <a:r>
-              <a:rPr lang="en-US" sz="1600" dirty="0" smtClean="0"/>
+              <a:rPr lang="en-US" sz="1600" dirty="0"/>
               <a:t>"</a:t>
             </a:r>
             <a:r>
-              <a:rPr lang="en-US" sz="1600" dirty="0" err="1" smtClean="0"/>
+              <a:rPr lang="en-US" sz="1600" dirty="0" err="1"/>
               <a:t>ALVideoRecorder</a:t>
             </a:r>
             <a:r>
-              <a:rPr lang="en-US" sz="1600" dirty="0" smtClean="0"/>
+              <a:rPr lang="en-US" sz="1600" dirty="0"/>
               <a:t>”</a:t>
             </a:r>
           </a:p>
           <a:p>
             <a:r>
-              <a:rPr lang="en-US" sz="1600" dirty="0" smtClean="0"/>
+              <a:rPr lang="en-US" sz="1600" dirty="0"/>
               <a:t>"</a:t>
             </a:r>
             <a:r>
-              <a:rPr lang="en-US" sz="1600" dirty="0" err="1" smtClean="0"/>
+              <a:rPr lang="en-US" sz="1600" dirty="0" err="1"/>
               <a:t>ALSpeechRecognition</a:t>
             </a:r>
             <a:r>
-              <a:rPr lang="en-US" sz="1600" dirty="0" smtClean="0"/>
+              <a:rPr lang="en-US" sz="1600" dirty="0"/>
               <a:t>”</a:t>
             </a:r>
           </a:p>
           <a:p>
-            <a:endParaRPr lang="en-US" sz="1600" dirty="0" smtClean="0"/>
-          </a:p>
-          <a:p>
-            <a:r>
-              <a:rPr lang="en-US" sz="1600" dirty="0" smtClean="0"/>
+            <a:endParaRPr lang="en-US" sz="1600" dirty="0"/>
+          </a:p>
+          <a:p>
+            <a:r>
+              <a:rPr lang="en-US" sz="1600" dirty="0"/>
               <a:t>"</a:t>
             </a:r>
             <a:r>
-              <a:rPr lang="en-US" sz="1600" dirty="0" err="1" smtClean="0"/>
+              <a:rPr lang="en-US" sz="1600" dirty="0" err="1"/>
               <a:t>ALSonar</a:t>
             </a:r>
             <a:r>
-              <a:rPr lang="en-US" sz="1600" dirty="0" smtClean="0"/>
+              <a:rPr lang="en-US" sz="1600" dirty="0"/>
               <a:t>”</a:t>
             </a:r>
           </a:p>
           <a:p>
             <a:r>
-              <a:rPr lang="en-US" sz="1600" dirty="0" smtClean="0"/>
+              <a:rPr lang="en-US" sz="1600" dirty="0"/>
               <a:t>"</a:t>
             </a:r>
             <a:r>
-              <a:rPr lang="en-US" sz="1600" dirty="0" err="1" smtClean="0"/>
+              <a:rPr lang="en-US" sz="1600" dirty="0" err="1"/>
               <a:t>ALRobotPosture</a:t>
             </a:r>
             <a:r>
-              <a:rPr lang="en-US" sz="1600" dirty="0" smtClean="0"/>
+              <a:rPr lang="en-US" sz="1600" dirty="0"/>
               <a:t>”</a:t>
             </a:r>
           </a:p>
@@ -9911,7 +9396,6 @@
               <a:rPr lang="en-US" sz="1600" dirty="0"/>
               <a:t>"</a:t>
             </a:r>
-            <a:endParaRPr lang="en-US" sz="1600" dirty="0" smtClean="0"/>
           </a:p>
           <a:p>
             <a:r>
@@ -9919,11 +9403,11 @@
               <a:t>"</a:t>
             </a:r>
             <a:r>
-              <a:rPr lang="en-US" sz="1600" dirty="0" err="1" smtClean="0"/>
+              <a:rPr lang="en-US" sz="1600" dirty="0" err="1"/>
               <a:t>ALSoundDetection</a:t>
             </a:r>
             <a:r>
-              <a:rPr lang="en-US" sz="1600" dirty="0" smtClean="0"/>
+              <a:rPr lang="en-US" sz="1600" dirty="0"/>
               <a:t>”</a:t>
             </a:r>
           </a:p>
@@ -9933,28 +9417,27 @@
               <a:t>"</a:t>
             </a:r>
             <a:r>
-              <a:rPr lang="en-US" sz="1600" dirty="0" err="1" smtClean="0"/>
+              <a:rPr lang="en-US" sz="1600" dirty="0" err="1"/>
               <a:t>ALAudioSourceLocalization</a:t>
             </a:r>
             <a:r>
-              <a:rPr lang="en-US" sz="1600" dirty="0" smtClean="0"/>
+              <a:rPr lang="en-US" sz="1600" dirty="0"/>
               <a:t>”</a:t>
             </a:r>
           </a:p>
           <a:p>
             <a:r>
-              <a:rPr lang="en-US" sz="1600" dirty="0" smtClean="0"/>
+              <a:rPr lang="en-US" sz="1600" dirty="0"/>
               <a:t>"</a:t>
             </a:r>
             <a:r>
-              <a:rPr lang="en-US" sz="1600" dirty="0" err="1" smtClean="0"/>
+              <a:rPr lang="en-US" sz="1600" dirty="0" err="1"/>
               <a:t>ALTracker</a:t>
             </a:r>
             <a:r>
-              <a:rPr lang="en-US" sz="1600" dirty="0" smtClean="0"/>
+              <a:rPr lang="en-US" sz="1600" dirty="0"/>
               <a:t>"</a:t>
             </a:r>
-            <a:endParaRPr lang="en-US" sz="1600" dirty="0"/>
           </a:p>
         </p:txBody>
       </p:sp>
@@ -9980,109 +9463,108 @@
           <a:lstStyle/>
           <a:p>
             <a:r>
-              <a:rPr lang="en-US" sz="1600" dirty="0" smtClean="0"/>
+              <a:rPr lang="en-US" sz="1600" dirty="0"/>
               <a:t>1</a:t>
             </a:r>
           </a:p>
           <a:p>
             <a:r>
-              <a:rPr lang="en-US" sz="1600" dirty="0" smtClean="0"/>
+              <a:rPr lang="en-US" sz="1600" dirty="0"/>
               <a:t>2</a:t>
             </a:r>
           </a:p>
           <a:p>
             <a:r>
-              <a:rPr lang="en-US" sz="1600" dirty="0" smtClean="0"/>
+              <a:rPr lang="en-US" sz="1600" dirty="0"/>
               <a:t>3</a:t>
             </a:r>
           </a:p>
           <a:p>
             <a:r>
-              <a:rPr lang="en-US" sz="1600" dirty="0" smtClean="0"/>
+              <a:rPr lang="en-US" sz="1600" dirty="0"/>
               <a:t>4</a:t>
             </a:r>
           </a:p>
           <a:p>
             <a:r>
-              <a:rPr lang="en-US" sz="1600" dirty="0" smtClean="0"/>
+              <a:rPr lang="en-US" sz="1600" dirty="0"/>
               <a:t>5</a:t>
             </a:r>
           </a:p>
           <a:p>
             <a:r>
-              <a:rPr lang="en-US" sz="1600" dirty="0" smtClean="0"/>
+              <a:rPr lang="en-US" sz="1600" dirty="0"/>
               <a:t>6</a:t>
             </a:r>
           </a:p>
           <a:p>
             <a:r>
-              <a:rPr lang="en-US" sz="1600" dirty="0" smtClean="0"/>
+              <a:rPr lang="en-US" sz="1600" dirty="0"/>
               <a:t>7</a:t>
             </a:r>
           </a:p>
           <a:p>
             <a:r>
-              <a:rPr lang="en-US" sz="1600" dirty="0" smtClean="0"/>
+              <a:rPr lang="en-US" sz="1600" dirty="0"/>
               <a:t>8</a:t>
             </a:r>
           </a:p>
           <a:p>
             <a:r>
-              <a:rPr lang="en-US" sz="1600" dirty="0" smtClean="0"/>
+              <a:rPr lang="en-US" sz="1600" dirty="0"/>
               <a:t>9</a:t>
             </a:r>
           </a:p>
           <a:p>
             <a:r>
-              <a:rPr lang="en-US" sz="1600" dirty="0" smtClean="0"/>
+              <a:rPr lang="en-US" sz="1600" dirty="0"/>
               <a:t>10</a:t>
             </a:r>
           </a:p>
           <a:p>
             <a:r>
-              <a:rPr lang="en-US" sz="1600" dirty="0" smtClean="0"/>
+              <a:rPr lang="en-US" sz="1600" dirty="0"/>
               <a:t>11</a:t>
             </a:r>
           </a:p>
           <a:p>
-            <a:endParaRPr lang="en-US" sz="1600" dirty="0" smtClean="0"/>
-          </a:p>
-          <a:p>
-            <a:r>
-              <a:rPr lang="en-US" sz="1600" dirty="0" smtClean="0"/>
+            <a:endParaRPr lang="en-US" sz="1600" dirty="0"/>
+          </a:p>
+          <a:p>
+            <a:r>
+              <a:rPr lang="en-US" sz="1600" dirty="0"/>
               <a:t>12</a:t>
             </a:r>
           </a:p>
           <a:p>
             <a:r>
-              <a:rPr lang="en-US" sz="1600" dirty="0" smtClean="0"/>
+              <a:rPr lang="en-US" sz="1600" dirty="0"/>
               <a:t>13</a:t>
             </a:r>
           </a:p>
           <a:p>
             <a:r>
-              <a:rPr lang="en-US" sz="1600" dirty="0" smtClean="0"/>
+              <a:rPr lang="en-US" sz="1600" dirty="0"/>
               <a:t>14</a:t>
             </a:r>
           </a:p>
           <a:p>
             <a:r>
-              <a:rPr lang="en-US" sz="1600" dirty="0" smtClean="0"/>
+              <a:rPr lang="en-US" sz="1600" dirty="0"/>
               <a:t>15</a:t>
             </a:r>
           </a:p>
           <a:p>
             <a:r>
-              <a:rPr lang="en-US" sz="1600" dirty="0" smtClean="0"/>
+              <a:rPr lang="en-US" sz="1600" dirty="0"/>
               <a:t>16</a:t>
             </a:r>
           </a:p>
           <a:p>
             <a:r>
-              <a:rPr lang="en-US" sz="1600" dirty="0" smtClean="0"/>
+              <a:rPr lang="en-US" sz="1600" dirty="0"/>
               <a:t>17</a:t>
             </a:r>
-            <a:endParaRPr lang="en-US" sz="1600" dirty="0"/>
           </a:p>
         </p:txBody>
       </p:sp>
@@ -10096,13 +9578,6 @@
   <p:clrMapOvr>
     <a:masterClrMapping/>
   </p:clrMapOvr>
-  <p:timing>
-    <p:tnLst>
-      <p:par>
-        <p:cTn id="1" dur="indefinite" restart="never" nodeType="tmRoot"/>
-      </p:par>
-    </p:tnLst>
-  </p:timing>
 </p:sld>
 </file>
 
@@ -10139,11 +9614,11 @@
           <a:lstStyle/>
           <a:p>
             <a:r>
-              <a:rPr lang="en-US" dirty="0" smtClean="0"/>
+              <a:rPr lang="en-US" dirty="0"/>
               <a:t>Using </a:t>
             </a:r>
             <a:r>
-              <a:rPr lang="en-US" dirty="0" err="1" smtClean="0"/>
+              <a:rPr lang="en-US" dirty="0" err="1"/>
               <a:t>nao.py</a:t>
             </a:r>
             <a:endParaRPr lang="en-US" dirty="0"/>
@@ -10166,15 +9641,15 @@
           <a:lstStyle/>
           <a:p>
             <a:r>
-              <a:rPr lang="en-US" dirty="0" smtClean="0"/>
+              <a:rPr lang="en-US" dirty="0"/>
               <a:t>You can use functions from </a:t>
             </a:r>
             <a:r>
-              <a:rPr lang="en-US" dirty="0" err="1" smtClean="0"/>
+              <a:rPr lang="en-US" dirty="0" err="1"/>
               <a:t>naoqi</a:t>
             </a:r>
             <a:r>
-              <a:rPr lang="en-US" dirty="0" smtClean="0"/>
+              <a:rPr lang="en-US" dirty="0"/>
               <a:t> directly once the proxies have been initialized:</a:t>
             </a:r>
           </a:p>
@@ -10182,20 +9657,20 @@
             <a:endParaRPr lang="en-US" dirty="0"/>
           </a:p>
           <a:p>
-            <a:endParaRPr lang="en-US" dirty="0" smtClean="0"/>
-          </a:p>
-          <a:p>
-            <a:endParaRPr lang="en-US" dirty="0"/>
-          </a:p>
-          <a:p>
-            <a:endParaRPr lang="en-US" dirty="0" smtClean="0"/>
-          </a:p>
-          <a:p>
-            <a:endParaRPr lang="en-US" dirty="0"/>
-          </a:p>
-          <a:p>
-            <a:r>
-              <a:rPr lang="en-US" dirty="0" smtClean="0"/>
+            <a:endParaRPr lang="en-US" dirty="0"/>
+          </a:p>
+          <a:p>
+            <a:endParaRPr lang="en-US" dirty="0"/>
+          </a:p>
+          <a:p>
+            <a:endParaRPr lang="en-US" dirty="0"/>
+          </a:p>
+          <a:p>
+            <a:endParaRPr lang="en-US" dirty="0"/>
+          </a:p>
+          <a:p>
+            <a:r>
+              <a:rPr lang="en-US" dirty="0"/>
               <a:t>Or you use a shorthand from nao.py (if available)</a:t>
             </a:r>
           </a:p>
@@ -10203,15 +9678,15 @@
             <a:endParaRPr lang="en-US" dirty="0"/>
           </a:p>
           <a:p>
-            <a:endParaRPr lang="en-US" dirty="0" smtClean="0"/>
-          </a:p>
-          <a:p>
-            <a:r>
-              <a:rPr lang="en-US" dirty="0" smtClean="0"/>
+            <a:endParaRPr lang="en-US" dirty="0"/>
+          </a:p>
+          <a:p>
+            <a:r>
+              <a:rPr lang="en-US" dirty="0"/>
               <a:t>The numbers are the </a:t>
             </a:r>
             <a:r>
-              <a:rPr lang="en-US" dirty="0" smtClean="0">
+              <a:rPr lang="en-US" dirty="0">
                 <a:solidFill>
                   <a:schemeClr val="bg1"/>
                 </a:solidFill>
@@ -10219,7 +9694,7 @@
               <a:t>normalized</a:t>
             </a:r>
             <a:r>
-              <a:rPr lang="en-US" dirty="0" smtClean="0"/>
+              <a:rPr lang="en-US" dirty="0"/>
               <a:t> forward velocity, side-step velocity and turn-rate</a:t>
             </a:r>
           </a:p>
@@ -10254,46 +9729,42 @@
           <a:p>
             <a:r>
               <a:rPr lang="en-US" dirty="0"/>
-              <a:t>i</a:t>
-            </a:r>
-            <a:r>
-              <a:rPr lang="en-US" dirty="0" smtClean="0"/>
-              <a:t>mport nao_nocv_2_0 as </a:t>
-            </a:r>
-            <a:r>
-              <a:rPr lang="en-US" dirty="0" err="1" smtClean="0"/>
+              <a:t>import nao_nocv_2_1 as </a:t>
+            </a:r>
+            <a:r>
+              <a:rPr lang="en-US" dirty="0" err="1"/>
               <a:t>nao</a:t>
             </a:r>
-            <a:endParaRPr lang="en-US" dirty="0" smtClean="0"/>
-          </a:p>
-          <a:p>
-            <a:endParaRPr lang="en-US" dirty="0"/>
-          </a:p>
-          <a:p>
-            <a:r>
-              <a:rPr lang="en-US" dirty="0" err="1" smtClean="0"/>
+            <a:endParaRPr lang="en-US" dirty="0"/>
+          </a:p>
+          <a:p>
+            <a:endParaRPr lang="en-US" dirty="0"/>
+          </a:p>
+          <a:p>
+            <a:r>
+              <a:rPr lang="en-US" dirty="0" err="1"/>
               <a:t>robot_IP</a:t>
             </a:r>
             <a:r>
-              <a:rPr lang="en-US" dirty="0" smtClean="0"/>
+              <a:rPr lang="en-US" dirty="0"/>
               <a:t>=“127.0.0.1”</a:t>
             </a:r>
           </a:p>
           <a:p>
             <a:r>
-              <a:rPr lang="en-US" dirty="0" err="1" smtClean="0"/>
+              <a:rPr lang="en-US" dirty="0" err="1"/>
               <a:t>nao.InitProxy</a:t>
             </a:r>
             <a:r>
-              <a:rPr lang="en-US" dirty="0" smtClean="0"/>
+              <a:rPr lang="en-US" dirty="0"/>
               <a:t>(</a:t>
             </a:r>
             <a:r>
-              <a:rPr lang="en-US" dirty="0" err="1" smtClean="0"/>
+              <a:rPr lang="en-US" dirty="0" err="1"/>
               <a:t>robot_IP</a:t>
             </a:r>
             <a:r>
-              <a:rPr lang="en-US" dirty="0" smtClean="0"/>
+              <a:rPr lang="en-US" dirty="0"/>
               <a:t>)</a:t>
             </a:r>
           </a:p>
@@ -10302,14 +9773,13 @@
           </a:p>
           <a:p>
             <a:r>
-              <a:rPr lang="en-US" dirty="0" err="1" smtClean="0"/>
+              <a:rPr lang="en-US" dirty="0" err="1"/>
               <a:t>nao.motionProxy.moveToward</a:t>
             </a:r>
             <a:r>
-              <a:rPr lang="en-US" dirty="0" smtClean="0"/>
+              <a:rPr lang="en-US" dirty="0"/>
               <a:t>(1.0, 0.0, 0.0)</a:t>
             </a:r>
-            <a:endParaRPr lang="en-US" dirty="0"/>
           </a:p>
         </p:txBody>
       </p:sp>
@@ -10335,14 +9805,13 @@
           <a:lstStyle/>
           <a:p>
             <a:r>
-              <a:rPr lang="en-US" dirty="0" err="1" smtClean="0"/>
+              <a:rPr lang="en-US" dirty="0" err="1"/>
               <a:t>Nao.Move</a:t>
             </a:r>
             <a:r>
-              <a:rPr lang="en-US" dirty="0" smtClean="0"/>
+              <a:rPr lang="en-US" dirty="0"/>
               <a:t>(1.0, 0.0, 0.0)</a:t>
             </a:r>
-            <a:endParaRPr lang="en-US" dirty="0"/>
           </a:p>
         </p:txBody>
       </p:sp>
@@ -10356,13 +9825,6 @@
   <p:clrMapOvr>
     <a:masterClrMapping/>
   </p:clrMapOvr>
-  <p:timing>
-    <p:tnLst>
-      <p:par>
-        <p:cTn id="1" dur="indefinite" restart="never" nodeType="tmRoot"/>
-      </p:par>
-    </p:tnLst>
-  </p:timing>
 </p:sld>
 </file>
 
@@ -10399,11 +9861,11 @@
           <a:lstStyle/>
           <a:p>
             <a:r>
-              <a:rPr lang="en-US" dirty="0" smtClean="0"/>
+              <a:rPr lang="en-US" dirty="0"/>
               <a:t>Using </a:t>
             </a:r>
             <a:r>
-              <a:rPr lang="en-US" dirty="0" err="1" smtClean="0"/>
+              <a:rPr lang="en-US" dirty="0" err="1"/>
               <a:t>nao.py</a:t>
             </a:r>
             <a:endParaRPr lang="en-US" dirty="0"/>
@@ -10426,7 +9888,7 @@
           <a:lstStyle/>
           <a:p>
             <a:r>
-              <a:rPr lang="en-US" dirty="0" smtClean="0"/>
+              <a:rPr lang="en-US" dirty="0"/>
               <a:t>The sonar needs to be initialized before it can be used</a:t>
             </a:r>
           </a:p>
@@ -10434,14 +9896,14 @@
             <a:pPr marL="0" indent="0">
               <a:buNone/>
             </a:pPr>
-            <a:endParaRPr lang="en-US" dirty="0" smtClean="0"/>
-          </a:p>
-          <a:p>
-            <a:endParaRPr lang="en-US" dirty="0"/>
-          </a:p>
-          <a:p>
-            <a:r>
-              <a:rPr lang="en-US" dirty="0" smtClean="0"/>
+            <a:endParaRPr lang="en-US" dirty="0"/>
+          </a:p>
+          <a:p>
+            <a:endParaRPr lang="en-US" dirty="0"/>
+          </a:p>
+          <a:p>
+            <a:r>
+              <a:rPr lang="en-US" dirty="0"/>
               <a:t>After that the left and right sonar values can be read. It returns the distance in m.</a:t>
             </a:r>
           </a:p>
@@ -10449,11 +9911,11 @@
             <a:endParaRPr lang="en-US" dirty="0"/>
           </a:p>
           <a:p>
-            <a:endParaRPr lang="en-US" dirty="0" smtClean="0"/>
-          </a:p>
-          <a:p>
-            <a:r>
-              <a:rPr lang="en-US" dirty="0" smtClean="0"/>
+            <a:endParaRPr lang="en-US" dirty="0"/>
+          </a:p>
+          <a:p>
+            <a:r>
+              <a:rPr lang="en-US" dirty="0"/>
               <a:t>Turn it off using:</a:t>
             </a:r>
           </a:p>
@@ -10487,14 +9949,13 @@
           <a:lstStyle/>
           <a:p>
             <a:r>
-              <a:rPr lang="en-US" dirty="0" err="1" smtClean="0"/>
+              <a:rPr lang="en-US" dirty="0" err="1"/>
               <a:t>nao.InitSonar</a:t>
             </a:r>
             <a:r>
-              <a:rPr lang="en-US" dirty="0" smtClean="0"/>
+              <a:rPr lang="en-US" dirty="0"/>
               <a:t>(True)</a:t>
             </a:r>
-            <a:endParaRPr lang="en-US" dirty="0"/>
           </a:p>
         </p:txBody>
       </p:sp>
@@ -10520,18 +9981,17 @@
           <a:lstStyle/>
           <a:p>
             <a:r>
-              <a:rPr lang="en-US" dirty="0" smtClean="0"/>
+              <a:rPr lang="en-US" dirty="0"/>
               <a:t>[SL, SR]=</a:t>
             </a:r>
             <a:r>
-              <a:rPr lang="en-US" dirty="0" err="1" smtClean="0"/>
+              <a:rPr lang="en-US" dirty="0" err="1"/>
               <a:t>nao.ReadSonar</a:t>
             </a:r>
             <a:r>
-              <a:rPr lang="en-US" dirty="0" smtClean="0"/>
+              <a:rPr lang="en-US" dirty="0"/>
               <a:t>()</a:t>
             </a:r>
-            <a:endParaRPr lang="en-US" dirty="0"/>
           </a:p>
         </p:txBody>
       </p:sp>
@@ -10557,14 +10017,13 @@
           <a:lstStyle/>
           <a:p>
             <a:r>
-              <a:rPr lang="en-US" dirty="0" err="1" smtClean="0"/>
+              <a:rPr lang="en-US" dirty="0" err="1"/>
               <a:t>nao.InitSonar</a:t>
             </a:r>
             <a:r>
-              <a:rPr lang="en-US" dirty="0" smtClean="0"/>
+              <a:rPr lang="en-US" dirty="0"/>
               <a:t>(False)</a:t>
             </a:r>
-            <a:endParaRPr lang="en-US" dirty="0"/>
           </a:p>
         </p:txBody>
       </p:sp>
@@ -10578,13 +10037,6 @@
   <p:clrMapOvr>
     <a:masterClrMapping/>
   </p:clrMapOvr>
-  <p:timing>
-    <p:tnLst>
-      <p:par>
-        <p:cTn id="1" dur="indefinite" restart="never" nodeType="tmRoot"/>
-      </p:par>
-    </p:tnLst>
-  </p:timing>
 </p:sld>
 </file>
 
@@ -10621,11 +10073,11 @@
           <a:lstStyle/>
           <a:p>
             <a:r>
-              <a:rPr lang="en-US" dirty="0" smtClean="0"/>
+              <a:rPr lang="en-US" dirty="0"/>
               <a:t>Using </a:t>
             </a:r>
             <a:r>
-              <a:rPr lang="en-US" dirty="0" err="1" smtClean="0"/>
+              <a:rPr lang="en-US" dirty="0" err="1"/>
               <a:t>nao.py</a:t>
             </a:r>
             <a:endParaRPr lang="en-US" dirty="0"/>
@@ -10648,15 +10100,15 @@
           <a:lstStyle/>
           <a:p>
             <a:r>
-              <a:rPr lang="en-US" dirty="0" smtClean="0"/>
+              <a:rPr lang="en-US" dirty="0"/>
               <a:t>The </a:t>
             </a:r>
             <a:r>
-              <a:rPr lang="en-US" dirty="0" err="1" smtClean="0"/>
+              <a:rPr lang="en-US" dirty="0" err="1"/>
               <a:t>videocamera</a:t>
             </a:r>
             <a:r>
-              <a:rPr lang="en-US" dirty="0" smtClean="0"/>
+              <a:rPr lang="en-US" dirty="0"/>
               <a:t> needs to be initialized before it can be used</a:t>
             </a:r>
           </a:p>
@@ -10664,28 +10116,28 @@
             <a:pPr marL="0" indent="0">
               <a:buNone/>
             </a:pPr>
-            <a:endParaRPr lang="en-US" dirty="0" smtClean="0"/>
-          </a:p>
-          <a:p>
-            <a:endParaRPr lang="en-US" dirty="0" smtClean="0"/>
-          </a:p>
-          <a:p>
-            <a:endParaRPr lang="en-US" dirty="0" smtClean="0"/>
-          </a:p>
-          <a:p>
-            <a:endParaRPr lang="en-US" dirty="0"/>
-          </a:p>
-          <a:p>
-            <a:r>
-              <a:rPr lang="en-US" dirty="0" smtClean="0"/>
+            <a:endParaRPr lang="en-US" dirty="0"/>
+          </a:p>
+          <a:p>
+            <a:endParaRPr lang="en-US" dirty="0"/>
+          </a:p>
+          <a:p>
+            <a:endParaRPr lang="en-US" dirty="0"/>
+          </a:p>
+          <a:p>
+            <a:endParaRPr lang="en-US" dirty="0"/>
+          </a:p>
+          <a:p>
+            <a:r>
+              <a:rPr lang="en-US" dirty="0"/>
               <a:t>To retrieve an image use (with </a:t>
             </a:r>
             <a:r>
-              <a:rPr lang="en-US" dirty="0" err="1" smtClean="0"/>
+              <a:rPr lang="en-US" dirty="0" err="1"/>
               <a:t>openCV</a:t>
             </a:r>
             <a:r>
-              <a:rPr lang="en-US" dirty="0" smtClean="0"/>
+              <a:rPr lang="en-US" dirty="0"/>
               <a:t> only)</a:t>
             </a:r>
           </a:p>
@@ -10693,7 +10145,7 @@
             <a:endParaRPr lang="en-US" dirty="0"/>
           </a:p>
           <a:p>
-            <a:endParaRPr lang="en-US" dirty="0" smtClean="0"/>
+            <a:endParaRPr lang="en-US" dirty="0"/>
           </a:p>
           <a:p>
             <a:pPr marL="0" indent="0">
@@ -10728,11 +10180,11 @@
           <a:lstStyle/>
           <a:p>
             <a:r>
-              <a:rPr lang="en-US" dirty="0" err="1" smtClean="0"/>
+              <a:rPr lang="en-US" dirty="0" err="1"/>
               <a:t>nao.InitVideo</a:t>
             </a:r>
             <a:r>
-              <a:rPr lang="en-US" dirty="0" smtClean="0"/>
+              <a:rPr lang="en-US" dirty="0"/>
               <a:t>(resolution)</a:t>
             </a:r>
           </a:p>
@@ -10741,45 +10193,45 @@
           </a:p>
           <a:p>
             <a:r>
-              <a:rPr lang="pt-BR" dirty="0" smtClean="0"/>
+              <a:rPr lang="pt-BR" dirty="0"/>
               <a:t>#</a:t>
             </a:r>
             <a:r>
-              <a:rPr lang="pt-BR" dirty="0" err="1" smtClean="0"/>
+              <a:rPr lang="pt-BR" dirty="0" err="1"/>
               <a:t>resolution</a:t>
             </a:r>
             <a:r>
-              <a:rPr lang="pt-BR" dirty="0" smtClean="0"/>
+              <a:rPr lang="pt-BR" dirty="0"/>
               <a:t> </a:t>
             </a:r>
             <a:r>
-              <a:rPr lang="pt-BR" dirty="0" err="1" smtClean="0"/>
+              <a:rPr lang="pt-BR" dirty="0" err="1"/>
               <a:t>is</a:t>
             </a:r>
             <a:r>
-              <a:rPr lang="pt-BR" dirty="0" smtClean="0"/>
+              <a:rPr lang="pt-BR" dirty="0"/>
               <a:t> 0, 1, 2, 3 </a:t>
             </a:r>
             <a:r>
-              <a:rPr lang="pt-BR" dirty="0" err="1" smtClean="0"/>
+              <a:rPr lang="pt-BR" dirty="0" err="1"/>
               <a:t>corresponding</a:t>
             </a:r>
             <a:r>
-              <a:rPr lang="pt-BR" dirty="0" smtClean="0"/>
+              <a:rPr lang="pt-BR" dirty="0"/>
               <a:t> </a:t>
             </a:r>
             <a:r>
-              <a:rPr lang="pt-BR" dirty="0" err="1" smtClean="0"/>
+              <a:rPr lang="pt-BR" dirty="0" err="1"/>
               <a:t>to</a:t>
             </a:r>
             <a:r>
-              <a:rPr lang="pt-BR" dirty="0" smtClean="0"/>
+              <a:rPr lang="pt-BR" dirty="0"/>
               <a:t> </a:t>
             </a:r>
           </a:p>
           <a:p>
             <a:r>
-              <a:rPr lang="pt-BR" dirty="0" smtClean="0"/>
+              <a:rPr lang="pt-BR" dirty="0"/>
               <a:t>#[160,120],[320,240],[640,480],[1280,960]</a:t>
             </a:r>
             <a:endParaRPr lang="en-US" dirty="0"/>
@@ -10808,18 +10260,17 @@
           <a:lstStyle/>
           <a:p>
             <a:r>
-              <a:rPr lang="en-US" dirty="0" smtClean="0"/>
+              <a:rPr lang="en-US" dirty="0"/>
               <a:t>Image=</a:t>
             </a:r>
             <a:r>
-              <a:rPr lang="en-US" dirty="0" err="1" smtClean="0"/>
+              <a:rPr lang="en-US" dirty="0" err="1"/>
               <a:t>nao.GetImage</a:t>
             </a:r>
             <a:r>
-              <a:rPr lang="en-US" dirty="0" smtClean="0"/>
+              <a:rPr lang="en-US" dirty="0"/>
               <a:t>()</a:t>
             </a:r>
-            <a:endParaRPr lang="en-US" dirty="0"/>
           </a:p>
         </p:txBody>
       </p:sp>
@@ -10833,13 +10284,6 @@
   <p:clrMapOvr>
     <a:masterClrMapping/>
   </p:clrMapOvr>
-  <p:timing>
-    <p:tnLst>
-      <p:par>
-        <p:cTn id="1" dur="indefinite" restart="never" nodeType="tmRoot"/>
-      </p:par>
-    </p:tnLst>
-  </p:timing>
 </p:sld>
 </file>
 
@@ -10876,11 +10320,11 @@
           <a:lstStyle/>
           <a:p>
             <a:r>
-              <a:rPr lang="en-US" dirty="0" smtClean="0"/>
+              <a:rPr lang="en-US" dirty="0"/>
               <a:t>Using </a:t>
             </a:r>
             <a:r>
-              <a:rPr lang="en-US" dirty="0" err="1" smtClean="0"/>
+              <a:rPr lang="en-US" dirty="0" err="1"/>
               <a:t>nao.py</a:t>
             </a:r>
             <a:endParaRPr lang="en-US" dirty="0"/>
@@ -10903,11 +10347,11 @@
           <a:lstStyle/>
           <a:p>
             <a:r>
-              <a:rPr lang="en-US" dirty="0" err="1" smtClean="0"/>
+              <a:rPr lang="en-US" dirty="0" err="1"/>
               <a:t>Facetracking</a:t>
             </a:r>
             <a:r>
-              <a:rPr lang="en-US" dirty="0" smtClean="0"/>
+              <a:rPr lang="en-US" dirty="0"/>
               <a:t> can be enabled/disabled with:</a:t>
             </a:r>
           </a:p>
@@ -10915,17 +10359,17 @@
             <a:endParaRPr lang="en-US" dirty="0"/>
           </a:p>
           <a:p>
-            <a:endParaRPr lang="en-US" dirty="0" smtClean="0"/>
-          </a:p>
-          <a:p>
-            <a:endParaRPr lang="en-US" dirty="0"/>
-          </a:p>
-          <a:p>
-            <a:endParaRPr lang="en-US" dirty="0" smtClean="0"/>
-          </a:p>
-          <a:p>
-            <a:r>
-              <a:rPr lang="en-US" dirty="0" smtClean="0"/>
+            <a:endParaRPr lang="en-US" dirty="0"/>
+          </a:p>
+          <a:p>
+            <a:endParaRPr lang="en-US" dirty="0"/>
+          </a:p>
+          <a:p>
+            <a:endParaRPr lang="en-US" dirty="0"/>
+          </a:p>
+          <a:p>
+            <a:r>
+              <a:rPr lang="en-US" dirty="0"/>
               <a:t>To detect a face use</a:t>
             </a:r>
           </a:p>
@@ -10933,14 +10377,13 @@
             <a:endParaRPr lang="en-US" dirty="0"/>
           </a:p>
           <a:p>
-            <a:endParaRPr lang="en-US" dirty="0" smtClean="0"/>
-          </a:p>
-          <a:p>
-            <a:r>
-              <a:rPr lang="en-US" dirty="0" smtClean="0"/>
+            <a:endParaRPr lang="en-US" dirty="0"/>
+          </a:p>
+          <a:p>
+            <a:r>
+              <a:rPr lang="en-US" dirty="0"/>
               <a:t>Search for a face using</a:t>
             </a:r>
-            <a:endParaRPr lang="en-US" dirty="0"/>
           </a:p>
         </p:txBody>
       </p:sp>
@@ -10966,25 +10409,21 @@
           <a:lstStyle/>
           <a:p>
             <a:r>
-              <a:rPr lang="en-US" dirty="0" err="1" smtClean="0"/>
+              <a:rPr lang="en-US" dirty="0" err="1"/>
               <a:t>nao.ALTrack</a:t>
             </a:r>
             <a:r>
-              <a:rPr lang="en-US" dirty="0" smtClean="0"/>
+              <a:rPr lang="en-US" dirty="0"/>
               <a:t>(True) # turn on motors and enable face tracking</a:t>
             </a:r>
           </a:p>
           <a:p>
             <a:r>
               <a:rPr lang="en-US" dirty="0" err="1"/>
-              <a:t>n</a:t>
-            </a:r>
-            <a:r>
-              <a:rPr lang="en-US" dirty="0" err="1" smtClean="0"/>
-              <a:t>ao.ALTrack</a:t>
-            </a:r>
-            <a:r>
-              <a:rPr lang="en-US" dirty="0" smtClean="0"/>
+              <a:t>nao.ALTrack</a:t>
+            </a:r>
+            <a:r>
+              <a:rPr lang="en-US" dirty="0"/>
               <a:t>(False) #disable face tracking</a:t>
             </a:r>
           </a:p>
@@ -10993,21 +10432,21 @@
           </a:p>
           <a:p>
             <a:r>
-              <a:rPr lang="en-US" dirty="0" err="1" smtClean="0"/>
+              <a:rPr lang="en-US" dirty="0" err="1"/>
               <a:t>nao.EndTrack</a:t>
             </a:r>
             <a:r>
-              <a:rPr lang="en-US" dirty="0" smtClean="0"/>
+              <a:rPr lang="en-US" dirty="0"/>
               <a:t>() #turn head motors off</a:t>
             </a:r>
           </a:p>
           <a:p>
             <a:r>
-              <a:rPr lang="en-US" dirty="0" err="1" smtClean="0"/>
+              <a:rPr lang="en-US" dirty="0" err="1"/>
               <a:t>nao.InitTrack</a:t>
             </a:r>
             <a:r>
-              <a:rPr lang="en-US" dirty="0" smtClean="0"/>
+              <a:rPr lang="en-US" dirty="0"/>
               <a:t>() # turn head motors on again</a:t>
             </a:r>
           </a:p>
@@ -11036,37 +10475,32 @@
           <a:p>
             <a:r>
               <a:rPr lang="en-US" dirty="0"/>
-              <a:t>d</a:t>
-            </a:r>
-            <a:r>
-              <a:rPr lang="en-US" dirty="0" smtClean="0"/>
-              <a:t>etected, timestamp, [</a:t>
-            </a:r>
-            <a:r>
-              <a:rPr lang="en-US" dirty="0" err="1" smtClean="0"/>
+              <a:t>detected, timestamp, [</a:t>
+            </a:r>
+            <a:r>
+              <a:rPr lang="en-US" dirty="0" err="1"/>
               <a:t>face_x</a:t>
             </a:r>
             <a:r>
-              <a:rPr lang="en-US" dirty="0" smtClean="0"/>
+              <a:rPr lang="en-US" dirty="0"/>
               <a:t>, </a:t>
             </a:r>
             <a:r>
-              <a:rPr lang="en-US" dirty="0" err="1" smtClean="0"/>
+              <a:rPr lang="en-US" dirty="0" err="1"/>
               <a:t>face_y</a:t>
             </a:r>
             <a:r>
-              <a:rPr lang="en-US" dirty="0" smtClean="0"/>
+              <a:rPr lang="en-US" dirty="0"/>
               <a:t>] = </a:t>
             </a:r>
             <a:r>
-              <a:rPr lang="en-US" dirty="0" err="1" smtClean="0"/>
+              <a:rPr lang="en-US" dirty="0" err="1"/>
               <a:t>nao.DetectFace</a:t>
             </a:r>
             <a:r>
-              <a:rPr lang="en-US" dirty="0" smtClean="0"/>
+              <a:rPr lang="en-US" dirty="0"/>
               <a:t>()</a:t>
             </a:r>
-            <a:endParaRPr lang="en-US" dirty="0"/>
           </a:p>
         </p:txBody>
       </p:sp>
@@ -11092,11 +10526,11 @@
           <a:lstStyle/>
           <a:p>
             <a:r>
-              <a:rPr lang="en-US" dirty="0" err="1" smtClean="0"/>
+              <a:rPr lang="en-US" dirty="0" err="1"/>
               <a:t>nao.FindFace</a:t>
             </a:r>
             <a:r>
-              <a:rPr lang="en-US" dirty="0" smtClean="0"/>
+              <a:rPr lang="en-US" dirty="0"/>
               <a:t>()</a:t>
             </a:r>
           </a:p>
@@ -11105,10 +10539,9 @@
           </a:p>
           <a:p>
             <a:r>
-              <a:rPr lang="en-US" dirty="0" smtClean="0"/>
+              <a:rPr lang="en-US" dirty="0"/>
               <a:t># optional arguments (gain=1.0, offset=[0.0, -0.2])</a:t>
             </a:r>
-            <a:endParaRPr lang="en-US" dirty="0"/>
           </a:p>
         </p:txBody>
       </p:sp>
@@ -11122,13 +10555,6 @@
   <p:clrMapOvr>
     <a:masterClrMapping/>
   </p:clrMapOvr>
-  <p:timing>
-    <p:tnLst>
-      <p:par>
-        <p:cTn id="1" dur="indefinite" restart="never" nodeType="tmRoot"/>
-      </p:par>
-    </p:tnLst>
-  </p:timing>
 </p:sld>
 </file>
 
@@ -11165,11 +10591,11 @@
           <a:lstStyle/>
           <a:p>
             <a:r>
-              <a:rPr lang="en-US" dirty="0" smtClean="0"/>
+              <a:rPr lang="en-US" dirty="0"/>
               <a:t>Using </a:t>
             </a:r>
             <a:r>
-              <a:rPr lang="en-US" dirty="0" err="1" smtClean="0"/>
+              <a:rPr lang="en-US" dirty="0" err="1"/>
               <a:t>nao.py</a:t>
             </a:r>
             <a:endParaRPr lang="en-US" dirty="0"/>
@@ -11192,11 +10618,11 @@
           <a:lstStyle/>
           <a:p>
             <a:r>
-              <a:rPr lang="en-US" dirty="0" err="1" smtClean="0"/>
+              <a:rPr lang="en-US" dirty="0" err="1"/>
               <a:t>LandMark</a:t>
             </a:r>
             <a:r>
-              <a:rPr lang="en-US" dirty="0" smtClean="0"/>
+              <a:rPr lang="en-US" dirty="0"/>
               <a:t> detection needs to be initialized before it can be used</a:t>
             </a:r>
           </a:p>
@@ -11204,14 +10630,14 @@
             <a:pPr marL="0" indent="0">
               <a:buNone/>
             </a:pPr>
-            <a:endParaRPr lang="en-US" dirty="0" smtClean="0"/>
-          </a:p>
-          <a:p>
-            <a:endParaRPr lang="en-US" dirty="0"/>
-          </a:p>
-          <a:p>
-            <a:r>
-              <a:rPr lang="en-US" dirty="0" smtClean="0"/>
+            <a:endParaRPr lang="en-US" dirty="0"/>
+          </a:p>
+          <a:p>
+            <a:endParaRPr lang="en-US" dirty="0"/>
+          </a:p>
+          <a:p>
+            <a:r>
+              <a:rPr lang="en-US" dirty="0"/>
               <a:t>After that the Landmark can be detected using:</a:t>
             </a:r>
           </a:p>
@@ -11219,21 +10645,21 @@
             <a:pPr marL="0" indent="0">
               <a:buNone/>
             </a:pPr>
-            <a:endParaRPr lang="en-US" dirty="0" smtClean="0"/>
-          </a:p>
-          <a:p>
-            <a:r>
-              <a:rPr lang="en-US" dirty="0" err="1" smtClean="0"/>
+            <a:endParaRPr lang="en-US" dirty="0"/>
+          </a:p>
+          <a:p>
+            <a:r>
+              <a:rPr lang="en-US" dirty="0" err="1"/>
               <a:t>MarkerInfo</a:t>
             </a:r>
             <a:r>
-              <a:rPr lang="en-US" dirty="0" smtClean="0"/>
+              <a:rPr lang="en-US" dirty="0"/>
               <a:t> is an array of detected landmarks</a:t>
             </a:r>
           </a:p>
           <a:p>
             <a:r>
-              <a:rPr lang="en-US" dirty="0" smtClean="0"/>
+              <a:rPr lang="en-US" dirty="0"/>
               <a:t>Each detected landmark contains 6 fields, for example the first detected landmark contains:</a:t>
             </a:r>
           </a:p>
@@ -11264,14 +10690,13 @@
           <a:lstStyle/>
           <a:p>
             <a:r>
-              <a:rPr lang="en-US" dirty="0" err="1" smtClean="0"/>
+              <a:rPr lang="en-US" dirty="0" err="1"/>
               <a:t>nao.InitLandMark</a:t>
             </a:r>
             <a:r>
-              <a:rPr lang="en-US" dirty="0" smtClean="0"/>
+              <a:rPr lang="en-US" dirty="0"/>
               <a:t>()</a:t>
             </a:r>
-            <a:endParaRPr lang="en-US" dirty="0"/>
           </a:p>
         </p:txBody>
       </p:sp>
@@ -11309,14 +10734,13 @@
               <a:t>=</a:t>
             </a:r>
             <a:r>
-              <a:rPr lang="en-US" dirty="0" err="1" smtClean="0"/>
+              <a:rPr lang="en-US" dirty="0" err="1"/>
               <a:t>nao.DetectLandMark</a:t>
             </a:r>
             <a:r>
-              <a:rPr lang="en-US" dirty="0" smtClean="0"/>
+              <a:rPr lang="en-US" dirty="0"/>
               <a:t>()</a:t>
             </a:r>
-            <a:endParaRPr lang="en-US" dirty="0"/>
           </a:p>
         </p:txBody>
       </p:sp>
@@ -11343,14 +10767,10 @@
           <a:p>
             <a:r>
               <a:rPr lang="en-US" dirty="0" err="1"/>
-              <a:t>m</a:t>
-            </a:r>
-            <a:r>
-              <a:rPr lang="en-US" dirty="0" err="1" smtClean="0"/>
-              <a:t>arkerinfo</a:t>
-            </a:r>
-            <a:r>
-              <a:rPr lang="en-US" dirty="0" smtClean="0"/>
+              <a:t>markerinfo</a:t>
+            </a:r>
+            <a:r>
+              <a:rPr lang="en-US" dirty="0"/>
               <a:t>[0][0]		#</a:t>
             </a:r>
             <a:r>
@@ -11362,67 +10782,31 @@
           <a:p>
             <a:r>
               <a:rPr lang="en-US" dirty="0" err="1"/>
-              <a:t>m</a:t>
-            </a:r>
-            <a:r>
-              <a:rPr lang="en-US" dirty="0" err="1" smtClean="0"/>
-              <a:t>arkerinfo</a:t>
-            </a:r>
-            <a:r>
-              <a:rPr lang="en-US" dirty="0" smtClean="0"/>
-              <a:t>[0][1]		#</a:t>
-            </a:r>
-            <a:r>
-              <a:rPr lang="en-US" dirty="0"/>
-              <a:t>alpha - x location in camera angle</a:t>
-            </a:r>
-          </a:p>
-          <a:p>
-            <a:r>
-              <a:rPr lang="en-US" dirty="0" err="1"/>
-              <a:t>m</a:t>
-            </a:r>
-            <a:r>
-              <a:rPr lang="en-US" dirty="0" err="1" smtClean="0"/>
-              <a:t>arkerinfo</a:t>
-            </a:r>
-            <a:r>
-              <a:rPr lang="en-US" dirty="0" smtClean="0"/>
-              <a:t>[0][2]</a:t>
-            </a:r>
-            <a:r>
-              <a:rPr lang="en-US" dirty="0"/>
-              <a:t>	</a:t>
-            </a:r>
-            <a:r>
-              <a:rPr lang="en-US" dirty="0" smtClean="0"/>
-              <a:t>	#</a:t>
-            </a:r>
-            <a:r>
-              <a:rPr lang="en-US" dirty="0"/>
-              <a:t>beta  - y location</a:t>
-            </a:r>
-          </a:p>
-          <a:p>
-            <a:r>
-              <a:rPr lang="en-US" dirty="0" err="1"/>
-              <a:t>m</a:t>
-            </a:r>
-            <a:r>
-              <a:rPr lang="en-US" dirty="0" err="1" smtClean="0"/>
-              <a:t>arkerinfo</a:t>
-            </a:r>
-            <a:r>
-              <a:rPr lang="en-US" dirty="0" smtClean="0"/>
-              <a:t>[0][3]</a:t>
-            </a:r>
-            <a:r>
-              <a:rPr lang="en-US" dirty="0"/>
-              <a:t>	</a:t>
-            </a:r>
-            <a:r>
-              <a:rPr lang="en-US" dirty="0" smtClean="0"/>
-              <a:t>	#</a:t>
+              <a:t>markerinfo</a:t>
+            </a:r>
+            <a:r>
+              <a:rPr lang="en-US" dirty="0"/>
+              <a:t>[0][1]		#alpha - x location in camera angle</a:t>
+            </a:r>
+          </a:p>
+          <a:p>
+            <a:r>
+              <a:rPr lang="en-US" dirty="0" err="1"/>
+              <a:t>markerinfo</a:t>
+            </a:r>
+            <a:r>
+              <a:rPr lang="en-US" dirty="0"/>
+              <a:t>[0][2]		#beta  - y location</a:t>
+            </a:r>
+          </a:p>
+          <a:p>
+            <a:r>
+              <a:rPr lang="en-US" dirty="0" err="1"/>
+              <a:t>markerinfo</a:t>
+            </a:r>
+            <a:r>
+              <a:rPr lang="en-US" dirty="0"/>
+              <a:t>[0][3]		#</a:t>
             </a:r>
             <a:r>
               <a:rPr lang="en-US" dirty="0" err="1"/>
@@ -11433,14 +10817,10 @@
           <a:p>
             <a:r>
               <a:rPr lang="en-US" dirty="0" err="1"/>
-              <a:t>m</a:t>
-            </a:r>
-            <a:r>
-              <a:rPr lang="en-US" dirty="0" err="1" smtClean="0"/>
-              <a:t>arkerinfo</a:t>
-            </a:r>
-            <a:r>
-              <a:rPr lang="en-US" dirty="0" smtClean="0"/>
+              <a:t>markerinfo</a:t>
+            </a:r>
+            <a:r>
+              <a:rPr lang="en-US" dirty="0"/>
               <a:t>[0][4]		#</a:t>
             </a:r>
             <a:r>
@@ -11452,27 +10832,11 @@
           <a:p>
             <a:r>
               <a:rPr lang="en-US" dirty="0" err="1"/>
-              <a:t>m</a:t>
-            </a:r>
-            <a:r>
-              <a:rPr lang="en-US" dirty="0" err="1" smtClean="0"/>
-              <a:t>arkerinfo</a:t>
-            </a:r>
-            <a:r>
-              <a:rPr lang="en-US" dirty="0" smtClean="0"/>
-              <a:t>[0][5</a:t>
-            </a:r>
-            <a:r>
-              <a:rPr lang="en-US" dirty="0"/>
-              <a:t>] </a:t>
-            </a:r>
-            <a:r>
-              <a:rPr lang="en-US" dirty="0" smtClean="0"/>
-              <a:t>	#</a:t>
-            </a:r>
-            <a:r>
-              <a:rPr lang="en-US" dirty="0"/>
-              <a:t>orientation about vertical </a:t>
+              <a:t>markerinfo</a:t>
+            </a:r>
+            <a:r>
+              <a:rPr lang="en-US" dirty="0"/>
+              <a:t>[0][5] 	#orientation about vertical </a:t>
             </a:r>
             <a:r>
               <a:rPr lang="en-US" dirty="0" err="1"/>
@@ -11503,13 +10867,6 @@
   <p:clrMapOvr>
     <a:masterClrMapping/>
   </p:clrMapOvr>
-  <p:timing>
-    <p:tnLst>
-      <p:par>
-        <p:cTn id="1" dur="indefinite" restart="never" nodeType="tmRoot"/>
-      </p:par>
-    </p:tnLst>
-  </p:timing>
 </p:sld>
 </file>
 
